--- a/sparse-abft.pptx
+++ b/sparse-abft.pptx
@@ -303,7 +303,7 @@
             <a:fld id="{36830665-627D-8446-BB4C-F734FB643EF0}" type="datetime1">
               <a:rPr lang="en-US"/>
               <a:pPr/>
-              <a:t>09/04/16</a:t>
+              <a:t>11/04/16</a:t>
             </a:fld>
             <a:endParaRPr lang="en-US"/>
           </a:p>
@@ -13102,21 +13102,8 @@
           <a:p>
             <a:r>
               <a:rPr lang="en-GB" sz="2600" dirty="0" smtClean="0"/>
-              <a:t>Add </a:t>
-            </a:r>
-            <a:r>
-              <a:rPr lang="en-GB" sz="2600" dirty="0" smtClean="0"/>
-              <a:t>an extra </a:t>
-            </a:r>
-            <a:r>
-              <a:rPr lang="en-GB" sz="2600" dirty="0" smtClean="0"/>
-              <a:t>bit to </a:t>
-            </a:r>
-            <a:r>
-              <a:rPr lang="en-GB" sz="2600" dirty="0" smtClean="0"/>
-              <a:t>data (or repurpose an unused bit)</a:t>
-            </a:r>
-            <a:endParaRPr lang="en-GB" sz="2600" dirty="0" smtClean="0"/>
+              <a:t>Add an extra bit to data (or repurpose an unused bit)</a:t>
+            </a:r>
           </a:p>
           <a:p>
             <a:r>
@@ -13135,21 +13122,8 @@
             <a:pPr lvl="1"/>
             <a:r>
               <a:rPr lang="en-GB" sz="2600" dirty="0" smtClean="0"/>
-              <a:t>If </a:t>
-            </a:r>
-            <a:r>
-              <a:rPr lang="en-GB" sz="2600" dirty="0" smtClean="0"/>
-              <a:t>even </a:t>
-            </a:r>
-            <a:r>
-              <a:rPr lang="en-GB" sz="2600" dirty="0" smtClean="0"/>
-              <a:t>number, set parity bit to </a:t>
-            </a:r>
-            <a:r>
-              <a:rPr lang="en-GB" sz="2600" dirty="0" smtClean="0"/>
-              <a:t>‘0’</a:t>
-            </a:r>
-            <a:endParaRPr lang="en-GB" sz="2600" dirty="0" smtClean="0"/>
+              <a:t>If even number, set parity bit to ‘0’</a:t>
+            </a:r>
           </a:p>
           <a:p>
             <a:pPr lvl="1"/>
@@ -13187,11 +13161,7 @@
           <a:p>
             <a:r>
               <a:rPr lang="en-GB" sz="2600" dirty="0" smtClean="0"/>
-              <a:t>Can protect </a:t>
-            </a:r>
-            <a:r>
-              <a:rPr lang="en-GB" sz="2600" dirty="0" smtClean="0"/>
-              <a:t>any number of data bits</a:t>
+              <a:t>Can protect any number of data bits</a:t>
             </a:r>
           </a:p>
           <a:p>
@@ -18258,11 +18228,7 @@
             </a:r>
             <a:r>
               <a:rPr lang="en-GB" dirty="0" smtClean="0"/>
-              <a:t> (but not correct) </a:t>
-            </a:r>
-            <a:r>
-              <a:rPr lang="en-GB" dirty="0" smtClean="0"/>
-              <a:t>double-</a:t>
+              <a:t> (but not correct) double-</a:t>
             </a:r>
             <a:r>
               <a:rPr lang="en-GB" dirty="0"/>
@@ -18816,11 +18782,7 @@
             </a:r>
             <a:r>
               <a:rPr lang="en-GB" dirty="0" smtClean="0"/>
-              <a:t> </a:t>
-            </a:r>
-            <a:r>
-              <a:rPr lang="en-GB" dirty="0" smtClean="0"/>
-              <a:t>protects</a:t>
+              <a:t> protects</a:t>
             </a:r>
             <a:endParaRPr lang="en-GB" dirty="0"/>
           </a:p>
@@ -43462,13 +43424,8 @@
           <a:p>
             <a:r>
               <a:rPr lang="en-GB" dirty="0" smtClean="0"/>
-              <a:t>TODO: Show some performance </a:t>
-            </a:r>
-            <a:r>
-              <a:rPr lang="en-GB" dirty="0" smtClean="0"/>
-              <a:t>numbers for the different schemes?</a:t>
-            </a:r>
-            <a:endParaRPr lang="en-GB" dirty="0" smtClean="0"/>
+              <a:t>TODO: Show some performance numbers for the different schemes?</a:t>
+            </a:r>
           </a:p>
         </p:txBody>
       </p:sp>
@@ -43506,11 +43463,11 @@
   <p:clrMapOvr>
     <a:masterClrMapping/>
   </p:clrMapOvr>
-  <mc:AlternateContent xmlns:mc="http://schemas.openxmlformats.org/markup-compatibility/2006">
-    <mc:Choice xmlns:p14="http://schemas.microsoft.com/office/powerpoint/2010/main" Requires="p14">
+  <mc:AlternateContent xmlns:mc="http://schemas.openxmlformats.org/markup-compatibility/2006" xmlns:p14="http://schemas.microsoft.com/office/powerpoint/2010/main">
+    <mc:Choice Requires="p14">
       <p:transition spd="slow" p14:dur="2000"/>
     </mc:Choice>
-    <mc:Fallback>
+    <mc:Fallback xmlns="">
       <p:transition xmlns:p14="http://schemas.microsoft.com/office/powerpoint/2010/main" spd="slow"/>
     </mc:Fallback>
   </mc:AlternateContent>
@@ -43625,7 +43582,6 @@
               <a:rPr lang="en-GB" dirty="0" smtClean="0"/>
               <a:t>found</a:t>
             </a:r>
-            <a:endParaRPr lang="en-GB" dirty="0" smtClean="0"/>
           </a:p>
         </p:txBody>
       </p:sp>
@@ -43737,20 +43693,67 @@
           <a:lstStyle/>
           <a:p>
             <a:r>
-              <a:rPr lang="en-GB" dirty="0" smtClean="0"/>
-              <a:t>Comments in the code will guide you</a:t>
-            </a:r>
-          </a:p>
-          <a:p>
-            <a:r>
-              <a:rPr lang="en-GB" dirty="0" smtClean="0"/>
-              <a:t>Two routines are provided to do the heavy lifting (see comments for descriptions):</a:t>
+              <a:rPr lang="en-GB" sz="2800" dirty="0" smtClean="0"/>
+              <a:t>Comments in the code will guide </a:t>
+            </a:r>
+            <a:r>
+              <a:rPr lang="en-GB" sz="2800" dirty="0" smtClean="0"/>
+              <a:t>you</a:t>
             </a:r>
           </a:p>
           <a:p>
             <a:pPr lvl="1"/>
             <a:r>
-              <a:rPr lang="en-GB" b="1" dirty="0" smtClean="0">
+              <a:rPr lang="en-GB" sz="2400" dirty="0" smtClean="0"/>
+              <a:t>You just need to modify </a:t>
+            </a:r>
+            <a:r>
+              <a:rPr lang="en-GB" sz="2400" b="1" dirty="0" err="1" smtClean="0">
+                <a:solidFill>
+                  <a:srgbClr val="008000"/>
+                </a:solidFill>
+                <a:latin typeface="Courier New"/>
+                <a:cs typeface="Courier New"/>
+              </a:rPr>
+              <a:t>spmv.c</a:t>
+            </a:r>
+            <a:endParaRPr lang="en-GB" sz="2400" b="1" dirty="0" smtClean="0">
+              <a:solidFill>
+                <a:srgbClr val="008000"/>
+              </a:solidFill>
+              <a:latin typeface="Courier New"/>
+              <a:cs typeface="Courier New"/>
+            </a:endParaRPr>
+          </a:p>
+          <a:p>
+            <a:r>
+              <a:rPr lang="en-GB" sz="2800" dirty="0" smtClean="0"/>
+              <a:t>Two routines are provided to do the heavy lifting (see </a:t>
+            </a:r>
+            <a:r>
+              <a:rPr lang="en-GB" sz="2800" dirty="0" smtClean="0"/>
+              <a:t>comments in </a:t>
+            </a:r>
+            <a:r>
+              <a:rPr lang="en-GB" sz="2800" b="1" dirty="0" err="1" smtClean="0">
+                <a:latin typeface="Courier New"/>
+                <a:cs typeface="Courier New"/>
+              </a:rPr>
+              <a:t>common.h</a:t>
+            </a:r>
+            <a:r>
+              <a:rPr lang="en-GB" sz="2800" dirty="0" smtClean="0"/>
+              <a:t> </a:t>
+            </a:r>
+            <a:r>
+              <a:rPr lang="en-GB" sz="2800" dirty="0" smtClean="0"/>
+              <a:t>for descriptions):</a:t>
+            </a:r>
+          </a:p>
+          <a:p>
+            <a:pPr lvl="1"/>
+            <a:r>
+              <a:rPr lang="en-GB" sz="2400" b="1" dirty="0" smtClean="0">
                 <a:solidFill>
                   <a:srgbClr val="3366FF"/>
                 </a:solidFill>
@@ -43759,11 +43762,18 @@
               </a:rPr>
               <a:t>ecc_compute_col8</a:t>
             </a:r>
+            <a:endParaRPr lang="en-GB" sz="2400" b="1" dirty="0" smtClean="0">
+              <a:solidFill>
+                <a:srgbClr val="3366FF"/>
+              </a:solidFill>
+              <a:latin typeface="Courier New"/>
+              <a:cs typeface="Courier New"/>
+            </a:endParaRPr>
           </a:p>
           <a:p>
             <a:pPr lvl="1"/>
             <a:r>
-              <a:rPr lang="en-GB" b="1" dirty="0" smtClean="0">
+              <a:rPr lang="en-GB" sz="2400" b="1" dirty="0" smtClean="0">
                 <a:solidFill>
                   <a:srgbClr val="3366FF"/>
                 </a:solidFill>
@@ -43772,45 +43782,46 @@
               </a:rPr>
               <a:t>ecc_correct_col8</a:t>
             </a:r>
-          </a:p>
-          <a:p>
-            <a:r>
-              <a:rPr lang="en-GB" dirty="0"/>
+            <a:endParaRPr lang="en-GB" sz="2400" b="1" dirty="0" smtClean="0">
+              <a:solidFill>
+                <a:srgbClr val="3366FF"/>
+              </a:solidFill>
+              <a:latin typeface="Courier New"/>
+              <a:cs typeface="Courier New"/>
+            </a:endParaRPr>
+          </a:p>
+          <a:p>
+            <a:r>
+              <a:rPr lang="en-GB" sz="2800" dirty="0"/>
               <a:t>To test the code, pass the ‘</a:t>
             </a:r>
             <a:r>
-              <a:rPr lang="en-GB" dirty="0">
+              <a:rPr lang="en-GB" sz="2800" dirty="0">
                 <a:latin typeface="Courier New"/>
                 <a:cs typeface="Courier New"/>
               </a:rPr>
               <a:t>-x</a:t>
             </a:r>
             <a:r>
-              <a:rPr lang="en-GB" dirty="0"/>
-              <a:t>’ parameter to the application to inject a random bit-</a:t>
-            </a:r>
-            <a:r>
-              <a:rPr lang="en-GB" dirty="0" smtClean="0"/>
+              <a:rPr lang="en-GB" sz="2800" dirty="0"/>
+              <a:t>’ parameter to the application to inject a random bit</a:t>
+            </a:r>
+            <a:r>
+              <a:rPr lang="en-GB" sz="2800"/>
+              <a:t>-</a:t>
+            </a:r>
+            <a:r>
+              <a:rPr lang="en-GB" sz="2800" smtClean="0"/>
               <a:t>flip</a:t>
             </a:r>
-          </a:p>
-          <a:p>
-            <a:r>
-              <a:rPr lang="en-GB" dirty="0" smtClean="0"/>
-              <a:t>Use ‘</a:t>
-            </a:r>
-            <a:r>
-              <a:rPr lang="en-GB" dirty="0" smtClean="0">
-                <a:latin typeface="Courier New"/>
-                <a:cs typeface="Courier New"/>
-              </a:rPr>
-              <a:t>--help</a:t>
-            </a:r>
-            <a:r>
-              <a:rPr lang="en-GB" dirty="0" smtClean="0"/>
-              <a:t>’ to see other options</a:t>
-            </a:r>
-            <a:endParaRPr lang="en-GB" dirty="0"/>
+            <a:endParaRPr lang="en-GB" sz="2800" dirty="0" smtClean="0"/>
+          </a:p>
+          <a:p>
+            <a:r>
+              <a:rPr lang="en-GB" sz="2800" dirty="0" smtClean="0"/>
+              <a:t>Example solutions are provided</a:t>
+            </a:r>
+            <a:endParaRPr lang="en-GB" sz="2800" dirty="0"/>
           </a:p>
         </p:txBody>
       </p:sp>
@@ -43922,7 +43933,7 @@
           <a:lstStyle/>
           <a:p>
             <a:r>
-              <a:rPr lang="en-GB" b="1" dirty="0" smtClean="0">
+              <a:rPr lang="en-GB" sz="2800" b="1" dirty="0" smtClean="0">
                 <a:solidFill>
                   <a:srgbClr val="008000"/>
                 </a:solidFill>
@@ -43930,25 +43941,63 @@
               <a:t>Extras</a:t>
             </a:r>
             <a:r>
-              <a:rPr lang="en-GB" dirty="0" smtClean="0"/>
-              <a:t> (if you finish early!):</a:t>
+              <a:rPr lang="en-GB" sz="2800" dirty="0" smtClean="0"/>
+              <a:t> </a:t>
+            </a:r>
+            <a:r>
+              <a:rPr lang="en-GB" sz="2800" dirty="0" smtClean="0"/>
+              <a:t>(if you finish early!):</a:t>
             </a:r>
           </a:p>
           <a:p>
             <a:pPr lvl="1"/>
             <a:r>
-              <a:rPr lang="en-GB" dirty="0" smtClean="0"/>
-              <a:t>Add an additional overall parity bit to improve the performance of the error checking code</a:t>
-            </a:r>
+              <a:rPr lang="en-GB" sz="2400" dirty="0" smtClean="0"/>
+              <a:t>Add an additional overall parity bit to improve the performance of the error checking </a:t>
+            </a:r>
+            <a:r>
+              <a:rPr lang="en-GB" sz="2400" dirty="0" smtClean="0"/>
+              <a:t>code</a:t>
+            </a:r>
+          </a:p>
+          <a:p>
+            <a:pPr lvl="2"/>
+            <a:r>
+              <a:rPr lang="en-GB" sz="2000" dirty="0" smtClean="0"/>
+              <a:t>Use the </a:t>
+            </a:r>
+            <a:r>
+              <a:rPr lang="en-GB" sz="2000" b="1" dirty="0" err="1" smtClean="0">
+                <a:solidFill>
+                  <a:srgbClr val="3366FF"/>
+                </a:solidFill>
+                <a:latin typeface="Courier New"/>
+                <a:cs typeface="Courier New"/>
+              </a:rPr>
+              <a:t>ecc_compute_overall_partity</a:t>
+            </a:r>
+            <a:r>
+              <a:rPr lang="en-GB" sz="2000" dirty="0" smtClean="0"/>
+              <a:t> routine</a:t>
+            </a:r>
+            <a:endParaRPr lang="en-GB" sz="2000" dirty="0" smtClean="0"/>
           </a:p>
           <a:p>
             <a:pPr lvl="1"/>
             <a:r>
-              <a:rPr lang="en-GB" dirty="0" smtClean="0"/>
-              <a:t>Or use the extra parity bit implement a SECDED scheme </a:t>
-            </a:r>
-            <a:r>
-              <a:rPr lang="en-GB" b="1" dirty="0" smtClean="0">
+              <a:rPr lang="en-GB" sz="2400" dirty="0" smtClean="0"/>
+              <a:t>Or use the extra parity bit </a:t>
+            </a:r>
+            <a:r>
+              <a:rPr lang="en-GB" sz="2400" dirty="0" smtClean="0"/>
+              <a:t>to implement </a:t>
+            </a:r>
+            <a:r>
+              <a:rPr lang="en-GB" sz="2400" dirty="0" smtClean="0"/>
+              <a:t>a SECDED scheme </a:t>
+            </a:r>
+            <a:r>
+              <a:rPr lang="en-GB" sz="2400" b="1" dirty="0" smtClean="0">
                 <a:solidFill>
                   <a:srgbClr val="FF0000"/>
                 </a:solidFill>
@@ -43959,11 +44008,11 @@
           <a:p>
             <a:pPr lvl="1"/>
             <a:r>
-              <a:rPr lang="en-GB" dirty="0" smtClean="0"/>
+              <a:rPr lang="en-GB" sz="2400" dirty="0" smtClean="0"/>
               <a:t>Try other parity bit placement schemes (4 bits in row and 4 in column, or use the least significant bits of the value)</a:t>
             </a:r>
             <a:r>
-              <a:rPr lang="en-GB" b="1" dirty="0" smtClean="0">
+              <a:rPr lang="en-GB" sz="2400" b="1" dirty="0" smtClean="0">
                 <a:solidFill>
                   <a:srgbClr val="FF0000"/>
                 </a:solidFill>
@@ -44096,15 +44145,7 @@
           <a:p>
             <a:r>
               <a:rPr lang="en-GB" dirty="0" smtClean="0"/>
-              <a:t>Since most </a:t>
-            </a:r>
-            <a:r>
-              <a:rPr lang="en-GB" dirty="0" smtClean="0"/>
-              <a:t>of the matrix elements are </a:t>
-            </a:r>
-            <a:r>
-              <a:rPr lang="en-GB" dirty="0" smtClean="0"/>
-              <a:t>zero, sparse matrices are </a:t>
+              <a:t>Since most of the matrix elements are zero, sparse matrices are </a:t>
             </a:r>
             <a:r>
               <a:rPr lang="en-GB" dirty="0"/>
@@ -44112,21 +44153,13 @@
             </a:r>
             <a:r>
               <a:rPr lang="en-GB" dirty="0" smtClean="0"/>
-              <a:t>tored </a:t>
-            </a:r>
+              <a:t>tored in a compressed format</a:t>
+            </a:r>
+          </a:p>
+          <a:p>
             <a:r>
               <a:rPr lang="en-GB" dirty="0" smtClean="0"/>
-              <a:t>in a compressed format</a:t>
-            </a:r>
-          </a:p>
-          <a:p>
-            <a:r>
-              <a:rPr lang="en-GB" dirty="0" smtClean="0"/>
-              <a:t>Which elements are </a:t>
-            </a:r>
-            <a:r>
-              <a:rPr lang="en-GB" dirty="0" smtClean="0"/>
-              <a:t>non-zero may change over time</a:t>
+              <a:t>Which elements are non-zero may change over time</a:t>
             </a:r>
           </a:p>
           <a:p>

--- a/sparse-abft.pptx
+++ b/sparse-abft.pptx
@@ -5,10 +5,10 @@
     <p:sldMasterId id="2147483649" r:id="rId3"/>
   </p:sldMasterIdLst>
   <p:notesMasterIdLst>
-    <p:notesMasterId r:id="rId49"/>
+    <p:notesMasterId r:id="rId53"/>
   </p:notesMasterIdLst>
   <p:handoutMasterIdLst>
-    <p:handoutMasterId r:id="rId50"/>
+    <p:handoutMasterId r:id="rId54"/>
   </p:handoutMasterIdLst>
   <p:sldIdLst>
     <p:sldId id="257" r:id="rId4"/>
@@ -26,36 +26,40 @@
     <p:sldId id="571" r:id="rId16"/>
     <p:sldId id="572" r:id="rId17"/>
     <p:sldId id="573" r:id="rId18"/>
-    <p:sldId id="574" r:id="rId19"/>
-    <p:sldId id="575" r:id="rId20"/>
-    <p:sldId id="576" r:id="rId21"/>
-    <p:sldId id="590" r:id="rId22"/>
-    <p:sldId id="591" r:id="rId23"/>
-    <p:sldId id="596" r:id="rId24"/>
-    <p:sldId id="595" r:id="rId25"/>
-    <p:sldId id="593" r:id="rId26"/>
-    <p:sldId id="594" r:id="rId27"/>
-    <p:sldId id="597" r:id="rId28"/>
-    <p:sldId id="598" r:id="rId29"/>
-    <p:sldId id="599" r:id="rId30"/>
-    <p:sldId id="600" r:id="rId31"/>
-    <p:sldId id="606" r:id="rId32"/>
-    <p:sldId id="601" r:id="rId33"/>
-    <p:sldId id="602" r:id="rId34"/>
-    <p:sldId id="603" r:id="rId35"/>
-    <p:sldId id="604" r:id="rId36"/>
-    <p:sldId id="605" r:id="rId37"/>
-    <p:sldId id="608" r:id="rId38"/>
-    <p:sldId id="609" r:id="rId39"/>
-    <p:sldId id="610" r:id="rId40"/>
-    <p:sldId id="611" r:id="rId41"/>
-    <p:sldId id="612" r:id="rId42"/>
-    <p:sldId id="613" r:id="rId43"/>
-    <p:sldId id="615" r:id="rId44"/>
-    <p:sldId id="614" r:id="rId45"/>
-    <p:sldId id="618" r:id="rId46"/>
-    <p:sldId id="588" r:id="rId47"/>
-    <p:sldId id="619" r:id="rId48"/>
+    <p:sldId id="624" r:id="rId19"/>
+    <p:sldId id="574" r:id="rId20"/>
+    <p:sldId id="575" r:id="rId21"/>
+    <p:sldId id="576" r:id="rId22"/>
+    <p:sldId id="590" r:id="rId23"/>
+    <p:sldId id="591" r:id="rId24"/>
+    <p:sldId id="596" r:id="rId25"/>
+    <p:sldId id="595" r:id="rId26"/>
+    <p:sldId id="593" r:id="rId27"/>
+    <p:sldId id="594" r:id="rId28"/>
+    <p:sldId id="623" r:id="rId29"/>
+    <p:sldId id="597" r:id="rId30"/>
+    <p:sldId id="598" r:id="rId31"/>
+    <p:sldId id="599" r:id="rId32"/>
+    <p:sldId id="600" r:id="rId33"/>
+    <p:sldId id="606" r:id="rId34"/>
+    <p:sldId id="601" r:id="rId35"/>
+    <p:sldId id="602" r:id="rId36"/>
+    <p:sldId id="603" r:id="rId37"/>
+    <p:sldId id="604" r:id="rId38"/>
+    <p:sldId id="605" r:id="rId39"/>
+    <p:sldId id="608" r:id="rId40"/>
+    <p:sldId id="609" r:id="rId41"/>
+    <p:sldId id="610" r:id="rId42"/>
+    <p:sldId id="611" r:id="rId43"/>
+    <p:sldId id="612" r:id="rId44"/>
+    <p:sldId id="622" r:id="rId45"/>
+    <p:sldId id="613" r:id="rId46"/>
+    <p:sldId id="621" r:id="rId47"/>
+    <p:sldId id="615" r:id="rId48"/>
+    <p:sldId id="620" r:id="rId49"/>
+    <p:sldId id="618" r:id="rId50"/>
+    <p:sldId id="588" r:id="rId51"/>
+    <p:sldId id="619" r:id="rId52"/>
   </p:sldIdLst>
   <p:sldSz cx="9144000" cy="6858000" type="screen4x3"/>
   <p:notesSz cx="6858000" cy="9144000"/>
@@ -303,7 +307,7 @@
             <a:fld id="{36830665-627D-8446-BB4C-F734FB643EF0}" type="datetime1">
               <a:rPr lang="en-US"/>
               <a:pPr/>
-              <a:t>11/04/16</a:t>
+              <a:t>17/04/16</a:t>
             </a:fld>
             <a:endParaRPr lang="en-US"/>
           </a:p>
@@ -1504,7 +1508,7 @@
               <a:pPr>
                 <a:defRPr/>
               </a:pPr>
-              <a:t>17</a:t>
+              <a:t>18</a:t>
             </a:fld>
             <a:endParaRPr lang="en-GB"/>
           </a:p>
@@ -1636,7 +1640,7 @@
               <a:pPr>
                 <a:defRPr/>
               </a:pPr>
-              <a:t>18</a:t>
+              <a:t>19</a:t>
             </a:fld>
             <a:endParaRPr lang="en-GB"/>
           </a:p>
@@ -1729,7 +1733,7 @@
             <a:fld id="{1C811BE7-51AF-BD41-88D3-08D74CFB37BF}" type="slidenum">
               <a:rPr lang="en-GB" smtClean="0"/>
               <a:pPr/>
-              <a:t>19</a:t>
+              <a:t>20</a:t>
             </a:fld>
             <a:endParaRPr lang="en-GB"/>
           </a:p>
@@ -1814,7 +1818,7 @@
             <a:fld id="{1C811BE7-51AF-BD41-88D3-08D74CFB37BF}" type="slidenum">
               <a:rPr lang="en-GB" smtClean="0"/>
               <a:pPr/>
-              <a:t>20</a:t>
+              <a:t>21</a:t>
             </a:fld>
             <a:endParaRPr lang="en-GB"/>
           </a:p>
@@ -1899,7 +1903,7 @@
             <a:fld id="{1C811BE7-51AF-BD41-88D3-08D74CFB37BF}" type="slidenum">
               <a:rPr lang="en-GB" smtClean="0"/>
               <a:pPr/>
-              <a:t>22</a:t>
+              <a:t>23</a:t>
             </a:fld>
             <a:endParaRPr lang="en-GB"/>
           </a:p>
@@ -1992,7 +1996,7 @@
             <a:fld id="{1C811BE7-51AF-BD41-88D3-08D74CFB37BF}" type="slidenum">
               <a:rPr lang="en-GB" smtClean="0"/>
               <a:pPr/>
-              <a:t>25</a:t>
+              <a:t>27</a:t>
             </a:fld>
             <a:endParaRPr lang="en-GB"/>
           </a:p>
@@ -2085,7 +2089,7 @@
             <a:fld id="{1C811BE7-51AF-BD41-88D3-08D74CFB37BF}" type="slidenum">
               <a:rPr lang="en-GB" smtClean="0"/>
               <a:pPr/>
-              <a:t>27</a:t>
+              <a:t>29</a:t>
             </a:fld>
             <a:endParaRPr lang="en-GB"/>
           </a:p>
@@ -2170,7 +2174,7 @@
             <a:fld id="{1C811BE7-51AF-BD41-88D3-08D74CFB37BF}" type="slidenum">
               <a:rPr lang="en-GB" smtClean="0"/>
               <a:pPr/>
-              <a:t>28</a:t>
+              <a:t>30</a:t>
             </a:fld>
             <a:endParaRPr lang="en-GB"/>
           </a:p>
@@ -2352,7 +2356,7 @@
             <a:fld id="{1C811BE7-51AF-BD41-88D3-08D74CFB37BF}" type="slidenum">
               <a:rPr lang="en-GB" smtClean="0"/>
               <a:pPr/>
-              <a:t>29</a:t>
+              <a:t>31</a:t>
             </a:fld>
             <a:endParaRPr lang="en-GB"/>
           </a:p>
@@ -2437,7 +2441,7 @@
             <a:fld id="{1C811BE7-51AF-BD41-88D3-08D74CFB37BF}" type="slidenum">
               <a:rPr lang="en-GB" smtClean="0"/>
               <a:pPr/>
-              <a:t>30</a:t>
+              <a:t>32</a:t>
             </a:fld>
             <a:endParaRPr lang="en-GB"/>
           </a:p>
@@ -2522,7 +2526,7 @@
             <a:fld id="{1C811BE7-51AF-BD41-88D3-08D74CFB37BF}" type="slidenum">
               <a:rPr lang="en-GB" smtClean="0"/>
               <a:pPr/>
-              <a:t>31</a:t>
+              <a:t>33</a:t>
             </a:fld>
             <a:endParaRPr lang="en-GB"/>
           </a:p>
@@ -2607,7 +2611,7 @@
             <a:fld id="{1C811BE7-51AF-BD41-88D3-08D74CFB37BF}" type="slidenum">
               <a:rPr lang="en-GB" smtClean="0"/>
               <a:pPr/>
-              <a:t>32</a:t>
+              <a:t>34</a:t>
             </a:fld>
             <a:endParaRPr lang="en-GB"/>
           </a:p>
@@ -2692,7 +2696,7 @@
             <a:fld id="{1C811BE7-51AF-BD41-88D3-08D74CFB37BF}" type="slidenum">
               <a:rPr lang="en-GB" smtClean="0"/>
               <a:pPr/>
-              <a:t>33</a:t>
+              <a:t>35</a:t>
             </a:fld>
             <a:endParaRPr lang="en-GB"/>
           </a:p>
@@ -2777,7 +2781,7 @@
             <a:fld id="{1C811BE7-51AF-BD41-88D3-08D74CFB37BF}" type="slidenum">
               <a:rPr lang="en-GB" smtClean="0"/>
               <a:pPr/>
-              <a:t>34</a:t>
+              <a:t>36</a:t>
             </a:fld>
             <a:endParaRPr lang="en-GB"/>
           </a:p>
@@ -2862,7 +2866,7 @@
             <a:fld id="{1C811BE7-51AF-BD41-88D3-08D74CFB37BF}" type="slidenum">
               <a:rPr lang="en-GB" smtClean="0"/>
               <a:pPr/>
-              <a:t>35</a:t>
+              <a:t>37</a:t>
             </a:fld>
             <a:endParaRPr lang="en-GB"/>
           </a:p>
@@ -2947,7 +2951,7 @@
             <a:fld id="{1C811BE7-51AF-BD41-88D3-08D74CFB37BF}" type="slidenum">
               <a:rPr lang="en-GB" smtClean="0"/>
               <a:pPr/>
-              <a:t>36</a:t>
+              <a:t>38</a:t>
             </a:fld>
             <a:endParaRPr lang="en-GB"/>
           </a:p>
@@ -3036,7 +3040,7 @@
             <a:fld id="{1C811BE7-51AF-BD41-88D3-08D74CFB37BF}" type="slidenum">
               <a:rPr lang="en-GB" smtClean="0"/>
               <a:pPr/>
-              <a:t>39</a:t>
+              <a:t>41</a:t>
             </a:fld>
             <a:endParaRPr lang="en-GB"/>
           </a:p>
@@ -3129,7 +3133,7 @@
             <a:fld id="{1C811BE7-51AF-BD41-88D3-08D74CFB37BF}" type="slidenum">
               <a:rPr lang="en-GB" smtClean="0"/>
               <a:pPr/>
-              <a:t>40</a:t>
+              <a:t>43</a:t>
             </a:fld>
             <a:endParaRPr lang="en-GB"/>
           </a:p>
@@ -3304,7 +3308,7 @@
             <a:fld id="{1C811BE7-51AF-BD41-88D3-08D74CFB37BF}" type="slidenum">
               <a:rPr lang="en-GB" smtClean="0"/>
               <a:pPr/>
-              <a:t>41</a:t>
+              <a:t>45</a:t>
             </a:fld>
             <a:endParaRPr lang="en-GB"/>
           </a:p>
@@ -3389,7 +3393,7 @@
             <a:fld id="{1C811BE7-51AF-BD41-88D3-08D74CFB37BF}" type="slidenum">
               <a:rPr lang="en-GB" smtClean="0"/>
               <a:pPr/>
-              <a:t>43</a:t>
+              <a:t>47</a:t>
             </a:fld>
             <a:endParaRPr lang="en-GB"/>
           </a:p>
@@ -8609,7 +8613,7 @@
               <a:buNone/>
             </a:pPr>
             <a:r>
-              <a:rPr lang="en-GB" sz="3600" dirty="0">
+              <a:rPr lang="en-GB" sz="3600" u="sng" dirty="0">
                 <a:latin typeface="Arial" charset="0"/>
                 <a:ea typeface="ＭＳ Ｐゴシック" charset="0"/>
                 <a:cs typeface="ＭＳ Ｐゴシック" charset="0"/>
@@ -11749,7 +11753,7 @@
         <p:spPr/>
         <p:txBody>
           <a:bodyPr>
-            <a:normAutofit fontScale="92500" lnSpcReduction="20000"/>
+            <a:normAutofit fontScale="92500" lnSpcReduction="10000"/>
           </a:bodyPr>
           <a:lstStyle/>
           <a:p>
@@ -11793,15 +11797,13 @@
             <a:pPr lvl="1"/>
             <a:r>
               <a:rPr lang="en-GB" dirty="0" smtClean="0"/>
-              <a:t>Opportunity to perform constraint checks in parallel with long latency DRAM accesses</a:t>
-            </a:r>
-          </a:p>
-          <a:p>
+              <a:t>Opportunity to perform constraint checks in parallel with long latency DRAM </a:t>
+            </a:r>
             <a:r>
               <a:rPr lang="en-GB" dirty="0" smtClean="0"/>
-              <a:t>A prototype implementation has the constraints checking overhead down to ~10%</a:t>
-            </a:r>
-            <a:endParaRPr lang="en-GB" dirty="0"/>
+              <a:t>accesses</a:t>
+            </a:r>
+            <a:endParaRPr lang="en-GB" dirty="0" smtClean="0"/>
           </a:p>
         </p:txBody>
       </p:sp>
@@ -11881,6 +11883,378 @@
       </p:grpSpPr>
       <p:sp>
         <p:nvSpPr>
+          <p:cNvPr id="2" name="Title 1"/>
+          <p:cNvSpPr>
+            <a:spLocks noGrp="1"/>
+          </p:cNvSpPr>
+          <p:nvPr>
+            <p:ph type="title"/>
+          </p:nvPr>
+        </p:nvSpPr>
+        <p:spPr/>
+        <p:txBody>
+          <a:bodyPr/>
+          <a:lstStyle/>
+          <a:p>
+            <a:r>
+              <a:rPr lang="en-GB" dirty="0" smtClean="0"/>
+              <a:t>Sparse matrix ABFT Results</a:t>
+            </a:r>
+            <a:endParaRPr lang="en-GB" dirty="0"/>
+          </a:p>
+        </p:txBody>
+      </p:sp>
+      <p:sp>
+        <p:nvSpPr>
+          <p:cNvPr id="3" name="Content Placeholder 2"/>
+          <p:cNvSpPr>
+            <a:spLocks noGrp="1"/>
+          </p:cNvSpPr>
+          <p:nvPr>
+            <p:ph idx="1"/>
+          </p:nvPr>
+        </p:nvSpPr>
+        <p:spPr>
+          <a:xfrm>
+            <a:off x="457200" y="1270000"/>
+            <a:ext cx="8229600" cy="1473200"/>
+          </a:xfrm>
+        </p:spPr>
+        <p:txBody>
+          <a:bodyPr/>
+          <a:lstStyle/>
+          <a:p>
+            <a:r>
+              <a:rPr lang="en-GB" sz="2000" dirty="0" smtClean="0"/>
+              <a:t>Performance collected using a CG solver in </a:t>
+            </a:r>
+            <a:r>
+              <a:rPr lang="en-GB" sz="2000" dirty="0" err="1" smtClean="0"/>
+              <a:t>TeaLeaf</a:t>
+            </a:r>
+            <a:r>
+              <a:rPr lang="en-GB" sz="2000" dirty="0" smtClean="0"/>
+              <a:t> (</a:t>
+            </a:r>
+            <a:r>
+              <a:rPr lang="en-GB" sz="2000" dirty="0"/>
+              <a:t>h</a:t>
+            </a:r>
+            <a:r>
+              <a:rPr lang="en-GB" sz="2000" dirty="0" smtClean="0"/>
+              <a:t>ydrodynamics mini-app from </a:t>
+            </a:r>
+            <a:r>
+              <a:rPr lang="en-GB" sz="2000" dirty="0" err="1" smtClean="0"/>
+              <a:t>Mantevo</a:t>
+            </a:r>
+            <a:r>
+              <a:rPr lang="en-GB" sz="2000" dirty="0" smtClean="0"/>
+              <a:t> benchmark suite)</a:t>
+            </a:r>
+          </a:p>
+          <a:p>
+            <a:r>
+              <a:rPr lang="en-GB" sz="2000" dirty="0" smtClean="0"/>
+              <a:t>x86: Intel </a:t>
+            </a:r>
+            <a:r>
+              <a:rPr lang="is-IS" sz="2000" dirty="0"/>
+              <a:t>E5-</a:t>
+            </a:r>
+            <a:r>
+              <a:rPr lang="is-IS" sz="2000" dirty="0" smtClean="0"/>
+              <a:t>2670, 16-cores @ 2.6GHz</a:t>
+            </a:r>
+          </a:p>
+          <a:p>
+            <a:r>
+              <a:rPr lang="is-IS" sz="2000" dirty="0" smtClean="0"/>
+              <a:t>ARM32:  Samsung Exynos 5 dual Cortex-A15</a:t>
+            </a:r>
+            <a:endParaRPr lang="en-GB" sz="2000" dirty="0"/>
+          </a:p>
+        </p:txBody>
+      </p:sp>
+      <p:sp>
+        <p:nvSpPr>
+          <p:cNvPr id="4" name="Slide Number Placeholder 3"/>
+          <p:cNvSpPr>
+            <a:spLocks noGrp="1"/>
+          </p:cNvSpPr>
+          <p:nvPr>
+            <p:ph type="sldNum" sz="quarter" idx="10"/>
+          </p:nvPr>
+        </p:nvSpPr>
+        <p:spPr/>
+        <p:txBody>
+          <a:bodyPr/>
+          <a:lstStyle/>
+          <a:p>
+            <a:fld id="{D9B8CB04-7B95-2844-BD15-B133C35E4786}" type="slidenum">
+              <a:rPr lang="en-GB" smtClean="0"/>
+              <a:pPr/>
+              <a:t>16</a:t>
+            </a:fld>
+            <a:endParaRPr lang="en-GB"/>
+          </a:p>
+        </p:txBody>
+      </p:sp>
+      <p:graphicFrame>
+        <p:nvGraphicFramePr>
+          <p:cNvPr id="6" name="Content Placeholder 3"/>
+          <p:cNvGraphicFramePr>
+            <a:graphicFrameLocks/>
+          </p:cNvGraphicFramePr>
+          <p:nvPr>
+            <p:extLst>
+              <p:ext uri="{D42A27DB-BD31-4B8C-83A1-F6EECF244321}">
+                <p14:modId xmlns:p14="http://schemas.microsoft.com/office/powerpoint/2010/main" val="4220111746"/>
+              </p:ext>
+            </p:extLst>
+          </p:nvPr>
+        </p:nvGraphicFramePr>
+        <p:xfrm>
+          <a:off x="458823" y="3172403"/>
+          <a:ext cx="8227976" cy="771332"/>
+        </p:xfrm>
+        <a:graphic>
+          <a:graphicData uri="http://schemas.openxmlformats.org/drawingml/2006/table">
+            <a:tbl>
+              <a:tblPr firstRow="1" bandRow="1">
+                <a:tableStyleId>{5C22544A-7EE6-4342-B048-85BDC9FD1C3A}</a:tableStyleId>
+              </a:tblPr>
+              <a:tblGrid>
+                <a:gridCol w="1696897"/>
+                <a:gridCol w="1871277"/>
+                <a:gridCol w="2080918"/>
+                <a:gridCol w="2578884"/>
+              </a:tblGrid>
+              <a:tr h="385666">
+                <a:tc>
+                  <a:txBody>
+                    <a:bodyPr/>
+                    <a:lstStyle/>
+                    <a:p>
+                      <a:r>
+                        <a:rPr lang="en-GB" dirty="0" smtClean="0">
+                          <a:solidFill>
+                            <a:srgbClr val="31747B"/>
+                          </a:solidFill>
+                        </a:rPr>
+                        <a:t>Scheme</a:t>
+                      </a:r>
+                      <a:endParaRPr lang="en-GB" dirty="0">
+                        <a:solidFill>
+                          <a:srgbClr val="31747B"/>
+                        </a:solidFill>
+                      </a:endParaRPr>
+                    </a:p>
+                  </a:txBody>
+                  <a:tcPr/>
+                </a:tc>
+                <a:tc>
+                  <a:txBody>
+                    <a:bodyPr/>
+                    <a:lstStyle/>
+                    <a:p>
+                      <a:r>
+                        <a:rPr lang="en-GB" dirty="0" smtClean="0">
+                          <a:solidFill>
+                            <a:srgbClr val="31747B"/>
+                          </a:solidFill>
+                        </a:rPr>
+                        <a:t>Bits needed</a:t>
+                      </a:r>
+                      <a:endParaRPr lang="en-GB" dirty="0">
+                        <a:solidFill>
+                          <a:srgbClr val="31747B"/>
+                        </a:solidFill>
+                      </a:endParaRPr>
+                    </a:p>
+                  </a:txBody>
+                  <a:tcPr/>
+                </a:tc>
+                <a:tc>
+                  <a:txBody>
+                    <a:bodyPr/>
+                    <a:lstStyle/>
+                    <a:p>
+                      <a:r>
+                        <a:rPr lang="en-GB" dirty="0" smtClean="0">
+                          <a:solidFill>
+                            <a:srgbClr val="31747B"/>
+                          </a:solidFill>
+                        </a:rPr>
+                        <a:t>x86</a:t>
+                      </a:r>
+                      <a:r>
+                        <a:rPr lang="en-GB" baseline="0" dirty="0" smtClean="0">
+                          <a:solidFill>
+                            <a:srgbClr val="31747B"/>
+                          </a:solidFill>
+                        </a:rPr>
+                        <a:t> overhead</a:t>
+                      </a:r>
+                      <a:endParaRPr lang="en-GB" dirty="0">
+                        <a:solidFill>
+                          <a:srgbClr val="31747B"/>
+                        </a:solidFill>
+                      </a:endParaRPr>
+                    </a:p>
+                  </a:txBody>
+                  <a:tcPr/>
+                </a:tc>
+                <a:tc>
+                  <a:txBody>
+                    <a:bodyPr/>
+                    <a:lstStyle/>
+                    <a:p>
+                      <a:r>
+                        <a:rPr lang="en-GB" dirty="0" smtClean="0">
+                          <a:solidFill>
+                            <a:srgbClr val="31747B"/>
+                          </a:solidFill>
+                        </a:rPr>
+                        <a:t>ARM32 overhead</a:t>
+                      </a:r>
+                      <a:endParaRPr lang="en-GB" dirty="0">
+                        <a:solidFill>
+                          <a:srgbClr val="31747B"/>
+                        </a:solidFill>
+                      </a:endParaRPr>
+                    </a:p>
+                  </a:txBody>
+                  <a:tcPr/>
+                </a:tc>
+              </a:tr>
+              <a:tr h="385666">
+                <a:tc>
+                  <a:txBody>
+                    <a:bodyPr/>
+                    <a:lstStyle/>
+                    <a:p>
+                      <a:r>
+                        <a:rPr lang="en-GB" b="1" dirty="0" smtClean="0"/>
+                        <a:t>Constraints</a:t>
+                      </a:r>
+                    </a:p>
+                  </a:txBody>
+                  <a:tcPr/>
+                </a:tc>
+                <a:tc>
+                  <a:txBody>
+                    <a:bodyPr/>
+                    <a:lstStyle/>
+                    <a:p>
+                      <a:pPr algn="ctr"/>
+                      <a:r>
+                        <a:rPr lang="en-GB" b="1" dirty="0" smtClean="0"/>
+                        <a:t>0</a:t>
+                      </a:r>
+                    </a:p>
+                  </a:txBody>
+                  <a:tcPr/>
+                </a:tc>
+                <a:tc>
+                  <a:txBody>
+                    <a:bodyPr/>
+                    <a:lstStyle/>
+                    <a:p>
+                      <a:pPr algn="ctr" fontAlgn="b"/>
+                      <a:r>
+                        <a:rPr lang="nb-NO" sz="1800" b="1" i="0" u="none" strike="noStrike" dirty="0" smtClean="0">
+                          <a:solidFill>
+                            <a:srgbClr val="000000"/>
+                          </a:solidFill>
+                          <a:effectLst/>
+                          <a:latin typeface="+mn-lt"/>
+                        </a:rPr>
+                        <a:t>1.00x</a:t>
+                      </a:r>
+                      <a:endParaRPr lang="nb-NO" sz="1800" b="1" i="0" u="none" strike="noStrike" dirty="0">
+                        <a:solidFill>
+                          <a:srgbClr val="000000"/>
+                        </a:solidFill>
+                        <a:effectLst/>
+                        <a:latin typeface="+mn-lt"/>
+                      </a:endParaRPr>
+                    </a:p>
+                  </a:txBody>
+                  <a:tcPr marL="12700" marR="12700" marT="12700" marB="0" anchor="b"/>
+                </a:tc>
+                <a:tc>
+                  <a:txBody>
+                    <a:bodyPr/>
+                    <a:lstStyle/>
+                    <a:p>
+                      <a:pPr algn="ctr" fontAlgn="b"/>
+                      <a:r>
+                        <a:rPr lang="en-GB" sz="1800" b="1" i="0" u="none" strike="noStrike" dirty="0" smtClean="0">
+                          <a:solidFill>
+                            <a:srgbClr val="000000"/>
+                          </a:solidFill>
+                          <a:effectLst/>
+                          <a:latin typeface="+mn-lt"/>
+                        </a:rPr>
+                        <a:t>1.07x</a:t>
+                      </a:r>
+                      <a:endParaRPr lang="uk-UA" sz="1800" b="1" i="0" u="none" strike="noStrike" dirty="0">
+                        <a:solidFill>
+                          <a:srgbClr val="000000"/>
+                        </a:solidFill>
+                        <a:effectLst/>
+                        <a:latin typeface="+mn-lt"/>
+                      </a:endParaRPr>
+                    </a:p>
+                  </a:txBody>
+                  <a:tcPr marL="12700" marR="12700" marT="12700" marB="0" anchor="b"/>
+                </a:tc>
+              </a:tr>
+            </a:tbl>
+          </a:graphicData>
+        </a:graphic>
+      </p:graphicFrame>
+    </p:spTree>
+    <p:extLst>
+      <p:ext uri="{BB962C8B-B14F-4D97-AF65-F5344CB8AC3E}">
+        <p14:creationId xmlns:p14="http://schemas.microsoft.com/office/powerpoint/2010/main" val="1333219248"/>
+      </p:ext>
+    </p:extLst>
+  </p:cSld>
+  <p:clrMapOvr>
+    <a:masterClrMapping/>
+  </p:clrMapOvr>
+  <mc:AlternateContent xmlns:mc="http://schemas.openxmlformats.org/markup-compatibility/2006" xmlns:p14="http://schemas.microsoft.com/office/powerpoint/2010/main">
+    <mc:Choice Requires="p14">
+      <p:transition spd="slow" p14:dur="2000"/>
+    </mc:Choice>
+    <mc:Fallback xmlns="">
+      <p:transition xmlns:p14="http://schemas.microsoft.com/office/powerpoint/2010/main" spd="slow"/>
+    </mc:Fallback>
+  </mc:AlternateContent>
+</p:sld>
+</file>
+
+<file path=ppt/slides/slide17.xml><?xml version="1.0" encoding="utf-8"?>
+<p:sld xmlns:a="http://schemas.openxmlformats.org/drawingml/2006/main" xmlns:r="http://schemas.openxmlformats.org/officeDocument/2006/relationships" xmlns:p="http://schemas.openxmlformats.org/presentationml/2006/main">
+  <p:cSld>
+    <p:spTree>
+      <p:nvGrpSpPr>
+        <p:cNvPr id="1" name=""/>
+        <p:cNvGrpSpPr/>
+        <p:nvPr/>
+      </p:nvGrpSpPr>
+      <p:grpSpPr>
+        <a:xfrm>
+          <a:off x="0" y="0"/>
+          <a:ext cx="0" cy="0"/>
+          <a:chOff x="0" y="0"/>
+          <a:chExt cx="0" cy="0"/>
+        </a:xfrm>
+      </p:grpSpPr>
+      <p:sp>
+        <p:nvSpPr>
           <p:cNvPr id="5" name="Title 4"/>
           <p:cNvSpPr>
             <a:spLocks noGrp="1"/>
@@ -12011,7 +12385,7 @@
               <a:pPr>
                 <a:defRPr/>
               </a:pPr>
-              <a:t>16</a:t>
+              <a:t>17</a:t>
             </a:fld>
             <a:endParaRPr lang="en-GB"/>
           </a:p>
@@ -12045,7 +12419,7 @@
 </p:sld>
 </file>
 
-<file path=ppt/slides/slide17.xml><?xml version="1.0" encoding="utf-8"?>
+<file path=ppt/slides/slide18.xml><?xml version="1.0" encoding="utf-8"?>
 <p:sld xmlns:a="http://schemas.openxmlformats.org/drawingml/2006/main" xmlns:r="http://schemas.openxmlformats.org/officeDocument/2006/relationships" xmlns:p="http://schemas.openxmlformats.org/presentationml/2006/main">
   <p:cSld>
     <p:spTree>
@@ -12178,7 +12552,7 @@
               <a:pPr>
                 <a:defRPr/>
               </a:pPr>
-              <a:t>17</a:t>
+              <a:t>18</a:t>
             </a:fld>
             <a:endParaRPr lang="en-GB"/>
           </a:p>
@@ -12360,7 +12734,7 @@
 </p:sld>
 </file>
 
-<file path=ppt/slides/slide18.xml><?xml version="1.0" encoding="utf-8"?>
+<file path=ppt/slides/slide19.xml><?xml version="1.0" encoding="utf-8"?>
 <p:sld xmlns:a="http://schemas.openxmlformats.org/drawingml/2006/main" xmlns:r="http://schemas.openxmlformats.org/officeDocument/2006/relationships" xmlns:p="http://schemas.openxmlformats.org/presentationml/2006/main">
   <p:cSld>
     <p:spTree>
@@ -12509,7 +12883,7 @@
               <a:pPr>
                 <a:defRPr/>
               </a:pPr>
-              <a:t>18</a:t>
+              <a:t>19</a:t>
             </a:fld>
             <a:endParaRPr lang="en-GB"/>
           </a:p>
@@ -13045,211 +13419,6 @@
 </p:sld>
 </file>
 
-<file path=ppt/slides/slide19.xml><?xml version="1.0" encoding="utf-8"?>
-<p:sld xmlns:a="http://schemas.openxmlformats.org/drawingml/2006/main" xmlns:r="http://schemas.openxmlformats.org/officeDocument/2006/relationships" xmlns:p="http://schemas.openxmlformats.org/presentationml/2006/main">
-  <p:cSld>
-    <p:spTree>
-      <p:nvGrpSpPr>
-        <p:cNvPr id="1" name=""/>
-        <p:cNvGrpSpPr/>
-        <p:nvPr/>
-      </p:nvGrpSpPr>
-      <p:grpSpPr>
-        <a:xfrm>
-          <a:off x="0" y="0"/>
-          <a:ext cx="0" cy="0"/>
-          <a:chOff x="0" y="0"/>
-          <a:chExt cx="0" cy="0"/>
-        </a:xfrm>
-      </p:grpSpPr>
-      <p:sp>
-        <p:nvSpPr>
-          <p:cNvPr id="2" name="Title 1"/>
-          <p:cNvSpPr>
-            <a:spLocks noGrp="1"/>
-          </p:cNvSpPr>
-          <p:nvPr>
-            <p:ph type="title"/>
-          </p:nvPr>
-        </p:nvSpPr>
-        <p:spPr/>
-        <p:txBody>
-          <a:bodyPr/>
-          <a:lstStyle/>
-          <a:p>
-            <a:r>
-              <a:rPr lang="en-GB" dirty="0" smtClean="0"/>
-              <a:t>Parity bits</a:t>
-            </a:r>
-            <a:endParaRPr lang="en-GB" dirty="0"/>
-          </a:p>
-        </p:txBody>
-      </p:sp>
-      <p:sp>
-        <p:nvSpPr>
-          <p:cNvPr id="3" name="Content Placeholder 2"/>
-          <p:cNvSpPr>
-            <a:spLocks noGrp="1"/>
-          </p:cNvSpPr>
-          <p:nvPr>
-            <p:ph idx="1"/>
-          </p:nvPr>
-        </p:nvSpPr>
-        <p:spPr/>
-        <p:txBody>
-          <a:bodyPr/>
-          <a:lstStyle/>
-          <a:p>
-            <a:r>
-              <a:rPr lang="en-GB" sz="2600" dirty="0" smtClean="0"/>
-              <a:t>Add an extra bit to data (or repurpose an unused bit)</a:t>
-            </a:r>
-          </a:p>
-          <a:p>
-            <a:r>
-              <a:rPr lang="en-GB" sz="2600" dirty="0" smtClean="0"/>
-              <a:t>Count number of ‘1’ bits in data</a:t>
-            </a:r>
-          </a:p>
-          <a:p>
-            <a:pPr lvl="1"/>
-            <a:r>
-              <a:rPr lang="en-GB" sz="2600" dirty="0" smtClean="0"/>
-              <a:t>If odd number, set parity bit to ‘1’</a:t>
-            </a:r>
-          </a:p>
-          <a:p>
-            <a:pPr lvl="1"/>
-            <a:r>
-              <a:rPr lang="en-GB" sz="2600" dirty="0" smtClean="0"/>
-              <a:t>If even number, set parity bit to ‘0’</a:t>
-            </a:r>
-          </a:p>
-          <a:p>
-            <a:pPr lvl="1"/>
-            <a:r>
-              <a:rPr lang="en-GB" sz="2600" dirty="0" smtClean="0"/>
-              <a:t>This is known as </a:t>
-            </a:r>
-            <a:r>
-              <a:rPr lang="en-GB" sz="2600" b="1" i="1" dirty="0" smtClean="0"/>
-              <a:t>even</a:t>
-            </a:r>
-            <a:r>
-              <a:rPr lang="en-GB" sz="2600" dirty="0" smtClean="0"/>
-              <a:t> parity</a:t>
-            </a:r>
-          </a:p>
-          <a:p>
-            <a:r>
-              <a:rPr lang="en-GB" sz="2600" dirty="0" smtClean="0"/>
-              <a:t>Can </a:t>
-            </a:r>
-            <a:r>
-              <a:rPr lang="en-GB" sz="2600" b="1" dirty="0" smtClean="0">
-                <a:solidFill>
-                  <a:srgbClr val="0000FF"/>
-                </a:solidFill>
-              </a:rPr>
-              <a:t>detect</a:t>
-            </a:r>
-            <a:r>
-              <a:rPr lang="en-GB" sz="2600" dirty="0" smtClean="0"/>
-              <a:t> any odd number of bit flips</a:t>
-            </a:r>
-          </a:p>
-          <a:p>
-            <a:r>
-              <a:rPr lang="en-GB" sz="2600" dirty="0" smtClean="0"/>
-              <a:t>Can protect any number of data bits</a:t>
-            </a:r>
-          </a:p>
-          <a:p>
-            <a:r>
-              <a:rPr lang="en-GB" sz="2600" b="1" dirty="0" smtClean="0">
-                <a:solidFill>
-                  <a:srgbClr val="FF0000"/>
-                </a:solidFill>
-              </a:rPr>
-              <a:t>Cannot</a:t>
-            </a:r>
-            <a:r>
-              <a:rPr lang="en-GB" sz="2600" dirty="0" smtClean="0"/>
-              <a:t> correct corrupted data</a:t>
-            </a:r>
-          </a:p>
-          <a:p>
-            <a:r>
-              <a:rPr lang="en-GB" sz="2600" dirty="0" smtClean="0"/>
-              <a:t>This is a </a:t>
-            </a:r>
-            <a:r>
-              <a:rPr lang="en-GB" sz="2600" b="1" dirty="0" smtClean="0">
-                <a:solidFill>
-                  <a:srgbClr val="0000FF"/>
-                </a:solidFill>
-              </a:rPr>
-              <a:t>single-error-detect</a:t>
-            </a:r>
-            <a:r>
-              <a:rPr lang="en-GB" sz="2600" dirty="0" smtClean="0"/>
-              <a:t> scheme (SED)</a:t>
-            </a:r>
-          </a:p>
-        </p:txBody>
-      </p:sp>
-      <p:sp>
-        <p:nvSpPr>
-          <p:cNvPr id="4" name="Slide Number Placeholder 3"/>
-          <p:cNvSpPr>
-            <a:spLocks noGrp="1"/>
-          </p:cNvSpPr>
-          <p:nvPr>
-            <p:ph type="sldNum" sz="quarter" idx="10"/>
-          </p:nvPr>
-        </p:nvSpPr>
-        <p:spPr/>
-        <p:txBody>
-          <a:bodyPr/>
-          <a:lstStyle/>
-          <a:p>
-            <a:fld id="{D9B8CB04-7B95-2844-BD15-B133C35E4786}" type="slidenum">
-              <a:rPr lang="en-GB" smtClean="0"/>
-              <a:pPr/>
-              <a:t>19</a:t>
-            </a:fld>
-            <a:endParaRPr lang="en-GB"/>
-          </a:p>
-        </p:txBody>
-      </p:sp>
-    </p:spTree>
-    <p:extLst>
-      <p:ext uri="{BB962C8B-B14F-4D97-AF65-F5344CB8AC3E}">
-        <p14:creationId xmlns:p14="http://schemas.microsoft.com/office/powerpoint/2010/main" val="2194262835"/>
-      </p:ext>
-    </p:extLst>
-  </p:cSld>
-  <p:clrMapOvr>
-    <a:masterClrMapping/>
-  </p:clrMapOvr>
-  <mc:AlternateContent xmlns:mc="http://schemas.openxmlformats.org/markup-compatibility/2006" xmlns:p14="http://schemas.microsoft.com/office/powerpoint/2010/main">
-    <mc:Choice Requires="p14">
-      <p:transition spd="slow" p14:dur="2000"/>
-    </mc:Choice>
-    <mc:Fallback xmlns="">
-      <p:transition xmlns:p14="http://schemas.microsoft.com/office/powerpoint/2010/main" spd="slow"/>
-    </mc:Fallback>
-  </mc:AlternateContent>
-  <p:timing>
-    <p:tnLst>
-      <p:par>
-        <p:cTn xmlns:p14="http://schemas.microsoft.com/office/powerpoint/2010/main" id="1" dur="indefinite" restart="never" nodeType="tmRoot"/>
-      </p:par>
-    </p:tnLst>
-  </p:timing>
-</p:sld>
-</file>
-
 <file path=ppt/slides/slide2.xml><?xml version="1.0" encoding="utf-8"?>
 <p:sld xmlns:a="http://schemas.openxmlformats.org/drawingml/2006/main" xmlns:r="http://schemas.openxmlformats.org/officeDocument/2006/relationships" xmlns:p="http://schemas.openxmlformats.org/presentationml/2006/main">
   <p:cSld>
@@ -13489,9 +13658,122 @@
           <a:p>
             <a:r>
               <a:rPr lang="en-GB" dirty="0" smtClean="0"/>
-              <a:t>Parity bits - example</a:t>
+              <a:t>Parity bits</a:t>
             </a:r>
             <a:endParaRPr lang="en-GB" dirty="0"/>
+          </a:p>
+        </p:txBody>
+      </p:sp>
+      <p:sp>
+        <p:nvSpPr>
+          <p:cNvPr id="3" name="Content Placeholder 2"/>
+          <p:cNvSpPr>
+            <a:spLocks noGrp="1"/>
+          </p:cNvSpPr>
+          <p:nvPr>
+            <p:ph idx="1"/>
+          </p:nvPr>
+        </p:nvSpPr>
+        <p:spPr/>
+        <p:txBody>
+          <a:bodyPr/>
+          <a:lstStyle/>
+          <a:p>
+            <a:r>
+              <a:rPr lang="en-GB" sz="2600" dirty="0" smtClean="0"/>
+              <a:t>Add an extra bit to data (or repurpose an unused bit)</a:t>
+            </a:r>
+          </a:p>
+          <a:p>
+            <a:r>
+              <a:rPr lang="en-GB" sz="2600" dirty="0" smtClean="0"/>
+              <a:t>Count number of ‘1’ bits in data</a:t>
+            </a:r>
+          </a:p>
+          <a:p>
+            <a:pPr lvl="1"/>
+            <a:r>
+              <a:rPr lang="en-GB" sz="2600" dirty="0" smtClean="0"/>
+              <a:t>If odd number, set parity bit to ‘1’</a:t>
+            </a:r>
+          </a:p>
+          <a:p>
+            <a:pPr lvl="1"/>
+            <a:r>
+              <a:rPr lang="en-GB" sz="2600" dirty="0" smtClean="0"/>
+              <a:t>If even number, set parity bit to ‘0’</a:t>
+            </a:r>
+          </a:p>
+          <a:p>
+            <a:pPr lvl="1"/>
+            <a:r>
+              <a:rPr lang="en-GB" sz="2600" dirty="0" smtClean="0"/>
+              <a:t>This is known as </a:t>
+            </a:r>
+            <a:r>
+              <a:rPr lang="en-GB" sz="2600" b="1" i="1" dirty="0" smtClean="0"/>
+              <a:t>even</a:t>
+            </a:r>
+            <a:r>
+              <a:rPr lang="en-GB" sz="2600" dirty="0" smtClean="0"/>
+              <a:t> parity</a:t>
+            </a:r>
+          </a:p>
+          <a:p>
+            <a:r>
+              <a:rPr lang="en-GB" sz="2600" dirty="0" smtClean="0"/>
+              <a:t>Can </a:t>
+            </a:r>
+            <a:r>
+              <a:rPr lang="en-GB" sz="2600" b="1" dirty="0" smtClean="0">
+                <a:solidFill>
+                  <a:srgbClr val="0000FF"/>
+                </a:solidFill>
+              </a:rPr>
+              <a:t>detect</a:t>
+            </a:r>
+            <a:r>
+              <a:rPr lang="en-GB" sz="2600" dirty="0" smtClean="0"/>
+              <a:t> any odd number of bit flips</a:t>
+            </a:r>
+          </a:p>
+          <a:p>
+            <a:r>
+              <a:rPr lang="en-GB" sz="2600" dirty="0" smtClean="0"/>
+              <a:t>Can protect any number of data bits</a:t>
+            </a:r>
+          </a:p>
+          <a:p>
+            <a:r>
+              <a:rPr lang="en-GB" sz="2600" b="1" dirty="0" smtClean="0">
+                <a:solidFill>
+                  <a:srgbClr val="FF0000"/>
+                </a:solidFill>
+              </a:rPr>
+              <a:t>Cannot</a:t>
+            </a:r>
+            <a:r>
+              <a:rPr lang="en-GB" sz="2600" dirty="0" smtClean="0"/>
+              <a:t> correct corrupted data</a:t>
+            </a:r>
+          </a:p>
+          <a:p>
+            <a:r>
+              <a:rPr lang="en-GB" sz="2600" dirty="0" smtClean="0"/>
+              <a:t>This is a </a:t>
+            </a:r>
+            <a:r>
+              <a:rPr lang="en-GB" sz="2600" b="1" dirty="0" smtClean="0">
+                <a:solidFill>
+                  <a:srgbClr val="0000FF"/>
+                </a:solidFill>
+              </a:rPr>
+              <a:t>single-error-detect</a:t>
+            </a:r>
+            <a:r>
+              <a:rPr lang="en-GB" sz="2600" dirty="0" smtClean="0"/>
+              <a:t> scheme (SED)</a:t>
+            </a:r>
           </a:p>
         </p:txBody>
       </p:sp>
@@ -13514,6 +13796,98 @@
               <a:rPr lang="en-GB" smtClean="0"/>
               <a:pPr/>
               <a:t>20</a:t>
+            </a:fld>
+            <a:endParaRPr lang="en-GB"/>
+          </a:p>
+        </p:txBody>
+      </p:sp>
+    </p:spTree>
+    <p:extLst>
+      <p:ext uri="{BB962C8B-B14F-4D97-AF65-F5344CB8AC3E}">
+        <p14:creationId xmlns:p14="http://schemas.microsoft.com/office/powerpoint/2010/main" val="2194262835"/>
+      </p:ext>
+    </p:extLst>
+  </p:cSld>
+  <p:clrMapOvr>
+    <a:masterClrMapping/>
+  </p:clrMapOvr>
+  <mc:AlternateContent xmlns:mc="http://schemas.openxmlformats.org/markup-compatibility/2006" xmlns:p14="http://schemas.microsoft.com/office/powerpoint/2010/main">
+    <mc:Choice Requires="p14">
+      <p:transition spd="slow" p14:dur="2000"/>
+    </mc:Choice>
+    <mc:Fallback xmlns="">
+      <p:transition xmlns:p14="http://schemas.microsoft.com/office/powerpoint/2010/main" spd="slow"/>
+    </mc:Fallback>
+  </mc:AlternateContent>
+  <p:timing>
+    <p:tnLst>
+      <p:par>
+        <p:cTn xmlns:p14="http://schemas.microsoft.com/office/powerpoint/2010/main" id="1" dur="indefinite" restart="never" nodeType="tmRoot"/>
+      </p:par>
+    </p:tnLst>
+  </p:timing>
+</p:sld>
+</file>
+
+<file path=ppt/slides/slide21.xml><?xml version="1.0" encoding="utf-8"?>
+<p:sld xmlns:a="http://schemas.openxmlformats.org/drawingml/2006/main" xmlns:r="http://schemas.openxmlformats.org/officeDocument/2006/relationships" xmlns:p="http://schemas.openxmlformats.org/presentationml/2006/main">
+  <p:cSld>
+    <p:spTree>
+      <p:nvGrpSpPr>
+        <p:cNvPr id="1" name=""/>
+        <p:cNvGrpSpPr/>
+        <p:nvPr/>
+      </p:nvGrpSpPr>
+      <p:grpSpPr>
+        <a:xfrm>
+          <a:off x="0" y="0"/>
+          <a:ext cx="0" cy="0"/>
+          <a:chOff x="0" y="0"/>
+          <a:chExt cx="0" cy="0"/>
+        </a:xfrm>
+      </p:grpSpPr>
+      <p:sp>
+        <p:nvSpPr>
+          <p:cNvPr id="2" name="Title 1"/>
+          <p:cNvSpPr>
+            <a:spLocks noGrp="1"/>
+          </p:cNvSpPr>
+          <p:nvPr>
+            <p:ph type="title"/>
+          </p:nvPr>
+        </p:nvSpPr>
+        <p:spPr/>
+        <p:txBody>
+          <a:bodyPr/>
+          <a:lstStyle/>
+          <a:p>
+            <a:r>
+              <a:rPr lang="en-GB" dirty="0" smtClean="0"/>
+              <a:t>Parity bits - example</a:t>
+            </a:r>
+            <a:endParaRPr lang="en-GB" dirty="0"/>
+          </a:p>
+        </p:txBody>
+      </p:sp>
+      <p:sp>
+        <p:nvSpPr>
+          <p:cNvPr id="4" name="Slide Number Placeholder 3"/>
+          <p:cNvSpPr>
+            <a:spLocks noGrp="1"/>
+          </p:cNvSpPr>
+          <p:nvPr>
+            <p:ph type="sldNum" sz="quarter" idx="10"/>
+          </p:nvPr>
+        </p:nvSpPr>
+        <p:spPr/>
+        <p:txBody>
+          <a:bodyPr/>
+          <a:lstStyle/>
+          <a:p>
+            <a:fld id="{D9B8CB04-7B95-2844-BD15-B133C35E4786}" type="slidenum">
+              <a:rPr lang="en-GB" smtClean="0"/>
+              <a:pPr/>
+              <a:t>21</a:t>
             </a:fld>
             <a:endParaRPr lang="en-GB"/>
           </a:p>
@@ -15963,195 +16337,6 @@
 </p:sld>
 </file>
 
-<file path=ppt/slides/slide21.xml><?xml version="1.0" encoding="utf-8"?>
-<p:sld xmlns:a="http://schemas.openxmlformats.org/drawingml/2006/main" xmlns:r="http://schemas.openxmlformats.org/officeDocument/2006/relationships" xmlns:p="http://schemas.openxmlformats.org/presentationml/2006/main">
-  <p:cSld>
-    <p:spTree>
-      <p:nvGrpSpPr>
-        <p:cNvPr id="1" name=""/>
-        <p:cNvGrpSpPr/>
-        <p:nvPr/>
-      </p:nvGrpSpPr>
-      <p:grpSpPr>
-        <a:xfrm>
-          <a:off x="0" y="0"/>
-          <a:ext cx="0" cy="0"/>
-          <a:chOff x="0" y="0"/>
-          <a:chExt cx="0" cy="0"/>
-        </a:xfrm>
-      </p:grpSpPr>
-      <p:sp>
-        <p:nvSpPr>
-          <p:cNvPr id="2" name="Title 1"/>
-          <p:cNvSpPr>
-            <a:spLocks noGrp="1"/>
-          </p:cNvSpPr>
-          <p:nvPr>
-            <p:ph type="title"/>
-          </p:nvPr>
-        </p:nvSpPr>
-        <p:spPr/>
-        <p:txBody>
-          <a:bodyPr/>
-          <a:lstStyle/>
-          <a:p>
-            <a:r>
-              <a:rPr lang="en-GB" dirty="0" smtClean="0"/>
-              <a:t>Parity bits - implementation</a:t>
-            </a:r>
-            <a:endParaRPr lang="en-GB" dirty="0"/>
-          </a:p>
-        </p:txBody>
-      </p:sp>
-      <p:sp>
-        <p:nvSpPr>
-          <p:cNvPr id="3" name="Content Placeholder 2"/>
-          <p:cNvSpPr>
-            <a:spLocks noGrp="1"/>
-          </p:cNvSpPr>
-          <p:nvPr>
-            <p:ph idx="1"/>
-          </p:nvPr>
-        </p:nvSpPr>
-        <p:spPr/>
-        <p:txBody>
-          <a:bodyPr/>
-          <a:lstStyle/>
-          <a:p>
-            <a:r>
-              <a:rPr lang="en-GB" dirty="0" smtClean="0"/>
-              <a:t>Simple to implement with bitwise operations</a:t>
-            </a:r>
-          </a:p>
-          <a:p>
-            <a:pPr lvl="1">
-              <a:spcBef>
-                <a:spcPts val="1872"/>
-              </a:spcBef>
-            </a:pPr>
-            <a:r>
-              <a:rPr lang="en-GB" dirty="0" smtClean="0"/>
-              <a:t>Mostly </a:t>
-            </a:r>
-            <a:r>
-              <a:rPr lang="en-GB" b="1" dirty="0" smtClean="0">
-                <a:solidFill>
-                  <a:srgbClr val="0000FF"/>
-                </a:solidFill>
-              </a:rPr>
-              <a:t>XOR</a:t>
-            </a:r>
-            <a:r>
-              <a:rPr lang="en-GB" dirty="0" smtClean="0"/>
-              <a:t> (</a:t>
-            </a:r>
-            <a:r>
-              <a:rPr lang="en-GB" dirty="0" smtClean="0">
-                <a:latin typeface="Courier New"/>
-                <a:cs typeface="Courier New"/>
-              </a:rPr>
-              <a:t>^</a:t>
-            </a:r>
-            <a:r>
-              <a:rPr lang="en-GB" dirty="0" smtClean="0"/>
-              <a:t> operator in C)</a:t>
-            </a:r>
-          </a:p>
-          <a:p>
-            <a:pPr>
-              <a:spcBef>
-                <a:spcPts val="1968"/>
-              </a:spcBef>
-            </a:pPr>
-            <a:r>
-              <a:rPr lang="en-GB" dirty="0" smtClean="0"/>
-              <a:t>Some processors may have native hardware support for computing parity efficiently</a:t>
-            </a:r>
-          </a:p>
-          <a:p>
-            <a:r>
-              <a:rPr lang="en-GB" dirty="0" smtClean="0"/>
-              <a:t>Several compilers (</a:t>
-            </a:r>
-            <a:r>
-              <a:rPr lang="en-GB" dirty="0" err="1" smtClean="0"/>
-              <a:t>gcc</a:t>
-            </a:r>
-            <a:r>
-              <a:rPr lang="en-GB" dirty="0" smtClean="0"/>
-              <a:t>, clang, </a:t>
-            </a:r>
-            <a:r>
-              <a:rPr lang="en-GB" dirty="0" err="1" smtClean="0"/>
-              <a:t>icc</a:t>
-            </a:r>
-            <a:r>
-              <a:rPr lang="en-GB" dirty="0" smtClean="0"/>
-              <a:t>) support </a:t>
-            </a:r>
-            <a:r>
-              <a:rPr lang="en-GB" dirty="0" err="1" smtClean="0"/>
-              <a:t>intrinsics</a:t>
-            </a:r>
-            <a:r>
-              <a:rPr lang="en-GB" dirty="0" smtClean="0"/>
-              <a:t> to handle this</a:t>
-            </a:r>
-          </a:p>
-        </p:txBody>
-      </p:sp>
-      <p:sp>
-        <p:nvSpPr>
-          <p:cNvPr id="4" name="Slide Number Placeholder 3"/>
-          <p:cNvSpPr>
-            <a:spLocks noGrp="1"/>
-          </p:cNvSpPr>
-          <p:nvPr>
-            <p:ph type="sldNum" sz="quarter" idx="10"/>
-          </p:nvPr>
-        </p:nvSpPr>
-        <p:spPr/>
-        <p:txBody>
-          <a:bodyPr/>
-          <a:lstStyle/>
-          <a:p>
-            <a:fld id="{D9B8CB04-7B95-2844-BD15-B133C35E4786}" type="slidenum">
-              <a:rPr lang="en-GB" smtClean="0"/>
-              <a:pPr/>
-              <a:t>21</a:t>
-            </a:fld>
-            <a:endParaRPr lang="en-GB"/>
-          </a:p>
-        </p:txBody>
-      </p:sp>
-    </p:spTree>
-    <p:extLst>
-      <p:ext uri="{BB962C8B-B14F-4D97-AF65-F5344CB8AC3E}">
-        <p14:creationId xmlns:p14="http://schemas.microsoft.com/office/powerpoint/2010/main" val="1739650430"/>
-      </p:ext>
-    </p:extLst>
-  </p:cSld>
-  <p:clrMapOvr>
-    <a:masterClrMapping/>
-  </p:clrMapOvr>
-  <mc:AlternateContent xmlns:mc="http://schemas.openxmlformats.org/markup-compatibility/2006" xmlns:p14="http://schemas.microsoft.com/office/powerpoint/2010/main">
-    <mc:Choice Requires="p14">
-      <p:transition spd="slow" p14:dur="2000"/>
-    </mc:Choice>
-    <mc:Fallback xmlns="">
-      <p:transition xmlns:p14="http://schemas.microsoft.com/office/powerpoint/2010/main" spd="slow"/>
-    </mc:Fallback>
-  </mc:AlternateContent>
-  <p:timing>
-    <p:tnLst>
-      <p:par>
-        <p:cTn xmlns:p14="http://schemas.microsoft.com/office/powerpoint/2010/main" id="1" dur="indefinite" restart="never" nodeType="tmRoot"/>
-      </p:par>
-    </p:tnLst>
-  </p:timing>
-</p:sld>
-</file>
-
 <file path=ppt/slides/slide22.xml><?xml version="1.0" encoding="utf-8"?>
 <p:sld xmlns:a="http://schemas.openxmlformats.org/drawingml/2006/main" xmlns:r="http://schemas.openxmlformats.org/officeDocument/2006/relationships" xmlns:p="http://schemas.openxmlformats.org/presentationml/2006/main">
   <p:cSld>
@@ -16207,630 +16392,85 @@
           <a:bodyPr/>
           <a:lstStyle/>
           <a:p>
-            <a:pPr marL="0" indent="0">
-              <a:buNone/>
+            <a:r>
+              <a:rPr lang="en-GB" dirty="0" smtClean="0"/>
+              <a:t>Simple to implement with bitwise operations</a:t>
+            </a:r>
+          </a:p>
+          <a:p>
+            <a:pPr lvl="1">
+              <a:spcBef>
+                <a:spcPts val="1872"/>
+              </a:spcBef>
             </a:pPr>
             <a:r>
-              <a:rPr lang="en-GB" sz="2000" b="1" i="1" dirty="0" smtClean="0">
+              <a:rPr lang="en-GB" dirty="0" smtClean="0"/>
+              <a:t>Mostly </a:t>
+            </a:r>
+            <a:r>
+              <a:rPr lang="en-GB" b="1" dirty="0" smtClean="0">
                 <a:solidFill>
-                  <a:srgbClr val="3366FF"/>
+                  <a:srgbClr val="0000FF"/>
                 </a:solidFill>
+              </a:rPr>
+              <a:t>XOR</a:t>
+            </a:r>
+            <a:r>
+              <a:rPr lang="en-GB" dirty="0" smtClean="0"/>
+              <a:t> (</a:t>
+            </a:r>
+            <a:r>
+              <a:rPr lang="en-GB" dirty="0" smtClean="0">
                 <a:latin typeface="Courier New"/>
                 <a:cs typeface="Courier New"/>
               </a:rPr>
-              <a:t>uint32_t</a:t>
-            </a:r>
-            <a:r>
-              <a:rPr lang="en-GB" sz="2000" b="1" dirty="0" smtClean="0">
-                <a:latin typeface="Courier New"/>
-                <a:cs typeface="Courier New"/>
-              </a:rPr>
-              <a:t> data[</a:t>
-            </a:r>
-            <a:r>
-              <a:rPr lang="en-GB" sz="2000" b="1" dirty="0" smtClean="0">
-                <a:solidFill>
-                  <a:srgbClr val="6117C1"/>
-                </a:solidFill>
-                <a:latin typeface="Courier New"/>
-                <a:cs typeface="Courier New"/>
-              </a:rPr>
-              <a:t>4</a:t>
-            </a:r>
-            <a:r>
-              <a:rPr lang="en-GB" sz="2000" b="1" dirty="0" smtClean="0">
-                <a:latin typeface="Courier New"/>
-                <a:cs typeface="Courier New"/>
-              </a:rPr>
-              <a:t>]; </a:t>
-            </a:r>
-            <a:r>
-              <a:rPr lang="en-GB" sz="2000" b="1" dirty="0" smtClean="0">
-                <a:solidFill>
-                  <a:srgbClr val="008000"/>
-                </a:solidFill>
-                <a:latin typeface="Courier New"/>
-                <a:cs typeface="Courier New"/>
-              </a:rPr>
-              <a:t>// 128 bits of data</a:t>
-            </a:r>
-          </a:p>
-          <a:p>
-            <a:pPr marL="0" indent="0">
-              <a:buNone/>
+              <a:t>^</a:t>
+            </a:r>
+            <a:r>
+              <a:rPr lang="en-GB" dirty="0" smtClean="0"/>
+              <a:t> operator in C)</a:t>
+            </a:r>
+          </a:p>
+          <a:p>
+            <a:pPr>
+              <a:spcBef>
+                <a:spcPts val="1968"/>
+              </a:spcBef>
             </a:pPr>
-            <a:endParaRPr lang="en-GB" sz="2000" b="1" dirty="0">
-              <a:latin typeface="Courier New"/>
-              <a:cs typeface="Courier New"/>
-            </a:endParaRPr>
-          </a:p>
-          <a:p>
-            <a:pPr marL="0" indent="0">
-              <a:buNone/>
-            </a:pPr>
-            <a:r>
-              <a:rPr lang="en-GB" sz="2000" b="1" i="1" dirty="0" smtClean="0">
-                <a:solidFill>
-                  <a:srgbClr val="3366FF"/>
-                </a:solidFill>
-                <a:latin typeface="Courier New"/>
-                <a:cs typeface="Courier New"/>
-              </a:rPr>
-              <a:t>uint32_t</a:t>
-            </a:r>
-            <a:r>
-              <a:rPr lang="en-GB" sz="2000" b="1" dirty="0" smtClean="0">
-                <a:latin typeface="Courier New"/>
-                <a:cs typeface="Courier New"/>
-              </a:rPr>
-              <a:t> p = data[</a:t>
-            </a:r>
-            <a:r>
-              <a:rPr lang="en-GB" sz="2000" b="1" dirty="0" smtClean="0">
-                <a:solidFill>
-                  <a:srgbClr val="6117C1"/>
-                </a:solidFill>
-                <a:latin typeface="Courier New"/>
-                <a:cs typeface="Courier New"/>
-              </a:rPr>
-              <a:t>0</a:t>
-            </a:r>
-            <a:r>
-              <a:rPr lang="en-GB" sz="2000" b="1" dirty="0" smtClean="0">
-                <a:latin typeface="Courier New"/>
-                <a:cs typeface="Courier New"/>
-              </a:rPr>
-              <a:t>] ^ data[</a:t>
-            </a:r>
-            <a:r>
-              <a:rPr lang="en-GB" sz="2000" b="1" dirty="0" smtClean="0">
-                <a:solidFill>
-                  <a:srgbClr val="6117C1"/>
-                </a:solidFill>
-                <a:latin typeface="Courier New"/>
-                <a:cs typeface="Courier New"/>
-              </a:rPr>
-              <a:t>1</a:t>
-            </a:r>
-            <a:r>
-              <a:rPr lang="en-GB" sz="2000" b="1" dirty="0" smtClean="0">
-                <a:latin typeface="Courier New"/>
-                <a:cs typeface="Courier New"/>
-              </a:rPr>
-              <a:t>] ^ data[</a:t>
-            </a:r>
-            <a:r>
-              <a:rPr lang="en-GB" sz="2000" b="1" dirty="0" smtClean="0">
-                <a:solidFill>
-                  <a:srgbClr val="6117C1"/>
-                </a:solidFill>
-                <a:latin typeface="Courier New"/>
-                <a:cs typeface="Courier New"/>
-              </a:rPr>
-              <a:t>2</a:t>
-            </a:r>
-            <a:r>
-              <a:rPr lang="en-GB" sz="2000" b="1" dirty="0" smtClean="0">
-                <a:latin typeface="Courier New"/>
-                <a:cs typeface="Courier New"/>
-              </a:rPr>
-              <a:t>] ^ data[</a:t>
-            </a:r>
-            <a:r>
-              <a:rPr lang="en-GB" sz="2000" b="1" dirty="0" smtClean="0">
-                <a:solidFill>
-                  <a:srgbClr val="6117C1"/>
-                </a:solidFill>
-                <a:latin typeface="Courier New"/>
-                <a:cs typeface="Courier New"/>
-              </a:rPr>
-              <a:t>3</a:t>
-            </a:r>
-            <a:r>
-              <a:rPr lang="en-GB" sz="2000" b="1" dirty="0" smtClean="0">
-                <a:latin typeface="Courier New"/>
-                <a:cs typeface="Courier New"/>
-              </a:rPr>
-              <a:t>]</a:t>
-            </a:r>
-          </a:p>
-          <a:p>
-            <a:pPr marL="0" indent="0">
-              <a:buNone/>
-            </a:pPr>
-            <a:r>
-              <a:rPr lang="fr-FR" sz="2000" b="1" dirty="0">
-                <a:latin typeface="Courier New"/>
-                <a:cs typeface="Courier New"/>
-              </a:rPr>
-              <a:t>p</a:t>
-            </a:r>
-            <a:r>
-              <a:rPr lang="fr-FR" sz="2000" b="1" dirty="0" smtClean="0">
-                <a:latin typeface="Courier New"/>
-                <a:cs typeface="Courier New"/>
-              </a:rPr>
-              <a:t> </a:t>
-            </a:r>
-            <a:r>
-              <a:rPr lang="fr-FR" sz="2000" b="1" dirty="0">
-                <a:latin typeface="Courier New"/>
-                <a:cs typeface="Courier New"/>
-              </a:rPr>
-              <a:t>^= </a:t>
-            </a:r>
-            <a:r>
-              <a:rPr lang="fr-FR" sz="2000" b="1" dirty="0" smtClean="0">
-                <a:latin typeface="Courier New"/>
-                <a:cs typeface="Courier New"/>
-              </a:rPr>
-              <a:t>p </a:t>
-            </a:r>
-            <a:r>
-              <a:rPr lang="fr-FR" sz="2000" b="1" dirty="0">
-                <a:latin typeface="Courier New"/>
-                <a:cs typeface="Courier New"/>
-              </a:rPr>
-              <a:t>&gt;&gt; </a:t>
-            </a:r>
-            <a:r>
-              <a:rPr lang="fr-FR" sz="2000" b="1" dirty="0">
-                <a:solidFill>
-                  <a:srgbClr val="6117C1"/>
-                </a:solidFill>
-                <a:latin typeface="Courier New"/>
-                <a:cs typeface="Courier New"/>
-              </a:rPr>
-              <a:t>16</a:t>
-            </a:r>
-            <a:r>
-              <a:rPr lang="fr-FR" sz="2000" b="1" dirty="0">
-                <a:latin typeface="Courier New"/>
-                <a:cs typeface="Courier New"/>
-              </a:rPr>
-              <a:t>;</a:t>
-            </a:r>
-          </a:p>
-          <a:p>
-            <a:pPr marL="0" indent="0">
-              <a:buNone/>
-            </a:pPr>
-            <a:r>
-              <a:rPr lang="fr-FR" sz="2000" b="1" dirty="0">
-                <a:latin typeface="Courier New"/>
-                <a:cs typeface="Courier New"/>
-              </a:rPr>
-              <a:t>p</a:t>
-            </a:r>
-            <a:r>
-              <a:rPr lang="fr-FR" sz="2000" b="1" dirty="0" smtClean="0">
-                <a:latin typeface="Courier New"/>
-                <a:cs typeface="Courier New"/>
-              </a:rPr>
-              <a:t> </a:t>
-            </a:r>
-            <a:r>
-              <a:rPr lang="fr-FR" sz="2000" b="1" dirty="0">
-                <a:latin typeface="Courier New"/>
-                <a:cs typeface="Courier New"/>
-              </a:rPr>
-              <a:t>^= </a:t>
-            </a:r>
-            <a:r>
-              <a:rPr lang="fr-FR" sz="2000" b="1" dirty="0" smtClean="0">
-                <a:latin typeface="Courier New"/>
-                <a:cs typeface="Courier New"/>
-              </a:rPr>
-              <a:t>p </a:t>
-            </a:r>
-            <a:r>
-              <a:rPr lang="fr-FR" sz="2000" b="1" dirty="0">
-                <a:latin typeface="Courier New"/>
-                <a:cs typeface="Courier New"/>
-              </a:rPr>
-              <a:t>&gt;&gt; </a:t>
-            </a:r>
-            <a:r>
-              <a:rPr lang="fr-FR" sz="2000" b="1" dirty="0">
-                <a:solidFill>
-                  <a:srgbClr val="6117C1"/>
-                </a:solidFill>
-                <a:latin typeface="Courier New"/>
-                <a:cs typeface="Courier New"/>
-              </a:rPr>
-              <a:t>8</a:t>
-            </a:r>
-            <a:r>
-              <a:rPr lang="fr-FR" sz="2000" b="1" dirty="0">
-                <a:latin typeface="Courier New"/>
-                <a:cs typeface="Courier New"/>
-              </a:rPr>
-              <a:t>;</a:t>
-            </a:r>
-          </a:p>
-          <a:p>
-            <a:pPr marL="0" indent="0">
-              <a:buNone/>
-            </a:pPr>
-            <a:r>
-              <a:rPr lang="fr-FR" sz="2000" b="1" dirty="0">
-                <a:latin typeface="Courier New"/>
-                <a:cs typeface="Courier New"/>
-              </a:rPr>
-              <a:t>p</a:t>
-            </a:r>
-            <a:r>
-              <a:rPr lang="fr-FR" sz="2000" b="1" dirty="0" smtClean="0">
-                <a:latin typeface="Courier New"/>
-                <a:cs typeface="Courier New"/>
-              </a:rPr>
-              <a:t> </a:t>
-            </a:r>
-            <a:r>
-              <a:rPr lang="fr-FR" sz="2000" b="1" dirty="0">
-                <a:latin typeface="Courier New"/>
-                <a:cs typeface="Courier New"/>
-              </a:rPr>
-              <a:t>^= </a:t>
-            </a:r>
-            <a:r>
-              <a:rPr lang="fr-FR" sz="2000" b="1" dirty="0" smtClean="0">
-                <a:latin typeface="Courier New"/>
-                <a:cs typeface="Courier New"/>
-              </a:rPr>
-              <a:t>p </a:t>
-            </a:r>
-            <a:r>
-              <a:rPr lang="fr-FR" sz="2000" b="1" dirty="0">
-                <a:latin typeface="Courier New"/>
-                <a:cs typeface="Courier New"/>
-              </a:rPr>
-              <a:t>&gt;&gt; </a:t>
-            </a:r>
-            <a:r>
-              <a:rPr lang="fr-FR" sz="2000" b="1" dirty="0">
-                <a:solidFill>
-                  <a:srgbClr val="6117C1"/>
-                </a:solidFill>
-                <a:latin typeface="Courier New"/>
-                <a:cs typeface="Courier New"/>
-              </a:rPr>
-              <a:t>4</a:t>
-            </a:r>
-            <a:r>
-              <a:rPr lang="fr-FR" sz="2000" b="1" dirty="0">
-                <a:latin typeface="Courier New"/>
-                <a:cs typeface="Courier New"/>
-              </a:rPr>
-              <a:t>;</a:t>
-            </a:r>
-          </a:p>
-          <a:p>
-            <a:pPr marL="0" indent="0">
-              <a:buNone/>
-            </a:pPr>
-            <a:r>
-              <a:rPr lang="en-US" sz="2000" b="1" dirty="0">
-                <a:latin typeface="Courier New"/>
-                <a:cs typeface="Courier New"/>
-              </a:rPr>
-              <a:t>p</a:t>
-            </a:r>
-            <a:r>
-              <a:rPr lang="en-US" sz="2000" b="1" dirty="0" smtClean="0">
-                <a:latin typeface="Courier New"/>
-                <a:cs typeface="Courier New"/>
-              </a:rPr>
-              <a:t> </a:t>
-            </a:r>
-            <a:r>
-              <a:rPr lang="en-US" sz="2000" b="1" dirty="0">
-                <a:latin typeface="Courier New"/>
-                <a:cs typeface="Courier New"/>
-              </a:rPr>
-              <a:t>^= </a:t>
-            </a:r>
-            <a:r>
-              <a:rPr lang="en-US" sz="2000" b="1" dirty="0" smtClean="0">
-                <a:latin typeface="Courier New"/>
-                <a:cs typeface="Courier New"/>
-              </a:rPr>
-              <a:t>p </a:t>
-            </a:r>
-            <a:r>
-              <a:rPr lang="en-US" sz="2000" b="1" dirty="0">
-                <a:latin typeface="Courier New"/>
-                <a:cs typeface="Courier New"/>
-              </a:rPr>
-              <a:t>&gt;&gt; </a:t>
-            </a:r>
-            <a:r>
-              <a:rPr lang="en-US" sz="2000" b="1" dirty="0">
-                <a:solidFill>
-                  <a:srgbClr val="6117C1"/>
-                </a:solidFill>
-                <a:latin typeface="Courier New"/>
-                <a:cs typeface="Courier New"/>
-              </a:rPr>
-              <a:t>2</a:t>
-            </a:r>
-            <a:r>
-              <a:rPr lang="en-US" sz="2000" b="1" dirty="0">
-                <a:latin typeface="Courier New"/>
-                <a:cs typeface="Courier New"/>
-              </a:rPr>
-              <a:t>;</a:t>
-            </a:r>
-          </a:p>
-          <a:p>
-            <a:pPr marL="0" indent="0">
-              <a:buNone/>
-            </a:pPr>
-            <a:r>
-              <a:rPr lang="fr-FR" sz="2000" b="1" dirty="0">
-                <a:latin typeface="Courier New"/>
-                <a:cs typeface="Courier New"/>
-              </a:rPr>
-              <a:t>p</a:t>
-            </a:r>
-            <a:r>
-              <a:rPr lang="fr-FR" sz="2000" b="1" dirty="0" smtClean="0">
-                <a:latin typeface="Courier New"/>
-                <a:cs typeface="Courier New"/>
-              </a:rPr>
-              <a:t> </a:t>
-            </a:r>
-            <a:r>
-              <a:rPr lang="fr-FR" sz="2000" b="1" dirty="0">
-                <a:latin typeface="Courier New"/>
-                <a:cs typeface="Courier New"/>
-              </a:rPr>
-              <a:t>^= </a:t>
-            </a:r>
-            <a:r>
-              <a:rPr lang="fr-FR" sz="2000" b="1" dirty="0" smtClean="0">
-                <a:latin typeface="Courier New"/>
-                <a:cs typeface="Courier New"/>
-              </a:rPr>
-              <a:t>p </a:t>
-            </a:r>
-            <a:r>
-              <a:rPr lang="fr-FR" sz="2000" b="1" dirty="0">
-                <a:latin typeface="Courier New"/>
-                <a:cs typeface="Courier New"/>
-              </a:rPr>
-              <a:t>&gt;&gt; </a:t>
-            </a:r>
-            <a:r>
-              <a:rPr lang="fr-FR" sz="2000" b="1" dirty="0">
-                <a:solidFill>
-                  <a:srgbClr val="6117C1"/>
-                </a:solidFill>
-                <a:latin typeface="Courier New"/>
-                <a:cs typeface="Courier New"/>
-              </a:rPr>
-              <a:t>1</a:t>
-            </a:r>
-            <a:r>
-              <a:rPr lang="fr-FR" sz="2000" b="1" dirty="0" smtClean="0">
-                <a:latin typeface="Courier New"/>
-                <a:cs typeface="Courier New"/>
-              </a:rPr>
-              <a:t>;</a:t>
-            </a:r>
-            <a:endParaRPr lang="fr-FR" sz="2000" b="1" dirty="0">
-              <a:latin typeface="Courier New"/>
-              <a:cs typeface="Courier New"/>
-            </a:endParaRPr>
-          </a:p>
-          <a:p>
-            <a:pPr marL="0" indent="0">
-              <a:buNone/>
-            </a:pPr>
-            <a:endParaRPr lang="fr-FR" sz="2000" b="1" dirty="0" smtClean="0">
-              <a:latin typeface="Courier New"/>
-              <a:cs typeface="Courier New"/>
-            </a:endParaRPr>
-          </a:p>
-          <a:p>
-            <a:pPr marL="0" indent="0">
-              <a:buNone/>
-            </a:pPr>
-            <a:r>
-              <a:rPr lang="fr-FR" sz="2000" b="1" dirty="0" smtClean="0">
-                <a:solidFill>
-                  <a:srgbClr val="008000"/>
-                </a:solidFill>
-                <a:latin typeface="Courier New"/>
-                <a:cs typeface="Courier New"/>
-              </a:rPr>
-              <a:t>// p </a:t>
-            </a:r>
-            <a:r>
-              <a:rPr lang="fr-FR" sz="2000" b="1" dirty="0" err="1" smtClean="0">
-                <a:solidFill>
-                  <a:srgbClr val="008000"/>
-                </a:solidFill>
-                <a:latin typeface="Courier New"/>
-                <a:cs typeface="Courier New"/>
-              </a:rPr>
-              <a:t>is</a:t>
-            </a:r>
-            <a:r>
-              <a:rPr lang="fr-FR" sz="2000" b="1" dirty="0" smtClean="0">
-                <a:solidFill>
-                  <a:srgbClr val="008000"/>
-                </a:solidFill>
-                <a:latin typeface="Courier New"/>
-                <a:cs typeface="Courier New"/>
-              </a:rPr>
-              <a:t> </a:t>
-            </a:r>
-            <a:r>
-              <a:rPr lang="fr-FR" sz="2000" b="1" dirty="0" err="1" smtClean="0">
-                <a:solidFill>
-                  <a:srgbClr val="008000"/>
-                </a:solidFill>
-                <a:latin typeface="Courier New"/>
-                <a:cs typeface="Courier New"/>
-              </a:rPr>
-              <a:t>now</a:t>
-            </a:r>
-            <a:r>
-              <a:rPr lang="fr-FR" sz="2000" b="1" dirty="0" smtClean="0">
-                <a:solidFill>
-                  <a:srgbClr val="008000"/>
-                </a:solidFill>
-                <a:latin typeface="Courier New"/>
-                <a:cs typeface="Courier New"/>
-              </a:rPr>
-              <a:t> ‘1’ or ‘0’, </a:t>
-            </a:r>
-            <a:r>
-              <a:rPr lang="fr-FR" sz="2000" b="1" dirty="0" err="1" smtClean="0">
-                <a:solidFill>
-                  <a:srgbClr val="008000"/>
-                </a:solidFill>
-                <a:latin typeface="Courier New"/>
-                <a:cs typeface="Courier New"/>
-              </a:rPr>
-              <a:t>corresponding</a:t>
-            </a:r>
-            <a:r>
-              <a:rPr lang="fr-FR" sz="2000" b="1" dirty="0" smtClean="0">
-                <a:solidFill>
-                  <a:srgbClr val="008000"/>
-                </a:solidFill>
-                <a:latin typeface="Courier New"/>
-                <a:cs typeface="Courier New"/>
-              </a:rPr>
-              <a:t> to data </a:t>
-            </a:r>
-            <a:r>
-              <a:rPr lang="fr-FR" sz="2000" b="1" dirty="0" err="1" smtClean="0">
-                <a:solidFill>
-                  <a:srgbClr val="008000"/>
-                </a:solidFill>
-                <a:latin typeface="Courier New"/>
-                <a:cs typeface="Courier New"/>
-              </a:rPr>
-              <a:t>having</a:t>
-            </a:r>
-            <a:endParaRPr lang="fr-FR" sz="2000" b="1" dirty="0" smtClean="0">
-              <a:solidFill>
-                <a:srgbClr val="008000"/>
-              </a:solidFill>
-              <a:latin typeface="Courier New"/>
-              <a:cs typeface="Courier New"/>
-            </a:endParaRPr>
-          </a:p>
-          <a:p>
-            <a:pPr marL="0" indent="0">
-              <a:buNone/>
-            </a:pPr>
-            <a:r>
-              <a:rPr lang="fr-FR" sz="2000" b="1" dirty="0" smtClean="0">
-                <a:solidFill>
-                  <a:srgbClr val="008000"/>
-                </a:solidFill>
-                <a:latin typeface="Courier New"/>
-                <a:cs typeface="Courier New"/>
-              </a:rPr>
-              <a:t>// an </a:t>
-            </a:r>
-            <a:r>
-              <a:rPr lang="fr-FR" sz="2000" b="1" dirty="0" err="1" smtClean="0">
-                <a:solidFill>
-                  <a:srgbClr val="008000"/>
-                </a:solidFill>
-                <a:latin typeface="Courier New"/>
-                <a:cs typeface="Courier New"/>
-              </a:rPr>
-              <a:t>odd</a:t>
-            </a:r>
-            <a:r>
-              <a:rPr lang="fr-FR" sz="2000" b="1" dirty="0" smtClean="0">
-                <a:solidFill>
-                  <a:srgbClr val="008000"/>
-                </a:solidFill>
-                <a:latin typeface="Courier New"/>
-                <a:cs typeface="Courier New"/>
-              </a:rPr>
-              <a:t> or </a:t>
-            </a:r>
-            <a:r>
-              <a:rPr lang="fr-FR" sz="2000" b="1" dirty="0" err="1" smtClean="0">
-                <a:solidFill>
-                  <a:srgbClr val="008000"/>
-                </a:solidFill>
-                <a:latin typeface="Courier New"/>
-                <a:cs typeface="Courier New"/>
-              </a:rPr>
-              <a:t>even</a:t>
-            </a:r>
-            <a:r>
-              <a:rPr lang="fr-FR" sz="2000" b="1" dirty="0" smtClean="0">
-                <a:solidFill>
-                  <a:srgbClr val="008000"/>
-                </a:solidFill>
-                <a:latin typeface="Courier New"/>
-                <a:cs typeface="Courier New"/>
-              </a:rPr>
-              <a:t> </a:t>
-            </a:r>
-            <a:r>
-              <a:rPr lang="fr-FR" sz="2000" b="1" dirty="0" err="1" smtClean="0">
-                <a:solidFill>
-                  <a:srgbClr val="008000"/>
-                </a:solidFill>
-                <a:latin typeface="Courier New"/>
-                <a:cs typeface="Courier New"/>
-              </a:rPr>
-              <a:t>number</a:t>
-            </a:r>
-            <a:r>
-              <a:rPr lang="fr-FR" sz="2000" b="1" dirty="0" smtClean="0">
-                <a:solidFill>
-                  <a:srgbClr val="008000"/>
-                </a:solidFill>
-                <a:latin typeface="Courier New"/>
-                <a:cs typeface="Courier New"/>
-              </a:rPr>
-              <a:t> of ‘1’ bits</a:t>
-            </a:r>
-            <a:endParaRPr lang="en-GB" sz="2000" b="1" dirty="0" smtClean="0">
-              <a:solidFill>
-                <a:srgbClr val="008000"/>
-              </a:solidFill>
-              <a:latin typeface="Courier New"/>
-              <a:cs typeface="Courier New"/>
-            </a:endParaRPr>
-          </a:p>
-          <a:p>
-            <a:pPr marL="0" indent="0">
-              <a:buNone/>
-            </a:pPr>
-            <a:endParaRPr lang="en-GB" sz="2000" b="1" dirty="0"/>
+            <a:r>
+              <a:rPr lang="en-GB" dirty="0" smtClean="0"/>
+              <a:t>Some processors may have native hardware support for computing parity efficiently</a:t>
+            </a:r>
+          </a:p>
+          <a:p>
+            <a:r>
+              <a:rPr lang="en-GB" dirty="0" smtClean="0"/>
+              <a:t>Several compilers (</a:t>
+            </a:r>
+            <a:r>
+              <a:rPr lang="en-GB" dirty="0" err="1" smtClean="0"/>
+              <a:t>gcc</a:t>
+            </a:r>
+            <a:r>
+              <a:rPr lang="en-GB" dirty="0" smtClean="0"/>
+              <a:t>, clang, </a:t>
+            </a:r>
+            <a:r>
+              <a:rPr lang="en-GB" dirty="0" err="1" smtClean="0"/>
+              <a:t>icc</a:t>
+            </a:r>
+            <a:r>
+              <a:rPr lang="en-GB" dirty="0" smtClean="0"/>
+              <a:t>) support </a:t>
+            </a:r>
+            <a:r>
+              <a:rPr lang="en-GB" dirty="0" err="1" smtClean="0"/>
+              <a:t>intrinsics</a:t>
+            </a:r>
+            <a:r>
+              <a:rPr lang="en-GB" dirty="0" smtClean="0"/>
+              <a:t> to handle this</a:t>
+            </a:r>
           </a:p>
         </p:txBody>
       </p:sp>
@@ -16861,7 +16501,7 @@
     </p:spTree>
     <p:extLst>
       <p:ext uri="{BB962C8B-B14F-4D97-AF65-F5344CB8AC3E}">
-        <p14:creationId xmlns:p14="http://schemas.microsoft.com/office/powerpoint/2010/main" val="2692605913"/>
+        <p14:creationId xmlns:p14="http://schemas.microsoft.com/office/powerpoint/2010/main" val="1739650430"/>
       </p:ext>
     </p:extLst>
   </p:cSld>
@@ -17092,25 +16732,304 @@
             <a:pPr marL="0" indent="0">
               <a:buNone/>
             </a:pPr>
-            <a:endParaRPr lang="en-GB" sz="2000" b="1" dirty="0" smtClean="0">
-              <a:latin typeface="Courier New"/>
-              <a:cs typeface="Courier New"/>
-            </a:endParaRPr>
-          </a:p>
-          <a:p>
-            <a:pPr marL="0" indent="0">
-              <a:buNone/>
-            </a:pPr>
+            <a:r>
+              <a:rPr lang="fr-FR" sz="2000" b="1" dirty="0">
+                <a:latin typeface="Courier New"/>
+                <a:cs typeface="Courier New"/>
+              </a:rPr>
+              <a:t>p</a:t>
+            </a:r>
+            <a:r>
+              <a:rPr lang="fr-FR" sz="2000" b="1" dirty="0" smtClean="0">
+                <a:latin typeface="Courier New"/>
+                <a:cs typeface="Courier New"/>
+              </a:rPr>
+              <a:t> </a:t>
+            </a:r>
+            <a:r>
+              <a:rPr lang="fr-FR" sz="2000" b="1" dirty="0">
+                <a:latin typeface="Courier New"/>
+                <a:cs typeface="Courier New"/>
+              </a:rPr>
+              <a:t>^= </a:t>
+            </a:r>
+            <a:r>
+              <a:rPr lang="fr-FR" sz="2000" b="1" dirty="0" smtClean="0">
+                <a:latin typeface="Courier New"/>
+                <a:cs typeface="Courier New"/>
+              </a:rPr>
+              <a:t>p </a:t>
+            </a:r>
+            <a:r>
+              <a:rPr lang="fr-FR" sz="2000" b="1" dirty="0">
+                <a:latin typeface="Courier New"/>
+                <a:cs typeface="Courier New"/>
+              </a:rPr>
+              <a:t>&gt;&gt; </a:t>
+            </a:r>
             <a:r>
               <a:rPr lang="fr-FR" sz="2000" b="1" dirty="0">
                 <a:solidFill>
-                  <a:srgbClr val="008000"/>
+                  <a:srgbClr val="6117C1"/>
                 </a:solidFill>
                 <a:latin typeface="Courier New"/>
                 <a:cs typeface="Courier New"/>
               </a:rPr>
-              <a:t>/</a:t>
-            </a:r>
+              <a:t>16</a:t>
+            </a:r>
+            <a:r>
+              <a:rPr lang="fr-FR" sz="2000" b="1" dirty="0">
+                <a:latin typeface="Courier New"/>
+                <a:cs typeface="Courier New"/>
+              </a:rPr>
+              <a:t>;</a:t>
+            </a:r>
+          </a:p>
+          <a:p>
+            <a:pPr marL="0" indent="0">
+              <a:buNone/>
+            </a:pPr>
+            <a:r>
+              <a:rPr lang="fr-FR" sz="2000" b="1" dirty="0">
+                <a:latin typeface="Courier New"/>
+                <a:cs typeface="Courier New"/>
+              </a:rPr>
+              <a:t>p</a:t>
+            </a:r>
+            <a:r>
+              <a:rPr lang="fr-FR" sz="2000" b="1" dirty="0" smtClean="0">
+                <a:latin typeface="Courier New"/>
+                <a:cs typeface="Courier New"/>
+              </a:rPr>
+              <a:t> </a:t>
+            </a:r>
+            <a:r>
+              <a:rPr lang="fr-FR" sz="2000" b="1" dirty="0">
+                <a:latin typeface="Courier New"/>
+                <a:cs typeface="Courier New"/>
+              </a:rPr>
+              <a:t>^= </a:t>
+            </a:r>
+            <a:r>
+              <a:rPr lang="fr-FR" sz="2000" b="1" dirty="0" smtClean="0">
+                <a:latin typeface="Courier New"/>
+                <a:cs typeface="Courier New"/>
+              </a:rPr>
+              <a:t>p </a:t>
+            </a:r>
+            <a:r>
+              <a:rPr lang="fr-FR" sz="2000" b="1" dirty="0">
+                <a:latin typeface="Courier New"/>
+                <a:cs typeface="Courier New"/>
+              </a:rPr>
+              <a:t>&gt;&gt; </a:t>
+            </a:r>
+            <a:r>
+              <a:rPr lang="fr-FR" sz="2000" b="1" dirty="0">
+                <a:solidFill>
+                  <a:srgbClr val="6117C1"/>
+                </a:solidFill>
+                <a:latin typeface="Courier New"/>
+                <a:cs typeface="Courier New"/>
+              </a:rPr>
+              <a:t>8</a:t>
+            </a:r>
+            <a:r>
+              <a:rPr lang="fr-FR" sz="2000" b="1" dirty="0">
+                <a:latin typeface="Courier New"/>
+                <a:cs typeface="Courier New"/>
+              </a:rPr>
+              <a:t>;</a:t>
+            </a:r>
+          </a:p>
+          <a:p>
+            <a:pPr marL="0" indent="0">
+              <a:buNone/>
+            </a:pPr>
+            <a:r>
+              <a:rPr lang="fr-FR" sz="2000" b="1" dirty="0">
+                <a:latin typeface="Courier New"/>
+                <a:cs typeface="Courier New"/>
+              </a:rPr>
+              <a:t>p</a:t>
+            </a:r>
+            <a:r>
+              <a:rPr lang="fr-FR" sz="2000" b="1" dirty="0" smtClean="0">
+                <a:latin typeface="Courier New"/>
+                <a:cs typeface="Courier New"/>
+              </a:rPr>
+              <a:t> </a:t>
+            </a:r>
+            <a:r>
+              <a:rPr lang="fr-FR" sz="2000" b="1" dirty="0">
+                <a:latin typeface="Courier New"/>
+                <a:cs typeface="Courier New"/>
+              </a:rPr>
+              <a:t>^= </a:t>
+            </a:r>
+            <a:r>
+              <a:rPr lang="fr-FR" sz="2000" b="1" dirty="0" smtClean="0">
+                <a:latin typeface="Courier New"/>
+                <a:cs typeface="Courier New"/>
+              </a:rPr>
+              <a:t>p </a:t>
+            </a:r>
+            <a:r>
+              <a:rPr lang="fr-FR" sz="2000" b="1" dirty="0">
+                <a:latin typeface="Courier New"/>
+                <a:cs typeface="Courier New"/>
+              </a:rPr>
+              <a:t>&gt;&gt; </a:t>
+            </a:r>
+            <a:r>
+              <a:rPr lang="fr-FR" sz="2000" b="1" dirty="0">
+                <a:solidFill>
+                  <a:srgbClr val="6117C1"/>
+                </a:solidFill>
+                <a:latin typeface="Courier New"/>
+                <a:cs typeface="Courier New"/>
+              </a:rPr>
+              <a:t>4</a:t>
+            </a:r>
+            <a:r>
+              <a:rPr lang="fr-FR" sz="2000" b="1" dirty="0">
+                <a:latin typeface="Courier New"/>
+                <a:cs typeface="Courier New"/>
+              </a:rPr>
+              <a:t>;</a:t>
+            </a:r>
+          </a:p>
+          <a:p>
+            <a:pPr marL="0" indent="0">
+              <a:buNone/>
+            </a:pPr>
+            <a:r>
+              <a:rPr lang="en-US" sz="2000" b="1" dirty="0">
+                <a:latin typeface="Courier New"/>
+                <a:cs typeface="Courier New"/>
+              </a:rPr>
+              <a:t>p</a:t>
+            </a:r>
+            <a:r>
+              <a:rPr lang="en-US" sz="2000" b="1" dirty="0" smtClean="0">
+                <a:latin typeface="Courier New"/>
+                <a:cs typeface="Courier New"/>
+              </a:rPr>
+              <a:t> </a:t>
+            </a:r>
+            <a:r>
+              <a:rPr lang="en-US" sz="2000" b="1" dirty="0">
+                <a:latin typeface="Courier New"/>
+                <a:cs typeface="Courier New"/>
+              </a:rPr>
+              <a:t>^= </a:t>
+            </a:r>
+            <a:r>
+              <a:rPr lang="en-US" sz="2000" b="1" dirty="0" smtClean="0">
+                <a:latin typeface="Courier New"/>
+                <a:cs typeface="Courier New"/>
+              </a:rPr>
+              <a:t>p </a:t>
+            </a:r>
+            <a:r>
+              <a:rPr lang="en-US" sz="2000" b="1" dirty="0">
+                <a:latin typeface="Courier New"/>
+                <a:cs typeface="Courier New"/>
+              </a:rPr>
+              <a:t>&gt;&gt; </a:t>
+            </a:r>
+            <a:r>
+              <a:rPr lang="en-US" sz="2000" b="1" dirty="0">
+                <a:solidFill>
+                  <a:srgbClr val="6117C1"/>
+                </a:solidFill>
+                <a:latin typeface="Courier New"/>
+                <a:cs typeface="Courier New"/>
+              </a:rPr>
+              <a:t>2</a:t>
+            </a:r>
+            <a:r>
+              <a:rPr lang="en-US" sz="2000" b="1" dirty="0">
+                <a:latin typeface="Courier New"/>
+                <a:cs typeface="Courier New"/>
+              </a:rPr>
+              <a:t>;</a:t>
+            </a:r>
+          </a:p>
+          <a:p>
+            <a:pPr marL="0" indent="0">
+              <a:buNone/>
+            </a:pPr>
+            <a:r>
+              <a:rPr lang="fr-FR" sz="2000" b="1" dirty="0">
+                <a:latin typeface="Courier New"/>
+                <a:cs typeface="Courier New"/>
+              </a:rPr>
+              <a:t>p</a:t>
+            </a:r>
+            <a:r>
+              <a:rPr lang="fr-FR" sz="2000" b="1" dirty="0" smtClean="0">
+                <a:latin typeface="Courier New"/>
+                <a:cs typeface="Courier New"/>
+              </a:rPr>
+              <a:t> </a:t>
+            </a:r>
+            <a:r>
+              <a:rPr lang="fr-FR" sz="2000" b="1" dirty="0">
+                <a:latin typeface="Courier New"/>
+                <a:cs typeface="Courier New"/>
+              </a:rPr>
+              <a:t>^= </a:t>
+            </a:r>
+            <a:r>
+              <a:rPr lang="fr-FR" sz="2000" b="1" dirty="0" smtClean="0">
+                <a:latin typeface="Courier New"/>
+                <a:cs typeface="Courier New"/>
+              </a:rPr>
+              <a:t>p </a:t>
+            </a:r>
+            <a:r>
+              <a:rPr lang="fr-FR" sz="2000" b="1" dirty="0">
+                <a:latin typeface="Courier New"/>
+                <a:cs typeface="Courier New"/>
+              </a:rPr>
+              <a:t>&gt;&gt; </a:t>
+            </a:r>
+            <a:r>
+              <a:rPr lang="fr-FR" sz="2000" b="1" dirty="0">
+                <a:solidFill>
+                  <a:srgbClr val="6117C1"/>
+                </a:solidFill>
+                <a:latin typeface="Courier New"/>
+                <a:cs typeface="Courier New"/>
+              </a:rPr>
+              <a:t>1</a:t>
+            </a:r>
+            <a:r>
+              <a:rPr lang="fr-FR" sz="2000" b="1" dirty="0" smtClean="0">
+                <a:latin typeface="Courier New"/>
+                <a:cs typeface="Courier New"/>
+              </a:rPr>
+              <a:t>;</a:t>
+            </a:r>
+            <a:endParaRPr lang="fr-FR" sz="2000" b="1" dirty="0">
+              <a:latin typeface="Courier New"/>
+              <a:cs typeface="Courier New"/>
+            </a:endParaRPr>
+          </a:p>
+          <a:p>
+            <a:pPr marL="0" indent="0">
+              <a:buNone/>
+            </a:pPr>
+            <a:endParaRPr lang="fr-FR" sz="2000" b="1" dirty="0" smtClean="0">
+              <a:latin typeface="Courier New"/>
+              <a:cs typeface="Courier New"/>
+            </a:endParaRPr>
+          </a:p>
+          <a:p>
+            <a:pPr marL="0" indent="0">
+              <a:buNone/>
+            </a:pPr>
             <a:r>
               <a:rPr lang="fr-FR" sz="2000" b="1" dirty="0" smtClean="0">
                 <a:solidFill>
@@ -17119,7 +17038,7 @@
                 <a:latin typeface="Courier New"/>
                 <a:cs typeface="Courier New"/>
               </a:rPr>
-              <a:t>/ This </a:t>
+              <a:t>// p </a:t>
             </a:r>
             <a:r>
               <a:rPr lang="fr-FR" sz="2000" b="1" dirty="0" err="1" smtClean="0">
@@ -17129,7 +17048,7 @@
                 <a:latin typeface="Courier New"/>
                 <a:cs typeface="Courier New"/>
               </a:rPr>
-              <a:t>intrinsic</a:t>
+              <a:t>is</a:t>
             </a:r>
             <a:r>
               <a:rPr lang="fr-FR" sz="2000" b="1" dirty="0" smtClean="0">
@@ -17149,7 +17068,99 @@
                 <a:latin typeface="Courier New"/>
                 <a:cs typeface="Courier New"/>
               </a:rPr>
-              <a:t>should</a:t>
+              <a:t>now</a:t>
+            </a:r>
+            <a:r>
+              <a:rPr lang="fr-FR" sz="2000" b="1" dirty="0" smtClean="0">
+                <a:solidFill>
+                  <a:srgbClr val="008000"/>
+                </a:solidFill>
+                <a:latin typeface="Courier New"/>
+                <a:cs typeface="Courier New"/>
+              </a:rPr>
+              <a:t> ‘1’ or ‘0’, </a:t>
+            </a:r>
+            <a:r>
+              <a:rPr lang="fr-FR" sz="2000" b="1" dirty="0" err="1" smtClean="0">
+                <a:solidFill>
+                  <a:srgbClr val="008000"/>
+                </a:solidFill>
+                <a:latin typeface="Courier New"/>
+                <a:cs typeface="Courier New"/>
+              </a:rPr>
+              <a:t>corresponding</a:t>
+            </a:r>
+            <a:r>
+              <a:rPr lang="fr-FR" sz="2000" b="1" dirty="0" smtClean="0">
+                <a:solidFill>
+                  <a:srgbClr val="008000"/>
+                </a:solidFill>
+                <a:latin typeface="Courier New"/>
+                <a:cs typeface="Courier New"/>
+              </a:rPr>
+              <a:t> to data </a:t>
+            </a:r>
+            <a:r>
+              <a:rPr lang="fr-FR" sz="2000" b="1" dirty="0" err="1" smtClean="0">
+                <a:solidFill>
+                  <a:srgbClr val="008000"/>
+                </a:solidFill>
+                <a:latin typeface="Courier New"/>
+                <a:cs typeface="Courier New"/>
+              </a:rPr>
+              <a:t>having</a:t>
+            </a:r>
+            <a:endParaRPr lang="fr-FR" sz="2000" b="1" dirty="0" smtClean="0">
+              <a:solidFill>
+                <a:srgbClr val="008000"/>
+              </a:solidFill>
+              <a:latin typeface="Courier New"/>
+              <a:cs typeface="Courier New"/>
+            </a:endParaRPr>
+          </a:p>
+          <a:p>
+            <a:pPr marL="0" indent="0">
+              <a:buNone/>
+            </a:pPr>
+            <a:r>
+              <a:rPr lang="fr-FR" sz="2000" b="1" dirty="0" smtClean="0">
+                <a:solidFill>
+                  <a:srgbClr val="008000"/>
+                </a:solidFill>
+                <a:latin typeface="Courier New"/>
+                <a:cs typeface="Courier New"/>
+              </a:rPr>
+              <a:t>// an </a:t>
+            </a:r>
+            <a:r>
+              <a:rPr lang="fr-FR" sz="2000" b="1" dirty="0" err="1" smtClean="0">
+                <a:solidFill>
+                  <a:srgbClr val="008000"/>
+                </a:solidFill>
+                <a:latin typeface="Courier New"/>
+                <a:cs typeface="Courier New"/>
+              </a:rPr>
+              <a:t>odd</a:t>
+            </a:r>
+            <a:r>
+              <a:rPr lang="fr-FR" sz="2000" b="1" dirty="0" smtClean="0">
+                <a:solidFill>
+                  <a:srgbClr val="008000"/>
+                </a:solidFill>
+                <a:latin typeface="Courier New"/>
+                <a:cs typeface="Courier New"/>
+              </a:rPr>
+              <a:t> or </a:t>
+            </a:r>
+            <a:r>
+              <a:rPr lang="fr-FR" sz="2000" b="1" dirty="0" err="1" smtClean="0">
+                <a:solidFill>
+                  <a:srgbClr val="008000"/>
+                </a:solidFill>
+                <a:latin typeface="Courier New"/>
+                <a:cs typeface="Courier New"/>
+              </a:rPr>
+              <a:t>even</a:t>
             </a:r>
             <a:r>
               <a:rPr lang="fr-FR" sz="2000" b="1" dirty="0" smtClean="0">
@@ -17169,286 +17180,6 @@
                 <a:latin typeface="Courier New"/>
                 <a:cs typeface="Courier New"/>
               </a:rPr>
-              <a:t>map</a:t>
-            </a:r>
-            <a:r>
-              <a:rPr lang="fr-FR" sz="2000" b="1" dirty="0" smtClean="0">
-                <a:solidFill>
-                  <a:srgbClr val="008000"/>
-                </a:solidFill>
-                <a:latin typeface="Courier New"/>
-                <a:cs typeface="Courier New"/>
-              </a:rPr>
-              <a:t> to native hardware</a:t>
-            </a:r>
-          </a:p>
-          <a:p>
-            <a:pPr marL="0" indent="0">
-              <a:buNone/>
-            </a:pPr>
-            <a:r>
-              <a:rPr lang="fr-FR" sz="2000" b="1" dirty="0" smtClean="0">
-                <a:solidFill>
-                  <a:srgbClr val="008000"/>
-                </a:solidFill>
-                <a:latin typeface="Courier New"/>
-                <a:cs typeface="Courier New"/>
-              </a:rPr>
-              <a:t>// </a:t>
-            </a:r>
-            <a:r>
-              <a:rPr lang="fr-FR" sz="2000" b="1" dirty="0" err="1" smtClean="0">
-                <a:solidFill>
-                  <a:srgbClr val="008000"/>
-                </a:solidFill>
-                <a:latin typeface="Courier New"/>
-                <a:cs typeface="Courier New"/>
-              </a:rPr>
-              <a:t>implementation</a:t>
-            </a:r>
-            <a:r>
-              <a:rPr lang="fr-FR" sz="2000" b="1" dirty="0" smtClean="0">
-                <a:solidFill>
-                  <a:srgbClr val="008000"/>
-                </a:solidFill>
-                <a:latin typeface="Courier New"/>
-                <a:cs typeface="Courier New"/>
-              </a:rPr>
-              <a:t> if </a:t>
-            </a:r>
-            <a:r>
-              <a:rPr lang="fr-FR" sz="2000" b="1" dirty="0" err="1" smtClean="0">
-                <a:solidFill>
-                  <a:srgbClr val="008000"/>
-                </a:solidFill>
-                <a:latin typeface="Courier New"/>
-                <a:cs typeface="Courier New"/>
-              </a:rPr>
-              <a:t>available</a:t>
-            </a:r>
-            <a:endParaRPr lang="en-GB" sz="2000" b="1" dirty="0" smtClean="0">
-              <a:latin typeface="Courier New"/>
-              <a:cs typeface="Courier New"/>
-            </a:endParaRPr>
-          </a:p>
-          <a:p>
-            <a:pPr marL="0" indent="0">
-              <a:buNone/>
-            </a:pPr>
-            <a:r>
-              <a:rPr lang="en-GB" sz="2000" b="1" dirty="0">
-                <a:latin typeface="Courier New"/>
-                <a:cs typeface="Courier New"/>
-              </a:rPr>
-              <a:t>p</a:t>
-            </a:r>
-            <a:r>
-              <a:rPr lang="en-GB" sz="2000" b="1" dirty="0" smtClean="0">
-                <a:latin typeface="Courier New"/>
-                <a:cs typeface="Courier New"/>
-              </a:rPr>
-              <a:t> = </a:t>
-            </a:r>
-            <a:r>
-              <a:rPr lang="en-GB" sz="2000" b="1" dirty="0" smtClean="0">
-                <a:solidFill>
-                  <a:srgbClr val="3366FF"/>
-                </a:solidFill>
-                <a:latin typeface="Courier New"/>
-                <a:cs typeface="Courier New"/>
-              </a:rPr>
-              <a:t>__</a:t>
-            </a:r>
-            <a:r>
-              <a:rPr lang="en-GB" sz="2000" b="1" dirty="0" err="1" smtClean="0">
-                <a:solidFill>
-                  <a:srgbClr val="3366FF"/>
-                </a:solidFill>
-                <a:latin typeface="Courier New"/>
-                <a:cs typeface="Courier New"/>
-              </a:rPr>
-              <a:t>builtin_parity</a:t>
-            </a:r>
-            <a:r>
-              <a:rPr lang="en-GB" sz="2000" b="1" dirty="0" smtClean="0">
-                <a:latin typeface="Courier New"/>
-                <a:cs typeface="Courier New"/>
-              </a:rPr>
-              <a:t>(p);</a:t>
-            </a:r>
-          </a:p>
-          <a:p>
-            <a:pPr marL="0" indent="0">
-              <a:buNone/>
-            </a:pPr>
-            <a:endParaRPr lang="fr-FR" sz="2000" b="1" dirty="0">
-              <a:latin typeface="Courier New"/>
-              <a:cs typeface="Courier New"/>
-            </a:endParaRPr>
-          </a:p>
-          <a:p>
-            <a:pPr marL="0" indent="0">
-              <a:buNone/>
-            </a:pPr>
-            <a:endParaRPr lang="fr-FR" sz="2000" b="1" dirty="0" smtClean="0">
-              <a:latin typeface="Courier New"/>
-              <a:cs typeface="Courier New"/>
-            </a:endParaRPr>
-          </a:p>
-          <a:p>
-            <a:pPr marL="0" indent="0">
-              <a:buNone/>
-            </a:pPr>
-            <a:r>
-              <a:rPr lang="fr-FR" sz="2000" b="1" dirty="0" smtClean="0">
-                <a:solidFill>
-                  <a:srgbClr val="008000"/>
-                </a:solidFill>
-                <a:latin typeface="Courier New"/>
-                <a:cs typeface="Courier New"/>
-              </a:rPr>
-              <a:t>// p </a:t>
-            </a:r>
-            <a:r>
-              <a:rPr lang="fr-FR" sz="2000" b="1" dirty="0" err="1" smtClean="0">
-                <a:solidFill>
-                  <a:srgbClr val="008000"/>
-                </a:solidFill>
-                <a:latin typeface="Courier New"/>
-                <a:cs typeface="Courier New"/>
-              </a:rPr>
-              <a:t>is</a:t>
-            </a:r>
-            <a:r>
-              <a:rPr lang="fr-FR" sz="2000" b="1" dirty="0" smtClean="0">
-                <a:solidFill>
-                  <a:srgbClr val="008000"/>
-                </a:solidFill>
-                <a:latin typeface="Courier New"/>
-                <a:cs typeface="Courier New"/>
-              </a:rPr>
-              <a:t> </a:t>
-            </a:r>
-            <a:r>
-              <a:rPr lang="fr-FR" sz="2000" b="1" dirty="0" err="1" smtClean="0">
-                <a:solidFill>
-                  <a:srgbClr val="008000"/>
-                </a:solidFill>
-                <a:latin typeface="Courier New"/>
-                <a:cs typeface="Courier New"/>
-              </a:rPr>
-              <a:t>now</a:t>
-            </a:r>
-            <a:r>
-              <a:rPr lang="fr-FR" sz="2000" b="1" dirty="0" smtClean="0">
-                <a:solidFill>
-                  <a:srgbClr val="008000"/>
-                </a:solidFill>
-                <a:latin typeface="Courier New"/>
-                <a:cs typeface="Courier New"/>
-              </a:rPr>
-              <a:t> ‘1’ or ‘0’, </a:t>
-            </a:r>
-            <a:r>
-              <a:rPr lang="fr-FR" sz="2000" b="1" dirty="0" err="1" smtClean="0">
-                <a:solidFill>
-                  <a:srgbClr val="008000"/>
-                </a:solidFill>
-                <a:latin typeface="Courier New"/>
-                <a:cs typeface="Courier New"/>
-              </a:rPr>
-              <a:t>corresponding</a:t>
-            </a:r>
-            <a:r>
-              <a:rPr lang="fr-FR" sz="2000" b="1" dirty="0" smtClean="0">
-                <a:solidFill>
-                  <a:srgbClr val="008000"/>
-                </a:solidFill>
-                <a:latin typeface="Courier New"/>
-                <a:cs typeface="Courier New"/>
-              </a:rPr>
-              <a:t> to data </a:t>
-            </a:r>
-            <a:r>
-              <a:rPr lang="fr-FR" sz="2000" b="1" dirty="0" err="1" smtClean="0">
-                <a:solidFill>
-                  <a:srgbClr val="008000"/>
-                </a:solidFill>
-                <a:latin typeface="Courier New"/>
-                <a:cs typeface="Courier New"/>
-              </a:rPr>
-              <a:t>having</a:t>
-            </a:r>
-            <a:endParaRPr lang="fr-FR" sz="2000" b="1" dirty="0" smtClean="0">
-              <a:solidFill>
-                <a:srgbClr val="008000"/>
-              </a:solidFill>
-              <a:latin typeface="Courier New"/>
-              <a:cs typeface="Courier New"/>
-            </a:endParaRPr>
-          </a:p>
-          <a:p>
-            <a:pPr marL="0" indent="0">
-              <a:buNone/>
-            </a:pPr>
-            <a:r>
-              <a:rPr lang="fr-FR" sz="2000" b="1" dirty="0" smtClean="0">
-                <a:solidFill>
-                  <a:srgbClr val="008000"/>
-                </a:solidFill>
-                <a:latin typeface="Courier New"/>
-                <a:cs typeface="Courier New"/>
-              </a:rPr>
-              <a:t>// an </a:t>
-            </a:r>
-            <a:r>
-              <a:rPr lang="fr-FR" sz="2000" b="1" dirty="0" err="1" smtClean="0">
-                <a:solidFill>
-                  <a:srgbClr val="008000"/>
-                </a:solidFill>
-                <a:latin typeface="Courier New"/>
-                <a:cs typeface="Courier New"/>
-              </a:rPr>
-              <a:t>odd</a:t>
-            </a:r>
-            <a:r>
-              <a:rPr lang="fr-FR" sz="2000" b="1" dirty="0" smtClean="0">
-                <a:solidFill>
-                  <a:srgbClr val="008000"/>
-                </a:solidFill>
-                <a:latin typeface="Courier New"/>
-                <a:cs typeface="Courier New"/>
-              </a:rPr>
-              <a:t> or </a:t>
-            </a:r>
-            <a:r>
-              <a:rPr lang="fr-FR" sz="2000" b="1" dirty="0" err="1" smtClean="0">
-                <a:solidFill>
-                  <a:srgbClr val="008000"/>
-                </a:solidFill>
-                <a:latin typeface="Courier New"/>
-                <a:cs typeface="Courier New"/>
-              </a:rPr>
-              <a:t>even</a:t>
-            </a:r>
-            <a:r>
-              <a:rPr lang="fr-FR" sz="2000" b="1" dirty="0" smtClean="0">
-                <a:solidFill>
-                  <a:srgbClr val="008000"/>
-                </a:solidFill>
-                <a:latin typeface="Courier New"/>
-                <a:cs typeface="Courier New"/>
-              </a:rPr>
-              <a:t> </a:t>
-            </a:r>
-            <a:r>
-              <a:rPr lang="fr-FR" sz="2000" b="1" dirty="0" err="1" smtClean="0">
-                <a:solidFill>
-                  <a:srgbClr val="008000"/>
-                </a:solidFill>
-                <a:latin typeface="Courier New"/>
-                <a:cs typeface="Courier New"/>
-              </a:rPr>
               <a:t>number</a:t>
             </a:r>
             <a:r>
@@ -17504,7 +17235,7 @@
     </p:spTree>
     <p:extLst>
       <p:ext uri="{BB962C8B-B14F-4D97-AF65-F5344CB8AC3E}">
-        <p14:creationId xmlns:p14="http://schemas.microsoft.com/office/powerpoint/2010/main" val="1368924357"/>
+        <p14:creationId xmlns:p14="http://schemas.microsoft.com/office/powerpoint/2010/main" val="2692605913"/>
       </p:ext>
     </p:extLst>
   </p:cSld>
@@ -17595,7 +17326,7 @@
                 <a:latin typeface="Courier New"/>
                 <a:cs typeface="Courier New"/>
               </a:rPr>
-              <a:t>uint64_t</a:t>
+              <a:t>uint32_t</a:t>
             </a:r>
             <a:r>
               <a:rPr lang="en-GB" sz="2000" b="1" dirty="0" smtClean="0">
@@ -17605,14 +17336,14 @@
               <a:t> data[</a:t>
             </a:r>
             <a:r>
-              <a:rPr lang="en-GB" sz="2000" b="1" dirty="0">
+              <a:rPr lang="en-GB" sz="2000" b="1" dirty="0" smtClean="0">
                 <a:solidFill>
                   <a:srgbClr val="6117C1"/>
                 </a:solidFill>
                 <a:latin typeface="Courier New"/>
                 <a:cs typeface="Courier New"/>
               </a:rPr>
-              <a:t>2</a:t>
+              <a:t>4</a:t>
             </a:r>
             <a:r>
               <a:rPr lang="en-GB" sz="2000" b="1" dirty="0" smtClean="0">
@@ -17653,7 +17384,7 @@
                 <a:latin typeface="Courier New"/>
                 <a:cs typeface="Courier New"/>
               </a:rPr>
-              <a:t>uint64_t</a:t>
+              <a:t>uint32_t</a:t>
             </a:r>
             <a:r>
               <a:rPr lang="en-GB" sz="2000" b="1" dirty="0" smtClean="0">
@@ -17687,7 +17418,48 @@
                 <a:latin typeface="Courier New"/>
                 <a:cs typeface="Courier New"/>
               </a:rPr>
-              <a:t>1];</a:t>
+              <a:t>1</a:t>
+            </a:r>
+            <a:r>
+              <a:rPr lang="en-GB" sz="2000" b="1" dirty="0" smtClean="0">
+                <a:latin typeface="Courier New"/>
+                <a:cs typeface="Courier New"/>
+              </a:rPr>
+              <a:t>] ^ data[</a:t>
+            </a:r>
+            <a:r>
+              <a:rPr lang="en-GB" sz="2000" b="1" dirty="0" smtClean="0">
+                <a:solidFill>
+                  <a:srgbClr val="6117C1"/>
+                </a:solidFill>
+                <a:latin typeface="Courier New"/>
+                <a:cs typeface="Courier New"/>
+              </a:rPr>
+              <a:t>2</a:t>
+            </a:r>
+            <a:r>
+              <a:rPr lang="en-GB" sz="2000" b="1" dirty="0" smtClean="0">
+                <a:latin typeface="Courier New"/>
+                <a:cs typeface="Courier New"/>
+              </a:rPr>
+              <a:t>] ^ data[</a:t>
+            </a:r>
+            <a:r>
+              <a:rPr lang="en-GB" sz="2000" b="1" dirty="0" smtClean="0">
+                <a:solidFill>
+                  <a:srgbClr val="6117C1"/>
+                </a:solidFill>
+                <a:latin typeface="Courier New"/>
+                <a:cs typeface="Courier New"/>
+              </a:rPr>
+              <a:t>3</a:t>
+            </a:r>
+            <a:r>
+              <a:rPr lang="en-GB" sz="2000" b="1" dirty="0" smtClean="0">
+                <a:latin typeface="Courier New"/>
+                <a:cs typeface="Courier New"/>
+              </a:rPr>
+              <a:t>]</a:t>
             </a:r>
           </a:p>
           <a:p>
@@ -17869,7 +17641,7 @@
                 <a:latin typeface="Courier New"/>
                 <a:cs typeface="Courier New"/>
               </a:rPr>
-              <a:t>builtin_parityl</a:t>
+              <a:t>builtin_parity</a:t>
             </a:r>
             <a:r>
               <a:rPr lang="en-GB" sz="2000" b="1" dirty="0" smtClean="0">
@@ -18106,7 +17878,7 @@
     </p:spTree>
     <p:extLst>
       <p:ext uri="{BB962C8B-B14F-4D97-AF65-F5344CB8AC3E}">
-        <p14:creationId xmlns:p14="http://schemas.microsoft.com/office/powerpoint/2010/main" val="2605028781"/>
+        <p14:creationId xmlns:p14="http://schemas.microsoft.com/office/powerpoint/2010/main" val="1368924357"/>
       </p:ext>
     </p:extLst>
   </p:cSld>
@@ -18165,7 +17937,7 @@
           <a:p>
             <a:r>
               <a:rPr lang="en-GB" dirty="0" smtClean="0"/>
-              <a:t>Hamming codes</a:t>
+              <a:t>Parity bits - implementation</a:t>
             </a:r>
             <a:endParaRPr lang="en-GB" dirty="0"/>
           </a:p>
@@ -18186,59 +17958,498 @@
           <a:bodyPr/>
           <a:lstStyle/>
           <a:p>
-            <a:r>
-              <a:rPr lang="en-GB" dirty="0" smtClean="0"/>
-              <a:t>A single parity bit can detect a single-bit flip, but gives us no ability to correct errors, or to detect multi-bit flips</a:t>
-            </a:r>
-          </a:p>
-          <a:p>
-            <a:r>
-              <a:rPr lang="en-GB" dirty="0"/>
-              <a:t>H</a:t>
-            </a:r>
-            <a:r>
-              <a:rPr lang="en-GB" dirty="0" smtClean="0"/>
-              <a:t>amming codes extend the concept of parity bits to provide the ability to </a:t>
-            </a:r>
-            <a:r>
-              <a:rPr lang="en-GB" b="1" dirty="0" smtClean="0">
+            <a:pPr marL="0" indent="0">
+              <a:buNone/>
+            </a:pPr>
+            <a:r>
+              <a:rPr lang="en-GB" sz="2000" b="1" i="1" dirty="0" smtClean="0">
+                <a:solidFill>
+                  <a:srgbClr val="3366FF"/>
+                </a:solidFill>
+                <a:latin typeface="Courier New"/>
+                <a:cs typeface="Courier New"/>
+              </a:rPr>
+              <a:t>uint64_t</a:t>
+            </a:r>
+            <a:r>
+              <a:rPr lang="en-GB" sz="2000" b="1" dirty="0" smtClean="0">
+                <a:latin typeface="Courier New"/>
+                <a:cs typeface="Courier New"/>
+              </a:rPr>
+              <a:t> data[</a:t>
+            </a:r>
+            <a:r>
+              <a:rPr lang="en-GB" sz="2000" b="1" dirty="0">
+                <a:solidFill>
+                  <a:srgbClr val="6117C1"/>
+                </a:solidFill>
+                <a:latin typeface="Courier New"/>
+                <a:cs typeface="Courier New"/>
+              </a:rPr>
+              <a:t>2</a:t>
+            </a:r>
+            <a:r>
+              <a:rPr lang="en-GB" sz="2000" b="1" dirty="0" smtClean="0">
+                <a:latin typeface="Courier New"/>
+                <a:cs typeface="Courier New"/>
+              </a:rPr>
+              <a:t>]; </a:t>
+            </a:r>
+            <a:r>
+              <a:rPr lang="en-GB" sz="2000" b="1" dirty="0" smtClean="0">
                 <a:solidFill>
                   <a:srgbClr val="008000"/>
                 </a:solidFill>
+                <a:latin typeface="Courier New"/>
+                <a:cs typeface="Courier New"/>
               </a:rPr>
-              <a:t>correct</a:t>
-            </a:r>
-            <a:r>
-              <a:rPr lang="en-GB" dirty="0" smtClean="0"/>
-              <a:t> single-bit errors</a:t>
-            </a:r>
-          </a:p>
-          <a:p>
-            <a:r>
-              <a:rPr lang="en-GB" dirty="0" smtClean="0"/>
-              <a:t>They can be further extended with an additional parity bit in order to also </a:t>
-            </a:r>
-            <a:r>
-              <a:rPr lang="en-GB" b="1" dirty="0" smtClean="0">
+              <a:t>// 128 bits of data</a:t>
+            </a:r>
+          </a:p>
+          <a:p>
+            <a:pPr marL="0" indent="0">
+              <a:buNone/>
+            </a:pPr>
+            <a:endParaRPr lang="en-GB" sz="2000" b="1" dirty="0">
+              <a:latin typeface="Courier New"/>
+              <a:cs typeface="Courier New"/>
+            </a:endParaRPr>
+          </a:p>
+          <a:p>
+            <a:pPr marL="0" indent="0">
+              <a:buNone/>
+            </a:pPr>
+            <a:r>
+              <a:rPr lang="en-GB" sz="2000" b="1" i="1" dirty="0" smtClean="0">
                 <a:solidFill>
-                  <a:srgbClr val="0000FF"/>
+                  <a:srgbClr val="3366FF"/>
                 </a:solidFill>
+                <a:latin typeface="Courier New"/>
+                <a:cs typeface="Courier New"/>
               </a:rPr>
-              <a:t>detect</a:t>
-            </a:r>
-            <a:r>
-              <a:rPr lang="en-GB" dirty="0" smtClean="0"/>
-              <a:t> (but not correct) double-</a:t>
-            </a:r>
-            <a:r>
-              <a:rPr lang="en-GB" dirty="0"/>
-              <a:t>bit </a:t>
-            </a:r>
-            <a:r>
-              <a:rPr lang="en-GB" dirty="0" smtClean="0"/>
-              <a:t>errors</a:t>
-            </a:r>
-            <a:endParaRPr lang="en-GB" dirty="0"/>
+              <a:t>uint64_t</a:t>
+            </a:r>
+            <a:r>
+              <a:rPr lang="en-GB" sz="2000" b="1" dirty="0" smtClean="0">
+                <a:latin typeface="Courier New"/>
+                <a:cs typeface="Courier New"/>
+              </a:rPr>
+              <a:t> p = data[</a:t>
+            </a:r>
+            <a:r>
+              <a:rPr lang="en-GB" sz="2000" b="1" dirty="0" smtClean="0">
+                <a:solidFill>
+                  <a:srgbClr val="6117C1"/>
+                </a:solidFill>
+                <a:latin typeface="Courier New"/>
+                <a:cs typeface="Courier New"/>
+              </a:rPr>
+              <a:t>0</a:t>
+            </a:r>
+            <a:r>
+              <a:rPr lang="en-GB" sz="2000" b="1" dirty="0" smtClean="0">
+                <a:latin typeface="Courier New"/>
+                <a:cs typeface="Courier New"/>
+              </a:rPr>
+              <a:t>] ^ data[</a:t>
+            </a:r>
+            <a:r>
+              <a:rPr lang="en-GB" sz="2000" b="1" dirty="0" smtClean="0">
+                <a:solidFill>
+                  <a:srgbClr val="6117C1"/>
+                </a:solidFill>
+                <a:latin typeface="Courier New"/>
+                <a:cs typeface="Courier New"/>
+              </a:rPr>
+              <a:t>1];</a:t>
+            </a:r>
+          </a:p>
+          <a:p>
+            <a:pPr marL="0" indent="0">
+              <a:buNone/>
+            </a:pPr>
+            <a:endParaRPr lang="en-GB" sz="2000" b="1" dirty="0" smtClean="0">
+              <a:latin typeface="Courier New"/>
+              <a:cs typeface="Courier New"/>
+            </a:endParaRPr>
+          </a:p>
+          <a:p>
+            <a:pPr marL="0" indent="0">
+              <a:buNone/>
+            </a:pPr>
+            <a:r>
+              <a:rPr lang="fr-FR" sz="2000" b="1" dirty="0">
+                <a:solidFill>
+                  <a:srgbClr val="008000"/>
+                </a:solidFill>
+                <a:latin typeface="Courier New"/>
+                <a:cs typeface="Courier New"/>
+              </a:rPr>
+              <a:t>/</a:t>
+            </a:r>
+            <a:r>
+              <a:rPr lang="fr-FR" sz="2000" b="1" dirty="0" smtClean="0">
+                <a:solidFill>
+                  <a:srgbClr val="008000"/>
+                </a:solidFill>
+                <a:latin typeface="Courier New"/>
+                <a:cs typeface="Courier New"/>
+              </a:rPr>
+              <a:t>/ This </a:t>
+            </a:r>
+            <a:r>
+              <a:rPr lang="fr-FR" sz="2000" b="1" dirty="0" err="1" smtClean="0">
+                <a:solidFill>
+                  <a:srgbClr val="008000"/>
+                </a:solidFill>
+                <a:latin typeface="Courier New"/>
+                <a:cs typeface="Courier New"/>
+              </a:rPr>
+              <a:t>intrinsic</a:t>
+            </a:r>
+            <a:r>
+              <a:rPr lang="fr-FR" sz="2000" b="1" dirty="0" smtClean="0">
+                <a:solidFill>
+                  <a:srgbClr val="008000"/>
+                </a:solidFill>
+                <a:latin typeface="Courier New"/>
+                <a:cs typeface="Courier New"/>
+              </a:rPr>
+              <a:t> </a:t>
+            </a:r>
+            <a:r>
+              <a:rPr lang="fr-FR" sz="2000" b="1" dirty="0" err="1" smtClean="0">
+                <a:solidFill>
+                  <a:srgbClr val="008000"/>
+                </a:solidFill>
+                <a:latin typeface="Courier New"/>
+                <a:cs typeface="Courier New"/>
+              </a:rPr>
+              <a:t>should</a:t>
+            </a:r>
+            <a:r>
+              <a:rPr lang="fr-FR" sz="2000" b="1" dirty="0" smtClean="0">
+                <a:solidFill>
+                  <a:srgbClr val="008000"/>
+                </a:solidFill>
+                <a:latin typeface="Courier New"/>
+                <a:cs typeface="Courier New"/>
+              </a:rPr>
+              <a:t> </a:t>
+            </a:r>
+            <a:r>
+              <a:rPr lang="fr-FR" sz="2000" b="1" dirty="0" err="1" smtClean="0">
+                <a:solidFill>
+                  <a:srgbClr val="008000"/>
+                </a:solidFill>
+                <a:latin typeface="Courier New"/>
+                <a:cs typeface="Courier New"/>
+              </a:rPr>
+              <a:t>map</a:t>
+            </a:r>
+            <a:r>
+              <a:rPr lang="fr-FR" sz="2000" b="1" dirty="0" smtClean="0">
+                <a:solidFill>
+                  <a:srgbClr val="008000"/>
+                </a:solidFill>
+                <a:latin typeface="Courier New"/>
+                <a:cs typeface="Courier New"/>
+              </a:rPr>
+              <a:t> to native hardware</a:t>
+            </a:r>
+          </a:p>
+          <a:p>
+            <a:pPr marL="0" indent="0">
+              <a:buNone/>
+            </a:pPr>
+            <a:r>
+              <a:rPr lang="fr-FR" sz="2000" b="1" dirty="0" smtClean="0">
+                <a:solidFill>
+                  <a:srgbClr val="008000"/>
+                </a:solidFill>
+                <a:latin typeface="Courier New"/>
+                <a:cs typeface="Courier New"/>
+              </a:rPr>
+              <a:t>// </a:t>
+            </a:r>
+            <a:r>
+              <a:rPr lang="fr-FR" sz="2000" b="1" dirty="0" err="1" smtClean="0">
+                <a:solidFill>
+                  <a:srgbClr val="008000"/>
+                </a:solidFill>
+                <a:latin typeface="Courier New"/>
+                <a:cs typeface="Courier New"/>
+              </a:rPr>
+              <a:t>implementation</a:t>
+            </a:r>
+            <a:r>
+              <a:rPr lang="fr-FR" sz="2000" b="1" dirty="0" smtClean="0">
+                <a:solidFill>
+                  <a:srgbClr val="008000"/>
+                </a:solidFill>
+                <a:latin typeface="Courier New"/>
+                <a:cs typeface="Courier New"/>
+              </a:rPr>
+              <a:t> if </a:t>
+            </a:r>
+            <a:r>
+              <a:rPr lang="fr-FR" sz="2000" b="1" dirty="0" err="1" smtClean="0">
+                <a:solidFill>
+                  <a:srgbClr val="008000"/>
+                </a:solidFill>
+                <a:latin typeface="Courier New"/>
+                <a:cs typeface="Courier New"/>
+              </a:rPr>
+              <a:t>available</a:t>
+            </a:r>
+            <a:endParaRPr lang="en-GB" sz="2000" b="1" dirty="0" smtClean="0">
+              <a:latin typeface="Courier New"/>
+              <a:cs typeface="Courier New"/>
+            </a:endParaRPr>
+          </a:p>
+          <a:p>
+            <a:pPr marL="0" indent="0">
+              <a:buNone/>
+            </a:pPr>
+            <a:r>
+              <a:rPr lang="en-GB" sz="2000" b="1" dirty="0">
+                <a:latin typeface="Courier New"/>
+                <a:cs typeface="Courier New"/>
+              </a:rPr>
+              <a:t>p</a:t>
+            </a:r>
+            <a:r>
+              <a:rPr lang="en-GB" sz="2000" b="1" dirty="0" smtClean="0">
+                <a:latin typeface="Courier New"/>
+                <a:cs typeface="Courier New"/>
+              </a:rPr>
+              <a:t> = </a:t>
+            </a:r>
+            <a:r>
+              <a:rPr lang="en-GB" sz="2000" b="1" dirty="0" smtClean="0">
+                <a:solidFill>
+                  <a:srgbClr val="3366FF"/>
+                </a:solidFill>
+                <a:latin typeface="Courier New"/>
+                <a:cs typeface="Courier New"/>
+              </a:rPr>
+              <a:t>__</a:t>
+            </a:r>
+            <a:r>
+              <a:rPr lang="en-GB" sz="2000" b="1" dirty="0" err="1" smtClean="0">
+                <a:solidFill>
+                  <a:srgbClr val="3366FF"/>
+                </a:solidFill>
+                <a:latin typeface="Courier New"/>
+                <a:cs typeface="Courier New"/>
+              </a:rPr>
+              <a:t>builtin_parityl</a:t>
+            </a:r>
+            <a:r>
+              <a:rPr lang="en-GB" sz="2000" b="1" dirty="0" smtClean="0">
+                <a:latin typeface="Courier New"/>
+                <a:cs typeface="Courier New"/>
+              </a:rPr>
+              <a:t>(p);</a:t>
+            </a:r>
+          </a:p>
+          <a:p>
+            <a:pPr marL="0" indent="0">
+              <a:buNone/>
+            </a:pPr>
+            <a:endParaRPr lang="fr-FR" sz="2000" b="1" dirty="0">
+              <a:latin typeface="Courier New"/>
+              <a:cs typeface="Courier New"/>
+            </a:endParaRPr>
+          </a:p>
+          <a:p>
+            <a:pPr marL="0" indent="0">
+              <a:buNone/>
+            </a:pPr>
+            <a:endParaRPr lang="fr-FR" sz="2000" b="1" dirty="0" smtClean="0">
+              <a:latin typeface="Courier New"/>
+              <a:cs typeface="Courier New"/>
+            </a:endParaRPr>
+          </a:p>
+          <a:p>
+            <a:pPr marL="0" indent="0">
+              <a:buNone/>
+            </a:pPr>
+            <a:r>
+              <a:rPr lang="fr-FR" sz="2000" b="1" dirty="0" smtClean="0">
+                <a:solidFill>
+                  <a:srgbClr val="008000"/>
+                </a:solidFill>
+                <a:latin typeface="Courier New"/>
+                <a:cs typeface="Courier New"/>
+              </a:rPr>
+              <a:t>// p </a:t>
+            </a:r>
+            <a:r>
+              <a:rPr lang="fr-FR" sz="2000" b="1" dirty="0" err="1" smtClean="0">
+                <a:solidFill>
+                  <a:srgbClr val="008000"/>
+                </a:solidFill>
+                <a:latin typeface="Courier New"/>
+                <a:cs typeface="Courier New"/>
+              </a:rPr>
+              <a:t>is</a:t>
+            </a:r>
+            <a:r>
+              <a:rPr lang="fr-FR" sz="2000" b="1" dirty="0" smtClean="0">
+                <a:solidFill>
+                  <a:srgbClr val="008000"/>
+                </a:solidFill>
+                <a:latin typeface="Courier New"/>
+                <a:cs typeface="Courier New"/>
+              </a:rPr>
+              <a:t> </a:t>
+            </a:r>
+            <a:r>
+              <a:rPr lang="fr-FR" sz="2000" b="1" dirty="0" err="1" smtClean="0">
+                <a:solidFill>
+                  <a:srgbClr val="008000"/>
+                </a:solidFill>
+                <a:latin typeface="Courier New"/>
+                <a:cs typeface="Courier New"/>
+              </a:rPr>
+              <a:t>now</a:t>
+            </a:r>
+            <a:r>
+              <a:rPr lang="fr-FR" sz="2000" b="1" dirty="0" smtClean="0">
+                <a:solidFill>
+                  <a:srgbClr val="008000"/>
+                </a:solidFill>
+                <a:latin typeface="Courier New"/>
+                <a:cs typeface="Courier New"/>
+              </a:rPr>
+              <a:t> ‘1’ or ‘0’, </a:t>
+            </a:r>
+            <a:r>
+              <a:rPr lang="fr-FR" sz="2000" b="1" dirty="0" err="1" smtClean="0">
+                <a:solidFill>
+                  <a:srgbClr val="008000"/>
+                </a:solidFill>
+                <a:latin typeface="Courier New"/>
+                <a:cs typeface="Courier New"/>
+              </a:rPr>
+              <a:t>corresponding</a:t>
+            </a:r>
+            <a:r>
+              <a:rPr lang="fr-FR" sz="2000" b="1" dirty="0" smtClean="0">
+                <a:solidFill>
+                  <a:srgbClr val="008000"/>
+                </a:solidFill>
+                <a:latin typeface="Courier New"/>
+                <a:cs typeface="Courier New"/>
+              </a:rPr>
+              <a:t> to data </a:t>
+            </a:r>
+            <a:r>
+              <a:rPr lang="fr-FR" sz="2000" b="1" dirty="0" err="1" smtClean="0">
+                <a:solidFill>
+                  <a:srgbClr val="008000"/>
+                </a:solidFill>
+                <a:latin typeface="Courier New"/>
+                <a:cs typeface="Courier New"/>
+              </a:rPr>
+              <a:t>having</a:t>
+            </a:r>
+            <a:endParaRPr lang="fr-FR" sz="2000" b="1" dirty="0" smtClean="0">
+              <a:solidFill>
+                <a:srgbClr val="008000"/>
+              </a:solidFill>
+              <a:latin typeface="Courier New"/>
+              <a:cs typeface="Courier New"/>
+            </a:endParaRPr>
+          </a:p>
+          <a:p>
+            <a:pPr marL="0" indent="0">
+              <a:buNone/>
+            </a:pPr>
+            <a:r>
+              <a:rPr lang="fr-FR" sz="2000" b="1" dirty="0" smtClean="0">
+                <a:solidFill>
+                  <a:srgbClr val="008000"/>
+                </a:solidFill>
+                <a:latin typeface="Courier New"/>
+                <a:cs typeface="Courier New"/>
+              </a:rPr>
+              <a:t>// an </a:t>
+            </a:r>
+            <a:r>
+              <a:rPr lang="fr-FR" sz="2000" b="1" dirty="0" err="1" smtClean="0">
+                <a:solidFill>
+                  <a:srgbClr val="008000"/>
+                </a:solidFill>
+                <a:latin typeface="Courier New"/>
+                <a:cs typeface="Courier New"/>
+              </a:rPr>
+              <a:t>odd</a:t>
+            </a:r>
+            <a:r>
+              <a:rPr lang="fr-FR" sz="2000" b="1" dirty="0" smtClean="0">
+                <a:solidFill>
+                  <a:srgbClr val="008000"/>
+                </a:solidFill>
+                <a:latin typeface="Courier New"/>
+                <a:cs typeface="Courier New"/>
+              </a:rPr>
+              <a:t> or </a:t>
+            </a:r>
+            <a:r>
+              <a:rPr lang="fr-FR" sz="2000" b="1" dirty="0" err="1" smtClean="0">
+                <a:solidFill>
+                  <a:srgbClr val="008000"/>
+                </a:solidFill>
+                <a:latin typeface="Courier New"/>
+                <a:cs typeface="Courier New"/>
+              </a:rPr>
+              <a:t>even</a:t>
+            </a:r>
+            <a:r>
+              <a:rPr lang="fr-FR" sz="2000" b="1" dirty="0" smtClean="0">
+                <a:solidFill>
+                  <a:srgbClr val="008000"/>
+                </a:solidFill>
+                <a:latin typeface="Courier New"/>
+                <a:cs typeface="Courier New"/>
+              </a:rPr>
+              <a:t> </a:t>
+            </a:r>
+            <a:r>
+              <a:rPr lang="fr-FR" sz="2000" b="1" dirty="0" err="1" smtClean="0">
+                <a:solidFill>
+                  <a:srgbClr val="008000"/>
+                </a:solidFill>
+                <a:latin typeface="Courier New"/>
+                <a:cs typeface="Courier New"/>
+              </a:rPr>
+              <a:t>number</a:t>
+            </a:r>
+            <a:r>
+              <a:rPr lang="fr-FR" sz="2000" b="1" dirty="0" smtClean="0">
+                <a:solidFill>
+                  <a:srgbClr val="008000"/>
+                </a:solidFill>
+                <a:latin typeface="Courier New"/>
+                <a:cs typeface="Courier New"/>
+              </a:rPr>
+              <a:t> of ‘1’ bits</a:t>
+            </a:r>
+            <a:endParaRPr lang="en-GB" sz="2000" b="1" dirty="0" smtClean="0">
+              <a:solidFill>
+                <a:srgbClr val="008000"/>
+              </a:solidFill>
+              <a:latin typeface="Courier New"/>
+              <a:cs typeface="Courier New"/>
+            </a:endParaRPr>
+          </a:p>
+          <a:p>
+            <a:pPr marL="0" indent="0">
+              <a:buNone/>
+            </a:pPr>
+            <a:endParaRPr lang="en-GB" sz="2000" b="1" dirty="0"/>
           </a:p>
         </p:txBody>
       </p:sp>
@@ -18269,7 +18480,7 @@
     </p:spTree>
     <p:extLst>
       <p:ext uri="{BB962C8B-B14F-4D97-AF65-F5344CB8AC3E}">
-        <p14:creationId xmlns:p14="http://schemas.microsoft.com/office/powerpoint/2010/main" val="478778377"/>
+        <p14:creationId xmlns:p14="http://schemas.microsoft.com/office/powerpoint/2010/main" val="2605028781"/>
       </p:ext>
     </p:extLst>
   </p:cSld>
@@ -18328,7 +18539,7 @@
           <a:p>
             <a:r>
               <a:rPr lang="en-GB" dirty="0" smtClean="0"/>
-              <a:t>Hamming codes</a:t>
+              <a:t>Sparse matrix ABFT Results</a:t>
             </a:r>
             <a:endParaRPr lang="en-GB" dirty="0"/>
           </a:p>
@@ -18344,68 +18555,65 @@
             <p:ph idx="1"/>
           </p:nvPr>
         </p:nvSpPr>
-        <p:spPr/>
+        <p:spPr>
+          <a:xfrm>
+            <a:off x="457200" y="1270000"/>
+            <a:ext cx="8229600" cy="1473200"/>
+          </a:xfrm>
+        </p:spPr>
         <p:txBody>
           <a:bodyPr/>
           <a:lstStyle/>
           <a:p>
             <a:r>
-              <a:rPr lang="en-GB" dirty="0" smtClean="0"/>
-              <a:t>Uses multiple parity bits</a:t>
-            </a:r>
-          </a:p>
-          <a:p>
-            <a:r>
-              <a:rPr lang="en-GB" dirty="0" smtClean="0"/>
-              <a:t>Each data bit is protected by a unique set of parity bits</a:t>
-            </a:r>
-          </a:p>
-          <a:p>
-            <a:r>
-              <a:rPr lang="en-GB" dirty="0" smtClean="0"/>
-              <a:t>The parity bits are also covered by this scheme</a:t>
-            </a:r>
-          </a:p>
-          <a:p>
-            <a:pPr lvl="1"/>
-            <a:r>
-              <a:rPr lang="en-GB" dirty="0" smtClean="0"/>
-              <a:t>This is achieved by placing the parity bits at ‘power-of-two’ positions in the data</a:t>
-            </a:r>
-          </a:p>
-          <a:p>
-            <a:r>
-              <a:rPr lang="en-GB" i="1" dirty="0" smtClean="0"/>
-              <a:t>k</a:t>
-            </a:r>
-            <a:r>
-              <a:rPr lang="en-GB" dirty="0" smtClean="0"/>
-              <a:t> parity bits can protect a binary string of length 2</a:t>
-            </a:r>
-            <a:r>
-              <a:rPr lang="en-GB" i="1" baseline="30000" dirty="0" smtClean="0"/>
-              <a:t>k</a:t>
-            </a:r>
-            <a:r>
-              <a:rPr lang="en-GB" dirty="0" smtClean="0"/>
-              <a:t> – 1 bits (or 2</a:t>
-            </a:r>
-            <a:r>
-              <a:rPr lang="en-GB" i="1" baseline="30000" dirty="0" smtClean="0"/>
-              <a:t>k</a:t>
-            </a:r>
-            <a:r>
-              <a:rPr lang="en-GB" dirty="0" smtClean="0"/>
-              <a:t> – </a:t>
-            </a:r>
-            <a:r>
-              <a:rPr lang="en-GB" i="1" dirty="0" smtClean="0"/>
-              <a:t>k</a:t>
-            </a:r>
-            <a:r>
-              <a:rPr lang="en-GB" dirty="0" smtClean="0"/>
-              <a:t> – 1 data bits)</a:t>
-            </a:r>
+              <a:rPr lang="en-GB" sz="2000" dirty="0" smtClean="0"/>
+              <a:t>Performance collected using a CG solver in </a:t>
+            </a:r>
+            <a:r>
+              <a:rPr lang="en-GB" sz="2000" dirty="0" err="1" smtClean="0"/>
+              <a:t>TeaLeaf</a:t>
+            </a:r>
+            <a:r>
+              <a:rPr lang="en-GB" sz="2000" dirty="0" smtClean="0"/>
+              <a:t> (</a:t>
+            </a:r>
+            <a:r>
+              <a:rPr lang="en-GB" sz="2000" dirty="0"/>
+              <a:t>h</a:t>
+            </a:r>
+            <a:r>
+              <a:rPr lang="en-GB" sz="2000" dirty="0" smtClean="0"/>
+              <a:t>ydrodynamics mini-app from </a:t>
+            </a:r>
+            <a:r>
+              <a:rPr lang="en-GB" sz="2000" dirty="0" err="1" smtClean="0"/>
+              <a:t>Mantevo</a:t>
+            </a:r>
+            <a:r>
+              <a:rPr lang="en-GB" sz="2000" dirty="0" smtClean="0"/>
+              <a:t> benchmark suite)</a:t>
+            </a:r>
+          </a:p>
+          <a:p>
+            <a:r>
+              <a:rPr lang="en-GB" sz="2000" dirty="0" smtClean="0"/>
+              <a:t>x86: Intel </a:t>
+            </a:r>
+            <a:r>
+              <a:rPr lang="is-IS" sz="2000" dirty="0"/>
+              <a:t>E5-</a:t>
+            </a:r>
+            <a:r>
+              <a:rPr lang="is-IS" sz="2000" dirty="0" smtClean="0"/>
+              <a:t>2670, 16-cores @ 2.6GHz</a:t>
+            </a:r>
+          </a:p>
+          <a:p>
+            <a:r>
+              <a:rPr lang="is-IS" sz="2000" dirty="0" smtClean="0"/>
+              <a:t>ARM32:  Samsung Exynos 5 dual Cortex-A15</a:t>
+            </a:r>
+            <a:endParaRPr lang="en-GB" sz="2000" dirty="0"/>
           </a:p>
         </p:txBody>
       </p:sp>
@@ -18428,6 +18636,637 @@
               <a:rPr lang="en-GB" smtClean="0"/>
               <a:pPr/>
               <a:t>26</a:t>
+            </a:fld>
+            <a:endParaRPr lang="en-GB"/>
+          </a:p>
+        </p:txBody>
+      </p:sp>
+      <p:graphicFrame>
+        <p:nvGraphicFramePr>
+          <p:cNvPr id="6" name="Content Placeholder 3"/>
+          <p:cNvGraphicFramePr>
+            <a:graphicFrameLocks/>
+          </p:cNvGraphicFramePr>
+          <p:nvPr>
+            <p:extLst>
+              <p:ext uri="{D42A27DB-BD31-4B8C-83A1-F6EECF244321}">
+                <p14:modId xmlns:p14="http://schemas.microsoft.com/office/powerpoint/2010/main" val="3393521079"/>
+              </p:ext>
+            </p:extLst>
+          </p:nvPr>
+        </p:nvGraphicFramePr>
+        <p:xfrm>
+          <a:off x="458823" y="3172403"/>
+          <a:ext cx="8227976" cy="1156998"/>
+        </p:xfrm>
+        <a:graphic>
+          <a:graphicData uri="http://schemas.openxmlformats.org/drawingml/2006/table">
+            <a:tbl>
+              <a:tblPr firstRow="1" bandRow="1">
+                <a:tableStyleId>{5C22544A-7EE6-4342-B048-85BDC9FD1C3A}</a:tableStyleId>
+              </a:tblPr>
+              <a:tblGrid>
+                <a:gridCol w="1696897"/>
+                <a:gridCol w="1871277"/>
+                <a:gridCol w="2080918"/>
+                <a:gridCol w="2578884"/>
+              </a:tblGrid>
+              <a:tr h="385666">
+                <a:tc>
+                  <a:txBody>
+                    <a:bodyPr/>
+                    <a:lstStyle/>
+                    <a:p>
+                      <a:r>
+                        <a:rPr lang="en-GB" dirty="0" smtClean="0">
+                          <a:solidFill>
+                            <a:srgbClr val="31747B"/>
+                          </a:solidFill>
+                        </a:rPr>
+                        <a:t>Scheme</a:t>
+                      </a:r>
+                      <a:endParaRPr lang="en-GB" dirty="0">
+                        <a:solidFill>
+                          <a:srgbClr val="31747B"/>
+                        </a:solidFill>
+                      </a:endParaRPr>
+                    </a:p>
+                  </a:txBody>
+                  <a:tcPr/>
+                </a:tc>
+                <a:tc>
+                  <a:txBody>
+                    <a:bodyPr/>
+                    <a:lstStyle/>
+                    <a:p>
+                      <a:r>
+                        <a:rPr lang="en-GB" dirty="0" smtClean="0">
+                          <a:solidFill>
+                            <a:srgbClr val="31747B"/>
+                          </a:solidFill>
+                        </a:rPr>
+                        <a:t>Bits needed</a:t>
+                      </a:r>
+                      <a:endParaRPr lang="en-GB" dirty="0">
+                        <a:solidFill>
+                          <a:srgbClr val="31747B"/>
+                        </a:solidFill>
+                      </a:endParaRPr>
+                    </a:p>
+                  </a:txBody>
+                  <a:tcPr/>
+                </a:tc>
+                <a:tc>
+                  <a:txBody>
+                    <a:bodyPr/>
+                    <a:lstStyle/>
+                    <a:p>
+                      <a:r>
+                        <a:rPr lang="en-GB" dirty="0" smtClean="0">
+                          <a:solidFill>
+                            <a:srgbClr val="31747B"/>
+                          </a:solidFill>
+                        </a:rPr>
+                        <a:t>x86</a:t>
+                      </a:r>
+                      <a:r>
+                        <a:rPr lang="en-GB" baseline="0" dirty="0" smtClean="0">
+                          <a:solidFill>
+                            <a:srgbClr val="31747B"/>
+                          </a:solidFill>
+                        </a:rPr>
+                        <a:t> overhead</a:t>
+                      </a:r>
+                      <a:endParaRPr lang="en-GB" dirty="0">
+                        <a:solidFill>
+                          <a:srgbClr val="31747B"/>
+                        </a:solidFill>
+                      </a:endParaRPr>
+                    </a:p>
+                  </a:txBody>
+                  <a:tcPr/>
+                </a:tc>
+                <a:tc>
+                  <a:txBody>
+                    <a:bodyPr/>
+                    <a:lstStyle/>
+                    <a:p>
+                      <a:r>
+                        <a:rPr lang="en-GB" dirty="0" smtClean="0">
+                          <a:solidFill>
+                            <a:srgbClr val="31747B"/>
+                          </a:solidFill>
+                        </a:rPr>
+                        <a:t>ARM32 overhead</a:t>
+                      </a:r>
+                      <a:endParaRPr lang="en-GB" dirty="0">
+                        <a:solidFill>
+                          <a:srgbClr val="31747B"/>
+                        </a:solidFill>
+                      </a:endParaRPr>
+                    </a:p>
+                  </a:txBody>
+                  <a:tcPr/>
+                </a:tc>
+              </a:tr>
+              <a:tr h="385666">
+                <a:tc>
+                  <a:txBody>
+                    <a:bodyPr/>
+                    <a:lstStyle/>
+                    <a:p>
+                      <a:r>
+                        <a:rPr lang="en-GB" dirty="0" smtClean="0"/>
+                        <a:t>Constraints</a:t>
+                      </a:r>
+                    </a:p>
+                  </a:txBody>
+                  <a:tcPr/>
+                </a:tc>
+                <a:tc>
+                  <a:txBody>
+                    <a:bodyPr/>
+                    <a:lstStyle/>
+                    <a:p>
+                      <a:pPr algn="ctr"/>
+                      <a:r>
+                        <a:rPr lang="en-GB" dirty="0" smtClean="0"/>
+                        <a:t>0</a:t>
+                      </a:r>
+                    </a:p>
+                  </a:txBody>
+                  <a:tcPr/>
+                </a:tc>
+                <a:tc>
+                  <a:txBody>
+                    <a:bodyPr/>
+                    <a:lstStyle/>
+                    <a:p>
+                      <a:pPr algn="ctr" fontAlgn="b"/>
+                      <a:r>
+                        <a:rPr lang="nb-NO" sz="1800" b="0" i="0" u="none" strike="noStrike" dirty="0" smtClean="0">
+                          <a:solidFill>
+                            <a:srgbClr val="000000"/>
+                          </a:solidFill>
+                          <a:effectLst/>
+                          <a:latin typeface="+mn-lt"/>
+                        </a:rPr>
+                        <a:t>1.00x</a:t>
+                      </a:r>
+                      <a:endParaRPr lang="nb-NO" sz="1800" b="0" i="0" u="none" strike="noStrike" dirty="0">
+                        <a:solidFill>
+                          <a:srgbClr val="000000"/>
+                        </a:solidFill>
+                        <a:effectLst/>
+                        <a:latin typeface="+mn-lt"/>
+                      </a:endParaRPr>
+                    </a:p>
+                  </a:txBody>
+                  <a:tcPr marL="12700" marR="12700" marT="12700" marB="0" anchor="b"/>
+                </a:tc>
+                <a:tc>
+                  <a:txBody>
+                    <a:bodyPr/>
+                    <a:lstStyle/>
+                    <a:p>
+                      <a:pPr algn="ctr" fontAlgn="b"/>
+                      <a:r>
+                        <a:rPr lang="en-GB" sz="1800" b="0" i="0" u="none" strike="noStrike" dirty="0" smtClean="0">
+                          <a:solidFill>
+                            <a:srgbClr val="000000"/>
+                          </a:solidFill>
+                          <a:effectLst/>
+                          <a:latin typeface="+mn-lt"/>
+                        </a:rPr>
+                        <a:t>1.07x</a:t>
+                      </a:r>
+                      <a:endParaRPr lang="uk-UA" sz="1800" b="0" i="0" u="none" strike="noStrike" dirty="0">
+                        <a:solidFill>
+                          <a:srgbClr val="000000"/>
+                        </a:solidFill>
+                        <a:effectLst/>
+                        <a:latin typeface="+mn-lt"/>
+                      </a:endParaRPr>
+                    </a:p>
+                  </a:txBody>
+                  <a:tcPr marL="12700" marR="12700" marT="12700" marB="0" anchor="b"/>
+                </a:tc>
+              </a:tr>
+              <a:tr h="385666">
+                <a:tc>
+                  <a:txBody>
+                    <a:bodyPr/>
+                    <a:lstStyle/>
+                    <a:p>
+                      <a:r>
+                        <a:rPr lang="en-GB" b="1" dirty="0" smtClean="0"/>
+                        <a:t>SED</a:t>
+                      </a:r>
+                    </a:p>
+                  </a:txBody>
+                  <a:tcPr/>
+                </a:tc>
+                <a:tc>
+                  <a:txBody>
+                    <a:bodyPr/>
+                    <a:lstStyle/>
+                    <a:p>
+                      <a:pPr algn="ctr"/>
+                      <a:r>
+                        <a:rPr lang="en-GB" b="1" dirty="0" smtClean="0"/>
+                        <a:t>1</a:t>
+                      </a:r>
+                    </a:p>
+                  </a:txBody>
+                  <a:tcPr/>
+                </a:tc>
+                <a:tc>
+                  <a:txBody>
+                    <a:bodyPr/>
+                    <a:lstStyle/>
+                    <a:p>
+                      <a:pPr algn="ctr" fontAlgn="b"/>
+                      <a:r>
+                        <a:rPr lang="nb-NO" sz="1800" b="1" i="0" u="none" strike="noStrike" dirty="0" smtClean="0">
+                          <a:solidFill>
+                            <a:srgbClr val="000000"/>
+                          </a:solidFill>
+                          <a:effectLst/>
+                          <a:latin typeface="+mn-lt"/>
+                        </a:rPr>
+                        <a:t>1.01x</a:t>
+                      </a:r>
+                      <a:endParaRPr lang="nb-NO" sz="1800" b="1" i="0" u="none" strike="noStrike" dirty="0">
+                        <a:solidFill>
+                          <a:srgbClr val="000000"/>
+                        </a:solidFill>
+                        <a:effectLst/>
+                        <a:latin typeface="+mn-lt"/>
+                      </a:endParaRPr>
+                    </a:p>
+                  </a:txBody>
+                  <a:tcPr marL="12700" marR="12700" marT="12700" marB="0" anchor="b"/>
+                </a:tc>
+                <a:tc>
+                  <a:txBody>
+                    <a:bodyPr/>
+                    <a:lstStyle/>
+                    <a:p>
+                      <a:pPr algn="ctr" fontAlgn="b"/>
+                      <a:r>
+                        <a:rPr lang="uk-UA" sz="1800" b="1" i="0" u="none" strike="noStrike" dirty="0" smtClean="0">
+                          <a:solidFill>
+                            <a:srgbClr val="000000"/>
+                          </a:solidFill>
+                          <a:effectLst/>
+                          <a:latin typeface="+mn-lt"/>
+                        </a:rPr>
+                        <a:t>1.</a:t>
+                      </a:r>
+                      <a:r>
+                        <a:rPr lang="en-GB" sz="1800" b="1" i="0" u="none" strike="noStrike" dirty="0" smtClean="0">
+                          <a:solidFill>
+                            <a:srgbClr val="000000"/>
+                          </a:solidFill>
+                          <a:effectLst/>
+                          <a:latin typeface="+mn-lt"/>
+                        </a:rPr>
+                        <a:t>28x</a:t>
+                      </a:r>
+                      <a:endParaRPr lang="uk-UA" sz="1800" b="1" i="0" u="none" strike="noStrike" dirty="0">
+                        <a:solidFill>
+                          <a:srgbClr val="000000"/>
+                        </a:solidFill>
+                        <a:effectLst/>
+                        <a:latin typeface="+mn-lt"/>
+                      </a:endParaRPr>
+                    </a:p>
+                  </a:txBody>
+                  <a:tcPr marL="12700" marR="12700" marT="12700" marB="0" anchor="b"/>
+                </a:tc>
+              </a:tr>
+            </a:tbl>
+          </a:graphicData>
+        </a:graphic>
+      </p:graphicFrame>
+    </p:spTree>
+    <p:extLst>
+      <p:ext uri="{BB962C8B-B14F-4D97-AF65-F5344CB8AC3E}">
+        <p14:creationId xmlns:p14="http://schemas.microsoft.com/office/powerpoint/2010/main" val="1333219248"/>
+      </p:ext>
+    </p:extLst>
+  </p:cSld>
+  <p:clrMapOvr>
+    <a:masterClrMapping/>
+  </p:clrMapOvr>
+  <mc:AlternateContent xmlns:mc="http://schemas.openxmlformats.org/markup-compatibility/2006" xmlns:p14="http://schemas.microsoft.com/office/powerpoint/2010/main">
+    <mc:Choice Requires="p14">
+      <p:transition spd="slow" p14:dur="2000"/>
+    </mc:Choice>
+    <mc:Fallback xmlns="">
+      <p:transition xmlns:p14="http://schemas.microsoft.com/office/powerpoint/2010/main" spd="slow"/>
+    </mc:Fallback>
+  </mc:AlternateContent>
+</p:sld>
+</file>
+
+<file path=ppt/slides/slide27.xml><?xml version="1.0" encoding="utf-8"?>
+<p:sld xmlns:a="http://schemas.openxmlformats.org/drawingml/2006/main" xmlns:r="http://schemas.openxmlformats.org/officeDocument/2006/relationships" xmlns:p="http://schemas.openxmlformats.org/presentationml/2006/main">
+  <p:cSld>
+    <p:spTree>
+      <p:nvGrpSpPr>
+        <p:cNvPr id="1" name=""/>
+        <p:cNvGrpSpPr/>
+        <p:nvPr/>
+      </p:nvGrpSpPr>
+      <p:grpSpPr>
+        <a:xfrm>
+          <a:off x="0" y="0"/>
+          <a:ext cx="0" cy="0"/>
+          <a:chOff x="0" y="0"/>
+          <a:chExt cx="0" cy="0"/>
+        </a:xfrm>
+      </p:grpSpPr>
+      <p:sp>
+        <p:nvSpPr>
+          <p:cNvPr id="2" name="Title 1"/>
+          <p:cNvSpPr>
+            <a:spLocks noGrp="1"/>
+          </p:cNvSpPr>
+          <p:nvPr>
+            <p:ph type="title"/>
+          </p:nvPr>
+        </p:nvSpPr>
+        <p:spPr/>
+        <p:txBody>
+          <a:bodyPr/>
+          <a:lstStyle/>
+          <a:p>
+            <a:r>
+              <a:rPr lang="en-GB" dirty="0" smtClean="0"/>
+              <a:t>Hamming codes</a:t>
+            </a:r>
+            <a:endParaRPr lang="en-GB" dirty="0"/>
+          </a:p>
+        </p:txBody>
+      </p:sp>
+      <p:sp>
+        <p:nvSpPr>
+          <p:cNvPr id="3" name="Content Placeholder 2"/>
+          <p:cNvSpPr>
+            <a:spLocks noGrp="1"/>
+          </p:cNvSpPr>
+          <p:nvPr>
+            <p:ph idx="1"/>
+          </p:nvPr>
+        </p:nvSpPr>
+        <p:spPr/>
+        <p:txBody>
+          <a:bodyPr/>
+          <a:lstStyle/>
+          <a:p>
+            <a:r>
+              <a:rPr lang="en-GB" dirty="0" smtClean="0"/>
+              <a:t>A single parity bit can detect a single-bit flip, but gives us no ability to correct errors, or to detect multi-bit flips</a:t>
+            </a:r>
+          </a:p>
+          <a:p>
+            <a:r>
+              <a:rPr lang="en-GB" dirty="0"/>
+              <a:t>H</a:t>
+            </a:r>
+            <a:r>
+              <a:rPr lang="en-GB" dirty="0" smtClean="0"/>
+              <a:t>amming codes extend the concept of parity bits to provide the ability to </a:t>
+            </a:r>
+            <a:r>
+              <a:rPr lang="en-GB" b="1" dirty="0" smtClean="0">
+                <a:solidFill>
+                  <a:srgbClr val="008000"/>
+                </a:solidFill>
+              </a:rPr>
+              <a:t>correct</a:t>
+            </a:r>
+            <a:r>
+              <a:rPr lang="en-GB" dirty="0" smtClean="0"/>
+              <a:t> single-bit errors</a:t>
+            </a:r>
+          </a:p>
+          <a:p>
+            <a:r>
+              <a:rPr lang="en-GB" dirty="0" smtClean="0"/>
+              <a:t>They can be further extended with an additional parity bit in order to also </a:t>
+            </a:r>
+            <a:r>
+              <a:rPr lang="en-GB" b="1" dirty="0" smtClean="0">
+                <a:solidFill>
+                  <a:srgbClr val="0000FF"/>
+                </a:solidFill>
+              </a:rPr>
+              <a:t>detect</a:t>
+            </a:r>
+            <a:r>
+              <a:rPr lang="en-GB" dirty="0" smtClean="0"/>
+              <a:t> (but not correct) double-</a:t>
+            </a:r>
+            <a:r>
+              <a:rPr lang="en-GB" dirty="0"/>
+              <a:t>bit </a:t>
+            </a:r>
+            <a:r>
+              <a:rPr lang="en-GB" dirty="0" smtClean="0"/>
+              <a:t>errors</a:t>
+            </a:r>
+            <a:endParaRPr lang="en-GB" dirty="0"/>
+          </a:p>
+        </p:txBody>
+      </p:sp>
+      <p:sp>
+        <p:nvSpPr>
+          <p:cNvPr id="4" name="Slide Number Placeholder 3"/>
+          <p:cNvSpPr>
+            <a:spLocks noGrp="1"/>
+          </p:cNvSpPr>
+          <p:nvPr>
+            <p:ph type="sldNum" sz="quarter" idx="10"/>
+          </p:nvPr>
+        </p:nvSpPr>
+        <p:spPr/>
+        <p:txBody>
+          <a:bodyPr/>
+          <a:lstStyle/>
+          <a:p>
+            <a:fld id="{D9B8CB04-7B95-2844-BD15-B133C35E4786}" type="slidenum">
+              <a:rPr lang="en-GB" smtClean="0"/>
+              <a:pPr/>
+              <a:t>27</a:t>
+            </a:fld>
+            <a:endParaRPr lang="en-GB"/>
+          </a:p>
+        </p:txBody>
+      </p:sp>
+    </p:spTree>
+    <p:extLst>
+      <p:ext uri="{BB962C8B-B14F-4D97-AF65-F5344CB8AC3E}">
+        <p14:creationId xmlns:p14="http://schemas.microsoft.com/office/powerpoint/2010/main" val="478778377"/>
+      </p:ext>
+    </p:extLst>
+  </p:cSld>
+  <p:clrMapOvr>
+    <a:masterClrMapping/>
+  </p:clrMapOvr>
+  <mc:AlternateContent xmlns:mc="http://schemas.openxmlformats.org/markup-compatibility/2006" xmlns:p14="http://schemas.microsoft.com/office/powerpoint/2010/main">
+    <mc:Choice Requires="p14">
+      <p:transition spd="slow" p14:dur="2000"/>
+    </mc:Choice>
+    <mc:Fallback xmlns="">
+      <p:transition xmlns:p14="http://schemas.microsoft.com/office/powerpoint/2010/main" spd="slow"/>
+    </mc:Fallback>
+  </mc:AlternateContent>
+  <p:timing>
+    <p:tnLst>
+      <p:par>
+        <p:cTn xmlns:p14="http://schemas.microsoft.com/office/powerpoint/2010/main" id="1" dur="indefinite" restart="never" nodeType="tmRoot"/>
+      </p:par>
+    </p:tnLst>
+  </p:timing>
+</p:sld>
+</file>
+
+<file path=ppt/slides/slide28.xml><?xml version="1.0" encoding="utf-8"?>
+<p:sld xmlns:a="http://schemas.openxmlformats.org/drawingml/2006/main" xmlns:r="http://schemas.openxmlformats.org/officeDocument/2006/relationships" xmlns:p="http://schemas.openxmlformats.org/presentationml/2006/main">
+  <p:cSld>
+    <p:spTree>
+      <p:nvGrpSpPr>
+        <p:cNvPr id="1" name=""/>
+        <p:cNvGrpSpPr/>
+        <p:nvPr/>
+      </p:nvGrpSpPr>
+      <p:grpSpPr>
+        <a:xfrm>
+          <a:off x="0" y="0"/>
+          <a:ext cx="0" cy="0"/>
+          <a:chOff x="0" y="0"/>
+          <a:chExt cx="0" cy="0"/>
+        </a:xfrm>
+      </p:grpSpPr>
+      <p:sp>
+        <p:nvSpPr>
+          <p:cNvPr id="2" name="Title 1"/>
+          <p:cNvSpPr>
+            <a:spLocks noGrp="1"/>
+          </p:cNvSpPr>
+          <p:nvPr>
+            <p:ph type="title"/>
+          </p:nvPr>
+        </p:nvSpPr>
+        <p:spPr/>
+        <p:txBody>
+          <a:bodyPr/>
+          <a:lstStyle/>
+          <a:p>
+            <a:r>
+              <a:rPr lang="en-GB" dirty="0" smtClean="0"/>
+              <a:t>Hamming codes</a:t>
+            </a:r>
+            <a:endParaRPr lang="en-GB" dirty="0"/>
+          </a:p>
+        </p:txBody>
+      </p:sp>
+      <p:sp>
+        <p:nvSpPr>
+          <p:cNvPr id="3" name="Content Placeholder 2"/>
+          <p:cNvSpPr>
+            <a:spLocks noGrp="1"/>
+          </p:cNvSpPr>
+          <p:nvPr>
+            <p:ph idx="1"/>
+          </p:nvPr>
+        </p:nvSpPr>
+        <p:spPr/>
+        <p:txBody>
+          <a:bodyPr/>
+          <a:lstStyle/>
+          <a:p>
+            <a:r>
+              <a:rPr lang="en-GB" dirty="0" smtClean="0"/>
+              <a:t>Uses multiple parity bits</a:t>
+            </a:r>
+          </a:p>
+          <a:p>
+            <a:r>
+              <a:rPr lang="en-GB" dirty="0" smtClean="0"/>
+              <a:t>Each data bit is protected by a unique set of parity bits</a:t>
+            </a:r>
+          </a:p>
+          <a:p>
+            <a:r>
+              <a:rPr lang="en-GB" dirty="0" smtClean="0"/>
+              <a:t>The parity bits are also covered by this scheme</a:t>
+            </a:r>
+          </a:p>
+          <a:p>
+            <a:pPr lvl="1"/>
+            <a:r>
+              <a:rPr lang="en-GB" dirty="0" smtClean="0"/>
+              <a:t>This is achieved by placing the parity bits at ‘power-of-two’ positions in the data</a:t>
+            </a:r>
+          </a:p>
+          <a:p>
+            <a:r>
+              <a:rPr lang="en-GB" i="1" dirty="0" smtClean="0"/>
+              <a:t>k</a:t>
+            </a:r>
+            <a:r>
+              <a:rPr lang="en-GB" dirty="0" smtClean="0"/>
+              <a:t> parity bits can protect a binary string of length 2</a:t>
+            </a:r>
+            <a:r>
+              <a:rPr lang="en-GB" i="1" baseline="30000" dirty="0" smtClean="0"/>
+              <a:t>k</a:t>
+            </a:r>
+            <a:r>
+              <a:rPr lang="en-GB" dirty="0" smtClean="0"/>
+              <a:t> – 1 bits (or 2</a:t>
+            </a:r>
+            <a:r>
+              <a:rPr lang="en-GB" i="1" baseline="30000" dirty="0" smtClean="0"/>
+              <a:t>k</a:t>
+            </a:r>
+            <a:r>
+              <a:rPr lang="en-GB" dirty="0" smtClean="0"/>
+              <a:t> – </a:t>
+            </a:r>
+            <a:r>
+              <a:rPr lang="en-GB" i="1" dirty="0" smtClean="0"/>
+              <a:t>k</a:t>
+            </a:r>
+            <a:r>
+              <a:rPr lang="en-GB" dirty="0" smtClean="0"/>
+              <a:t> – 1 data bits)</a:t>
+            </a:r>
+          </a:p>
+        </p:txBody>
+      </p:sp>
+      <p:sp>
+        <p:nvSpPr>
+          <p:cNvPr id="4" name="Slide Number Placeholder 3"/>
+          <p:cNvSpPr>
+            <a:spLocks noGrp="1"/>
+          </p:cNvSpPr>
+          <p:nvPr>
+            <p:ph type="sldNum" sz="quarter" idx="10"/>
+          </p:nvPr>
+        </p:nvSpPr>
+        <p:spPr/>
+        <p:txBody>
+          <a:bodyPr/>
+          <a:lstStyle/>
+          <a:p>
+            <a:fld id="{D9B8CB04-7B95-2844-BD15-B133C35E4786}" type="slidenum">
+              <a:rPr lang="en-GB" smtClean="0"/>
+              <a:pPr/>
+              <a:t>28</a:t>
             </a:fld>
             <a:endParaRPr lang="en-GB"/>
           </a:p>
@@ -18461,7 +19300,7 @@
 </p:sld>
 </file>
 
-<file path=ppt/slides/slide27.xml><?xml version="1.0" encoding="utf-8"?>
+<file path=ppt/slides/slide29.xml><?xml version="1.0" encoding="utf-8"?>
 <p:sld xmlns:a="http://schemas.openxmlformats.org/drawingml/2006/main" xmlns:r="http://schemas.openxmlformats.org/officeDocument/2006/relationships" xmlns:p="http://schemas.openxmlformats.org/presentationml/2006/main">
   <p:cSld>
     <p:spTree>
@@ -18578,7 +19417,7 @@
             <a:fld id="{D9B8CB04-7B95-2844-BD15-B133C35E4786}" type="slidenum">
               <a:rPr lang="en-GB" smtClean="0"/>
               <a:pPr/>
-              <a:t>27</a:t>
+              <a:t>29</a:t>
             </a:fld>
             <a:endParaRPr lang="en-GB"/>
           </a:p>
@@ -23257,7 +24096,7 @@
 </p:sld>
 </file>
 
-<file path=ppt/slides/slide28.xml><?xml version="1.0" encoding="utf-8"?>
+<file path=ppt/slides/slide3.xml><?xml version="1.0" encoding="utf-8"?>
 <p:sld xmlns:a="http://schemas.openxmlformats.org/drawingml/2006/main" xmlns:r="http://schemas.openxmlformats.org/officeDocument/2006/relationships" xmlns:p="http://schemas.openxmlformats.org/presentationml/2006/main">
   <p:cSld>
     <p:spTree>
@@ -23291,7 +24130,58 @@
           <a:p>
             <a:r>
               <a:rPr lang="en-GB" dirty="0" smtClean="0"/>
-              <a:t>Hamming codes - example</a:t>
+              <a:t>Sparse linear solvers</a:t>
+            </a:r>
+            <a:endParaRPr lang="en-GB" dirty="0"/>
+          </a:p>
+        </p:txBody>
+      </p:sp>
+      <p:sp>
+        <p:nvSpPr>
+          <p:cNvPr id="3" name="Content Placeholder 2"/>
+          <p:cNvSpPr>
+            <a:spLocks noGrp="1"/>
+          </p:cNvSpPr>
+          <p:nvPr>
+            <p:ph idx="1"/>
+          </p:nvPr>
+        </p:nvSpPr>
+        <p:spPr/>
+        <p:txBody>
+          <a:bodyPr/>
+          <a:lstStyle/>
+          <a:p>
+            <a:r>
+              <a:rPr lang="en-GB" dirty="0" smtClean="0"/>
+              <a:t>These systems will often involve extremely large matrices, that contain mostly non-zero values</a:t>
+            </a:r>
+          </a:p>
+          <a:p>
+            <a:pPr lvl="1"/>
+            <a:r>
+              <a:rPr lang="en-GB" dirty="0" smtClean="0"/>
+              <a:t>Generally </a:t>
+            </a:r>
+            <a:r>
+              <a:rPr lang="en-GB" b="1" dirty="0" smtClean="0"/>
+              <a:t>&lt;1%</a:t>
+            </a:r>
+            <a:r>
+              <a:rPr lang="en-GB" dirty="0" smtClean="0"/>
+              <a:t> of elements are non-zero</a:t>
+            </a:r>
+          </a:p>
+          <a:p>
+            <a:r>
+              <a:rPr lang="en-GB" dirty="0" smtClean="0"/>
+              <a:t>Iterative solvers such as Jacobi or  Conjugate Gradient are suitable for solving these large, sparse systems</a:t>
+            </a:r>
+          </a:p>
+          <a:p>
+            <a:pPr lvl="1"/>
+            <a:r>
+              <a:rPr lang="en-GB" dirty="0" smtClean="0"/>
+              <a:t>Direct approaches are not feasible when the matrix dimensions are very large</a:t>
             </a:r>
             <a:endParaRPr lang="en-GB" dirty="0"/>
           </a:p>
@@ -23315,7 +24205,92 @@
             <a:fld id="{D9B8CB04-7B95-2844-BD15-B133C35E4786}" type="slidenum">
               <a:rPr lang="en-GB" smtClean="0"/>
               <a:pPr/>
-              <a:t>28</a:t>
+              <a:t>3</a:t>
+            </a:fld>
+            <a:endParaRPr lang="en-GB"/>
+          </a:p>
+        </p:txBody>
+      </p:sp>
+    </p:spTree>
+    <p:extLst>
+      <p:ext uri="{BB962C8B-B14F-4D97-AF65-F5344CB8AC3E}">
+        <p14:creationId xmlns:p14="http://schemas.microsoft.com/office/powerpoint/2010/main" val="772319859"/>
+      </p:ext>
+    </p:extLst>
+  </p:cSld>
+  <p:clrMapOvr>
+    <a:masterClrMapping/>
+  </p:clrMapOvr>
+  <mc:AlternateContent xmlns:mc="http://schemas.openxmlformats.org/markup-compatibility/2006" xmlns:p14="http://schemas.microsoft.com/office/powerpoint/2010/main">
+    <mc:Choice Requires="p14">
+      <p:transition spd="slow" p14:dur="2000"/>
+    </mc:Choice>
+    <mc:Fallback xmlns="">
+      <p:transition xmlns:p14="http://schemas.microsoft.com/office/powerpoint/2010/main" spd="slow"/>
+    </mc:Fallback>
+  </mc:AlternateContent>
+</p:sld>
+</file>
+
+<file path=ppt/slides/slide30.xml><?xml version="1.0" encoding="utf-8"?>
+<p:sld xmlns:a="http://schemas.openxmlformats.org/drawingml/2006/main" xmlns:r="http://schemas.openxmlformats.org/officeDocument/2006/relationships" xmlns:p="http://schemas.openxmlformats.org/presentationml/2006/main">
+  <p:cSld>
+    <p:spTree>
+      <p:nvGrpSpPr>
+        <p:cNvPr id="1" name=""/>
+        <p:cNvGrpSpPr/>
+        <p:nvPr/>
+      </p:nvGrpSpPr>
+      <p:grpSpPr>
+        <a:xfrm>
+          <a:off x="0" y="0"/>
+          <a:ext cx="0" cy="0"/>
+          <a:chOff x="0" y="0"/>
+          <a:chExt cx="0" cy="0"/>
+        </a:xfrm>
+      </p:grpSpPr>
+      <p:sp>
+        <p:nvSpPr>
+          <p:cNvPr id="2" name="Title 1"/>
+          <p:cNvSpPr>
+            <a:spLocks noGrp="1"/>
+          </p:cNvSpPr>
+          <p:nvPr>
+            <p:ph type="title"/>
+          </p:nvPr>
+        </p:nvSpPr>
+        <p:spPr/>
+        <p:txBody>
+          <a:bodyPr/>
+          <a:lstStyle/>
+          <a:p>
+            <a:r>
+              <a:rPr lang="en-GB" dirty="0" smtClean="0"/>
+              <a:t>Hamming codes - example</a:t>
+            </a:r>
+            <a:endParaRPr lang="en-GB" dirty="0"/>
+          </a:p>
+        </p:txBody>
+      </p:sp>
+      <p:sp>
+        <p:nvSpPr>
+          <p:cNvPr id="4" name="Slide Number Placeholder 3"/>
+          <p:cNvSpPr>
+            <a:spLocks noGrp="1"/>
+          </p:cNvSpPr>
+          <p:nvPr>
+            <p:ph type="sldNum" sz="quarter" idx="10"/>
+          </p:nvPr>
+        </p:nvSpPr>
+        <p:spPr/>
+        <p:txBody>
+          <a:bodyPr/>
+          <a:lstStyle/>
+          <a:p>
+            <a:fld id="{D9B8CB04-7B95-2844-BD15-B133C35E4786}" type="slidenum">
+              <a:rPr lang="en-GB" smtClean="0"/>
+              <a:pPr/>
+              <a:t>30</a:t>
             </a:fld>
             <a:endParaRPr lang="en-GB"/>
           </a:p>
@@ -23723,7 +24698,7 @@
 </p:sld>
 </file>
 
-<file path=ppt/slides/slide29.xml><?xml version="1.0" encoding="utf-8"?>
+<file path=ppt/slides/slide31.xml><?xml version="1.0" encoding="utf-8"?>
 <p:sld xmlns:a="http://schemas.openxmlformats.org/drawingml/2006/main" xmlns:r="http://schemas.openxmlformats.org/officeDocument/2006/relationships" xmlns:p="http://schemas.openxmlformats.org/presentationml/2006/main">
   <p:cSld>
     <p:spTree>
@@ -23781,7 +24756,7 @@
             <a:fld id="{D9B8CB04-7B95-2844-BD15-B133C35E4786}" type="slidenum">
               <a:rPr lang="en-GB" smtClean="0"/>
               <a:pPr/>
-              <a:t>29</a:t>
+              <a:t>31</a:t>
             </a:fld>
             <a:endParaRPr lang="en-GB"/>
           </a:p>
@@ -25302,7 +26277,7 @@
 </p:sld>
 </file>
 
-<file path=ppt/slides/slide3.xml><?xml version="1.0" encoding="utf-8"?>
+<file path=ppt/slides/slide32.xml><?xml version="1.0" encoding="utf-8"?>
 <p:sld xmlns:a="http://schemas.openxmlformats.org/drawingml/2006/main" xmlns:r="http://schemas.openxmlformats.org/officeDocument/2006/relationships" xmlns:p="http://schemas.openxmlformats.org/presentationml/2006/main">
   <p:cSld>
     <p:spTree>
@@ -25336,58 +26311,7 @@
           <a:p>
             <a:r>
               <a:rPr lang="en-GB" dirty="0" smtClean="0"/>
-              <a:t>Sparse linear solvers</a:t>
-            </a:r>
-            <a:endParaRPr lang="en-GB" dirty="0"/>
-          </a:p>
-        </p:txBody>
-      </p:sp>
-      <p:sp>
-        <p:nvSpPr>
-          <p:cNvPr id="3" name="Content Placeholder 2"/>
-          <p:cNvSpPr>
-            <a:spLocks noGrp="1"/>
-          </p:cNvSpPr>
-          <p:nvPr>
-            <p:ph idx="1"/>
-          </p:nvPr>
-        </p:nvSpPr>
-        <p:spPr/>
-        <p:txBody>
-          <a:bodyPr/>
-          <a:lstStyle/>
-          <a:p>
-            <a:r>
-              <a:rPr lang="en-GB" dirty="0" smtClean="0"/>
-              <a:t>These systems will often involve extremely large matrices, that contain mostly non-zero values</a:t>
-            </a:r>
-          </a:p>
-          <a:p>
-            <a:pPr lvl="1"/>
-            <a:r>
-              <a:rPr lang="en-GB" dirty="0" smtClean="0"/>
-              <a:t>Generally </a:t>
-            </a:r>
-            <a:r>
-              <a:rPr lang="en-GB" b="1" dirty="0" smtClean="0"/>
-              <a:t>&lt;1%</a:t>
-            </a:r>
-            <a:r>
-              <a:rPr lang="en-GB" dirty="0" smtClean="0"/>
-              <a:t> of elements are non-zero</a:t>
-            </a:r>
-          </a:p>
-          <a:p>
-            <a:r>
-              <a:rPr lang="en-GB" dirty="0" smtClean="0"/>
-              <a:t>Iterative solvers such as Jacobi or  Conjugate Gradient are suitable for solving these large, sparse systems</a:t>
-            </a:r>
-          </a:p>
-          <a:p>
-            <a:pPr lvl="1"/>
-            <a:r>
-              <a:rPr lang="en-GB" dirty="0" smtClean="0"/>
-              <a:t>Direct approaches are not feasible when the matrix dimensions are very large</a:t>
+              <a:t>Hamming codes - example</a:t>
             </a:r>
             <a:endParaRPr lang="en-GB" dirty="0"/>
           </a:p>
@@ -25411,92 +26335,7 @@
             <a:fld id="{D9B8CB04-7B95-2844-BD15-B133C35E4786}" type="slidenum">
               <a:rPr lang="en-GB" smtClean="0"/>
               <a:pPr/>
-              <a:t>3</a:t>
-            </a:fld>
-            <a:endParaRPr lang="en-GB"/>
-          </a:p>
-        </p:txBody>
-      </p:sp>
-    </p:spTree>
-    <p:extLst>
-      <p:ext uri="{BB962C8B-B14F-4D97-AF65-F5344CB8AC3E}">
-        <p14:creationId xmlns:p14="http://schemas.microsoft.com/office/powerpoint/2010/main" val="772319859"/>
-      </p:ext>
-    </p:extLst>
-  </p:cSld>
-  <p:clrMapOvr>
-    <a:masterClrMapping/>
-  </p:clrMapOvr>
-  <mc:AlternateContent xmlns:mc="http://schemas.openxmlformats.org/markup-compatibility/2006" xmlns:p14="http://schemas.microsoft.com/office/powerpoint/2010/main">
-    <mc:Choice Requires="p14">
-      <p:transition spd="slow" p14:dur="2000"/>
-    </mc:Choice>
-    <mc:Fallback xmlns="">
-      <p:transition xmlns:p14="http://schemas.microsoft.com/office/powerpoint/2010/main" spd="slow"/>
-    </mc:Fallback>
-  </mc:AlternateContent>
-</p:sld>
-</file>
-
-<file path=ppt/slides/slide30.xml><?xml version="1.0" encoding="utf-8"?>
-<p:sld xmlns:a="http://schemas.openxmlformats.org/drawingml/2006/main" xmlns:r="http://schemas.openxmlformats.org/officeDocument/2006/relationships" xmlns:p="http://schemas.openxmlformats.org/presentationml/2006/main">
-  <p:cSld>
-    <p:spTree>
-      <p:nvGrpSpPr>
-        <p:cNvPr id="1" name=""/>
-        <p:cNvGrpSpPr/>
-        <p:nvPr/>
-      </p:nvGrpSpPr>
-      <p:grpSpPr>
-        <a:xfrm>
-          <a:off x="0" y="0"/>
-          <a:ext cx="0" cy="0"/>
-          <a:chOff x="0" y="0"/>
-          <a:chExt cx="0" cy="0"/>
-        </a:xfrm>
-      </p:grpSpPr>
-      <p:sp>
-        <p:nvSpPr>
-          <p:cNvPr id="2" name="Title 1"/>
-          <p:cNvSpPr>
-            <a:spLocks noGrp="1"/>
-          </p:cNvSpPr>
-          <p:nvPr>
-            <p:ph type="title"/>
-          </p:nvPr>
-        </p:nvSpPr>
-        <p:spPr/>
-        <p:txBody>
-          <a:bodyPr/>
-          <a:lstStyle/>
-          <a:p>
-            <a:r>
-              <a:rPr lang="en-GB" dirty="0" smtClean="0"/>
-              <a:t>Hamming codes - example</a:t>
-            </a:r>
-            <a:endParaRPr lang="en-GB" dirty="0"/>
-          </a:p>
-        </p:txBody>
-      </p:sp>
-      <p:sp>
-        <p:nvSpPr>
-          <p:cNvPr id="4" name="Slide Number Placeholder 3"/>
-          <p:cNvSpPr>
-            <a:spLocks noGrp="1"/>
-          </p:cNvSpPr>
-          <p:nvPr>
-            <p:ph type="sldNum" sz="quarter" idx="10"/>
-          </p:nvPr>
-        </p:nvSpPr>
-        <p:spPr/>
-        <p:txBody>
-          <a:bodyPr/>
-          <a:lstStyle/>
-          <a:p>
-            <a:fld id="{D9B8CB04-7B95-2844-BD15-B133C35E4786}" type="slidenum">
-              <a:rPr lang="en-GB" smtClean="0"/>
-              <a:pPr/>
-              <a:t>30</a:t>
+              <a:t>32</a:t>
             </a:fld>
             <a:endParaRPr lang="en-GB"/>
           </a:p>
@@ -27243,7 +28082,7 @@
 </p:sld>
 </file>
 
-<file path=ppt/slides/slide31.xml><?xml version="1.0" encoding="utf-8"?>
+<file path=ppt/slides/slide33.xml><?xml version="1.0" encoding="utf-8"?>
 <p:sld xmlns:a="http://schemas.openxmlformats.org/drawingml/2006/main" xmlns:r="http://schemas.openxmlformats.org/officeDocument/2006/relationships" xmlns:p="http://schemas.openxmlformats.org/presentationml/2006/main">
   <p:cSld>
     <p:spTree>
@@ -27301,7 +28140,7 @@
             <a:fld id="{D9B8CB04-7B95-2844-BD15-B133C35E4786}" type="slidenum">
               <a:rPr lang="en-GB" smtClean="0"/>
               <a:pPr/>
-              <a:t>31</a:t>
+              <a:t>33</a:t>
             </a:fld>
             <a:endParaRPr lang="en-GB"/>
           </a:p>
@@ -29040,7 +29879,7 @@
 </p:sld>
 </file>
 
-<file path=ppt/slides/slide32.xml><?xml version="1.0" encoding="utf-8"?>
+<file path=ppt/slides/slide34.xml><?xml version="1.0" encoding="utf-8"?>
 <p:sld xmlns:a="http://schemas.openxmlformats.org/drawingml/2006/main" xmlns:r="http://schemas.openxmlformats.org/officeDocument/2006/relationships" xmlns:p="http://schemas.openxmlformats.org/presentationml/2006/main">
   <p:cSld>
     <p:spTree>
@@ -29098,7 +29937,7 @@
             <a:fld id="{D9B8CB04-7B95-2844-BD15-B133C35E4786}" type="slidenum">
               <a:rPr lang="en-GB" smtClean="0"/>
               <a:pPr/>
-              <a:t>32</a:t>
+              <a:t>34</a:t>
             </a:fld>
             <a:endParaRPr lang="en-GB"/>
           </a:p>
@@ -30838,7 +31677,7 @@
 </p:sld>
 </file>
 
-<file path=ppt/slides/slide33.xml><?xml version="1.0" encoding="utf-8"?>
+<file path=ppt/slides/slide35.xml><?xml version="1.0" encoding="utf-8"?>
 <p:sld xmlns:a="http://schemas.openxmlformats.org/drawingml/2006/main" xmlns:r="http://schemas.openxmlformats.org/officeDocument/2006/relationships" xmlns:p="http://schemas.openxmlformats.org/presentationml/2006/main">
   <p:cSld>
     <p:spTree>
@@ -30896,7 +31735,7 @@
             <a:fld id="{D9B8CB04-7B95-2844-BD15-B133C35E4786}" type="slidenum">
               <a:rPr lang="en-GB" smtClean="0"/>
               <a:pPr/>
-              <a:t>33</a:t>
+              <a:t>35</a:t>
             </a:fld>
             <a:endParaRPr lang="en-GB"/>
           </a:p>
@@ -32631,7 +33470,7 @@
 </p:sld>
 </file>
 
-<file path=ppt/slides/slide34.xml><?xml version="1.0" encoding="utf-8"?>
+<file path=ppt/slides/slide36.xml><?xml version="1.0" encoding="utf-8"?>
 <p:sld xmlns:a="http://schemas.openxmlformats.org/drawingml/2006/main" xmlns:r="http://schemas.openxmlformats.org/officeDocument/2006/relationships" xmlns:p="http://schemas.openxmlformats.org/presentationml/2006/main">
   <p:cSld>
     <p:spTree>
@@ -32689,7 +33528,7 @@
             <a:fld id="{D9B8CB04-7B95-2844-BD15-B133C35E4786}" type="slidenum">
               <a:rPr lang="en-GB" smtClean="0"/>
               <a:pPr/>
-              <a:t>34</a:t>
+              <a:t>36</a:t>
             </a:fld>
             <a:endParaRPr lang="en-GB"/>
           </a:p>
@@ -34227,7 +35066,7 @@
 </p:sld>
 </file>
 
-<file path=ppt/slides/slide35.xml><?xml version="1.0" encoding="utf-8"?>
+<file path=ppt/slides/slide37.xml><?xml version="1.0" encoding="utf-8"?>
 <p:sld xmlns:a="http://schemas.openxmlformats.org/drawingml/2006/main" xmlns:r="http://schemas.openxmlformats.org/officeDocument/2006/relationships" xmlns:p="http://schemas.openxmlformats.org/presentationml/2006/main">
   <p:cSld>
     <p:spTree>
@@ -34285,7 +35124,7 @@
             <a:fld id="{D9B8CB04-7B95-2844-BD15-B133C35E4786}" type="slidenum">
               <a:rPr lang="en-GB" smtClean="0"/>
               <a:pPr/>
-              <a:t>35</a:t>
+              <a:t>37</a:t>
             </a:fld>
             <a:endParaRPr lang="en-GB"/>
           </a:p>
@@ -39139,7 +39978,7 @@
 </p:sld>
 </file>
 
-<file path=ppt/slides/slide36.xml><?xml version="1.0" encoding="utf-8"?>
+<file path=ppt/slides/slide38.xml><?xml version="1.0" encoding="utf-8"?>
 <p:sld xmlns:a="http://schemas.openxmlformats.org/drawingml/2006/main" xmlns:r="http://schemas.openxmlformats.org/officeDocument/2006/relationships" xmlns:p="http://schemas.openxmlformats.org/presentationml/2006/main">
   <p:cSld>
     <p:spTree>
@@ -39197,7 +40036,7 @@
             <a:fld id="{D9B8CB04-7B95-2844-BD15-B133C35E4786}" type="slidenum">
               <a:rPr lang="en-GB" smtClean="0"/>
               <a:pPr/>
-              <a:t>36</a:t>
+              <a:t>38</a:t>
             </a:fld>
             <a:endParaRPr lang="en-GB"/>
           </a:p>
@@ -41752,7 +42591,7 @@
 </p:sld>
 </file>
 
-<file path=ppt/slides/slide37.xml><?xml version="1.0" encoding="utf-8"?>
+<file path=ppt/slides/slide39.xml><?xml version="1.0" encoding="utf-8"?>
 <p:sld xmlns:a="http://schemas.openxmlformats.org/drawingml/2006/main" xmlns:r="http://schemas.openxmlformats.org/officeDocument/2006/relationships" xmlns:p="http://schemas.openxmlformats.org/presentationml/2006/main">
   <p:cSld>
     <p:spTree>
@@ -41868,7 +42707,7 @@
             <a:fld id="{D9B8CB04-7B95-2844-BD15-B133C35E4786}" type="slidenum">
               <a:rPr lang="en-GB" smtClean="0"/>
               <a:pPr/>
-              <a:t>37</a:t>
+              <a:t>39</a:t>
             </a:fld>
             <a:endParaRPr lang="en-GB"/>
           </a:p>
@@ -41902,7 +42741,7 @@
 </p:sld>
 </file>
 
-<file path=ppt/slides/slide38.xml><?xml version="1.0" encoding="utf-8"?>
+<file path=ppt/slides/slide4.xml><?xml version="1.0" encoding="utf-8"?>
 <p:sld xmlns:a="http://schemas.openxmlformats.org/drawingml/2006/main" xmlns:r="http://schemas.openxmlformats.org/officeDocument/2006/relationships" xmlns:p="http://schemas.openxmlformats.org/presentationml/2006/main">
   <p:cSld>
     <p:spTree>
@@ -41935,10 +42774,10 @@
           <a:lstStyle/>
           <a:p>
             <a:r>
-              <a:rPr lang="en-GB" sz="4000" dirty="0" smtClean="0"/>
-              <a:t>Hamming codes - implementation</a:t>
-            </a:r>
-            <a:endParaRPr lang="en-GB" sz="4000" dirty="0"/>
+              <a:rPr lang="en-GB" dirty="0" smtClean="0"/>
+              <a:t>Sparse linear solvers</a:t>
+            </a:r>
+            <a:endParaRPr lang="en-GB" dirty="0"/>
           </a:p>
         </p:txBody>
       </p:sp>
@@ -41959,56 +42798,70 @@
           <a:p>
             <a:r>
               <a:rPr lang="en-GB" sz="2800" dirty="0" smtClean="0"/>
-              <a:t>Interleaving the parity bits with the data will be very expensive</a:t>
-            </a:r>
-          </a:p>
-          <a:p>
-            <a:r>
-              <a:rPr lang="en-GB" sz="2800" dirty="0" smtClean="0"/>
-              <a:t>Instead, we can store the parity bits somewhere else, and just perform the hamming code operations </a:t>
-            </a:r>
-            <a:r>
-              <a:rPr lang="en-GB" sz="2800" b="1" i="1" dirty="0" smtClean="0"/>
-              <a:t>as if</a:t>
-            </a:r>
-            <a:r>
-              <a:rPr lang="en-GB" sz="2800" dirty="0" smtClean="0"/>
-              <a:t> they were in the correct (power-of-two) positions</a:t>
-            </a:r>
-          </a:p>
-          <a:p>
-            <a:r>
-              <a:rPr lang="en-GB" sz="2800" dirty="0" smtClean="0"/>
-              <a:t>If we store the parity bits in the </a:t>
-            </a:r>
-            <a:r>
-              <a:rPr lang="en-GB" sz="2800" dirty="0"/>
-              <a:t>unused </a:t>
-            </a:r>
-            <a:r>
-              <a:rPr lang="en-GB" sz="2800" dirty="0" smtClean="0"/>
-              <a:t>high-order bits </a:t>
-            </a:r>
-            <a:r>
-              <a:rPr lang="en-GB" sz="2800" dirty="0"/>
-              <a:t>of the matrix </a:t>
-            </a:r>
-            <a:r>
-              <a:rPr lang="en-GB" sz="2800" dirty="0" smtClean="0"/>
-              <a:t>indices, masking them out becomes a simple bitwise </a:t>
-            </a:r>
-            <a:r>
-              <a:rPr lang="en-GB" sz="2800" b="1" dirty="0" smtClean="0">
+              <a:t>Even for very sparse matrices, the majority of the application data will be in the matrix</a:t>
+            </a:r>
+          </a:p>
+          <a:p>
+            <a:pPr lvl="1"/>
+            <a:r>
+              <a:rPr lang="en-GB" sz="2400" dirty="0" smtClean="0"/>
+              <a:t>0.01% of a 10M x 10M matrix is three orders of magnitude larger than a 10M element vector</a:t>
+            </a:r>
+          </a:p>
+          <a:p>
+            <a:r>
+              <a:rPr lang="en-GB" dirty="0" smtClean="0"/>
+              <a:t>This means that:</a:t>
+            </a:r>
+          </a:p>
+          <a:p>
+            <a:pPr marL="914400" lvl="1" indent="-457200">
+              <a:buFont typeface="+mj-lt"/>
+              <a:buAutoNum type="arabicPeriod"/>
+            </a:pPr>
+            <a:r>
+              <a:rPr lang="en-GB" sz="2400" dirty="0" smtClean="0"/>
+              <a:t>Sparse matrix-vector products (</a:t>
+            </a:r>
+            <a:r>
+              <a:rPr lang="en-GB" sz="2400" dirty="0" err="1" smtClean="0"/>
+              <a:t>SpMV</a:t>
+            </a:r>
+            <a:r>
+              <a:rPr lang="en-GB" sz="2400" dirty="0" smtClean="0"/>
+              <a:t>) will account for the majority of the runtime in these iterative solvers</a:t>
+            </a:r>
+          </a:p>
+          <a:p>
+            <a:pPr marL="914400" lvl="1" indent="-457200">
+              <a:buFont typeface="+mj-lt"/>
+              <a:buAutoNum type="arabicPeriod"/>
+            </a:pPr>
+            <a:r>
+              <a:rPr lang="en-GB" sz="2400" dirty="0" smtClean="0"/>
+              <a:t>The sparse matrix data will be the most likely candidate for suffering a </a:t>
+            </a:r>
+            <a:r>
+              <a:rPr lang="en-GB" sz="2400" b="1" dirty="0" smtClean="0">
                 <a:solidFill>
-                  <a:srgbClr val="0000FF"/>
+                  <a:srgbClr val="FF0000"/>
                 </a:solidFill>
               </a:rPr>
-              <a:t>AND</a:t>
-            </a:r>
-            <a:r>
-              <a:rPr lang="en-GB" sz="2800" dirty="0" smtClean="0"/>
-              <a:t> operation</a:t>
-            </a:r>
+              <a:t>silent data corruption</a:t>
+            </a:r>
+            <a:r>
+              <a:rPr lang="en-GB" sz="2400" dirty="0" smtClean="0"/>
+              <a:t> (</a:t>
+            </a:r>
+            <a:r>
+              <a:rPr lang="en-GB" sz="2400" b="1" dirty="0" smtClean="0"/>
+              <a:t>SDC</a:t>
+            </a:r>
+            <a:r>
+              <a:rPr lang="en-GB" sz="2400" dirty="0" smtClean="0"/>
+              <a:t>)</a:t>
+            </a:r>
+            <a:endParaRPr lang="en-GB" sz="2400" dirty="0"/>
           </a:p>
         </p:txBody>
       </p:sp>
@@ -42030,7 +42883,162 @@
             <a:fld id="{D9B8CB04-7B95-2844-BD15-B133C35E4786}" type="slidenum">
               <a:rPr lang="en-GB" smtClean="0"/>
               <a:pPr/>
-              <a:t>38</a:t>
+              <a:t>4</a:t>
+            </a:fld>
+            <a:endParaRPr lang="en-GB"/>
+          </a:p>
+        </p:txBody>
+      </p:sp>
+    </p:spTree>
+    <p:extLst>
+      <p:ext uri="{BB962C8B-B14F-4D97-AF65-F5344CB8AC3E}">
+        <p14:creationId xmlns:p14="http://schemas.microsoft.com/office/powerpoint/2010/main" val="2132030885"/>
+      </p:ext>
+    </p:extLst>
+  </p:cSld>
+  <p:clrMapOvr>
+    <a:masterClrMapping/>
+  </p:clrMapOvr>
+  <mc:AlternateContent xmlns:mc="http://schemas.openxmlformats.org/markup-compatibility/2006" xmlns:p14="http://schemas.microsoft.com/office/powerpoint/2010/main">
+    <mc:Choice Requires="p14">
+      <p:transition spd="slow" p14:dur="2000"/>
+    </mc:Choice>
+    <mc:Fallback xmlns="">
+      <p:transition xmlns:p14="http://schemas.microsoft.com/office/powerpoint/2010/main" spd="slow"/>
+    </mc:Fallback>
+  </mc:AlternateContent>
+</p:sld>
+</file>
+
+<file path=ppt/slides/slide40.xml><?xml version="1.0" encoding="utf-8"?>
+<p:sld xmlns:a="http://schemas.openxmlformats.org/drawingml/2006/main" xmlns:r="http://schemas.openxmlformats.org/officeDocument/2006/relationships" xmlns:p="http://schemas.openxmlformats.org/presentationml/2006/main">
+  <p:cSld>
+    <p:spTree>
+      <p:nvGrpSpPr>
+        <p:cNvPr id="1" name=""/>
+        <p:cNvGrpSpPr/>
+        <p:nvPr/>
+      </p:nvGrpSpPr>
+      <p:grpSpPr>
+        <a:xfrm>
+          <a:off x="0" y="0"/>
+          <a:ext cx="0" cy="0"/>
+          <a:chOff x="0" y="0"/>
+          <a:chExt cx="0" cy="0"/>
+        </a:xfrm>
+      </p:grpSpPr>
+      <p:sp>
+        <p:nvSpPr>
+          <p:cNvPr id="2" name="Title 1"/>
+          <p:cNvSpPr>
+            <a:spLocks noGrp="1"/>
+          </p:cNvSpPr>
+          <p:nvPr>
+            <p:ph type="title"/>
+          </p:nvPr>
+        </p:nvSpPr>
+        <p:spPr/>
+        <p:txBody>
+          <a:bodyPr/>
+          <a:lstStyle/>
+          <a:p>
+            <a:r>
+              <a:rPr lang="en-GB" sz="4000" dirty="0" smtClean="0"/>
+              <a:t>Hamming codes - implementation</a:t>
+            </a:r>
+            <a:endParaRPr lang="en-GB" sz="4000" dirty="0"/>
+          </a:p>
+        </p:txBody>
+      </p:sp>
+      <p:sp>
+        <p:nvSpPr>
+          <p:cNvPr id="3" name="Content Placeholder 2"/>
+          <p:cNvSpPr>
+            <a:spLocks noGrp="1"/>
+          </p:cNvSpPr>
+          <p:nvPr>
+            <p:ph idx="1"/>
+          </p:nvPr>
+        </p:nvSpPr>
+        <p:spPr/>
+        <p:txBody>
+          <a:bodyPr/>
+          <a:lstStyle/>
+          <a:p>
+            <a:r>
+              <a:rPr lang="en-GB" sz="2800" dirty="0" smtClean="0"/>
+              <a:t>Interleaving the parity bits with the data will be very expensive</a:t>
+            </a:r>
+          </a:p>
+          <a:p>
+            <a:r>
+              <a:rPr lang="en-GB" sz="2800" dirty="0" smtClean="0"/>
+              <a:t>Instead, we can store the parity bits somewhere else, and just perform the hamming code operations </a:t>
+            </a:r>
+            <a:r>
+              <a:rPr lang="en-GB" sz="2800" b="1" i="1" dirty="0" smtClean="0"/>
+              <a:t>as if</a:t>
+            </a:r>
+            <a:r>
+              <a:rPr lang="en-GB" sz="2800" dirty="0" smtClean="0"/>
+              <a:t> they were in the correct (power-of-two) positions</a:t>
+            </a:r>
+          </a:p>
+          <a:p>
+            <a:r>
+              <a:rPr lang="en-GB" sz="2800" dirty="0" smtClean="0"/>
+              <a:t>If we store the parity bits in the </a:t>
+            </a:r>
+            <a:r>
+              <a:rPr lang="en-GB" sz="2800" dirty="0"/>
+              <a:t>unused </a:t>
+            </a:r>
+            <a:r>
+              <a:rPr lang="en-GB" sz="2800" dirty="0" smtClean="0"/>
+              <a:t>high-order bits </a:t>
+            </a:r>
+            <a:r>
+              <a:rPr lang="en-GB" sz="2800" dirty="0"/>
+              <a:t>of the matrix </a:t>
+            </a:r>
+            <a:r>
+              <a:rPr lang="en-GB" sz="2800" dirty="0" smtClean="0"/>
+              <a:t>indices, masking them out becomes a simple bitwise </a:t>
+            </a:r>
+            <a:r>
+              <a:rPr lang="en-GB" sz="2800" b="1" dirty="0" smtClean="0">
+                <a:solidFill>
+                  <a:srgbClr val="0000FF"/>
+                </a:solidFill>
+              </a:rPr>
+              <a:t>AND</a:t>
+            </a:r>
+            <a:r>
+              <a:rPr lang="en-GB" sz="2800" dirty="0" smtClean="0"/>
+              <a:t> operation</a:t>
+            </a:r>
+          </a:p>
+        </p:txBody>
+      </p:sp>
+      <p:sp>
+        <p:nvSpPr>
+          <p:cNvPr id="4" name="Slide Number Placeholder 3"/>
+          <p:cNvSpPr>
+            <a:spLocks noGrp="1"/>
+          </p:cNvSpPr>
+          <p:nvPr>
+            <p:ph type="sldNum" sz="quarter" idx="10"/>
+          </p:nvPr>
+        </p:nvSpPr>
+        <p:spPr/>
+        <p:txBody>
+          <a:bodyPr/>
+          <a:lstStyle/>
+          <a:p>
+            <a:fld id="{D9B8CB04-7B95-2844-BD15-B133C35E4786}" type="slidenum">
+              <a:rPr lang="en-GB" smtClean="0"/>
+              <a:pPr/>
+              <a:t>40</a:t>
             </a:fld>
             <a:endParaRPr lang="en-GB"/>
           </a:p>
@@ -42064,7 +43072,7 @@
 </p:sld>
 </file>
 
-<file path=ppt/slides/slide39.xml><?xml version="1.0" encoding="utf-8"?>
+<file path=ppt/slides/slide41.xml><?xml version="1.0" encoding="utf-8"?>
 <p:sld xmlns:a="http://schemas.openxmlformats.org/drawingml/2006/main" xmlns:r="http://schemas.openxmlformats.org/officeDocument/2006/relationships" xmlns:p="http://schemas.openxmlformats.org/presentationml/2006/main">
   <p:cSld>
     <p:spTree>
@@ -42157,7 +43165,7 @@
             <a:fld id="{D9B8CB04-7B95-2844-BD15-B133C35E4786}" type="slidenum">
               <a:rPr lang="en-GB" smtClean="0"/>
               <a:pPr/>
-              <a:t>39</a:t>
+              <a:t>41</a:t>
             </a:fld>
             <a:endParaRPr lang="en-GB"/>
           </a:p>
@@ -42869,7 +43877,7 @@
 </p:sld>
 </file>
 
-<file path=ppt/slides/slide4.xml><?xml version="1.0" encoding="utf-8"?>
+<file path=ppt/slides/slide42.xml><?xml version="1.0" encoding="utf-8"?>
 <p:sld xmlns:a="http://schemas.openxmlformats.org/drawingml/2006/main" xmlns:r="http://schemas.openxmlformats.org/officeDocument/2006/relationships" xmlns:p="http://schemas.openxmlformats.org/presentationml/2006/main">
   <p:cSld>
     <p:spTree>
@@ -42903,7 +43911,7 @@
           <a:p>
             <a:r>
               <a:rPr lang="en-GB" dirty="0" smtClean="0"/>
-              <a:t>Sparse linear solvers</a:t>
+              <a:t>Sparse matrix ABFT Results</a:t>
             </a:r>
             <a:endParaRPr lang="en-GB" dirty="0"/>
           </a:p>
@@ -42919,77 +43927,65 @@
             <p:ph idx="1"/>
           </p:nvPr>
         </p:nvSpPr>
-        <p:spPr/>
+        <p:spPr>
+          <a:xfrm>
+            <a:off x="457200" y="1270000"/>
+            <a:ext cx="8229600" cy="1473200"/>
+          </a:xfrm>
+        </p:spPr>
         <p:txBody>
           <a:bodyPr/>
           <a:lstStyle/>
           <a:p>
             <a:r>
-              <a:rPr lang="en-GB" sz="2800" dirty="0" smtClean="0"/>
-              <a:t>Even for very sparse matrices, the majority of the application data will be in the matrix</a:t>
-            </a:r>
-          </a:p>
-          <a:p>
-            <a:pPr lvl="1"/>
-            <a:r>
-              <a:rPr lang="en-GB" sz="2400" dirty="0" smtClean="0"/>
-              <a:t>0.01% of a 10M x 10M matrix is three orders of magnitude larger than a 10M element vector</a:t>
-            </a:r>
-          </a:p>
-          <a:p>
-            <a:r>
-              <a:rPr lang="en-GB" dirty="0" smtClean="0"/>
-              <a:t>This means that:</a:t>
-            </a:r>
-          </a:p>
-          <a:p>
-            <a:pPr marL="914400" lvl="1" indent="-457200">
-              <a:buFont typeface="+mj-lt"/>
-              <a:buAutoNum type="arabicPeriod"/>
-            </a:pPr>
-            <a:r>
-              <a:rPr lang="en-GB" sz="2400" dirty="0" smtClean="0"/>
-              <a:t>Sparse matrix-vector products (</a:t>
-            </a:r>
-            <a:r>
-              <a:rPr lang="en-GB" sz="2400" dirty="0" err="1" smtClean="0"/>
-              <a:t>SpMV</a:t>
-            </a:r>
-            <a:r>
-              <a:rPr lang="en-GB" sz="2400" dirty="0" smtClean="0"/>
-              <a:t>) will account for the majority of the runtime in these iterative solvers</a:t>
-            </a:r>
-          </a:p>
-          <a:p>
-            <a:pPr marL="914400" lvl="1" indent="-457200">
-              <a:buFont typeface="+mj-lt"/>
-              <a:buAutoNum type="arabicPeriod"/>
-            </a:pPr>
-            <a:r>
-              <a:rPr lang="en-GB" sz="2400" dirty="0" smtClean="0"/>
-              <a:t>The sparse matrix data will be the most likely candidate for suffering a </a:t>
-            </a:r>
-            <a:r>
-              <a:rPr lang="en-GB" sz="2400" b="1" dirty="0" smtClean="0">
-                <a:solidFill>
-                  <a:srgbClr val="FF0000"/>
-                </a:solidFill>
-              </a:rPr>
-              <a:t>silent data corruption</a:t>
-            </a:r>
-            <a:r>
-              <a:rPr lang="en-GB" sz="2400" dirty="0" smtClean="0"/>
+              <a:rPr lang="en-GB" sz="2000" dirty="0" smtClean="0"/>
+              <a:t>Performance collected using a CG solver in </a:t>
+            </a:r>
+            <a:r>
+              <a:rPr lang="en-GB" sz="2000" dirty="0" err="1" smtClean="0"/>
+              <a:t>TeaLeaf</a:t>
+            </a:r>
+            <a:r>
+              <a:rPr lang="en-GB" sz="2000" dirty="0" smtClean="0"/>
               <a:t> (</a:t>
             </a:r>
             <a:r>
-              <a:rPr lang="en-GB" sz="2400" b="1" dirty="0" smtClean="0"/>
-              <a:t>SDC</a:t>
-            </a:r>
-            <a:r>
-              <a:rPr lang="en-GB" sz="2400" dirty="0" smtClean="0"/>
-              <a:t>)</a:t>
-            </a:r>
-            <a:endParaRPr lang="en-GB" sz="2400" dirty="0"/>
+              <a:rPr lang="en-GB" sz="2000" dirty="0"/>
+              <a:t>h</a:t>
+            </a:r>
+            <a:r>
+              <a:rPr lang="en-GB" sz="2000" dirty="0" smtClean="0"/>
+              <a:t>ydrodynamics mini-app from </a:t>
+            </a:r>
+            <a:r>
+              <a:rPr lang="en-GB" sz="2000" dirty="0" err="1" smtClean="0"/>
+              <a:t>Mantevo</a:t>
+            </a:r>
+            <a:r>
+              <a:rPr lang="en-GB" sz="2000" dirty="0" smtClean="0"/>
+              <a:t> benchmark suite)</a:t>
+            </a:r>
+          </a:p>
+          <a:p>
+            <a:r>
+              <a:rPr lang="en-GB" sz="2000" dirty="0" smtClean="0"/>
+              <a:t>x86: Intel </a:t>
+            </a:r>
+            <a:r>
+              <a:rPr lang="is-IS" sz="2000" dirty="0"/>
+              <a:t>E5-</a:t>
+            </a:r>
+            <a:r>
+              <a:rPr lang="is-IS" sz="2000" dirty="0" smtClean="0"/>
+              <a:t>2670, 16-cores @ 2.6GHz</a:t>
+            </a:r>
+          </a:p>
+          <a:p>
+            <a:r>
+              <a:rPr lang="is-IS" sz="2000" dirty="0" smtClean="0"/>
+              <a:t>ARM32:  Samsung Exynos 5 dual Cortex-A15</a:t>
+            </a:r>
+            <a:endParaRPr lang="en-GB" sz="2000" dirty="0"/>
           </a:p>
         </p:txBody>
       </p:sp>
@@ -43011,16 +44007,409 @@
             <a:fld id="{D9B8CB04-7B95-2844-BD15-B133C35E4786}" type="slidenum">
               <a:rPr lang="en-GB" smtClean="0"/>
               <a:pPr/>
-              <a:t>4</a:t>
+              <a:t>42</a:t>
             </a:fld>
             <a:endParaRPr lang="en-GB"/>
           </a:p>
         </p:txBody>
       </p:sp>
+      <p:graphicFrame>
+        <p:nvGraphicFramePr>
+          <p:cNvPr id="6" name="Content Placeholder 3"/>
+          <p:cNvGraphicFramePr>
+            <a:graphicFrameLocks/>
+          </p:cNvGraphicFramePr>
+          <p:nvPr>
+            <p:extLst>
+              <p:ext uri="{D42A27DB-BD31-4B8C-83A1-F6EECF244321}">
+                <p14:modId xmlns:p14="http://schemas.microsoft.com/office/powerpoint/2010/main" val="3489410578"/>
+              </p:ext>
+            </p:extLst>
+          </p:nvPr>
+        </p:nvGraphicFramePr>
+        <p:xfrm>
+          <a:off x="458823" y="3172403"/>
+          <a:ext cx="8227976" cy="1542664"/>
+        </p:xfrm>
+        <a:graphic>
+          <a:graphicData uri="http://schemas.openxmlformats.org/drawingml/2006/table">
+            <a:tbl>
+              <a:tblPr firstRow="1" bandRow="1">
+                <a:tableStyleId>{5C22544A-7EE6-4342-B048-85BDC9FD1C3A}</a:tableStyleId>
+              </a:tblPr>
+              <a:tblGrid>
+                <a:gridCol w="1696897"/>
+                <a:gridCol w="1871277"/>
+                <a:gridCol w="2080918"/>
+                <a:gridCol w="2578884"/>
+              </a:tblGrid>
+              <a:tr h="385666">
+                <a:tc>
+                  <a:txBody>
+                    <a:bodyPr/>
+                    <a:lstStyle/>
+                    <a:p>
+                      <a:r>
+                        <a:rPr lang="en-GB" dirty="0" smtClean="0">
+                          <a:solidFill>
+                            <a:srgbClr val="31747B"/>
+                          </a:solidFill>
+                        </a:rPr>
+                        <a:t>Scheme</a:t>
+                      </a:r>
+                      <a:endParaRPr lang="en-GB" dirty="0">
+                        <a:solidFill>
+                          <a:srgbClr val="31747B"/>
+                        </a:solidFill>
+                      </a:endParaRPr>
+                    </a:p>
+                  </a:txBody>
+                  <a:tcPr/>
+                </a:tc>
+                <a:tc>
+                  <a:txBody>
+                    <a:bodyPr/>
+                    <a:lstStyle/>
+                    <a:p>
+                      <a:r>
+                        <a:rPr lang="en-GB" dirty="0" smtClean="0">
+                          <a:solidFill>
+                            <a:srgbClr val="31747B"/>
+                          </a:solidFill>
+                        </a:rPr>
+                        <a:t>Bits needed</a:t>
+                      </a:r>
+                      <a:endParaRPr lang="en-GB" dirty="0">
+                        <a:solidFill>
+                          <a:srgbClr val="31747B"/>
+                        </a:solidFill>
+                      </a:endParaRPr>
+                    </a:p>
+                  </a:txBody>
+                  <a:tcPr/>
+                </a:tc>
+                <a:tc>
+                  <a:txBody>
+                    <a:bodyPr/>
+                    <a:lstStyle/>
+                    <a:p>
+                      <a:r>
+                        <a:rPr lang="en-GB" dirty="0" smtClean="0">
+                          <a:solidFill>
+                            <a:srgbClr val="31747B"/>
+                          </a:solidFill>
+                        </a:rPr>
+                        <a:t>x86</a:t>
+                      </a:r>
+                      <a:r>
+                        <a:rPr lang="en-GB" baseline="0" dirty="0" smtClean="0">
+                          <a:solidFill>
+                            <a:srgbClr val="31747B"/>
+                          </a:solidFill>
+                        </a:rPr>
+                        <a:t> overhead</a:t>
+                      </a:r>
+                      <a:endParaRPr lang="en-GB" dirty="0">
+                        <a:solidFill>
+                          <a:srgbClr val="31747B"/>
+                        </a:solidFill>
+                      </a:endParaRPr>
+                    </a:p>
+                  </a:txBody>
+                  <a:tcPr/>
+                </a:tc>
+                <a:tc>
+                  <a:txBody>
+                    <a:bodyPr/>
+                    <a:lstStyle/>
+                    <a:p>
+                      <a:r>
+                        <a:rPr lang="en-GB" dirty="0" smtClean="0">
+                          <a:solidFill>
+                            <a:srgbClr val="31747B"/>
+                          </a:solidFill>
+                        </a:rPr>
+                        <a:t>ARM32 overhead</a:t>
+                      </a:r>
+                      <a:endParaRPr lang="en-GB" dirty="0">
+                        <a:solidFill>
+                          <a:srgbClr val="31747B"/>
+                        </a:solidFill>
+                      </a:endParaRPr>
+                    </a:p>
+                  </a:txBody>
+                  <a:tcPr/>
+                </a:tc>
+              </a:tr>
+              <a:tr h="385666">
+                <a:tc>
+                  <a:txBody>
+                    <a:bodyPr/>
+                    <a:lstStyle/>
+                    <a:p>
+                      <a:r>
+                        <a:rPr lang="en-GB" dirty="0" smtClean="0"/>
+                        <a:t>Constraints</a:t>
+                      </a:r>
+                    </a:p>
+                  </a:txBody>
+                  <a:tcPr/>
+                </a:tc>
+                <a:tc>
+                  <a:txBody>
+                    <a:bodyPr/>
+                    <a:lstStyle/>
+                    <a:p>
+                      <a:pPr algn="ctr"/>
+                      <a:r>
+                        <a:rPr lang="en-GB" dirty="0" smtClean="0"/>
+                        <a:t>0</a:t>
+                      </a:r>
+                    </a:p>
+                  </a:txBody>
+                  <a:tcPr/>
+                </a:tc>
+                <a:tc>
+                  <a:txBody>
+                    <a:bodyPr/>
+                    <a:lstStyle/>
+                    <a:p>
+                      <a:pPr algn="ctr" fontAlgn="b"/>
+                      <a:r>
+                        <a:rPr lang="nb-NO" sz="1800" b="0" i="0" u="none" strike="noStrike" dirty="0" smtClean="0">
+                          <a:solidFill>
+                            <a:srgbClr val="000000"/>
+                          </a:solidFill>
+                          <a:effectLst/>
+                          <a:latin typeface="+mn-lt"/>
+                        </a:rPr>
+                        <a:t>1.00x</a:t>
+                      </a:r>
+                      <a:endParaRPr lang="nb-NO" sz="1800" b="0" i="0" u="none" strike="noStrike" dirty="0">
+                        <a:solidFill>
+                          <a:srgbClr val="000000"/>
+                        </a:solidFill>
+                        <a:effectLst/>
+                        <a:latin typeface="+mn-lt"/>
+                      </a:endParaRPr>
+                    </a:p>
+                  </a:txBody>
+                  <a:tcPr marL="12700" marR="12700" marT="12700" marB="0" anchor="b"/>
+                </a:tc>
+                <a:tc>
+                  <a:txBody>
+                    <a:bodyPr/>
+                    <a:lstStyle/>
+                    <a:p>
+                      <a:pPr algn="ctr" fontAlgn="b"/>
+                      <a:r>
+                        <a:rPr lang="en-GB" sz="1800" b="0" i="0" u="none" strike="noStrike" dirty="0" smtClean="0">
+                          <a:solidFill>
+                            <a:srgbClr val="000000"/>
+                          </a:solidFill>
+                          <a:effectLst/>
+                          <a:latin typeface="+mn-lt"/>
+                        </a:rPr>
+                        <a:t>1.07x</a:t>
+                      </a:r>
+                      <a:endParaRPr lang="uk-UA" sz="1800" b="0" i="0" u="none" strike="noStrike" dirty="0">
+                        <a:solidFill>
+                          <a:srgbClr val="000000"/>
+                        </a:solidFill>
+                        <a:effectLst/>
+                        <a:latin typeface="+mn-lt"/>
+                      </a:endParaRPr>
+                    </a:p>
+                  </a:txBody>
+                  <a:tcPr marL="12700" marR="12700" marT="12700" marB="0" anchor="b"/>
+                </a:tc>
+              </a:tr>
+              <a:tr h="385666">
+                <a:tc>
+                  <a:txBody>
+                    <a:bodyPr/>
+                    <a:lstStyle/>
+                    <a:p>
+                      <a:r>
+                        <a:rPr lang="en-GB" dirty="0" smtClean="0"/>
+                        <a:t>SED</a:t>
+                      </a:r>
+                    </a:p>
+                  </a:txBody>
+                  <a:tcPr/>
+                </a:tc>
+                <a:tc>
+                  <a:txBody>
+                    <a:bodyPr/>
+                    <a:lstStyle/>
+                    <a:p>
+                      <a:pPr algn="ctr"/>
+                      <a:r>
+                        <a:rPr lang="en-GB" dirty="0" smtClean="0"/>
+                        <a:t>1</a:t>
+                      </a:r>
+                    </a:p>
+                  </a:txBody>
+                  <a:tcPr/>
+                </a:tc>
+                <a:tc>
+                  <a:txBody>
+                    <a:bodyPr/>
+                    <a:lstStyle/>
+                    <a:p>
+                      <a:pPr algn="ctr" fontAlgn="b"/>
+                      <a:r>
+                        <a:rPr lang="nb-NO" sz="1800" b="0" i="0" u="none" strike="noStrike" dirty="0" smtClean="0">
+                          <a:solidFill>
+                            <a:srgbClr val="000000"/>
+                          </a:solidFill>
+                          <a:effectLst/>
+                          <a:latin typeface="+mn-lt"/>
+                        </a:rPr>
+                        <a:t>1.01x</a:t>
+                      </a:r>
+                      <a:endParaRPr lang="nb-NO" sz="1800" b="0" i="0" u="none" strike="noStrike" dirty="0">
+                        <a:solidFill>
+                          <a:srgbClr val="000000"/>
+                        </a:solidFill>
+                        <a:effectLst/>
+                        <a:latin typeface="+mn-lt"/>
+                      </a:endParaRPr>
+                    </a:p>
+                  </a:txBody>
+                  <a:tcPr marL="12700" marR="12700" marT="12700" marB="0" anchor="b"/>
+                </a:tc>
+                <a:tc>
+                  <a:txBody>
+                    <a:bodyPr/>
+                    <a:lstStyle/>
+                    <a:p>
+                      <a:pPr algn="ctr" fontAlgn="b"/>
+                      <a:r>
+                        <a:rPr lang="uk-UA" sz="1800" b="0" i="0" u="none" strike="noStrike" dirty="0" smtClean="0">
+                          <a:solidFill>
+                            <a:srgbClr val="000000"/>
+                          </a:solidFill>
+                          <a:effectLst/>
+                          <a:latin typeface="+mn-lt"/>
+                        </a:rPr>
+                        <a:t>1.</a:t>
+                      </a:r>
+                      <a:r>
+                        <a:rPr lang="en-GB" sz="1800" b="0" i="0" u="none" strike="noStrike" dirty="0" smtClean="0">
+                          <a:solidFill>
+                            <a:srgbClr val="000000"/>
+                          </a:solidFill>
+                          <a:effectLst/>
+                          <a:latin typeface="+mn-lt"/>
+                        </a:rPr>
+                        <a:t>28x</a:t>
+                      </a:r>
+                      <a:endParaRPr lang="uk-UA" sz="1800" b="0" i="0" u="none" strike="noStrike" dirty="0">
+                        <a:solidFill>
+                          <a:srgbClr val="000000"/>
+                        </a:solidFill>
+                        <a:effectLst/>
+                        <a:latin typeface="+mn-lt"/>
+                      </a:endParaRPr>
+                    </a:p>
+                  </a:txBody>
+                  <a:tcPr marL="12700" marR="12700" marT="12700" marB="0" anchor="b"/>
+                </a:tc>
+              </a:tr>
+              <a:tr h="385666">
+                <a:tc>
+                  <a:txBody>
+                    <a:bodyPr/>
+                    <a:lstStyle/>
+                    <a:p>
+                      <a:r>
+                        <a:rPr lang="en-GB" b="1" dirty="0" smtClean="0"/>
+                        <a:t>SEC 7-bit</a:t>
+                      </a:r>
+                      <a:endParaRPr lang="en-GB" b="1" dirty="0"/>
+                    </a:p>
+                  </a:txBody>
+                  <a:tcPr/>
+                </a:tc>
+                <a:tc>
+                  <a:txBody>
+                    <a:bodyPr/>
+                    <a:lstStyle/>
+                    <a:p>
+                      <a:pPr algn="ctr"/>
+                      <a:r>
+                        <a:rPr lang="en-GB" b="1" dirty="0" smtClean="0"/>
+                        <a:t>7</a:t>
+                      </a:r>
+                      <a:endParaRPr lang="en-GB" b="1" dirty="0"/>
+                    </a:p>
+                  </a:txBody>
+                  <a:tcPr/>
+                </a:tc>
+                <a:tc>
+                  <a:txBody>
+                    <a:bodyPr/>
+                    <a:lstStyle/>
+                    <a:p>
+                      <a:pPr algn="ctr" fontAlgn="b"/>
+                      <a:r>
+                        <a:rPr lang="hr-HR" sz="1800" b="1" i="0" u="none" strike="noStrike" dirty="0" smtClean="0">
+                          <a:solidFill>
+                            <a:srgbClr val="000000"/>
+                          </a:solidFill>
+                          <a:effectLst/>
+                          <a:latin typeface="+mn-lt"/>
+                        </a:rPr>
+                        <a:t>2.61x</a:t>
+                      </a:r>
+                      <a:endParaRPr lang="hr-HR" sz="1800" b="1" i="0" u="none" strike="noStrike" dirty="0">
+                        <a:solidFill>
+                          <a:srgbClr val="000000"/>
+                        </a:solidFill>
+                        <a:effectLst/>
+                        <a:latin typeface="+mn-lt"/>
+                      </a:endParaRPr>
+                    </a:p>
+                  </a:txBody>
+                  <a:tcPr marL="12700" marR="12700" marT="12700" marB="0" anchor="b"/>
+                </a:tc>
+                <a:tc>
+                  <a:txBody>
+                    <a:bodyPr/>
+                    <a:lstStyle/>
+                    <a:p>
+                      <a:pPr algn="ctr" fontAlgn="b"/>
+                      <a:r>
+                        <a:rPr lang="hr-HR" sz="1800" b="1" i="0" u="none" strike="noStrike" dirty="0" smtClean="0">
+                          <a:solidFill>
+                            <a:srgbClr val="000000"/>
+                          </a:solidFill>
+                          <a:effectLst/>
+                          <a:latin typeface="+mn-lt"/>
+                        </a:rPr>
+                        <a:t>4.27x</a:t>
+                      </a:r>
+                      <a:endParaRPr lang="hr-HR" sz="1800" b="1" i="0" u="none" strike="noStrike" dirty="0">
+                        <a:solidFill>
+                          <a:srgbClr val="000000"/>
+                        </a:solidFill>
+                        <a:effectLst/>
+                        <a:latin typeface="+mn-lt"/>
+                      </a:endParaRPr>
+                    </a:p>
+                  </a:txBody>
+                  <a:tcPr marL="12700" marR="12700" marT="12700" marB="0" anchor="b"/>
+                </a:tc>
+              </a:tr>
+            </a:tbl>
+          </a:graphicData>
+        </a:graphic>
+      </p:graphicFrame>
     </p:spTree>
     <p:extLst>
       <p:ext uri="{BB962C8B-B14F-4D97-AF65-F5344CB8AC3E}">
-        <p14:creationId xmlns:p14="http://schemas.microsoft.com/office/powerpoint/2010/main" val="2132030885"/>
+        <p14:creationId xmlns:p14="http://schemas.microsoft.com/office/powerpoint/2010/main" val="1333219248"/>
       </p:ext>
     </p:extLst>
   </p:cSld>
@@ -43035,449 +44424,6 @@
       <p:transition xmlns:p14="http://schemas.microsoft.com/office/powerpoint/2010/main" spd="slow"/>
     </mc:Fallback>
   </mc:AlternateContent>
-</p:sld>
-</file>
-
-<file path=ppt/slides/slide40.xml><?xml version="1.0" encoding="utf-8"?>
-<p:sld xmlns:a="http://schemas.openxmlformats.org/drawingml/2006/main" xmlns:r="http://schemas.openxmlformats.org/officeDocument/2006/relationships" xmlns:p="http://schemas.openxmlformats.org/presentationml/2006/main">
-  <p:cSld>
-    <p:spTree>
-      <p:nvGrpSpPr>
-        <p:cNvPr id="1" name=""/>
-        <p:cNvGrpSpPr/>
-        <p:nvPr/>
-      </p:nvGrpSpPr>
-      <p:grpSpPr>
-        <a:xfrm>
-          <a:off x="0" y="0"/>
-          <a:ext cx="0" cy="0"/>
-          <a:chOff x="0" y="0"/>
-          <a:chExt cx="0" cy="0"/>
-        </a:xfrm>
-      </p:grpSpPr>
-      <p:sp>
-        <p:nvSpPr>
-          <p:cNvPr id="2" name="Title 1"/>
-          <p:cNvSpPr>
-            <a:spLocks noGrp="1"/>
-          </p:cNvSpPr>
-          <p:nvPr>
-            <p:ph type="title"/>
-          </p:nvPr>
-        </p:nvSpPr>
-        <p:spPr/>
-        <p:txBody>
-          <a:bodyPr/>
-          <a:lstStyle/>
-          <a:p>
-            <a:r>
-              <a:rPr lang="en-GB" sz="4000" dirty="0" smtClean="0"/>
-              <a:t>Hamming codes - implementation</a:t>
-            </a:r>
-            <a:endParaRPr lang="en-GB" sz="4000" dirty="0"/>
-          </a:p>
-        </p:txBody>
-      </p:sp>
-      <p:sp>
-        <p:nvSpPr>
-          <p:cNvPr id="3" name="Content Placeholder 2"/>
-          <p:cNvSpPr>
-            <a:spLocks noGrp="1"/>
-          </p:cNvSpPr>
-          <p:nvPr>
-            <p:ph idx="1"/>
-          </p:nvPr>
-        </p:nvSpPr>
-        <p:spPr/>
-        <p:txBody>
-          <a:bodyPr/>
-          <a:lstStyle/>
-          <a:p>
-            <a:r>
-              <a:rPr lang="en-GB" sz="2600" dirty="0" smtClean="0"/>
-              <a:t>Even with this optimisation, we are still performing eight 32-bit integer operations for each parity bit</a:t>
-            </a:r>
-          </a:p>
-          <a:p>
-            <a:r>
-              <a:rPr lang="en-GB" sz="2600" dirty="0" smtClean="0"/>
-              <a:t>This is still too expensive</a:t>
-            </a:r>
-          </a:p>
-          <a:p>
-            <a:r>
-              <a:rPr lang="en-GB" sz="2600" dirty="0" smtClean="0"/>
-              <a:t>We can further reduce the overheads by adding one more parity bit which covers the whole </a:t>
-            </a:r>
-            <a:r>
-              <a:rPr lang="en-GB" sz="2600" dirty="0" err="1" smtClean="0"/>
-              <a:t>codeword</a:t>
-            </a:r>
-            <a:endParaRPr lang="en-GB" sz="2600" dirty="0" smtClean="0"/>
-          </a:p>
-          <a:p>
-            <a:r>
-              <a:rPr lang="en-GB" sz="2600" dirty="0" smtClean="0"/>
-              <a:t>We can use this extra bit to check whether or not an error has occurred</a:t>
-            </a:r>
-          </a:p>
-          <a:p>
-            <a:r>
-              <a:rPr lang="en-GB" sz="2600" dirty="0" smtClean="0"/>
-              <a:t>Only if this overall parity check fails will we check the other seven parity bits to work out </a:t>
-            </a:r>
-            <a:r>
-              <a:rPr lang="en-GB" sz="2600" b="1" i="1" dirty="0" smtClean="0"/>
-              <a:t>which</a:t>
-            </a:r>
-            <a:r>
-              <a:rPr lang="en-GB" sz="2600" dirty="0" smtClean="0"/>
-              <a:t> bit contains the error</a:t>
-            </a:r>
-          </a:p>
-        </p:txBody>
-      </p:sp>
-      <p:sp>
-        <p:nvSpPr>
-          <p:cNvPr id="4" name="Slide Number Placeholder 3"/>
-          <p:cNvSpPr>
-            <a:spLocks noGrp="1"/>
-          </p:cNvSpPr>
-          <p:nvPr>
-            <p:ph type="sldNum" sz="quarter" idx="10"/>
-          </p:nvPr>
-        </p:nvSpPr>
-        <p:spPr/>
-        <p:txBody>
-          <a:bodyPr/>
-          <a:lstStyle/>
-          <a:p>
-            <a:fld id="{D9B8CB04-7B95-2844-BD15-B133C35E4786}" type="slidenum">
-              <a:rPr lang="en-GB" smtClean="0"/>
-              <a:pPr/>
-              <a:t>40</a:t>
-            </a:fld>
-            <a:endParaRPr lang="en-GB"/>
-          </a:p>
-        </p:txBody>
-      </p:sp>
-    </p:spTree>
-    <p:extLst>
-      <p:ext uri="{BB962C8B-B14F-4D97-AF65-F5344CB8AC3E}">
-        <p14:creationId xmlns:p14="http://schemas.microsoft.com/office/powerpoint/2010/main" val="3801112716"/>
-      </p:ext>
-    </p:extLst>
-  </p:cSld>
-  <p:clrMapOvr>
-    <a:masterClrMapping/>
-  </p:clrMapOvr>
-  <mc:AlternateContent xmlns:mc="http://schemas.openxmlformats.org/markup-compatibility/2006" xmlns:p14="http://schemas.microsoft.com/office/powerpoint/2010/main">
-    <mc:Choice Requires="p14">
-      <p:transition spd="slow" p14:dur="2000"/>
-    </mc:Choice>
-    <mc:Fallback xmlns="">
-      <p:transition xmlns:p14="http://schemas.microsoft.com/office/powerpoint/2010/main" spd="slow"/>
-    </mc:Fallback>
-  </mc:AlternateContent>
-  <p:timing>
-    <p:tnLst>
-      <p:par>
-        <p:cTn xmlns:p14="http://schemas.microsoft.com/office/powerpoint/2010/main" id="1" dur="indefinite" restart="never" nodeType="tmRoot"/>
-      </p:par>
-    </p:tnLst>
-  </p:timing>
-</p:sld>
-</file>
-
-<file path=ppt/slides/slide41.xml><?xml version="1.0" encoding="utf-8"?>
-<p:sld xmlns:a="http://schemas.openxmlformats.org/drawingml/2006/main" xmlns:r="http://schemas.openxmlformats.org/officeDocument/2006/relationships" xmlns:p="http://schemas.openxmlformats.org/presentationml/2006/main">
-  <p:cSld>
-    <p:spTree>
-      <p:nvGrpSpPr>
-        <p:cNvPr id="1" name=""/>
-        <p:cNvGrpSpPr/>
-        <p:nvPr/>
-      </p:nvGrpSpPr>
-      <p:grpSpPr>
-        <a:xfrm>
-          <a:off x="0" y="0"/>
-          <a:ext cx="0" cy="0"/>
-          <a:chOff x="0" y="0"/>
-          <a:chExt cx="0" cy="0"/>
-        </a:xfrm>
-      </p:grpSpPr>
-      <p:sp>
-        <p:nvSpPr>
-          <p:cNvPr id="2" name="Title 1"/>
-          <p:cNvSpPr>
-            <a:spLocks noGrp="1"/>
-          </p:cNvSpPr>
-          <p:nvPr>
-            <p:ph type="title"/>
-          </p:nvPr>
-        </p:nvSpPr>
-        <p:spPr/>
-        <p:txBody>
-          <a:bodyPr/>
-          <a:lstStyle/>
-          <a:p>
-            <a:r>
-              <a:rPr lang="en-GB" sz="4000" dirty="0" smtClean="0"/>
-              <a:t>Hamming codes - SECDED</a:t>
-            </a:r>
-            <a:endParaRPr lang="en-GB" sz="4000" dirty="0"/>
-          </a:p>
-        </p:txBody>
-      </p:sp>
-      <p:sp>
-        <p:nvSpPr>
-          <p:cNvPr id="3" name="Content Placeholder 2"/>
-          <p:cNvSpPr>
-            <a:spLocks noGrp="1"/>
-          </p:cNvSpPr>
-          <p:nvPr>
-            <p:ph idx="1"/>
-          </p:nvPr>
-        </p:nvSpPr>
-        <p:spPr/>
-        <p:txBody>
-          <a:bodyPr/>
-          <a:lstStyle/>
-          <a:p>
-            <a:r>
-              <a:rPr lang="en-GB" sz="2400" dirty="0" smtClean="0"/>
-              <a:t>An alternative use of this overall parity bit would be to </a:t>
-            </a:r>
-            <a:r>
-              <a:rPr lang="en-GB" sz="2400" b="1" dirty="0" smtClean="0">
-                <a:solidFill>
-                  <a:srgbClr val="0000FF"/>
-                </a:solidFill>
-              </a:rPr>
-              <a:t>detect double-bit errors </a:t>
-            </a:r>
-            <a:r>
-              <a:rPr lang="en-GB" sz="2400" dirty="0" smtClean="0"/>
-              <a:t>(SECDED)</a:t>
-            </a:r>
-          </a:p>
-          <a:p>
-            <a:r>
-              <a:rPr lang="en-GB" sz="2400" dirty="0" smtClean="0"/>
-              <a:t>If the overall parity passes, but one of the other parity checks fails, then we have suffered a double-bit error</a:t>
-            </a:r>
-          </a:p>
-          <a:p>
-            <a:pPr lvl="1"/>
-            <a:r>
-              <a:rPr lang="en-GB" sz="2000" dirty="0" smtClean="0"/>
-              <a:t>We cannot correct this error, but we can fail gracefully</a:t>
-            </a:r>
-          </a:p>
-          <a:p>
-            <a:r>
-              <a:rPr lang="en-GB" sz="2400" dirty="0" smtClean="0"/>
-              <a:t>This requires that we always check all eight parity bits, so this is an expensive scheme</a:t>
-            </a:r>
-          </a:p>
-          <a:p>
-            <a:r>
-              <a:rPr lang="en-GB" sz="2400" dirty="0" smtClean="0"/>
-              <a:t>If we can assume that double-bit errors will always be consecutive, then we can use two overall parity bits to make this more efficient</a:t>
-            </a:r>
-          </a:p>
-          <a:p>
-            <a:pPr lvl="1"/>
-            <a:r>
-              <a:rPr lang="en-GB" sz="2000" dirty="0" smtClean="0"/>
-              <a:t>One will cover odd numbered bits, the other even numbered bits</a:t>
-            </a:r>
-          </a:p>
-          <a:p>
-            <a:pPr lvl="1"/>
-            <a:r>
-              <a:rPr lang="en-GB" sz="2000" dirty="0" smtClean="0"/>
-              <a:t>This now requires nine bits in total</a:t>
-            </a:r>
-            <a:endParaRPr lang="en-GB" sz="2000" dirty="0"/>
-          </a:p>
-        </p:txBody>
-      </p:sp>
-      <p:sp>
-        <p:nvSpPr>
-          <p:cNvPr id="4" name="Slide Number Placeholder 3"/>
-          <p:cNvSpPr>
-            <a:spLocks noGrp="1"/>
-          </p:cNvSpPr>
-          <p:nvPr>
-            <p:ph type="sldNum" sz="quarter" idx="10"/>
-          </p:nvPr>
-        </p:nvSpPr>
-        <p:spPr/>
-        <p:txBody>
-          <a:bodyPr/>
-          <a:lstStyle/>
-          <a:p>
-            <a:fld id="{D9B8CB04-7B95-2844-BD15-B133C35E4786}" type="slidenum">
-              <a:rPr lang="en-GB" smtClean="0"/>
-              <a:pPr/>
-              <a:t>41</a:t>
-            </a:fld>
-            <a:endParaRPr lang="en-GB"/>
-          </a:p>
-        </p:txBody>
-      </p:sp>
-    </p:spTree>
-    <p:extLst>
-      <p:ext uri="{BB962C8B-B14F-4D97-AF65-F5344CB8AC3E}">
-        <p14:creationId xmlns:p14="http://schemas.microsoft.com/office/powerpoint/2010/main" val="1612734937"/>
-      </p:ext>
-    </p:extLst>
-  </p:cSld>
-  <p:clrMapOvr>
-    <a:masterClrMapping/>
-  </p:clrMapOvr>
-  <mc:AlternateContent xmlns:mc="http://schemas.openxmlformats.org/markup-compatibility/2006" xmlns:p14="http://schemas.microsoft.com/office/powerpoint/2010/main">
-    <mc:Choice Requires="p14">
-      <p:transition spd="slow" p14:dur="2000"/>
-    </mc:Choice>
-    <mc:Fallback xmlns="">
-      <p:transition xmlns:p14="http://schemas.microsoft.com/office/powerpoint/2010/main" spd="slow"/>
-    </mc:Fallback>
-  </mc:AlternateContent>
-  <p:timing>
-    <p:tnLst>
-      <p:par>
-        <p:cTn xmlns:p14="http://schemas.microsoft.com/office/powerpoint/2010/main" id="1" dur="indefinite" restart="never" nodeType="tmRoot"/>
-      </p:par>
-    </p:tnLst>
-  </p:timing>
-</p:sld>
-</file>
-
-<file path=ppt/slides/slide42.xml><?xml version="1.0" encoding="utf-8"?>
-<p:sld xmlns:a="http://schemas.openxmlformats.org/drawingml/2006/main" xmlns:r="http://schemas.openxmlformats.org/officeDocument/2006/relationships" xmlns:p="http://schemas.openxmlformats.org/presentationml/2006/main" show="0">
-  <p:cSld>
-    <p:spTree>
-      <p:nvGrpSpPr>
-        <p:cNvPr id="1" name=""/>
-        <p:cNvGrpSpPr/>
-        <p:nvPr/>
-      </p:nvGrpSpPr>
-      <p:grpSpPr>
-        <a:xfrm>
-          <a:off x="0" y="0"/>
-          <a:ext cx="0" cy="0"/>
-          <a:chOff x="0" y="0"/>
-          <a:chExt cx="0" cy="0"/>
-        </a:xfrm>
-      </p:grpSpPr>
-      <p:sp>
-        <p:nvSpPr>
-          <p:cNvPr id="2" name="Title 1"/>
-          <p:cNvSpPr>
-            <a:spLocks noGrp="1"/>
-          </p:cNvSpPr>
-          <p:nvPr>
-            <p:ph type="title"/>
-          </p:nvPr>
-        </p:nvSpPr>
-        <p:spPr/>
-        <p:txBody>
-          <a:bodyPr/>
-          <a:lstStyle/>
-          <a:p>
-            <a:r>
-              <a:rPr lang="en-GB" dirty="0" smtClean="0"/>
-              <a:t>Hamming codes</a:t>
-            </a:r>
-            <a:endParaRPr lang="en-GB" dirty="0"/>
-          </a:p>
-        </p:txBody>
-      </p:sp>
-      <p:sp>
-        <p:nvSpPr>
-          <p:cNvPr id="3" name="Content Placeholder 2"/>
-          <p:cNvSpPr>
-            <a:spLocks noGrp="1"/>
-          </p:cNvSpPr>
-          <p:nvPr>
-            <p:ph idx="1"/>
-          </p:nvPr>
-        </p:nvSpPr>
-        <p:spPr/>
-        <p:txBody>
-          <a:bodyPr/>
-          <a:lstStyle/>
-          <a:p>
-            <a:r>
-              <a:rPr lang="en-GB" dirty="0" smtClean="0"/>
-              <a:t>TODO: Example code for 8-bit SEC scheme?</a:t>
-            </a:r>
-          </a:p>
-          <a:p>
-            <a:r>
-              <a:rPr lang="en-GB" dirty="0" smtClean="0"/>
-              <a:t>TODO: Example code for SECDED schemes?</a:t>
-            </a:r>
-          </a:p>
-          <a:p>
-            <a:r>
-              <a:rPr lang="en-GB" dirty="0" smtClean="0"/>
-              <a:t>TODO: Show some performance numbers for the different schemes?</a:t>
-            </a:r>
-          </a:p>
-        </p:txBody>
-      </p:sp>
-      <p:sp>
-        <p:nvSpPr>
-          <p:cNvPr id="4" name="Slide Number Placeholder 3"/>
-          <p:cNvSpPr>
-            <a:spLocks noGrp="1"/>
-          </p:cNvSpPr>
-          <p:nvPr>
-            <p:ph type="sldNum" sz="quarter" idx="10"/>
-          </p:nvPr>
-        </p:nvSpPr>
-        <p:spPr/>
-        <p:txBody>
-          <a:bodyPr/>
-          <a:lstStyle/>
-          <a:p>
-            <a:fld id="{D9B8CB04-7B95-2844-BD15-B133C35E4786}" type="slidenum">
-              <a:rPr lang="en-GB" smtClean="0"/>
-              <a:pPr/>
-              <a:t>42</a:t>
-            </a:fld>
-            <a:endParaRPr lang="en-GB"/>
-          </a:p>
-        </p:txBody>
-      </p:sp>
-    </p:spTree>
-    <p:extLst>
-      <p:ext uri="{BB962C8B-B14F-4D97-AF65-F5344CB8AC3E}">
-        <p14:creationId xmlns:p14="http://schemas.microsoft.com/office/powerpoint/2010/main" val="2505041799"/>
-      </p:ext>
-    </p:extLst>
-  </p:cSld>
-  <p:clrMapOvr>
-    <a:masterClrMapping/>
-  </p:clrMapOvr>
-  <mc:AlternateContent xmlns:mc="http://schemas.openxmlformats.org/markup-compatibility/2006" xmlns:p14="http://schemas.microsoft.com/office/powerpoint/2010/main">
-    <mc:Choice Requires="p14">
-      <p:transition spd="slow" p14:dur="2000"/>
-    </mc:Choice>
-    <mc:Fallback xmlns="">
-      <p:transition xmlns:p14="http://schemas.microsoft.com/office/powerpoint/2010/main" spd="slow"/>
-    </mc:Fallback>
-  </mc:AlternateContent>
-  <p:timing>
-    <p:tnLst>
-      <p:par>
-        <p:cTn xmlns:p14="http://schemas.microsoft.com/office/powerpoint/2010/main" id="1" dur="indefinite" restart="never" nodeType="tmRoot"/>
-      </p:par>
-    </p:tnLst>
-  </p:timing>
 </p:sld>
 </file>
 
@@ -43514,10 +44460,10 @@
           <a:lstStyle/>
           <a:p>
             <a:r>
-              <a:rPr lang="en-GB" dirty="0" smtClean="0"/>
-              <a:t>Software ECC exercise</a:t>
-            </a:r>
-            <a:endParaRPr lang="en-GB" dirty="0"/>
+              <a:rPr lang="en-GB" sz="4000" dirty="0" smtClean="0"/>
+              <a:t>Hamming codes - implementation</a:t>
+            </a:r>
+            <a:endParaRPr lang="en-GB" sz="4000" dirty="0"/>
           </a:p>
         </p:txBody>
       </p:sp>
@@ -43537,50 +44483,45 @@
           <a:lstStyle/>
           <a:p>
             <a:r>
-              <a:rPr lang="en-GB" dirty="0" smtClean="0"/>
-              <a:t>Using the provided CG code as a starting point, add ECC to make the code more tolerant to silent data corruption</a:t>
-            </a:r>
-          </a:p>
-          <a:p>
-            <a:r>
-              <a:rPr lang="en-GB" dirty="0" smtClean="0"/>
-              <a:t>There </a:t>
-            </a:r>
-            <a:r>
-              <a:rPr lang="en-GB" dirty="0"/>
-              <a:t>are two changes to make:</a:t>
-            </a:r>
-          </a:p>
-          <a:p>
-            <a:pPr marL="971550" lvl="1" indent="-514350">
-              <a:buFont typeface="+mj-lt"/>
-              <a:buAutoNum type="arabicPeriod"/>
-            </a:pPr>
-            <a:r>
-              <a:rPr lang="en-GB" dirty="0"/>
-              <a:t>Generate parity bits for each matrix element and store them in the high order bits of the column index</a:t>
-            </a:r>
-          </a:p>
-          <a:p>
-            <a:pPr marL="971550" lvl="1" indent="-514350">
-              <a:buFont typeface="+mj-lt"/>
-              <a:buAutoNum type="arabicPeriod"/>
-            </a:pPr>
-            <a:r>
-              <a:rPr lang="en-GB" dirty="0"/>
-              <a:t>Modify the </a:t>
-            </a:r>
-            <a:r>
-              <a:rPr lang="en-GB" dirty="0" err="1"/>
-              <a:t>SpMV</a:t>
-            </a:r>
-            <a:r>
-              <a:rPr lang="en-GB" dirty="0"/>
-              <a:t> function to check the parity bits and then correct any errors that are </a:t>
-            </a:r>
-            <a:r>
-              <a:rPr lang="en-GB" dirty="0" smtClean="0"/>
-              <a:t>found</a:t>
+              <a:rPr lang="en-GB" sz="2600" dirty="0" smtClean="0"/>
+              <a:t>Even with this optimisation, we are still performing eight 32-bit integer operations for each parity bit</a:t>
+            </a:r>
+          </a:p>
+          <a:p>
+            <a:r>
+              <a:rPr lang="en-GB" sz="2600" dirty="0" smtClean="0"/>
+              <a:t>This is still too expensive</a:t>
+            </a:r>
+          </a:p>
+          <a:p>
+            <a:r>
+              <a:rPr lang="en-GB" sz="2600" dirty="0" smtClean="0"/>
+              <a:t>We can further reduce the overheads by adding one more parity bit which covers the whole </a:t>
+            </a:r>
+            <a:r>
+              <a:rPr lang="en-GB" sz="2600" dirty="0" err="1" smtClean="0"/>
+              <a:t>codeword</a:t>
+            </a:r>
+            <a:endParaRPr lang="en-GB" sz="2600" dirty="0" smtClean="0"/>
+          </a:p>
+          <a:p>
+            <a:r>
+              <a:rPr lang="en-GB" sz="2600" dirty="0" smtClean="0"/>
+              <a:t>We can use this extra bit to check whether or not an error has occurred</a:t>
+            </a:r>
+          </a:p>
+          <a:p>
+            <a:r>
+              <a:rPr lang="en-GB" sz="2600" dirty="0" smtClean="0"/>
+              <a:t>Only if this overall parity check fails will we check the other seven parity bits to work out </a:t>
+            </a:r>
+            <a:r>
+              <a:rPr lang="en-GB" sz="2600" b="1" i="1" dirty="0" smtClean="0"/>
+              <a:t>which</a:t>
+            </a:r>
+            <a:r>
+              <a:rPr lang="en-GB" sz="2600" dirty="0" smtClean="0"/>
+              <a:t> bit contains the error</a:t>
             </a:r>
           </a:p>
         </p:txBody>
@@ -43612,7 +44553,7 @@
     </p:spTree>
     <p:extLst>
       <p:ext uri="{BB962C8B-B14F-4D97-AF65-F5344CB8AC3E}">
-        <p14:creationId xmlns:p14="http://schemas.microsoft.com/office/powerpoint/2010/main" val="2089425383"/>
+        <p14:creationId xmlns:p14="http://schemas.microsoft.com/office/powerpoint/2010/main" val="3801112716"/>
       </p:ext>
     </p:extLst>
   </p:cSld>
@@ -43671,7 +44612,7 @@
           <a:p>
             <a:r>
               <a:rPr lang="en-GB" dirty="0" smtClean="0"/>
-              <a:t>Software ECC exercise</a:t>
+              <a:t>Sparse matrix ABFT Results</a:t>
             </a:r>
             <a:endParaRPr lang="en-GB" dirty="0"/>
           </a:p>
@@ -43687,18 +44628,1691 @@
             <p:ph idx="1"/>
           </p:nvPr>
         </p:nvSpPr>
-        <p:spPr/>
+        <p:spPr>
+          <a:xfrm>
+            <a:off x="457200" y="1270000"/>
+            <a:ext cx="8229600" cy="1473200"/>
+          </a:xfrm>
+        </p:spPr>
         <p:txBody>
           <a:bodyPr/>
           <a:lstStyle/>
           <a:p>
             <a:r>
+              <a:rPr lang="en-GB" sz="2000" dirty="0" smtClean="0"/>
+              <a:t>Performance collected using a CG solver in </a:t>
+            </a:r>
+            <a:r>
+              <a:rPr lang="en-GB" sz="2000" dirty="0" err="1" smtClean="0"/>
+              <a:t>TeaLeaf</a:t>
+            </a:r>
+            <a:r>
+              <a:rPr lang="en-GB" sz="2000" dirty="0" smtClean="0"/>
+              <a:t> (</a:t>
+            </a:r>
+            <a:r>
+              <a:rPr lang="en-GB" sz="2000" dirty="0"/>
+              <a:t>h</a:t>
+            </a:r>
+            <a:r>
+              <a:rPr lang="en-GB" sz="2000" dirty="0" smtClean="0"/>
+              <a:t>ydrodynamics mini-app from </a:t>
+            </a:r>
+            <a:r>
+              <a:rPr lang="en-GB" sz="2000" dirty="0" err="1" smtClean="0"/>
+              <a:t>Mantevo</a:t>
+            </a:r>
+            <a:r>
+              <a:rPr lang="en-GB" sz="2000" dirty="0" smtClean="0"/>
+              <a:t> benchmark suite)</a:t>
+            </a:r>
+          </a:p>
+          <a:p>
+            <a:r>
+              <a:rPr lang="en-GB" sz="2000" dirty="0" smtClean="0"/>
+              <a:t>x86: Intel </a:t>
+            </a:r>
+            <a:r>
+              <a:rPr lang="is-IS" sz="2000" dirty="0"/>
+              <a:t>E5-</a:t>
+            </a:r>
+            <a:r>
+              <a:rPr lang="is-IS" sz="2000" dirty="0" smtClean="0"/>
+              <a:t>2670, 16-cores @ 2.6GHz</a:t>
+            </a:r>
+          </a:p>
+          <a:p>
+            <a:r>
+              <a:rPr lang="is-IS" sz="2000" dirty="0" smtClean="0"/>
+              <a:t>ARM32:  Samsung Exynos 5 dual Cortex-A15</a:t>
+            </a:r>
+            <a:endParaRPr lang="en-GB" sz="2000" dirty="0"/>
+          </a:p>
+        </p:txBody>
+      </p:sp>
+      <p:sp>
+        <p:nvSpPr>
+          <p:cNvPr id="4" name="Slide Number Placeholder 3"/>
+          <p:cNvSpPr>
+            <a:spLocks noGrp="1"/>
+          </p:cNvSpPr>
+          <p:nvPr>
+            <p:ph type="sldNum" sz="quarter" idx="10"/>
+          </p:nvPr>
+        </p:nvSpPr>
+        <p:spPr/>
+        <p:txBody>
+          <a:bodyPr/>
+          <a:lstStyle/>
+          <a:p>
+            <a:fld id="{D9B8CB04-7B95-2844-BD15-B133C35E4786}" type="slidenum">
+              <a:rPr lang="en-GB" smtClean="0"/>
+              <a:pPr/>
+              <a:t>44</a:t>
+            </a:fld>
+            <a:endParaRPr lang="en-GB"/>
+          </a:p>
+        </p:txBody>
+      </p:sp>
+      <p:graphicFrame>
+        <p:nvGraphicFramePr>
+          <p:cNvPr id="6" name="Content Placeholder 3"/>
+          <p:cNvGraphicFramePr>
+            <a:graphicFrameLocks/>
+          </p:cNvGraphicFramePr>
+          <p:nvPr>
+            <p:extLst>
+              <p:ext uri="{D42A27DB-BD31-4B8C-83A1-F6EECF244321}">
+                <p14:modId xmlns:p14="http://schemas.microsoft.com/office/powerpoint/2010/main" val="1318109702"/>
+              </p:ext>
+            </p:extLst>
+          </p:nvPr>
+        </p:nvGraphicFramePr>
+        <p:xfrm>
+          <a:off x="458823" y="3172403"/>
+          <a:ext cx="8227976" cy="1928330"/>
+        </p:xfrm>
+        <a:graphic>
+          <a:graphicData uri="http://schemas.openxmlformats.org/drawingml/2006/table">
+            <a:tbl>
+              <a:tblPr firstRow="1" bandRow="1">
+                <a:tableStyleId>{5C22544A-7EE6-4342-B048-85BDC9FD1C3A}</a:tableStyleId>
+              </a:tblPr>
+              <a:tblGrid>
+                <a:gridCol w="1696897"/>
+                <a:gridCol w="1871277"/>
+                <a:gridCol w="2080918"/>
+                <a:gridCol w="2578884"/>
+              </a:tblGrid>
+              <a:tr h="385666">
+                <a:tc>
+                  <a:txBody>
+                    <a:bodyPr/>
+                    <a:lstStyle/>
+                    <a:p>
+                      <a:r>
+                        <a:rPr lang="en-GB" dirty="0" smtClean="0">
+                          <a:solidFill>
+                            <a:srgbClr val="31747B"/>
+                          </a:solidFill>
+                        </a:rPr>
+                        <a:t>Scheme</a:t>
+                      </a:r>
+                      <a:endParaRPr lang="en-GB" dirty="0">
+                        <a:solidFill>
+                          <a:srgbClr val="31747B"/>
+                        </a:solidFill>
+                      </a:endParaRPr>
+                    </a:p>
+                  </a:txBody>
+                  <a:tcPr/>
+                </a:tc>
+                <a:tc>
+                  <a:txBody>
+                    <a:bodyPr/>
+                    <a:lstStyle/>
+                    <a:p>
+                      <a:r>
+                        <a:rPr lang="en-GB" dirty="0" smtClean="0">
+                          <a:solidFill>
+                            <a:srgbClr val="31747B"/>
+                          </a:solidFill>
+                        </a:rPr>
+                        <a:t>Bits needed</a:t>
+                      </a:r>
+                      <a:endParaRPr lang="en-GB" dirty="0">
+                        <a:solidFill>
+                          <a:srgbClr val="31747B"/>
+                        </a:solidFill>
+                      </a:endParaRPr>
+                    </a:p>
+                  </a:txBody>
+                  <a:tcPr/>
+                </a:tc>
+                <a:tc>
+                  <a:txBody>
+                    <a:bodyPr/>
+                    <a:lstStyle/>
+                    <a:p>
+                      <a:r>
+                        <a:rPr lang="en-GB" dirty="0" smtClean="0">
+                          <a:solidFill>
+                            <a:srgbClr val="31747B"/>
+                          </a:solidFill>
+                        </a:rPr>
+                        <a:t>x86</a:t>
+                      </a:r>
+                      <a:r>
+                        <a:rPr lang="en-GB" baseline="0" dirty="0" smtClean="0">
+                          <a:solidFill>
+                            <a:srgbClr val="31747B"/>
+                          </a:solidFill>
+                        </a:rPr>
+                        <a:t> overhead</a:t>
+                      </a:r>
+                      <a:endParaRPr lang="en-GB" dirty="0">
+                        <a:solidFill>
+                          <a:srgbClr val="31747B"/>
+                        </a:solidFill>
+                      </a:endParaRPr>
+                    </a:p>
+                  </a:txBody>
+                  <a:tcPr/>
+                </a:tc>
+                <a:tc>
+                  <a:txBody>
+                    <a:bodyPr/>
+                    <a:lstStyle/>
+                    <a:p>
+                      <a:r>
+                        <a:rPr lang="en-GB" dirty="0" smtClean="0">
+                          <a:solidFill>
+                            <a:srgbClr val="31747B"/>
+                          </a:solidFill>
+                        </a:rPr>
+                        <a:t>ARM32 overhead</a:t>
+                      </a:r>
+                      <a:endParaRPr lang="en-GB" dirty="0">
+                        <a:solidFill>
+                          <a:srgbClr val="31747B"/>
+                        </a:solidFill>
+                      </a:endParaRPr>
+                    </a:p>
+                  </a:txBody>
+                  <a:tcPr/>
+                </a:tc>
+              </a:tr>
+              <a:tr h="385666">
+                <a:tc>
+                  <a:txBody>
+                    <a:bodyPr/>
+                    <a:lstStyle/>
+                    <a:p>
+                      <a:r>
+                        <a:rPr lang="en-GB" dirty="0" smtClean="0"/>
+                        <a:t>Constraints</a:t>
+                      </a:r>
+                    </a:p>
+                  </a:txBody>
+                  <a:tcPr/>
+                </a:tc>
+                <a:tc>
+                  <a:txBody>
+                    <a:bodyPr/>
+                    <a:lstStyle/>
+                    <a:p>
+                      <a:pPr algn="ctr"/>
+                      <a:r>
+                        <a:rPr lang="en-GB" dirty="0" smtClean="0"/>
+                        <a:t>0</a:t>
+                      </a:r>
+                    </a:p>
+                  </a:txBody>
+                  <a:tcPr/>
+                </a:tc>
+                <a:tc>
+                  <a:txBody>
+                    <a:bodyPr/>
+                    <a:lstStyle/>
+                    <a:p>
+                      <a:pPr algn="ctr" fontAlgn="b"/>
+                      <a:r>
+                        <a:rPr lang="nb-NO" sz="1800" b="0" i="0" u="none" strike="noStrike" dirty="0" smtClean="0">
+                          <a:solidFill>
+                            <a:srgbClr val="000000"/>
+                          </a:solidFill>
+                          <a:effectLst/>
+                          <a:latin typeface="+mn-lt"/>
+                        </a:rPr>
+                        <a:t>1.00x</a:t>
+                      </a:r>
+                      <a:endParaRPr lang="nb-NO" sz="1800" b="0" i="0" u="none" strike="noStrike" dirty="0">
+                        <a:solidFill>
+                          <a:srgbClr val="000000"/>
+                        </a:solidFill>
+                        <a:effectLst/>
+                        <a:latin typeface="+mn-lt"/>
+                      </a:endParaRPr>
+                    </a:p>
+                  </a:txBody>
+                  <a:tcPr marL="12700" marR="12700" marT="12700" marB="0" anchor="b"/>
+                </a:tc>
+                <a:tc>
+                  <a:txBody>
+                    <a:bodyPr/>
+                    <a:lstStyle/>
+                    <a:p>
+                      <a:pPr algn="ctr" fontAlgn="b"/>
+                      <a:r>
+                        <a:rPr lang="en-GB" sz="1800" b="0" i="0" u="none" strike="noStrike" dirty="0" smtClean="0">
+                          <a:solidFill>
+                            <a:srgbClr val="000000"/>
+                          </a:solidFill>
+                          <a:effectLst/>
+                          <a:latin typeface="+mn-lt"/>
+                        </a:rPr>
+                        <a:t>1.07x</a:t>
+                      </a:r>
+                      <a:endParaRPr lang="uk-UA" sz="1800" b="0" i="0" u="none" strike="noStrike" dirty="0">
+                        <a:solidFill>
+                          <a:srgbClr val="000000"/>
+                        </a:solidFill>
+                        <a:effectLst/>
+                        <a:latin typeface="+mn-lt"/>
+                      </a:endParaRPr>
+                    </a:p>
+                  </a:txBody>
+                  <a:tcPr marL="12700" marR="12700" marT="12700" marB="0" anchor="b"/>
+                </a:tc>
+              </a:tr>
+              <a:tr h="385666">
+                <a:tc>
+                  <a:txBody>
+                    <a:bodyPr/>
+                    <a:lstStyle/>
+                    <a:p>
+                      <a:r>
+                        <a:rPr lang="en-GB" dirty="0" smtClean="0"/>
+                        <a:t>SED</a:t>
+                      </a:r>
+                    </a:p>
+                  </a:txBody>
+                  <a:tcPr/>
+                </a:tc>
+                <a:tc>
+                  <a:txBody>
+                    <a:bodyPr/>
+                    <a:lstStyle/>
+                    <a:p>
+                      <a:pPr algn="ctr"/>
+                      <a:r>
+                        <a:rPr lang="en-GB" dirty="0" smtClean="0"/>
+                        <a:t>1</a:t>
+                      </a:r>
+                    </a:p>
+                  </a:txBody>
+                  <a:tcPr/>
+                </a:tc>
+                <a:tc>
+                  <a:txBody>
+                    <a:bodyPr/>
+                    <a:lstStyle/>
+                    <a:p>
+                      <a:pPr algn="ctr" fontAlgn="b"/>
+                      <a:r>
+                        <a:rPr lang="nb-NO" sz="1800" b="0" i="0" u="none" strike="noStrike" dirty="0" smtClean="0">
+                          <a:solidFill>
+                            <a:srgbClr val="000000"/>
+                          </a:solidFill>
+                          <a:effectLst/>
+                          <a:latin typeface="+mn-lt"/>
+                        </a:rPr>
+                        <a:t>1.01x</a:t>
+                      </a:r>
+                      <a:endParaRPr lang="nb-NO" sz="1800" b="0" i="0" u="none" strike="noStrike" dirty="0">
+                        <a:solidFill>
+                          <a:srgbClr val="000000"/>
+                        </a:solidFill>
+                        <a:effectLst/>
+                        <a:latin typeface="+mn-lt"/>
+                      </a:endParaRPr>
+                    </a:p>
+                  </a:txBody>
+                  <a:tcPr marL="12700" marR="12700" marT="12700" marB="0" anchor="b"/>
+                </a:tc>
+                <a:tc>
+                  <a:txBody>
+                    <a:bodyPr/>
+                    <a:lstStyle/>
+                    <a:p>
+                      <a:pPr algn="ctr" fontAlgn="b"/>
+                      <a:r>
+                        <a:rPr lang="uk-UA" sz="1800" b="0" i="0" u="none" strike="noStrike" dirty="0" smtClean="0">
+                          <a:solidFill>
+                            <a:srgbClr val="000000"/>
+                          </a:solidFill>
+                          <a:effectLst/>
+                          <a:latin typeface="+mn-lt"/>
+                        </a:rPr>
+                        <a:t>1.</a:t>
+                      </a:r>
+                      <a:r>
+                        <a:rPr lang="en-GB" sz="1800" b="0" i="0" u="none" strike="noStrike" dirty="0" smtClean="0">
+                          <a:solidFill>
+                            <a:srgbClr val="000000"/>
+                          </a:solidFill>
+                          <a:effectLst/>
+                          <a:latin typeface="+mn-lt"/>
+                        </a:rPr>
+                        <a:t>28x</a:t>
+                      </a:r>
+                      <a:endParaRPr lang="uk-UA" sz="1800" b="0" i="0" u="none" strike="noStrike" dirty="0">
+                        <a:solidFill>
+                          <a:srgbClr val="000000"/>
+                        </a:solidFill>
+                        <a:effectLst/>
+                        <a:latin typeface="+mn-lt"/>
+                      </a:endParaRPr>
+                    </a:p>
+                  </a:txBody>
+                  <a:tcPr marL="12700" marR="12700" marT="12700" marB="0" anchor="b"/>
+                </a:tc>
+              </a:tr>
+              <a:tr h="385666">
+                <a:tc>
+                  <a:txBody>
+                    <a:bodyPr/>
+                    <a:lstStyle/>
+                    <a:p>
+                      <a:r>
+                        <a:rPr lang="en-GB" dirty="0" smtClean="0"/>
+                        <a:t>SEC 7-bit</a:t>
+                      </a:r>
+                      <a:endParaRPr lang="en-GB" dirty="0"/>
+                    </a:p>
+                  </a:txBody>
+                  <a:tcPr/>
+                </a:tc>
+                <a:tc>
+                  <a:txBody>
+                    <a:bodyPr/>
+                    <a:lstStyle/>
+                    <a:p>
+                      <a:pPr algn="ctr"/>
+                      <a:r>
+                        <a:rPr lang="en-GB" dirty="0" smtClean="0"/>
+                        <a:t>7</a:t>
+                      </a:r>
+                      <a:endParaRPr lang="en-GB" dirty="0"/>
+                    </a:p>
+                  </a:txBody>
+                  <a:tcPr/>
+                </a:tc>
+                <a:tc>
+                  <a:txBody>
+                    <a:bodyPr/>
+                    <a:lstStyle/>
+                    <a:p>
+                      <a:pPr algn="ctr" fontAlgn="b"/>
+                      <a:r>
+                        <a:rPr lang="hr-HR" sz="1800" b="0" i="0" u="none" strike="noStrike" dirty="0" smtClean="0">
+                          <a:solidFill>
+                            <a:srgbClr val="000000"/>
+                          </a:solidFill>
+                          <a:effectLst/>
+                          <a:latin typeface="+mn-lt"/>
+                        </a:rPr>
+                        <a:t>2.61x</a:t>
+                      </a:r>
+                      <a:endParaRPr lang="hr-HR" sz="1800" b="0" i="0" u="none" strike="noStrike" dirty="0">
+                        <a:solidFill>
+                          <a:srgbClr val="000000"/>
+                        </a:solidFill>
+                        <a:effectLst/>
+                        <a:latin typeface="+mn-lt"/>
+                      </a:endParaRPr>
+                    </a:p>
+                  </a:txBody>
+                  <a:tcPr marL="12700" marR="12700" marT="12700" marB="0" anchor="b"/>
+                </a:tc>
+                <a:tc>
+                  <a:txBody>
+                    <a:bodyPr/>
+                    <a:lstStyle/>
+                    <a:p>
+                      <a:pPr algn="ctr" fontAlgn="b"/>
+                      <a:r>
+                        <a:rPr lang="hr-HR" sz="1800" b="0" i="0" u="none" strike="noStrike" dirty="0" smtClean="0">
+                          <a:solidFill>
+                            <a:srgbClr val="000000"/>
+                          </a:solidFill>
+                          <a:effectLst/>
+                          <a:latin typeface="+mn-lt"/>
+                        </a:rPr>
+                        <a:t>4.27x</a:t>
+                      </a:r>
+                      <a:endParaRPr lang="hr-HR" sz="1800" b="0" i="0" u="none" strike="noStrike" dirty="0">
+                        <a:solidFill>
+                          <a:srgbClr val="000000"/>
+                        </a:solidFill>
+                        <a:effectLst/>
+                        <a:latin typeface="+mn-lt"/>
+                      </a:endParaRPr>
+                    </a:p>
+                  </a:txBody>
+                  <a:tcPr marL="12700" marR="12700" marT="12700" marB="0" anchor="b"/>
+                </a:tc>
+              </a:tr>
+              <a:tr h="385666">
+                <a:tc>
+                  <a:txBody>
+                    <a:bodyPr/>
+                    <a:lstStyle/>
+                    <a:p>
+                      <a:r>
+                        <a:rPr lang="en-GB" b="1" dirty="0" smtClean="0"/>
+                        <a:t>SEC 8-bit</a:t>
+                      </a:r>
+                      <a:endParaRPr lang="en-GB" b="1" dirty="0"/>
+                    </a:p>
+                  </a:txBody>
+                  <a:tcPr/>
+                </a:tc>
+                <a:tc>
+                  <a:txBody>
+                    <a:bodyPr/>
+                    <a:lstStyle/>
+                    <a:p>
+                      <a:pPr algn="ctr"/>
+                      <a:r>
+                        <a:rPr lang="en-GB" b="1" dirty="0" smtClean="0"/>
+                        <a:t>8</a:t>
+                      </a:r>
+                      <a:endParaRPr lang="en-GB" b="1" dirty="0"/>
+                    </a:p>
+                  </a:txBody>
+                  <a:tcPr/>
+                </a:tc>
+                <a:tc>
+                  <a:txBody>
+                    <a:bodyPr/>
+                    <a:lstStyle/>
+                    <a:p>
+                      <a:pPr algn="ctr" fontAlgn="b"/>
+                      <a:r>
+                        <a:rPr lang="hr-HR" sz="1800" b="1" i="0" u="none" strike="noStrike" dirty="0" smtClean="0">
+                          <a:solidFill>
+                            <a:srgbClr val="000000"/>
+                          </a:solidFill>
+                          <a:effectLst/>
+                          <a:latin typeface="+mn-lt"/>
+                        </a:rPr>
+                        <a:t>1.04x</a:t>
+                      </a:r>
+                      <a:endParaRPr lang="hr-HR" sz="1800" b="1" i="0" u="none" strike="noStrike" dirty="0">
+                        <a:solidFill>
+                          <a:srgbClr val="000000"/>
+                        </a:solidFill>
+                        <a:effectLst/>
+                        <a:latin typeface="+mn-lt"/>
+                      </a:endParaRPr>
+                    </a:p>
+                  </a:txBody>
+                  <a:tcPr marL="12700" marR="12700" marT="12700" marB="0" anchor="b"/>
+                </a:tc>
+                <a:tc>
+                  <a:txBody>
+                    <a:bodyPr/>
+                    <a:lstStyle/>
+                    <a:p>
+                      <a:pPr algn="ctr" fontAlgn="b"/>
+                      <a:r>
+                        <a:rPr lang="nb-NO" sz="1800" b="1" i="0" u="none" strike="noStrike" dirty="0" smtClean="0">
+                          <a:solidFill>
+                            <a:srgbClr val="000000"/>
+                          </a:solidFill>
+                          <a:effectLst/>
+                          <a:latin typeface="+mn-lt"/>
+                        </a:rPr>
+                        <a:t>1.48x</a:t>
+                      </a:r>
+                      <a:endParaRPr lang="nb-NO" sz="1800" b="1" i="0" u="none" strike="noStrike" dirty="0">
+                        <a:solidFill>
+                          <a:srgbClr val="000000"/>
+                        </a:solidFill>
+                        <a:effectLst/>
+                        <a:latin typeface="+mn-lt"/>
+                      </a:endParaRPr>
+                    </a:p>
+                  </a:txBody>
+                  <a:tcPr marL="12700" marR="12700" marT="12700" marB="0" anchor="b"/>
+                </a:tc>
+              </a:tr>
+            </a:tbl>
+          </a:graphicData>
+        </a:graphic>
+      </p:graphicFrame>
+    </p:spTree>
+    <p:extLst>
+      <p:ext uri="{BB962C8B-B14F-4D97-AF65-F5344CB8AC3E}">
+        <p14:creationId xmlns:p14="http://schemas.microsoft.com/office/powerpoint/2010/main" val="1333219248"/>
+      </p:ext>
+    </p:extLst>
+  </p:cSld>
+  <p:clrMapOvr>
+    <a:masterClrMapping/>
+  </p:clrMapOvr>
+  <mc:AlternateContent xmlns:mc="http://schemas.openxmlformats.org/markup-compatibility/2006" xmlns:p14="http://schemas.microsoft.com/office/powerpoint/2010/main">
+    <mc:Choice Requires="p14">
+      <p:transition spd="slow" p14:dur="2000"/>
+    </mc:Choice>
+    <mc:Fallback xmlns="">
+      <p:transition xmlns:p14="http://schemas.microsoft.com/office/powerpoint/2010/main" spd="slow"/>
+    </mc:Fallback>
+  </mc:AlternateContent>
+</p:sld>
+</file>
+
+<file path=ppt/slides/slide45.xml><?xml version="1.0" encoding="utf-8"?>
+<p:sld xmlns:a="http://schemas.openxmlformats.org/drawingml/2006/main" xmlns:r="http://schemas.openxmlformats.org/officeDocument/2006/relationships" xmlns:p="http://schemas.openxmlformats.org/presentationml/2006/main">
+  <p:cSld>
+    <p:spTree>
+      <p:nvGrpSpPr>
+        <p:cNvPr id="1" name=""/>
+        <p:cNvGrpSpPr/>
+        <p:nvPr/>
+      </p:nvGrpSpPr>
+      <p:grpSpPr>
+        <a:xfrm>
+          <a:off x="0" y="0"/>
+          <a:ext cx="0" cy="0"/>
+          <a:chOff x="0" y="0"/>
+          <a:chExt cx="0" cy="0"/>
+        </a:xfrm>
+      </p:grpSpPr>
+      <p:sp>
+        <p:nvSpPr>
+          <p:cNvPr id="2" name="Title 1"/>
+          <p:cNvSpPr>
+            <a:spLocks noGrp="1"/>
+          </p:cNvSpPr>
+          <p:nvPr>
+            <p:ph type="title"/>
+          </p:nvPr>
+        </p:nvSpPr>
+        <p:spPr/>
+        <p:txBody>
+          <a:bodyPr/>
+          <a:lstStyle/>
+          <a:p>
+            <a:r>
+              <a:rPr lang="en-GB" sz="4000" dirty="0" smtClean="0"/>
+              <a:t>Hamming codes - SECDED</a:t>
+            </a:r>
+            <a:endParaRPr lang="en-GB" sz="4000" dirty="0"/>
+          </a:p>
+        </p:txBody>
+      </p:sp>
+      <p:sp>
+        <p:nvSpPr>
+          <p:cNvPr id="3" name="Content Placeholder 2"/>
+          <p:cNvSpPr>
+            <a:spLocks noGrp="1"/>
+          </p:cNvSpPr>
+          <p:nvPr>
+            <p:ph idx="1"/>
+          </p:nvPr>
+        </p:nvSpPr>
+        <p:spPr/>
+        <p:txBody>
+          <a:bodyPr/>
+          <a:lstStyle/>
+          <a:p>
+            <a:r>
+              <a:rPr lang="en-GB" sz="2400" dirty="0" smtClean="0"/>
+              <a:t>An alternative use of this overall parity bit would be to </a:t>
+            </a:r>
+            <a:r>
+              <a:rPr lang="en-GB" sz="2400" b="1" dirty="0" smtClean="0">
+                <a:solidFill>
+                  <a:srgbClr val="0000FF"/>
+                </a:solidFill>
+              </a:rPr>
+              <a:t>detect double-bit errors </a:t>
+            </a:r>
+            <a:r>
+              <a:rPr lang="en-GB" sz="2400" dirty="0" smtClean="0"/>
+              <a:t>(SECDED)</a:t>
+            </a:r>
+          </a:p>
+          <a:p>
+            <a:r>
+              <a:rPr lang="en-GB" sz="2400" dirty="0" smtClean="0"/>
+              <a:t>If the overall parity passes, but one of the other parity checks fails, then we have suffered a double-bit error</a:t>
+            </a:r>
+          </a:p>
+          <a:p>
+            <a:pPr lvl="1"/>
+            <a:r>
+              <a:rPr lang="en-GB" sz="2000" dirty="0" smtClean="0"/>
+              <a:t>We cannot correct this error, but we can fail gracefully</a:t>
+            </a:r>
+          </a:p>
+          <a:p>
+            <a:r>
+              <a:rPr lang="en-GB" sz="2400" dirty="0" smtClean="0"/>
+              <a:t>This requires that we always check all eight parity bits, so this is an expensive scheme</a:t>
+            </a:r>
+          </a:p>
+          <a:p>
+            <a:r>
+              <a:rPr lang="en-GB" sz="2400" dirty="0" smtClean="0"/>
+              <a:t>If we can assume that double-bit errors will always be consecutive, then we can use two overall parity bits to make this more efficient</a:t>
+            </a:r>
+          </a:p>
+          <a:p>
+            <a:pPr lvl="1"/>
+            <a:r>
+              <a:rPr lang="en-GB" sz="2000" dirty="0" smtClean="0"/>
+              <a:t>One will cover odd numbered bits, the other even numbered bits</a:t>
+            </a:r>
+          </a:p>
+          <a:p>
+            <a:pPr lvl="1"/>
+            <a:r>
+              <a:rPr lang="en-GB" sz="2000" dirty="0" smtClean="0"/>
+              <a:t>This now requires nine bits in total</a:t>
+            </a:r>
+            <a:endParaRPr lang="en-GB" sz="2000" dirty="0"/>
+          </a:p>
+        </p:txBody>
+      </p:sp>
+      <p:sp>
+        <p:nvSpPr>
+          <p:cNvPr id="4" name="Slide Number Placeholder 3"/>
+          <p:cNvSpPr>
+            <a:spLocks noGrp="1"/>
+          </p:cNvSpPr>
+          <p:nvPr>
+            <p:ph type="sldNum" sz="quarter" idx="10"/>
+          </p:nvPr>
+        </p:nvSpPr>
+        <p:spPr/>
+        <p:txBody>
+          <a:bodyPr/>
+          <a:lstStyle/>
+          <a:p>
+            <a:fld id="{D9B8CB04-7B95-2844-BD15-B133C35E4786}" type="slidenum">
+              <a:rPr lang="en-GB" smtClean="0"/>
+              <a:pPr/>
+              <a:t>45</a:t>
+            </a:fld>
+            <a:endParaRPr lang="en-GB"/>
+          </a:p>
+        </p:txBody>
+      </p:sp>
+    </p:spTree>
+    <p:extLst>
+      <p:ext uri="{BB962C8B-B14F-4D97-AF65-F5344CB8AC3E}">
+        <p14:creationId xmlns:p14="http://schemas.microsoft.com/office/powerpoint/2010/main" val="1612734937"/>
+      </p:ext>
+    </p:extLst>
+  </p:cSld>
+  <p:clrMapOvr>
+    <a:masterClrMapping/>
+  </p:clrMapOvr>
+  <mc:AlternateContent xmlns:mc="http://schemas.openxmlformats.org/markup-compatibility/2006" xmlns:p14="http://schemas.microsoft.com/office/powerpoint/2010/main">
+    <mc:Choice Requires="p14">
+      <p:transition spd="slow" p14:dur="2000"/>
+    </mc:Choice>
+    <mc:Fallback xmlns="">
+      <p:transition xmlns:p14="http://schemas.microsoft.com/office/powerpoint/2010/main" spd="slow"/>
+    </mc:Fallback>
+  </mc:AlternateContent>
+  <p:timing>
+    <p:tnLst>
+      <p:par>
+        <p:cTn xmlns:p14="http://schemas.microsoft.com/office/powerpoint/2010/main" id="1" dur="indefinite" restart="never" nodeType="tmRoot"/>
+      </p:par>
+    </p:tnLst>
+  </p:timing>
+</p:sld>
+</file>
+
+<file path=ppt/slides/slide46.xml><?xml version="1.0" encoding="utf-8"?>
+<p:sld xmlns:a="http://schemas.openxmlformats.org/drawingml/2006/main" xmlns:r="http://schemas.openxmlformats.org/officeDocument/2006/relationships" xmlns:p="http://schemas.openxmlformats.org/presentationml/2006/main">
+  <p:cSld>
+    <p:spTree>
+      <p:nvGrpSpPr>
+        <p:cNvPr id="1" name=""/>
+        <p:cNvGrpSpPr/>
+        <p:nvPr/>
+      </p:nvGrpSpPr>
+      <p:grpSpPr>
+        <a:xfrm>
+          <a:off x="0" y="0"/>
+          <a:ext cx="0" cy="0"/>
+          <a:chOff x="0" y="0"/>
+          <a:chExt cx="0" cy="0"/>
+        </a:xfrm>
+      </p:grpSpPr>
+      <p:sp>
+        <p:nvSpPr>
+          <p:cNvPr id="2" name="Title 1"/>
+          <p:cNvSpPr>
+            <a:spLocks noGrp="1"/>
+          </p:cNvSpPr>
+          <p:nvPr>
+            <p:ph type="title"/>
+          </p:nvPr>
+        </p:nvSpPr>
+        <p:spPr/>
+        <p:txBody>
+          <a:bodyPr/>
+          <a:lstStyle/>
+          <a:p>
+            <a:r>
+              <a:rPr lang="en-GB" dirty="0" smtClean="0"/>
+              <a:t>Sparse matrix ABFT Results</a:t>
+            </a:r>
+            <a:endParaRPr lang="en-GB" dirty="0"/>
+          </a:p>
+        </p:txBody>
+      </p:sp>
+      <p:sp>
+        <p:nvSpPr>
+          <p:cNvPr id="3" name="Content Placeholder 2"/>
+          <p:cNvSpPr>
+            <a:spLocks noGrp="1"/>
+          </p:cNvSpPr>
+          <p:nvPr>
+            <p:ph idx="1"/>
+          </p:nvPr>
+        </p:nvSpPr>
+        <p:spPr>
+          <a:xfrm>
+            <a:off x="457200" y="1270000"/>
+            <a:ext cx="8229600" cy="1473200"/>
+          </a:xfrm>
+        </p:spPr>
+        <p:txBody>
+          <a:bodyPr/>
+          <a:lstStyle/>
+          <a:p>
+            <a:r>
+              <a:rPr lang="en-GB" sz="2000" dirty="0" smtClean="0"/>
+              <a:t>Performance collected using a CG solver in </a:t>
+            </a:r>
+            <a:r>
+              <a:rPr lang="en-GB" sz="2000" dirty="0" err="1" smtClean="0"/>
+              <a:t>TeaLeaf</a:t>
+            </a:r>
+            <a:r>
+              <a:rPr lang="en-GB" sz="2000" dirty="0" smtClean="0"/>
+              <a:t> (</a:t>
+            </a:r>
+            <a:r>
+              <a:rPr lang="en-GB" sz="2000" dirty="0"/>
+              <a:t>h</a:t>
+            </a:r>
+            <a:r>
+              <a:rPr lang="en-GB" sz="2000" dirty="0" smtClean="0"/>
+              <a:t>ydrodynamics mini-app from </a:t>
+            </a:r>
+            <a:r>
+              <a:rPr lang="en-GB" sz="2000" dirty="0" err="1" smtClean="0"/>
+              <a:t>Mantevo</a:t>
+            </a:r>
+            <a:r>
+              <a:rPr lang="en-GB" sz="2000" dirty="0" smtClean="0"/>
+              <a:t> benchmark suite)</a:t>
+            </a:r>
+          </a:p>
+          <a:p>
+            <a:r>
+              <a:rPr lang="en-GB" sz="2000" dirty="0" smtClean="0"/>
+              <a:t>x86: Intel </a:t>
+            </a:r>
+            <a:r>
+              <a:rPr lang="is-IS" sz="2000" dirty="0"/>
+              <a:t>E5-</a:t>
+            </a:r>
+            <a:r>
+              <a:rPr lang="is-IS" sz="2000" dirty="0" smtClean="0"/>
+              <a:t>2670, 16-cores @ 2.6GHz</a:t>
+            </a:r>
+          </a:p>
+          <a:p>
+            <a:r>
+              <a:rPr lang="is-IS" sz="2000" dirty="0" smtClean="0"/>
+              <a:t>ARM32:  Samsung Exynos 5 dual Cortex-A15</a:t>
+            </a:r>
+            <a:endParaRPr lang="en-GB" sz="2000" dirty="0"/>
+          </a:p>
+        </p:txBody>
+      </p:sp>
+      <p:sp>
+        <p:nvSpPr>
+          <p:cNvPr id="4" name="Slide Number Placeholder 3"/>
+          <p:cNvSpPr>
+            <a:spLocks noGrp="1"/>
+          </p:cNvSpPr>
+          <p:nvPr>
+            <p:ph type="sldNum" sz="quarter" idx="10"/>
+          </p:nvPr>
+        </p:nvSpPr>
+        <p:spPr/>
+        <p:txBody>
+          <a:bodyPr/>
+          <a:lstStyle/>
+          <a:p>
+            <a:fld id="{D9B8CB04-7B95-2844-BD15-B133C35E4786}" type="slidenum">
+              <a:rPr lang="en-GB" smtClean="0"/>
+              <a:pPr/>
+              <a:t>46</a:t>
+            </a:fld>
+            <a:endParaRPr lang="en-GB"/>
+          </a:p>
+        </p:txBody>
+      </p:sp>
+      <p:graphicFrame>
+        <p:nvGraphicFramePr>
+          <p:cNvPr id="6" name="Content Placeholder 3"/>
+          <p:cNvGraphicFramePr>
+            <a:graphicFrameLocks/>
+          </p:cNvGraphicFramePr>
+          <p:nvPr>
+            <p:extLst>
+              <p:ext uri="{D42A27DB-BD31-4B8C-83A1-F6EECF244321}">
+                <p14:modId xmlns:p14="http://schemas.microsoft.com/office/powerpoint/2010/main" val="1006701532"/>
+              </p:ext>
+            </p:extLst>
+          </p:nvPr>
+        </p:nvGraphicFramePr>
+        <p:xfrm>
+          <a:off x="458823" y="3172403"/>
+          <a:ext cx="8227976" cy="2313996"/>
+        </p:xfrm>
+        <a:graphic>
+          <a:graphicData uri="http://schemas.openxmlformats.org/drawingml/2006/table">
+            <a:tbl>
+              <a:tblPr firstRow="1" bandRow="1">
+                <a:tableStyleId>{5C22544A-7EE6-4342-B048-85BDC9FD1C3A}</a:tableStyleId>
+              </a:tblPr>
+              <a:tblGrid>
+                <a:gridCol w="1696897"/>
+                <a:gridCol w="1871277"/>
+                <a:gridCol w="2080918"/>
+                <a:gridCol w="2578884"/>
+              </a:tblGrid>
+              <a:tr h="385666">
+                <a:tc>
+                  <a:txBody>
+                    <a:bodyPr/>
+                    <a:lstStyle/>
+                    <a:p>
+                      <a:r>
+                        <a:rPr lang="en-GB" dirty="0" smtClean="0">
+                          <a:solidFill>
+                            <a:srgbClr val="31747B"/>
+                          </a:solidFill>
+                        </a:rPr>
+                        <a:t>Scheme</a:t>
+                      </a:r>
+                      <a:endParaRPr lang="en-GB" dirty="0">
+                        <a:solidFill>
+                          <a:srgbClr val="31747B"/>
+                        </a:solidFill>
+                      </a:endParaRPr>
+                    </a:p>
+                  </a:txBody>
+                  <a:tcPr/>
+                </a:tc>
+                <a:tc>
+                  <a:txBody>
+                    <a:bodyPr/>
+                    <a:lstStyle/>
+                    <a:p>
+                      <a:r>
+                        <a:rPr lang="en-GB" dirty="0" smtClean="0">
+                          <a:solidFill>
+                            <a:srgbClr val="31747B"/>
+                          </a:solidFill>
+                        </a:rPr>
+                        <a:t>Bits needed</a:t>
+                      </a:r>
+                      <a:endParaRPr lang="en-GB" dirty="0">
+                        <a:solidFill>
+                          <a:srgbClr val="31747B"/>
+                        </a:solidFill>
+                      </a:endParaRPr>
+                    </a:p>
+                  </a:txBody>
+                  <a:tcPr/>
+                </a:tc>
+                <a:tc>
+                  <a:txBody>
+                    <a:bodyPr/>
+                    <a:lstStyle/>
+                    <a:p>
+                      <a:r>
+                        <a:rPr lang="en-GB" dirty="0" smtClean="0">
+                          <a:solidFill>
+                            <a:srgbClr val="31747B"/>
+                          </a:solidFill>
+                        </a:rPr>
+                        <a:t>x86</a:t>
+                      </a:r>
+                      <a:r>
+                        <a:rPr lang="en-GB" baseline="0" dirty="0" smtClean="0">
+                          <a:solidFill>
+                            <a:srgbClr val="31747B"/>
+                          </a:solidFill>
+                        </a:rPr>
+                        <a:t> overhead</a:t>
+                      </a:r>
+                      <a:endParaRPr lang="en-GB" dirty="0">
+                        <a:solidFill>
+                          <a:srgbClr val="31747B"/>
+                        </a:solidFill>
+                      </a:endParaRPr>
+                    </a:p>
+                  </a:txBody>
+                  <a:tcPr/>
+                </a:tc>
+                <a:tc>
+                  <a:txBody>
+                    <a:bodyPr/>
+                    <a:lstStyle/>
+                    <a:p>
+                      <a:r>
+                        <a:rPr lang="en-GB" dirty="0" smtClean="0">
+                          <a:solidFill>
+                            <a:srgbClr val="31747B"/>
+                          </a:solidFill>
+                        </a:rPr>
+                        <a:t>ARM32 overhead</a:t>
+                      </a:r>
+                      <a:endParaRPr lang="en-GB" dirty="0">
+                        <a:solidFill>
+                          <a:srgbClr val="31747B"/>
+                        </a:solidFill>
+                      </a:endParaRPr>
+                    </a:p>
+                  </a:txBody>
+                  <a:tcPr/>
+                </a:tc>
+              </a:tr>
+              <a:tr h="385666">
+                <a:tc>
+                  <a:txBody>
+                    <a:bodyPr/>
+                    <a:lstStyle/>
+                    <a:p>
+                      <a:r>
+                        <a:rPr lang="en-GB" dirty="0" smtClean="0"/>
+                        <a:t>Constraints</a:t>
+                      </a:r>
+                    </a:p>
+                  </a:txBody>
+                  <a:tcPr/>
+                </a:tc>
+                <a:tc>
+                  <a:txBody>
+                    <a:bodyPr/>
+                    <a:lstStyle/>
+                    <a:p>
+                      <a:pPr algn="ctr"/>
+                      <a:r>
+                        <a:rPr lang="en-GB" dirty="0" smtClean="0"/>
+                        <a:t>0</a:t>
+                      </a:r>
+                    </a:p>
+                  </a:txBody>
+                  <a:tcPr/>
+                </a:tc>
+                <a:tc>
+                  <a:txBody>
+                    <a:bodyPr/>
+                    <a:lstStyle/>
+                    <a:p>
+                      <a:pPr algn="ctr" fontAlgn="b"/>
+                      <a:r>
+                        <a:rPr lang="nb-NO" sz="1800" b="0" i="0" u="none" strike="noStrike" dirty="0" smtClean="0">
+                          <a:solidFill>
+                            <a:srgbClr val="000000"/>
+                          </a:solidFill>
+                          <a:effectLst/>
+                          <a:latin typeface="+mn-lt"/>
+                        </a:rPr>
+                        <a:t>1.00x</a:t>
+                      </a:r>
+                      <a:endParaRPr lang="nb-NO" sz="1800" b="0" i="0" u="none" strike="noStrike" dirty="0">
+                        <a:solidFill>
+                          <a:srgbClr val="000000"/>
+                        </a:solidFill>
+                        <a:effectLst/>
+                        <a:latin typeface="+mn-lt"/>
+                      </a:endParaRPr>
+                    </a:p>
+                  </a:txBody>
+                  <a:tcPr marL="12700" marR="12700" marT="12700" marB="0" anchor="b"/>
+                </a:tc>
+                <a:tc>
+                  <a:txBody>
+                    <a:bodyPr/>
+                    <a:lstStyle/>
+                    <a:p>
+                      <a:pPr algn="ctr" fontAlgn="b"/>
+                      <a:r>
+                        <a:rPr lang="en-GB" sz="1800" b="0" i="0" u="none" strike="noStrike" dirty="0" smtClean="0">
+                          <a:solidFill>
+                            <a:srgbClr val="000000"/>
+                          </a:solidFill>
+                          <a:effectLst/>
+                          <a:latin typeface="+mn-lt"/>
+                        </a:rPr>
+                        <a:t>1.07x</a:t>
+                      </a:r>
+                      <a:endParaRPr lang="uk-UA" sz="1800" b="0" i="0" u="none" strike="noStrike" dirty="0">
+                        <a:solidFill>
+                          <a:srgbClr val="000000"/>
+                        </a:solidFill>
+                        <a:effectLst/>
+                        <a:latin typeface="+mn-lt"/>
+                      </a:endParaRPr>
+                    </a:p>
+                  </a:txBody>
+                  <a:tcPr marL="12700" marR="12700" marT="12700" marB="0" anchor="b"/>
+                </a:tc>
+              </a:tr>
+              <a:tr h="385666">
+                <a:tc>
+                  <a:txBody>
+                    <a:bodyPr/>
+                    <a:lstStyle/>
+                    <a:p>
+                      <a:r>
+                        <a:rPr lang="en-GB" dirty="0" smtClean="0"/>
+                        <a:t>SED</a:t>
+                      </a:r>
+                    </a:p>
+                  </a:txBody>
+                  <a:tcPr/>
+                </a:tc>
+                <a:tc>
+                  <a:txBody>
+                    <a:bodyPr/>
+                    <a:lstStyle/>
+                    <a:p>
+                      <a:pPr algn="ctr"/>
+                      <a:r>
+                        <a:rPr lang="en-GB" dirty="0" smtClean="0"/>
+                        <a:t>1</a:t>
+                      </a:r>
+                    </a:p>
+                  </a:txBody>
+                  <a:tcPr/>
+                </a:tc>
+                <a:tc>
+                  <a:txBody>
+                    <a:bodyPr/>
+                    <a:lstStyle/>
+                    <a:p>
+                      <a:pPr algn="ctr" fontAlgn="b"/>
+                      <a:r>
+                        <a:rPr lang="nb-NO" sz="1800" b="0" i="0" u="none" strike="noStrike" dirty="0" smtClean="0">
+                          <a:solidFill>
+                            <a:srgbClr val="000000"/>
+                          </a:solidFill>
+                          <a:effectLst/>
+                          <a:latin typeface="+mn-lt"/>
+                        </a:rPr>
+                        <a:t>1.01x</a:t>
+                      </a:r>
+                      <a:endParaRPr lang="nb-NO" sz="1800" b="0" i="0" u="none" strike="noStrike" dirty="0">
+                        <a:solidFill>
+                          <a:srgbClr val="000000"/>
+                        </a:solidFill>
+                        <a:effectLst/>
+                        <a:latin typeface="+mn-lt"/>
+                      </a:endParaRPr>
+                    </a:p>
+                  </a:txBody>
+                  <a:tcPr marL="12700" marR="12700" marT="12700" marB="0" anchor="b"/>
+                </a:tc>
+                <a:tc>
+                  <a:txBody>
+                    <a:bodyPr/>
+                    <a:lstStyle/>
+                    <a:p>
+                      <a:pPr algn="ctr" fontAlgn="b"/>
+                      <a:r>
+                        <a:rPr lang="uk-UA" sz="1800" b="0" i="0" u="none" strike="noStrike" dirty="0" smtClean="0">
+                          <a:solidFill>
+                            <a:srgbClr val="000000"/>
+                          </a:solidFill>
+                          <a:effectLst/>
+                          <a:latin typeface="+mn-lt"/>
+                        </a:rPr>
+                        <a:t>1.</a:t>
+                      </a:r>
+                      <a:r>
+                        <a:rPr lang="en-GB" sz="1800" b="0" i="0" u="none" strike="noStrike" dirty="0" smtClean="0">
+                          <a:solidFill>
+                            <a:srgbClr val="000000"/>
+                          </a:solidFill>
+                          <a:effectLst/>
+                          <a:latin typeface="+mn-lt"/>
+                        </a:rPr>
+                        <a:t>28x</a:t>
+                      </a:r>
+                      <a:endParaRPr lang="uk-UA" sz="1800" b="0" i="0" u="none" strike="noStrike" dirty="0">
+                        <a:solidFill>
+                          <a:srgbClr val="000000"/>
+                        </a:solidFill>
+                        <a:effectLst/>
+                        <a:latin typeface="+mn-lt"/>
+                      </a:endParaRPr>
+                    </a:p>
+                  </a:txBody>
+                  <a:tcPr marL="12700" marR="12700" marT="12700" marB="0" anchor="b"/>
+                </a:tc>
+              </a:tr>
+              <a:tr h="385666">
+                <a:tc>
+                  <a:txBody>
+                    <a:bodyPr/>
+                    <a:lstStyle/>
+                    <a:p>
+                      <a:r>
+                        <a:rPr lang="en-GB" dirty="0" smtClean="0"/>
+                        <a:t>SEC 7-bit</a:t>
+                      </a:r>
+                      <a:endParaRPr lang="en-GB" dirty="0"/>
+                    </a:p>
+                  </a:txBody>
+                  <a:tcPr/>
+                </a:tc>
+                <a:tc>
+                  <a:txBody>
+                    <a:bodyPr/>
+                    <a:lstStyle/>
+                    <a:p>
+                      <a:pPr algn="ctr"/>
+                      <a:r>
+                        <a:rPr lang="en-GB" dirty="0" smtClean="0"/>
+                        <a:t>7</a:t>
+                      </a:r>
+                      <a:endParaRPr lang="en-GB" dirty="0"/>
+                    </a:p>
+                  </a:txBody>
+                  <a:tcPr/>
+                </a:tc>
+                <a:tc>
+                  <a:txBody>
+                    <a:bodyPr/>
+                    <a:lstStyle/>
+                    <a:p>
+                      <a:pPr algn="ctr" fontAlgn="b"/>
+                      <a:r>
+                        <a:rPr lang="hr-HR" sz="1800" b="0" i="0" u="none" strike="noStrike" dirty="0" smtClean="0">
+                          <a:solidFill>
+                            <a:srgbClr val="000000"/>
+                          </a:solidFill>
+                          <a:effectLst/>
+                          <a:latin typeface="+mn-lt"/>
+                        </a:rPr>
+                        <a:t>2.61x</a:t>
+                      </a:r>
+                      <a:endParaRPr lang="hr-HR" sz="1800" b="0" i="0" u="none" strike="noStrike" dirty="0">
+                        <a:solidFill>
+                          <a:srgbClr val="000000"/>
+                        </a:solidFill>
+                        <a:effectLst/>
+                        <a:latin typeface="+mn-lt"/>
+                      </a:endParaRPr>
+                    </a:p>
+                  </a:txBody>
+                  <a:tcPr marL="12700" marR="12700" marT="12700" marB="0" anchor="b"/>
+                </a:tc>
+                <a:tc>
+                  <a:txBody>
+                    <a:bodyPr/>
+                    <a:lstStyle/>
+                    <a:p>
+                      <a:pPr algn="ctr" fontAlgn="b"/>
+                      <a:r>
+                        <a:rPr lang="hr-HR" sz="1800" b="0" i="0" u="none" strike="noStrike" dirty="0" smtClean="0">
+                          <a:solidFill>
+                            <a:srgbClr val="000000"/>
+                          </a:solidFill>
+                          <a:effectLst/>
+                          <a:latin typeface="+mn-lt"/>
+                        </a:rPr>
+                        <a:t>4.27x</a:t>
+                      </a:r>
+                      <a:endParaRPr lang="hr-HR" sz="1800" b="0" i="0" u="none" strike="noStrike" dirty="0">
+                        <a:solidFill>
+                          <a:srgbClr val="000000"/>
+                        </a:solidFill>
+                        <a:effectLst/>
+                        <a:latin typeface="+mn-lt"/>
+                      </a:endParaRPr>
+                    </a:p>
+                  </a:txBody>
+                  <a:tcPr marL="12700" marR="12700" marT="12700" marB="0" anchor="b"/>
+                </a:tc>
+              </a:tr>
+              <a:tr h="385666">
+                <a:tc>
+                  <a:txBody>
+                    <a:bodyPr/>
+                    <a:lstStyle/>
+                    <a:p>
+                      <a:r>
+                        <a:rPr lang="en-GB" b="0" dirty="0" smtClean="0"/>
+                        <a:t>SEC 8-bit</a:t>
+                      </a:r>
+                      <a:endParaRPr lang="en-GB" b="0" dirty="0"/>
+                    </a:p>
+                  </a:txBody>
+                  <a:tcPr/>
+                </a:tc>
+                <a:tc>
+                  <a:txBody>
+                    <a:bodyPr/>
+                    <a:lstStyle/>
+                    <a:p>
+                      <a:pPr algn="ctr"/>
+                      <a:r>
+                        <a:rPr lang="en-GB" b="0" dirty="0" smtClean="0"/>
+                        <a:t>8</a:t>
+                      </a:r>
+                      <a:endParaRPr lang="en-GB" b="0" dirty="0"/>
+                    </a:p>
+                  </a:txBody>
+                  <a:tcPr/>
+                </a:tc>
+                <a:tc>
+                  <a:txBody>
+                    <a:bodyPr/>
+                    <a:lstStyle/>
+                    <a:p>
+                      <a:pPr algn="ctr" fontAlgn="b"/>
+                      <a:r>
+                        <a:rPr lang="hr-HR" sz="1800" b="0" i="0" u="none" strike="noStrike" dirty="0" smtClean="0">
+                          <a:solidFill>
+                            <a:srgbClr val="000000"/>
+                          </a:solidFill>
+                          <a:effectLst/>
+                          <a:latin typeface="+mn-lt"/>
+                        </a:rPr>
+                        <a:t>1.04x</a:t>
+                      </a:r>
+                      <a:endParaRPr lang="hr-HR" sz="1800" b="0" i="0" u="none" strike="noStrike" dirty="0">
+                        <a:solidFill>
+                          <a:srgbClr val="000000"/>
+                        </a:solidFill>
+                        <a:effectLst/>
+                        <a:latin typeface="+mn-lt"/>
+                      </a:endParaRPr>
+                    </a:p>
+                  </a:txBody>
+                  <a:tcPr marL="12700" marR="12700" marT="12700" marB="0" anchor="b"/>
+                </a:tc>
+                <a:tc>
+                  <a:txBody>
+                    <a:bodyPr/>
+                    <a:lstStyle/>
+                    <a:p>
+                      <a:pPr algn="ctr" fontAlgn="b"/>
+                      <a:r>
+                        <a:rPr lang="nb-NO" sz="1800" b="0" i="0" u="none" strike="noStrike" dirty="0" smtClean="0">
+                          <a:solidFill>
+                            <a:srgbClr val="000000"/>
+                          </a:solidFill>
+                          <a:effectLst/>
+                          <a:latin typeface="+mn-lt"/>
+                        </a:rPr>
+                        <a:t>1.48x</a:t>
+                      </a:r>
+                      <a:endParaRPr lang="nb-NO" sz="1800" b="0" i="0" u="none" strike="noStrike" dirty="0">
+                        <a:solidFill>
+                          <a:srgbClr val="000000"/>
+                        </a:solidFill>
+                        <a:effectLst/>
+                        <a:latin typeface="+mn-lt"/>
+                      </a:endParaRPr>
+                    </a:p>
+                  </a:txBody>
+                  <a:tcPr marL="12700" marR="12700" marT="12700" marB="0" anchor="b"/>
+                </a:tc>
+              </a:tr>
+              <a:tr h="385666">
+                <a:tc>
+                  <a:txBody>
+                    <a:bodyPr/>
+                    <a:lstStyle/>
+                    <a:p>
+                      <a:r>
+                        <a:rPr lang="en-GB" b="1" dirty="0" smtClean="0"/>
+                        <a:t>SECDED</a:t>
+                      </a:r>
+                      <a:endParaRPr lang="en-GB" b="1" dirty="0"/>
+                    </a:p>
+                  </a:txBody>
+                  <a:tcPr/>
+                </a:tc>
+                <a:tc>
+                  <a:txBody>
+                    <a:bodyPr/>
+                    <a:lstStyle/>
+                    <a:p>
+                      <a:pPr algn="ctr"/>
+                      <a:r>
+                        <a:rPr lang="en-GB" b="1" dirty="0" smtClean="0"/>
+                        <a:t>8</a:t>
+                      </a:r>
+                      <a:endParaRPr lang="en-GB" b="1" dirty="0"/>
+                    </a:p>
+                  </a:txBody>
+                  <a:tcPr/>
+                </a:tc>
+                <a:tc>
+                  <a:txBody>
+                    <a:bodyPr/>
+                    <a:lstStyle/>
+                    <a:p>
+                      <a:pPr algn="ctr" fontAlgn="b"/>
+                      <a:r>
+                        <a:rPr lang="hr-HR" sz="1800" b="1" i="0" u="none" strike="noStrike" dirty="0" smtClean="0">
+                          <a:solidFill>
+                            <a:srgbClr val="000000"/>
+                          </a:solidFill>
+                          <a:effectLst/>
+                          <a:latin typeface="+mn-lt"/>
+                        </a:rPr>
+                        <a:t>2.49x</a:t>
+                      </a:r>
+                      <a:endParaRPr lang="hr-HR" sz="1800" b="1" i="0" u="none" strike="noStrike" dirty="0">
+                        <a:solidFill>
+                          <a:srgbClr val="000000"/>
+                        </a:solidFill>
+                        <a:effectLst/>
+                        <a:latin typeface="+mn-lt"/>
+                      </a:endParaRPr>
+                    </a:p>
+                  </a:txBody>
+                  <a:tcPr marL="12700" marR="12700" marT="12700" marB="0" anchor="b"/>
+                </a:tc>
+                <a:tc>
+                  <a:txBody>
+                    <a:bodyPr/>
+                    <a:lstStyle/>
+                    <a:p>
+                      <a:pPr algn="ctr" fontAlgn="b"/>
+                      <a:r>
+                        <a:rPr lang="hr-HR" sz="1800" b="1" i="0" u="none" strike="noStrike" dirty="0" smtClean="0">
+                          <a:solidFill>
+                            <a:srgbClr val="000000"/>
+                          </a:solidFill>
+                          <a:effectLst/>
+                          <a:latin typeface="+mn-lt"/>
+                        </a:rPr>
+                        <a:t>4.79x</a:t>
+                      </a:r>
+                      <a:endParaRPr lang="hr-HR" sz="1800" b="1" i="0" u="none" strike="noStrike" dirty="0">
+                        <a:solidFill>
+                          <a:srgbClr val="000000"/>
+                        </a:solidFill>
+                        <a:effectLst/>
+                        <a:latin typeface="+mn-lt"/>
+                      </a:endParaRPr>
+                    </a:p>
+                  </a:txBody>
+                  <a:tcPr marL="12700" marR="12700" marT="12700" marB="0" anchor="b"/>
+                </a:tc>
+              </a:tr>
+            </a:tbl>
+          </a:graphicData>
+        </a:graphic>
+      </p:graphicFrame>
+    </p:spTree>
+    <p:extLst>
+      <p:ext uri="{BB962C8B-B14F-4D97-AF65-F5344CB8AC3E}">
+        <p14:creationId xmlns:p14="http://schemas.microsoft.com/office/powerpoint/2010/main" val="2886353096"/>
+      </p:ext>
+    </p:extLst>
+  </p:cSld>
+  <p:clrMapOvr>
+    <a:masterClrMapping/>
+  </p:clrMapOvr>
+  <mc:AlternateContent xmlns:mc="http://schemas.openxmlformats.org/markup-compatibility/2006" xmlns:p14="http://schemas.microsoft.com/office/powerpoint/2010/main">
+    <mc:Choice Requires="p14">
+      <p:transition spd="slow" p14:dur="2000"/>
+    </mc:Choice>
+    <mc:Fallback xmlns="">
+      <p:transition xmlns:p14="http://schemas.microsoft.com/office/powerpoint/2010/main" spd="slow"/>
+    </mc:Fallback>
+  </mc:AlternateContent>
+</p:sld>
+</file>
+
+<file path=ppt/slides/slide47.xml><?xml version="1.0" encoding="utf-8"?>
+<p:sld xmlns:a="http://schemas.openxmlformats.org/drawingml/2006/main" xmlns:r="http://schemas.openxmlformats.org/officeDocument/2006/relationships" xmlns:p="http://schemas.openxmlformats.org/presentationml/2006/main">
+  <p:cSld>
+    <p:spTree>
+      <p:nvGrpSpPr>
+        <p:cNvPr id="1" name=""/>
+        <p:cNvGrpSpPr/>
+        <p:nvPr/>
+      </p:nvGrpSpPr>
+      <p:grpSpPr>
+        <a:xfrm>
+          <a:off x="0" y="0"/>
+          <a:ext cx="0" cy="0"/>
+          <a:chOff x="0" y="0"/>
+          <a:chExt cx="0" cy="0"/>
+        </a:xfrm>
+      </p:grpSpPr>
+      <p:sp>
+        <p:nvSpPr>
+          <p:cNvPr id="2" name="Title 1"/>
+          <p:cNvSpPr>
+            <a:spLocks noGrp="1"/>
+          </p:cNvSpPr>
+          <p:nvPr>
+            <p:ph type="title"/>
+          </p:nvPr>
+        </p:nvSpPr>
+        <p:spPr/>
+        <p:txBody>
+          <a:bodyPr/>
+          <a:lstStyle/>
+          <a:p>
+            <a:r>
+              <a:rPr lang="en-GB" dirty="0" smtClean="0"/>
+              <a:t>Software ECC exercise</a:t>
+            </a:r>
+            <a:endParaRPr lang="en-GB" dirty="0"/>
+          </a:p>
+        </p:txBody>
+      </p:sp>
+      <p:sp>
+        <p:nvSpPr>
+          <p:cNvPr id="3" name="Content Placeholder 2"/>
+          <p:cNvSpPr>
+            <a:spLocks noGrp="1"/>
+          </p:cNvSpPr>
+          <p:nvPr>
+            <p:ph idx="1"/>
+          </p:nvPr>
+        </p:nvSpPr>
+        <p:spPr/>
+        <p:txBody>
+          <a:bodyPr/>
+          <a:lstStyle/>
+          <a:p>
+            <a:r>
+              <a:rPr lang="en-GB" dirty="0" smtClean="0"/>
+              <a:t>Using the provided CG code as a starting point, add ECC to make the code more tolerant to silent data corruption</a:t>
+            </a:r>
+          </a:p>
+          <a:p>
+            <a:r>
+              <a:rPr lang="en-GB" dirty="0" smtClean="0"/>
+              <a:t>There </a:t>
+            </a:r>
+            <a:r>
+              <a:rPr lang="en-GB" dirty="0"/>
+              <a:t>are two changes to make:</a:t>
+            </a:r>
+          </a:p>
+          <a:p>
+            <a:pPr marL="971550" lvl="1" indent="-514350">
+              <a:buFont typeface="+mj-lt"/>
+              <a:buAutoNum type="arabicPeriod"/>
+            </a:pPr>
+            <a:r>
+              <a:rPr lang="en-GB" dirty="0"/>
+              <a:t>Generate parity bits for each matrix element and store them in the high order bits of the column index</a:t>
+            </a:r>
+          </a:p>
+          <a:p>
+            <a:pPr marL="971550" lvl="1" indent="-514350">
+              <a:buFont typeface="+mj-lt"/>
+              <a:buAutoNum type="arabicPeriod"/>
+            </a:pPr>
+            <a:r>
+              <a:rPr lang="en-GB" dirty="0"/>
+              <a:t>Modify the </a:t>
+            </a:r>
+            <a:r>
+              <a:rPr lang="en-GB" dirty="0" err="1"/>
+              <a:t>SpMV</a:t>
+            </a:r>
+            <a:r>
+              <a:rPr lang="en-GB" dirty="0"/>
+              <a:t> function to check the parity bits and then correct any errors that are </a:t>
+            </a:r>
+            <a:r>
+              <a:rPr lang="en-GB" dirty="0" smtClean="0"/>
+              <a:t>found</a:t>
+            </a:r>
+          </a:p>
+        </p:txBody>
+      </p:sp>
+      <p:sp>
+        <p:nvSpPr>
+          <p:cNvPr id="4" name="Slide Number Placeholder 3"/>
+          <p:cNvSpPr>
+            <a:spLocks noGrp="1"/>
+          </p:cNvSpPr>
+          <p:nvPr>
+            <p:ph type="sldNum" sz="quarter" idx="10"/>
+          </p:nvPr>
+        </p:nvSpPr>
+        <p:spPr/>
+        <p:txBody>
+          <a:bodyPr/>
+          <a:lstStyle/>
+          <a:p>
+            <a:fld id="{D9B8CB04-7B95-2844-BD15-B133C35E4786}" type="slidenum">
+              <a:rPr lang="en-GB" smtClean="0"/>
+              <a:pPr/>
+              <a:t>47</a:t>
+            </a:fld>
+            <a:endParaRPr lang="en-GB"/>
+          </a:p>
+        </p:txBody>
+      </p:sp>
+    </p:spTree>
+    <p:extLst>
+      <p:ext uri="{BB962C8B-B14F-4D97-AF65-F5344CB8AC3E}">
+        <p14:creationId xmlns:p14="http://schemas.microsoft.com/office/powerpoint/2010/main" val="2089425383"/>
+      </p:ext>
+    </p:extLst>
+  </p:cSld>
+  <p:clrMapOvr>
+    <a:masterClrMapping/>
+  </p:clrMapOvr>
+  <mc:AlternateContent xmlns:mc="http://schemas.openxmlformats.org/markup-compatibility/2006" xmlns:p14="http://schemas.microsoft.com/office/powerpoint/2010/main">
+    <mc:Choice Requires="p14">
+      <p:transition spd="slow" p14:dur="2000"/>
+    </mc:Choice>
+    <mc:Fallback xmlns="">
+      <p:transition xmlns:p14="http://schemas.microsoft.com/office/powerpoint/2010/main" spd="slow"/>
+    </mc:Fallback>
+  </mc:AlternateContent>
+  <p:timing>
+    <p:tnLst>
+      <p:par>
+        <p:cTn xmlns:p14="http://schemas.microsoft.com/office/powerpoint/2010/main" id="1" dur="indefinite" restart="never" nodeType="tmRoot"/>
+      </p:par>
+    </p:tnLst>
+  </p:timing>
+</p:sld>
+</file>
+
+<file path=ppt/slides/slide48.xml><?xml version="1.0" encoding="utf-8"?>
+<p:sld xmlns:a="http://schemas.openxmlformats.org/drawingml/2006/main" xmlns:r="http://schemas.openxmlformats.org/officeDocument/2006/relationships" xmlns:p="http://schemas.openxmlformats.org/presentationml/2006/main">
+  <p:cSld>
+    <p:spTree>
+      <p:nvGrpSpPr>
+        <p:cNvPr id="1" name=""/>
+        <p:cNvGrpSpPr/>
+        <p:nvPr/>
+      </p:nvGrpSpPr>
+      <p:grpSpPr>
+        <a:xfrm>
+          <a:off x="0" y="0"/>
+          <a:ext cx="0" cy="0"/>
+          <a:chOff x="0" y="0"/>
+          <a:chExt cx="0" cy="0"/>
+        </a:xfrm>
+      </p:grpSpPr>
+      <p:sp>
+        <p:nvSpPr>
+          <p:cNvPr id="2" name="Title 1"/>
+          <p:cNvSpPr>
+            <a:spLocks noGrp="1"/>
+          </p:cNvSpPr>
+          <p:nvPr>
+            <p:ph type="title"/>
+          </p:nvPr>
+        </p:nvSpPr>
+        <p:spPr/>
+        <p:txBody>
+          <a:bodyPr/>
+          <a:lstStyle/>
+          <a:p>
+            <a:r>
+              <a:rPr lang="en-GB" dirty="0" smtClean="0"/>
+              <a:t>Software ECC exercise</a:t>
+            </a:r>
+            <a:endParaRPr lang="en-GB" dirty="0"/>
+          </a:p>
+        </p:txBody>
+      </p:sp>
+      <p:sp>
+        <p:nvSpPr>
+          <p:cNvPr id="3" name="Content Placeholder 2"/>
+          <p:cNvSpPr>
+            <a:spLocks noGrp="1"/>
+          </p:cNvSpPr>
+          <p:nvPr>
+            <p:ph idx="1"/>
+          </p:nvPr>
+        </p:nvSpPr>
+        <p:spPr/>
+        <p:txBody>
+          <a:bodyPr/>
+          <a:lstStyle/>
+          <a:p>
+            <a:r>
               <a:rPr lang="en-GB" sz="2800" dirty="0" smtClean="0"/>
-              <a:t>Comments in the code will guide </a:t>
-            </a:r>
-            <a:r>
-              <a:rPr lang="en-GB" sz="2800" dirty="0" smtClean="0"/>
-              <a:t>you</a:t>
+              <a:t>Comments in the code will guide you</a:t>
             </a:r>
           </a:p>
           <a:p>
@@ -43728,11 +46342,7 @@
           <a:p>
             <a:r>
               <a:rPr lang="en-GB" sz="2800" dirty="0" smtClean="0"/>
-              <a:t>Two routines are provided to do the heavy lifting (see </a:t>
-            </a:r>
-            <a:r>
-              <a:rPr lang="en-GB" sz="2800" dirty="0" smtClean="0"/>
-              <a:t>comments in </a:t>
+              <a:t>Two routines are provided to do the heavy lifting (see comments in </a:t>
             </a:r>
             <a:r>
               <a:rPr lang="en-GB" sz="2800" b="1" dirty="0" err="1" smtClean="0">
@@ -43743,11 +46353,7 @@
             </a:r>
             <a:r>
               <a:rPr lang="en-GB" sz="2800" dirty="0" smtClean="0"/>
-              <a:t> </a:t>
-            </a:r>
-            <a:r>
-              <a:rPr lang="en-GB" sz="2800" dirty="0" smtClean="0"/>
-              <a:t>for descriptions):</a:t>
+              <a:t> for descriptions):</a:t>
             </a:r>
           </a:p>
           <a:p>
@@ -43762,13 +46368,6 @@
               </a:rPr>
               <a:t>ecc_compute_col8</a:t>
             </a:r>
-            <a:endParaRPr lang="en-GB" sz="2400" b="1" dirty="0" smtClean="0">
-              <a:solidFill>
-                <a:srgbClr val="3366FF"/>
-              </a:solidFill>
-              <a:latin typeface="Courier New"/>
-              <a:cs typeface="Courier New"/>
-            </a:endParaRPr>
           </a:p>
           <a:p>
             <a:pPr lvl="1"/>
@@ -43782,13 +46381,6 @@
               </a:rPr>
               <a:t>ecc_correct_col8</a:t>
             </a:r>
-            <a:endParaRPr lang="en-GB" sz="2400" b="1" dirty="0" smtClean="0">
-              <a:solidFill>
-                <a:srgbClr val="3366FF"/>
-              </a:solidFill>
-              <a:latin typeface="Courier New"/>
-              <a:cs typeface="Courier New"/>
-            </a:endParaRPr>
           </a:p>
           <a:p>
             <a:r>
@@ -43843,7 +46435,7 @@
             <a:fld id="{D9B8CB04-7B95-2844-BD15-B133C35E4786}" type="slidenum">
               <a:rPr lang="en-GB" smtClean="0"/>
               <a:pPr/>
-              <a:t>44</a:t>
+              <a:t>48</a:t>
             </a:fld>
             <a:endParaRPr lang="en-GB"/>
           </a:p>
@@ -43877,7 +46469,7 @@
 </p:sld>
 </file>
 
-<file path=ppt/slides/slide45.xml><?xml version="1.0" encoding="utf-8"?>
+<file path=ppt/slides/slide49.xml><?xml version="1.0" encoding="utf-8"?>
 <p:sld xmlns:a="http://schemas.openxmlformats.org/drawingml/2006/main" xmlns:r="http://schemas.openxmlformats.org/officeDocument/2006/relationships" xmlns:p="http://schemas.openxmlformats.org/presentationml/2006/main">
   <p:cSld>
     <p:spTree>
@@ -43942,22 +46534,14 @@
             </a:r>
             <a:r>
               <a:rPr lang="en-GB" sz="2800" dirty="0" smtClean="0"/>
-              <a:t> </a:t>
-            </a:r>
-            <a:r>
-              <a:rPr lang="en-GB" sz="2800" dirty="0" smtClean="0"/>
-              <a:t>(if you finish early!):</a:t>
+              <a:t> (if you finish early!):</a:t>
             </a:r>
           </a:p>
           <a:p>
             <a:pPr lvl="1"/>
             <a:r>
               <a:rPr lang="en-GB" sz="2400" dirty="0" smtClean="0"/>
-              <a:t>Add an additional overall parity bit to improve the performance of the error checking </a:t>
-            </a:r>
-            <a:r>
-              <a:rPr lang="en-GB" sz="2400" dirty="0" smtClean="0"/>
-              <a:t>code</a:t>
+              <a:t>Add an additional overall parity bit to improve the performance of the error checking code</a:t>
             </a:r>
           </a:p>
           <a:p>
@@ -43980,21 +46564,12 @@
               <a:rPr lang="en-GB" sz="2000" dirty="0" smtClean="0"/>
               <a:t> routine</a:t>
             </a:r>
-            <a:endParaRPr lang="en-GB" sz="2000" dirty="0" smtClean="0"/>
           </a:p>
           <a:p>
             <a:pPr lvl="1"/>
             <a:r>
               <a:rPr lang="en-GB" sz="2400" dirty="0" smtClean="0"/>
-              <a:t>Or use the extra parity bit </a:t>
-            </a:r>
-            <a:r>
-              <a:rPr lang="en-GB" sz="2400" dirty="0" smtClean="0"/>
-              <a:t>to implement </a:t>
-            </a:r>
-            <a:r>
-              <a:rPr lang="en-GB" sz="2400" dirty="0" smtClean="0"/>
-              <a:t>a SECDED scheme </a:t>
+              <a:t>Or use the extra parity bit to implement a SECDED scheme </a:t>
             </a:r>
             <a:r>
               <a:rPr lang="en-GB" sz="2400" b="1" dirty="0" smtClean="0">
@@ -44040,7 +46615,7 @@
             <a:fld id="{D9B8CB04-7B95-2844-BD15-B133C35E4786}" type="slidenum">
               <a:rPr lang="en-GB" smtClean="0"/>
               <a:pPr/>
-              <a:t>45</a:t>
+              <a:t>49</a:t>
             </a:fld>
             <a:endParaRPr lang="en-GB"/>
           </a:p>

--- a/sparse-abft.pptx
+++ b/sparse-abft.pptx
@@ -5,10 +5,10 @@
     <p:sldMasterId id="2147483649" r:id="rId3"/>
   </p:sldMasterIdLst>
   <p:notesMasterIdLst>
-    <p:notesMasterId r:id="rId53"/>
+    <p:notesMasterId r:id="rId55"/>
   </p:notesMasterIdLst>
   <p:handoutMasterIdLst>
-    <p:handoutMasterId r:id="rId54"/>
+    <p:handoutMasterId r:id="rId56"/>
   </p:handoutMasterIdLst>
   <p:sldIdLst>
     <p:sldId id="257" r:id="rId4"/>
@@ -54,12 +54,14 @@
     <p:sldId id="612" r:id="rId44"/>
     <p:sldId id="622" r:id="rId45"/>
     <p:sldId id="613" r:id="rId46"/>
-    <p:sldId id="621" r:id="rId47"/>
-    <p:sldId id="615" r:id="rId48"/>
-    <p:sldId id="620" r:id="rId49"/>
-    <p:sldId id="618" r:id="rId50"/>
-    <p:sldId id="588" r:id="rId51"/>
-    <p:sldId id="619" r:id="rId52"/>
+    <p:sldId id="625" r:id="rId47"/>
+    <p:sldId id="621" r:id="rId48"/>
+    <p:sldId id="615" r:id="rId49"/>
+    <p:sldId id="626" r:id="rId50"/>
+    <p:sldId id="620" r:id="rId51"/>
+    <p:sldId id="618" r:id="rId52"/>
+    <p:sldId id="588" r:id="rId53"/>
+    <p:sldId id="619" r:id="rId54"/>
   </p:sldIdLst>
   <p:sldSz cx="9144000" cy="6858000" type="screen4x3"/>
   <p:notesSz cx="6858000" cy="9144000"/>
@@ -3308,7 +3310,7 @@
             <a:fld id="{1C811BE7-51AF-BD41-88D3-08D74CFB37BF}" type="slidenum">
               <a:rPr lang="en-GB" smtClean="0"/>
               <a:pPr/>
-              <a:t>45</a:t>
+              <a:t>44</a:t>
             </a:fld>
             <a:endParaRPr lang="en-GB"/>
           </a:p>
@@ -3317,7 +3319,7 @@
     </p:spTree>
     <p:extLst>
       <p:ext uri="{BB962C8B-B14F-4D97-AF65-F5344CB8AC3E}">
-        <p14:creationId xmlns:p14="http://schemas.microsoft.com/office/powerpoint/2010/main" val="645188229"/>
+        <p14:creationId xmlns:p14="http://schemas.microsoft.com/office/powerpoint/2010/main" val="2174565375"/>
       </p:ext>
     </p:extLst>
   </p:cSld>
@@ -3393,7 +3395,177 @@
             <a:fld id="{1C811BE7-51AF-BD41-88D3-08D74CFB37BF}" type="slidenum">
               <a:rPr lang="en-GB" smtClean="0"/>
               <a:pPr/>
+              <a:t>46</a:t>
+            </a:fld>
+            <a:endParaRPr lang="en-GB"/>
+          </a:p>
+        </p:txBody>
+      </p:sp>
+    </p:spTree>
+    <p:extLst>
+      <p:ext uri="{BB962C8B-B14F-4D97-AF65-F5344CB8AC3E}">
+        <p14:creationId xmlns:p14="http://schemas.microsoft.com/office/powerpoint/2010/main" val="645188229"/>
+      </p:ext>
+    </p:extLst>
+  </p:cSld>
+  <p:clrMapOvr>
+    <a:masterClrMapping/>
+  </p:clrMapOvr>
+</p:notes>
+</file>
+
+<file path=ppt/notesSlides/notesSlide32.xml><?xml version="1.0" encoding="utf-8"?>
+<p:notes xmlns:a="http://schemas.openxmlformats.org/drawingml/2006/main" xmlns:r="http://schemas.openxmlformats.org/officeDocument/2006/relationships" xmlns:p="http://schemas.openxmlformats.org/presentationml/2006/main">
+  <p:cSld>
+    <p:spTree>
+      <p:nvGrpSpPr>
+        <p:cNvPr id="1" name=""/>
+        <p:cNvGrpSpPr/>
+        <p:nvPr/>
+      </p:nvGrpSpPr>
+      <p:grpSpPr>
+        <a:xfrm>
+          <a:off x="0" y="0"/>
+          <a:ext cx="0" cy="0"/>
+          <a:chOff x="0" y="0"/>
+          <a:chExt cx="0" cy="0"/>
+        </a:xfrm>
+      </p:grpSpPr>
+      <p:sp>
+        <p:nvSpPr>
+          <p:cNvPr id="2" name="Slide Image Placeholder 1"/>
+          <p:cNvSpPr>
+            <a:spLocks noGrp="1" noRot="1" noChangeAspect="1"/>
+          </p:cNvSpPr>
+          <p:nvPr>
+            <p:ph type="sldImg"/>
+          </p:nvPr>
+        </p:nvSpPr>
+        <p:spPr/>
+      </p:sp>
+      <p:sp>
+        <p:nvSpPr>
+          <p:cNvPr id="3" name="Notes Placeholder 2"/>
+          <p:cNvSpPr>
+            <a:spLocks noGrp="1"/>
+          </p:cNvSpPr>
+          <p:nvPr>
+            <p:ph type="body" idx="1"/>
+          </p:nvPr>
+        </p:nvSpPr>
+        <p:spPr/>
+        <p:txBody>
+          <a:bodyPr/>
+          <a:lstStyle/>
+          <a:p>
+            <a:endParaRPr lang="en-GB" dirty="0"/>
+          </a:p>
+        </p:txBody>
+      </p:sp>
+      <p:sp>
+        <p:nvSpPr>
+          <p:cNvPr id="4" name="Slide Number Placeholder 3"/>
+          <p:cNvSpPr>
+            <a:spLocks noGrp="1"/>
+          </p:cNvSpPr>
+          <p:nvPr>
+            <p:ph type="sldNum" sz="quarter" idx="10"/>
+          </p:nvPr>
+        </p:nvSpPr>
+        <p:spPr/>
+        <p:txBody>
+          <a:bodyPr/>
+          <a:lstStyle/>
+          <a:p>
+            <a:fld id="{1C811BE7-51AF-BD41-88D3-08D74CFB37BF}" type="slidenum">
+              <a:rPr lang="en-GB" smtClean="0"/>
+              <a:pPr/>
               <a:t>47</a:t>
+            </a:fld>
+            <a:endParaRPr lang="en-GB"/>
+          </a:p>
+        </p:txBody>
+      </p:sp>
+    </p:spTree>
+    <p:extLst>
+      <p:ext uri="{BB962C8B-B14F-4D97-AF65-F5344CB8AC3E}">
+        <p14:creationId xmlns:p14="http://schemas.microsoft.com/office/powerpoint/2010/main" val="2174565375"/>
+      </p:ext>
+    </p:extLst>
+  </p:cSld>
+  <p:clrMapOvr>
+    <a:masterClrMapping/>
+  </p:clrMapOvr>
+</p:notes>
+</file>
+
+<file path=ppt/notesSlides/notesSlide33.xml><?xml version="1.0" encoding="utf-8"?>
+<p:notes xmlns:a="http://schemas.openxmlformats.org/drawingml/2006/main" xmlns:r="http://schemas.openxmlformats.org/officeDocument/2006/relationships" xmlns:p="http://schemas.openxmlformats.org/presentationml/2006/main">
+  <p:cSld>
+    <p:spTree>
+      <p:nvGrpSpPr>
+        <p:cNvPr id="1" name=""/>
+        <p:cNvGrpSpPr/>
+        <p:nvPr/>
+      </p:nvGrpSpPr>
+      <p:grpSpPr>
+        <a:xfrm>
+          <a:off x="0" y="0"/>
+          <a:ext cx="0" cy="0"/>
+          <a:chOff x="0" y="0"/>
+          <a:chExt cx="0" cy="0"/>
+        </a:xfrm>
+      </p:grpSpPr>
+      <p:sp>
+        <p:nvSpPr>
+          <p:cNvPr id="2" name="Slide Image Placeholder 1"/>
+          <p:cNvSpPr>
+            <a:spLocks noGrp="1" noRot="1" noChangeAspect="1"/>
+          </p:cNvSpPr>
+          <p:nvPr>
+            <p:ph type="sldImg"/>
+          </p:nvPr>
+        </p:nvSpPr>
+        <p:spPr/>
+      </p:sp>
+      <p:sp>
+        <p:nvSpPr>
+          <p:cNvPr id="3" name="Notes Placeholder 2"/>
+          <p:cNvSpPr>
+            <a:spLocks noGrp="1"/>
+          </p:cNvSpPr>
+          <p:nvPr>
+            <p:ph type="body" idx="1"/>
+          </p:nvPr>
+        </p:nvSpPr>
+        <p:spPr/>
+        <p:txBody>
+          <a:bodyPr/>
+          <a:lstStyle/>
+          <a:p>
+            <a:endParaRPr lang="en-GB" dirty="0"/>
+          </a:p>
+        </p:txBody>
+      </p:sp>
+      <p:sp>
+        <p:nvSpPr>
+          <p:cNvPr id="4" name="Slide Number Placeholder 3"/>
+          <p:cNvSpPr>
+            <a:spLocks noGrp="1"/>
+          </p:cNvSpPr>
+          <p:nvPr>
+            <p:ph type="sldNum" sz="quarter" idx="10"/>
+          </p:nvPr>
+        </p:nvSpPr>
+        <p:spPr/>
+        <p:txBody>
+          <a:bodyPr/>
+          <a:lstStyle/>
+          <a:p>
+            <a:fld id="{1C811BE7-51AF-BD41-88D3-08D74CFB37BF}" type="slidenum">
+              <a:rPr lang="en-GB" smtClean="0"/>
+              <a:pPr/>
+              <a:t>49</a:t>
             </a:fld>
             <a:endParaRPr lang="en-GB"/>
           </a:p>
@@ -42966,47 +43138,47 @@
           <a:lstStyle/>
           <a:p>
             <a:r>
-              <a:rPr lang="en-GB" sz="2800" dirty="0" smtClean="0"/>
+              <a:rPr lang="en-GB" sz="2600" dirty="0" smtClean="0"/>
               <a:t>Interleaving the parity bits with the data will be very expensive</a:t>
             </a:r>
           </a:p>
           <a:p>
             <a:r>
-              <a:rPr lang="en-GB" sz="2800" dirty="0" smtClean="0"/>
+              <a:rPr lang="en-GB" sz="2600" dirty="0" smtClean="0"/>
               <a:t>Instead, we can store the parity bits somewhere else, and just perform the hamming code operations </a:t>
             </a:r>
             <a:r>
-              <a:rPr lang="en-GB" sz="2800" b="1" i="1" dirty="0" smtClean="0"/>
+              <a:rPr lang="en-GB" sz="2600" b="1" i="1" dirty="0" smtClean="0"/>
               <a:t>as if</a:t>
             </a:r>
             <a:r>
-              <a:rPr lang="en-GB" sz="2800" dirty="0" smtClean="0"/>
+              <a:rPr lang="en-GB" sz="2600" dirty="0" smtClean="0"/>
               <a:t> they were in the correct (power-of-two) positions</a:t>
             </a:r>
           </a:p>
           <a:p>
             <a:r>
-              <a:rPr lang="en-GB" sz="2800" dirty="0" smtClean="0"/>
+              <a:rPr lang="en-GB" sz="2600" dirty="0" smtClean="0"/>
               <a:t>If we store the parity bits in the </a:t>
             </a:r>
             <a:r>
-              <a:rPr lang="en-GB" sz="2800" dirty="0"/>
+              <a:rPr lang="en-GB" sz="2600" dirty="0"/>
               <a:t>unused </a:t>
             </a:r>
             <a:r>
-              <a:rPr lang="en-GB" sz="2800" dirty="0" smtClean="0"/>
+              <a:rPr lang="en-GB" sz="2600" dirty="0" smtClean="0"/>
               <a:t>high-order bits </a:t>
             </a:r>
             <a:r>
-              <a:rPr lang="en-GB" sz="2800" dirty="0"/>
+              <a:rPr lang="en-GB" sz="2600" dirty="0"/>
               <a:t>of the matrix </a:t>
             </a:r>
             <a:r>
-              <a:rPr lang="en-GB" sz="2800" dirty="0" smtClean="0"/>
+              <a:rPr lang="en-GB" sz="2600" dirty="0" smtClean="0"/>
               <a:t>indices, masking them out becomes a simple bitwise </a:t>
             </a:r>
             <a:r>
-              <a:rPr lang="en-GB" sz="2800" b="1" dirty="0" smtClean="0">
+              <a:rPr lang="en-GB" sz="2600" b="1" dirty="0" smtClean="0">
                 <a:solidFill>
                   <a:srgbClr val="0000FF"/>
                 </a:solidFill>
@@ -43014,9 +43186,38 @@
               <a:t>AND</a:t>
             </a:r>
             <a:r>
-              <a:rPr lang="en-GB" sz="2800" dirty="0" smtClean="0"/>
-              <a:t> operation</a:t>
-            </a:r>
+              <a:rPr lang="en-GB" sz="2600" dirty="0" smtClean="0"/>
+              <a:t> </a:t>
+            </a:r>
+            <a:r>
+              <a:rPr lang="en-GB" sz="2600" dirty="0" smtClean="0"/>
+              <a:t>operation</a:t>
+            </a:r>
+          </a:p>
+          <a:p>
+            <a:r>
+              <a:rPr lang="en-GB" sz="2600" dirty="0"/>
+              <a:t>We can </a:t>
+            </a:r>
+            <a:r>
+              <a:rPr lang="en-GB" sz="2600" dirty="0" err="1"/>
+              <a:t>precompute</a:t>
+            </a:r>
+            <a:r>
+              <a:rPr lang="en-GB" sz="2600" dirty="0"/>
+              <a:t> </a:t>
+            </a:r>
+            <a:r>
+              <a:rPr lang="en-GB" sz="2600" dirty="0" smtClean="0"/>
+              <a:t>some masks </a:t>
+            </a:r>
+            <a:r>
+              <a:rPr lang="en-GB" sz="2600" dirty="0"/>
+              <a:t>for efficient extraction of the correct bits</a:t>
+            </a:r>
+          </a:p>
+          <a:p>
+            <a:endParaRPr lang="en-GB" sz="2600" dirty="0" smtClean="0"/>
           </a:p>
         </p:txBody>
       </p:sp>
@@ -43114,41 +43315,6 @@
       </p:sp>
       <p:sp>
         <p:nvSpPr>
-          <p:cNvPr id="3" name="Content Placeholder 2"/>
-          <p:cNvSpPr>
-            <a:spLocks noGrp="1"/>
-          </p:cNvSpPr>
-          <p:nvPr>
-            <p:ph idx="1"/>
-          </p:nvPr>
-        </p:nvSpPr>
-        <p:spPr>
-          <a:xfrm>
-            <a:off x="457200" y="1054100"/>
-            <a:ext cx="8229600" cy="1066800"/>
-          </a:xfrm>
-        </p:spPr>
-        <p:txBody>
-          <a:bodyPr/>
-          <a:lstStyle/>
-          <a:p>
-            <a:r>
-              <a:rPr lang="en-GB" sz="2400" dirty="0" smtClean="0"/>
-              <a:t>We can </a:t>
-            </a:r>
-            <a:r>
-              <a:rPr lang="en-GB" sz="2400" dirty="0" err="1" smtClean="0"/>
-              <a:t>precompute</a:t>
-            </a:r>
-            <a:r>
-              <a:rPr lang="en-GB" sz="2400" dirty="0" smtClean="0"/>
-              <a:t> some masks for efficient extraction of the correct bits</a:t>
-            </a:r>
-          </a:p>
-        </p:txBody>
-      </p:sp>
-      <p:sp>
-        <p:nvSpPr>
           <p:cNvPr id="4" name="Slide Number Placeholder 3"/>
           <p:cNvSpPr>
             <a:spLocks noGrp="1"/>
@@ -43181,8 +43347,8 @@
         </p:nvSpPr>
         <p:spPr bwMode="auto">
           <a:xfrm>
-            <a:off x="1168400" y="1905000"/>
-            <a:ext cx="7670800" cy="4330700"/>
+            <a:off x="584200" y="1206500"/>
+            <a:ext cx="8255000" cy="5029200"/>
           </a:xfrm>
           <a:prstGeom prst="rect">
             <a:avLst/>
@@ -44461,7 +44627,11 @@
           <a:p>
             <a:r>
               <a:rPr lang="en-GB" sz="4000" dirty="0" smtClean="0"/>
-              <a:t>Hamming codes - implementation</a:t>
+              <a:t>Hamming codes - </a:t>
+            </a:r>
+            <a:r>
+              <a:rPr lang="en-GB" sz="4000" dirty="0" smtClean="0"/>
+              <a:t>optimisation</a:t>
             </a:r>
             <a:endParaRPr lang="en-GB" sz="4000" dirty="0"/>
           </a:p>
@@ -44611,6 +44781,759 @@
           <a:lstStyle/>
           <a:p>
             <a:r>
+              <a:rPr lang="en-GB" sz="4000" dirty="0" smtClean="0"/>
+              <a:t>Hamming codes - </a:t>
+            </a:r>
+            <a:r>
+              <a:rPr lang="en-GB" sz="4000" dirty="0"/>
+              <a:t>optimisation</a:t>
+            </a:r>
+            <a:endParaRPr lang="en-GB" sz="4000" dirty="0"/>
+          </a:p>
+        </p:txBody>
+      </p:sp>
+      <p:sp>
+        <p:nvSpPr>
+          <p:cNvPr id="4" name="Slide Number Placeholder 3"/>
+          <p:cNvSpPr>
+            <a:spLocks noGrp="1"/>
+          </p:cNvSpPr>
+          <p:nvPr>
+            <p:ph type="sldNum" sz="quarter" idx="10"/>
+          </p:nvPr>
+        </p:nvSpPr>
+        <p:spPr/>
+        <p:txBody>
+          <a:bodyPr/>
+          <a:lstStyle/>
+          <a:p>
+            <a:fld id="{D9B8CB04-7B95-2844-BD15-B133C35E4786}" type="slidenum">
+              <a:rPr lang="en-GB" smtClean="0"/>
+              <a:pPr/>
+              <a:t>44</a:t>
+            </a:fld>
+            <a:endParaRPr lang="en-GB"/>
+          </a:p>
+        </p:txBody>
+      </p:sp>
+      <p:sp>
+        <p:nvSpPr>
+          <p:cNvPr id="5" name="Content Placeholder 2"/>
+          <p:cNvSpPr txBox="1">
+            <a:spLocks/>
+          </p:cNvSpPr>
+          <p:nvPr/>
+        </p:nvSpPr>
+        <p:spPr bwMode="auto">
+          <a:xfrm>
+            <a:off x="457200" y="1079500"/>
+            <a:ext cx="8382000" cy="5156200"/>
+          </a:xfrm>
+          <a:prstGeom prst="rect">
+            <a:avLst/>
+          </a:prstGeom>
+          <a:noFill/>
+          <a:ln>
+            <a:noFill/>
+          </a:ln>
+          <a:extLst>
+            <a:ext uri="{909E8E84-426E-40dd-AFC4-6F175D3DCCD1}">
+              <a14:hiddenFill xmlns:a14="http://schemas.microsoft.com/office/drawing/2010/main">
+                <a:solidFill>
+                  <a:srgbClr val="FFFFFF"/>
+                </a:solidFill>
+              </a14:hiddenFill>
+            </a:ext>
+            <a:ext uri="{91240B29-F687-4f45-9708-019B960494DF}">
+              <a14:hiddenLine xmlns:a14="http://schemas.microsoft.com/office/drawing/2010/main" w="9525">
+                <a:solidFill>
+                  <a:srgbClr val="000000"/>
+                </a:solidFill>
+                <a:miter lim="800000"/>
+                <a:headEnd/>
+                <a:tailEnd/>
+              </a14:hiddenLine>
+            </a:ext>
+            <a:ext uri="{FAA26D3D-D897-4be2-8F04-BA451C77F1D7}">
+              <ma14:placeholderFlag xmlns:ma14="http://schemas.microsoft.com/office/mac/drawingml/2011/main" val="1"/>
+            </a:ext>
+          </a:extLst>
+        </p:spPr>
+        <p:txBody>
+          <a:bodyPr vert="horz" wrap="square" lIns="91440" tIns="45720" rIns="91440" bIns="45720" numCol="1" anchor="t" anchorCtr="0" compatLnSpc="1">
+            <a:prstTxWarp prst="textNoShape">
+              <a:avLst/>
+            </a:prstTxWarp>
+          </a:bodyPr>
+          <a:lstStyle>
+            <a:lvl1pPr marL="342900" indent="-342900" algn="l" rtl="0" eaLnBrk="0" fontAlgn="base" hangingPunct="0">
+              <a:spcBef>
+                <a:spcPct val="20000"/>
+              </a:spcBef>
+              <a:spcAft>
+                <a:spcPct val="0"/>
+              </a:spcAft>
+              <a:buClr>
+                <a:srgbClr val="2858BB"/>
+              </a:buClr>
+              <a:buChar char="•"/>
+              <a:defRPr sz="3200">
+                <a:solidFill>
+                  <a:schemeClr val="tx1"/>
+                </a:solidFill>
+                <a:latin typeface="+mn-lt"/>
+                <a:ea typeface="ＭＳ Ｐゴシック" charset="-128"/>
+                <a:cs typeface="ＭＳ Ｐゴシック" charset="-128"/>
+              </a:defRPr>
+            </a:lvl1pPr>
+            <a:lvl2pPr marL="742950" indent="-285750" algn="l" rtl="0" eaLnBrk="0" fontAlgn="base" hangingPunct="0">
+              <a:spcBef>
+                <a:spcPct val="20000"/>
+              </a:spcBef>
+              <a:spcAft>
+                <a:spcPct val="0"/>
+              </a:spcAft>
+              <a:buClr>
+                <a:srgbClr val="2858BB"/>
+              </a:buClr>
+              <a:buChar char="•"/>
+              <a:defRPr sz="2800">
+                <a:solidFill>
+                  <a:schemeClr val="tx1"/>
+                </a:solidFill>
+                <a:latin typeface="+mn-lt"/>
+                <a:ea typeface="ＭＳ Ｐゴシック" charset="-128"/>
+              </a:defRPr>
+            </a:lvl2pPr>
+            <a:lvl3pPr marL="1143000" indent="-228600" algn="l" rtl="0" eaLnBrk="0" fontAlgn="base" hangingPunct="0">
+              <a:spcBef>
+                <a:spcPct val="20000"/>
+              </a:spcBef>
+              <a:spcAft>
+                <a:spcPct val="0"/>
+              </a:spcAft>
+              <a:buClr>
+                <a:srgbClr val="2858BB"/>
+              </a:buClr>
+              <a:buChar char="•"/>
+              <a:defRPr sz="2400">
+                <a:solidFill>
+                  <a:schemeClr val="tx1"/>
+                </a:solidFill>
+                <a:latin typeface="+mn-lt"/>
+                <a:ea typeface="ＭＳ Ｐゴシック" charset="-128"/>
+              </a:defRPr>
+            </a:lvl3pPr>
+            <a:lvl4pPr marL="1600200" indent="-228600" algn="l" rtl="0" eaLnBrk="0" fontAlgn="base" hangingPunct="0">
+              <a:spcBef>
+                <a:spcPct val="20000"/>
+              </a:spcBef>
+              <a:spcAft>
+                <a:spcPct val="0"/>
+              </a:spcAft>
+              <a:buChar char="–"/>
+              <a:defRPr sz="2000">
+                <a:solidFill>
+                  <a:schemeClr val="tx1"/>
+                </a:solidFill>
+                <a:latin typeface="+mn-lt"/>
+                <a:ea typeface="ＭＳ Ｐゴシック" charset="-128"/>
+              </a:defRPr>
+            </a:lvl4pPr>
+            <a:lvl5pPr marL="2057400" indent="-228600" algn="l" rtl="0" eaLnBrk="0" fontAlgn="base" hangingPunct="0">
+              <a:spcBef>
+                <a:spcPct val="20000"/>
+              </a:spcBef>
+              <a:spcAft>
+                <a:spcPct val="0"/>
+              </a:spcAft>
+              <a:buChar char="»"/>
+              <a:defRPr sz="2000">
+                <a:solidFill>
+                  <a:schemeClr val="tx1"/>
+                </a:solidFill>
+                <a:latin typeface="+mn-lt"/>
+                <a:ea typeface="ＭＳ Ｐゴシック" charset="-128"/>
+              </a:defRPr>
+            </a:lvl5pPr>
+            <a:lvl6pPr marL="2514600" indent="-228600" algn="l" rtl="0" fontAlgn="base">
+              <a:spcBef>
+                <a:spcPct val="20000"/>
+              </a:spcBef>
+              <a:spcAft>
+                <a:spcPct val="0"/>
+              </a:spcAft>
+              <a:buChar char="»"/>
+              <a:defRPr sz="2000">
+                <a:solidFill>
+                  <a:schemeClr val="tx1"/>
+                </a:solidFill>
+                <a:latin typeface="+mn-lt"/>
+                <a:ea typeface="ＭＳ Ｐゴシック" charset="-128"/>
+              </a:defRPr>
+            </a:lvl6pPr>
+            <a:lvl7pPr marL="2971800" indent="-228600" algn="l" rtl="0" fontAlgn="base">
+              <a:spcBef>
+                <a:spcPct val="20000"/>
+              </a:spcBef>
+              <a:spcAft>
+                <a:spcPct val="0"/>
+              </a:spcAft>
+              <a:buChar char="»"/>
+              <a:defRPr sz="2000">
+                <a:solidFill>
+                  <a:schemeClr val="tx1"/>
+                </a:solidFill>
+                <a:latin typeface="+mn-lt"/>
+                <a:ea typeface="ＭＳ Ｐゴシック" charset="-128"/>
+              </a:defRPr>
+            </a:lvl7pPr>
+            <a:lvl8pPr marL="3429000" indent="-228600" algn="l" rtl="0" fontAlgn="base">
+              <a:spcBef>
+                <a:spcPct val="20000"/>
+              </a:spcBef>
+              <a:spcAft>
+                <a:spcPct val="0"/>
+              </a:spcAft>
+              <a:buChar char="»"/>
+              <a:defRPr sz="2000">
+                <a:solidFill>
+                  <a:schemeClr val="tx1"/>
+                </a:solidFill>
+                <a:latin typeface="+mn-lt"/>
+                <a:ea typeface="ＭＳ Ｐゴシック" charset="-128"/>
+              </a:defRPr>
+            </a:lvl8pPr>
+            <a:lvl9pPr marL="3886200" indent="-228600" algn="l" rtl="0" fontAlgn="base">
+              <a:spcBef>
+                <a:spcPct val="20000"/>
+              </a:spcBef>
+              <a:spcAft>
+                <a:spcPct val="0"/>
+              </a:spcAft>
+              <a:buChar char="»"/>
+              <a:defRPr sz="2000">
+                <a:solidFill>
+                  <a:schemeClr val="tx1"/>
+                </a:solidFill>
+                <a:latin typeface="+mn-lt"/>
+                <a:ea typeface="ＭＳ Ｐゴシック" charset="-128"/>
+              </a:defRPr>
+            </a:lvl9pPr>
+          </a:lstStyle>
+          <a:p>
+            <a:pPr marL="0" indent="0">
+              <a:buFontTx/>
+              <a:buNone/>
+            </a:pPr>
+            <a:r>
+              <a:rPr lang="en-GB" sz="1800" b="1" i="1" dirty="0" smtClean="0">
+                <a:solidFill>
+                  <a:srgbClr val="3366FF"/>
+                </a:solidFill>
+                <a:latin typeface="Courier New"/>
+                <a:cs typeface="Courier New"/>
+              </a:rPr>
+              <a:t>uint32_t</a:t>
+            </a:r>
+            <a:r>
+              <a:rPr lang="en-GB" sz="1800" b="1" dirty="0" smtClean="0">
+                <a:latin typeface="Courier New"/>
+                <a:cs typeface="Courier New"/>
+              </a:rPr>
+              <a:t> data[</a:t>
+            </a:r>
+            <a:r>
+              <a:rPr lang="en-GB" sz="1800" b="1" dirty="0" smtClean="0">
+                <a:solidFill>
+                  <a:srgbClr val="6117C1"/>
+                </a:solidFill>
+                <a:latin typeface="Courier New"/>
+                <a:cs typeface="Courier New"/>
+              </a:rPr>
+              <a:t>4</a:t>
+            </a:r>
+            <a:r>
+              <a:rPr lang="en-GB" sz="1800" b="1" dirty="0" smtClean="0">
+                <a:latin typeface="Courier New"/>
+                <a:cs typeface="Courier New"/>
+              </a:rPr>
+              <a:t>]; </a:t>
+            </a:r>
+            <a:r>
+              <a:rPr lang="en-GB" sz="1800" b="1" dirty="0" smtClean="0">
+                <a:solidFill>
+                  <a:srgbClr val="008000"/>
+                </a:solidFill>
+                <a:latin typeface="Courier New"/>
+                <a:cs typeface="Courier New"/>
+              </a:rPr>
+              <a:t>// 128 bits of data</a:t>
+            </a:r>
+          </a:p>
+          <a:p>
+            <a:pPr marL="0" indent="0">
+              <a:buFontTx/>
+              <a:buNone/>
+            </a:pPr>
+            <a:endParaRPr lang="en-US" sz="1800" b="1" dirty="0" smtClean="0">
+              <a:latin typeface="Courier New"/>
+              <a:cs typeface="Courier New"/>
+            </a:endParaRPr>
+          </a:p>
+          <a:p>
+            <a:pPr marL="0" indent="0">
+              <a:buFontTx/>
+              <a:buNone/>
+            </a:pPr>
+            <a:r>
+              <a:rPr lang="en-US" sz="1800" b="1" dirty="0" err="1" smtClean="0">
+                <a:latin typeface="Courier New"/>
+                <a:cs typeface="Courier New"/>
+              </a:rPr>
+              <a:t>overall_parity</a:t>
+            </a:r>
+            <a:r>
+              <a:rPr lang="en-US" sz="1800" b="1" dirty="0" smtClean="0">
+                <a:latin typeface="Courier New"/>
+                <a:cs typeface="Courier New"/>
+              </a:rPr>
+              <a:t> = </a:t>
+            </a:r>
+            <a:r>
+              <a:rPr lang="en-US" sz="1800" b="1" dirty="0" err="1" smtClean="0">
+                <a:solidFill>
+                  <a:srgbClr val="3366FF"/>
+                </a:solidFill>
+                <a:latin typeface="Courier New"/>
+                <a:cs typeface="Courier New"/>
+              </a:rPr>
+              <a:t>compute_overall_parity</a:t>
+            </a:r>
+            <a:r>
+              <a:rPr lang="en-US" sz="1800" b="1" dirty="0" smtClean="0">
+                <a:latin typeface="Courier New"/>
+                <a:cs typeface="Courier New"/>
+              </a:rPr>
+              <a:t>(data);</a:t>
+            </a:r>
+            <a:endParaRPr lang="en-US" sz="1800" b="1" dirty="0" smtClean="0">
+              <a:latin typeface="Courier New"/>
+              <a:cs typeface="Courier New"/>
+            </a:endParaRPr>
+          </a:p>
+          <a:p>
+            <a:pPr marL="0" indent="0">
+              <a:buFontTx/>
+              <a:buNone/>
+            </a:pPr>
+            <a:r>
+              <a:rPr lang="en-US" sz="1800" b="1" dirty="0" smtClean="0">
+                <a:solidFill>
+                  <a:srgbClr val="FF6600"/>
+                </a:solidFill>
+                <a:latin typeface="Courier New"/>
+                <a:cs typeface="Courier New"/>
+              </a:rPr>
+              <a:t>if</a:t>
+            </a:r>
+            <a:r>
+              <a:rPr lang="en-US" sz="1800" b="1" dirty="0" smtClean="0">
+                <a:latin typeface="Courier New"/>
+                <a:cs typeface="Courier New"/>
+              </a:rPr>
+              <a:t> (</a:t>
+            </a:r>
+            <a:r>
+              <a:rPr lang="en-US" sz="1800" b="1" dirty="0" err="1" smtClean="0">
+                <a:latin typeface="Courier New"/>
+                <a:cs typeface="Courier New"/>
+              </a:rPr>
+              <a:t>overall_parity</a:t>
+            </a:r>
+            <a:r>
+              <a:rPr lang="en-US" sz="1800" b="1" dirty="0" smtClean="0">
+                <a:latin typeface="Courier New"/>
+                <a:cs typeface="Courier New"/>
+              </a:rPr>
+              <a:t> != </a:t>
+            </a:r>
+            <a:r>
+              <a:rPr lang="en-US" sz="1800" b="1" dirty="0" smtClean="0">
+                <a:solidFill>
+                  <a:srgbClr val="6117C1"/>
+                </a:solidFill>
+                <a:latin typeface="Courier New"/>
+                <a:cs typeface="Courier New"/>
+              </a:rPr>
+              <a:t>0</a:t>
+            </a:r>
+            <a:r>
+              <a:rPr lang="en-US" sz="1800" b="1" dirty="0" smtClean="0">
+                <a:latin typeface="Courier New"/>
+                <a:cs typeface="Courier New"/>
+              </a:rPr>
+              <a:t>)</a:t>
+            </a:r>
+          </a:p>
+          <a:p>
+            <a:pPr marL="0" indent="0">
+              <a:buFontTx/>
+              <a:buNone/>
+            </a:pPr>
+            <a:r>
+              <a:rPr lang="en-US" sz="1800" b="1" dirty="0" smtClean="0">
+                <a:latin typeface="Courier New"/>
+                <a:cs typeface="Courier New"/>
+              </a:rPr>
+              <a:t>{</a:t>
+            </a:r>
+          </a:p>
+          <a:p>
+            <a:pPr marL="0" indent="0">
+              <a:buFontTx/>
+              <a:buNone/>
+            </a:pPr>
+            <a:r>
+              <a:rPr lang="en-US" sz="1800" b="1" dirty="0">
+                <a:latin typeface="Courier New"/>
+                <a:cs typeface="Courier New"/>
+              </a:rPr>
+              <a:t> </a:t>
+            </a:r>
+            <a:r>
+              <a:rPr lang="en-US" sz="1800" b="1" dirty="0" smtClean="0">
+                <a:latin typeface="Courier New"/>
+                <a:cs typeface="Courier New"/>
+              </a:rPr>
+              <a:t> syndrome = </a:t>
+            </a:r>
+            <a:r>
+              <a:rPr lang="en-US" sz="1800" b="1" dirty="0" err="1" smtClean="0">
+                <a:solidFill>
+                  <a:srgbClr val="3366FF"/>
+                </a:solidFill>
+                <a:latin typeface="Courier New"/>
+                <a:cs typeface="Courier New"/>
+              </a:rPr>
+              <a:t>compute_hamming_bits</a:t>
+            </a:r>
+            <a:r>
+              <a:rPr lang="en-US" sz="1800" b="1" dirty="0" smtClean="0">
+                <a:latin typeface="Courier New"/>
+                <a:cs typeface="Courier New"/>
+              </a:rPr>
+              <a:t>(data);</a:t>
+            </a:r>
+          </a:p>
+          <a:p>
+            <a:pPr marL="0" indent="0">
+              <a:buFontTx/>
+              <a:buNone/>
+            </a:pPr>
+            <a:r>
+              <a:rPr lang="en-US" sz="1800" b="1" dirty="0">
+                <a:latin typeface="Courier New"/>
+                <a:cs typeface="Courier New"/>
+              </a:rPr>
+              <a:t> </a:t>
+            </a:r>
+            <a:r>
+              <a:rPr lang="en-US" sz="1800" b="1" dirty="0" smtClean="0">
+                <a:latin typeface="Courier New"/>
+                <a:cs typeface="Courier New"/>
+              </a:rPr>
+              <a:t> </a:t>
+            </a:r>
+            <a:r>
+              <a:rPr lang="en-US" sz="1800" b="1" dirty="0" smtClean="0">
+                <a:solidFill>
+                  <a:srgbClr val="FF6600"/>
+                </a:solidFill>
+                <a:latin typeface="Courier New"/>
+                <a:cs typeface="Courier New"/>
+              </a:rPr>
+              <a:t>if</a:t>
+            </a:r>
+            <a:r>
+              <a:rPr lang="en-US" sz="1800" b="1" dirty="0" smtClean="0">
+                <a:latin typeface="Courier New"/>
+                <a:cs typeface="Courier New"/>
+              </a:rPr>
+              <a:t> (syndrome != </a:t>
+            </a:r>
+            <a:r>
+              <a:rPr lang="en-US" sz="1800" b="1" dirty="0" smtClean="0">
+                <a:solidFill>
+                  <a:srgbClr val="6117C1"/>
+                </a:solidFill>
+                <a:latin typeface="Courier New"/>
+                <a:cs typeface="Courier New"/>
+              </a:rPr>
+              <a:t>0</a:t>
+            </a:r>
+            <a:r>
+              <a:rPr lang="en-US" sz="1800" b="1" dirty="0" smtClean="0">
+                <a:latin typeface="Courier New"/>
+                <a:cs typeface="Courier New"/>
+              </a:rPr>
+              <a:t>)</a:t>
+            </a:r>
+          </a:p>
+          <a:p>
+            <a:pPr marL="0" indent="0">
+              <a:buFontTx/>
+              <a:buNone/>
+            </a:pPr>
+            <a:r>
+              <a:rPr lang="en-US" sz="1800" b="1" dirty="0" smtClean="0">
+                <a:latin typeface="Courier New"/>
+                <a:cs typeface="Courier New"/>
+              </a:rPr>
+              <a:t>  {</a:t>
+            </a:r>
+          </a:p>
+          <a:p>
+            <a:pPr marL="0" indent="0">
+              <a:buFontTx/>
+              <a:buNone/>
+            </a:pPr>
+            <a:r>
+              <a:rPr lang="en-US" sz="1800" b="1" dirty="0">
+                <a:latin typeface="Courier New"/>
+                <a:cs typeface="Courier New"/>
+              </a:rPr>
+              <a:t> </a:t>
+            </a:r>
+            <a:r>
+              <a:rPr lang="en-US" sz="1800" b="1" dirty="0" smtClean="0">
+                <a:latin typeface="Courier New"/>
+                <a:cs typeface="Courier New"/>
+              </a:rPr>
+              <a:t>   </a:t>
+            </a:r>
+            <a:r>
+              <a:rPr lang="en-US" sz="1800" b="1" dirty="0" smtClean="0">
+                <a:solidFill>
+                  <a:srgbClr val="008000"/>
+                </a:solidFill>
+                <a:latin typeface="Courier New"/>
+                <a:cs typeface="Courier New"/>
+              </a:rPr>
+              <a:t>// correct </a:t>
+            </a:r>
+            <a:r>
+              <a:rPr lang="en-US" sz="1800" b="1" dirty="0" smtClean="0">
+                <a:solidFill>
+                  <a:srgbClr val="008000"/>
+                </a:solidFill>
+                <a:latin typeface="Courier New"/>
+                <a:cs typeface="Courier New"/>
+              </a:rPr>
+              <a:t>flipped bit</a:t>
+            </a:r>
+          </a:p>
+          <a:p>
+            <a:pPr marL="0" indent="0">
+              <a:buFontTx/>
+              <a:buNone/>
+            </a:pPr>
+            <a:r>
+              <a:rPr lang="en-US" sz="1800" b="1" dirty="0">
+                <a:latin typeface="Courier New"/>
+                <a:cs typeface="Courier New"/>
+              </a:rPr>
+              <a:t> </a:t>
+            </a:r>
+            <a:r>
+              <a:rPr lang="en-US" sz="1800" b="1" dirty="0" smtClean="0">
+                <a:latin typeface="Courier New"/>
+                <a:cs typeface="Courier New"/>
+              </a:rPr>
+              <a:t> </a:t>
+            </a:r>
+            <a:r>
+              <a:rPr lang="en-US" sz="1800" b="1" dirty="0" smtClean="0">
+                <a:latin typeface="Courier New"/>
+                <a:cs typeface="Courier New"/>
+              </a:rPr>
+              <a:t>}</a:t>
+            </a:r>
+          </a:p>
+          <a:p>
+            <a:pPr marL="0" indent="0">
+              <a:buFontTx/>
+              <a:buNone/>
+            </a:pPr>
+            <a:r>
+              <a:rPr lang="en-US" sz="1800" b="1" dirty="0">
+                <a:latin typeface="Courier New"/>
+                <a:cs typeface="Courier New"/>
+              </a:rPr>
+              <a:t> </a:t>
+            </a:r>
+            <a:r>
+              <a:rPr lang="en-US" sz="1800" b="1" dirty="0" smtClean="0">
+                <a:latin typeface="Courier New"/>
+                <a:cs typeface="Courier New"/>
+              </a:rPr>
+              <a:t> </a:t>
+            </a:r>
+            <a:r>
+              <a:rPr lang="en-US" sz="1800" b="1" dirty="0" smtClean="0">
+                <a:solidFill>
+                  <a:srgbClr val="FF6600"/>
+                </a:solidFill>
+                <a:latin typeface="Courier New"/>
+                <a:cs typeface="Courier New"/>
+              </a:rPr>
+              <a:t>else</a:t>
+            </a:r>
+          </a:p>
+          <a:p>
+            <a:pPr marL="0" indent="0">
+              <a:buFontTx/>
+              <a:buNone/>
+            </a:pPr>
+            <a:r>
+              <a:rPr lang="en-US" sz="1800" b="1" dirty="0" smtClean="0">
+                <a:latin typeface="Courier New"/>
+                <a:cs typeface="Courier New"/>
+              </a:rPr>
+              <a:t>  {</a:t>
+            </a:r>
+          </a:p>
+          <a:p>
+            <a:pPr marL="0" indent="0">
+              <a:buFontTx/>
+              <a:buNone/>
+            </a:pPr>
+            <a:r>
+              <a:rPr lang="en-US" sz="1800" b="1" dirty="0">
+                <a:latin typeface="Courier New"/>
+                <a:cs typeface="Courier New"/>
+              </a:rPr>
+              <a:t> </a:t>
+            </a:r>
+            <a:r>
+              <a:rPr lang="en-US" sz="1800" b="1" dirty="0" smtClean="0">
+                <a:latin typeface="Courier New"/>
+                <a:cs typeface="Courier New"/>
+              </a:rPr>
+              <a:t>   </a:t>
+            </a:r>
+            <a:r>
+              <a:rPr lang="en-US" sz="1800" b="1" dirty="0" smtClean="0">
+                <a:solidFill>
+                  <a:srgbClr val="008000"/>
+                </a:solidFill>
+                <a:latin typeface="Courier New"/>
+                <a:cs typeface="Courier New"/>
+              </a:rPr>
+              <a:t>// correct overall parity bit</a:t>
+            </a:r>
+            <a:endParaRPr lang="en-US" sz="1800" b="1" dirty="0" smtClean="0">
+              <a:solidFill>
+                <a:srgbClr val="008000"/>
+              </a:solidFill>
+              <a:latin typeface="Courier New"/>
+              <a:cs typeface="Courier New"/>
+            </a:endParaRPr>
+          </a:p>
+          <a:p>
+            <a:pPr marL="0" indent="0">
+              <a:buFontTx/>
+              <a:buNone/>
+            </a:pPr>
+            <a:r>
+              <a:rPr lang="en-US" sz="1800" b="1" dirty="0" smtClean="0">
+                <a:latin typeface="Courier New"/>
+                <a:cs typeface="Courier New"/>
+              </a:rPr>
+              <a:t>  }</a:t>
+            </a:r>
+            <a:endParaRPr lang="en-US" sz="1800" b="1" dirty="0" smtClean="0">
+              <a:latin typeface="Courier New"/>
+              <a:cs typeface="Courier New"/>
+            </a:endParaRPr>
+          </a:p>
+          <a:p>
+            <a:pPr marL="0" indent="0">
+              <a:buFontTx/>
+              <a:buNone/>
+            </a:pPr>
+            <a:r>
+              <a:rPr lang="en-US" sz="1800" b="1" dirty="0" smtClean="0">
+                <a:latin typeface="Courier New"/>
+                <a:cs typeface="Courier New"/>
+              </a:rPr>
+              <a:t>}</a:t>
+            </a:r>
+            <a:endParaRPr lang="en-GB" sz="1800" b="1" dirty="0"/>
+          </a:p>
+        </p:txBody>
+      </p:sp>
+    </p:spTree>
+    <p:extLst>
+      <p:ext uri="{BB962C8B-B14F-4D97-AF65-F5344CB8AC3E}">
+        <p14:creationId xmlns:p14="http://schemas.microsoft.com/office/powerpoint/2010/main" val="4233116993"/>
+      </p:ext>
+    </p:extLst>
+  </p:cSld>
+  <p:clrMapOvr>
+    <a:masterClrMapping/>
+  </p:clrMapOvr>
+  <mc:AlternateContent xmlns:mc="http://schemas.openxmlformats.org/markup-compatibility/2006" xmlns:p14="http://schemas.microsoft.com/office/powerpoint/2010/main">
+    <mc:Choice Requires="p14">
+      <p:transition spd="slow" p14:dur="2000"/>
+    </mc:Choice>
+    <mc:Fallback xmlns="">
+      <p:transition xmlns:p14="http://schemas.microsoft.com/office/powerpoint/2010/main" spd="slow"/>
+    </mc:Fallback>
+  </mc:AlternateContent>
+  <p:timing>
+    <p:tnLst>
+      <p:par>
+        <p:cTn xmlns:p14="http://schemas.microsoft.com/office/powerpoint/2010/main" id="1" dur="indefinite" restart="never" nodeType="tmRoot"/>
+      </p:par>
+    </p:tnLst>
+  </p:timing>
+</p:sld>
+</file>
+
+<file path=ppt/slides/slide45.xml><?xml version="1.0" encoding="utf-8"?>
+<p:sld xmlns:a="http://schemas.openxmlformats.org/drawingml/2006/main" xmlns:r="http://schemas.openxmlformats.org/officeDocument/2006/relationships" xmlns:p="http://schemas.openxmlformats.org/presentationml/2006/main">
+  <p:cSld>
+    <p:spTree>
+      <p:nvGrpSpPr>
+        <p:cNvPr id="1" name=""/>
+        <p:cNvGrpSpPr/>
+        <p:nvPr/>
+      </p:nvGrpSpPr>
+      <p:grpSpPr>
+        <a:xfrm>
+          <a:off x="0" y="0"/>
+          <a:ext cx="0" cy="0"/>
+          <a:chOff x="0" y="0"/>
+          <a:chExt cx="0" cy="0"/>
+        </a:xfrm>
+      </p:grpSpPr>
+      <p:sp>
+        <p:nvSpPr>
+          <p:cNvPr id="2" name="Title 1"/>
+          <p:cNvSpPr>
+            <a:spLocks noGrp="1"/>
+          </p:cNvSpPr>
+          <p:nvPr>
+            <p:ph type="title"/>
+          </p:nvPr>
+        </p:nvSpPr>
+        <p:spPr/>
+        <p:txBody>
+          <a:bodyPr/>
+          <a:lstStyle/>
+          <a:p>
+            <a:r>
               <a:rPr lang="en-GB" dirty="0" smtClean="0"/>
               <a:t>Sparse matrix ABFT Results</a:t>
             </a:r>
@@ -44708,7 +45631,7 @@
             <a:fld id="{D9B8CB04-7B95-2844-BD15-B133C35E4786}" type="slidenum">
               <a:rPr lang="en-GB" smtClean="0"/>
               <a:pPr/>
-              <a:t>44</a:t>
+              <a:t>45</a:t>
             </a:fld>
             <a:endParaRPr lang="en-GB"/>
           </a:p>
@@ -45210,10 +46133,17 @@
       <p:transition xmlns:p14="http://schemas.microsoft.com/office/powerpoint/2010/main" spd="slow"/>
     </mc:Fallback>
   </mc:AlternateContent>
+  <p:timing>
+    <p:tnLst>
+      <p:par>
+        <p:cTn xmlns:p14="http://schemas.microsoft.com/office/powerpoint/2010/main" id="1" dur="indefinite" restart="never" nodeType="tmRoot"/>
+      </p:par>
+    </p:tnLst>
+  </p:timing>
 </p:sld>
 </file>
 
-<file path=ppt/slides/slide45.xml><?xml version="1.0" encoding="utf-8"?>
+<file path=ppt/slides/slide46.xml><?xml version="1.0" encoding="utf-8"?>
 <p:sld xmlns:a="http://schemas.openxmlformats.org/drawingml/2006/main" xmlns:r="http://schemas.openxmlformats.org/officeDocument/2006/relationships" xmlns:p="http://schemas.openxmlformats.org/presentationml/2006/main">
   <p:cSld>
     <p:spTree>
@@ -45345,7 +46275,7 @@
             <a:fld id="{D9B8CB04-7B95-2844-BD15-B133C35E4786}" type="slidenum">
               <a:rPr lang="en-GB" smtClean="0"/>
               <a:pPr/>
-              <a:t>45</a:t>
+              <a:t>46</a:t>
             </a:fld>
             <a:endParaRPr lang="en-GB"/>
           </a:p>
@@ -45379,7 +46309,7 @@
 </p:sld>
 </file>
 
-<file path=ppt/slides/slide46.xml><?xml version="1.0" encoding="utf-8"?>
+<file path=ppt/slides/slide47.xml><?xml version="1.0" encoding="utf-8"?>
 <p:sld xmlns:a="http://schemas.openxmlformats.org/drawingml/2006/main" xmlns:r="http://schemas.openxmlformats.org/officeDocument/2006/relationships" xmlns:p="http://schemas.openxmlformats.org/presentationml/2006/main">
   <p:cSld>
     <p:spTree>
@@ -45412,6 +46342,789 @@
           <a:lstStyle/>
           <a:p>
             <a:r>
+              <a:rPr lang="en-GB" sz="4000" dirty="0" smtClean="0"/>
+              <a:t>Hamming codes - </a:t>
+            </a:r>
+            <a:r>
+              <a:rPr lang="en-GB" sz="4000" dirty="0" smtClean="0"/>
+              <a:t>SECDED</a:t>
+            </a:r>
+            <a:endParaRPr lang="en-GB" sz="4000" dirty="0"/>
+          </a:p>
+        </p:txBody>
+      </p:sp>
+      <p:sp>
+        <p:nvSpPr>
+          <p:cNvPr id="4" name="Slide Number Placeholder 3"/>
+          <p:cNvSpPr>
+            <a:spLocks noGrp="1"/>
+          </p:cNvSpPr>
+          <p:nvPr>
+            <p:ph type="sldNum" sz="quarter" idx="10"/>
+          </p:nvPr>
+        </p:nvSpPr>
+        <p:spPr/>
+        <p:txBody>
+          <a:bodyPr/>
+          <a:lstStyle/>
+          <a:p>
+            <a:fld id="{D9B8CB04-7B95-2844-BD15-B133C35E4786}" type="slidenum">
+              <a:rPr lang="en-GB" smtClean="0"/>
+              <a:pPr/>
+              <a:t>47</a:t>
+            </a:fld>
+            <a:endParaRPr lang="en-GB"/>
+          </a:p>
+        </p:txBody>
+      </p:sp>
+      <p:sp>
+        <p:nvSpPr>
+          <p:cNvPr id="5" name="Content Placeholder 2"/>
+          <p:cNvSpPr txBox="1">
+            <a:spLocks/>
+          </p:cNvSpPr>
+          <p:nvPr/>
+        </p:nvSpPr>
+        <p:spPr bwMode="auto">
+          <a:xfrm>
+            <a:off x="495300" y="1016000"/>
+            <a:ext cx="8343900" cy="4965700"/>
+          </a:xfrm>
+          <a:prstGeom prst="rect">
+            <a:avLst/>
+          </a:prstGeom>
+          <a:noFill/>
+          <a:ln>
+            <a:noFill/>
+          </a:ln>
+          <a:extLst>
+            <a:ext uri="{909E8E84-426E-40dd-AFC4-6F175D3DCCD1}">
+              <a14:hiddenFill xmlns:a14="http://schemas.microsoft.com/office/drawing/2010/main">
+                <a:solidFill>
+                  <a:srgbClr val="FFFFFF"/>
+                </a:solidFill>
+              </a14:hiddenFill>
+            </a:ext>
+            <a:ext uri="{91240B29-F687-4f45-9708-019B960494DF}">
+              <a14:hiddenLine xmlns:a14="http://schemas.microsoft.com/office/drawing/2010/main" w="9525">
+                <a:solidFill>
+                  <a:srgbClr val="000000"/>
+                </a:solidFill>
+                <a:miter lim="800000"/>
+                <a:headEnd/>
+                <a:tailEnd/>
+              </a14:hiddenLine>
+            </a:ext>
+            <a:ext uri="{FAA26D3D-D897-4be2-8F04-BA451C77F1D7}">
+              <ma14:placeholderFlag xmlns:ma14="http://schemas.microsoft.com/office/mac/drawingml/2011/main" val="1"/>
+            </a:ext>
+          </a:extLst>
+        </p:spPr>
+        <p:txBody>
+          <a:bodyPr vert="horz" wrap="square" lIns="91440" tIns="45720" rIns="91440" bIns="45720" numCol="1" anchor="t" anchorCtr="0" compatLnSpc="1">
+            <a:prstTxWarp prst="textNoShape">
+              <a:avLst/>
+            </a:prstTxWarp>
+          </a:bodyPr>
+          <a:lstStyle>
+            <a:lvl1pPr marL="342900" indent="-342900" algn="l" rtl="0" eaLnBrk="0" fontAlgn="base" hangingPunct="0">
+              <a:spcBef>
+                <a:spcPct val="20000"/>
+              </a:spcBef>
+              <a:spcAft>
+                <a:spcPct val="0"/>
+              </a:spcAft>
+              <a:buClr>
+                <a:srgbClr val="2858BB"/>
+              </a:buClr>
+              <a:buChar char="•"/>
+              <a:defRPr sz="3200">
+                <a:solidFill>
+                  <a:schemeClr val="tx1"/>
+                </a:solidFill>
+                <a:latin typeface="+mn-lt"/>
+                <a:ea typeface="ＭＳ Ｐゴシック" charset="-128"/>
+                <a:cs typeface="ＭＳ Ｐゴシック" charset="-128"/>
+              </a:defRPr>
+            </a:lvl1pPr>
+            <a:lvl2pPr marL="742950" indent="-285750" algn="l" rtl="0" eaLnBrk="0" fontAlgn="base" hangingPunct="0">
+              <a:spcBef>
+                <a:spcPct val="20000"/>
+              </a:spcBef>
+              <a:spcAft>
+                <a:spcPct val="0"/>
+              </a:spcAft>
+              <a:buClr>
+                <a:srgbClr val="2858BB"/>
+              </a:buClr>
+              <a:buChar char="•"/>
+              <a:defRPr sz="2800">
+                <a:solidFill>
+                  <a:schemeClr val="tx1"/>
+                </a:solidFill>
+                <a:latin typeface="+mn-lt"/>
+                <a:ea typeface="ＭＳ Ｐゴシック" charset="-128"/>
+              </a:defRPr>
+            </a:lvl2pPr>
+            <a:lvl3pPr marL="1143000" indent="-228600" algn="l" rtl="0" eaLnBrk="0" fontAlgn="base" hangingPunct="0">
+              <a:spcBef>
+                <a:spcPct val="20000"/>
+              </a:spcBef>
+              <a:spcAft>
+                <a:spcPct val="0"/>
+              </a:spcAft>
+              <a:buClr>
+                <a:srgbClr val="2858BB"/>
+              </a:buClr>
+              <a:buChar char="•"/>
+              <a:defRPr sz="2400">
+                <a:solidFill>
+                  <a:schemeClr val="tx1"/>
+                </a:solidFill>
+                <a:latin typeface="+mn-lt"/>
+                <a:ea typeface="ＭＳ Ｐゴシック" charset="-128"/>
+              </a:defRPr>
+            </a:lvl3pPr>
+            <a:lvl4pPr marL="1600200" indent="-228600" algn="l" rtl="0" eaLnBrk="0" fontAlgn="base" hangingPunct="0">
+              <a:spcBef>
+                <a:spcPct val="20000"/>
+              </a:spcBef>
+              <a:spcAft>
+                <a:spcPct val="0"/>
+              </a:spcAft>
+              <a:buChar char="–"/>
+              <a:defRPr sz="2000">
+                <a:solidFill>
+                  <a:schemeClr val="tx1"/>
+                </a:solidFill>
+                <a:latin typeface="+mn-lt"/>
+                <a:ea typeface="ＭＳ Ｐゴシック" charset="-128"/>
+              </a:defRPr>
+            </a:lvl4pPr>
+            <a:lvl5pPr marL="2057400" indent="-228600" algn="l" rtl="0" eaLnBrk="0" fontAlgn="base" hangingPunct="0">
+              <a:spcBef>
+                <a:spcPct val="20000"/>
+              </a:spcBef>
+              <a:spcAft>
+                <a:spcPct val="0"/>
+              </a:spcAft>
+              <a:buChar char="»"/>
+              <a:defRPr sz="2000">
+                <a:solidFill>
+                  <a:schemeClr val="tx1"/>
+                </a:solidFill>
+                <a:latin typeface="+mn-lt"/>
+                <a:ea typeface="ＭＳ Ｐゴシック" charset="-128"/>
+              </a:defRPr>
+            </a:lvl5pPr>
+            <a:lvl6pPr marL="2514600" indent="-228600" algn="l" rtl="0" fontAlgn="base">
+              <a:spcBef>
+                <a:spcPct val="20000"/>
+              </a:spcBef>
+              <a:spcAft>
+                <a:spcPct val="0"/>
+              </a:spcAft>
+              <a:buChar char="»"/>
+              <a:defRPr sz="2000">
+                <a:solidFill>
+                  <a:schemeClr val="tx1"/>
+                </a:solidFill>
+                <a:latin typeface="+mn-lt"/>
+                <a:ea typeface="ＭＳ Ｐゴシック" charset="-128"/>
+              </a:defRPr>
+            </a:lvl6pPr>
+            <a:lvl7pPr marL="2971800" indent="-228600" algn="l" rtl="0" fontAlgn="base">
+              <a:spcBef>
+                <a:spcPct val="20000"/>
+              </a:spcBef>
+              <a:spcAft>
+                <a:spcPct val="0"/>
+              </a:spcAft>
+              <a:buChar char="»"/>
+              <a:defRPr sz="2000">
+                <a:solidFill>
+                  <a:schemeClr val="tx1"/>
+                </a:solidFill>
+                <a:latin typeface="+mn-lt"/>
+                <a:ea typeface="ＭＳ Ｐゴシック" charset="-128"/>
+              </a:defRPr>
+            </a:lvl7pPr>
+            <a:lvl8pPr marL="3429000" indent="-228600" algn="l" rtl="0" fontAlgn="base">
+              <a:spcBef>
+                <a:spcPct val="20000"/>
+              </a:spcBef>
+              <a:spcAft>
+                <a:spcPct val="0"/>
+              </a:spcAft>
+              <a:buChar char="»"/>
+              <a:defRPr sz="2000">
+                <a:solidFill>
+                  <a:schemeClr val="tx1"/>
+                </a:solidFill>
+                <a:latin typeface="+mn-lt"/>
+                <a:ea typeface="ＭＳ Ｐゴシック" charset="-128"/>
+              </a:defRPr>
+            </a:lvl8pPr>
+            <a:lvl9pPr marL="3886200" indent="-228600" algn="l" rtl="0" fontAlgn="base">
+              <a:spcBef>
+                <a:spcPct val="20000"/>
+              </a:spcBef>
+              <a:spcAft>
+                <a:spcPct val="0"/>
+              </a:spcAft>
+              <a:buChar char="»"/>
+              <a:defRPr sz="2000">
+                <a:solidFill>
+                  <a:schemeClr val="tx1"/>
+                </a:solidFill>
+                <a:latin typeface="+mn-lt"/>
+                <a:ea typeface="ＭＳ Ｐゴシック" charset="-128"/>
+              </a:defRPr>
+            </a:lvl9pPr>
+          </a:lstStyle>
+          <a:p>
+            <a:pPr marL="0" indent="0">
+              <a:buFontTx/>
+              <a:buNone/>
+            </a:pPr>
+            <a:r>
+              <a:rPr lang="en-GB" sz="1800" b="1" i="1" dirty="0" smtClean="0">
+                <a:solidFill>
+                  <a:srgbClr val="3366FF"/>
+                </a:solidFill>
+                <a:latin typeface="Courier New"/>
+                <a:cs typeface="Courier New"/>
+              </a:rPr>
+              <a:t>uint32_t</a:t>
+            </a:r>
+            <a:r>
+              <a:rPr lang="en-GB" sz="1800" b="1" dirty="0" smtClean="0">
+                <a:latin typeface="Courier New"/>
+                <a:cs typeface="Courier New"/>
+              </a:rPr>
+              <a:t> data[</a:t>
+            </a:r>
+            <a:r>
+              <a:rPr lang="en-GB" sz="1800" b="1" dirty="0" smtClean="0">
+                <a:solidFill>
+                  <a:srgbClr val="6117C1"/>
+                </a:solidFill>
+                <a:latin typeface="Courier New"/>
+                <a:cs typeface="Courier New"/>
+              </a:rPr>
+              <a:t>4</a:t>
+            </a:r>
+            <a:r>
+              <a:rPr lang="en-GB" sz="1800" b="1" dirty="0" smtClean="0">
+                <a:latin typeface="Courier New"/>
+                <a:cs typeface="Courier New"/>
+              </a:rPr>
+              <a:t>]; </a:t>
+            </a:r>
+            <a:r>
+              <a:rPr lang="en-GB" sz="1800" b="1" dirty="0" smtClean="0">
+                <a:solidFill>
+                  <a:srgbClr val="008000"/>
+                </a:solidFill>
+                <a:latin typeface="Courier New"/>
+                <a:cs typeface="Courier New"/>
+              </a:rPr>
+              <a:t>// 128 bits of data</a:t>
+            </a:r>
+          </a:p>
+          <a:p>
+            <a:pPr marL="0" indent="0">
+              <a:buFontTx/>
+              <a:buNone/>
+            </a:pPr>
+            <a:endParaRPr lang="en-US" sz="1800" b="1" dirty="0" smtClean="0">
+              <a:latin typeface="Courier New"/>
+              <a:cs typeface="Courier New"/>
+            </a:endParaRPr>
+          </a:p>
+          <a:p>
+            <a:pPr marL="0" indent="0">
+              <a:buFontTx/>
+              <a:buNone/>
+            </a:pPr>
+            <a:r>
+              <a:rPr lang="en-US" sz="1800" b="1" dirty="0" err="1" smtClean="0">
+                <a:latin typeface="Courier New"/>
+                <a:cs typeface="Courier New"/>
+              </a:rPr>
+              <a:t>overall_parity</a:t>
+            </a:r>
+            <a:r>
+              <a:rPr lang="en-US" sz="1800" b="1" dirty="0" smtClean="0">
+                <a:latin typeface="Courier New"/>
+                <a:cs typeface="Courier New"/>
+              </a:rPr>
+              <a:t> = </a:t>
+            </a:r>
+            <a:r>
+              <a:rPr lang="en-US" sz="1800" b="1" dirty="0" err="1" smtClean="0">
+                <a:solidFill>
+                  <a:srgbClr val="3366FF"/>
+                </a:solidFill>
+                <a:latin typeface="Courier New"/>
+                <a:cs typeface="Courier New"/>
+              </a:rPr>
+              <a:t>compute_overall_parity</a:t>
+            </a:r>
+            <a:r>
+              <a:rPr lang="en-US" sz="1800" b="1" dirty="0" smtClean="0">
+                <a:latin typeface="Courier New"/>
+                <a:cs typeface="Courier New"/>
+              </a:rPr>
+              <a:t>(data);</a:t>
+            </a:r>
+          </a:p>
+          <a:p>
+            <a:pPr marL="0" indent="0">
+              <a:buNone/>
+            </a:pPr>
+            <a:r>
+              <a:rPr lang="en-US" sz="1800" b="1" dirty="0" smtClean="0">
+                <a:latin typeface="Courier New"/>
+                <a:cs typeface="Courier New"/>
+              </a:rPr>
+              <a:t>syndrome       </a:t>
+            </a:r>
+            <a:r>
+              <a:rPr lang="en-US" sz="1800" b="1" dirty="0">
+                <a:latin typeface="Courier New"/>
+                <a:cs typeface="Courier New"/>
+              </a:rPr>
+              <a:t>= </a:t>
+            </a:r>
+            <a:r>
+              <a:rPr lang="en-US" sz="1800" b="1" dirty="0" err="1">
+                <a:solidFill>
+                  <a:srgbClr val="3366FF"/>
+                </a:solidFill>
+                <a:latin typeface="Courier New"/>
+                <a:cs typeface="Courier New"/>
+              </a:rPr>
+              <a:t>compute_hamming_bits</a:t>
+            </a:r>
+            <a:r>
+              <a:rPr lang="en-US" sz="1800" b="1" dirty="0">
+                <a:latin typeface="Courier New"/>
+                <a:cs typeface="Courier New"/>
+              </a:rPr>
+              <a:t>(data)</a:t>
+            </a:r>
+            <a:r>
+              <a:rPr lang="en-US" sz="1800" b="1" dirty="0" smtClean="0">
+                <a:latin typeface="Courier New"/>
+                <a:cs typeface="Courier New"/>
+              </a:rPr>
+              <a:t>;</a:t>
+            </a:r>
+            <a:endParaRPr lang="en-US" sz="1800" b="1" dirty="0" smtClean="0">
+              <a:latin typeface="Courier New"/>
+              <a:cs typeface="Courier New"/>
+            </a:endParaRPr>
+          </a:p>
+          <a:p>
+            <a:pPr marL="0" indent="0">
+              <a:buFontTx/>
+              <a:buNone/>
+            </a:pPr>
+            <a:r>
+              <a:rPr lang="en-US" sz="1800" b="1" dirty="0" smtClean="0">
+                <a:solidFill>
+                  <a:srgbClr val="FF6600"/>
+                </a:solidFill>
+                <a:latin typeface="Courier New"/>
+                <a:cs typeface="Courier New"/>
+              </a:rPr>
+              <a:t>if</a:t>
+            </a:r>
+            <a:r>
+              <a:rPr lang="en-US" sz="1800" b="1" dirty="0" smtClean="0">
+                <a:latin typeface="Courier New"/>
+                <a:cs typeface="Courier New"/>
+              </a:rPr>
+              <a:t> (</a:t>
+            </a:r>
+            <a:r>
+              <a:rPr lang="en-US" sz="1800" b="1" dirty="0" err="1" smtClean="0">
+                <a:latin typeface="Courier New"/>
+                <a:cs typeface="Courier New"/>
+              </a:rPr>
+              <a:t>overall_parity</a:t>
+            </a:r>
+            <a:r>
+              <a:rPr lang="en-US" sz="1800" b="1" dirty="0" smtClean="0">
+                <a:latin typeface="Courier New"/>
+                <a:cs typeface="Courier New"/>
+              </a:rPr>
+              <a:t> != </a:t>
+            </a:r>
+            <a:r>
+              <a:rPr lang="en-US" sz="1800" b="1" dirty="0" smtClean="0">
+                <a:solidFill>
+                  <a:srgbClr val="6117C1"/>
+                </a:solidFill>
+                <a:latin typeface="Courier New"/>
+                <a:cs typeface="Courier New"/>
+              </a:rPr>
+              <a:t>0</a:t>
+            </a:r>
+            <a:r>
+              <a:rPr lang="en-US" sz="1800" b="1" dirty="0" smtClean="0">
+                <a:latin typeface="Courier New"/>
+                <a:cs typeface="Courier New"/>
+              </a:rPr>
+              <a:t>)</a:t>
+            </a:r>
+          </a:p>
+          <a:p>
+            <a:pPr marL="0" indent="0">
+              <a:buFontTx/>
+              <a:buNone/>
+            </a:pPr>
+            <a:r>
+              <a:rPr lang="en-US" sz="1800" b="1" dirty="0" smtClean="0">
+                <a:latin typeface="Courier New"/>
+                <a:cs typeface="Courier New"/>
+              </a:rPr>
+              <a:t>{</a:t>
+            </a:r>
+          </a:p>
+          <a:p>
+            <a:pPr marL="0" indent="0">
+              <a:buFontTx/>
+              <a:buNone/>
+            </a:pPr>
+            <a:r>
+              <a:rPr lang="en-US" sz="1800" b="1" dirty="0" smtClean="0">
+                <a:solidFill>
+                  <a:srgbClr val="FF6600"/>
+                </a:solidFill>
+                <a:latin typeface="Courier New"/>
+                <a:cs typeface="Courier New"/>
+              </a:rPr>
+              <a:t>  if</a:t>
+            </a:r>
+            <a:r>
+              <a:rPr lang="en-US" sz="1800" b="1" dirty="0" smtClean="0">
+                <a:latin typeface="Courier New"/>
+                <a:cs typeface="Courier New"/>
+              </a:rPr>
+              <a:t> (syndrome != </a:t>
+            </a:r>
+            <a:r>
+              <a:rPr lang="en-US" sz="1800" b="1" dirty="0" smtClean="0">
+                <a:solidFill>
+                  <a:srgbClr val="6117C1"/>
+                </a:solidFill>
+                <a:latin typeface="Courier New"/>
+                <a:cs typeface="Courier New"/>
+              </a:rPr>
+              <a:t>0</a:t>
+            </a:r>
+            <a:r>
+              <a:rPr lang="en-US" sz="1800" b="1" dirty="0" smtClean="0">
+                <a:latin typeface="Courier New"/>
+                <a:cs typeface="Courier New"/>
+              </a:rPr>
+              <a:t>)</a:t>
+            </a:r>
+            <a:endParaRPr lang="en-US" sz="1800" b="1" dirty="0" smtClean="0">
+              <a:latin typeface="Courier New"/>
+              <a:cs typeface="Courier New"/>
+            </a:endParaRPr>
+          </a:p>
+          <a:p>
+            <a:pPr marL="0" indent="0">
+              <a:buFontTx/>
+              <a:buNone/>
+            </a:pPr>
+            <a:r>
+              <a:rPr lang="en-US" sz="1800" b="1" dirty="0">
+                <a:latin typeface="Courier New"/>
+                <a:cs typeface="Courier New"/>
+              </a:rPr>
+              <a:t> </a:t>
+            </a:r>
+            <a:r>
+              <a:rPr lang="en-US" sz="1800" b="1" dirty="0" smtClean="0">
+                <a:latin typeface="Courier New"/>
+                <a:cs typeface="Courier New"/>
+              </a:rPr>
+              <a:t>   </a:t>
+            </a:r>
+            <a:r>
+              <a:rPr lang="en-US" sz="1800" b="1" dirty="0" smtClean="0">
+                <a:solidFill>
+                  <a:srgbClr val="008000"/>
+                </a:solidFill>
+                <a:latin typeface="Courier New"/>
+                <a:cs typeface="Courier New"/>
+              </a:rPr>
+              <a:t>// correct </a:t>
+            </a:r>
+            <a:r>
+              <a:rPr lang="en-US" sz="1800" b="1" dirty="0" smtClean="0">
+                <a:solidFill>
+                  <a:srgbClr val="008000"/>
+                </a:solidFill>
+                <a:latin typeface="Courier New"/>
+                <a:cs typeface="Courier New"/>
+              </a:rPr>
+              <a:t>flipped bit with hamming codes</a:t>
+            </a:r>
+            <a:r>
+              <a:rPr lang="en-US" sz="1800" b="1" dirty="0" smtClean="0">
+                <a:latin typeface="Courier New"/>
+                <a:cs typeface="Courier New"/>
+              </a:rPr>
+              <a:t/>
+            </a:r>
+            <a:br>
+              <a:rPr lang="en-US" sz="1800" b="1" dirty="0" smtClean="0">
+                <a:latin typeface="Courier New"/>
+                <a:cs typeface="Courier New"/>
+              </a:rPr>
+            </a:br>
+            <a:r>
+              <a:rPr lang="en-US" sz="1800" b="1" dirty="0" smtClean="0">
+                <a:latin typeface="Courier New"/>
+                <a:cs typeface="Courier New"/>
+              </a:rPr>
+              <a:t>  </a:t>
+            </a:r>
+            <a:r>
+              <a:rPr lang="en-US" sz="1800" b="1" dirty="0" smtClean="0">
+                <a:solidFill>
+                  <a:srgbClr val="FF6600"/>
+                </a:solidFill>
+                <a:latin typeface="Courier New"/>
+                <a:cs typeface="Courier New"/>
+              </a:rPr>
+              <a:t>else</a:t>
+            </a:r>
+            <a:endParaRPr lang="en-US" sz="1800" b="1" dirty="0" smtClean="0">
+              <a:latin typeface="Courier New"/>
+              <a:cs typeface="Courier New"/>
+            </a:endParaRPr>
+          </a:p>
+          <a:p>
+            <a:pPr marL="0" indent="0">
+              <a:buFontTx/>
+              <a:buNone/>
+            </a:pPr>
+            <a:r>
+              <a:rPr lang="en-US" sz="1800" b="1" dirty="0">
+                <a:latin typeface="Courier New"/>
+                <a:cs typeface="Courier New"/>
+              </a:rPr>
+              <a:t> </a:t>
+            </a:r>
+            <a:r>
+              <a:rPr lang="en-US" sz="1800" b="1" dirty="0" smtClean="0">
+                <a:latin typeface="Courier New"/>
+                <a:cs typeface="Courier New"/>
+              </a:rPr>
+              <a:t>   </a:t>
+            </a:r>
+            <a:r>
+              <a:rPr lang="en-US" sz="1800" b="1" dirty="0" smtClean="0">
+                <a:solidFill>
+                  <a:srgbClr val="008000"/>
+                </a:solidFill>
+                <a:latin typeface="Courier New"/>
+                <a:cs typeface="Courier New"/>
+              </a:rPr>
+              <a:t>// correct overall parity bit</a:t>
+            </a:r>
+            <a:endParaRPr lang="en-US" sz="1800" b="1" dirty="0" smtClean="0">
+              <a:latin typeface="Courier New"/>
+              <a:cs typeface="Courier New"/>
+            </a:endParaRPr>
+          </a:p>
+          <a:p>
+            <a:pPr marL="0" indent="0">
+              <a:buFontTx/>
+              <a:buNone/>
+            </a:pPr>
+            <a:r>
+              <a:rPr lang="en-US" sz="1800" b="1" dirty="0" smtClean="0">
+                <a:latin typeface="Courier New"/>
+                <a:cs typeface="Courier New"/>
+              </a:rPr>
+              <a:t>}</a:t>
+            </a:r>
+          </a:p>
+          <a:p>
+            <a:pPr marL="0" indent="0">
+              <a:buFontTx/>
+              <a:buNone/>
+            </a:pPr>
+            <a:r>
+              <a:rPr lang="en-US" sz="1800" b="1" dirty="0" smtClean="0">
+                <a:solidFill>
+                  <a:srgbClr val="FF6600"/>
+                </a:solidFill>
+                <a:latin typeface="Courier New"/>
+                <a:cs typeface="Courier New"/>
+              </a:rPr>
+              <a:t>else if</a:t>
+            </a:r>
+            <a:r>
+              <a:rPr lang="en-US" sz="1800" b="1" dirty="0" smtClean="0">
+                <a:latin typeface="Courier New"/>
+                <a:cs typeface="Courier New"/>
+              </a:rPr>
+              <a:t> (syndrome != </a:t>
+            </a:r>
+            <a:r>
+              <a:rPr lang="en-US" sz="1800" b="1" dirty="0" smtClean="0">
+                <a:solidFill>
+                  <a:srgbClr val="6117C1"/>
+                </a:solidFill>
+                <a:latin typeface="Courier New"/>
+                <a:cs typeface="Courier New"/>
+              </a:rPr>
+              <a:t>0</a:t>
+            </a:r>
+            <a:r>
+              <a:rPr lang="en-US" sz="1800" b="1" dirty="0" smtClean="0">
+                <a:latin typeface="Courier New"/>
+                <a:cs typeface="Courier New"/>
+              </a:rPr>
+              <a:t>)</a:t>
+            </a:r>
+          </a:p>
+          <a:p>
+            <a:pPr marL="0" indent="0">
+              <a:buFontTx/>
+              <a:buNone/>
+            </a:pPr>
+            <a:r>
+              <a:rPr lang="en-US" sz="1800" b="1" dirty="0" smtClean="0">
+                <a:latin typeface="Courier New"/>
+                <a:cs typeface="Courier New"/>
+              </a:rPr>
+              <a:t>{</a:t>
+            </a:r>
+          </a:p>
+          <a:p>
+            <a:pPr marL="0" indent="0">
+              <a:buFontTx/>
+              <a:buNone/>
+            </a:pPr>
+            <a:r>
+              <a:rPr lang="en-US" sz="1800" b="1" dirty="0">
+                <a:latin typeface="Courier New"/>
+                <a:cs typeface="Courier New"/>
+              </a:rPr>
+              <a:t> </a:t>
+            </a:r>
+            <a:r>
+              <a:rPr lang="en-US" sz="1800" b="1" dirty="0" smtClean="0">
+                <a:latin typeface="Courier New"/>
+                <a:cs typeface="Courier New"/>
+              </a:rPr>
+              <a:t> </a:t>
+            </a:r>
+            <a:r>
+              <a:rPr lang="en-US" sz="1800" b="1" dirty="0" smtClean="0">
+                <a:solidFill>
+                  <a:srgbClr val="008000"/>
+                </a:solidFill>
+                <a:latin typeface="Courier New"/>
+                <a:cs typeface="Courier New"/>
+              </a:rPr>
+              <a:t>// report double-bit error</a:t>
+            </a:r>
+            <a:endParaRPr lang="en-US" sz="1800" b="1" dirty="0" smtClean="0">
+              <a:solidFill>
+                <a:srgbClr val="008000"/>
+              </a:solidFill>
+              <a:latin typeface="Courier New"/>
+              <a:cs typeface="Courier New"/>
+            </a:endParaRPr>
+          </a:p>
+          <a:p>
+            <a:pPr marL="0" indent="0">
+              <a:buFontTx/>
+              <a:buNone/>
+            </a:pPr>
+            <a:r>
+              <a:rPr lang="en-US" sz="1800" b="1" dirty="0">
+                <a:latin typeface="Courier New"/>
+                <a:cs typeface="Courier New"/>
+              </a:rPr>
+              <a:t>}</a:t>
+            </a:r>
+            <a:endParaRPr lang="en-GB" sz="1800" b="1" dirty="0"/>
+          </a:p>
+        </p:txBody>
+      </p:sp>
+    </p:spTree>
+    <p:extLst>
+      <p:ext uri="{BB962C8B-B14F-4D97-AF65-F5344CB8AC3E}">
+        <p14:creationId xmlns:p14="http://schemas.microsoft.com/office/powerpoint/2010/main" val="206406442"/>
+      </p:ext>
+    </p:extLst>
+  </p:cSld>
+  <p:clrMapOvr>
+    <a:masterClrMapping/>
+  </p:clrMapOvr>
+  <mc:AlternateContent xmlns:mc="http://schemas.openxmlformats.org/markup-compatibility/2006" xmlns:p14="http://schemas.microsoft.com/office/powerpoint/2010/main">
+    <mc:Choice Requires="p14">
+      <p:transition spd="slow" p14:dur="2000"/>
+    </mc:Choice>
+    <mc:Fallback xmlns="">
+      <p:transition xmlns:p14="http://schemas.microsoft.com/office/powerpoint/2010/main" spd="slow"/>
+    </mc:Fallback>
+  </mc:AlternateContent>
+  <p:timing>
+    <p:tnLst>
+      <p:par>
+        <p:cTn xmlns:p14="http://schemas.microsoft.com/office/powerpoint/2010/main" id="1" dur="indefinite" restart="never" nodeType="tmRoot"/>
+      </p:par>
+    </p:tnLst>
+  </p:timing>
+</p:sld>
+</file>
+
+<file path=ppt/slides/slide48.xml><?xml version="1.0" encoding="utf-8"?>
+<p:sld xmlns:a="http://schemas.openxmlformats.org/drawingml/2006/main" xmlns:r="http://schemas.openxmlformats.org/officeDocument/2006/relationships" xmlns:p="http://schemas.openxmlformats.org/presentationml/2006/main">
+  <p:cSld>
+    <p:spTree>
+      <p:nvGrpSpPr>
+        <p:cNvPr id="1" name=""/>
+        <p:cNvGrpSpPr/>
+        <p:nvPr/>
+      </p:nvGrpSpPr>
+      <p:grpSpPr>
+        <a:xfrm>
+          <a:off x="0" y="0"/>
+          <a:ext cx="0" cy="0"/>
+          <a:chOff x="0" y="0"/>
+          <a:chExt cx="0" cy="0"/>
+        </a:xfrm>
+      </p:grpSpPr>
+      <p:sp>
+        <p:nvSpPr>
+          <p:cNvPr id="2" name="Title 1"/>
+          <p:cNvSpPr>
+            <a:spLocks noGrp="1"/>
+          </p:cNvSpPr>
+          <p:nvPr>
+            <p:ph type="title"/>
+          </p:nvPr>
+        </p:nvSpPr>
+        <p:spPr/>
+        <p:txBody>
+          <a:bodyPr/>
+          <a:lstStyle/>
+          <a:p>
+            <a:r>
               <a:rPr lang="en-GB" dirty="0" smtClean="0"/>
               <a:t>Sparse matrix ABFT Results</a:t>
             </a:r>
@@ -45509,7 +47222,7 @@
             <a:fld id="{D9B8CB04-7B95-2844-BD15-B133C35E4786}" type="slidenum">
               <a:rPr lang="en-GB" smtClean="0"/>
               <a:pPr/>
-              <a:t>46</a:t>
+              <a:t>48</a:t>
             </a:fld>
             <a:endParaRPr lang="en-GB"/>
           </a:p>
@@ -46099,376 +47812,6 @@
 </p:sld>
 </file>
 
-<file path=ppt/slides/slide47.xml><?xml version="1.0" encoding="utf-8"?>
-<p:sld xmlns:a="http://schemas.openxmlformats.org/drawingml/2006/main" xmlns:r="http://schemas.openxmlformats.org/officeDocument/2006/relationships" xmlns:p="http://schemas.openxmlformats.org/presentationml/2006/main">
-  <p:cSld>
-    <p:spTree>
-      <p:nvGrpSpPr>
-        <p:cNvPr id="1" name=""/>
-        <p:cNvGrpSpPr/>
-        <p:nvPr/>
-      </p:nvGrpSpPr>
-      <p:grpSpPr>
-        <a:xfrm>
-          <a:off x="0" y="0"/>
-          <a:ext cx="0" cy="0"/>
-          <a:chOff x="0" y="0"/>
-          <a:chExt cx="0" cy="0"/>
-        </a:xfrm>
-      </p:grpSpPr>
-      <p:sp>
-        <p:nvSpPr>
-          <p:cNvPr id="2" name="Title 1"/>
-          <p:cNvSpPr>
-            <a:spLocks noGrp="1"/>
-          </p:cNvSpPr>
-          <p:nvPr>
-            <p:ph type="title"/>
-          </p:nvPr>
-        </p:nvSpPr>
-        <p:spPr/>
-        <p:txBody>
-          <a:bodyPr/>
-          <a:lstStyle/>
-          <a:p>
-            <a:r>
-              <a:rPr lang="en-GB" dirty="0" smtClean="0"/>
-              <a:t>Software ECC exercise</a:t>
-            </a:r>
-            <a:endParaRPr lang="en-GB" dirty="0"/>
-          </a:p>
-        </p:txBody>
-      </p:sp>
-      <p:sp>
-        <p:nvSpPr>
-          <p:cNvPr id="3" name="Content Placeholder 2"/>
-          <p:cNvSpPr>
-            <a:spLocks noGrp="1"/>
-          </p:cNvSpPr>
-          <p:nvPr>
-            <p:ph idx="1"/>
-          </p:nvPr>
-        </p:nvSpPr>
-        <p:spPr/>
-        <p:txBody>
-          <a:bodyPr/>
-          <a:lstStyle/>
-          <a:p>
-            <a:r>
-              <a:rPr lang="en-GB" dirty="0" smtClean="0"/>
-              <a:t>Using the provided CG code as a starting point, add ECC to make the code more tolerant to silent data corruption</a:t>
-            </a:r>
-          </a:p>
-          <a:p>
-            <a:r>
-              <a:rPr lang="en-GB" dirty="0" smtClean="0"/>
-              <a:t>There </a:t>
-            </a:r>
-            <a:r>
-              <a:rPr lang="en-GB" dirty="0"/>
-              <a:t>are two changes to make:</a:t>
-            </a:r>
-          </a:p>
-          <a:p>
-            <a:pPr marL="971550" lvl="1" indent="-514350">
-              <a:buFont typeface="+mj-lt"/>
-              <a:buAutoNum type="arabicPeriod"/>
-            </a:pPr>
-            <a:r>
-              <a:rPr lang="en-GB" dirty="0"/>
-              <a:t>Generate parity bits for each matrix element and store them in the high order bits of the column index</a:t>
-            </a:r>
-          </a:p>
-          <a:p>
-            <a:pPr marL="971550" lvl="1" indent="-514350">
-              <a:buFont typeface="+mj-lt"/>
-              <a:buAutoNum type="arabicPeriod"/>
-            </a:pPr>
-            <a:r>
-              <a:rPr lang="en-GB" dirty="0"/>
-              <a:t>Modify the </a:t>
-            </a:r>
-            <a:r>
-              <a:rPr lang="en-GB" dirty="0" err="1"/>
-              <a:t>SpMV</a:t>
-            </a:r>
-            <a:r>
-              <a:rPr lang="en-GB" dirty="0"/>
-              <a:t> function to check the parity bits and then correct any errors that are </a:t>
-            </a:r>
-            <a:r>
-              <a:rPr lang="en-GB" dirty="0" smtClean="0"/>
-              <a:t>found</a:t>
-            </a:r>
-          </a:p>
-        </p:txBody>
-      </p:sp>
-      <p:sp>
-        <p:nvSpPr>
-          <p:cNvPr id="4" name="Slide Number Placeholder 3"/>
-          <p:cNvSpPr>
-            <a:spLocks noGrp="1"/>
-          </p:cNvSpPr>
-          <p:nvPr>
-            <p:ph type="sldNum" sz="quarter" idx="10"/>
-          </p:nvPr>
-        </p:nvSpPr>
-        <p:spPr/>
-        <p:txBody>
-          <a:bodyPr/>
-          <a:lstStyle/>
-          <a:p>
-            <a:fld id="{D9B8CB04-7B95-2844-BD15-B133C35E4786}" type="slidenum">
-              <a:rPr lang="en-GB" smtClean="0"/>
-              <a:pPr/>
-              <a:t>47</a:t>
-            </a:fld>
-            <a:endParaRPr lang="en-GB"/>
-          </a:p>
-        </p:txBody>
-      </p:sp>
-    </p:spTree>
-    <p:extLst>
-      <p:ext uri="{BB962C8B-B14F-4D97-AF65-F5344CB8AC3E}">
-        <p14:creationId xmlns:p14="http://schemas.microsoft.com/office/powerpoint/2010/main" val="2089425383"/>
-      </p:ext>
-    </p:extLst>
-  </p:cSld>
-  <p:clrMapOvr>
-    <a:masterClrMapping/>
-  </p:clrMapOvr>
-  <mc:AlternateContent xmlns:mc="http://schemas.openxmlformats.org/markup-compatibility/2006" xmlns:p14="http://schemas.microsoft.com/office/powerpoint/2010/main">
-    <mc:Choice Requires="p14">
-      <p:transition spd="slow" p14:dur="2000"/>
-    </mc:Choice>
-    <mc:Fallback xmlns="">
-      <p:transition xmlns:p14="http://schemas.microsoft.com/office/powerpoint/2010/main" spd="slow"/>
-    </mc:Fallback>
-  </mc:AlternateContent>
-  <p:timing>
-    <p:tnLst>
-      <p:par>
-        <p:cTn xmlns:p14="http://schemas.microsoft.com/office/powerpoint/2010/main" id="1" dur="indefinite" restart="never" nodeType="tmRoot"/>
-      </p:par>
-    </p:tnLst>
-  </p:timing>
-</p:sld>
-</file>
-
-<file path=ppt/slides/slide48.xml><?xml version="1.0" encoding="utf-8"?>
-<p:sld xmlns:a="http://schemas.openxmlformats.org/drawingml/2006/main" xmlns:r="http://schemas.openxmlformats.org/officeDocument/2006/relationships" xmlns:p="http://schemas.openxmlformats.org/presentationml/2006/main">
-  <p:cSld>
-    <p:spTree>
-      <p:nvGrpSpPr>
-        <p:cNvPr id="1" name=""/>
-        <p:cNvGrpSpPr/>
-        <p:nvPr/>
-      </p:nvGrpSpPr>
-      <p:grpSpPr>
-        <a:xfrm>
-          <a:off x="0" y="0"/>
-          <a:ext cx="0" cy="0"/>
-          <a:chOff x="0" y="0"/>
-          <a:chExt cx="0" cy="0"/>
-        </a:xfrm>
-      </p:grpSpPr>
-      <p:sp>
-        <p:nvSpPr>
-          <p:cNvPr id="2" name="Title 1"/>
-          <p:cNvSpPr>
-            <a:spLocks noGrp="1"/>
-          </p:cNvSpPr>
-          <p:nvPr>
-            <p:ph type="title"/>
-          </p:nvPr>
-        </p:nvSpPr>
-        <p:spPr/>
-        <p:txBody>
-          <a:bodyPr/>
-          <a:lstStyle/>
-          <a:p>
-            <a:r>
-              <a:rPr lang="en-GB" dirty="0" smtClean="0"/>
-              <a:t>Software ECC exercise</a:t>
-            </a:r>
-            <a:endParaRPr lang="en-GB" dirty="0"/>
-          </a:p>
-        </p:txBody>
-      </p:sp>
-      <p:sp>
-        <p:nvSpPr>
-          <p:cNvPr id="3" name="Content Placeholder 2"/>
-          <p:cNvSpPr>
-            <a:spLocks noGrp="1"/>
-          </p:cNvSpPr>
-          <p:nvPr>
-            <p:ph idx="1"/>
-          </p:nvPr>
-        </p:nvSpPr>
-        <p:spPr/>
-        <p:txBody>
-          <a:bodyPr/>
-          <a:lstStyle/>
-          <a:p>
-            <a:r>
-              <a:rPr lang="en-GB" sz="2800" dirty="0" smtClean="0"/>
-              <a:t>Comments in the code will guide you</a:t>
-            </a:r>
-          </a:p>
-          <a:p>
-            <a:pPr lvl="1"/>
-            <a:r>
-              <a:rPr lang="en-GB" sz="2400" dirty="0" smtClean="0"/>
-              <a:t>You just need to modify </a:t>
-            </a:r>
-            <a:r>
-              <a:rPr lang="en-GB" sz="2400" b="1" dirty="0" err="1" smtClean="0">
-                <a:solidFill>
-                  <a:srgbClr val="008000"/>
-                </a:solidFill>
-                <a:latin typeface="Courier New"/>
-                <a:cs typeface="Courier New"/>
-              </a:rPr>
-              <a:t>spmv.c</a:t>
-            </a:r>
-            <a:endParaRPr lang="en-GB" sz="2400" b="1" dirty="0" smtClean="0">
-              <a:solidFill>
-                <a:srgbClr val="008000"/>
-              </a:solidFill>
-              <a:latin typeface="Courier New"/>
-              <a:cs typeface="Courier New"/>
-            </a:endParaRPr>
-          </a:p>
-          <a:p>
-            <a:r>
-              <a:rPr lang="en-GB" sz="2800" dirty="0" smtClean="0"/>
-              <a:t>Two routines are provided to do the heavy lifting (see comments in </a:t>
-            </a:r>
-            <a:r>
-              <a:rPr lang="en-GB" sz="2800" b="1" dirty="0" err="1" smtClean="0">
-                <a:latin typeface="Courier New"/>
-                <a:cs typeface="Courier New"/>
-              </a:rPr>
-              <a:t>common.h</a:t>
-            </a:r>
-            <a:r>
-              <a:rPr lang="en-GB" sz="2800" dirty="0" smtClean="0"/>
-              <a:t> for descriptions):</a:t>
-            </a:r>
-          </a:p>
-          <a:p>
-            <a:pPr lvl="1"/>
-            <a:r>
-              <a:rPr lang="en-GB" sz="2400" b="1" dirty="0" smtClean="0">
-                <a:solidFill>
-                  <a:srgbClr val="3366FF"/>
-                </a:solidFill>
-                <a:latin typeface="Courier New"/>
-                <a:cs typeface="Courier New"/>
-              </a:rPr>
-              <a:t>ecc_compute_col8</a:t>
-            </a:r>
-          </a:p>
-          <a:p>
-            <a:pPr lvl="1"/>
-            <a:r>
-              <a:rPr lang="en-GB" sz="2400" b="1" dirty="0" smtClean="0">
-                <a:solidFill>
-                  <a:srgbClr val="3366FF"/>
-                </a:solidFill>
-                <a:latin typeface="Courier New"/>
-                <a:cs typeface="Courier New"/>
-              </a:rPr>
-              <a:t>ecc_correct_col8</a:t>
-            </a:r>
-          </a:p>
-          <a:p>
-            <a:r>
-              <a:rPr lang="en-GB" sz="2800" dirty="0"/>
-              <a:t>To test the code, pass the ‘</a:t>
-            </a:r>
-            <a:r>
-              <a:rPr lang="en-GB" sz="2800" dirty="0">
-                <a:latin typeface="Courier New"/>
-                <a:cs typeface="Courier New"/>
-              </a:rPr>
-              <a:t>-x</a:t>
-            </a:r>
-            <a:r>
-              <a:rPr lang="en-GB" sz="2800" dirty="0"/>
-              <a:t>’ parameter to the application to inject a random bit</a:t>
-            </a:r>
-            <a:r>
-              <a:rPr lang="en-GB" sz="2800"/>
-              <a:t>-</a:t>
-            </a:r>
-            <a:r>
-              <a:rPr lang="en-GB" sz="2800" smtClean="0"/>
-              <a:t>flip</a:t>
-            </a:r>
-            <a:endParaRPr lang="en-GB" sz="2800" dirty="0" smtClean="0"/>
-          </a:p>
-          <a:p>
-            <a:r>
-              <a:rPr lang="en-GB" sz="2800" dirty="0" smtClean="0"/>
-              <a:t>Example solutions are provided</a:t>
-            </a:r>
-            <a:endParaRPr lang="en-GB" sz="2800" dirty="0"/>
-          </a:p>
-        </p:txBody>
-      </p:sp>
-      <p:sp>
-        <p:nvSpPr>
-          <p:cNvPr id="4" name="Slide Number Placeholder 3"/>
-          <p:cNvSpPr>
-            <a:spLocks noGrp="1"/>
-          </p:cNvSpPr>
-          <p:nvPr>
-            <p:ph type="sldNum" sz="quarter" idx="10"/>
-          </p:nvPr>
-        </p:nvSpPr>
-        <p:spPr/>
-        <p:txBody>
-          <a:bodyPr/>
-          <a:lstStyle/>
-          <a:p>
-            <a:fld id="{D9B8CB04-7B95-2844-BD15-B133C35E4786}" type="slidenum">
-              <a:rPr lang="en-GB" smtClean="0"/>
-              <a:pPr/>
-              <a:t>48</a:t>
-            </a:fld>
-            <a:endParaRPr lang="en-GB"/>
-          </a:p>
-        </p:txBody>
-      </p:sp>
-    </p:spTree>
-    <p:extLst>
-      <p:ext uri="{BB962C8B-B14F-4D97-AF65-F5344CB8AC3E}">
-        <p14:creationId xmlns:p14="http://schemas.microsoft.com/office/powerpoint/2010/main" val="1795682848"/>
-      </p:ext>
-    </p:extLst>
-  </p:cSld>
-  <p:clrMapOvr>
-    <a:masterClrMapping/>
-  </p:clrMapOvr>
-  <mc:AlternateContent xmlns:mc="http://schemas.openxmlformats.org/markup-compatibility/2006" xmlns:p14="http://schemas.microsoft.com/office/powerpoint/2010/main">
-    <mc:Choice Requires="p14">
-      <p:transition spd="slow" p14:dur="2000"/>
-    </mc:Choice>
-    <mc:Fallback xmlns="">
-      <p:transition xmlns:p14="http://schemas.microsoft.com/office/powerpoint/2010/main" spd="slow"/>
-    </mc:Fallback>
-  </mc:AlternateContent>
-  <p:timing>
-    <p:tnLst>
-      <p:par>
-        <p:cTn xmlns:p14="http://schemas.microsoft.com/office/powerpoint/2010/main" id="1" dur="indefinite" restart="never" nodeType="tmRoot"/>
-      </p:par>
-    </p:tnLst>
-  </p:timing>
-</p:sld>
-</file>
-
 <file path=ppt/slides/slide49.xml><?xml version="1.0" encoding="utf-8"?>
 <p:sld xmlns:a="http://schemas.openxmlformats.org/drawingml/2006/main" xmlns:r="http://schemas.openxmlformats.org/officeDocument/2006/relationships" xmlns:p="http://schemas.openxmlformats.org/presentationml/2006/main">
   <p:cSld>
@@ -46525,74 +47868,50 @@
           <a:lstStyle/>
           <a:p>
             <a:r>
-              <a:rPr lang="en-GB" sz="2800" b="1" dirty="0" smtClean="0">
-                <a:solidFill>
-                  <a:srgbClr val="008000"/>
-                </a:solidFill>
-              </a:rPr>
-              <a:t>Extras</a:t>
-            </a:r>
-            <a:r>
-              <a:rPr lang="en-GB" sz="2800" dirty="0" smtClean="0"/>
-              <a:t> (if you finish early!):</a:t>
-            </a:r>
-          </a:p>
-          <a:p>
-            <a:pPr lvl="1"/>
-            <a:r>
-              <a:rPr lang="en-GB" sz="2400" dirty="0" smtClean="0"/>
-              <a:t>Add an additional overall parity bit to improve the performance of the error checking code</a:t>
-            </a:r>
-          </a:p>
-          <a:p>
-            <a:pPr lvl="2"/>
-            <a:r>
-              <a:rPr lang="en-GB" sz="2000" dirty="0" smtClean="0"/>
-              <a:t>Use the </a:t>
-            </a:r>
-            <a:r>
-              <a:rPr lang="en-GB" sz="2000" b="1" dirty="0" err="1" smtClean="0">
-                <a:solidFill>
-                  <a:srgbClr val="3366FF"/>
-                </a:solidFill>
-                <a:latin typeface="Courier New"/>
-                <a:cs typeface="Courier New"/>
-              </a:rPr>
-              <a:t>ecc_compute_overall_partity</a:t>
-            </a:r>
-            <a:r>
-              <a:rPr lang="en-GB" sz="2000" dirty="0" smtClean="0"/>
-              <a:t> routine</a:t>
-            </a:r>
-          </a:p>
-          <a:p>
-            <a:pPr lvl="1"/>
-            <a:r>
-              <a:rPr lang="en-GB" sz="2400" dirty="0" smtClean="0"/>
-              <a:t>Or use the extra parity bit to implement a SECDED scheme </a:t>
-            </a:r>
-            <a:r>
-              <a:rPr lang="en-GB" sz="2400" b="1" dirty="0" smtClean="0">
-                <a:solidFill>
-                  <a:srgbClr val="FF0000"/>
-                </a:solidFill>
-              </a:rPr>
-              <a:t>(TODO: add code to inject double bit-flips)</a:t>
-            </a:r>
-          </a:p>
-          <a:p>
-            <a:pPr lvl="1"/>
-            <a:r>
-              <a:rPr lang="en-GB" sz="2400" dirty="0" smtClean="0"/>
-              <a:t>Try other parity bit placement schemes (4 bits in row and 4 in column, or use the least significant bits of the value)</a:t>
-            </a:r>
-            <a:r>
-              <a:rPr lang="en-GB" sz="2400" b="1" dirty="0" smtClean="0">
-                <a:solidFill>
-                  <a:srgbClr val="FF0000"/>
-                </a:solidFill>
-              </a:rPr>
-              <a:t> (TODO: give them these ECC routines)</a:t>
+              <a:rPr lang="en-GB" dirty="0" smtClean="0"/>
+              <a:t>Using the provided CG code as a starting point, add ECC to make the code more tolerant to silent data corruption</a:t>
+            </a:r>
+          </a:p>
+          <a:p>
+            <a:r>
+              <a:rPr lang="en-GB" dirty="0" smtClean="0"/>
+              <a:t>There </a:t>
+            </a:r>
+            <a:r>
+              <a:rPr lang="en-GB" dirty="0"/>
+              <a:t>are two changes to make:</a:t>
+            </a:r>
+          </a:p>
+          <a:p>
+            <a:pPr marL="971550" lvl="1" indent="-514350">
+              <a:buFont typeface="+mj-lt"/>
+              <a:buAutoNum type="arabicPeriod"/>
+            </a:pPr>
+            <a:r>
+              <a:rPr lang="en-GB" dirty="0"/>
+              <a:t>Generate parity bits for each matrix element and store them in the high order bits of the column index</a:t>
+            </a:r>
+          </a:p>
+          <a:p>
+            <a:pPr marL="971550" lvl="1" indent="-514350">
+              <a:buFont typeface="+mj-lt"/>
+              <a:buAutoNum type="arabicPeriod"/>
+            </a:pPr>
+            <a:r>
+              <a:rPr lang="en-GB" dirty="0"/>
+              <a:t>Modify the </a:t>
+            </a:r>
+            <a:r>
+              <a:rPr lang="en-GB" dirty="0" err="1"/>
+              <a:t>SpMV</a:t>
+            </a:r>
+            <a:r>
+              <a:rPr lang="en-GB" dirty="0"/>
+              <a:t> function to check the parity bits and then correct any errors that are </a:t>
+            </a:r>
+            <a:r>
+              <a:rPr lang="en-GB" dirty="0" smtClean="0"/>
+              <a:t>found</a:t>
             </a:r>
           </a:p>
         </p:txBody>
@@ -46624,7 +47943,7 @@
     </p:spTree>
     <p:extLst>
       <p:ext uri="{BB962C8B-B14F-4D97-AF65-F5344CB8AC3E}">
-        <p14:creationId xmlns:p14="http://schemas.microsoft.com/office/powerpoint/2010/main" val="1046053255"/>
+        <p14:creationId xmlns:p14="http://schemas.microsoft.com/office/powerpoint/2010/main" val="2089425383"/>
       </p:ext>
     </p:extLst>
   </p:cSld>
@@ -46826,6 +48145,414 @@
     <p:extLst>
       <p:ext uri="{BB962C8B-B14F-4D97-AF65-F5344CB8AC3E}">
         <p14:creationId xmlns:p14="http://schemas.microsoft.com/office/powerpoint/2010/main" val="1538294852"/>
+      </p:ext>
+    </p:extLst>
+  </p:cSld>
+  <p:clrMapOvr>
+    <a:masterClrMapping/>
+  </p:clrMapOvr>
+  <mc:AlternateContent xmlns:mc="http://schemas.openxmlformats.org/markup-compatibility/2006" xmlns:p14="http://schemas.microsoft.com/office/powerpoint/2010/main">
+    <mc:Choice Requires="p14">
+      <p:transition spd="slow" p14:dur="2000"/>
+    </mc:Choice>
+    <mc:Fallback xmlns="">
+      <p:transition xmlns:p14="http://schemas.microsoft.com/office/powerpoint/2010/main" spd="slow"/>
+    </mc:Fallback>
+  </mc:AlternateContent>
+  <p:timing>
+    <p:tnLst>
+      <p:par>
+        <p:cTn xmlns:p14="http://schemas.microsoft.com/office/powerpoint/2010/main" id="1" dur="indefinite" restart="never" nodeType="tmRoot"/>
+      </p:par>
+    </p:tnLst>
+  </p:timing>
+</p:sld>
+</file>
+
+<file path=ppt/slides/slide50.xml><?xml version="1.0" encoding="utf-8"?>
+<p:sld xmlns:a="http://schemas.openxmlformats.org/drawingml/2006/main" xmlns:r="http://schemas.openxmlformats.org/officeDocument/2006/relationships" xmlns:p="http://schemas.openxmlformats.org/presentationml/2006/main">
+  <p:cSld>
+    <p:spTree>
+      <p:nvGrpSpPr>
+        <p:cNvPr id="1" name=""/>
+        <p:cNvGrpSpPr/>
+        <p:nvPr/>
+      </p:nvGrpSpPr>
+      <p:grpSpPr>
+        <a:xfrm>
+          <a:off x="0" y="0"/>
+          <a:ext cx="0" cy="0"/>
+          <a:chOff x="0" y="0"/>
+          <a:chExt cx="0" cy="0"/>
+        </a:xfrm>
+      </p:grpSpPr>
+      <p:sp>
+        <p:nvSpPr>
+          <p:cNvPr id="2" name="Title 1"/>
+          <p:cNvSpPr>
+            <a:spLocks noGrp="1"/>
+          </p:cNvSpPr>
+          <p:nvPr>
+            <p:ph type="title"/>
+          </p:nvPr>
+        </p:nvSpPr>
+        <p:spPr/>
+        <p:txBody>
+          <a:bodyPr/>
+          <a:lstStyle/>
+          <a:p>
+            <a:r>
+              <a:rPr lang="en-GB" dirty="0" smtClean="0"/>
+              <a:t>Software ECC exercise</a:t>
+            </a:r>
+            <a:endParaRPr lang="en-GB" dirty="0"/>
+          </a:p>
+        </p:txBody>
+      </p:sp>
+      <p:sp>
+        <p:nvSpPr>
+          <p:cNvPr id="3" name="Content Placeholder 2"/>
+          <p:cNvSpPr>
+            <a:spLocks noGrp="1"/>
+          </p:cNvSpPr>
+          <p:nvPr>
+            <p:ph idx="1"/>
+          </p:nvPr>
+        </p:nvSpPr>
+        <p:spPr/>
+        <p:txBody>
+          <a:bodyPr/>
+          <a:lstStyle/>
+          <a:p>
+            <a:r>
+              <a:rPr lang="en-GB" sz="2800" dirty="0" smtClean="0"/>
+              <a:t>Comments in the code will guide you</a:t>
+            </a:r>
+          </a:p>
+          <a:p>
+            <a:pPr lvl="1"/>
+            <a:r>
+              <a:rPr lang="en-GB" sz="2400" dirty="0" smtClean="0"/>
+              <a:t>You just need to modify </a:t>
+            </a:r>
+            <a:r>
+              <a:rPr lang="en-GB" sz="2400" b="1" dirty="0" err="1" smtClean="0">
+                <a:solidFill>
+                  <a:srgbClr val="008000"/>
+                </a:solidFill>
+                <a:latin typeface="Courier New"/>
+                <a:cs typeface="Courier New"/>
+              </a:rPr>
+              <a:t>spmv.c</a:t>
+            </a:r>
+            <a:endParaRPr lang="en-GB" sz="2400" b="1" dirty="0" smtClean="0">
+              <a:solidFill>
+                <a:srgbClr val="008000"/>
+              </a:solidFill>
+              <a:latin typeface="Courier New"/>
+              <a:cs typeface="Courier New"/>
+            </a:endParaRPr>
+          </a:p>
+          <a:p>
+            <a:r>
+              <a:rPr lang="en-GB" sz="2800" dirty="0" smtClean="0"/>
+              <a:t>Two routines are provided to do the heavy lifting (see comments in </a:t>
+            </a:r>
+            <a:r>
+              <a:rPr lang="en-GB" sz="2800" b="1" dirty="0" err="1" smtClean="0">
+                <a:latin typeface="Courier New"/>
+                <a:cs typeface="Courier New"/>
+              </a:rPr>
+              <a:t>common.h</a:t>
+            </a:r>
+            <a:r>
+              <a:rPr lang="en-GB" sz="2800" dirty="0" smtClean="0"/>
+              <a:t> for descriptions):</a:t>
+            </a:r>
+          </a:p>
+          <a:p>
+            <a:pPr lvl="1"/>
+            <a:r>
+              <a:rPr lang="en-GB" sz="2400" b="1" dirty="0" smtClean="0">
+                <a:solidFill>
+                  <a:srgbClr val="3366FF"/>
+                </a:solidFill>
+                <a:latin typeface="Courier New"/>
+                <a:cs typeface="Courier New"/>
+              </a:rPr>
+              <a:t>ecc_compute_col8</a:t>
+            </a:r>
+          </a:p>
+          <a:p>
+            <a:pPr lvl="1"/>
+            <a:r>
+              <a:rPr lang="en-GB" sz="2400" b="1" dirty="0" smtClean="0">
+                <a:solidFill>
+                  <a:srgbClr val="3366FF"/>
+                </a:solidFill>
+                <a:latin typeface="Courier New"/>
+                <a:cs typeface="Courier New"/>
+              </a:rPr>
+              <a:t>ecc_correct_col8</a:t>
+            </a:r>
+          </a:p>
+          <a:p>
+            <a:r>
+              <a:rPr lang="en-GB" sz="2800" dirty="0"/>
+              <a:t>To test the code, pass the ‘</a:t>
+            </a:r>
+            <a:r>
+              <a:rPr lang="en-GB" sz="2800" dirty="0">
+                <a:latin typeface="Courier New"/>
+                <a:cs typeface="Courier New"/>
+              </a:rPr>
+              <a:t>-x</a:t>
+            </a:r>
+            <a:r>
+              <a:rPr lang="en-GB" sz="2800" dirty="0"/>
+              <a:t>’ parameter to the application to inject a random bit</a:t>
+            </a:r>
+            <a:r>
+              <a:rPr lang="en-GB" sz="2800"/>
+              <a:t>-</a:t>
+            </a:r>
+            <a:r>
+              <a:rPr lang="en-GB" sz="2800" smtClean="0"/>
+              <a:t>flip</a:t>
+            </a:r>
+            <a:endParaRPr lang="en-GB" sz="2800" dirty="0" smtClean="0"/>
+          </a:p>
+          <a:p>
+            <a:r>
+              <a:rPr lang="en-GB" sz="2800" dirty="0" smtClean="0"/>
+              <a:t>Example solutions are provided</a:t>
+            </a:r>
+            <a:endParaRPr lang="en-GB" sz="2800" dirty="0"/>
+          </a:p>
+        </p:txBody>
+      </p:sp>
+      <p:sp>
+        <p:nvSpPr>
+          <p:cNvPr id="4" name="Slide Number Placeholder 3"/>
+          <p:cNvSpPr>
+            <a:spLocks noGrp="1"/>
+          </p:cNvSpPr>
+          <p:nvPr>
+            <p:ph type="sldNum" sz="quarter" idx="10"/>
+          </p:nvPr>
+        </p:nvSpPr>
+        <p:spPr/>
+        <p:txBody>
+          <a:bodyPr/>
+          <a:lstStyle/>
+          <a:p>
+            <a:fld id="{D9B8CB04-7B95-2844-BD15-B133C35E4786}" type="slidenum">
+              <a:rPr lang="en-GB" smtClean="0"/>
+              <a:pPr/>
+              <a:t>50</a:t>
+            </a:fld>
+            <a:endParaRPr lang="en-GB"/>
+          </a:p>
+        </p:txBody>
+      </p:sp>
+    </p:spTree>
+    <p:extLst>
+      <p:ext uri="{BB962C8B-B14F-4D97-AF65-F5344CB8AC3E}">
+        <p14:creationId xmlns:p14="http://schemas.microsoft.com/office/powerpoint/2010/main" val="1795682848"/>
+      </p:ext>
+    </p:extLst>
+  </p:cSld>
+  <p:clrMapOvr>
+    <a:masterClrMapping/>
+  </p:clrMapOvr>
+  <mc:AlternateContent xmlns:mc="http://schemas.openxmlformats.org/markup-compatibility/2006" xmlns:p14="http://schemas.microsoft.com/office/powerpoint/2010/main">
+    <mc:Choice Requires="p14">
+      <p:transition spd="slow" p14:dur="2000"/>
+    </mc:Choice>
+    <mc:Fallback xmlns="">
+      <p:transition xmlns:p14="http://schemas.microsoft.com/office/powerpoint/2010/main" spd="slow"/>
+    </mc:Fallback>
+  </mc:AlternateContent>
+  <p:timing>
+    <p:tnLst>
+      <p:par>
+        <p:cTn xmlns:p14="http://schemas.microsoft.com/office/powerpoint/2010/main" id="1" dur="indefinite" restart="never" nodeType="tmRoot"/>
+      </p:par>
+    </p:tnLst>
+  </p:timing>
+</p:sld>
+</file>
+
+<file path=ppt/slides/slide51.xml><?xml version="1.0" encoding="utf-8"?>
+<p:sld xmlns:a="http://schemas.openxmlformats.org/drawingml/2006/main" xmlns:r="http://schemas.openxmlformats.org/officeDocument/2006/relationships" xmlns:p="http://schemas.openxmlformats.org/presentationml/2006/main">
+  <p:cSld>
+    <p:spTree>
+      <p:nvGrpSpPr>
+        <p:cNvPr id="1" name=""/>
+        <p:cNvGrpSpPr/>
+        <p:nvPr/>
+      </p:nvGrpSpPr>
+      <p:grpSpPr>
+        <a:xfrm>
+          <a:off x="0" y="0"/>
+          <a:ext cx="0" cy="0"/>
+          <a:chOff x="0" y="0"/>
+          <a:chExt cx="0" cy="0"/>
+        </a:xfrm>
+      </p:grpSpPr>
+      <p:sp>
+        <p:nvSpPr>
+          <p:cNvPr id="2" name="Title 1"/>
+          <p:cNvSpPr>
+            <a:spLocks noGrp="1"/>
+          </p:cNvSpPr>
+          <p:nvPr>
+            <p:ph type="title"/>
+          </p:nvPr>
+        </p:nvSpPr>
+        <p:spPr/>
+        <p:txBody>
+          <a:bodyPr/>
+          <a:lstStyle/>
+          <a:p>
+            <a:r>
+              <a:rPr lang="en-GB" dirty="0" smtClean="0"/>
+              <a:t>Software ECC exercise</a:t>
+            </a:r>
+            <a:endParaRPr lang="en-GB" dirty="0"/>
+          </a:p>
+        </p:txBody>
+      </p:sp>
+      <p:sp>
+        <p:nvSpPr>
+          <p:cNvPr id="3" name="Content Placeholder 2"/>
+          <p:cNvSpPr>
+            <a:spLocks noGrp="1"/>
+          </p:cNvSpPr>
+          <p:nvPr>
+            <p:ph idx="1"/>
+          </p:nvPr>
+        </p:nvSpPr>
+        <p:spPr/>
+        <p:txBody>
+          <a:bodyPr/>
+          <a:lstStyle/>
+          <a:p>
+            <a:r>
+              <a:rPr lang="en-GB" sz="2800" b="1" dirty="0" smtClean="0">
+                <a:solidFill>
+                  <a:srgbClr val="008000"/>
+                </a:solidFill>
+              </a:rPr>
+              <a:t>Extras</a:t>
+            </a:r>
+            <a:r>
+              <a:rPr lang="en-GB" sz="2800" dirty="0" smtClean="0"/>
+              <a:t> (if you finish early!):</a:t>
+            </a:r>
+          </a:p>
+          <a:p>
+            <a:pPr lvl="1"/>
+            <a:r>
+              <a:rPr lang="en-GB" sz="2400" dirty="0" smtClean="0"/>
+              <a:t>Add an additional overall parity bit to improve the performance of the error checking code</a:t>
+            </a:r>
+          </a:p>
+          <a:p>
+            <a:pPr lvl="2"/>
+            <a:r>
+              <a:rPr lang="en-GB" sz="2000" dirty="0" smtClean="0"/>
+              <a:t>Use the </a:t>
+            </a:r>
+            <a:r>
+              <a:rPr lang="en-GB" sz="2000" b="1" dirty="0" err="1" smtClean="0">
+                <a:solidFill>
+                  <a:srgbClr val="3366FF"/>
+                </a:solidFill>
+                <a:latin typeface="Courier New"/>
+                <a:cs typeface="Courier New"/>
+              </a:rPr>
+              <a:t>ecc_compute_overall_partity</a:t>
+            </a:r>
+            <a:r>
+              <a:rPr lang="en-GB" sz="2000" dirty="0" smtClean="0"/>
+              <a:t> routine</a:t>
+            </a:r>
+          </a:p>
+          <a:p>
+            <a:pPr lvl="1"/>
+            <a:r>
+              <a:rPr lang="en-GB" sz="2400" dirty="0" smtClean="0"/>
+              <a:t>Or use the extra parity bit to implement a SECDED </a:t>
+            </a:r>
+            <a:r>
+              <a:rPr lang="en-GB" sz="2400" dirty="0" smtClean="0"/>
+              <a:t>scheme (use </a:t>
+            </a:r>
+            <a:r>
+              <a:rPr lang="en-GB" sz="2400" b="1" dirty="0" smtClean="0">
+                <a:solidFill>
+                  <a:srgbClr val="3366FF"/>
+                </a:solidFill>
+                <a:latin typeface="Courier New"/>
+                <a:cs typeface="Courier New"/>
+              </a:rPr>
+              <a:t>–xx</a:t>
+            </a:r>
+            <a:r>
+              <a:rPr lang="en-GB" sz="2400" dirty="0" smtClean="0"/>
+              <a:t> to inject a double-bit flip)</a:t>
+            </a:r>
+          </a:p>
+          <a:p>
+            <a:pPr lvl="1"/>
+            <a:r>
+              <a:rPr lang="en-GB" sz="2400" dirty="0" smtClean="0"/>
+              <a:t>Try </a:t>
+            </a:r>
+            <a:r>
+              <a:rPr lang="en-GB" sz="2400" dirty="0" smtClean="0"/>
+              <a:t>other parity bit placement schemes (4 bits in row and 4 in column, or use the least significant bits of the value)</a:t>
+            </a:r>
+            <a:r>
+              <a:rPr lang="en-GB" sz="2400" b="1" dirty="0" smtClean="0">
+                <a:solidFill>
+                  <a:srgbClr val="FF0000"/>
+                </a:solidFill>
+              </a:rPr>
+              <a:t> (TODO: give them these ECC routines)</a:t>
+            </a:r>
+          </a:p>
+        </p:txBody>
+      </p:sp>
+      <p:sp>
+        <p:nvSpPr>
+          <p:cNvPr id="4" name="Slide Number Placeholder 3"/>
+          <p:cNvSpPr>
+            <a:spLocks noGrp="1"/>
+          </p:cNvSpPr>
+          <p:nvPr>
+            <p:ph type="sldNum" sz="quarter" idx="10"/>
+          </p:nvPr>
+        </p:nvSpPr>
+        <p:spPr/>
+        <p:txBody>
+          <a:bodyPr/>
+          <a:lstStyle/>
+          <a:p>
+            <a:fld id="{D9B8CB04-7B95-2844-BD15-B133C35E4786}" type="slidenum">
+              <a:rPr lang="en-GB" smtClean="0"/>
+              <a:pPr/>
+              <a:t>51</a:t>
+            </a:fld>
+            <a:endParaRPr lang="en-GB"/>
+          </a:p>
+        </p:txBody>
+      </p:sp>
+    </p:spTree>
+    <p:extLst>
+      <p:ext uri="{BB962C8B-B14F-4D97-AF65-F5344CB8AC3E}">
+        <p14:creationId xmlns:p14="http://schemas.microsoft.com/office/powerpoint/2010/main" val="1046053255"/>
       </p:ext>
     </p:extLst>
   </p:cSld>

--- a/sparse-abft.pptx
+++ b/sparse-abft.pptx
@@ -5,10 +5,10 @@
     <p:sldMasterId id="2147483649" r:id="rId3"/>
   </p:sldMasterIdLst>
   <p:notesMasterIdLst>
-    <p:notesMasterId r:id="rId55"/>
+    <p:notesMasterId r:id="rId57"/>
   </p:notesMasterIdLst>
   <p:handoutMasterIdLst>
-    <p:handoutMasterId r:id="rId56"/>
+    <p:handoutMasterId r:id="rId58"/>
   </p:handoutMasterIdLst>
   <p:sldIdLst>
     <p:sldId id="257" r:id="rId4"/>
@@ -40,28 +40,30 @@
     <p:sldId id="597" r:id="rId30"/>
     <p:sldId id="598" r:id="rId31"/>
     <p:sldId id="599" r:id="rId32"/>
-    <p:sldId id="600" r:id="rId33"/>
-    <p:sldId id="606" r:id="rId34"/>
-    <p:sldId id="601" r:id="rId35"/>
-    <p:sldId id="602" r:id="rId36"/>
-    <p:sldId id="603" r:id="rId37"/>
-    <p:sldId id="604" r:id="rId38"/>
-    <p:sldId id="605" r:id="rId39"/>
-    <p:sldId id="608" r:id="rId40"/>
-    <p:sldId id="609" r:id="rId41"/>
-    <p:sldId id="610" r:id="rId42"/>
-    <p:sldId id="611" r:id="rId43"/>
-    <p:sldId id="612" r:id="rId44"/>
-    <p:sldId id="622" r:id="rId45"/>
-    <p:sldId id="613" r:id="rId46"/>
-    <p:sldId id="625" r:id="rId47"/>
-    <p:sldId id="621" r:id="rId48"/>
-    <p:sldId id="615" r:id="rId49"/>
-    <p:sldId id="626" r:id="rId50"/>
-    <p:sldId id="620" r:id="rId51"/>
-    <p:sldId id="618" r:id="rId52"/>
-    <p:sldId id="588" r:id="rId53"/>
-    <p:sldId id="619" r:id="rId54"/>
+    <p:sldId id="627" r:id="rId33"/>
+    <p:sldId id="600" r:id="rId34"/>
+    <p:sldId id="606" r:id="rId35"/>
+    <p:sldId id="601" r:id="rId36"/>
+    <p:sldId id="602" r:id="rId37"/>
+    <p:sldId id="603" r:id="rId38"/>
+    <p:sldId id="604" r:id="rId39"/>
+    <p:sldId id="605" r:id="rId40"/>
+    <p:sldId id="608" r:id="rId41"/>
+    <p:sldId id="628" r:id="rId42"/>
+    <p:sldId id="609" r:id="rId43"/>
+    <p:sldId id="610" r:id="rId44"/>
+    <p:sldId id="611" r:id="rId45"/>
+    <p:sldId id="612" r:id="rId46"/>
+    <p:sldId id="622" r:id="rId47"/>
+    <p:sldId id="613" r:id="rId48"/>
+    <p:sldId id="625" r:id="rId49"/>
+    <p:sldId id="621" r:id="rId50"/>
+    <p:sldId id="615" r:id="rId51"/>
+    <p:sldId id="626" r:id="rId52"/>
+    <p:sldId id="620" r:id="rId53"/>
+    <p:sldId id="618" r:id="rId54"/>
+    <p:sldId id="588" r:id="rId55"/>
+    <p:sldId id="619" r:id="rId56"/>
   </p:sldIdLst>
   <p:sldSz cx="9144000" cy="6858000" type="screen4x3"/>
   <p:notesSz cx="6858000" cy="9144000"/>
@@ -193,6 +195,6560 @@
 </p:presentation>
 </file>
 
+<file path=ppt/diagrams/colors1.xml><?xml version="1.0" encoding="utf-8"?>
+<dgm:colorsDef xmlns:dgm="http://schemas.openxmlformats.org/drawingml/2006/diagram" xmlns:a="http://schemas.openxmlformats.org/drawingml/2006/main" uniqueId="urn:microsoft.com/office/officeart/2005/8/colors/colorful2">
+  <dgm:title val=""/>
+  <dgm:desc val=""/>
+  <dgm:catLst>
+    <dgm:cat type="colorful" pri="10200"/>
+  </dgm:catLst>
+  <dgm:styleLbl name="node0">
+    <dgm:fillClrLst meth="repeat">
+      <a:schemeClr val="accent1"/>
+    </dgm:fillClrLst>
+    <dgm:linClrLst meth="repeat">
+      <a:schemeClr val="lt1"/>
+    </dgm:linClrLst>
+    <dgm:effectClrLst/>
+    <dgm:txLinClrLst/>
+    <dgm:txFillClrLst/>
+    <dgm:txEffectClrLst/>
+  </dgm:styleLbl>
+  <dgm:styleLbl name="node1">
+    <dgm:fillClrLst>
+      <a:schemeClr val="accent2"/>
+      <a:schemeClr val="accent3"/>
+    </dgm:fillClrLst>
+    <dgm:linClrLst meth="repeat">
+      <a:schemeClr val="lt1"/>
+    </dgm:linClrLst>
+    <dgm:effectClrLst/>
+    <dgm:txLinClrLst/>
+    <dgm:txFillClrLst/>
+    <dgm:txEffectClrLst/>
+  </dgm:styleLbl>
+  <dgm:styleLbl name="alignNode1">
+    <dgm:fillClrLst>
+      <a:schemeClr val="accent2"/>
+      <a:schemeClr val="accent3"/>
+    </dgm:fillClrLst>
+    <dgm:linClrLst>
+      <a:schemeClr val="accent2"/>
+      <a:schemeClr val="accent3"/>
+    </dgm:linClrLst>
+    <dgm:effectClrLst/>
+    <dgm:txLinClrLst/>
+    <dgm:txFillClrLst/>
+    <dgm:txEffectClrLst/>
+  </dgm:styleLbl>
+  <dgm:styleLbl name="lnNode1">
+    <dgm:fillClrLst>
+      <a:schemeClr val="accent2"/>
+      <a:schemeClr val="accent3"/>
+    </dgm:fillClrLst>
+    <dgm:linClrLst meth="repeat">
+      <a:schemeClr val="lt1"/>
+    </dgm:linClrLst>
+    <dgm:effectClrLst/>
+    <dgm:txLinClrLst/>
+    <dgm:txFillClrLst/>
+    <dgm:txEffectClrLst/>
+  </dgm:styleLbl>
+  <dgm:styleLbl name="vennNode1">
+    <dgm:fillClrLst>
+      <a:schemeClr val="accent2">
+        <a:alpha val="50000"/>
+      </a:schemeClr>
+      <a:schemeClr val="accent3">
+        <a:alpha val="50000"/>
+      </a:schemeClr>
+    </dgm:fillClrLst>
+    <dgm:linClrLst meth="repeat">
+      <a:schemeClr val="lt1"/>
+    </dgm:linClrLst>
+    <dgm:effectClrLst/>
+    <dgm:txLinClrLst/>
+    <dgm:txFillClrLst/>
+    <dgm:txEffectClrLst/>
+  </dgm:styleLbl>
+  <dgm:styleLbl name="node2">
+    <dgm:fillClrLst>
+      <a:schemeClr val="accent3"/>
+    </dgm:fillClrLst>
+    <dgm:linClrLst meth="repeat">
+      <a:schemeClr val="lt1"/>
+    </dgm:linClrLst>
+    <dgm:effectClrLst/>
+    <dgm:txLinClrLst/>
+    <dgm:txFillClrLst/>
+    <dgm:txEffectClrLst/>
+  </dgm:styleLbl>
+  <dgm:styleLbl name="node3">
+    <dgm:fillClrLst>
+      <a:schemeClr val="accent4"/>
+    </dgm:fillClrLst>
+    <dgm:linClrLst meth="repeat">
+      <a:schemeClr val="lt1"/>
+    </dgm:linClrLst>
+    <dgm:effectClrLst/>
+    <dgm:txLinClrLst/>
+    <dgm:txFillClrLst/>
+    <dgm:txEffectClrLst/>
+  </dgm:styleLbl>
+  <dgm:styleLbl name="node4">
+    <dgm:fillClrLst>
+      <a:schemeClr val="accent5"/>
+    </dgm:fillClrLst>
+    <dgm:linClrLst meth="repeat">
+      <a:schemeClr val="lt1"/>
+    </dgm:linClrLst>
+    <dgm:effectClrLst/>
+    <dgm:txLinClrLst/>
+    <dgm:txFillClrLst/>
+    <dgm:txEffectClrLst/>
+  </dgm:styleLbl>
+  <dgm:styleLbl name="fgImgPlace1">
+    <dgm:fillClrLst>
+      <a:schemeClr val="accent2">
+        <a:tint val="50000"/>
+      </a:schemeClr>
+      <a:schemeClr val="accent3">
+        <a:tint val="50000"/>
+      </a:schemeClr>
+    </dgm:fillClrLst>
+    <dgm:linClrLst meth="repeat">
+      <a:schemeClr val="lt1"/>
+    </dgm:linClrLst>
+    <dgm:effectClrLst/>
+    <dgm:txLinClrLst/>
+    <dgm:txFillClrLst meth="repeat">
+      <a:schemeClr val="lt1"/>
+    </dgm:txFillClrLst>
+    <dgm:txEffectClrLst/>
+  </dgm:styleLbl>
+  <dgm:styleLbl name="alignImgPlace1">
+    <dgm:fillClrLst>
+      <a:schemeClr val="accent2">
+        <a:tint val="50000"/>
+      </a:schemeClr>
+      <a:schemeClr val="accent3">
+        <a:tint val="20000"/>
+      </a:schemeClr>
+    </dgm:fillClrLst>
+    <dgm:linClrLst meth="repeat">
+      <a:schemeClr val="lt1"/>
+    </dgm:linClrLst>
+    <dgm:effectClrLst/>
+    <dgm:txLinClrLst/>
+    <dgm:txFillClrLst meth="repeat">
+      <a:schemeClr val="lt1"/>
+    </dgm:txFillClrLst>
+    <dgm:txEffectClrLst/>
+  </dgm:styleLbl>
+  <dgm:styleLbl name="bgImgPlace1">
+    <dgm:fillClrLst>
+      <a:schemeClr val="accent2">
+        <a:tint val="50000"/>
+      </a:schemeClr>
+      <a:schemeClr val="accent3">
+        <a:tint val="20000"/>
+      </a:schemeClr>
+    </dgm:fillClrLst>
+    <dgm:linClrLst meth="repeat">
+      <a:schemeClr val="lt1"/>
+    </dgm:linClrLst>
+    <dgm:effectClrLst/>
+    <dgm:txLinClrLst/>
+    <dgm:txFillClrLst meth="repeat">
+      <a:schemeClr val="lt1"/>
+    </dgm:txFillClrLst>
+    <dgm:txEffectClrLst/>
+  </dgm:styleLbl>
+  <dgm:styleLbl name="sibTrans2D1">
+    <dgm:fillClrLst>
+      <a:schemeClr val="accent2"/>
+      <a:schemeClr val="accent3"/>
+    </dgm:fillClrLst>
+    <dgm:linClrLst meth="repeat">
+      <a:schemeClr val="lt1"/>
+    </dgm:linClrLst>
+    <dgm:effectClrLst/>
+    <dgm:txLinClrLst/>
+    <dgm:txFillClrLst/>
+    <dgm:txEffectClrLst/>
+  </dgm:styleLbl>
+  <dgm:styleLbl name="fgSibTrans2D1">
+    <dgm:fillClrLst>
+      <a:schemeClr val="accent2"/>
+      <a:schemeClr val="accent3"/>
+    </dgm:fillClrLst>
+    <dgm:linClrLst meth="repeat">
+      <a:schemeClr val="lt1"/>
+    </dgm:linClrLst>
+    <dgm:effectClrLst/>
+    <dgm:txLinClrLst/>
+    <dgm:txFillClrLst meth="repeat">
+      <a:schemeClr val="lt1"/>
+    </dgm:txFillClrLst>
+    <dgm:txEffectClrLst/>
+  </dgm:styleLbl>
+  <dgm:styleLbl name="bgSibTrans2D1">
+    <dgm:fillClrLst>
+      <a:schemeClr val="accent2"/>
+      <a:schemeClr val="accent3"/>
+    </dgm:fillClrLst>
+    <dgm:linClrLst meth="repeat">
+      <a:schemeClr val="lt1"/>
+    </dgm:linClrLst>
+    <dgm:effectClrLst/>
+    <dgm:txLinClrLst/>
+    <dgm:txFillClrLst meth="repeat">
+      <a:schemeClr val="lt1"/>
+    </dgm:txFillClrLst>
+    <dgm:txEffectClrLst/>
+  </dgm:styleLbl>
+  <dgm:styleLbl name="sibTrans1D1">
+    <dgm:fillClrLst/>
+    <dgm:linClrLst>
+      <a:schemeClr val="accent2"/>
+      <a:schemeClr val="accent3"/>
+    </dgm:linClrLst>
+    <dgm:effectClrLst/>
+    <dgm:txLinClrLst/>
+    <dgm:txFillClrLst meth="repeat">
+      <a:schemeClr val="tx1"/>
+    </dgm:txFillClrLst>
+    <dgm:txEffectClrLst/>
+  </dgm:styleLbl>
+  <dgm:styleLbl name="callout">
+    <dgm:fillClrLst meth="repeat">
+      <a:schemeClr val="accent2"/>
+    </dgm:fillClrLst>
+    <dgm:linClrLst meth="repeat">
+      <a:schemeClr val="accent2">
+        <a:tint val="50000"/>
+      </a:schemeClr>
+    </dgm:linClrLst>
+    <dgm:effectClrLst/>
+    <dgm:txLinClrLst/>
+    <dgm:txFillClrLst meth="repeat">
+      <a:schemeClr val="tx1"/>
+    </dgm:txFillClrLst>
+    <dgm:txEffectClrLst/>
+  </dgm:styleLbl>
+  <dgm:styleLbl name="asst0">
+    <dgm:fillClrLst meth="repeat">
+      <a:schemeClr val="accent2"/>
+    </dgm:fillClrLst>
+    <dgm:linClrLst meth="repeat">
+      <a:schemeClr val="lt1">
+        <a:shade val="80000"/>
+      </a:schemeClr>
+    </dgm:linClrLst>
+    <dgm:effectClrLst/>
+    <dgm:txLinClrLst/>
+    <dgm:txFillClrLst/>
+    <dgm:txEffectClrLst/>
+  </dgm:styleLbl>
+  <dgm:styleLbl name="asst1">
+    <dgm:fillClrLst meth="repeat">
+      <a:schemeClr val="accent3"/>
+    </dgm:fillClrLst>
+    <dgm:linClrLst meth="repeat">
+      <a:schemeClr val="lt1">
+        <a:shade val="80000"/>
+      </a:schemeClr>
+    </dgm:linClrLst>
+    <dgm:effectClrLst/>
+    <dgm:txLinClrLst/>
+    <dgm:txFillClrLst/>
+    <dgm:txEffectClrLst/>
+  </dgm:styleLbl>
+  <dgm:styleLbl name="asst2">
+    <dgm:fillClrLst>
+      <a:schemeClr val="accent4"/>
+    </dgm:fillClrLst>
+    <dgm:linClrLst meth="repeat">
+      <a:schemeClr val="lt1"/>
+    </dgm:linClrLst>
+    <dgm:effectClrLst/>
+    <dgm:txLinClrLst/>
+    <dgm:txFillClrLst/>
+    <dgm:txEffectClrLst/>
+  </dgm:styleLbl>
+  <dgm:styleLbl name="asst3">
+    <dgm:fillClrLst>
+      <a:schemeClr val="accent5"/>
+    </dgm:fillClrLst>
+    <dgm:linClrLst meth="repeat">
+      <a:schemeClr val="lt1"/>
+    </dgm:linClrLst>
+    <dgm:effectClrLst/>
+    <dgm:txLinClrLst/>
+    <dgm:txFillClrLst/>
+    <dgm:txEffectClrLst/>
+  </dgm:styleLbl>
+  <dgm:styleLbl name="asst4">
+    <dgm:fillClrLst>
+      <a:schemeClr val="accent6"/>
+    </dgm:fillClrLst>
+    <dgm:linClrLst meth="repeat">
+      <a:schemeClr val="lt1"/>
+    </dgm:linClrLst>
+    <dgm:effectClrLst/>
+    <dgm:txLinClrLst/>
+    <dgm:txFillClrLst/>
+    <dgm:txEffectClrLst/>
+  </dgm:styleLbl>
+  <dgm:styleLbl name="parChTrans2D1">
+    <dgm:fillClrLst meth="repeat">
+      <a:schemeClr val="accent2"/>
+    </dgm:fillClrLst>
+    <dgm:linClrLst meth="repeat">
+      <a:schemeClr val="lt1"/>
+    </dgm:linClrLst>
+    <dgm:effectClrLst/>
+    <dgm:txLinClrLst/>
+    <dgm:txFillClrLst meth="repeat">
+      <a:schemeClr val="lt1"/>
+    </dgm:txFillClrLst>
+    <dgm:txEffectClrLst/>
+  </dgm:styleLbl>
+  <dgm:styleLbl name="parChTrans2D2">
+    <dgm:fillClrLst meth="repeat">
+      <a:schemeClr val="accent3"/>
+    </dgm:fillClrLst>
+    <dgm:linClrLst meth="repeat">
+      <a:schemeClr val="lt1"/>
+    </dgm:linClrLst>
+    <dgm:effectClrLst/>
+    <dgm:txLinClrLst/>
+    <dgm:txFillClrLst/>
+    <dgm:txEffectClrLst/>
+  </dgm:styleLbl>
+  <dgm:styleLbl name="parChTrans2D3">
+    <dgm:fillClrLst meth="repeat">
+      <a:schemeClr val="accent4"/>
+    </dgm:fillClrLst>
+    <dgm:linClrLst meth="repeat">
+      <a:schemeClr val="lt1"/>
+    </dgm:linClrLst>
+    <dgm:effectClrLst/>
+    <dgm:txLinClrLst/>
+    <dgm:txFillClrLst/>
+    <dgm:txEffectClrLst/>
+  </dgm:styleLbl>
+  <dgm:styleLbl name="parChTrans2D4">
+    <dgm:fillClrLst meth="repeat">
+      <a:schemeClr val="accent5"/>
+    </dgm:fillClrLst>
+    <dgm:linClrLst meth="repeat">
+      <a:schemeClr val="lt1"/>
+    </dgm:linClrLst>
+    <dgm:effectClrLst/>
+    <dgm:txLinClrLst/>
+    <dgm:txFillClrLst meth="repeat">
+      <a:schemeClr val="lt1"/>
+    </dgm:txFillClrLst>
+    <dgm:txEffectClrLst/>
+  </dgm:styleLbl>
+  <dgm:styleLbl name="parChTrans1D1">
+    <dgm:fillClrLst meth="repeat">
+      <a:schemeClr val="accent2"/>
+    </dgm:fillClrLst>
+    <dgm:linClrLst meth="repeat">
+      <a:schemeClr val="accent2"/>
+    </dgm:linClrLst>
+    <dgm:effectClrLst/>
+    <dgm:txLinClrLst/>
+    <dgm:txFillClrLst meth="repeat">
+      <a:schemeClr val="tx1"/>
+    </dgm:txFillClrLst>
+    <dgm:txEffectClrLst/>
+  </dgm:styleLbl>
+  <dgm:styleLbl name="parChTrans1D2">
+    <dgm:fillClrLst meth="repeat">
+      <a:schemeClr val="accent2">
+        <a:tint val="90000"/>
+      </a:schemeClr>
+    </dgm:fillClrLst>
+    <dgm:linClrLst meth="repeat">
+      <a:schemeClr val="accent3"/>
+    </dgm:linClrLst>
+    <dgm:effectClrLst/>
+    <dgm:txLinClrLst/>
+    <dgm:txFillClrLst meth="repeat">
+      <a:schemeClr val="tx1"/>
+    </dgm:txFillClrLst>
+    <dgm:txEffectClrLst/>
+  </dgm:styleLbl>
+  <dgm:styleLbl name="parChTrans1D3">
+    <dgm:fillClrLst meth="repeat">
+      <a:schemeClr val="accent2">
+        <a:tint val="70000"/>
+      </a:schemeClr>
+    </dgm:fillClrLst>
+    <dgm:linClrLst meth="repeat">
+      <a:schemeClr val="accent4"/>
+    </dgm:linClrLst>
+    <dgm:effectClrLst/>
+    <dgm:txLinClrLst/>
+    <dgm:txFillClrLst meth="repeat">
+      <a:schemeClr val="tx1"/>
+    </dgm:txFillClrLst>
+    <dgm:txEffectClrLst/>
+  </dgm:styleLbl>
+  <dgm:styleLbl name="parChTrans1D4">
+    <dgm:fillClrLst meth="repeat">
+      <a:schemeClr val="accent2">
+        <a:tint val="50000"/>
+      </a:schemeClr>
+    </dgm:fillClrLst>
+    <dgm:linClrLst meth="repeat">
+      <a:schemeClr val="accent5"/>
+    </dgm:linClrLst>
+    <dgm:effectClrLst/>
+    <dgm:txLinClrLst/>
+    <dgm:txFillClrLst meth="repeat">
+      <a:schemeClr val="tx1"/>
+    </dgm:txFillClrLst>
+    <dgm:txEffectClrLst/>
+  </dgm:styleLbl>
+  <dgm:styleLbl name="fgAcc1">
+    <dgm:fillClrLst meth="repeat">
+      <a:schemeClr val="lt1">
+        <a:alpha val="90000"/>
+      </a:schemeClr>
+    </dgm:fillClrLst>
+    <dgm:linClrLst>
+      <a:schemeClr val="accent2"/>
+      <a:schemeClr val="accent3"/>
+    </dgm:linClrLst>
+    <dgm:effectClrLst/>
+    <dgm:txLinClrLst/>
+    <dgm:txFillClrLst meth="repeat">
+      <a:schemeClr val="dk1"/>
+    </dgm:txFillClrLst>
+    <dgm:txEffectClrLst/>
+  </dgm:styleLbl>
+  <dgm:styleLbl name="conFgAcc1">
+    <dgm:fillClrLst meth="repeat">
+      <a:schemeClr val="lt1">
+        <a:alpha val="90000"/>
+      </a:schemeClr>
+    </dgm:fillClrLst>
+    <dgm:linClrLst>
+      <a:schemeClr val="accent2"/>
+      <a:schemeClr val="accent3"/>
+    </dgm:linClrLst>
+    <dgm:effectClrLst/>
+    <dgm:txLinClrLst/>
+    <dgm:txFillClrLst meth="repeat">
+      <a:schemeClr val="dk1"/>
+    </dgm:txFillClrLst>
+    <dgm:txEffectClrLst/>
+  </dgm:styleLbl>
+  <dgm:styleLbl name="alignAcc1">
+    <dgm:fillClrLst meth="repeat">
+      <a:schemeClr val="lt1">
+        <a:alpha val="90000"/>
+      </a:schemeClr>
+    </dgm:fillClrLst>
+    <dgm:linClrLst>
+      <a:schemeClr val="accent2"/>
+      <a:schemeClr val="accent3"/>
+    </dgm:linClrLst>
+    <dgm:effectClrLst/>
+    <dgm:txLinClrLst/>
+    <dgm:txFillClrLst meth="repeat">
+      <a:schemeClr val="dk1"/>
+    </dgm:txFillClrLst>
+    <dgm:txEffectClrLst/>
+  </dgm:styleLbl>
+  <dgm:styleLbl name="trAlignAcc1">
+    <dgm:fillClrLst meth="repeat">
+      <a:schemeClr val="lt1">
+        <a:alpha val="40000"/>
+      </a:schemeClr>
+    </dgm:fillClrLst>
+    <dgm:linClrLst meth="repeat">
+      <a:schemeClr val="accent2"/>
+    </dgm:linClrLst>
+    <dgm:effectClrLst/>
+    <dgm:txLinClrLst/>
+    <dgm:txFillClrLst meth="repeat">
+      <a:schemeClr val="dk1"/>
+    </dgm:txFillClrLst>
+    <dgm:txEffectClrLst/>
+  </dgm:styleLbl>
+  <dgm:styleLbl name="bgAcc1">
+    <dgm:fillClrLst meth="repeat">
+      <a:schemeClr val="lt1">
+        <a:alpha val="90000"/>
+      </a:schemeClr>
+    </dgm:fillClrLst>
+    <dgm:linClrLst>
+      <a:schemeClr val="accent2"/>
+      <a:schemeClr val="accent3"/>
+    </dgm:linClrLst>
+    <dgm:effectClrLst/>
+    <dgm:txLinClrLst/>
+    <dgm:txFillClrLst meth="repeat">
+      <a:schemeClr val="dk1"/>
+    </dgm:txFillClrLst>
+    <dgm:txEffectClrLst/>
+  </dgm:styleLbl>
+  <dgm:styleLbl name="solidFgAcc1">
+    <dgm:fillClrLst meth="repeat">
+      <a:schemeClr val="lt1"/>
+    </dgm:fillClrLst>
+    <dgm:linClrLst>
+      <a:schemeClr val="accent2"/>
+      <a:schemeClr val="accent3"/>
+    </dgm:linClrLst>
+    <dgm:effectClrLst/>
+    <dgm:txLinClrLst/>
+    <dgm:txFillClrLst meth="repeat">
+      <a:schemeClr val="dk1"/>
+    </dgm:txFillClrLst>
+    <dgm:txEffectClrLst/>
+  </dgm:styleLbl>
+  <dgm:styleLbl name="solidAlignAcc1">
+    <dgm:fillClrLst meth="repeat">
+      <a:schemeClr val="lt1"/>
+    </dgm:fillClrLst>
+    <dgm:linClrLst>
+      <a:schemeClr val="accent2"/>
+      <a:schemeClr val="accent3"/>
+    </dgm:linClrLst>
+    <dgm:effectClrLst/>
+    <dgm:txLinClrLst/>
+    <dgm:txFillClrLst meth="repeat">
+      <a:schemeClr val="dk1"/>
+    </dgm:txFillClrLst>
+    <dgm:txEffectClrLst/>
+  </dgm:styleLbl>
+  <dgm:styleLbl name="solidBgAcc1">
+    <dgm:fillClrLst meth="repeat">
+      <a:schemeClr val="lt1"/>
+    </dgm:fillClrLst>
+    <dgm:linClrLst>
+      <a:schemeClr val="accent2"/>
+      <a:schemeClr val="accent3"/>
+    </dgm:linClrLst>
+    <dgm:effectClrLst/>
+    <dgm:txLinClrLst/>
+    <dgm:txFillClrLst meth="repeat">
+      <a:schemeClr val="dk1"/>
+    </dgm:txFillClrLst>
+    <dgm:txEffectClrLst/>
+  </dgm:styleLbl>
+  <dgm:styleLbl name="fgAccFollowNode1">
+    <dgm:fillClrLst>
+      <a:schemeClr val="accent2">
+        <a:tint val="40000"/>
+        <a:alpha val="90000"/>
+      </a:schemeClr>
+      <a:schemeClr val="accent3">
+        <a:tint val="40000"/>
+        <a:alpha val="90000"/>
+      </a:schemeClr>
+    </dgm:fillClrLst>
+    <dgm:linClrLst>
+      <a:schemeClr val="accent2">
+        <a:tint val="40000"/>
+        <a:alpha val="90000"/>
+      </a:schemeClr>
+      <a:schemeClr val="accent3">
+        <a:tint val="40000"/>
+        <a:alpha val="90000"/>
+      </a:schemeClr>
+    </dgm:linClrLst>
+    <dgm:effectClrLst/>
+    <dgm:txLinClrLst/>
+    <dgm:txFillClrLst meth="repeat">
+      <a:schemeClr val="dk1"/>
+    </dgm:txFillClrLst>
+    <dgm:txEffectClrLst/>
+  </dgm:styleLbl>
+  <dgm:styleLbl name="alignAccFollowNode1">
+    <dgm:fillClrLst>
+      <a:schemeClr val="accent2">
+        <a:tint val="40000"/>
+        <a:alpha val="90000"/>
+      </a:schemeClr>
+      <a:schemeClr val="accent3">
+        <a:tint val="40000"/>
+        <a:alpha val="90000"/>
+      </a:schemeClr>
+    </dgm:fillClrLst>
+    <dgm:linClrLst>
+      <a:schemeClr val="accent2">
+        <a:tint val="40000"/>
+        <a:alpha val="90000"/>
+      </a:schemeClr>
+      <a:schemeClr val="accent3">
+        <a:tint val="40000"/>
+        <a:alpha val="90000"/>
+      </a:schemeClr>
+    </dgm:linClrLst>
+    <dgm:effectClrLst/>
+    <dgm:txLinClrLst/>
+    <dgm:txFillClrLst meth="repeat">
+      <a:schemeClr val="dk1"/>
+    </dgm:txFillClrLst>
+    <dgm:txEffectClrLst/>
+  </dgm:styleLbl>
+  <dgm:styleLbl name="bgAccFollowNode1">
+    <dgm:fillClrLst>
+      <a:schemeClr val="accent2">
+        <a:tint val="40000"/>
+        <a:alpha val="90000"/>
+      </a:schemeClr>
+      <a:schemeClr val="accent3">
+        <a:tint val="40000"/>
+        <a:alpha val="90000"/>
+      </a:schemeClr>
+    </dgm:fillClrLst>
+    <dgm:linClrLst>
+      <a:schemeClr val="accent2">
+        <a:tint val="40000"/>
+        <a:alpha val="90000"/>
+      </a:schemeClr>
+      <a:schemeClr val="accent3">
+        <a:tint val="40000"/>
+        <a:alpha val="90000"/>
+      </a:schemeClr>
+    </dgm:linClrLst>
+    <dgm:effectClrLst/>
+    <dgm:txLinClrLst/>
+    <dgm:txFillClrLst meth="repeat">
+      <a:schemeClr val="dk1"/>
+    </dgm:txFillClrLst>
+    <dgm:txEffectClrLst/>
+  </dgm:styleLbl>
+  <dgm:styleLbl name="fgAcc0">
+    <dgm:fillClrLst meth="repeat">
+      <a:schemeClr val="lt1">
+        <a:alpha val="90000"/>
+      </a:schemeClr>
+    </dgm:fillClrLst>
+    <dgm:linClrLst>
+      <a:schemeClr val="accent1"/>
+    </dgm:linClrLst>
+    <dgm:effectClrLst/>
+    <dgm:txLinClrLst/>
+    <dgm:txFillClrLst meth="repeat">
+      <a:schemeClr val="dk1"/>
+    </dgm:txFillClrLst>
+    <dgm:txEffectClrLst/>
+  </dgm:styleLbl>
+  <dgm:styleLbl name="fgAcc2">
+    <dgm:fillClrLst meth="repeat">
+      <a:schemeClr val="lt1">
+        <a:alpha val="90000"/>
+      </a:schemeClr>
+    </dgm:fillClrLst>
+    <dgm:linClrLst>
+      <a:schemeClr val="accent3"/>
+    </dgm:linClrLst>
+    <dgm:effectClrLst/>
+    <dgm:txLinClrLst/>
+    <dgm:txFillClrLst meth="repeat">
+      <a:schemeClr val="dk1"/>
+    </dgm:txFillClrLst>
+    <dgm:txEffectClrLst/>
+  </dgm:styleLbl>
+  <dgm:styleLbl name="fgAcc3">
+    <dgm:fillClrLst meth="repeat">
+      <a:schemeClr val="lt1">
+        <a:alpha val="90000"/>
+      </a:schemeClr>
+    </dgm:fillClrLst>
+    <dgm:linClrLst>
+      <a:schemeClr val="accent4"/>
+    </dgm:linClrLst>
+    <dgm:effectClrLst/>
+    <dgm:txLinClrLst/>
+    <dgm:txFillClrLst meth="repeat">
+      <a:schemeClr val="dk1"/>
+    </dgm:txFillClrLst>
+    <dgm:txEffectClrLst/>
+  </dgm:styleLbl>
+  <dgm:styleLbl name="fgAcc4">
+    <dgm:fillClrLst meth="repeat">
+      <a:schemeClr val="lt1">
+        <a:alpha val="90000"/>
+      </a:schemeClr>
+    </dgm:fillClrLst>
+    <dgm:linClrLst>
+      <a:schemeClr val="accent5"/>
+    </dgm:linClrLst>
+    <dgm:effectClrLst/>
+    <dgm:txLinClrLst/>
+    <dgm:txFillClrLst meth="repeat">
+      <a:schemeClr val="dk1"/>
+    </dgm:txFillClrLst>
+    <dgm:txEffectClrLst/>
+  </dgm:styleLbl>
+  <dgm:styleLbl name="bgShp">
+    <dgm:fillClrLst meth="repeat">
+      <a:schemeClr val="accent2">
+        <a:tint val="40000"/>
+      </a:schemeClr>
+    </dgm:fillClrLst>
+    <dgm:linClrLst meth="repeat">
+      <a:schemeClr val="dk1"/>
+    </dgm:linClrLst>
+    <dgm:effectClrLst/>
+    <dgm:txLinClrLst/>
+    <dgm:txFillClrLst meth="repeat">
+      <a:schemeClr val="dk1"/>
+    </dgm:txFillClrLst>
+    <dgm:txEffectClrLst/>
+  </dgm:styleLbl>
+  <dgm:styleLbl name="dkBgShp">
+    <dgm:fillClrLst meth="repeat">
+      <a:schemeClr val="accent2">
+        <a:shade val="90000"/>
+      </a:schemeClr>
+    </dgm:fillClrLst>
+    <dgm:linClrLst meth="repeat">
+      <a:schemeClr val="dk1"/>
+    </dgm:linClrLst>
+    <dgm:effectClrLst/>
+    <dgm:txLinClrLst/>
+    <dgm:txFillClrLst meth="repeat">
+      <a:schemeClr val="lt1"/>
+    </dgm:txFillClrLst>
+    <dgm:txEffectClrLst/>
+  </dgm:styleLbl>
+  <dgm:styleLbl name="trBgShp">
+    <dgm:fillClrLst meth="repeat">
+      <a:schemeClr val="accent2">
+        <a:tint val="50000"/>
+        <a:alpha val="40000"/>
+      </a:schemeClr>
+    </dgm:fillClrLst>
+    <dgm:linClrLst meth="repeat">
+      <a:schemeClr val="accent2"/>
+    </dgm:linClrLst>
+    <dgm:effectClrLst/>
+    <dgm:txLinClrLst/>
+    <dgm:txFillClrLst meth="repeat">
+      <a:schemeClr val="lt1"/>
+    </dgm:txFillClrLst>
+    <dgm:txEffectClrLst/>
+  </dgm:styleLbl>
+  <dgm:styleLbl name="fgShp">
+    <dgm:fillClrLst meth="repeat">
+      <a:schemeClr val="accent2">
+        <a:tint val="40000"/>
+      </a:schemeClr>
+    </dgm:fillClrLst>
+    <dgm:linClrLst meth="repeat">
+      <a:schemeClr val="lt1"/>
+    </dgm:linClrLst>
+    <dgm:effectClrLst/>
+    <dgm:txLinClrLst/>
+    <dgm:txFillClrLst meth="repeat">
+      <a:schemeClr val="dk1"/>
+    </dgm:txFillClrLst>
+    <dgm:txEffectClrLst/>
+  </dgm:styleLbl>
+  <dgm:styleLbl name="revTx">
+    <dgm:fillClrLst meth="repeat">
+      <a:schemeClr val="lt1">
+        <a:alpha val="0"/>
+      </a:schemeClr>
+    </dgm:fillClrLst>
+    <dgm:linClrLst meth="repeat">
+      <a:schemeClr val="dk1">
+        <a:alpha val="0"/>
+      </a:schemeClr>
+    </dgm:linClrLst>
+    <dgm:effectClrLst/>
+    <dgm:txLinClrLst/>
+    <dgm:txFillClrLst meth="repeat">
+      <a:schemeClr val="tx1"/>
+    </dgm:txFillClrLst>
+    <dgm:txEffectClrLst/>
+  </dgm:styleLbl>
+</dgm:colorsDef>
+</file>
+
+<file path=ppt/diagrams/colors2.xml><?xml version="1.0" encoding="utf-8"?>
+<dgm:colorsDef xmlns:dgm="http://schemas.openxmlformats.org/drawingml/2006/diagram" xmlns:a="http://schemas.openxmlformats.org/drawingml/2006/main" uniqueId="urn:microsoft.com/office/officeart/2005/8/colors/colorful2">
+  <dgm:title val=""/>
+  <dgm:desc val=""/>
+  <dgm:catLst>
+    <dgm:cat type="colorful" pri="10200"/>
+  </dgm:catLst>
+  <dgm:styleLbl name="node0">
+    <dgm:fillClrLst meth="repeat">
+      <a:schemeClr val="accent1"/>
+    </dgm:fillClrLst>
+    <dgm:linClrLst meth="repeat">
+      <a:schemeClr val="lt1"/>
+    </dgm:linClrLst>
+    <dgm:effectClrLst/>
+    <dgm:txLinClrLst/>
+    <dgm:txFillClrLst/>
+    <dgm:txEffectClrLst/>
+  </dgm:styleLbl>
+  <dgm:styleLbl name="node1">
+    <dgm:fillClrLst>
+      <a:schemeClr val="accent2"/>
+      <a:schemeClr val="accent3"/>
+    </dgm:fillClrLst>
+    <dgm:linClrLst meth="repeat">
+      <a:schemeClr val="lt1"/>
+    </dgm:linClrLst>
+    <dgm:effectClrLst/>
+    <dgm:txLinClrLst/>
+    <dgm:txFillClrLst/>
+    <dgm:txEffectClrLst/>
+  </dgm:styleLbl>
+  <dgm:styleLbl name="alignNode1">
+    <dgm:fillClrLst>
+      <a:schemeClr val="accent2"/>
+      <a:schemeClr val="accent3"/>
+    </dgm:fillClrLst>
+    <dgm:linClrLst>
+      <a:schemeClr val="accent2"/>
+      <a:schemeClr val="accent3"/>
+    </dgm:linClrLst>
+    <dgm:effectClrLst/>
+    <dgm:txLinClrLst/>
+    <dgm:txFillClrLst/>
+    <dgm:txEffectClrLst/>
+  </dgm:styleLbl>
+  <dgm:styleLbl name="lnNode1">
+    <dgm:fillClrLst>
+      <a:schemeClr val="accent2"/>
+      <a:schemeClr val="accent3"/>
+    </dgm:fillClrLst>
+    <dgm:linClrLst meth="repeat">
+      <a:schemeClr val="lt1"/>
+    </dgm:linClrLst>
+    <dgm:effectClrLst/>
+    <dgm:txLinClrLst/>
+    <dgm:txFillClrLst/>
+    <dgm:txEffectClrLst/>
+  </dgm:styleLbl>
+  <dgm:styleLbl name="vennNode1">
+    <dgm:fillClrLst>
+      <a:schemeClr val="accent2">
+        <a:alpha val="50000"/>
+      </a:schemeClr>
+      <a:schemeClr val="accent3">
+        <a:alpha val="50000"/>
+      </a:schemeClr>
+    </dgm:fillClrLst>
+    <dgm:linClrLst meth="repeat">
+      <a:schemeClr val="lt1"/>
+    </dgm:linClrLst>
+    <dgm:effectClrLst/>
+    <dgm:txLinClrLst/>
+    <dgm:txFillClrLst/>
+    <dgm:txEffectClrLst/>
+  </dgm:styleLbl>
+  <dgm:styleLbl name="node2">
+    <dgm:fillClrLst>
+      <a:schemeClr val="accent3"/>
+    </dgm:fillClrLst>
+    <dgm:linClrLst meth="repeat">
+      <a:schemeClr val="lt1"/>
+    </dgm:linClrLst>
+    <dgm:effectClrLst/>
+    <dgm:txLinClrLst/>
+    <dgm:txFillClrLst/>
+    <dgm:txEffectClrLst/>
+  </dgm:styleLbl>
+  <dgm:styleLbl name="node3">
+    <dgm:fillClrLst>
+      <a:schemeClr val="accent4"/>
+    </dgm:fillClrLst>
+    <dgm:linClrLst meth="repeat">
+      <a:schemeClr val="lt1"/>
+    </dgm:linClrLst>
+    <dgm:effectClrLst/>
+    <dgm:txLinClrLst/>
+    <dgm:txFillClrLst/>
+    <dgm:txEffectClrLst/>
+  </dgm:styleLbl>
+  <dgm:styleLbl name="node4">
+    <dgm:fillClrLst>
+      <a:schemeClr val="accent5"/>
+    </dgm:fillClrLst>
+    <dgm:linClrLst meth="repeat">
+      <a:schemeClr val="lt1"/>
+    </dgm:linClrLst>
+    <dgm:effectClrLst/>
+    <dgm:txLinClrLst/>
+    <dgm:txFillClrLst/>
+    <dgm:txEffectClrLst/>
+  </dgm:styleLbl>
+  <dgm:styleLbl name="fgImgPlace1">
+    <dgm:fillClrLst>
+      <a:schemeClr val="accent2">
+        <a:tint val="50000"/>
+      </a:schemeClr>
+      <a:schemeClr val="accent3">
+        <a:tint val="50000"/>
+      </a:schemeClr>
+    </dgm:fillClrLst>
+    <dgm:linClrLst meth="repeat">
+      <a:schemeClr val="lt1"/>
+    </dgm:linClrLst>
+    <dgm:effectClrLst/>
+    <dgm:txLinClrLst/>
+    <dgm:txFillClrLst meth="repeat">
+      <a:schemeClr val="lt1"/>
+    </dgm:txFillClrLst>
+    <dgm:txEffectClrLst/>
+  </dgm:styleLbl>
+  <dgm:styleLbl name="alignImgPlace1">
+    <dgm:fillClrLst>
+      <a:schemeClr val="accent2">
+        <a:tint val="50000"/>
+      </a:schemeClr>
+      <a:schemeClr val="accent3">
+        <a:tint val="20000"/>
+      </a:schemeClr>
+    </dgm:fillClrLst>
+    <dgm:linClrLst meth="repeat">
+      <a:schemeClr val="lt1"/>
+    </dgm:linClrLst>
+    <dgm:effectClrLst/>
+    <dgm:txLinClrLst/>
+    <dgm:txFillClrLst meth="repeat">
+      <a:schemeClr val="lt1"/>
+    </dgm:txFillClrLst>
+    <dgm:txEffectClrLst/>
+  </dgm:styleLbl>
+  <dgm:styleLbl name="bgImgPlace1">
+    <dgm:fillClrLst>
+      <a:schemeClr val="accent2">
+        <a:tint val="50000"/>
+      </a:schemeClr>
+      <a:schemeClr val="accent3">
+        <a:tint val="20000"/>
+      </a:schemeClr>
+    </dgm:fillClrLst>
+    <dgm:linClrLst meth="repeat">
+      <a:schemeClr val="lt1"/>
+    </dgm:linClrLst>
+    <dgm:effectClrLst/>
+    <dgm:txLinClrLst/>
+    <dgm:txFillClrLst meth="repeat">
+      <a:schemeClr val="lt1"/>
+    </dgm:txFillClrLst>
+    <dgm:txEffectClrLst/>
+  </dgm:styleLbl>
+  <dgm:styleLbl name="sibTrans2D1">
+    <dgm:fillClrLst>
+      <a:schemeClr val="accent2"/>
+      <a:schemeClr val="accent3"/>
+    </dgm:fillClrLst>
+    <dgm:linClrLst meth="repeat">
+      <a:schemeClr val="lt1"/>
+    </dgm:linClrLst>
+    <dgm:effectClrLst/>
+    <dgm:txLinClrLst/>
+    <dgm:txFillClrLst/>
+    <dgm:txEffectClrLst/>
+  </dgm:styleLbl>
+  <dgm:styleLbl name="fgSibTrans2D1">
+    <dgm:fillClrLst>
+      <a:schemeClr val="accent2"/>
+      <a:schemeClr val="accent3"/>
+    </dgm:fillClrLst>
+    <dgm:linClrLst meth="repeat">
+      <a:schemeClr val="lt1"/>
+    </dgm:linClrLst>
+    <dgm:effectClrLst/>
+    <dgm:txLinClrLst/>
+    <dgm:txFillClrLst meth="repeat">
+      <a:schemeClr val="lt1"/>
+    </dgm:txFillClrLst>
+    <dgm:txEffectClrLst/>
+  </dgm:styleLbl>
+  <dgm:styleLbl name="bgSibTrans2D1">
+    <dgm:fillClrLst>
+      <a:schemeClr val="accent2"/>
+      <a:schemeClr val="accent3"/>
+    </dgm:fillClrLst>
+    <dgm:linClrLst meth="repeat">
+      <a:schemeClr val="lt1"/>
+    </dgm:linClrLst>
+    <dgm:effectClrLst/>
+    <dgm:txLinClrLst/>
+    <dgm:txFillClrLst meth="repeat">
+      <a:schemeClr val="lt1"/>
+    </dgm:txFillClrLst>
+    <dgm:txEffectClrLst/>
+  </dgm:styleLbl>
+  <dgm:styleLbl name="sibTrans1D1">
+    <dgm:fillClrLst/>
+    <dgm:linClrLst>
+      <a:schemeClr val="accent2"/>
+      <a:schemeClr val="accent3"/>
+    </dgm:linClrLst>
+    <dgm:effectClrLst/>
+    <dgm:txLinClrLst/>
+    <dgm:txFillClrLst meth="repeat">
+      <a:schemeClr val="tx1"/>
+    </dgm:txFillClrLst>
+    <dgm:txEffectClrLst/>
+  </dgm:styleLbl>
+  <dgm:styleLbl name="callout">
+    <dgm:fillClrLst meth="repeat">
+      <a:schemeClr val="accent2"/>
+    </dgm:fillClrLst>
+    <dgm:linClrLst meth="repeat">
+      <a:schemeClr val="accent2">
+        <a:tint val="50000"/>
+      </a:schemeClr>
+    </dgm:linClrLst>
+    <dgm:effectClrLst/>
+    <dgm:txLinClrLst/>
+    <dgm:txFillClrLst meth="repeat">
+      <a:schemeClr val="tx1"/>
+    </dgm:txFillClrLst>
+    <dgm:txEffectClrLst/>
+  </dgm:styleLbl>
+  <dgm:styleLbl name="asst0">
+    <dgm:fillClrLst meth="repeat">
+      <a:schemeClr val="accent2"/>
+    </dgm:fillClrLst>
+    <dgm:linClrLst meth="repeat">
+      <a:schemeClr val="lt1">
+        <a:shade val="80000"/>
+      </a:schemeClr>
+    </dgm:linClrLst>
+    <dgm:effectClrLst/>
+    <dgm:txLinClrLst/>
+    <dgm:txFillClrLst/>
+    <dgm:txEffectClrLst/>
+  </dgm:styleLbl>
+  <dgm:styleLbl name="asst1">
+    <dgm:fillClrLst meth="repeat">
+      <a:schemeClr val="accent3"/>
+    </dgm:fillClrLst>
+    <dgm:linClrLst meth="repeat">
+      <a:schemeClr val="lt1">
+        <a:shade val="80000"/>
+      </a:schemeClr>
+    </dgm:linClrLst>
+    <dgm:effectClrLst/>
+    <dgm:txLinClrLst/>
+    <dgm:txFillClrLst/>
+    <dgm:txEffectClrLst/>
+  </dgm:styleLbl>
+  <dgm:styleLbl name="asst2">
+    <dgm:fillClrLst>
+      <a:schemeClr val="accent4"/>
+    </dgm:fillClrLst>
+    <dgm:linClrLst meth="repeat">
+      <a:schemeClr val="lt1"/>
+    </dgm:linClrLst>
+    <dgm:effectClrLst/>
+    <dgm:txLinClrLst/>
+    <dgm:txFillClrLst/>
+    <dgm:txEffectClrLst/>
+  </dgm:styleLbl>
+  <dgm:styleLbl name="asst3">
+    <dgm:fillClrLst>
+      <a:schemeClr val="accent5"/>
+    </dgm:fillClrLst>
+    <dgm:linClrLst meth="repeat">
+      <a:schemeClr val="lt1"/>
+    </dgm:linClrLst>
+    <dgm:effectClrLst/>
+    <dgm:txLinClrLst/>
+    <dgm:txFillClrLst/>
+    <dgm:txEffectClrLst/>
+  </dgm:styleLbl>
+  <dgm:styleLbl name="asst4">
+    <dgm:fillClrLst>
+      <a:schemeClr val="accent6"/>
+    </dgm:fillClrLst>
+    <dgm:linClrLst meth="repeat">
+      <a:schemeClr val="lt1"/>
+    </dgm:linClrLst>
+    <dgm:effectClrLst/>
+    <dgm:txLinClrLst/>
+    <dgm:txFillClrLst/>
+    <dgm:txEffectClrLst/>
+  </dgm:styleLbl>
+  <dgm:styleLbl name="parChTrans2D1">
+    <dgm:fillClrLst meth="repeat">
+      <a:schemeClr val="accent2"/>
+    </dgm:fillClrLst>
+    <dgm:linClrLst meth="repeat">
+      <a:schemeClr val="lt1"/>
+    </dgm:linClrLst>
+    <dgm:effectClrLst/>
+    <dgm:txLinClrLst/>
+    <dgm:txFillClrLst meth="repeat">
+      <a:schemeClr val="lt1"/>
+    </dgm:txFillClrLst>
+    <dgm:txEffectClrLst/>
+  </dgm:styleLbl>
+  <dgm:styleLbl name="parChTrans2D2">
+    <dgm:fillClrLst meth="repeat">
+      <a:schemeClr val="accent3"/>
+    </dgm:fillClrLst>
+    <dgm:linClrLst meth="repeat">
+      <a:schemeClr val="lt1"/>
+    </dgm:linClrLst>
+    <dgm:effectClrLst/>
+    <dgm:txLinClrLst/>
+    <dgm:txFillClrLst/>
+    <dgm:txEffectClrLst/>
+  </dgm:styleLbl>
+  <dgm:styleLbl name="parChTrans2D3">
+    <dgm:fillClrLst meth="repeat">
+      <a:schemeClr val="accent4"/>
+    </dgm:fillClrLst>
+    <dgm:linClrLst meth="repeat">
+      <a:schemeClr val="lt1"/>
+    </dgm:linClrLst>
+    <dgm:effectClrLst/>
+    <dgm:txLinClrLst/>
+    <dgm:txFillClrLst/>
+    <dgm:txEffectClrLst/>
+  </dgm:styleLbl>
+  <dgm:styleLbl name="parChTrans2D4">
+    <dgm:fillClrLst meth="repeat">
+      <a:schemeClr val="accent5"/>
+    </dgm:fillClrLst>
+    <dgm:linClrLst meth="repeat">
+      <a:schemeClr val="lt1"/>
+    </dgm:linClrLst>
+    <dgm:effectClrLst/>
+    <dgm:txLinClrLst/>
+    <dgm:txFillClrLst meth="repeat">
+      <a:schemeClr val="lt1"/>
+    </dgm:txFillClrLst>
+    <dgm:txEffectClrLst/>
+  </dgm:styleLbl>
+  <dgm:styleLbl name="parChTrans1D1">
+    <dgm:fillClrLst meth="repeat">
+      <a:schemeClr val="accent2"/>
+    </dgm:fillClrLst>
+    <dgm:linClrLst meth="repeat">
+      <a:schemeClr val="accent2"/>
+    </dgm:linClrLst>
+    <dgm:effectClrLst/>
+    <dgm:txLinClrLst/>
+    <dgm:txFillClrLst meth="repeat">
+      <a:schemeClr val="tx1"/>
+    </dgm:txFillClrLst>
+    <dgm:txEffectClrLst/>
+  </dgm:styleLbl>
+  <dgm:styleLbl name="parChTrans1D2">
+    <dgm:fillClrLst meth="repeat">
+      <a:schemeClr val="accent2">
+        <a:tint val="90000"/>
+      </a:schemeClr>
+    </dgm:fillClrLst>
+    <dgm:linClrLst meth="repeat">
+      <a:schemeClr val="accent3"/>
+    </dgm:linClrLst>
+    <dgm:effectClrLst/>
+    <dgm:txLinClrLst/>
+    <dgm:txFillClrLst meth="repeat">
+      <a:schemeClr val="tx1"/>
+    </dgm:txFillClrLst>
+    <dgm:txEffectClrLst/>
+  </dgm:styleLbl>
+  <dgm:styleLbl name="parChTrans1D3">
+    <dgm:fillClrLst meth="repeat">
+      <a:schemeClr val="accent2">
+        <a:tint val="70000"/>
+      </a:schemeClr>
+    </dgm:fillClrLst>
+    <dgm:linClrLst meth="repeat">
+      <a:schemeClr val="accent4"/>
+    </dgm:linClrLst>
+    <dgm:effectClrLst/>
+    <dgm:txLinClrLst/>
+    <dgm:txFillClrLst meth="repeat">
+      <a:schemeClr val="tx1"/>
+    </dgm:txFillClrLst>
+    <dgm:txEffectClrLst/>
+  </dgm:styleLbl>
+  <dgm:styleLbl name="parChTrans1D4">
+    <dgm:fillClrLst meth="repeat">
+      <a:schemeClr val="accent2">
+        <a:tint val="50000"/>
+      </a:schemeClr>
+    </dgm:fillClrLst>
+    <dgm:linClrLst meth="repeat">
+      <a:schemeClr val="accent5"/>
+    </dgm:linClrLst>
+    <dgm:effectClrLst/>
+    <dgm:txLinClrLst/>
+    <dgm:txFillClrLst meth="repeat">
+      <a:schemeClr val="tx1"/>
+    </dgm:txFillClrLst>
+    <dgm:txEffectClrLst/>
+  </dgm:styleLbl>
+  <dgm:styleLbl name="fgAcc1">
+    <dgm:fillClrLst meth="repeat">
+      <a:schemeClr val="lt1">
+        <a:alpha val="90000"/>
+      </a:schemeClr>
+    </dgm:fillClrLst>
+    <dgm:linClrLst>
+      <a:schemeClr val="accent2"/>
+      <a:schemeClr val="accent3"/>
+    </dgm:linClrLst>
+    <dgm:effectClrLst/>
+    <dgm:txLinClrLst/>
+    <dgm:txFillClrLst meth="repeat">
+      <a:schemeClr val="dk1"/>
+    </dgm:txFillClrLst>
+    <dgm:txEffectClrLst/>
+  </dgm:styleLbl>
+  <dgm:styleLbl name="conFgAcc1">
+    <dgm:fillClrLst meth="repeat">
+      <a:schemeClr val="lt1">
+        <a:alpha val="90000"/>
+      </a:schemeClr>
+    </dgm:fillClrLst>
+    <dgm:linClrLst>
+      <a:schemeClr val="accent2"/>
+      <a:schemeClr val="accent3"/>
+    </dgm:linClrLst>
+    <dgm:effectClrLst/>
+    <dgm:txLinClrLst/>
+    <dgm:txFillClrLst meth="repeat">
+      <a:schemeClr val="dk1"/>
+    </dgm:txFillClrLst>
+    <dgm:txEffectClrLst/>
+  </dgm:styleLbl>
+  <dgm:styleLbl name="alignAcc1">
+    <dgm:fillClrLst meth="repeat">
+      <a:schemeClr val="lt1">
+        <a:alpha val="90000"/>
+      </a:schemeClr>
+    </dgm:fillClrLst>
+    <dgm:linClrLst>
+      <a:schemeClr val="accent2"/>
+      <a:schemeClr val="accent3"/>
+    </dgm:linClrLst>
+    <dgm:effectClrLst/>
+    <dgm:txLinClrLst/>
+    <dgm:txFillClrLst meth="repeat">
+      <a:schemeClr val="dk1"/>
+    </dgm:txFillClrLst>
+    <dgm:txEffectClrLst/>
+  </dgm:styleLbl>
+  <dgm:styleLbl name="trAlignAcc1">
+    <dgm:fillClrLst meth="repeat">
+      <a:schemeClr val="lt1">
+        <a:alpha val="40000"/>
+      </a:schemeClr>
+    </dgm:fillClrLst>
+    <dgm:linClrLst meth="repeat">
+      <a:schemeClr val="accent2"/>
+    </dgm:linClrLst>
+    <dgm:effectClrLst/>
+    <dgm:txLinClrLst/>
+    <dgm:txFillClrLst meth="repeat">
+      <a:schemeClr val="dk1"/>
+    </dgm:txFillClrLst>
+    <dgm:txEffectClrLst/>
+  </dgm:styleLbl>
+  <dgm:styleLbl name="bgAcc1">
+    <dgm:fillClrLst meth="repeat">
+      <a:schemeClr val="lt1">
+        <a:alpha val="90000"/>
+      </a:schemeClr>
+    </dgm:fillClrLst>
+    <dgm:linClrLst>
+      <a:schemeClr val="accent2"/>
+      <a:schemeClr val="accent3"/>
+    </dgm:linClrLst>
+    <dgm:effectClrLst/>
+    <dgm:txLinClrLst/>
+    <dgm:txFillClrLst meth="repeat">
+      <a:schemeClr val="dk1"/>
+    </dgm:txFillClrLst>
+    <dgm:txEffectClrLst/>
+  </dgm:styleLbl>
+  <dgm:styleLbl name="solidFgAcc1">
+    <dgm:fillClrLst meth="repeat">
+      <a:schemeClr val="lt1"/>
+    </dgm:fillClrLst>
+    <dgm:linClrLst>
+      <a:schemeClr val="accent2"/>
+      <a:schemeClr val="accent3"/>
+    </dgm:linClrLst>
+    <dgm:effectClrLst/>
+    <dgm:txLinClrLst/>
+    <dgm:txFillClrLst meth="repeat">
+      <a:schemeClr val="dk1"/>
+    </dgm:txFillClrLst>
+    <dgm:txEffectClrLst/>
+  </dgm:styleLbl>
+  <dgm:styleLbl name="solidAlignAcc1">
+    <dgm:fillClrLst meth="repeat">
+      <a:schemeClr val="lt1"/>
+    </dgm:fillClrLst>
+    <dgm:linClrLst>
+      <a:schemeClr val="accent2"/>
+      <a:schemeClr val="accent3"/>
+    </dgm:linClrLst>
+    <dgm:effectClrLst/>
+    <dgm:txLinClrLst/>
+    <dgm:txFillClrLst meth="repeat">
+      <a:schemeClr val="dk1"/>
+    </dgm:txFillClrLst>
+    <dgm:txEffectClrLst/>
+  </dgm:styleLbl>
+  <dgm:styleLbl name="solidBgAcc1">
+    <dgm:fillClrLst meth="repeat">
+      <a:schemeClr val="lt1"/>
+    </dgm:fillClrLst>
+    <dgm:linClrLst>
+      <a:schemeClr val="accent2"/>
+      <a:schemeClr val="accent3"/>
+    </dgm:linClrLst>
+    <dgm:effectClrLst/>
+    <dgm:txLinClrLst/>
+    <dgm:txFillClrLst meth="repeat">
+      <a:schemeClr val="dk1"/>
+    </dgm:txFillClrLst>
+    <dgm:txEffectClrLst/>
+  </dgm:styleLbl>
+  <dgm:styleLbl name="fgAccFollowNode1">
+    <dgm:fillClrLst>
+      <a:schemeClr val="accent2">
+        <a:tint val="40000"/>
+        <a:alpha val="90000"/>
+      </a:schemeClr>
+      <a:schemeClr val="accent3">
+        <a:tint val="40000"/>
+        <a:alpha val="90000"/>
+      </a:schemeClr>
+    </dgm:fillClrLst>
+    <dgm:linClrLst>
+      <a:schemeClr val="accent2">
+        <a:tint val="40000"/>
+        <a:alpha val="90000"/>
+      </a:schemeClr>
+      <a:schemeClr val="accent3">
+        <a:tint val="40000"/>
+        <a:alpha val="90000"/>
+      </a:schemeClr>
+    </dgm:linClrLst>
+    <dgm:effectClrLst/>
+    <dgm:txLinClrLst/>
+    <dgm:txFillClrLst meth="repeat">
+      <a:schemeClr val="dk1"/>
+    </dgm:txFillClrLst>
+    <dgm:txEffectClrLst/>
+  </dgm:styleLbl>
+  <dgm:styleLbl name="alignAccFollowNode1">
+    <dgm:fillClrLst>
+      <a:schemeClr val="accent2">
+        <a:tint val="40000"/>
+        <a:alpha val="90000"/>
+      </a:schemeClr>
+      <a:schemeClr val="accent3">
+        <a:tint val="40000"/>
+        <a:alpha val="90000"/>
+      </a:schemeClr>
+    </dgm:fillClrLst>
+    <dgm:linClrLst>
+      <a:schemeClr val="accent2">
+        <a:tint val="40000"/>
+        <a:alpha val="90000"/>
+      </a:schemeClr>
+      <a:schemeClr val="accent3">
+        <a:tint val="40000"/>
+        <a:alpha val="90000"/>
+      </a:schemeClr>
+    </dgm:linClrLst>
+    <dgm:effectClrLst/>
+    <dgm:txLinClrLst/>
+    <dgm:txFillClrLst meth="repeat">
+      <a:schemeClr val="dk1"/>
+    </dgm:txFillClrLst>
+    <dgm:txEffectClrLst/>
+  </dgm:styleLbl>
+  <dgm:styleLbl name="bgAccFollowNode1">
+    <dgm:fillClrLst>
+      <a:schemeClr val="accent2">
+        <a:tint val="40000"/>
+        <a:alpha val="90000"/>
+      </a:schemeClr>
+      <a:schemeClr val="accent3">
+        <a:tint val="40000"/>
+        <a:alpha val="90000"/>
+      </a:schemeClr>
+    </dgm:fillClrLst>
+    <dgm:linClrLst>
+      <a:schemeClr val="accent2">
+        <a:tint val="40000"/>
+        <a:alpha val="90000"/>
+      </a:schemeClr>
+      <a:schemeClr val="accent3">
+        <a:tint val="40000"/>
+        <a:alpha val="90000"/>
+      </a:schemeClr>
+    </dgm:linClrLst>
+    <dgm:effectClrLst/>
+    <dgm:txLinClrLst/>
+    <dgm:txFillClrLst meth="repeat">
+      <a:schemeClr val="dk1"/>
+    </dgm:txFillClrLst>
+    <dgm:txEffectClrLst/>
+  </dgm:styleLbl>
+  <dgm:styleLbl name="fgAcc0">
+    <dgm:fillClrLst meth="repeat">
+      <a:schemeClr val="lt1">
+        <a:alpha val="90000"/>
+      </a:schemeClr>
+    </dgm:fillClrLst>
+    <dgm:linClrLst>
+      <a:schemeClr val="accent1"/>
+    </dgm:linClrLst>
+    <dgm:effectClrLst/>
+    <dgm:txLinClrLst/>
+    <dgm:txFillClrLst meth="repeat">
+      <a:schemeClr val="dk1"/>
+    </dgm:txFillClrLst>
+    <dgm:txEffectClrLst/>
+  </dgm:styleLbl>
+  <dgm:styleLbl name="fgAcc2">
+    <dgm:fillClrLst meth="repeat">
+      <a:schemeClr val="lt1">
+        <a:alpha val="90000"/>
+      </a:schemeClr>
+    </dgm:fillClrLst>
+    <dgm:linClrLst>
+      <a:schemeClr val="accent3"/>
+    </dgm:linClrLst>
+    <dgm:effectClrLst/>
+    <dgm:txLinClrLst/>
+    <dgm:txFillClrLst meth="repeat">
+      <a:schemeClr val="dk1"/>
+    </dgm:txFillClrLst>
+    <dgm:txEffectClrLst/>
+  </dgm:styleLbl>
+  <dgm:styleLbl name="fgAcc3">
+    <dgm:fillClrLst meth="repeat">
+      <a:schemeClr val="lt1">
+        <a:alpha val="90000"/>
+      </a:schemeClr>
+    </dgm:fillClrLst>
+    <dgm:linClrLst>
+      <a:schemeClr val="accent4"/>
+    </dgm:linClrLst>
+    <dgm:effectClrLst/>
+    <dgm:txLinClrLst/>
+    <dgm:txFillClrLst meth="repeat">
+      <a:schemeClr val="dk1"/>
+    </dgm:txFillClrLst>
+    <dgm:txEffectClrLst/>
+  </dgm:styleLbl>
+  <dgm:styleLbl name="fgAcc4">
+    <dgm:fillClrLst meth="repeat">
+      <a:schemeClr val="lt1">
+        <a:alpha val="90000"/>
+      </a:schemeClr>
+    </dgm:fillClrLst>
+    <dgm:linClrLst>
+      <a:schemeClr val="accent5"/>
+    </dgm:linClrLst>
+    <dgm:effectClrLst/>
+    <dgm:txLinClrLst/>
+    <dgm:txFillClrLst meth="repeat">
+      <a:schemeClr val="dk1"/>
+    </dgm:txFillClrLst>
+    <dgm:txEffectClrLst/>
+  </dgm:styleLbl>
+  <dgm:styleLbl name="bgShp">
+    <dgm:fillClrLst meth="repeat">
+      <a:schemeClr val="accent2">
+        <a:tint val="40000"/>
+      </a:schemeClr>
+    </dgm:fillClrLst>
+    <dgm:linClrLst meth="repeat">
+      <a:schemeClr val="dk1"/>
+    </dgm:linClrLst>
+    <dgm:effectClrLst/>
+    <dgm:txLinClrLst/>
+    <dgm:txFillClrLst meth="repeat">
+      <a:schemeClr val="dk1"/>
+    </dgm:txFillClrLst>
+    <dgm:txEffectClrLst/>
+  </dgm:styleLbl>
+  <dgm:styleLbl name="dkBgShp">
+    <dgm:fillClrLst meth="repeat">
+      <a:schemeClr val="accent2">
+        <a:shade val="90000"/>
+      </a:schemeClr>
+    </dgm:fillClrLst>
+    <dgm:linClrLst meth="repeat">
+      <a:schemeClr val="dk1"/>
+    </dgm:linClrLst>
+    <dgm:effectClrLst/>
+    <dgm:txLinClrLst/>
+    <dgm:txFillClrLst meth="repeat">
+      <a:schemeClr val="lt1"/>
+    </dgm:txFillClrLst>
+    <dgm:txEffectClrLst/>
+  </dgm:styleLbl>
+  <dgm:styleLbl name="trBgShp">
+    <dgm:fillClrLst meth="repeat">
+      <a:schemeClr val="accent2">
+        <a:tint val="50000"/>
+        <a:alpha val="40000"/>
+      </a:schemeClr>
+    </dgm:fillClrLst>
+    <dgm:linClrLst meth="repeat">
+      <a:schemeClr val="accent2"/>
+    </dgm:linClrLst>
+    <dgm:effectClrLst/>
+    <dgm:txLinClrLst/>
+    <dgm:txFillClrLst meth="repeat">
+      <a:schemeClr val="lt1"/>
+    </dgm:txFillClrLst>
+    <dgm:txEffectClrLst/>
+  </dgm:styleLbl>
+  <dgm:styleLbl name="fgShp">
+    <dgm:fillClrLst meth="repeat">
+      <a:schemeClr val="accent2">
+        <a:tint val="40000"/>
+      </a:schemeClr>
+    </dgm:fillClrLst>
+    <dgm:linClrLst meth="repeat">
+      <a:schemeClr val="lt1"/>
+    </dgm:linClrLst>
+    <dgm:effectClrLst/>
+    <dgm:txLinClrLst/>
+    <dgm:txFillClrLst meth="repeat">
+      <a:schemeClr val="dk1"/>
+    </dgm:txFillClrLst>
+    <dgm:txEffectClrLst/>
+  </dgm:styleLbl>
+  <dgm:styleLbl name="revTx">
+    <dgm:fillClrLst meth="repeat">
+      <a:schemeClr val="lt1">
+        <a:alpha val="0"/>
+      </a:schemeClr>
+    </dgm:fillClrLst>
+    <dgm:linClrLst meth="repeat">
+      <a:schemeClr val="dk1">
+        <a:alpha val="0"/>
+      </a:schemeClr>
+    </dgm:linClrLst>
+    <dgm:effectClrLst/>
+    <dgm:txLinClrLst/>
+    <dgm:txFillClrLst meth="repeat">
+      <a:schemeClr val="tx1"/>
+    </dgm:txFillClrLst>
+    <dgm:txEffectClrLst/>
+  </dgm:styleLbl>
+</dgm:colorsDef>
+</file>
+
+<file path=ppt/diagrams/data1.xml><?xml version="1.0" encoding="utf-8"?>
+<dgm:dataModel xmlns:dgm="http://schemas.openxmlformats.org/drawingml/2006/diagram" xmlns:a="http://schemas.openxmlformats.org/drawingml/2006/main">
+  <dgm:ptLst>
+    <dgm:pt modelId="{336AFDA9-4FB4-A349-8933-97D7945B7C09}" type="doc">
+      <dgm:prSet loTypeId="urn:microsoft.com/office/officeart/2005/8/layout/venn1" loCatId="" qsTypeId="urn:microsoft.com/office/officeart/2005/8/quickstyle/simple4" qsCatId="simple" csTypeId="urn:microsoft.com/office/officeart/2005/8/colors/colorful2" csCatId="colorful" phldr="1"/>
+      <dgm:spPr/>
+    </dgm:pt>
+    <dgm:pt modelId="{C8399AF5-63B0-0940-AE90-B2CFCBD2B4BF}">
+      <dgm:prSet phldrT="[Text]"/>
+      <dgm:spPr>
+        <a:solidFill>
+          <a:srgbClr val="FF0000">
+            <a:alpha val="50000"/>
+          </a:srgbClr>
+        </a:solidFill>
+      </dgm:spPr>
+      <dgm:t>
+        <a:bodyPr/>
+        <a:lstStyle/>
+        <a:p>
+          <a:endParaRPr lang="en-GB" dirty="0"/>
+        </a:p>
+      </dgm:t>
+    </dgm:pt>
+    <dgm:pt modelId="{1737C8D8-8862-9E41-B08A-C7D9F95A82C3}" type="parTrans" cxnId="{42DE792D-AE62-0649-A5C0-4A5F1784B1D7}">
+      <dgm:prSet/>
+      <dgm:spPr/>
+      <dgm:t>
+        <a:bodyPr/>
+        <a:lstStyle/>
+        <a:p>
+          <a:endParaRPr lang="en-GB"/>
+        </a:p>
+      </dgm:t>
+    </dgm:pt>
+    <dgm:pt modelId="{C4539BF3-8B60-C14B-8852-D1E61A8DE4E2}" type="sibTrans" cxnId="{42DE792D-AE62-0649-A5C0-4A5F1784B1D7}">
+      <dgm:prSet/>
+      <dgm:spPr/>
+      <dgm:t>
+        <a:bodyPr/>
+        <a:lstStyle/>
+        <a:p>
+          <a:endParaRPr lang="en-GB"/>
+        </a:p>
+      </dgm:t>
+    </dgm:pt>
+    <dgm:pt modelId="{F2D003C4-8281-B94D-B637-D043DE979DBF}">
+      <dgm:prSet phldrT="[Text]"/>
+      <dgm:spPr>
+        <a:solidFill>
+          <a:srgbClr val="3366FF">
+            <a:alpha val="50000"/>
+          </a:srgbClr>
+        </a:solidFill>
+      </dgm:spPr>
+      <dgm:t>
+        <a:bodyPr/>
+        <a:lstStyle/>
+        <a:p>
+          <a:endParaRPr lang="en-GB" dirty="0"/>
+        </a:p>
+      </dgm:t>
+    </dgm:pt>
+    <dgm:pt modelId="{82B8A5CD-F45F-AA4C-B0C1-4FD866B4FC03}" type="parTrans" cxnId="{F8D1FFC1-309A-7E40-A924-4B3F34D4B17F}">
+      <dgm:prSet/>
+      <dgm:spPr/>
+      <dgm:t>
+        <a:bodyPr/>
+        <a:lstStyle/>
+        <a:p>
+          <a:endParaRPr lang="en-GB"/>
+        </a:p>
+      </dgm:t>
+    </dgm:pt>
+    <dgm:pt modelId="{7FB8560E-611A-A445-BBC2-927ABCDC209B}" type="sibTrans" cxnId="{F8D1FFC1-309A-7E40-A924-4B3F34D4B17F}">
+      <dgm:prSet/>
+      <dgm:spPr/>
+      <dgm:t>
+        <a:bodyPr/>
+        <a:lstStyle/>
+        <a:p>
+          <a:endParaRPr lang="en-GB"/>
+        </a:p>
+      </dgm:t>
+    </dgm:pt>
+    <dgm:pt modelId="{A937ED2E-7701-994D-B07E-41ECE7A412D4}">
+      <dgm:prSet phldrT="[Text]"/>
+      <dgm:spPr>
+        <a:solidFill>
+          <a:srgbClr val="FFFF00">
+            <a:alpha val="50000"/>
+          </a:srgbClr>
+        </a:solidFill>
+      </dgm:spPr>
+      <dgm:t>
+        <a:bodyPr/>
+        <a:lstStyle/>
+        <a:p>
+          <a:endParaRPr lang="en-GB" dirty="0"/>
+        </a:p>
+      </dgm:t>
+    </dgm:pt>
+    <dgm:pt modelId="{450F3996-D0E7-DA4E-BABA-3928F6289E5C}" type="parTrans" cxnId="{5E53170C-3E9E-7845-9470-79BC05B6760D}">
+      <dgm:prSet/>
+      <dgm:spPr/>
+      <dgm:t>
+        <a:bodyPr/>
+        <a:lstStyle/>
+        <a:p>
+          <a:endParaRPr lang="en-GB"/>
+        </a:p>
+      </dgm:t>
+    </dgm:pt>
+    <dgm:pt modelId="{A572E7EE-9FDF-ED4B-8606-A17D94BDD0C1}" type="sibTrans" cxnId="{5E53170C-3E9E-7845-9470-79BC05B6760D}">
+      <dgm:prSet/>
+      <dgm:spPr/>
+      <dgm:t>
+        <a:bodyPr/>
+        <a:lstStyle/>
+        <a:p>
+          <a:endParaRPr lang="en-GB"/>
+        </a:p>
+      </dgm:t>
+    </dgm:pt>
+    <dgm:pt modelId="{789AD9B4-E834-F444-A268-915E8A918F0D}">
+      <dgm:prSet/>
+      <dgm:spPr>
+        <a:solidFill>
+          <a:srgbClr val="008000">
+            <a:alpha val="50000"/>
+          </a:srgbClr>
+        </a:solidFill>
+      </dgm:spPr>
+      <dgm:t>
+        <a:bodyPr/>
+        <a:lstStyle/>
+        <a:p>
+          <a:endParaRPr lang="en-GB" dirty="0"/>
+        </a:p>
+      </dgm:t>
+    </dgm:pt>
+    <dgm:pt modelId="{302A82A3-0B45-394E-8BD2-5638FE44BE8A}" type="parTrans" cxnId="{A8EE351F-3B0C-864C-AB76-47DD1E4CFF00}">
+      <dgm:prSet/>
+      <dgm:spPr/>
+      <dgm:t>
+        <a:bodyPr/>
+        <a:lstStyle/>
+        <a:p>
+          <a:endParaRPr lang="en-GB"/>
+        </a:p>
+      </dgm:t>
+    </dgm:pt>
+    <dgm:pt modelId="{158F522C-C8DB-8C48-8BBF-341BDE70232B}" type="sibTrans" cxnId="{A8EE351F-3B0C-864C-AB76-47DD1E4CFF00}">
+      <dgm:prSet/>
+      <dgm:spPr/>
+      <dgm:t>
+        <a:bodyPr/>
+        <a:lstStyle/>
+        <a:p>
+          <a:endParaRPr lang="en-GB"/>
+        </a:p>
+      </dgm:t>
+    </dgm:pt>
+    <dgm:pt modelId="{2E10639D-9AE5-4D41-B619-A11524611F8B}" type="pres">
+      <dgm:prSet presAssocID="{336AFDA9-4FB4-A349-8933-97D7945B7C09}" presName="compositeShape" presStyleCnt="0">
+        <dgm:presLayoutVars>
+          <dgm:chMax val="7"/>
+          <dgm:dir/>
+          <dgm:resizeHandles val="exact"/>
+        </dgm:presLayoutVars>
+      </dgm:prSet>
+      <dgm:spPr/>
+    </dgm:pt>
+    <dgm:pt modelId="{73C04BAC-058E-3C4D-AFA4-F4C0EA7379BB}" type="pres">
+      <dgm:prSet presAssocID="{C8399AF5-63B0-0940-AE90-B2CFCBD2B4BF}" presName="circ1" presStyleLbl="vennNode1" presStyleIdx="0" presStyleCnt="4" custScaleX="257453" custScaleY="103846"/>
+      <dgm:spPr/>
+      <dgm:t>
+        <a:bodyPr/>
+        <a:lstStyle/>
+        <a:p>
+          <a:endParaRPr lang="en-GB"/>
+        </a:p>
+      </dgm:t>
+    </dgm:pt>
+    <dgm:pt modelId="{82DC9DB2-FFFA-E044-977F-E146FD3E8008}" type="pres">
+      <dgm:prSet presAssocID="{C8399AF5-63B0-0940-AE90-B2CFCBD2B4BF}" presName="circ1Tx" presStyleLbl="revTx" presStyleIdx="0" presStyleCnt="0">
+        <dgm:presLayoutVars>
+          <dgm:chMax val="0"/>
+          <dgm:chPref val="0"/>
+          <dgm:bulletEnabled val="1"/>
+        </dgm:presLayoutVars>
+      </dgm:prSet>
+      <dgm:spPr/>
+      <dgm:t>
+        <a:bodyPr/>
+        <a:lstStyle/>
+        <a:p>
+          <a:endParaRPr lang="en-GB"/>
+        </a:p>
+      </dgm:t>
+    </dgm:pt>
+    <dgm:pt modelId="{2DA0EACF-5F00-3D46-8335-6F979672C82A}" type="pres">
+      <dgm:prSet presAssocID="{789AD9B4-E834-F444-A268-915E8A918F0D}" presName="circ2" presStyleLbl="vennNode1" presStyleIdx="1" presStyleCnt="4" custScaleX="148145" custLinFactNeighborX="30227" custLinFactNeighborY="15114"/>
+      <dgm:spPr/>
+      <dgm:t>
+        <a:bodyPr/>
+        <a:lstStyle/>
+        <a:p>
+          <a:endParaRPr lang="en-GB"/>
+        </a:p>
+      </dgm:t>
+    </dgm:pt>
+    <dgm:pt modelId="{69C37C61-1143-3842-AB66-31958642179E}" type="pres">
+      <dgm:prSet presAssocID="{789AD9B4-E834-F444-A268-915E8A918F0D}" presName="circ2Tx" presStyleLbl="revTx" presStyleIdx="0" presStyleCnt="0">
+        <dgm:presLayoutVars>
+          <dgm:chMax val="0"/>
+          <dgm:chPref val="0"/>
+          <dgm:bulletEnabled val="1"/>
+        </dgm:presLayoutVars>
+      </dgm:prSet>
+      <dgm:spPr/>
+      <dgm:t>
+        <a:bodyPr/>
+        <a:lstStyle/>
+        <a:p>
+          <a:endParaRPr lang="en-GB"/>
+        </a:p>
+      </dgm:t>
+    </dgm:pt>
+    <dgm:pt modelId="{7B9AF114-74BA-3744-805D-62A5188BCFCB}" type="pres">
+      <dgm:prSet presAssocID="{F2D003C4-8281-B94D-B637-D043DE979DBF}" presName="circ3" presStyleLbl="vennNode1" presStyleIdx="2" presStyleCnt="4" custScaleX="151136" custScaleY="103846" custLinFactNeighborX="-10944" custLinFactNeighborY="-15635"/>
+      <dgm:spPr/>
+      <dgm:t>
+        <a:bodyPr/>
+        <a:lstStyle/>
+        <a:p>
+          <a:endParaRPr lang="en-GB"/>
+        </a:p>
+      </dgm:t>
+    </dgm:pt>
+    <dgm:pt modelId="{9E333027-8DF6-E04E-A8DF-7DE18D03EE88}" type="pres">
+      <dgm:prSet presAssocID="{F2D003C4-8281-B94D-B637-D043DE979DBF}" presName="circ3Tx" presStyleLbl="revTx" presStyleIdx="0" presStyleCnt="0">
+        <dgm:presLayoutVars>
+          <dgm:chMax val="0"/>
+          <dgm:chPref val="0"/>
+          <dgm:bulletEnabled val="1"/>
+        </dgm:presLayoutVars>
+      </dgm:prSet>
+      <dgm:spPr/>
+      <dgm:t>
+        <a:bodyPr/>
+        <a:lstStyle/>
+        <a:p>
+          <a:endParaRPr lang="en-GB"/>
+        </a:p>
+      </dgm:t>
+    </dgm:pt>
+    <dgm:pt modelId="{2BD88F83-3538-3045-A6C0-E832D22C5ED1}" type="pres">
+      <dgm:prSet presAssocID="{A937ED2E-7701-994D-B07E-41ECE7A412D4}" presName="circ4" presStyleLbl="vennNode1" presStyleIdx="3" presStyleCnt="4" custScaleX="139535" custLinFactNeighborX="-49125" custLinFactNeighborY="6776"/>
+      <dgm:spPr/>
+      <dgm:t>
+        <a:bodyPr/>
+        <a:lstStyle/>
+        <a:p>
+          <a:endParaRPr lang="en-GB"/>
+        </a:p>
+      </dgm:t>
+    </dgm:pt>
+    <dgm:pt modelId="{76220480-DD56-1E47-AFDA-C82139C60BFA}" type="pres">
+      <dgm:prSet presAssocID="{A937ED2E-7701-994D-B07E-41ECE7A412D4}" presName="circ4Tx" presStyleLbl="revTx" presStyleIdx="0" presStyleCnt="0">
+        <dgm:presLayoutVars>
+          <dgm:chMax val="0"/>
+          <dgm:chPref val="0"/>
+          <dgm:bulletEnabled val="1"/>
+        </dgm:presLayoutVars>
+      </dgm:prSet>
+      <dgm:spPr/>
+      <dgm:t>
+        <a:bodyPr/>
+        <a:lstStyle/>
+        <a:p>
+          <a:endParaRPr lang="en-GB"/>
+        </a:p>
+      </dgm:t>
+    </dgm:pt>
+  </dgm:ptLst>
+  <dgm:cxnLst>
+    <dgm:cxn modelId="{A4AEFA3C-B73C-4D4B-9DD6-2C7D7C0BAC3E}" type="presOf" srcId="{A937ED2E-7701-994D-B07E-41ECE7A412D4}" destId="{76220480-DD56-1E47-AFDA-C82139C60BFA}" srcOrd="1" destOrd="0" presId="urn:microsoft.com/office/officeart/2005/8/layout/venn1"/>
+    <dgm:cxn modelId="{59389919-9F98-CA4F-B2A8-A11B17238D13}" type="presOf" srcId="{C8399AF5-63B0-0940-AE90-B2CFCBD2B4BF}" destId="{73C04BAC-058E-3C4D-AFA4-F4C0EA7379BB}" srcOrd="0" destOrd="0" presId="urn:microsoft.com/office/officeart/2005/8/layout/venn1"/>
+    <dgm:cxn modelId="{E4DE0D8D-80F1-E948-B749-33772C3440C6}" type="presOf" srcId="{F2D003C4-8281-B94D-B637-D043DE979DBF}" destId="{7B9AF114-74BA-3744-805D-62A5188BCFCB}" srcOrd="0" destOrd="0" presId="urn:microsoft.com/office/officeart/2005/8/layout/venn1"/>
+    <dgm:cxn modelId="{4058797A-401F-C743-9869-BB5E2884305A}" type="presOf" srcId="{A937ED2E-7701-994D-B07E-41ECE7A412D4}" destId="{2BD88F83-3538-3045-A6C0-E832D22C5ED1}" srcOrd="0" destOrd="0" presId="urn:microsoft.com/office/officeart/2005/8/layout/venn1"/>
+    <dgm:cxn modelId="{B001B958-90F1-E84A-AE1F-129583DBF73A}" type="presOf" srcId="{F2D003C4-8281-B94D-B637-D043DE979DBF}" destId="{9E333027-8DF6-E04E-A8DF-7DE18D03EE88}" srcOrd="1" destOrd="0" presId="urn:microsoft.com/office/officeart/2005/8/layout/venn1"/>
+    <dgm:cxn modelId="{981FD670-A7EB-1340-9D51-B1B4CBFF9E34}" type="presOf" srcId="{789AD9B4-E834-F444-A268-915E8A918F0D}" destId="{69C37C61-1143-3842-AB66-31958642179E}" srcOrd="1" destOrd="0" presId="urn:microsoft.com/office/officeart/2005/8/layout/venn1"/>
+    <dgm:cxn modelId="{42DE792D-AE62-0649-A5C0-4A5F1784B1D7}" srcId="{336AFDA9-4FB4-A349-8933-97D7945B7C09}" destId="{C8399AF5-63B0-0940-AE90-B2CFCBD2B4BF}" srcOrd="0" destOrd="0" parTransId="{1737C8D8-8862-9E41-B08A-C7D9F95A82C3}" sibTransId="{C4539BF3-8B60-C14B-8852-D1E61A8DE4E2}"/>
+    <dgm:cxn modelId="{522C05B0-4D17-1A45-8C57-F7D7BF4FF029}" type="presOf" srcId="{C8399AF5-63B0-0940-AE90-B2CFCBD2B4BF}" destId="{82DC9DB2-FFFA-E044-977F-E146FD3E8008}" srcOrd="1" destOrd="0" presId="urn:microsoft.com/office/officeart/2005/8/layout/venn1"/>
+    <dgm:cxn modelId="{E2742D11-50B0-3048-999E-4C3F10FF9482}" type="presOf" srcId="{789AD9B4-E834-F444-A268-915E8A918F0D}" destId="{2DA0EACF-5F00-3D46-8335-6F979672C82A}" srcOrd="0" destOrd="0" presId="urn:microsoft.com/office/officeart/2005/8/layout/venn1"/>
+    <dgm:cxn modelId="{5E53170C-3E9E-7845-9470-79BC05B6760D}" srcId="{336AFDA9-4FB4-A349-8933-97D7945B7C09}" destId="{A937ED2E-7701-994D-B07E-41ECE7A412D4}" srcOrd="3" destOrd="0" parTransId="{450F3996-D0E7-DA4E-BABA-3928F6289E5C}" sibTransId="{A572E7EE-9FDF-ED4B-8606-A17D94BDD0C1}"/>
+    <dgm:cxn modelId="{099C479D-FC8E-7E48-ACDA-CA2DEBF05F66}" type="presOf" srcId="{336AFDA9-4FB4-A349-8933-97D7945B7C09}" destId="{2E10639D-9AE5-4D41-B619-A11524611F8B}" srcOrd="0" destOrd="0" presId="urn:microsoft.com/office/officeart/2005/8/layout/venn1"/>
+    <dgm:cxn modelId="{F8D1FFC1-309A-7E40-A924-4B3F34D4B17F}" srcId="{336AFDA9-4FB4-A349-8933-97D7945B7C09}" destId="{F2D003C4-8281-B94D-B637-D043DE979DBF}" srcOrd="2" destOrd="0" parTransId="{82B8A5CD-F45F-AA4C-B0C1-4FD866B4FC03}" sibTransId="{7FB8560E-611A-A445-BBC2-927ABCDC209B}"/>
+    <dgm:cxn modelId="{A8EE351F-3B0C-864C-AB76-47DD1E4CFF00}" srcId="{336AFDA9-4FB4-A349-8933-97D7945B7C09}" destId="{789AD9B4-E834-F444-A268-915E8A918F0D}" srcOrd="1" destOrd="0" parTransId="{302A82A3-0B45-394E-8BD2-5638FE44BE8A}" sibTransId="{158F522C-C8DB-8C48-8BBF-341BDE70232B}"/>
+    <dgm:cxn modelId="{5597806D-E25B-0E44-A236-48472A8AAC0F}" type="presParOf" srcId="{2E10639D-9AE5-4D41-B619-A11524611F8B}" destId="{73C04BAC-058E-3C4D-AFA4-F4C0EA7379BB}" srcOrd="0" destOrd="0" presId="urn:microsoft.com/office/officeart/2005/8/layout/venn1"/>
+    <dgm:cxn modelId="{4131A07E-6225-A54D-9A91-FBA97E2749E0}" type="presParOf" srcId="{2E10639D-9AE5-4D41-B619-A11524611F8B}" destId="{82DC9DB2-FFFA-E044-977F-E146FD3E8008}" srcOrd="1" destOrd="0" presId="urn:microsoft.com/office/officeart/2005/8/layout/venn1"/>
+    <dgm:cxn modelId="{E378C0A0-B25F-B84F-8B0B-D4A2D9A75114}" type="presParOf" srcId="{2E10639D-9AE5-4D41-B619-A11524611F8B}" destId="{2DA0EACF-5F00-3D46-8335-6F979672C82A}" srcOrd="2" destOrd="0" presId="urn:microsoft.com/office/officeart/2005/8/layout/venn1"/>
+    <dgm:cxn modelId="{66858922-9FBA-D646-8956-C678F9D3D644}" type="presParOf" srcId="{2E10639D-9AE5-4D41-B619-A11524611F8B}" destId="{69C37C61-1143-3842-AB66-31958642179E}" srcOrd="3" destOrd="0" presId="urn:microsoft.com/office/officeart/2005/8/layout/venn1"/>
+    <dgm:cxn modelId="{0CD17661-558D-F944-820C-2501A4AEAECE}" type="presParOf" srcId="{2E10639D-9AE5-4D41-B619-A11524611F8B}" destId="{7B9AF114-74BA-3744-805D-62A5188BCFCB}" srcOrd="4" destOrd="0" presId="urn:microsoft.com/office/officeart/2005/8/layout/venn1"/>
+    <dgm:cxn modelId="{8DF3BE06-A11F-514E-9E26-77631EF3F353}" type="presParOf" srcId="{2E10639D-9AE5-4D41-B619-A11524611F8B}" destId="{9E333027-8DF6-E04E-A8DF-7DE18D03EE88}" srcOrd="5" destOrd="0" presId="urn:microsoft.com/office/officeart/2005/8/layout/venn1"/>
+    <dgm:cxn modelId="{ED215DD5-3242-C746-B4AE-746C57B2C7EF}" type="presParOf" srcId="{2E10639D-9AE5-4D41-B619-A11524611F8B}" destId="{2BD88F83-3538-3045-A6C0-E832D22C5ED1}" srcOrd="6" destOrd="0" presId="urn:microsoft.com/office/officeart/2005/8/layout/venn1"/>
+    <dgm:cxn modelId="{F7C45B2C-70C5-6741-A315-D7DE1AB9CC63}" type="presParOf" srcId="{2E10639D-9AE5-4D41-B619-A11524611F8B}" destId="{76220480-DD56-1E47-AFDA-C82139C60BFA}" srcOrd="7" destOrd="0" presId="urn:microsoft.com/office/officeart/2005/8/layout/venn1"/>
+  </dgm:cxnLst>
+  <dgm:bg/>
+  <dgm:whole/>
+  <dgm:extLst>
+    <a:ext uri="http://schemas.microsoft.com/office/drawing/2008/diagram">
+      <dsp:dataModelExt xmlns:dsp="http://schemas.microsoft.com/office/drawing/2008/diagram" relId="rId6" minVer="http://schemas.openxmlformats.org/drawingml/2006/diagram"/>
+    </a:ext>
+  </dgm:extLst>
+</dgm:dataModel>
+</file>
+
+<file path=ppt/diagrams/data2.xml><?xml version="1.0" encoding="utf-8"?>
+<dgm:dataModel xmlns:dgm="http://schemas.openxmlformats.org/drawingml/2006/diagram" xmlns:a="http://schemas.openxmlformats.org/drawingml/2006/main">
+  <dgm:ptLst>
+    <dgm:pt modelId="{336AFDA9-4FB4-A349-8933-97D7945B7C09}" type="doc">
+      <dgm:prSet loTypeId="urn:microsoft.com/office/officeart/2005/8/layout/venn1" loCatId="" qsTypeId="urn:microsoft.com/office/officeart/2005/8/quickstyle/simple4" qsCatId="simple" csTypeId="urn:microsoft.com/office/officeart/2005/8/colors/colorful2" csCatId="colorful" phldr="1"/>
+      <dgm:spPr/>
+    </dgm:pt>
+    <dgm:pt modelId="{C8399AF5-63B0-0940-AE90-B2CFCBD2B4BF}">
+      <dgm:prSet phldrT="[Text]"/>
+      <dgm:spPr>
+        <a:solidFill>
+          <a:srgbClr val="FF0000">
+            <a:alpha val="50000"/>
+          </a:srgbClr>
+        </a:solidFill>
+      </dgm:spPr>
+      <dgm:t>
+        <a:bodyPr/>
+        <a:lstStyle/>
+        <a:p>
+          <a:endParaRPr lang="en-GB" dirty="0"/>
+        </a:p>
+      </dgm:t>
+    </dgm:pt>
+    <dgm:pt modelId="{1737C8D8-8862-9E41-B08A-C7D9F95A82C3}" type="parTrans" cxnId="{42DE792D-AE62-0649-A5C0-4A5F1784B1D7}">
+      <dgm:prSet/>
+      <dgm:spPr/>
+      <dgm:t>
+        <a:bodyPr/>
+        <a:lstStyle/>
+        <a:p>
+          <a:endParaRPr lang="en-GB"/>
+        </a:p>
+      </dgm:t>
+    </dgm:pt>
+    <dgm:pt modelId="{C4539BF3-8B60-C14B-8852-D1E61A8DE4E2}" type="sibTrans" cxnId="{42DE792D-AE62-0649-A5C0-4A5F1784B1D7}">
+      <dgm:prSet/>
+      <dgm:spPr/>
+      <dgm:t>
+        <a:bodyPr/>
+        <a:lstStyle/>
+        <a:p>
+          <a:endParaRPr lang="en-GB"/>
+        </a:p>
+      </dgm:t>
+    </dgm:pt>
+    <dgm:pt modelId="{F2D003C4-8281-B94D-B637-D043DE979DBF}">
+      <dgm:prSet phldrT="[Text]"/>
+      <dgm:spPr>
+        <a:solidFill>
+          <a:srgbClr val="3366FF">
+            <a:alpha val="50000"/>
+          </a:srgbClr>
+        </a:solidFill>
+        <a:ln w="50800">
+          <a:solidFill>
+            <a:schemeClr val="tx1"/>
+          </a:solidFill>
+        </a:ln>
+      </dgm:spPr>
+      <dgm:t>
+        <a:bodyPr/>
+        <a:lstStyle/>
+        <a:p>
+          <a:endParaRPr lang="en-GB" dirty="0"/>
+        </a:p>
+      </dgm:t>
+    </dgm:pt>
+    <dgm:pt modelId="{82B8A5CD-F45F-AA4C-B0C1-4FD866B4FC03}" type="parTrans" cxnId="{F8D1FFC1-309A-7E40-A924-4B3F34D4B17F}">
+      <dgm:prSet/>
+      <dgm:spPr/>
+      <dgm:t>
+        <a:bodyPr/>
+        <a:lstStyle/>
+        <a:p>
+          <a:endParaRPr lang="en-GB"/>
+        </a:p>
+      </dgm:t>
+    </dgm:pt>
+    <dgm:pt modelId="{7FB8560E-611A-A445-BBC2-927ABCDC209B}" type="sibTrans" cxnId="{F8D1FFC1-309A-7E40-A924-4B3F34D4B17F}">
+      <dgm:prSet/>
+      <dgm:spPr/>
+      <dgm:t>
+        <a:bodyPr/>
+        <a:lstStyle/>
+        <a:p>
+          <a:endParaRPr lang="en-GB"/>
+        </a:p>
+      </dgm:t>
+    </dgm:pt>
+    <dgm:pt modelId="{A937ED2E-7701-994D-B07E-41ECE7A412D4}">
+      <dgm:prSet phldrT="[Text]"/>
+      <dgm:spPr>
+        <a:solidFill>
+          <a:srgbClr val="FFFF00">
+            <a:alpha val="50000"/>
+          </a:srgbClr>
+        </a:solidFill>
+      </dgm:spPr>
+      <dgm:t>
+        <a:bodyPr/>
+        <a:lstStyle/>
+        <a:p>
+          <a:endParaRPr lang="en-GB" dirty="0"/>
+        </a:p>
+      </dgm:t>
+    </dgm:pt>
+    <dgm:pt modelId="{450F3996-D0E7-DA4E-BABA-3928F6289E5C}" type="parTrans" cxnId="{5E53170C-3E9E-7845-9470-79BC05B6760D}">
+      <dgm:prSet/>
+      <dgm:spPr/>
+      <dgm:t>
+        <a:bodyPr/>
+        <a:lstStyle/>
+        <a:p>
+          <a:endParaRPr lang="en-GB"/>
+        </a:p>
+      </dgm:t>
+    </dgm:pt>
+    <dgm:pt modelId="{A572E7EE-9FDF-ED4B-8606-A17D94BDD0C1}" type="sibTrans" cxnId="{5E53170C-3E9E-7845-9470-79BC05B6760D}">
+      <dgm:prSet/>
+      <dgm:spPr/>
+      <dgm:t>
+        <a:bodyPr/>
+        <a:lstStyle/>
+        <a:p>
+          <a:endParaRPr lang="en-GB"/>
+        </a:p>
+      </dgm:t>
+    </dgm:pt>
+    <dgm:pt modelId="{789AD9B4-E834-F444-A268-915E8A918F0D}">
+      <dgm:prSet/>
+      <dgm:spPr>
+        <a:solidFill>
+          <a:srgbClr val="008000">
+            <a:alpha val="50000"/>
+          </a:srgbClr>
+        </a:solidFill>
+        <a:ln w="50800">
+          <a:solidFill>
+            <a:schemeClr val="tx1"/>
+          </a:solidFill>
+        </a:ln>
+      </dgm:spPr>
+      <dgm:t>
+        <a:bodyPr/>
+        <a:lstStyle/>
+        <a:p>
+          <a:endParaRPr lang="en-GB" dirty="0"/>
+        </a:p>
+      </dgm:t>
+    </dgm:pt>
+    <dgm:pt modelId="{302A82A3-0B45-394E-8BD2-5638FE44BE8A}" type="parTrans" cxnId="{A8EE351F-3B0C-864C-AB76-47DD1E4CFF00}">
+      <dgm:prSet/>
+      <dgm:spPr/>
+      <dgm:t>
+        <a:bodyPr/>
+        <a:lstStyle/>
+        <a:p>
+          <a:endParaRPr lang="en-GB"/>
+        </a:p>
+      </dgm:t>
+    </dgm:pt>
+    <dgm:pt modelId="{158F522C-C8DB-8C48-8BBF-341BDE70232B}" type="sibTrans" cxnId="{A8EE351F-3B0C-864C-AB76-47DD1E4CFF00}">
+      <dgm:prSet/>
+      <dgm:spPr/>
+      <dgm:t>
+        <a:bodyPr/>
+        <a:lstStyle/>
+        <a:p>
+          <a:endParaRPr lang="en-GB"/>
+        </a:p>
+      </dgm:t>
+    </dgm:pt>
+    <dgm:pt modelId="{2E10639D-9AE5-4D41-B619-A11524611F8B}" type="pres">
+      <dgm:prSet presAssocID="{336AFDA9-4FB4-A349-8933-97D7945B7C09}" presName="compositeShape" presStyleCnt="0">
+        <dgm:presLayoutVars>
+          <dgm:chMax val="7"/>
+          <dgm:dir/>
+          <dgm:resizeHandles val="exact"/>
+        </dgm:presLayoutVars>
+      </dgm:prSet>
+      <dgm:spPr/>
+    </dgm:pt>
+    <dgm:pt modelId="{73C04BAC-058E-3C4D-AFA4-F4C0EA7379BB}" type="pres">
+      <dgm:prSet presAssocID="{C8399AF5-63B0-0940-AE90-B2CFCBD2B4BF}" presName="circ1" presStyleLbl="vennNode1" presStyleIdx="0" presStyleCnt="4" custScaleX="257453" custScaleY="103846"/>
+      <dgm:spPr/>
+      <dgm:t>
+        <a:bodyPr/>
+        <a:lstStyle/>
+        <a:p>
+          <a:endParaRPr lang="en-GB"/>
+        </a:p>
+      </dgm:t>
+    </dgm:pt>
+    <dgm:pt modelId="{82DC9DB2-FFFA-E044-977F-E146FD3E8008}" type="pres">
+      <dgm:prSet presAssocID="{C8399AF5-63B0-0940-AE90-B2CFCBD2B4BF}" presName="circ1Tx" presStyleLbl="revTx" presStyleIdx="0" presStyleCnt="0">
+        <dgm:presLayoutVars>
+          <dgm:chMax val="0"/>
+          <dgm:chPref val="0"/>
+          <dgm:bulletEnabled val="1"/>
+        </dgm:presLayoutVars>
+      </dgm:prSet>
+      <dgm:spPr/>
+      <dgm:t>
+        <a:bodyPr/>
+        <a:lstStyle/>
+        <a:p>
+          <a:endParaRPr lang="en-GB"/>
+        </a:p>
+      </dgm:t>
+    </dgm:pt>
+    <dgm:pt modelId="{2DA0EACF-5F00-3D46-8335-6F979672C82A}" type="pres">
+      <dgm:prSet presAssocID="{789AD9B4-E834-F444-A268-915E8A918F0D}" presName="circ2" presStyleLbl="vennNode1" presStyleIdx="1" presStyleCnt="4" custScaleX="148145" custLinFactNeighborX="30227" custLinFactNeighborY="15114"/>
+      <dgm:spPr/>
+      <dgm:t>
+        <a:bodyPr/>
+        <a:lstStyle/>
+        <a:p>
+          <a:endParaRPr lang="en-GB"/>
+        </a:p>
+      </dgm:t>
+    </dgm:pt>
+    <dgm:pt modelId="{69C37C61-1143-3842-AB66-31958642179E}" type="pres">
+      <dgm:prSet presAssocID="{789AD9B4-E834-F444-A268-915E8A918F0D}" presName="circ2Tx" presStyleLbl="revTx" presStyleIdx="0" presStyleCnt="0">
+        <dgm:presLayoutVars>
+          <dgm:chMax val="0"/>
+          <dgm:chPref val="0"/>
+          <dgm:bulletEnabled val="1"/>
+        </dgm:presLayoutVars>
+      </dgm:prSet>
+      <dgm:spPr/>
+      <dgm:t>
+        <a:bodyPr/>
+        <a:lstStyle/>
+        <a:p>
+          <a:endParaRPr lang="en-GB"/>
+        </a:p>
+      </dgm:t>
+    </dgm:pt>
+    <dgm:pt modelId="{7B9AF114-74BA-3744-805D-62A5188BCFCB}" type="pres">
+      <dgm:prSet presAssocID="{F2D003C4-8281-B94D-B637-D043DE979DBF}" presName="circ3" presStyleLbl="vennNode1" presStyleIdx="2" presStyleCnt="4" custScaleX="151136" custScaleY="103846" custLinFactNeighborX="-10944" custLinFactNeighborY="-15635"/>
+      <dgm:spPr/>
+      <dgm:t>
+        <a:bodyPr/>
+        <a:lstStyle/>
+        <a:p>
+          <a:endParaRPr lang="en-GB"/>
+        </a:p>
+      </dgm:t>
+    </dgm:pt>
+    <dgm:pt modelId="{9E333027-8DF6-E04E-A8DF-7DE18D03EE88}" type="pres">
+      <dgm:prSet presAssocID="{F2D003C4-8281-B94D-B637-D043DE979DBF}" presName="circ3Tx" presStyleLbl="revTx" presStyleIdx="0" presStyleCnt="0">
+        <dgm:presLayoutVars>
+          <dgm:chMax val="0"/>
+          <dgm:chPref val="0"/>
+          <dgm:bulletEnabled val="1"/>
+        </dgm:presLayoutVars>
+      </dgm:prSet>
+      <dgm:spPr/>
+      <dgm:t>
+        <a:bodyPr/>
+        <a:lstStyle/>
+        <a:p>
+          <a:endParaRPr lang="en-GB"/>
+        </a:p>
+      </dgm:t>
+    </dgm:pt>
+    <dgm:pt modelId="{2BD88F83-3538-3045-A6C0-E832D22C5ED1}" type="pres">
+      <dgm:prSet presAssocID="{A937ED2E-7701-994D-B07E-41ECE7A412D4}" presName="circ4" presStyleLbl="vennNode1" presStyleIdx="3" presStyleCnt="4" custScaleX="139535" custLinFactNeighborX="-49125" custLinFactNeighborY="6776"/>
+      <dgm:spPr/>
+      <dgm:t>
+        <a:bodyPr/>
+        <a:lstStyle/>
+        <a:p>
+          <a:endParaRPr lang="en-GB"/>
+        </a:p>
+      </dgm:t>
+    </dgm:pt>
+    <dgm:pt modelId="{76220480-DD56-1E47-AFDA-C82139C60BFA}" type="pres">
+      <dgm:prSet presAssocID="{A937ED2E-7701-994D-B07E-41ECE7A412D4}" presName="circ4Tx" presStyleLbl="revTx" presStyleIdx="0" presStyleCnt="0">
+        <dgm:presLayoutVars>
+          <dgm:chMax val="0"/>
+          <dgm:chPref val="0"/>
+          <dgm:bulletEnabled val="1"/>
+        </dgm:presLayoutVars>
+      </dgm:prSet>
+      <dgm:spPr/>
+      <dgm:t>
+        <a:bodyPr/>
+        <a:lstStyle/>
+        <a:p>
+          <a:endParaRPr lang="en-GB"/>
+        </a:p>
+      </dgm:t>
+    </dgm:pt>
+  </dgm:ptLst>
+  <dgm:cxnLst>
+    <dgm:cxn modelId="{A8EE351F-3B0C-864C-AB76-47DD1E4CFF00}" srcId="{336AFDA9-4FB4-A349-8933-97D7945B7C09}" destId="{789AD9B4-E834-F444-A268-915E8A918F0D}" srcOrd="1" destOrd="0" parTransId="{302A82A3-0B45-394E-8BD2-5638FE44BE8A}" sibTransId="{158F522C-C8DB-8C48-8BBF-341BDE70232B}"/>
+    <dgm:cxn modelId="{DCD8F4E8-A3DF-E140-8713-79E4B5AF3871}" type="presOf" srcId="{C8399AF5-63B0-0940-AE90-B2CFCBD2B4BF}" destId="{82DC9DB2-FFFA-E044-977F-E146FD3E8008}" srcOrd="1" destOrd="0" presId="urn:microsoft.com/office/officeart/2005/8/layout/venn1"/>
+    <dgm:cxn modelId="{476190B7-FE68-B643-9DEE-2469DA0F67BA}" type="presOf" srcId="{A937ED2E-7701-994D-B07E-41ECE7A412D4}" destId="{2BD88F83-3538-3045-A6C0-E832D22C5ED1}" srcOrd="0" destOrd="0" presId="urn:microsoft.com/office/officeart/2005/8/layout/venn1"/>
+    <dgm:cxn modelId="{5E53170C-3E9E-7845-9470-79BC05B6760D}" srcId="{336AFDA9-4FB4-A349-8933-97D7945B7C09}" destId="{A937ED2E-7701-994D-B07E-41ECE7A412D4}" srcOrd="3" destOrd="0" parTransId="{450F3996-D0E7-DA4E-BABA-3928F6289E5C}" sibTransId="{A572E7EE-9FDF-ED4B-8606-A17D94BDD0C1}"/>
+    <dgm:cxn modelId="{3EB32459-BC78-A14A-98E7-4DDB9C010990}" type="presOf" srcId="{336AFDA9-4FB4-A349-8933-97D7945B7C09}" destId="{2E10639D-9AE5-4D41-B619-A11524611F8B}" srcOrd="0" destOrd="0" presId="urn:microsoft.com/office/officeart/2005/8/layout/venn1"/>
+    <dgm:cxn modelId="{95F95F97-268C-5543-B31B-16110C405717}" type="presOf" srcId="{789AD9B4-E834-F444-A268-915E8A918F0D}" destId="{69C37C61-1143-3842-AB66-31958642179E}" srcOrd="1" destOrd="0" presId="urn:microsoft.com/office/officeart/2005/8/layout/venn1"/>
+    <dgm:cxn modelId="{F2FF60EA-C86E-B246-B166-A9D5D6E2CDA5}" type="presOf" srcId="{C8399AF5-63B0-0940-AE90-B2CFCBD2B4BF}" destId="{73C04BAC-058E-3C4D-AFA4-F4C0EA7379BB}" srcOrd="0" destOrd="0" presId="urn:microsoft.com/office/officeart/2005/8/layout/venn1"/>
+    <dgm:cxn modelId="{82F12C17-5818-734C-B7CA-4EC323914C4F}" type="presOf" srcId="{F2D003C4-8281-B94D-B637-D043DE979DBF}" destId="{7B9AF114-74BA-3744-805D-62A5188BCFCB}" srcOrd="0" destOrd="0" presId="urn:microsoft.com/office/officeart/2005/8/layout/venn1"/>
+    <dgm:cxn modelId="{2227D610-5FA1-964D-BF1A-B0E78E767070}" type="presOf" srcId="{F2D003C4-8281-B94D-B637-D043DE979DBF}" destId="{9E333027-8DF6-E04E-A8DF-7DE18D03EE88}" srcOrd="1" destOrd="0" presId="urn:microsoft.com/office/officeart/2005/8/layout/venn1"/>
+    <dgm:cxn modelId="{42DE792D-AE62-0649-A5C0-4A5F1784B1D7}" srcId="{336AFDA9-4FB4-A349-8933-97D7945B7C09}" destId="{C8399AF5-63B0-0940-AE90-B2CFCBD2B4BF}" srcOrd="0" destOrd="0" parTransId="{1737C8D8-8862-9E41-B08A-C7D9F95A82C3}" sibTransId="{C4539BF3-8B60-C14B-8852-D1E61A8DE4E2}"/>
+    <dgm:cxn modelId="{F8D1FFC1-309A-7E40-A924-4B3F34D4B17F}" srcId="{336AFDA9-4FB4-A349-8933-97D7945B7C09}" destId="{F2D003C4-8281-B94D-B637-D043DE979DBF}" srcOrd="2" destOrd="0" parTransId="{82B8A5CD-F45F-AA4C-B0C1-4FD866B4FC03}" sibTransId="{7FB8560E-611A-A445-BBC2-927ABCDC209B}"/>
+    <dgm:cxn modelId="{765906FE-2DBA-EA4C-B58E-592EBEAA7561}" type="presOf" srcId="{789AD9B4-E834-F444-A268-915E8A918F0D}" destId="{2DA0EACF-5F00-3D46-8335-6F979672C82A}" srcOrd="0" destOrd="0" presId="urn:microsoft.com/office/officeart/2005/8/layout/venn1"/>
+    <dgm:cxn modelId="{5A324E48-131A-3B4B-A0E9-8212A306703C}" type="presOf" srcId="{A937ED2E-7701-994D-B07E-41ECE7A412D4}" destId="{76220480-DD56-1E47-AFDA-C82139C60BFA}" srcOrd="1" destOrd="0" presId="urn:microsoft.com/office/officeart/2005/8/layout/venn1"/>
+    <dgm:cxn modelId="{C96D0096-7190-6346-8470-B10C2E0870C8}" type="presParOf" srcId="{2E10639D-9AE5-4D41-B619-A11524611F8B}" destId="{73C04BAC-058E-3C4D-AFA4-F4C0EA7379BB}" srcOrd="0" destOrd="0" presId="urn:microsoft.com/office/officeart/2005/8/layout/venn1"/>
+    <dgm:cxn modelId="{E99B5719-5E7D-F34D-89D9-EECAF9C0538B}" type="presParOf" srcId="{2E10639D-9AE5-4D41-B619-A11524611F8B}" destId="{82DC9DB2-FFFA-E044-977F-E146FD3E8008}" srcOrd="1" destOrd="0" presId="urn:microsoft.com/office/officeart/2005/8/layout/venn1"/>
+    <dgm:cxn modelId="{A75116FA-3E2E-A64A-BFDC-475D1657D781}" type="presParOf" srcId="{2E10639D-9AE5-4D41-B619-A11524611F8B}" destId="{2DA0EACF-5F00-3D46-8335-6F979672C82A}" srcOrd="2" destOrd="0" presId="urn:microsoft.com/office/officeart/2005/8/layout/venn1"/>
+    <dgm:cxn modelId="{B8F1B49C-1913-0B43-B1DB-3E9CD6ECE181}" type="presParOf" srcId="{2E10639D-9AE5-4D41-B619-A11524611F8B}" destId="{69C37C61-1143-3842-AB66-31958642179E}" srcOrd="3" destOrd="0" presId="urn:microsoft.com/office/officeart/2005/8/layout/venn1"/>
+    <dgm:cxn modelId="{5919AE55-BFCF-334A-9B39-9F9DA0045C1D}" type="presParOf" srcId="{2E10639D-9AE5-4D41-B619-A11524611F8B}" destId="{7B9AF114-74BA-3744-805D-62A5188BCFCB}" srcOrd="4" destOrd="0" presId="urn:microsoft.com/office/officeart/2005/8/layout/venn1"/>
+    <dgm:cxn modelId="{63FEB4AF-278C-2D41-9BA6-FC1513DE652B}" type="presParOf" srcId="{2E10639D-9AE5-4D41-B619-A11524611F8B}" destId="{9E333027-8DF6-E04E-A8DF-7DE18D03EE88}" srcOrd="5" destOrd="0" presId="urn:microsoft.com/office/officeart/2005/8/layout/venn1"/>
+    <dgm:cxn modelId="{0A17B836-F6E7-0949-9C7F-24B03651D1E7}" type="presParOf" srcId="{2E10639D-9AE5-4D41-B619-A11524611F8B}" destId="{2BD88F83-3538-3045-A6C0-E832D22C5ED1}" srcOrd="6" destOrd="0" presId="urn:microsoft.com/office/officeart/2005/8/layout/venn1"/>
+    <dgm:cxn modelId="{C2ECD5F8-2A87-4E4A-A828-CB9984B560B5}" type="presParOf" srcId="{2E10639D-9AE5-4D41-B619-A11524611F8B}" destId="{76220480-DD56-1E47-AFDA-C82139C60BFA}" srcOrd="7" destOrd="0" presId="urn:microsoft.com/office/officeart/2005/8/layout/venn1"/>
+  </dgm:cxnLst>
+  <dgm:bg/>
+  <dgm:whole/>
+  <dgm:extLst>
+    <a:ext uri="http://schemas.microsoft.com/office/drawing/2008/diagram">
+      <dsp:dataModelExt xmlns:dsp="http://schemas.microsoft.com/office/drawing/2008/diagram" relId="rId6" minVer="http://schemas.openxmlformats.org/drawingml/2006/diagram"/>
+    </a:ext>
+  </dgm:extLst>
+</dgm:dataModel>
+</file>
+
+<file path=ppt/diagrams/drawing1.xml><?xml version="1.0" encoding="utf-8"?>
+<dsp:drawing xmlns:dgm="http://schemas.openxmlformats.org/drawingml/2006/diagram" xmlns:dsp="http://schemas.microsoft.com/office/drawing/2008/diagram" xmlns:a="http://schemas.openxmlformats.org/drawingml/2006/main">
+  <dsp:spTree>
+    <dsp:nvGrpSpPr>
+      <dsp:cNvPr id="0" name=""/>
+      <dsp:cNvGrpSpPr/>
+    </dsp:nvGrpSpPr>
+    <dsp:grpSpPr/>
+    <dsp:sp modelId="{73C04BAC-058E-3C4D-AFA4-F4C0EA7379BB}">
+      <dsp:nvSpPr>
+        <dsp:cNvPr id="0" name=""/>
+        <dsp:cNvSpPr/>
+      </dsp:nvSpPr>
+      <dsp:spPr>
+        <a:xfrm>
+          <a:off x="977894" y="1"/>
+          <a:ext cx="6273810" cy="2530598"/>
+        </a:xfrm>
+        <a:prstGeom prst="ellipse">
+          <a:avLst/>
+        </a:prstGeom>
+        <a:solidFill>
+          <a:srgbClr val="FF0000">
+            <a:alpha val="50000"/>
+          </a:srgbClr>
+        </a:solidFill>
+        <a:ln>
+          <a:noFill/>
+        </a:ln>
+        <a:effectLst/>
+      </dsp:spPr>
+      <dsp:style>
+        <a:lnRef idx="0">
+          <a:scrgbClr r="0" g="0" b="0"/>
+        </a:lnRef>
+        <a:fillRef idx="3">
+          <a:scrgbClr r="0" g="0" b="0"/>
+        </a:fillRef>
+        <a:effectRef idx="0">
+          <a:scrgbClr r="0" g="0" b="0"/>
+        </a:effectRef>
+        <a:fontRef idx="minor">
+          <a:schemeClr val="tx1"/>
+        </a:fontRef>
+      </dsp:style>
+      <dsp:txBody>
+        <a:bodyPr spcFirstLastPara="0" vert="horz" wrap="square" lIns="0" tIns="0" rIns="0" bIns="0" numCol="1" spcCol="1270" anchor="ctr" anchorCtr="0">
+          <a:noAutofit/>
+        </a:bodyPr>
+        <a:lstStyle/>
+        <a:p>
+          <a:pPr lvl="0" algn="ctr" defTabSz="2533650">
+            <a:lnSpc>
+              <a:spcPct val="90000"/>
+            </a:lnSpc>
+            <a:spcBef>
+              <a:spcPct val="0"/>
+            </a:spcBef>
+            <a:spcAft>
+              <a:spcPct val="35000"/>
+            </a:spcAft>
+          </a:pPr>
+          <a:endParaRPr lang="en-GB" sz="5700" kern="1200" dirty="0"/>
+        </a:p>
+      </dsp:txBody>
+      <dsp:txXfrm>
+        <a:off x="1701796" y="340659"/>
+        <a:ext cx="4826007" cy="802978"/>
+      </dsp:txXfrm>
+    </dsp:sp>
+    <dsp:sp modelId="{2DA0EACF-5F00-3D46-8335-6F979672C82A}">
+      <dsp:nvSpPr>
+        <dsp:cNvPr id="0" name=""/>
+        <dsp:cNvSpPr/>
+      </dsp:nvSpPr>
+      <dsp:spPr>
+        <a:xfrm>
+          <a:off x="4124188" y="1493021"/>
+          <a:ext cx="3610109" cy="2436876"/>
+        </a:xfrm>
+        <a:prstGeom prst="ellipse">
+          <a:avLst/>
+        </a:prstGeom>
+        <a:solidFill>
+          <a:srgbClr val="008000">
+            <a:alpha val="50000"/>
+          </a:srgbClr>
+        </a:solidFill>
+        <a:ln>
+          <a:noFill/>
+        </a:ln>
+        <a:effectLst/>
+      </dsp:spPr>
+      <dsp:style>
+        <a:lnRef idx="0">
+          <a:scrgbClr r="0" g="0" b="0"/>
+        </a:lnRef>
+        <a:fillRef idx="3">
+          <a:scrgbClr r="0" g="0" b="0"/>
+        </a:fillRef>
+        <a:effectRef idx="0">
+          <a:scrgbClr r="0" g="0" b="0"/>
+        </a:effectRef>
+        <a:fontRef idx="minor">
+          <a:schemeClr val="tx1"/>
+        </a:fontRef>
+      </dsp:style>
+      <dsp:txBody>
+        <a:bodyPr spcFirstLastPara="0" vert="horz" wrap="square" lIns="0" tIns="0" rIns="0" bIns="0" numCol="1" spcCol="1270" anchor="ctr" anchorCtr="0">
+          <a:noAutofit/>
+        </a:bodyPr>
+        <a:lstStyle/>
+        <a:p>
+          <a:pPr lvl="0" algn="ctr" defTabSz="2889250">
+            <a:lnSpc>
+              <a:spcPct val="90000"/>
+            </a:lnSpc>
+            <a:spcBef>
+              <a:spcPct val="0"/>
+            </a:spcBef>
+            <a:spcAft>
+              <a:spcPct val="35000"/>
+            </a:spcAft>
+          </a:pPr>
+          <a:endParaRPr lang="en-GB" sz="6500" kern="1200" dirty="0"/>
+        </a:p>
+      </dsp:txBody>
+      <dsp:txXfrm>
+        <a:off x="6068093" y="1774199"/>
+        <a:ext cx="1388503" cy="1874520"/>
+      </dsp:txXfrm>
+    </dsp:sp>
+    <dsp:sp modelId="{7B9AF114-74BA-3744-805D-62A5188BCFCB}">
+      <dsp:nvSpPr>
+        <dsp:cNvPr id="0" name=""/>
+        <dsp:cNvSpPr/>
+      </dsp:nvSpPr>
+      <dsp:spPr>
+        <a:xfrm>
+          <a:off x="2006609" y="1774694"/>
+          <a:ext cx="3682996" cy="2530598"/>
+        </a:xfrm>
+        <a:prstGeom prst="ellipse">
+          <a:avLst/>
+        </a:prstGeom>
+        <a:solidFill>
+          <a:srgbClr val="3366FF">
+            <a:alpha val="50000"/>
+          </a:srgbClr>
+        </a:solidFill>
+        <a:ln>
+          <a:noFill/>
+        </a:ln>
+        <a:effectLst/>
+      </dsp:spPr>
+      <dsp:style>
+        <a:lnRef idx="0">
+          <a:scrgbClr r="0" g="0" b="0"/>
+        </a:lnRef>
+        <a:fillRef idx="3">
+          <a:scrgbClr r="0" g="0" b="0"/>
+        </a:fillRef>
+        <a:effectRef idx="0">
+          <a:scrgbClr r="0" g="0" b="0"/>
+        </a:effectRef>
+        <a:fontRef idx="minor">
+          <a:schemeClr val="tx1"/>
+        </a:fontRef>
+      </dsp:style>
+      <dsp:txBody>
+        <a:bodyPr spcFirstLastPara="0" vert="horz" wrap="square" lIns="0" tIns="0" rIns="0" bIns="0" numCol="1" spcCol="1270" anchor="ctr" anchorCtr="0">
+          <a:noAutofit/>
+        </a:bodyPr>
+        <a:lstStyle/>
+        <a:p>
+          <a:pPr lvl="0" algn="ctr" defTabSz="2533650">
+            <a:lnSpc>
+              <a:spcPct val="90000"/>
+            </a:lnSpc>
+            <a:spcBef>
+              <a:spcPct val="0"/>
+            </a:spcBef>
+            <a:spcAft>
+              <a:spcPct val="35000"/>
+            </a:spcAft>
+          </a:pPr>
+          <a:endParaRPr lang="en-GB" sz="5700" kern="1200" dirty="0"/>
+        </a:p>
+      </dsp:txBody>
+      <dsp:txXfrm>
+        <a:off x="2431571" y="3161656"/>
+        <a:ext cx="2833074" cy="802978"/>
+      </dsp:txXfrm>
+    </dsp:sp>
+    <dsp:sp modelId="{2BD88F83-3538-3045-A6C0-E832D22C5ED1}">
+      <dsp:nvSpPr>
+        <dsp:cNvPr id="0" name=""/>
+        <dsp:cNvSpPr/>
+      </dsp:nvSpPr>
+      <dsp:spPr>
+        <a:xfrm>
+          <a:off x="139688" y="1289834"/>
+          <a:ext cx="3400294" cy="2436876"/>
+        </a:xfrm>
+        <a:prstGeom prst="ellipse">
+          <a:avLst/>
+        </a:prstGeom>
+        <a:solidFill>
+          <a:srgbClr val="FFFF00">
+            <a:alpha val="50000"/>
+          </a:srgbClr>
+        </a:solidFill>
+        <a:ln>
+          <a:noFill/>
+        </a:ln>
+        <a:effectLst/>
+      </dsp:spPr>
+      <dsp:style>
+        <a:lnRef idx="0">
+          <a:scrgbClr r="0" g="0" b="0"/>
+        </a:lnRef>
+        <a:fillRef idx="3">
+          <a:scrgbClr r="0" g="0" b="0"/>
+        </a:fillRef>
+        <a:effectRef idx="0">
+          <a:scrgbClr r="0" g="0" b="0"/>
+        </a:effectRef>
+        <a:fontRef idx="minor">
+          <a:schemeClr val="tx1"/>
+        </a:fontRef>
+      </dsp:style>
+      <dsp:txBody>
+        <a:bodyPr spcFirstLastPara="0" vert="horz" wrap="square" lIns="0" tIns="0" rIns="0" bIns="0" numCol="1" spcCol="1270" anchor="ctr" anchorCtr="0">
+          <a:noAutofit/>
+        </a:bodyPr>
+        <a:lstStyle/>
+        <a:p>
+          <a:pPr lvl="0" algn="ctr" defTabSz="2889250">
+            <a:lnSpc>
+              <a:spcPct val="90000"/>
+            </a:lnSpc>
+            <a:spcBef>
+              <a:spcPct val="0"/>
+            </a:spcBef>
+            <a:spcAft>
+              <a:spcPct val="35000"/>
+            </a:spcAft>
+          </a:pPr>
+          <a:endParaRPr lang="en-GB" sz="6500" kern="1200" dirty="0"/>
+        </a:p>
+      </dsp:txBody>
+      <dsp:txXfrm>
+        <a:off x="401249" y="1571012"/>
+        <a:ext cx="1307805" cy="1874520"/>
+      </dsp:txXfrm>
+    </dsp:sp>
+  </dsp:spTree>
+</dsp:drawing>
+</file>
+
+<file path=ppt/diagrams/drawing2.xml><?xml version="1.0" encoding="utf-8"?>
+<dsp:drawing xmlns:dgm="http://schemas.openxmlformats.org/drawingml/2006/diagram" xmlns:dsp="http://schemas.microsoft.com/office/drawing/2008/diagram" xmlns:a="http://schemas.openxmlformats.org/drawingml/2006/main">
+  <dsp:spTree>
+    <dsp:nvGrpSpPr>
+      <dsp:cNvPr id="0" name=""/>
+      <dsp:cNvGrpSpPr/>
+    </dsp:nvGrpSpPr>
+    <dsp:grpSpPr/>
+    <dsp:sp modelId="{73C04BAC-058E-3C4D-AFA4-F4C0EA7379BB}">
+      <dsp:nvSpPr>
+        <dsp:cNvPr id="0" name=""/>
+        <dsp:cNvSpPr/>
+      </dsp:nvSpPr>
+      <dsp:spPr>
+        <a:xfrm>
+          <a:off x="977894" y="1"/>
+          <a:ext cx="6273810" cy="2530598"/>
+        </a:xfrm>
+        <a:prstGeom prst="ellipse">
+          <a:avLst/>
+        </a:prstGeom>
+        <a:solidFill>
+          <a:srgbClr val="FF0000">
+            <a:alpha val="50000"/>
+          </a:srgbClr>
+        </a:solidFill>
+        <a:ln>
+          <a:noFill/>
+        </a:ln>
+        <a:effectLst/>
+      </dsp:spPr>
+      <dsp:style>
+        <a:lnRef idx="0">
+          <a:scrgbClr r="0" g="0" b="0"/>
+        </a:lnRef>
+        <a:fillRef idx="3">
+          <a:scrgbClr r="0" g="0" b="0"/>
+        </a:fillRef>
+        <a:effectRef idx="0">
+          <a:scrgbClr r="0" g="0" b="0"/>
+        </a:effectRef>
+        <a:fontRef idx="minor">
+          <a:schemeClr val="tx1"/>
+        </a:fontRef>
+      </dsp:style>
+      <dsp:txBody>
+        <a:bodyPr spcFirstLastPara="0" vert="horz" wrap="square" lIns="0" tIns="0" rIns="0" bIns="0" numCol="1" spcCol="1270" anchor="ctr" anchorCtr="0">
+          <a:noAutofit/>
+        </a:bodyPr>
+        <a:lstStyle/>
+        <a:p>
+          <a:pPr lvl="0" algn="ctr" defTabSz="2533650">
+            <a:lnSpc>
+              <a:spcPct val="90000"/>
+            </a:lnSpc>
+            <a:spcBef>
+              <a:spcPct val="0"/>
+            </a:spcBef>
+            <a:spcAft>
+              <a:spcPct val="35000"/>
+            </a:spcAft>
+          </a:pPr>
+          <a:endParaRPr lang="en-GB" sz="5700" kern="1200" dirty="0"/>
+        </a:p>
+      </dsp:txBody>
+      <dsp:txXfrm>
+        <a:off x="1701796" y="340659"/>
+        <a:ext cx="4826007" cy="802978"/>
+      </dsp:txXfrm>
+    </dsp:sp>
+    <dsp:sp modelId="{2DA0EACF-5F00-3D46-8335-6F979672C82A}">
+      <dsp:nvSpPr>
+        <dsp:cNvPr id="0" name=""/>
+        <dsp:cNvSpPr/>
+      </dsp:nvSpPr>
+      <dsp:spPr>
+        <a:xfrm>
+          <a:off x="4124188" y="1493021"/>
+          <a:ext cx="3610109" cy="2436876"/>
+        </a:xfrm>
+        <a:prstGeom prst="ellipse">
+          <a:avLst/>
+        </a:prstGeom>
+        <a:solidFill>
+          <a:srgbClr val="008000">
+            <a:alpha val="50000"/>
+          </a:srgbClr>
+        </a:solidFill>
+        <a:ln w="50800">
+          <a:solidFill>
+            <a:schemeClr val="tx1"/>
+          </a:solidFill>
+        </a:ln>
+        <a:effectLst/>
+      </dsp:spPr>
+      <dsp:style>
+        <a:lnRef idx="0">
+          <a:scrgbClr r="0" g="0" b="0"/>
+        </a:lnRef>
+        <a:fillRef idx="3">
+          <a:scrgbClr r="0" g="0" b="0"/>
+        </a:fillRef>
+        <a:effectRef idx="0">
+          <a:scrgbClr r="0" g="0" b="0"/>
+        </a:effectRef>
+        <a:fontRef idx="minor">
+          <a:schemeClr val="tx1"/>
+        </a:fontRef>
+      </dsp:style>
+      <dsp:txBody>
+        <a:bodyPr spcFirstLastPara="0" vert="horz" wrap="square" lIns="0" tIns="0" rIns="0" bIns="0" numCol="1" spcCol="1270" anchor="ctr" anchorCtr="0">
+          <a:noAutofit/>
+        </a:bodyPr>
+        <a:lstStyle/>
+        <a:p>
+          <a:pPr lvl="0" algn="ctr" defTabSz="2889250">
+            <a:lnSpc>
+              <a:spcPct val="90000"/>
+            </a:lnSpc>
+            <a:spcBef>
+              <a:spcPct val="0"/>
+            </a:spcBef>
+            <a:spcAft>
+              <a:spcPct val="35000"/>
+            </a:spcAft>
+          </a:pPr>
+          <a:endParaRPr lang="en-GB" sz="6500" kern="1200" dirty="0"/>
+        </a:p>
+      </dsp:txBody>
+      <dsp:txXfrm>
+        <a:off x="6068093" y="1774199"/>
+        <a:ext cx="1388503" cy="1874520"/>
+      </dsp:txXfrm>
+    </dsp:sp>
+    <dsp:sp modelId="{7B9AF114-74BA-3744-805D-62A5188BCFCB}">
+      <dsp:nvSpPr>
+        <dsp:cNvPr id="0" name=""/>
+        <dsp:cNvSpPr/>
+      </dsp:nvSpPr>
+      <dsp:spPr>
+        <a:xfrm>
+          <a:off x="2006609" y="1774694"/>
+          <a:ext cx="3682996" cy="2530598"/>
+        </a:xfrm>
+        <a:prstGeom prst="ellipse">
+          <a:avLst/>
+        </a:prstGeom>
+        <a:solidFill>
+          <a:srgbClr val="3366FF">
+            <a:alpha val="50000"/>
+          </a:srgbClr>
+        </a:solidFill>
+        <a:ln w="50800">
+          <a:solidFill>
+            <a:schemeClr val="tx1"/>
+          </a:solidFill>
+        </a:ln>
+        <a:effectLst/>
+      </dsp:spPr>
+      <dsp:style>
+        <a:lnRef idx="0">
+          <a:scrgbClr r="0" g="0" b="0"/>
+        </a:lnRef>
+        <a:fillRef idx="3">
+          <a:scrgbClr r="0" g="0" b="0"/>
+        </a:fillRef>
+        <a:effectRef idx="0">
+          <a:scrgbClr r="0" g="0" b="0"/>
+        </a:effectRef>
+        <a:fontRef idx="minor">
+          <a:schemeClr val="tx1"/>
+        </a:fontRef>
+      </dsp:style>
+      <dsp:txBody>
+        <a:bodyPr spcFirstLastPara="0" vert="horz" wrap="square" lIns="0" tIns="0" rIns="0" bIns="0" numCol="1" spcCol="1270" anchor="ctr" anchorCtr="0">
+          <a:noAutofit/>
+        </a:bodyPr>
+        <a:lstStyle/>
+        <a:p>
+          <a:pPr lvl="0" algn="ctr" defTabSz="2533650">
+            <a:lnSpc>
+              <a:spcPct val="90000"/>
+            </a:lnSpc>
+            <a:spcBef>
+              <a:spcPct val="0"/>
+            </a:spcBef>
+            <a:spcAft>
+              <a:spcPct val="35000"/>
+            </a:spcAft>
+          </a:pPr>
+          <a:endParaRPr lang="en-GB" sz="5700" kern="1200" dirty="0"/>
+        </a:p>
+      </dsp:txBody>
+      <dsp:txXfrm>
+        <a:off x="2431571" y="3161656"/>
+        <a:ext cx="2833074" cy="802978"/>
+      </dsp:txXfrm>
+    </dsp:sp>
+    <dsp:sp modelId="{2BD88F83-3538-3045-A6C0-E832D22C5ED1}">
+      <dsp:nvSpPr>
+        <dsp:cNvPr id="0" name=""/>
+        <dsp:cNvSpPr/>
+      </dsp:nvSpPr>
+      <dsp:spPr>
+        <a:xfrm>
+          <a:off x="139688" y="1289834"/>
+          <a:ext cx="3400294" cy="2436876"/>
+        </a:xfrm>
+        <a:prstGeom prst="ellipse">
+          <a:avLst/>
+        </a:prstGeom>
+        <a:solidFill>
+          <a:srgbClr val="FFFF00">
+            <a:alpha val="50000"/>
+          </a:srgbClr>
+        </a:solidFill>
+        <a:ln>
+          <a:noFill/>
+        </a:ln>
+        <a:effectLst/>
+      </dsp:spPr>
+      <dsp:style>
+        <a:lnRef idx="0">
+          <a:scrgbClr r="0" g="0" b="0"/>
+        </a:lnRef>
+        <a:fillRef idx="3">
+          <a:scrgbClr r="0" g="0" b="0"/>
+        </a:fillRef>
+        <a:effectRef idx="0">
+          <a:scrgbClr r="0" g="0" b="0"/>
+        </a:effectRef>
+        <a:fontRef idx="minor">
+          <a:schemeClr val="tx1"/>
+        </a:fontRef>
+      </dsp:style>
+      <dsp:txBody>
+        <a:bodyPr spcFirstLastPara="0" vert="horz" wrap="square" lIns="0" tIns="0" rIns="0" bIns="0" numCol="1" spcCol="1270" anchor="ctr" anchorCtr="0">
+          <a:noAutofit/>
+        </a:bodyPr>
+        <a:lstStyle/>
+        <a:p>
+          <a:pPr lvl="0" algn="ctr" defTabSz="2889250">
+            <a:lnSpc>
+              <a:spcPct val="90000"/>
+            </a:lnSpc>
+            <a:spcBef>
+              <a:spcPct val="0"/>
+            </a:spcBef>
+            <a:spcAft>
+              <a:spcPct val="35000"/>
+            </a:spcAft>
+          </a:pPr>
+          <a:endParaRPr lang="en-GB" sz="6500" kern="1200" dirty="0"/>
+        </a:p>
+      </dsp:txBody>
+      <dsp:txXfrm>
+        <a:off x="401249" y="1571012"/>
+        <a:ext cx="1307805" cy="1874520"/>
+      </dsp:txXfrm>
+    </dsp:sp>
+  </dsp:spTree>
+</dsp:drawing>
+</file>
+
+<file path=ppt/diagrams/layout1.xml><?xml version="1.0" encoding="utf-8"?>
+<dgm:layoutDef xmlns:dgm="http://schemas.openxmlformats.org/drawingml/2006/diagram" xmlns:a="http://schemas.openxmlformats.org/drawingml/2006/main" uniqueId="urn:microsoft.com/office/officeart/2005/8/layout/venn1">
+  <dgm:title val=""/>
+  <dgm:desc val=""/>
+  <dgm:catLst>
+    <dgm:cat type="relationship" pri="28000"/>
+    <dgm:cat type="convert" pri="19000"/>
+  </dgm:catLst>
+  <dgm:sampData useDef="1">
+    <dgm:dataModel>
+      <dgm:ptLst/>
+      <dgm:bg/>
+      <dgm:whole/>
+    </dgm:dataModel>
+  </dgm:sampData>
+  <dgm:styleData useDef="1">
+    <dgm:dataModel>
+      <dgm:ptLst/>
+      <dgm:bg/>
+      <dgm:whole/>
+    </dgm:dataModel>
+  </dgm:styleData>
+  <dgm:clrData>
+    <dgm:dataModel>
+      <dgm:ptLst>
+        <dgm:pt modelId="0" type="doc"/>
+        <dgm:pt modelId="1"/>
+        <dgm:pt modelId="2"/>
+        <dgm:pt modelId="3"/>
+        <dgm:pt modelId="4"/>
+      </dgm:ptLst>
+      <dgm:cxnLst>
+        <dgm:cxn modelId="7" srcId="0" destId="1" srcOrd="0" destOrd="0"/>
+        <dgm:cxn modelId="8" srcId="0" destId="2" srcOrd="1" destOrd="0"/>
+        <dgm:cxn modelId="9" srcId="0" destId="3" srcOrd="2" destOrd="0"/>
+        <dgm:cxn modelId="10" srcId="0" destId="4" srcOrd="3" destOrd="0"/>
+      </dgm:cxnLst>
+      <dgm:bg/>
+      <dgm:whole/>
+    </dgm:dataModel>
+  </dgm:clrData>
+  <dgm:layoutNode name="compositeShape">
+    <dgm:varLst>
+      <dgm:chMax val="7"/>
+      <dgm:dir/>
+      <dgm:resizeHandles val="exact"/>
+    </dgm:varLst>
+    <dgm:choose name="Name0">
+      <dgm:if name="Name1" axis="ch" ptType="node" func="cnt" op="equ" val="1">
+        <dgm:alg type="composite">
+          <dgm:param type="ar" val="1"/>
+        </dgm:alg>
+      </dgm:if>
+      <dgm:if name="Name2" axis="ch" ptType="node" func="cnt" op="equ" val="2">
+        <dgm:alg type="composite">
+          <dgm:param type="ar" val="1.792"/>
+        </dgm:alg>
+      </dgm:if>
+      <dgm:if name="Name3" axis="ch" ptType="node" func="cnt" op="equ" val="3">
+        <dgm:alg type="composite">
+          <dgm:param type="ar" val="1"/>
+        </dgm:alg>
+      </dgm:if>
+      <dgm:if name="Name4" axis="ch" ptType="node" func="cnt" op="equ" val="4">
+        <dgm:alg type="composite">
+          <dgm:param type="ar" val="1"/>
+        </dgm:alg>
+      </dgm:if>
+      <dgm:if name="Name5" axis="ch" ptType="node" func="cnt" op="equ" val="5">
+        <dgm:alg type="composite">
+          <dgm:param type="ar" val="1.4"/>
+        </dgm:alg>
+      </dgm:if>
+      <dgm:if name="Name6" axis="ch" ptType="node" func="cnt" op="equ" val="6">
+        <dgm:alg type="composite">
+          <dgm:param type="ar" val="1.285"/>
+        </dgm:alg>
+      </dgm:if>
+      <dgm:if name="Name7" axis="ch" ptType="node" func="cnt" op="equ" val="7">
+        <dgm:alg type="composite">
+          <dgm:param type="ar" val="1.359"/>
+        </dgm:alg>
+      </dgm:if>
+      <dgm:else name="Name8">
+        <dgm:alg type="composite">
+          <dgm:param type="ar" val="1.359"/>
+        </dgm:alg>
+      </dgm:else>
+    </dgm:choose>
+    <dgm:shape xmlns:r="http://schemas.openxmlformats.org/officeDocument/2006/relationships" r:blip="">
+      <dgm:adjLst/>
+    </dgm:shape>
+    <dgm:presOf/>
+    <dgm:choose name="Name9">
+      <dgm:if name="Name10" axis="ch" ptType="node" func="cnt" op="equ" val="1">
+        <dgm:constrLst>
+          <dgm:constr type="ctrX" for="ch" forName="circ1TxSh" refType="w" fact="0.5"/>
+          <dgm:constr type="ctrY" for="ch" forName="circ1TxSh" refType="h" fact="0.5"/>
+          <dgm:constr type="w" for="ch" forName="circ1TxSh" refType="w"/>
+          <dgm:constr type="h" for="ch" forName="circ1TxSh" refType="h"/>
+          <dgm:constr type="primFontSz" for="ch" ptType="node" op="equ"/>
+        </dgm:constrLst>
+      </dgm:if>
+      <dgm:if name="Name11" axis="ch" ptType="node" func="cnt" op="equ" val="2">
+        <dgm:constrLst>
+          <dgm:constr type="ctrX" for="ch" forName="circ1" refType="w" fact="0.3"/>
+          <dgm:constr type="ctrY" for="ch" forName="circ1" refType="h" fact="0.5"/>
+          <dgm:constr type="w" for="ch" forName="circ1" refType="w" fact="0.555"/>
+          <dgm:constr type="h" for="ch" forName="circ1" refType="h" fact="0.99456"/>
+          <dgm:constr type="l" for="ch" forName="circ1Tx" refType="w" fact="0.1"/>
+          <dgm:constr type="t" for="ch" forName="circ1Tx" refType="h" fact="0.12"/>
+          <dgm:constr type="w" for="ch" forName="circ1Tx" refType="w" fact="0.32"/>
+          <dgm:constr type="h" for="ch" forName="circ1Tx" refType="h" fact="0.76"/>
+          <dgm:constr type="ctrX" for="ch" forName="circ2" refType="w" fact="0.7"/>
+          <dgm:constr type="ctrY" for="ch" forName="circ2" refType="h" fact="0.5"/>
+          <dgm:constr type="w" for="ch" forName="circ2" refType="w" fact="0.555"/>
+          <dgm:constr type="h" for="ch" forName="circ2" refType="h" fact="0.99456"/>
+          <dgm:constr type="l" for="ch" forName="circ2Tx" refType="w" fact="0.58"/>
+          <dgm:constr type="t" for="ch" forName="circ2Tx" refType="h" fact="0.12"/>
+          <dgm:constr type="w" for="ch" forName="circ2Tx" refType="w" fact="0.32"/>
+          <dgm:constr type="h" for="ch" forName="circ2Tx" refType="h" fact="0.76"/>
+          <dgm:constr type="primFontSz" for="ch" ptType="node" op="equ"/>
+        </dgm:constrLst>
+      </dgm:if>
+      <dgm:if name="Name12" axis="ch" ptType="node" func="cnt" op="equ" val="3">
+        <dgm:constrLst>
+          <dgm:constr type="ctrX" for="ch" forName="circ1" refType="w" fact="0.5"/>
+          <dgm:constr type="ctrY" for="ch" forName="circ1" refType="w" fact="0.25"/>
+          <dgm:constr type="w" for="ch" forName="circ1" refType="w" fact="0.6"/>
+          <dgm:constr type="h" for="ch" forName="circ1" refType="h" fact="0.6"/>
+          <dgm:constr type="l" for="ch" forName="circ1Tx" refType="w" fact="0.28"/>
+          <dgm:constr type="t" for="ch" forName="circ1Tx" refType="h" fact="0.055"/>
+          <dgm:constr type="w" for="ch" forName="circ1Tx" refType="w" fact="0.44"/>
+          <dgm:constr type="h" for="ch" forName="circ1Tx" refType="h" fact="0.27"/>
+          <dgm:constr type="ctrX" for="ch" forName="circ2" refType="w" fact="0.7165"/>
+          <dgm:constr type="ctrY" for="ch" forName="circ2" refType="w" fact="0.625"/>
+          <dgm:constr type="w" for="ch" forName="circ2" refType="w" fact="0.6"/>
+          <dgm:constr type="h" for="ch" forName="circ2" refType="h" fact="0.6"/>
+          <dgm:constr type="l" for="ch" forName="circ2Tx" refType="w" fact="0.6"/>
+          <dgm:constr type="t" for="ch" forName="circ2Tx" refType="h" fact="0.48"/>
+          <dgm:constr type="w" for="ch" forName="circ2Tx" refType="w" fact="0.36"/>
+          <dgm:constr type="h" for="ch" forName="circ2Tx" refType="h" fact="0.33"/>
+          <dgm:constr type="ctrX" for="ch" forName="circ3" refType="w" fact="0.2835"/>
+          <dgm:constr type="ctrY" for="ch" forName="circ3" refType="w" fact="0.625"/>
+          <dgm:constr type="w" for="ch" forName="circ3" refType="w" fact="0.6"/>
+          <dgm:constr type="h" for="ch" forName="circ3" refType="h" fact="0.6"/>
+          <dgm:constr type="l" for="ch" forName="circ3Tx" refType="w" fact="0.04"/>
+          <dgm:constr type="t" for="ch" forName="circ3Tx" refType="h" fact="0.48"/>
+          <dgm:constr type="w" for="ch" forName="circ3Tx" refType="w" fact="0.36"/>
+          <dgm:constr type="h" for="ch" forName="circ3Tx" refType="h" fact="0.33"/>
+          <dgm:constr type="primFontSz" for="ch" ptType="node" op="equ"/>
+        </dgm:constrLst>
+      </dgm:if>
+      <dgm:if name="Name13" axis="ch" ptType="node" func="cnt" op="equ" val="4">
+        <dgm:constrLst>
+          <dgm:constr type="ctrX" for="ch" forName="circ1" refType="w" fact="0.5"/>
+          <dgm:constr type="ctrY" for="ch" forName="circ1" refType="w" fact="0.27"/>
+          <dgm:constr type="w" for="ch" forName="circ1" refType="w" fact="0.52"/>
+          <dgm:constr type="h" for="ch" forName="circ1" refType="h" fact="0.52"/>
+          <dgm:constr type="l" for="ch" forName="circ1Tx" refType="w" fact="0.3"/>
+          <dgm:constr type="t" for="ch" forName="circ1Tx" refType="h" fact="0.08"/>
+          <dgm:constr type="w" for="ch" forName="circ1Tx" refType="w" fact="0.4"/>
+          <dgm:constr type="h" for="ch" forName="circ1Tx" refType="h" fact="0.165"/>
+          <dgm:constr type="ctrX" for="ch" forName="circ2" refType="w" fact="0.73"/>
+          <dgm:constr type="ctrY" for="ch" forName="circ2" refType="w" fact="0.5"/>
+          <dgm:constr type="w" for="ch" forName="circ2" refType="w" fact="0.52"/>
+          <dgm:constr type="h" for="ch" forName="circ2" refType="h" fact="0.52"/>
+          <dgm:constr type="r" for="ch" forName="circ2Tx" refType="w" fact="0.95"/>
+          <dgm:constr type="t" for="ch" forName="circ2Tx" refType="h" fact="0.3"/>
+          <dgm:constr type="w" for="ch" forName="circ2Tx" refType="w" fact="0.2"/>
+          <dgm:constr type="h" for="ch" forName="circ2Tx" refType="h" fact="0.4"/>
+          <dgm:constr type="ctrX" for="ch" forName="circ3" refType="w" fact="0.5"/>
+          <dgm:constr type="ctrY" for="ch" forName="circ3" refType="w" fact="0.73"/>
+          <dgm:constr type="w" for="ch" forName="circ3" refType="w" fact="0.52"/>
+          <dgm:constr type="h" for="ch" forName="circ3" refType="h" fact="0.52"/>
+          <dgm:constr type="l" for="ch" forName="circ3Tx" refType="w" fact="0.3"/>
+          <dgm:constr type="b" for="ch" forName="circ3Tx" refType="h" fact="0.92"/>
+          <dgm:constr type="w" for="ch" forName="circ3Tx" refType="w" fact="0.4"/>
+          <dgm:constr type="h" for="ch" forName="circ3Tx" refType="h" fact="0.165"/>
+          <dgm:constr type="ctrX" for="ch" forName="circ4" refType="w" fact="0.27"/>
+          <dgm:constr type="ctrY" for="ch" forName="circ4" refType="h" fact="0.5"/>
+          <dgm:constr type="w" for="ch" forName="circ4" refType="w" fact="0.52"/>
+          <dgm:constr type="h" for="ch" forName="circ4" refType="h" fact="0.52"/>
+          <dgm:constr type="l" for="ch" forName="circ4Tx" refType="w" fact="0.05"/>
+          <dgm:constr type="t" for="ch" forName="circ4Tx" refType="h" fact="0.3"/>
+          <dgm:constr type="w" for="ch" forName="circ4Tx" refType="w" fact="0.2"/>
+          <dgm:constr type="h" for="ch" forName="circ4Tx" refType="h" fact="0.4"/>
+          <dgm:constr type="primFontSz" for="ch" ptType="node" op="equ"/>
+        </dgm:constrLst>
+      </dgm:if>
+      <dgm:if name="Name14" axis="ch" ptType="node" func="cnt" op="equ" val="5">
+        <dgm:constrLst>
+          <dgm:constr type="ctrX" for="ch" forName="circ1" refType="w" fact="0.5"/>
+          <dgm:constr type="ctrY" for="ch" forName="circ1" refType="h" fact="0.46"/>
+          <dgm:constr type="w" for="ch" forName="circ1" refType="w" fact="0.25"/>
+          <dgm:constr type="h" for="ch" forName="circ1" refType="h" fact="0.35"/>
+          <dgm:constr type="l" for="ch" forName="circ1Tx" refType="w" fact="0.355"/>
+          <dgm:constr type="t" for="ch" forName="circ1Tx"/>
+          <dgm:constr type="w" for="ch" forName="circ1Tx" refType="w" fact="0.29"/>
+          <dgm:constr type="h" for="ch" forName="circ1Tx" refType="h" fact="0.235"/>
+          <dgm:constr type="ctrX" for="ch" forName="circ2" refType="w" fact="0.5951"/>
+          <dgm:constr type="ctrY" for="ch" forName="circ2" refType="h" fact="0.5567"/>
+          <dgm:constr type="w" for="ch" forName="circ2" refType="w" fact="0.25"/>
+          <dgm:constr type="h" for="ch" forName="circ2" refType="h" fact="0.35"/>
+          <dgm:constr type="l" for="ch" forName="circ2Tx" refType="w" fact="0.74"/>
+          <dgm:constr type="t" for="ch" forName="circ2Tx" refType="h" fact="0.31"/>
+          <dgm:constr type="w" for="ch" forName="circ2Tx" refType="w" fact="0.26"/>
+          <dgm:constr type="h" for="ch" forName="circ2Tx" refType="h" fact="0.255"/>
+          <dgm:constr type="ctrX" for="ch" forName="circ3" refType="w" fact="0.5588"/>
+          <dgm:constr type="ctrY" for="ch" forName="circ3" refType="h" fact="0.7133"/>
+          <dgm:constr type="w" for="ch" forName="circ3" refType="w" fact="0.25"/>
+          <dgm:constr type="h" for="ch" forName="circ3" refType="h" fact="0.35"/>
+          <dgm:constr type="l" for="ch" forName="circ3Tx" refType="w" fact="0.7"/>
+          <dgm:constr type="t" for="ch" forName="circ3Tx" refType="h" fact="0.745"/>
+          <dgm:constr type="w" for="ch" forName="circ3Tx" refType="w" fact="0.26"/>
+          <dgm:constr type="h" for="ch" forName="circ3Tx" refType="h" fact="0.255"/>
+          <dgm:constr type="ctrX" for="ch" forName="circ4" refType="w" fact="0.4412"/>
+          <dgm:constr type="ctrY" for="ch" forName="circ4" refType="h" fact="0.7133"/>
+          <dgm:constr type="w" for="ch" forName="circ4" refType="w" fact="0.25"/>
+          <dgm:constr type="h" for="ch" forName="circ4" refType="h" fact="0.35"/>
+          <dgm:constr type="l" for="ch" forName="circ4Tx" refType="w" fact="0.04"/>
+          <dgm:constr type="t" for="ch" forName="circ4Tx" refType="h" fact="0.745"/>
+          <dgm:constr type="w" for="ch" forName="circ4Tx" refType="w" fact="0.26"/>
+          <dgm:constr type="h" for="ch" forName="circ4Tx" refType="h" fact="0.255"/>
+          <dgm:constr type="ctrX" for="ch" forName="circ5" refType="w" fact="0.4049"/>
+          <dgm:constr type="ctrY" for="ch" forName="circ5" refType="h" fact="0.5567"/>
+          <dgm:constr type="w" for="ch" forName="circ5" refType="w" fact="0.25"/>
+          <dgm:constr type="h" for="ch" forName="circ5" refType="h" fact="0.35"/>
+          <dgm:constr type="l" for="ch" forName="circ5Tx"/>
+          <dgm:constr type="t" for="ch" forName="circ5Tx" refType="h" fact="0.31"/>
+          <dgm:constr type="w" for="ch" forName="circ5Tx" refType="w" fact="0.26"/>
+          <dgm:constr type="h" for="ch" forName="circ5Tx" refType="h" fact="0.255"/>
+          <dgm:constr type="primFontSz" for="ch" ptType="node" op="equ"/>
+        </dgm:constrLst>
+      </dgm:if>
+      <dgm:if name="Name15" axis="ch" ptType="node" func="cnt" op="equ" val="6">
+        <dgm:constrLst>
+          <dgm:constr type="ctrX" for="ch" forName="circ1" refType="w" fact="0.5"/>
+          <dgm:constr type="ctrY" for="ch" forName="circ1" refType="h" fact="0.3844"/>
+          <dgm:constr type="w" for="ch" forName="circ1" refType="w" fact="0.24"/>
+          <dgm:constr type="h" for="ch" forName="circ1" refType="h" fact="0.3084"/>
+          <dgm:constr type="l" for="ch" forName="circ1Tx" refType="w" fact="0.35"/>
+          <dgm:constr type="t" for="ch" forName="circ1Tx"/>
+          <dgm:constr type="w" for="ch" forName="circ1Tx" refType="w" fact="0.3"/>
+          <dgm:constr type="h" for="ch" forName="circ1Tx" refType="h" fact="0.21"/>
+          <dgm:constr type="ctrX" for="ch" forName="circ2" refType="w" fact="0.5779"/>
+          <dgm:constr type="ctrY" for="ch" forName="circ2" refType="h" fact="0.4422"/>
+          <dgm:constr type="w" for="ch" forName="circ2" refType="w" fact="0.24"/>
+          <dgm:constr type="h" for="ch" forName="circ2" refType="h" fact="0.3084"/>
+          <dgm:constr type="l" for="ch" forName="circ2Tx" refType="w" fact="0.7157"/>
+          <dgm:constr type="t" for="ch" forName="circ2Tx" refType="h" fact="0.2"/>
+          <dgm:constr type="w" for="ch" forName="circ2Tx" refType="w" fact="0.2843"/>
+          <dgm:constr type="h" for="ch" forName="circ2Tx" refType="h" fact="0.23"/>
+          <dgm:constr type="ctrX" for="ch" forName="circ3" refType="w" fact="0.5779"/>
+          <dgm:constr type="ctrY" for="ch" forName="circ3" refType="h" fact="0.5578"/>
+          <dgm:constr type="w" for="ch" forName="circ3" refType="w" fact="0.24"/>
+          <dgm:constr type="h" for="ch" forName="circ3" refType="h" fact="0.3084"/>
+          <dgm:constr type="l" for="ch" forName="circ3Tx" refType="w" fact="0.7157"/>
+          <dgm:constr type="t" for="ch" forName="circ3Tx" refType="h" fact="0.543"/>
+          <dgm:constr type="w" for="ch" forName="circ3Tx" refType="w" fact="0.2843"/>
+          <dgm:constr type="h" for="ch" forName="circ3Tx" refType="h" fact="0.257"/>
+          <dgm:constr type="ctrX" for="ch" forName="circ4" refType="w" fact="0.5"/>
+          <dgm:constr type="ctrY" for="ch" forName="circ4" refType="h" fact="0.6157"/>
+          <dgm:constr type="w" for="ch" forName="circ4" refType="w" fact="0.24"/>
+          <dgm:constr type="h" for="ch" forName="circ4" refType="h" fact="0.3084"/>
+          <dgm:constr type="l" for="ch" forName="circ4Tx" refType="w" fact="0.35"/>
+          <dgm:constr type="t" for="ch" forName="circ4Tx" refType="h" fact="0.79"/>
+          <dgm:constr type="w" for="ch" forName="circ4Tx" refType="w" fact="0.3"/>
+          <dgm:constr type="h" for="ch" forName="circ4Tx" refType="h" fact="0.21"/>
+          <dgm:constr type="ctrX" for="ch" forName="circ5" refType="w" fact="0.4221"/>
+          <dgm:constr type="ctrY" for="ch" forName="circ5" refType="h" fact="0.5578"/>
+          <dgm:constr type="w" for="ch" forName="circ5" refType="w" fact="0.24"/>
+          <dgm:constr type="h" for="ch" forName="circ5" refType="h" fact="0.3084"/>
+          <dgm:constr type="l" for="ch" forName="circ5Tx" refType="w" fact="0"/>
+          <dgm:constr type="t" for="ch" forName="circ5Tx" refType="h" fact="0.543"/>
+          <dgm:constr type="w" for="ch" forName="circ5Tx" refType="w" fact="0.2843"/>
+          <dgm:constr type="h" for="ch" forName="circ5Tx" refType="h" fact="0.257"/>
+          <dgm:constr type="ctrX" for="ch" forName="circ6" refType="w" fact="0.4221"/>
+          <dgm:constr type="ctrY" for="ch" forName="circ6" refType="h" fact="0.4422"/>
+          <dgm:constr type="w" for="ch" forName="circ6" refType="w" fact="0.24"/>
+          <dgm:constr type="h" for="ch" forName="circ6" refType="h" fact="0.3084"/>
+          <dgm:constr type="l" for="ch" forName="circ6Tx" refType="w" fact="0"/>
+          <dgm:constr type="t" for="ch" forName="circ6Tx" refType="h" fact="0.2"/>
+          <dgm:constr type="w" for="ch" forName="circ6Tx" refType="w" fact="0.2843"/>
+          <dgm:constr type="h" for="ch" forName="circ6Tx" refType="h" fact="0.257"/>
+          <dgm:constr type="primFontSz" for="ch" ptType="node" op="equ"/>
+        </dgm:constrLst>
+      </dgm:if>
+      <dgm:else name="Name16">
+        <dgm:constrLst>
+          <dgm:constr type="ctrX" for="ch" forName="circ1" refType="w" fact="0.5"/>
+          <dgm:constr type="ctrY" for="ch" forName="circ1" refType="h" fact="0.4177"/>
+          <dgm:constr type="w" for="ch" forName="circ1" refType="w" fact="0.24"/>
+          <dgm:constr type="h" for="ch" forName="circ1" refType="h" fact="0.3262"/>
+          <dgm:constr type="l" for="ch" forName="circ1Tx" refType="w" fact="0.3625"/>
+          <dgm:constr type="t" for="ch" forName="circ1Tx"/>
+          <dgm:constr type="w" for="ch" forName="circ1Tx" refType="w" fact="0.275"/>
+          <dgm:constr type="h" for="ch" forName="circ1Tx" refType="h" fact="0.2"/>
+          <dgm:constr type="ctrX" for="ch" forName="circ2" refType="w" fact="0.5704"/>
+          <dgm:constr type="ctrY" for="ch" forName="circ2" refType="h" fact="0.4637"/>
+          <dgm:constr type="w" for="ch" forName="circ2" refType="w" fact="0.24"/>
+          <dgm:constr type="h" for="ch" forName="circ2" refType="h" fact="0.3262"/>
+          <dgm:constr type="l" for="ch" forName="circ2Tx" refType="w" fact="0.72"/>
+          <dgm:constr type="t" for="ch" forName="circ2Tx" refType="h" fact="0.19"/>
+          <dgm:constr type="w" for="ch" forName="circ2Tx" refType="w" fact="0.26"/>
+          <dgm:constr type="h" for="ch" forName="circ2Tx" refType="h" fact="0.22"/>
+          <dgm:constr type="ctrX" for="ch" forName="circ3" refType="w" fact="0.5877"/>
+          <dgm:constr type="ctrY" for="ch" forName="circ3" refType="h" fact="0.5672"/>
+          <dgm:constr type="w" for="ch" forName="circ3" refType="w" fact="0.24"/>
+          <dgm:constr type="h" for="ch" forName="circ3" refType="h" fact="0.3262"/>
+          <dgm:constr type="l" for="ch" forName="circ3Tx" refType="w" fact="0.745"/>
+          <dgm:constr type="t" for="ch" forName="circ3Tx" refType="h" fact="0.47"/>
+          <dgm:constr type="w" for="ch" forName="circ3Tx" refType="w" fact="0.255"/>
+          <dgm:constr type="h" for="ch" forName="circ3Tx" refType="h" fact="0.235"/>
+          <dgm:constr type="ctrX" for="ch" forName="circ4" refType="w" fact="0.539"/>
+          <dgm:constr type="ctrY" for="ch" forName="circ4" refType="h" fact="0.6502"/>
+          <dgm:constr type="w" for="ch" forName="circ4" refType="w" fact="0.24"/>
+          <dgm:constr type="h" for="ch" forName="circ4" refType="h" fact="0.3262"/>
+          <dgm:constr type="l" for="ch" forName="circ4Tx" refType="w" fact="0.635"/>
+          <dgm:constr type="t" for="ch" forName="circ4Tx" refType="h" fact="0.785"/>
+          <dgm:constr type="w" for="ch" forName="circ4Tx" refType="w" fact="0.275"/>
+          <dgm:constr type="h" for="ch" forName="circ4Tx" refType="h" fact="0.215"/>
+          <dgm:constr type="ctrX" for="ch" forName="circ5" refType="w" fact="0.461"/>
+          <dgm:constr type="ctrY" for="ch" forName="circ5" refType="h" fact="0.6502"/>
+          <dgm:constr type="w" for="ch" forName="circ5" refType="w" fact="0.24"/>
+          <dgm:constr type="h" for="ch" forName="circ5" refType="h" fact="0.3262"/>
+          <dgm:constr type="l" for="ch" forName="circ5Tx" refType="w" fact="0.09"/>
+          <dgm:constr type="t" for="ch" forName="circ5Tx" refType="h" fact="0.785"/>
+          <dgm:constr type="w" for="ch" forName="circ5Tx" refType="w" fact="0.275"/>
+          <dgm:constr type="h" for="ch" forName="circ5Tx" refType="h" fact="0.215"/>
+          <dgm:constr type="ctrX" for="ch" forName="circ6" refType="w" fact="0.4123"/>
+          <dgm:constr type="ctrY" for="ch" forName="circ6" refType="h" fact="0.5672"/>
+          <dgm:constr type="w" for="ch" forName="circ6" refType="w" fact="0.24"/>
+          <dgm:constr type="h" for="ch" forName="circ6" refType="h" fact="0.3262"/>
+          <dgm:constr type="l" for="ch" forName="circ6Tx"/>
+          <dgm:constr type="t" for="ch" forName="circ6Tx" refType="h" fact="0.47"/>
+          <dgm:constr type="w" for="ch" forName="circ6Tx" refType="w" fact="0.255"/>
+          <dgm:constr type="h" for="ch" forName="circ6Tx" refType="h" fact="0.235"/>
+          <dgm:constr type="ctrX" for="ch" forName="circ7" refType="w" fact="0.4296"/>
+          <dgm:constr type="ctrY" for="ch" forName="circ7" refType="h" fact="0.4637"/>
+          <dgm:constr type="w" for="ch" forName="circ7" refType="w" fact="0.24"/>
+          <dgm:constr type="h" for="ch" forName="circ7" refType="h" fact="0.3262"/>
+          <dgm:constr type="l" for="ch" forName="circ7Tx" refType="w" fact="0.02"/>
+          <dgm:constr type="t" for="ch" forName="circ7Tx" refType="h" fact="0.19"/>
+          <dgm:constr type="w" for="ch" forName="circ7Tx" refType="w" fact="0.26"/>
+          <dgm:constr type="h" for="ch" forName="circ7Tx" refType="h" fact="0.22"/>
+          <dgm:constr type="primFontSz" for="ch" ptType="node" op="equ"/>
+        </dgm:constrLst>
+      </dgm:else>
+    </dgm:choose>
+    <dgm:ruleLst/>
+    <dgm:forEach name="Name17" axis="ch" ptType="node" cnt="1">
+      <dgm:choose name="Name18">
+        <dgm:if name="Name19" axis="root ch" ptType="all node" func="cnt" op="equ" val="1">
+          <dgm:layoutNode name="circ1TxSh" styleLbl="vennNode1">
+            <dgm:alg type="tx">
+              <dgm:param type="txAnchorHorzCh" val="ctr"/>
+              <dgm:param type="txAnchorVertCh" val="mid"/>
+            </dgm:alg>
+            <dgm:shape xmlns:r="http://schemas.openxmlformats.org/officeDocument/2006/relationships" type="ellipse" r:blip="">
+              <dgm:adjLst/>
+            </dgm:shape>
+            <dgm:choose name="Name20">
+              <dgm:if name="Name21" func="var" arg="dir" op="equ" val="norm">
+                <dgm:choose name="Name22">
+                  <dgm:if name="Name23" axis="root ch" ptType="all node" func="cnt" op="lte" val="4">
+                    <dgm:presOf axis="desOrSelf" ptType="node"/>
+                  </dgm:if>
+                  <dgm:else name="Name24">
+                    <dgm:presOf/>
+                  </dgm:else>
+                </dgm:choose>
+              </dgm:if>
+              <dgm:else name="Name25">
+                <dgm:choose name="Name26">
+                  <dgm:if name="Name27" axis="root ch" ptType="all node" func="cnt" op="equ" val="2">
+                    <dgm:presOf axis="root ch desOrSelf" ptType="all node node" st="1 2 1" cnt="1 1 0"/>
+                  </dgm:if>
+                  <dgm:else name="Name28">
+                    <dgm:presOf axis="desOrSelf" ptType="node"/>
+                  </dgm:else>
+                </dgm:choose>
+              </dgm:else>
+            </dgm:choose>
+            <dgm:constrLst>
+              <dgm:constr type="tMarg"/>
+              <dgm:constr type="bMarg"/>
+              <dgm:constr type="lMarg"/>
+              <dgm:constr type="rMarg"/>
+              <dgm:constr type="primFontSz" val="65"/>
+            </dgm:constrLst>
+            <dgm:ruleLst>
+              <dgm:rule type="primFontSz" val="5" fact="NaN" max="NaN"/>
+            </dgm:ruleLst>
+          </dgm:layoutNode>
+        </dgm:if>
+        <dgm:else name="Name29">
+          <dgm:layoutNode name="circ1" styleLbl="vennNode1">
+            <dgm:alg type="sp"/>
+            <dgm:shape xmlns:r="http://schemas.openxmlformats.org/officeDocument/2006/relationships" type="ellipse" r:blip="">
+              <dgm:adjLst/>
+            </dgm:shape>
+            <dgm:choose name="Name30">
+              <dgm:if name="Name31" func="var" arg="dir" op="equ" val="norm">
+                <dgm:choose name="Name32">
+                  <dgm:if name="Name33" axis="root ch" ptType="all node" func="cnt" op="lte" val="4">
+                    <dgm:presOf axis="desOrSelf" ptType="node"/>
+                  </dgm:if>
+                  <dgm:else name="Name34">
+                    <dgm:presOf/>
+                  </dgm:else>
+                </dgm:choose>
+              </dgm:if>
+              <dgm:else name="Name35">
+                <dgm:choose name="Name36">
+                  <dgm:if name="Name37" axis="root ch" ptType="all node" func="cnt" op="equ" val="2">
+                    <dgm:presOf axis="root ch desOrSelf" ptType="all node node" st="1 2 1" cnt="1 1 0"/>
+                  </dgm:if>
+                  <dgm:else name="Name38">
+                    <dgm:choose name="Name39">
+                      <dgm:if name="Name40" axis="root ch" ptType="all node" func="cnt" op="lte" val="4">
+                        <dgm:presOf axis="desOrSelf" ptType="node"/>
+                      </dgm:if>
+                      <dgm:else name="Name41">
+                        <dgm:presOf/>
+                      </dgm:else>
+                    </dgm:choose>
+                  </dgm:else>
+                </dgm:choose>
+              </dgm:else>
+            </dgm:choose>
+            <dgm:constrLst/>
+            <dgm:ruleLst/>
+          </dgm:layoutNode>
+          <dgm:layoutNode name="circ1Tx" styleLbl="revTx">
+            <dgm:varLst>
+              <dgm:chMax val="0"/>
+              <dgm:chPref val="0"/>
+              <dgm:bulletEnabled val="1"/>
+            </dgm:varLst>
+            <dgm:alg type="tx">
+              <dgm:param type="txAnchorHorzCh" val="ctr"/>
+              <dgm:param type="txAnchorVertCh" val="mid"/>
+            </dgm:alg>
+            <dgm:shape xmlns:r="http://schemas.openxmlformats.org/officeDocument/2006/relationships" type="rect" r:blip="" hideGeom="1">
+              <dgm:adjLst/>
+            </dgm:shape>
+            <dgm:choose name="Name42">
+              <dgm:if name="Name43" func="var" arg="dir" op="equ" val="norm">
+                <dgm:presOf axis="desOrSelf" ptType="node"/>
+              </dgm:if>
+              <dgm:else name="Name44">
+                <dgm:choose name="Name45">
+                  <dgm:if name="Name46" axis="root ch" ptType="all node" func="cnt" op="equ" val="2">
+                    <dgm:presOf axis="root ch desOrSelf" ptType="all node node" st="1 2 1" cnt="1 1 0"/>
+                  </dgm:if>
+                  <dgm:else name="Name47">
+                    <dgm:presOf axis="desOrSelf" ptType="node"/>
+                  </dgm:else>
+                </dgm:choose>
+              </dgm:else>
+            </dgm:choose>
+            <dgm:constrLst>
+              <dgm:constr type="tMarg"/>
+              <dgm:constr type="bMarg"/>
+              <dgm:constr type="lMarg"/>
+              <dgm:constr type="rMarg"/>
+              <dgm:constr type="primFontSz" val="65"/>
+            </dgm:constrLst>
+            <dgm:ruleLst>
+              <dgm:rule type="primFontSz" val="5" fact="NaN" max="NaN"/>
+            </dgm:ruleLst>
+          </dgm:layoutNode>
+        </dgm:else>
+      </dgm:choose>
+    </dgm:forEach>
+    <dgm:forEach name="Name48" axis="ch" ptType="node" st="2" cnt="1">
+      <dgm:layoutNode name="circ2" styleLbl="vennNode1">
+        <dgm:alg type="sp"/>
+        <dgm:shape xmlns:r="http://schemas.openxmlformats.org/officeDocument/2006/relationships" type="ellipse" r:blip="">
+          <dgm:adjLst/>
+        </dgm:shape>
+        <dgm:choose name="Name49">
+          <dgm:if name="Name50" func="var" arg="dir" op="equ" val="norm">
+            <dgm:choose name="Name51">
+              <dgm:if name="Name52" axis="root ch" ptType="all node" func="cnt" op="lte" val="4">
+                <dgm:presOf axis="desOrSelf" ptType="node"/>
+              </dgm:if>
+              <dgm:else name="Name53">
+                <dgm:presOf/>
+              </dgm:else>
+            </dgm:choose>
+          </dgm:if>
+          <dgm:else name="Name54">
+            <dgm:choose name="Name55">
+              <dgm:if name="Name56" axis="root ch" ptType="all node" func="cnt" op="equ" val="2">
+                <dgm:presOf axis="root ch desOrSelf" ptType="all node node" st="1 1 1" cnt="1 1 0"/>
+              </dgm:if>
+              <dgm:if name="Name57" axis="root ch" ptType="all node" func="cnt" op="equ" val="3">
+                <dgm:presOf axis="root ch desOrSelf" ptType="all node node" st="1 3 1" cnt="1 1 0"/>
+              </dgm:if>
+              <dgm:if name="Name58" axis="root ch" ptType="all node" func="cnt" op="equ" val="4">
+                <dgm:presOf axis="root ch desOrSelf" ptType="all node node" st="1 4 1" cnt="1 1 0"/>
+              </dgm:if>
+              <dgm:else name="Name59">
+                <dgm:presOf/>
+              </dgm:else>
+            </dgm:choose>
+          </dgm:else>
+        </dgm:choose>
+        <dgm:constrLst/>
+        <dgm:ruleLst/>
+      </dgm:layoutNode>
+      <dgm:layoutNode name="circ2Tx" styleLbl="revTx">
+        <dgm:varLst>
+          <dgm:chMax val="0"/>
+          <dgm:chPref val="0"/>
+          <dgm:bulletEnabled val="1"/>
+        </dgm:varLst>
+        <dgm:alg type="tx">
+          <dgm:param type="txAnchorHorzCh" val="ctr"/>
+          <dgm:param type="txAnchorVertCh" val="mid"/>
+        </dgm:alg>
+        <dgm:shape xmlns:r="http://schemas.openxmlformats.org/officeDocument/2006/relationships" type="rect" r:blip="" hideGeom="1">
+          <dgm:adjLst/>
+        </dgm:shape>
+        <dgm:choose name="Name60">
+          <dgm:if name="Name61" func="var" arg="dir" op="equ" val="norm">
+            <dgm:presOf axis="desOrSelf" ptType="node"/>
+          </dgm:if>
+          <dgm:else name="Name62">
+            <dgm:choose name="Name63">
+              <dgm:if name="Name64" axis="root ch" ptType="all node" func="cnt" op="equ" val="2">
+                <dgm:presOf axis="root ch desOrSelf" ptType="all node node" st="1 1 1" cnt="1 1 0"/>
+              </dgm:if>
+              <dgm:if name="Name65" axis="root ch" ptType="all node" func="cnt" op="equ" val="3">
+                <dgm:presOf axis="root ch desOrSelf" ptType="all node node" st="1 3 1" cnt="1 1 0"/>
+              </dgm:if>
+              <dgm:if name="Name66" axis="root ch" ptType="all node" func="cnt" op="equ" val="4">
+                <dgm:presOf axis="root ch desOrSelf" ptType="all node node" st="1 4 1" cnt="1 1 0"/>
+              </dgm:if>
+              <dgm:if name="Name67" axis="root ch" ptType="all node" func="cnt" op="equ" val="5">
+                <dgm:presOf axis="root ch desOrSelf" ptType="all node node" st="1 5 1" cnt="1 1 0"/>
+              </dgm:if>
+              <dgm:if name="Name68" axis="root ch" ptType="all node" func="cnt" op="equ" val="6">
+                <dgm:presOf axis="root ch desOrSelf" ptType="all node node" st="1 6 1" cnt="1 1 0"/>
+              </dgm:if>
+              <dgm:else name="Name69">
+                <dgm:presOf axis="root ch desOrSelf" ptType="all node node" st="1 7 1" cnt="1 1 0"/>
+              </dgm:else>
+            </dgm:choose>
+          </dgm:else>
+        </dgm:choose>
+        <dgm:constrLst>
+          <dgm:constr type="tMarg"/>
+          <dgm:constr type="bMarg"/>
+          <dgm:constr type="lMarg"/>
+          <dgm:constr type="rMarg"/>
+          <dgm:constr type="primFontSz" val="65"/>
+        </dgm:constrLst>
+        <dgm:ruleLst>
+          <dgm:rule type="primFontSz" val="5" fact="NaN" max="NaN"/>
+        </dgm:ruleLst>
+      </dgm:layoutNode>
+    </dgm:forEach>
+    <dgm:forEach name="Name70" axis="ch" ptType="node" st="3" cnt="1">
+      <dgm:layoutNode name="circ3" styleLbl="vennNode1">
+        <dgm:alg type="sp"/>
+        <dgm:shape xmlns:r="http://schemas.openxmlformats.org/officeDocument/2006/relationships" type="ellipse" r:blip="">
+          <dgm:adjLst/>
+        </dgm:shape>
+        <dgm:choose name="Name71">
+          <dgm:if name="Name72" func="var" arg="dir" op="equ" val="norm">
+            <dgm:choose name="Name73">
+              <dgm:if name="Name74" axis="root ch" ptType="all node" func="cnt" op="lte" val="4">
+                <dgm:presOf axis="desOrSelf" ptType="node"/>
+              </dgm:if>
+              <dgm:else name="Name75">
+                <dgm:presOf/>
+              </dgm:else>
+            </dgm:choose>
+          </dgm:if>
+          <dgm:else name="Name76">
+            <dgm:choose name="Name77">
+              <dgm:if name="Name78" axis="root ch" ptType="all node" func="cnt" op="equ" val="3">
+                <dgm:presOf axis="root ch desOrSelf" ptType="all node node" st="1 2 1" cnt="1 1 0"/>
+              </dgm:if>
+              <dgm:if name="Name79" axis="root ch" ptType="all node" func="cnt" op="equ" val="4">
+                <dgm:presOf axis="root ch desOrSelf" ptType="all node node" st="1 3 1" cnt="1 1 0"/>
+              </dgm:if>
+              <dgm:else name="Name80">
+                <dgm:presOf/>
+              </dgm:else>
+            </dgm:choose>
+          </dgm:else>
+        </dgm:choose>
+        <dgm:constrLst/>
+        <dgm:ruleLst/>
+      </dgm:layoutNode>
+      <dgm:layoutNode name="circ3Tx" styleLbl="revTx">
+        <dgm:varLst>
+          <dgm:chMax val="0"/>
+          <dgm:chPref val="0"/>
+          <dgm:bulletEnabled val="1"/>
+        </dgm:varLst>
+        <dgm:alg type="tx">
+          <dgm:param type="txAnchorHorzCh" val="ctr"/>
+          <dgm:param type="txAnchorVertCh" val="mid"/>
+        </dgm:alg>
+        <dgm:shape xmlns:r="http://schemas.openxmlformats.org/officeDocument/2006/relationships" type="rect" r:blip="" hideGeom="1">
+          <dgm:adjLst/>
+        </dgm:shape>
+        <dgm:choose name="Name81">
+          <dgm:if name="Name82" func="var" arg="dir" op="equ" val="norm">
+            <dgm:presOf axis="desOrSelf" ptType="node"/>
+          </dgm:if>
+          <dgm:else name="Name83">
+            <dgm:choose name="Name84">
+              <dgm:if name="Name85" axis="root ch" ptType="all node" func="cnt" op="equ" val="3">
+                <dgm:presOf axis="root ch desOrSelf" ptType="all node node" st="1 2 1" cnt="1 1 0"/>
+              </dgm:if>
+              <dgm:if name="Name86" axis="root ch" ptType="all node" func="cnt" op="equ" val="4">
+                <dgm:presOf axis="root ch desOrSelf" ptType="all node node" st="1 3 1" cnt="1 1 0"/>
+              </dgm:if>
+              <dgm:if name="Name87" axis="root ch" ptType="all node" func="cnt" op="equ" val="5">
+                <dgm:presOf axis="root ch desOrSelf" ptType="all node node" st="1 4 1" cnt="1 1 0"/>
+              </dgm:if>
+              <dgm:if name="Name88" axis="root ch" ptType="all node" func="cnt" op="equ" val="6">
+                <dgm:presOf axis="root ch desOrSelf" ptType="all node node" st="1 5 1" cnt="1 1 0"/>
+              </dgm:if>
+              <dgm:else name="Name89">
+                <dgm:presOf axis="root ch desOrSelf" ptType="all node node" st="1 6 1" cnt="1 1 0"/>
+              </dgm:else>
+            </dgm:choose>
+          </dgm:else>
+        </dgm:choose>
+        <dgm:constrLst>
+          <dgm:constr type="tMarg"/>
+          <dgm:constr type="bMarg"/>
+          <dgm:constr type="lMarg"/>
+          <dgm:constr type="rMarg"/>
+          <dgm:constr type="primFontSz" val="65"/>
+        </dgm:constrLst>
+        <dgm:ruleLst>
+          <dgm:rule type="primFontSz" val="5" fact="NaN" max="NaN"/>
+        </dgm:ruleLst>
+      </dgm:layoutNode>
+    </dgm:forEach>
+    <dgm:forEach name="Name90" axis="ch" ptType="node" st="4" cnt="1">
+      <dgm:layoutNode name="circ4" styleLbl="vennNode1">
+        <dgm:alg type="sp"/>
+        <dgm:shape xmlns:r="http://schemas.openxmlformats.org/officeDocument/2006/relationships" type="ellipse" r:blip="">
+          <dgm:adjLst/>
+        </dgm:shape>
+        <dgm:choose name="Name91">
+          <dgm:if name="Name92" func="var" arg="dir" op="equ" val="norm">
+            <dgm:choose name="Name93">
+              <dgm:if name="Name94" axis="root ch" ptType="all node" func="cnt" op="lte" val="4">
+                <dgm:presOf axis="desOrSelf" ptType="node"/>
+              </dgm:if>
+              <dgm:else name="Name95">
+                <dgm:presOf/>
+              </dgm:else>
+            </dgm:choose>
+          </dgm:if>
+          <dgm:else name="Name96">
+            <dgm:choose name="Name97">
+              <dgm:if name="Name98" axis="root ch" ptType="all node" func="cnt" op="equ" val="4">
+                <dgm:presOf axis="root ch desOrSelf" ptType="all node node" st="1 2 1" cnt="1 1 0"/>
+              </dgm:if>
+              <dgm:else name="Name99">
+                <dgm:presOf/>
+              </dgm:else>
+            </dgm:choose>
+          </dgm:else>
+        </dgm:choose>
+        <dgm:constrLst/>
+        <dgm:ruleLst/>
+      </dgm:layoutNode>
+      <dgm:layoutNode name="circ4Tx" styleLbl="revTx">
+        <dgm:varLst>
+          <dgm:chMax val="0"/>
+          <dgm:chPref val="0"/>
+          <dgm:bulletEnabled val="1"/>
+        </dgm:varLst>
+        <dgm:alg type="tx">
+          <dgm:param type="txAnchorHorzCh" val="ctr"/>
+          <dgm:param type="txAnchorVertCh" val="mid"/>
+        </dgm:alg>
+        <dgm:shape xmlns:r="http://schemas.openxmlformats.org/officeDocument/2006/relationships" type="rect" r:blip="" hideGeom="1">
+          <dgm:adjLst/>
+        </dgm:shape>
+        <dgm:choose name="Name100">
+          <dgm:if name="Name101" func="var" arg="dir" op="equ" val="norm">
+            <dgm:presOf axis="desOrSelf" ptType="node"/>
+          </dgm:if>
+          <dgm:else name="Name102">
+            <dgm:choose name="Name103">
+              <dgm:if name="Name104" axis="root ch" ptType="all node" func="cnt" op="equ" val="4">
+                <dgm:presOf axis="root ch desOrSelf" ptType="all node node" st="1 2 1" cnt="1 1 0"/>
+              </dgm:if>
+              <dgm:if name="Name105" axis="root ch" ptType="all node" func="cnt" op="equ" val="5">
+                <dgm:presOf axis="root ch desOrSelf" ptType="all node node" st="1 3 1" cnt="1 1 0"/>
+              </dgm:if>
+              <dgm:if name="Name106" axis="root ch" ptType="all node" func="cnt" op="equ" val="6">
+                <dgm:presOf axis="root ch desOrSelf" ptType="all node node" st="1 4 1" cnt="1 1 0"/>
+              </dgm:if>
+              <dgm:else name="Name107">
+                <dgm:presOf axis="root ch desOrSelf" ptType="all node node" st="1 5 1" cnt="1 1 0"/>
+              </dgm:else>
+            </dgm:choose>
+          </dgm:else>
+        </dgm:choose>
+        <dgm:constrLst>
+          <dgm:constr type="tMarg"/>
+          <dgm:constr type="bMarg"/>
+          <dgm:constr type="lMarg"/>
+          <dgm:constr type="rMarg"/>
+          <dgm:constr type="primFontSz" val="65"/>
+        </dgm:constrLst>
+        <dgm:ruleLst>
+          <dgm:rule type="primFontSz" val="5" fact="NaN" max="NaN"/>
+        </dgm:ruleLst>
+      </dgm:layoutNode>
+    </dgm:forEach>
+    <dgm:forEach name="Name108" axis="ch" ptType="node" st="5" cnt="1">
+      <dgm:layoutNode name="circ5" styleLbl="vennNode1">
+        <dgm:alg type="sp"/>
+        <dgm:shape xmlns:r="http://schemas.openxmlformats.org/officeDocument/2006/relationships" type="ellipse" r:blip="">
+          <dgm:adjLst/>
+        </dgm:shape>
+        <dgm:presOf/>
+        <dgm:constrLst/>
+        <dgm:ruleLst/>
+      </dgm:layoutNode>
+      <dgm:layoutNode name="circ5Tx" styleLbl="revTx">
+        <dgm:varLst>
+          <dgm:chMax val="0"/>
+          <dgm:chPref val="0"/>
+          <dgm:bulletEnabled val="1"/>
+        </dgm:varLst>
+        <dgm:alg type="tx">
+          <dgm:param type="txAnchorHorzCh" val="ctr"/>
+          <dgm:param type="txAnchorVertCh" val="mid"/>
+        </dgm:alg>
+        <dgm:shape xmlns:r="http://schemas.openxmlformats.org/officeDocument/2006/relationships" type="rect" r:blip="" hideGeom="1">
+          <dgm:adjLst/>
+        </dgm:shape>
+        <dgm:choose name="Name109">
+          <dgm:if name="Name110" func="var" arg="dir" op="equ" val="norm">
+            <dgm:presOf axis="desOrSelf" ptType="node"/>
+          </dgm:if>
+          <dgm:else name="Name111">
+            <dgm:choose name="Name112">
+              <dgm:if name="Name113" axis="root ch" ptType="all node" func="cnt" op="equ" val="5">
+                <dgm:presOf axis="root ch desOrSelf" ptType="all node node" st="1 2 1" cnt="1 1 0"/>
+              </dgm:if>
+              <dgm:if name="Name114" axis="root ch" ptType="all node" func="cnt" op="equ" val="6">
+                <dgm:presOf axis="root ch desOrSelf" ptType="all node node" st="1 3 1" cnt="1 1 0"/>
+              </dgm:if>
+              <dgm:else name="Name115">
+                <dgm:presOf axis="root ch desOrSelf" ptType="all node node" st="1 4 1" cnt="1 1 0"/>
+              </dgm:else>
+            </dgm:choose>
+          </dgm:else>
+        </dgm:choose>
+        <dgm:constrLst>
+          <dgm:constr type="tMarg"/>
+          <dgm:constr type="bMarg"/>
+          <dgm:constr type="lMarg"/>
+          <dgm:constr type="rMarg"/>
+          <dgm:constr type="primFontSz" val="65"/>
+        </dgm:constrLst>
+        <dgm:ruleLst>
+          <dgm:rule type="primFontSz" val="5" fact="NaN" max="NaN"/>
+        </dgm:ruleLst>
+      </dgm:layoutNode>
+    </dgm:forEach>
+    <dgm:forEach name="Name116" axis="ch" ptType="node" st="6" cnt="1">
+      <dgm:layoutNode name="circ6" styleLbl="vennNode1">
+        <dgm:alg type="sp"/>
+        <dgm:shape xmlns:r="http://schemas.openxmlformats.org/officeDocument/2006/relationships" type="ellipse" r:blip="">
+          <dgm:adjLst/>
+        </dgm:shape>
+        <dgm:presOf/>
+        <dgm:constrLst/>
+        <dgm:ruleLst/>
+      </dgm:layoutNode>
+      <dgm:layoutNode name="circ6Tx" styleLbl="revTx">
+        <dgm:varLst>
+          <dgm:chMax val="0"/>
+          <dgm:chPref val="0"/>
+          <dgm:bulletEnabled val="1"/>
+        </dgm:varLst>
+        <dgm:alg type="tx">
+          <dgm:param type="txAnchorHorzCh" val="ctr"/>
+          <dgm:param type="txAnchorVertCh" val="mid"/>
+        </dgm:alg>
+        <dgm:shape xmlns:r="http://schemas.openxmlformats.org/officeDocument/2006/relationships" type="rect" r:blip="" hideGeom="1">
+          <dgm:adjLst/>
+        </dgm:shape>
+        <dgm:choose name="Name117">
+          <dgm:if name="Name118" func="var" arg="dir" op="equ" val="norm">
+            <dgm:presOf axis="desOrSelf" ptType="node"/>
+          </dgm:if>
+          <dgm:else name="Name119">
+            <dgm:choose name="Name120">
+              <dgm:if name="Name121" axis="root ch" ptType="all node" func="cnt" op="equ" val="6">
+                <dgm:presOf axis="root ch desOrSelf" ptType="all node node" st="1 2 1" cnt="1 1 0"/>
+              </dgm:if>
+              <dgm:else name="Name122">
+                <dgm:presOf axis="root ch desOrSelf" ptType="all node node" st="1 3 1" cnt="1 1 0"/>
+              </dgm:else>
+            </dgm:choose>
+          </dgm:else>
+        </dgm:choose>
+        <dgm:constrLst>
+          <dgm:constr type="tMarg"/>
+          <dgm:constr type="bMarg"/>
+          <dgm:constr type="lMarg"/>
+          <dgm:constr type="rMarg"/>
+          <dgm:constr type="primFontSz" val="65"/>
+        </dgm:constrLst>
+        <dgm:ruleLst>
+          <dgm:rule type="primFontSz" val="5" fact="NaN" max="NaN"/>
+        </dgm:ruleLst>
+      </dgm:layoutNode>
+    </dgm:forEach>
+    <dgm:forEach name="Name123" axis="ch" ptType="node" st="7" cnt="1">
+      <dgm:layoutNode name="circ7" styleLbl="vennNode1">
+        <dgm:alg type="sp"/>
+        <dgm:shape xmlns:r="http://schemas.openxmlformats.org/officeDocument/2006/relationships" type="ellipse" r:blip="">
+          <dgm:adjLst/>
+        </dgm:shape>
+        <dgm:presOf/>
+        <dgm:constrLst/>
+        <dgm:ruleLst/>
+      </dgm:layoutNode>
+      <dgm:layoutNode name="circ7Tx" styleLbl="revTx">
+        <dgm:varLst>
+          <dgm:chMax val="0"/>
+          <dgm:chPref val="0"/>
+          <dgm:bulletEnabled val="1"/>
+        </dgm:varLst>
+        <dgm:alg type="tx">
+          <dgm:param type="txAnchorHorzCh" val="ctr"/>
+          <dgm:param type="txAnchorVertCh" val="mid"/>
+        </dgm:alg>
+        <dgm:shape xmlns:r="http://schemas.openxmlformats.org/officeDocument/2006/relationships" type="rect" r:blip="" hideGeom="1">
+          <dgm:adjLst/>
+        </dgm:shape>
+        <dgm:choose name="Name124">
+          <dgm:if name="Name125" func="var" arg="dir" op="equ" val="norm">
+            <dgm:presOf axis="desOrSelf" ptType="node"/>
+          </dgm:if>
+          <dgm:else name="Name126">
+            <dgm:presOf axis="root ch desOrSelf" ptType="all node node" st="1 2 1" cnt="1 1 0"/>
+          </dgm:else>
+        </dgm:choose>
+        <dgm:constrLst>
+          <dgm:constr type="tMarg"/>
+          <dgm:constr type="bMarg"/>
+          <dgm:constr type="lMarg"/>
+          <dgm:constr type="rMarg"/>
+          <dgm:constr type="primFontSz" val="65"/>
+        </dgm:constrLst>
+        <dgm:ruleLst>
+          <dgm:rule type="primFontSz" val="5" fact="NaN" max="NaN"/>
+        </dgm:ruleLst>
+      </dgm:layoutNode>
+    </dgm:forEach>
+  </dgm:layoutNode>
+</dgm:layoutDef>
+</file>
+
+<file path=ppt/diagrams/layout2.xml><?xml version="1.0" encoding="utf-8"?>
+<dgm:layoutDef xmlns:dgm="http://schemas.openxmlformats.org/drawingml/2006/diagram" xmlns:a="http://schemas.openxmlformats.org/drawingml/2006/main" uniqueId="urn:microsoft.com/office/officeart/2005/8/layout/venn1">
+  <dgm:title val=""/>
+  <dgm:desc val=""/>
+  <dgm:catLst>
+    <dgm:cat type="relationship" pri="28000"/>
+    <dgm:cat type="convert" pri="19000"/>
+  </dgm:catLst>
+  <dgm:sampData useDef="1">
+    <dgm:dataModel>
+      <dgm:ptLst/>
+      <dgm:bg/>
+      <dgm:whole/>
+    </dgm:dataModel>
+  </dgm:sampData>
+  <dgm:styleData useDef="1">
+    <dgm:dataModel>
+      <dgm:ptLst/>
+      <dgm:bg/>
+      <dgm:whole/>
+    </dgm:dataModel>
+  </dgm:styleData>
+  <dgm:clrData>
+    <dgm:dataModel>
+      <dgm:ptLst>
+        <dgm:pt modelId="0" type="doc"/>
+        <dgm:pt modelId="1"/>
+        <dgm:pt modelId="2"/>
+        <dgm:pt modelId="3"/>
+        <dgm:pt modelId="4"/>
+      </dgm:ptLst>
+      <dgm:cxnLst>
+        <dgm:cxn modelId="7" srcId="0" destId="1" srcOrd="0" destOrd="0"/>
+        <dgm:cxn modelId="8" srcId="0" destId="2" srcOrd="1" destOrd="0"/>
+        <dgm:cxn modelId="9" srcId="0" destId="3" srcOrd="2" destOrd="0"/>
+        <dgm:cxn modelId="10" srcId="0" destId="4" srcOrd="3" destOrd="0"/>
+      </dgm:cxnLst>
+      <dgm:bg/>
+      <dgm:whole/>
+    </dgm:dataModel>
+  </dgm:clrData>
+  <dgm:layoutNode name="compositeShape">
+    <dgm:varLst>
+      <dgm:chMax val="7"/>
+      <dgm:dir/>
+      <dgm:resizeHandles val="exact"/>
+    </dgm:varLst>
+    <dgm:choose name="Name0">
+      <dgm:if name="Name1" axis="ch" ptType="node" func="cnt" op="equ" val="1">
+        <dgm:alg type="composite">
+          <dgm:param type="ar" val="1"/>
+        </dgm:alg>
+      </dgm:if>
+      <dgm:if name="Name2" axis="ch" ptType="node" func="cnt" op="equ" val="2">
+        <dgm:alg type="composite">
+          <dgm:param type="ar" val="1.792"/>
+        </dgm:alg>
+      </dgm:if>
+      <dgm:if name="Name3" axis="ch" ptType="node" func="cnt" op="equ" val="3">
+        <dgm:alg type="composite">
+          <dgm:param type="ar" val="1"/>
+        </dgm:alg>
+      </dgm:if>
+      <dgm:if name="Name4" axis="ch" ptType="node" func="cnt" op="equ" val="4">
+        <dgm:alg type="composite">
+          <dgm:param type="ar" val="1"/>
+        </dgm:alg>
+      </dgm:if>
+      <dgm:if name="Name5" axis="ch" ptType="node" func="cnt" op="equ" val="5">
+        <dgm:alg type="composite">
+          <dgm:param type="ar" val="1.4"/>
+        </dgm:alg>
+      </dgm:if>
+      <dgm:if name="Name6" axis="ch" ptType="node" func="cnt" op="equ" val="6">
+        <dgm:alg type="composite">
+          <dgm:param type="ar" val="1.285"/>
+        </dgm:alg>
+      </dgm:if>
+      <dgm:if name="Name7" axis="ch" ptType="node" func="cnt" op="equ" val="7">
+        <dgm:alg type="composite">
+          <dgm:param type="ar" val="1.359"/>
+        </dgm:alg>
+      </dgm:if>
+      <dgm:else name="Name8">
+        <dgm:alg type="composite">
+          <dgm:param type="ar" val="1.359"/>
+        </dgm:alg>
+      </dgm:else>
+    </dgm:choose>
+    <dgm:shape xmlns:r="http://schemas.openxmlformats.org/officeDocument/2006/relationships" r:blip="">
+      <dgm:adjLst/>
+    </dgm:shape>
+    <dgm:presOf/>
+    <dgm:choose name="Name9">
+      <dgm:if name="Name10" axis="ch" ptType="node" func="cnt" op="equ" val="1">
+        <dgm:constrLst>
+          <dgm:constr type="ctrX" for="ch" forName="circ1TxSh" refType="w" fact="0.5"/>
+          <dgm:constr type="ctrY" for="ch" forName="circ1TxSh" refType="h" fact="0.5"/>
+          <dgm:constr type="w" for="ch" forName="circ1TxSh" refType="w"/>
+          <dgm:constr type="h" for="ch" forName="circ1TxSh" refType="h"/>
+          <dgm:constr type="primFontSz" for="ch" ptType="node" op="equ"/>
+        </dgm:constrLst>
+      </dgm:if>
+      <dgm:if name="Name11" axis="ch" ptType="node" func="cnt" op="equ" val="2">
+        <dgm:constrLst>
+          <dgm:constr type="ctrX" for="ch" forName="circ1" refType="w" fact="0.3"/>
+          <dgm:constr type="ctrY" for="ch" forName="circ1" refType="h" fact="0.5"/>
+          <dgm:constr type="w" for="ch" forName="circ1" refType="w" fact="0.555"/>
+          <dgm:constr type="h" for="ch" forName="circ1" refType="h" fact="0.99456"/>
+          <dgm:constr type="l" for="ch" forName="circ1Tx" refType="w" fact="0.1"/>
+          <dgm:constr type="t" for="ch" forName="circ1Tx" refType="h" fact="0.12"/>
+          <dgm:constr type="w" for="ch" forName="circ1Tx" refType="w" fact="0.32"/>
+          <dgm:constr type="h" for="ch" forName="circ1Tx" refType="h" fact="0.76"/>
+          <dgm:constr type="ctrX" for="ch" forName="circ2" refType="w" fact="0.7"/>
+          <dgm:constr type="ctrY" for="ch" forName="circ2" refType="h" fact="0.5"/>
+          <dgm:constr type="w" for="ch" forName="circ2" refType="w" fact="0.555"/>
+          <dgm:constr type="h" for="ch" forName="circ2" refType="h" fact="0.99456"/>
+          <dgm:constr type="l" for="ch" forName="circ2Tx" refType="w" fact="0.58"/>
+          <dgm:constr type="t" for="ch" forName="circ2Tx" refType="h" fact="0.12"/>
+          <dgm:constr type="w" for="ch" forName="circ2Tx" refType="w" fact="0.32"/>
+          <dgm:constr type="h" for="ch" forName="circ2Tx" refType="h" fact="0.76"/>
+          <dgm:constr type="primFontSz" for="ch" ptType="node" op="equ"/>
+        </dgm:constrLst>
+      </dgm:if>
+      <dgm:if name="Name12" axis="ch" ptType="node" func="cnt" op="equ" val="3">
+        <dgm:constrLst>
+          <dgm:constr type="ctrX" for="ch" forName="circ1" refType="w" fact="0.5"/>
+          <dgm:constr type="ctrY" for="ch" forName="circ1" refType="w" fact="0.25"/>
+          <dgm:constr type="w" for="ch" forName="circ1" refType="w" fact="0.6"/>
+          <dgm:constr type="h" for="ch" forName="circ1" refType="h" fact="0.6"/>
+          <dgm:constr type="l" for="ch" forName="circ1Tx" refType="w" fact="0.28"/>
+          <dgm:constr type="t" for="ch" forName="circ1Tx" refType="h" fact="0.055"/>
+          <dgm:constr type="w" for="ch" forName="circ1Tx" refType="w" fact="0.44"/>
+          <dgm:constr type="h" for="ch" forName="circ1Tx" refType="h" fact="0.27"/>
+          <dgm:constr type="ctrX" for="ch" forName="circ2" refType="w" fact="0.7165"/>
+          <dgm:constr type="ctrY" for="ch" forName="circ2" refType="w" fact="0.625"/>
+          <dgm:constr type="w" for="ch" forName="circ2" refType="w" fact="0.6"/>
+          <dgm:constr type="h" for="ch" forName="circ2" refType="h" fact="0.6"/>
+          <dgm:constr type="l" for="ch" forName="circ2Tx" refType="w" fact="0.6"/>
+          <dgm:constr type="t" for="ch" forName="circ2Tx" refType="h" fact="0.48"/>
+          <dgm:constr type="w" for="ch" forName="circ2Tx" refType="w" fact="0.36"/>
+          <dgm:constr type="h" for="ch" forName="circ2Tx" refType="h" fact="0.33"/>
+          <dgm:constr type="ctrX" for="ch" forName="circ3" refType="w" fact="0.2835"/>
+          <dgm:constr type="ctrY" for="ch" forName="circ3" refType="w" fact="0.625"/>
+          <dgm:constr type="w" for="ch" forName="circ3" refType="w" fact="0.6"/>
+          <dgm:constr type="h" for="ch" forName="circ3" refType="h" fact="0.6"/>
+          <dgm:constr type="l" for="ch" forName="circ3Tx" refType="w" fact="0.04"/>
+          <dgm:constr type="t" for="ch" forName="circ3Tx" refType="h" fact="0.48"/>
+          <dgm:constr type="w" for="ch" forName="circ3Tx" refType="w" fact="0.36"/>
+          <dgm:constr type="h" for="ch" forName="circ3Tx" refType="h" fact="0.33"/>
+          <dgm:constr type="primFontSz" for="ch" ptType="node" op="equ"/>
+        </dgm:constrLst>
+      </dgm:if>
+      <dgm:if name="Name13" axis="ch" ptType="node" func="cnt" op="equ" val="4">
+        <dgm:constrLst>
+          <dgm:constr type="ctrX" for="ch" forName="circ1" refType="w" fact="0.5"/>
+          <dgm:constr type="ctrY" for="ch" forName="circ1" refType="w" fact="0.27"/>
+          <dgm:constr type="w" for="ch" forName="circ1" refType="w" fact="0.52"/>
+          <dgm:constr type="h" for="ch" forName="circ1" refType="h" fact="0.52"/>
+          <dgm:constr type="l" for="ch" forName="circ1Tx" refType="w" fact="0.3"/>
+          <dgm:constr type="t" for="ch" forName="circ1Tx" refType="h" fact="0.08"/>
+          <dgm:constr type="w" for="ch" forName="circ1Tx" refType="w" fact="0.4"/>
+          <dgm:constr type="h" for="ch" forName="circ1Tx" refType="h" fact="0.165"/>
+          <dgm:constr type="ctrX" for="ch" forName="circ2" refType="w" fact="0.73"/>
+          <dgm:constr type="ctrY" for="ch" forName="circ2" refType="w" fact="0.5"/>
+          <dgm:constr type="w" for="ch" forName="circ2" refType="w" fact="0.52"/>
+          <dgm:constr type="h" for="ch" forName="circ2" refType="h" fact="0.52"/>
+          <dgm:constr type="r" for="ch" forName="circ2Tx" refType="w" fact="0.95"/>
+          <dgm:constr type="t" for="ch" forName="circ2Tx" refType="h" fact="0.3"/>
+          <dgm:constr type="w" for="ch" forName="circ2Tx" refType="w" fact="0.2"/>
+          <dgm:constr type="h" for="ch" forName="circ2Tx" refType="h" fact="0.4"/>
+          <dgm:constr type="ctrX" for="ch" forName="circ3" refType="w" fact="0.5"/>
+          <dgm:constr type="ctrY" for="ch" forName="circ3" refType="w" fact="0.73"/>
+          <dgm:constr type="w" for="ch" forName="circ3" refType="w" fact="0.52"/>
+          <dgm:constr type="h" for="ch" forName="circ3" refType="h" fact="0.52"/>
+          <dgm:constr type="l" for="ch" forName="circ3Tx" refType="w" fact="0.3"/>
+          <dgm:constr type="b" for="ch" forName="circ3Tx" refType="h" fact="0.92"/>
+          <dgm:constr type="w" for="ch" forName="circ3Tx" refType="w" fact="0.4"/>
+          <dgm:constr type="h" for="ch" forName="circ3Tx" refType="h" fact="0.165"/>
+          <dgm:constr type="ctrX" for="ch" forName="circ4" refType="w" fact="0.27"/>
+          <dgm:constr type="ctrY" for="ch" forName="circ4" refType="h" fact="0.5"/>
+          <dgm:constr type="w" for="ch" forName="circ4" refType="w" fact="0.52"/>
+          <dgm:constr type="h" for="ch" forName="circ4" refType="h" fact="0.52"/>
+          <dgm:constr type="l" for="ch" forName="circ4Tx" refType="w" fact="0.05"/>
+          <dgm:constr type="t" for="ch" forName="circ4Tx" refType="h" fact="0.3"/>
+          <dgm:constr type="w" for="ch" forName="circ4Tx" refType="w" fact="0.2"/>
+          <dgm:constr type="h" for="ch" forName="circ4Tx" refType="h" fact="0.4"/>
+          <dgm:constr type="primFontSz" for="ch" ptType="node" op="equ"/>
+        </dgm:constrLst>
+      </dgm:if>
+      <dgm:if name="Name14" axis="ch" ptType="node" func="cnt" op="equ" val="5">
+        <dgm:constrLst>
+          <dgm:constr type="ctrX" for="ch" forName="circ1" refType="w" fact="0.5"/>
+          <dgm:constr type="ctrY" for="ch" forName="circ1" refType="h" fact="0.46"/>
+          <dgm:constr type="w" for="ch" forName="circ1" refType="w" fact="0.25"/>
+          <dgm:constr type="h" for="ch" forName="circ1" refType="h" fact="0.35"/>
+          <dgm:constr type="l" for="ch" forName="circ1Tx" refType="w" fact="0.355"/>
+          <dgm:constr type="t" for="ch" forName="circ1Tx"/>
+          <dgm:constr type="w" for="ch" forName="circ1Tx" refType="w" fact="0.29"/>
+          <dgm:constr type="h" for="ch" forName="circ1Tx" refType="h" fact="0.235"/>
+          <dgm:constr type="ctrX" for="ch" forName="circ2" refType="w" fact="0.5951"/>
+          <dgm:constr type="ctrY" for="ch" forName="circ2" refType="h" fact="0.5567"/>
+          <dgm:constr type="w" for="ch" forName="circ2" refType="w" fact="0.25"/>
+          <dgm:constr type="h" for="ch" forName="circ2" refType="h" fact="0.35"/>
+          <dgm:constr type="l" for="ch" forName="circ2Tx" refType="w" fact="0.74"/>
+          <dgm:constr type="t" for="ch" forName="circ2Tx" refType="h" fact="0.31"/>
+          <dgm:constr type="w" for="ch" forName="circ2Tx" refType="w" fact="0.26"/>
+          <dgm:constr type="h" for="ch" forName="circ2Tx" refType="h" fact="0.255"/>
+          <dgm:constr type="ctrX" for="ch" forName="circ3" refType="w" fact="0.5588"/>
+          <dgm:constr type="ctrY" for="ch" forName="circ3" refType="h" fact="0.7133"/>
+          <dgm:constr type="w" for="ch" forName="circ3" refType="w" fact="0.25"/>
+          <dgm:constr type="h" for="ch" forName="circ3" refType="h" fact="0.35"/>
+          <dgm:constr type="l" for="ch" forName="circ3Tx" refType="w" fact="0.7"/>
+          <dgm:constr type="t" for="ch" forName="circ3Tx" refType="h" fact="0.745"/>
+          <dgm:constr type="w" for="ch" forName="circ3Tx" refType="w" fact="0.26"/>
+          <dgm:constr type="h" for="ch" forName="circ3Tx" refType="h" fact="0.255"/>
+          <dgm:constr type="ctrX" for="ch" forName="circ4" refType="w" fact="0.4412"/>
+          <dgm:constr type="ctrY" for="ch" forName="circ4" refType="h" fact="0.7133"/>
+          <dgm:constr type="w" for="ch" forName="circ4" refType="w" fact="0.25"/>
+          <dgm:constr type="h" for="ch" forName="circ4" refType="h" fact="0.35"/>
+          <dgm:constr type="l" for="ch" forName="circ4Tx" refType="w" fact="0.04"/>
+          <dgm:constr type="t" for="ch" forName="circ4Tx" refType="h" fact="0.745"/>
+          <dgm:constr type="w" for="ch" forName="circ4Tx" refType="w" fact="0.26"/>
+          <dgm:constr type="h" for="ch" forName="circ4Tx" refType="h" fact="0.255"/>
+          <dgm:constr type="ctrX" for="ch" forName="circ5" refType="w" fact="0.4049"/>
+          <dgm:constr type="ctrY" for="ch" forName="circ5" refType="h" fact="0.5567"/>
+          <dgm:constr type="w" for="ch" forName="circ5" refType="w" fact="0.25"/>
+          <dgm:constr type="h" for="ch" forName="circ5" refType="h" fact="0.35"/>
+          <dgm:constr type="l" for="ch" forName="circ5Tx"/>
+          <dgm:constr type="t" for="ch" forName="circ5Tx" refType="h" fact="0.31"/>
+          <dgm:constr type="w" for="ch" forName="circ5Tx" refType="w" fact="0.26"/>
+          <dgm:constr type="h" for="ch" forName="circ5Tx" refType="h" fact="0.255"/>
+          <dgm:constr type="primFontSz" for="ch" ptType="node" op="equ"/>
+        </dgm:constrLst>
+      </dgm:if>
+      <dgm:if name="Name15" axis="ch" ptType="node" func="cnt" op="equ" val="6">
+        <dgm:constrLst>
+          <dgm:constr type="ctrX" for="ch" forName="circ1" refType="w" fact="0.5"/>
+          <dgm:constr type="ctrY" for="ch" forName="circ1" refType="h" fact="0.3844"/>
+          <dgm:constr type="w" for="ch" forName="circ1" refType="w" fact="0.24"/>
+          <dgm:constr type="h" for="ch" forName="circ1" refType="h" fact="0.3084"/>
+          <dgm:constr type="l" for="ch" forName="circ1Tx" refType="w" fact="0.35"/>
+          <dgm:constr type="t" for="ch" forName="circ1Tx"/>
+          <dgm:constr type="w" for="ch" forName="circ1Tx" refType="w" fact="0.3"/>
+          <dgm:constr type="h" for="ch" forName="circ1Tx" refType="h" fact="0.21"/>
+          <dgm:constr type="ctrX" for="ch" forName="circ2" refType="w" fact="0.5779"/>
+          <dgm:constr type="ctrY" for="ch" forName="circ2" refType="h" fact="0.4422"/>
+          <dgm:constr type="w" for="ch" forName="circ2" refType="w" fact="0.24"/>
+          <dgm:constr type="h" for="ch" forName="circ2" refType="h" fact="0.3084"/>
+          <dgm:constr type="l" for="ch" forName="circ2Tx" refType="w" fact="0.7157"/>
+          <dgm:constr type="t" for="ch" forName="circ2Tx" refType="h" fact="0.2"/>
+          <dgm:constr type="w" for="ch" forName="circ2Tx" refType="w" fact="0.2843"/>
+          <dgm:constr type="h" for="ch" forName="circ2Tx" refType="h" fact="0.23"/>
+          <dgm:constr type="ctrX" for="ch" forName="circ3" refType="w" fact="0.5779"/>
+          <dgm:constr type="ctrY" for="ch" forName="circ3" refType="h" fact="0.5578"/>
+          <dgm:constr type="w" for="ch" forName="circ3" refType="w" fact="0.24"/>
+          <dgm:constr type="h" for="ch" forName="circ3" refType="h" fact="0.3084"/>
+          <dgm:constr type="l" for="ch" forName="circ3Tx" refType="w" fact="0.7157"/>
+          <dgm:constr type="t" for="ch" forName="circ3Tx" refType="h" fact="0.543"/>
+          <dgm:constr type="w" for="ch" forName="circ3Tx" refType="w" fact="0.2843"/>
+          <dgm:constr type="h" for="ch" forName="circ3Tx" refType="h" fact="0.257"/>
+          <dgm:constr type="ctrX" for="ch" forName="circ4" refType="w" fact="0.5"/>
+          <dgm:constr type="ctrY" for="ch" forName="circ4" refType="h" fact="0.6157"/>
+          <dgm:constr type="w" for="ch" forName="circ4" refType="w" fact="0.24"/>
+          <dgm:constr type="h" for="ch" forName="circ4" refType="h" fact="0.3084"/>
+          <dgm:constr type="l" for="ch" forName="circ4Tx" refType="w" fact="0.35"/>
+          <dgm:constr type="t" for="ch" forName="circ4Tx" refType="h" fact="0.79"/>
+          <dgm:constr type="w" for="ch" forName="circ4Tx" refType="w" fact="0.3"/>
+          <dgm:constr type="h" for="ch" forName="circ4Tx" refType="h" fact="0.21"/>
+          <dgm:constr type="ctrX" for="ch" forName="circ5" refType="w" fact="0.4221"/>
+          <dgm:constr type="ctrY" for="ch" forName="circ5" refType="h" fact="0.5578"/>
+          <dgm:constr type="w" for="ch" forName="circ5" refType="w" fact="0.24"/>
+          <dgm:constr type="h" for="ch" forName="circ5" refType="h" fact="0.3084"/>
+          <dgm:constr type="l" for="ch" forName="circ5Tx" refType="w" fact="0"/>
+          <dgm:constr type="t" for="ch" forName="circ5Tx" refType="h" fact="0.543"/>
+          <dgm:constr type="w" for="ch" forName="circ5Tx" refType="w" fact="0.2843"/>
+          <dgm:constr type="h" for="ch" forName="circ5Tx" refType="h" fact="0.257"/>
+          <dgm:constr type="ctrX" for="ch" forName="circ6" refType="w" fact="0.4221"/>
+          <dgm:constr type="ctrY" for="ch" forName="circ6" refType="h" fact="0.4422"/>
+          <dgm:constr type="w" for="ch" forName="circ6" refType="w" fact="0.24"/>
+          <dgm:constr type="h" for="ch" forName="circ6" refType="h" fact="0.3084"/>
+          <dgm:constr type="l" for="ch" forName="circ6Tx" refType="w" fact="0"/>
+          <dgm:constr type="t" for="ch" forName="circ6Tx" refType="h" fact="0.2"/>
+          <dgm:constr type="w" for="ch" forName="circ6Tx" refType="w" fact="0.2843"/>
+          <dgm:constr type="h" for="ch" forName="circ6Tx" refType="h" fact="0.257"/>
+          <dgm:constr type="primFontSz" for="ch" ptType="node" op="equ"/>
+        </dgm:constrLst>
+      </dgm:if>
+      <dgm:else name="Name16">
+        <dgm:constrLst>
+          <dgm:constr type="ctrX" for="ch" forName="circ1" refType="w" fact="0.5"/>
+          <dgm:constr type="ctrY" for="ch" forName="circ1" refType="h" fact="0.4177"/>
+          <dgm:constr type="w" for="ch" forName="circ1" refType="w" fact="0.24"/>
+          <dgm:constr type="h" for="ch" forName="circ1" refType="h" fact="0.3262"/>
+          <dgm:constr type="l" for="ch" forName="circ1Tx" refType="w" fact="0.3625"/>
+          <dgm:constr type="t" for="ch" forName="circ1Tx"/>
+          <dgm:constr type="w" for="ch" forName="circ1Tx" refType="w" fact="0.275"/>
+          <dgm:constr type="h" for="ch" forName="circ1Tx" refType="h" fact="0.2"/>
+          <dgm:constr type="ctrX" for="ch" forName="circ2" refType="w" fact="0.5704"/>
+          <dgm:constr type="ctrY" for="ch" forName="circ2" refType="h" fact="0.4637"/>
+          <dgm:constr type="w" for="ch" forName="circ2" refType="w" fact="0.24"/>
+          <dgm:constr type="h" for="ch" forName="circ2" refType="h" fact="0.3262"/>
+          <dgm:constr type="l" for="ch" forName="circ2Tx" refType="w" fact="0.72"/>
+          <dgm:constr type="t" for="ch" forName="circ2Tx" refType="h" fact="0.19"/>
+          <dgm:constr type="w" for="ch" forName="circ2Tx" refType="w" fact="0.26"/>
+          <dgm:constr type="h" for="ch" forName="circ2Tx" refType="h" fact="0.22"/>
+          <dgm:constr type="ctrX" for="ch" forName="circ3" refType="w" fact="0.5877"/>
+          <dgm:constr type="ctrY" for="ch" forName="circ3" refType="h" fact="0.5672"/>
+          <dgm:constr type="w" for="ch" forName="circ3" refType="w" fact="0.24"/>
+          <dgm:constr type="h" for="ch" forName="circ3" refType="h" fact="0.3262"/>
+          <dgm:constr type="l" for="ch" forName="circ3Tx" refType="w" fact="0.745"/>
+          <dgm:constr type="t" for="ch" forName="circ3Tx" refType="h" fact="0.47"/>
+          <dgm:constr type="w" for="ch" forName="circ3Tx" refType="w" fact="0.255"/>
+          <dgm:constr type="h" for="ch" forName="circ3Tx" refType="h" fact="0.235"/>
+          <dgm:constr type="ctrX" for="ch" forName="circ4" refType="w" fact="0.539"/>
+          <dgm:constr type="ctrY" for="ch" forName="circ4" refType="h" fact="0.6502"/>
+          <dgm:constr type="w" for="ch" forName="circ4" refType="w" fact="0.24"/>
+          <dgm:constr type="h" for="ch" forName="circ4" refType="h" fact="0.3262"/>
+          <dgm:constr type="l" for="ch" forName="circ4Tx" refType="w" fact="0.635"/>
+          <dgm:constr type="t" for="ch" forName="circ4Tx" refType="h" fact="0.785"/>
+          <dgm:constr type="w" for="ch" forName="circ4Tx" refType="w" fact="0.275"/>
+          <dgm:constr type="h" for="ch" forName="circ4Tx" refType="h" fact="0.215"/>
+          <dgm:constr type="ctrX" for="ch" forName="circ5" refType="w" fact="0.461"/>
+          <dgm:constr type="ctrY" for="ch" forName="circ5" refType="h" fact="0.6502"/>
+          <dgm:constr type="w" for="ch" forName="circ5" refType="w" fact="0.24"/>
+          <dgm:constr type="h" for="ch" forName="circ5" refType="h" fact="0.3262"/>
+          <dgm:constr type="l" for="ch" forName="circ5Tx" refType="w" fact="0.09"/>
+          <dgm:constr type="t" for="ch" forName="circ5Tx" refType="h" fact="0.785"/>
+          <dgm:constr type="w" for="ch" forName="circ5Tx" refType="w" fact="0.275"/>
+          <dgm:constr type="h" for="ch" forName="circ5Tx" refType="h" fact="0.215"/>
+          <dgm:constr type="ctrX" for="ch" forName="circ6" refType="w" fact="0.4123"/>
+          <dgm:constr type="ctrY" for="ch" forName="circ6" refType="h" fact="0.5672"/>
+          <dgm:constr type="w" for="ch" forName="circ6" refType="w" fact="0.24"/>
+          <dgm:constr type="h" for="ch" forName="circ6" refType="h" fact="0.3262"/>
+          <dgm:constr type="l" for="ch" forName="circ6Tx"/>
+          <dgm:constr type="t" for="ch" forName="circ6Tx" refType="h" fact="0.47"/>
+          <dgm:constr type="w" for="ch" forName="circ6Tx" refType="w" fact="0.255"/>
+          <dgm:constr type="h" for="ch" forName="circ6Tx" refType="h" fact="0.235"/>
+          <dgm:constr type="ctrX" for="ch" forName="circ7" refType="w" fact="0.4296"/>
+          <dgm:constr type="ctrY" for="ch" forName="circ7" refType="h" fact="0.4637"/>
+          <dgm:constr type="w" for="ch" forName="circ7" refType="w" fact="0.24"/>
+          <dgm:constr type="h" for="ch" forName="circ7" refType="h" fact="0.3262"/>
+          <dgm:constr type="l" for="ch" forName="circ7Tx" refType="w" fact="0.02"/>
+          <dgm:constr type="t" for="ch" forName="circ7Tx" refType="h" fact="0.19"/>
+          <dgm:constr type="w" for="ch" forName="circ7Tx" refType="w" fact="0.26"/>
+          <dgm:constr type="h" for="ch" forName="circ7Tx" refType="h" fact="0.22"/>
+          <dgm:constr type="primFontSz" for="ch" ptType="node" op="equ"/>
+        </dgm:constrLst>
+      </dgm:else>
+    </dgm:choose>
+    <dgm:ruleLst/>
+    <dgm:forEach name="Name17" axis="ch" ptType="node" cnt="1">
+      <dgm:choose name="Name18">
+        <dgm:if name="Name19" axis="root ch" ptType="all node" func="cnt" op="equ" val="1">
+          <dgm:layoutNode name="circ1TxSh" styleLbl="vennNode1">
+            <dgm:alg type="tx">
+              <dgm:param type="txAnchorHorzCh" val="ctr"/>
+              <dgm:param type="txAnchorVertCh" val="mid"/>
+            </dgm:alg>
+            <dgm:shape xmlns:r="http://schemas.openxmlformats.org/officeDocument/2006/relationships" type="ellipse" r:blip="">
+              <dgm:adjLst/>
+            </dgm:shape>
+            <dgm:choose name="Name20">
+              <dgm:if name="Name21" func="var" arg="dir" op="equ" val="norm">
+                <dgm:choose name="Name22">
+                  <dgm:if name="Name23" axis="root ch" ptType="all node" func="cnt" op="lte" val="4">
+                    <dgm:presOf axis="desOrSelf" ptType="node"/>
+                  </dgm:if>
+                  <dgm:else name="Name24">
+                    <dgm:presOf/>
+                  </dgm:else>
+                </dgm:choose>
+              </dgm:if>
+              <dgm:else name="Name25">
+                <dgm:choose name="Name26">
+                  <dgm:if name="Name27" axis="root ch" ptType="all node" func="cnt" op="equ" val="2">
+                    <dgm:presOf axis="root ch desOrSelf" ptType="all node node" st="1 2 1" cnt="1 1 0"/>
+                  </dgm:if>
+                  <dgm:else name="Name28">
+                    <dgm:presOf axis="desOrSelf" ptType="node"/>
+                  </dgm:else>
+                </dgm:choose>
+              </dgm:else>
+            </dgm:choose>
+            <dgm:constrLst>
+              <dgm:constr type="tMarg"/>
+              <dgm:constr type="bMarg"/>
+              <dgm:constr type="lMarg"/>
+              <dgm:constr type="rMarg"/>
+              <dgm:constr type="primFontSz" val="65"/>
+            </dgm:constrLst>
+            <dgm:ruleLst>
+              <dgm:rule type="primFontSz" val="5" fact="NaN" max="NaN"/>
+            </dgm:ruleLst>
+          </dgm:layoutNode>
+        </dgm:if>
+        <dgm:else name="Name29">
+          <dgm:layoutNode name="circ1" styleLbl="vennNode1">
+            <dgm:alg type="sp"/>
+            <dgm:shape xmlns:r="http://schemas.openxmlformats.org/officeDocument/2006/relationships" type="ellipse" r:blip="">
+              <dgm:adjLst/>
+            </dgm:shape>
+            <dgm:choose name="Name30">
+              <dgm:if name="Name31" func="var" arg="dir" op="equ" val="norm">
+                <dgm:choose name="Name32">
+                  <dgm:if name="Name33" axis="root ch" ptType="all node" func="cnt" op="lte" val="4">
+                    <dgm:presOf axis="desOrSelf" ptType="node"/>
+                  </dgm:if>
+                  <dgm:else name="Name34">
+                    <dgm:presOf/>
+                  </dgm:else>
+                </dgm:choose>
+              </dgm:if>
+              <dgm:else name="Name35">
+                <dgm:choose name="Name36">
+                  <dgm:if name="Name37" axis="root ch" ptType="all node" func="cnt" op="equ" val="2">
+                    <dgm:presOf axis="root ch desOrSelf" ptType="all node node" st="1 2 1" cnt="1 1 0"/>
+                  </dgm:if>
+                  <dgm:else name="Name38">
+                    <dgm:choose name="Name39">
+                      <dgm:if name="Name40" axis="root ch" ptType="all node" func="cnt" op="lte" val="4">
+                        <dgm:presOf axis="desOrSelf" ptType="node"/>
+                      </dgm:if>
+                      <dgm:else name="Name41">
+                        <dgm:presOf/>
+                      </dgm:else>
+                    </dgm:choose>
+                  </dgm:else>
+                </dgm:choose>
+              </dgm:else>
+            </dgm:choose>
+            <dgm:constrLst/>
+            <dgm:ruleLst/>
+          </dgm:layoutNode>
+          <dgm:layoutNode name="circ1Tx" styleLbl="revTx">
+            <dgm:varLst>
+              <dgm:chMax val="0"/>
+              <dgm:chPref val="0"/>
+              <dgm:bulletEnabled val="1"/>
+            </dgm:varLst>
+            <dgm:alg type="tx">
+              <dgm:param type="txAnchorHorzCh" val="ctr"/>
+              <dgm:param type="txAnchorVertCh" val="mid"/>
+            </dgm:alg>
+            <dgm:shape xmlns:r="http://schemas.openxmlformats.org/officeDocument/2006/relationships" type="rect" r:blip="" hideGeom="1">
+              <dgm:adjLst/>
+            </dgm:shape>
+            <dgm:choose name="Name42">
+              <dgm:if name="Name43" func="var" arg="dir" op="equ" val="norm">
+                <dgm:presOf axis="desOrSelf" ptType="node"/>
+              </dgm:if>
+              <dgm:else name="Name44">
+                <dgm:choose name="Name45">
+                  <dgm:if name="Name46" axis="root ch" ptType="all node" func="cnt" op="equ" val="2">
+                    <dgm:presOf axis="root ch desOrSelf" ptType="all node node" st="1 2 1" cnt="1 1 0"/>
+                  </dgm:if>
+                  <dgm:else name="Name47">
+                    <dgm:presOf axis="desOrSelf" ptType="node"/>
+                  </dgm:else>
+                </dgm:choose>
+              </dgm:else>
+            </dgm:choose>
+            <dgm:constrLst>
+              <dgm:constr type="tMarg"/>
+              <dgm:constr type="bMarg"/>
+              <dgm:constr type="lMarg"/>
+              <dgm:constr type="rMarg"/>
+              <dgm:constr type="primFontSz" val="65"/>
+            </dgm:constrLst>
+            <dgm:ruleLst>
+              <dgm:rule type="primFontSz" val="5" fact="NaN" max="NaN"/>
+            </dgm:ruleLst>
+          </dgm:layoutNode>
+        </dgm:else>
+      </dgm:choose>
+    </dgm:forEach>
+    <dgm:forEach name="Name48" axis="ch" ptType="node" st="2" cnt="1">
+      <dgm:layoutNode name="circ2" styleLbl="vennNode1">
+        <dgm:alg type="sp"/>
+        <dgm:shape xmlns:r="http://schemas.openxmlformats.org/officeDocument/2006/relationships" type="ellipse" r:blip="">
+          <dgm:adjLst/>
+        </dgm:shape>
+        <dgm:choose name="Name49">
+          <dgm:if name="Name50" func="var" arg="dir" op="equ" val="norm">
+            <dgm:choose name="Name51">
+              <dgm:if name="Name52" axis="root ch" ptType="all node" func="cnt" op="lte" val="4">
+                <dgm:presOf axis="desOrSelf" ptType="node"/>
+              </dgm:if>
+              <dgm:else name="Name53">
+                <dgm:presOf/>
+              </dgm:else>
+            </dgm:choose>
+          </dgm:if>
+          <dgm:else name="Name54">
+            <dgm:choose name="Name55">
+              <dgm:if name="Name56" axis="root ch" ptType="all node" func="cnt" op="equ" val="2">
+                <dgm:presOf axis="root ch desOrSelf" ptType="all node node" st="1 1 1" cnt="1 1 0"/>
+              </dgm:if>
+              <dgm:if name="Name57" axis="root ch" ptType="all node" func="cnt" op="equ" val="3">
+                <dgm:presOf axis="root ch desOrSelf" ptType="all node node" st="1 3 1" cnt="1 1 0"/>
+              </dgm:if>
+              <dgm:if name="Name58" axis="root ch" ptType="all node" func="cnt" op="equ" val="4">
+                <dgm:presOf axis="root ch desOrSelf" ptType="all node node" st="1 4 1" cnt="1 1 0"/>
+              </dgm:if>
+              <dgm:else name="Name59">
+                <dgm:presOf/>
+              </dgm:else>
+            </dgm:choose>
+          </dgm:else>
+        </dgm:choose>
+        <dgm:constrLst/>
+        <dgm:ruleLst/>
+      </dgm:layoutNode>
+      <dgm:layoutNode name="circ2Tx" styleLbl="revTx">
+        <dgm:varLst>
+          <dgm:chMax val="0"/>
+          <dgm:chPref val="0"/>
+          <dgm:bulletEnabled val="1"/>
+        </dgm:varLst>
+        <dgm:alg type="tx">
+          <dgm:param type="txAnchorHorzCh" val="ctr"/>
+          <dgm:param type="txAnchorVertCh" val="mid"/>
+        </dgm:alg>
+        <dgm:shape xmlns:r="http://schemas.openxmlformats.org/officeDocument/2006/relationships" type="rect" r:blip="" hideGeom="1">
+          <dgm:adjLst/>
+        </dgm:shape>
+        <dgm:choose name="Name60">
+          <dgm:if name="Name61" func="var" arg="dir" op="equ" val="norm">
+            <dgm:presOf axis="desOrSelf" ptType="node"/>
+          </dgm:if>
+          <dgm:else name="Name62">
+            <dgm:choose name="Name63">
+              <dgm:if name="Name64" axis="root ch" ptType="all node" func="cnt" op="equ" val="2">
+                <dgm:presOf axis="root ch desOrSelf" ptType="all node node" st="1 1 1" cnt="1 1 0"/>
+              </dgm:if>
+              <dgm:if name="Name65" axis="root ch" ptType="all node" func="cnt" op="equ" val="3">
+                <dgm:presOf axis="root ch desOrSelf" ptType="all node node" st="1 3 1" cnt="1 1 0"/>
+              </dgm:if>
+              <dgm:if name="Name66" axis="root ch" ptType="all node" func="cnt" op="equ" val="4">
+                <dgm:presOf axis="root ch desOrSelf" ptType="all node node" st="1 4 1" cnt="1 1 0"/>
+              </dgm:if>
+              <dgm:if name="Name67" axis="root ch" ptType="all node" func="cnt" op="equ" val="5">
+                <dgm:presOf axis="root ch desOrSelf" ptType="all node node" st="1 5 1" cnt="1 1 0"/>
+              </dgm:if>
+              <dgm:if name="Name68" axis="root ch" ptType="all node" func="cnt" op="equ" val="6">
+                <dgm:presOf axis="root ch desOrSelf" ptType="all node node" st="1 6 1" cnt="1 1 0"/>
+              </dgm:if>
+              <dgm:else name="Name69">
+                <dgm:presOf axis="root ch desOrSelf" ptType="all node node" st="1 7 1" cnt="1 1 0"/>
+              </dgm:else>
+            </dgm:choose>
+          </dgm:else>
+        </dgm:choose>
+        <dgm:constrLst>
+          <dgm:constr type="tMarg"/>
+          <dgm:constr type="bMarg"/>
+          <dgm:constr type="lMarg"/>
+          <dgm:constr type="rMarg"/>
+          <dgm:constr type="primFontSz" val="65"/>
+        </dgm:constrLst>
+        <dgm:ruleLst>
+          <dgm:rule type="primFontSz" val="5" fact="NaN" max="NaN"/>
+        </dgm:ruleLst>
+      </dgm:layoutNode>
+    </dgm:forEach>
+    <dgm:forEach name="Name70" axis="ch" ptType="node" st="3" cnt="1">
+      <dgm:layoutNode name="circ3" styleLbl="vennNode1">
+        <dgm:alg type="sp"/>
+        <dgm:shape xmlns:r="http://schemas.openxmlformats.org/officeDocument/2006/relationships" type="ellipse" r:blip="">
+          <dgm:adjLst/>
+        </dgm:shape>
+        <dgm:choose name="Name71">
+          <dgm:if name="Name72" func="var" arg="dir" op="equ" val="norm">
+            <dgm:choose name="Name73">
+              <dgm:if name="Name74" axis="root ch" ptType="all node" func="cnt" op="lte" val="4">
+                <dgm:presOf axis="desOrSelf" ptType="node"/>
+              </dgm:if>
+              <dgm:else name="Name75">
+                <dgm:presOf/>
+              </dgm:else>
+            </dgm:choose>
+          </dgm:if>
+          <dgm:else name="Name76">
+            <dgm:choose name="Name77">
+              <dgm:if name="Name78" axis="root ch" ptType="all node" func="cnt" op="equ" val="3">
+                <dgm:presOf axis="root ch desOrSelf" ptType="all node node" st="1 2 1" cnt="1 1 0"/>
+              </dgm:if>
+              <dgm:if name="Name79" axis="root ch" ptType="all node" func="cnt" op="equ" val="4">
+                <dgm:presOf axis="root ch desOrSelf" ptType="all node node" st="1 3 1" cnt="1 1 0"/>
+              </dgm:if>
+              <dgm:else name="Name80">
+                <dgm:presOf/>
+              </dgm:else>
+            </dgm:choose>
+          </dgm:else>
+        </dgm:choose>
+        <dgm:constrLst/>
+        <dgm:ruleLst/>
+      </dgm:layoutNode>
+      <dgm:layoutNode name="circ3Tx" styleLbl="revTx">
+        <dgm:varLst>
+          <dgm:chMax val="0"/>
+          <dgm:chPref val="0"/>
+          <dgm:bulletEnabled val="1"/>
+        </dgm:varLst>
+        <dgm:alg type="tx">
+          <dgm:param type="txAnchorHorzCh" val="ctr"/>
+          <dgm:param type="txAnchorVertCh" val="mid"/>
+        </dgm:alg>
+        <dgm:shape xmlns:r="http://schemas.openxmlformats.org/officeDocument/2006/relationships" type="rect" r:blip="" hideGeom="1">
+          <dgm:adjLst/>
+        </dgm:shape>
+        <dgm:choose name="Name81">
+          <dgm:if name="Name82" func="var" arg="dir" op="equ" val="norm">
+            <dgm:presOf axis="desOrSelf" ptType="node"/>
+          </dgm:if>
+          <dgm:else name="Name83">
+            <dgm:choose name="Name84">
+              <dgm:if name="Name85" axis="root ch" ptType="all node" func="cnt" op="equ" val="3">
+                <dgm:presOf axis="root ch desOrSelf" ptType="all node node" st="1 2 1" cnt="1 1 0"/>
+              </dgm:if>
+              <dgm:if name="Name86" axis="root ch" ptType="all node" func="cnt" op="equ" val="4">
+                <dgm:presOf axis="root ch desOrSelf" ptType="all node node" st="1 3 1" cnt="1 1 0"/>
+              </dgm:if>
+              <dgm:if name="Name87" axis="root ch" ptType="all node" func="cnt" op="equ" val="5">
+                <dgm:presOf axis="root ch desOrSelf" ptType="all node node" st="1 4 1" cnt="1 1 0"/>
+              </dgm:if>
+              <dgm:if name="Name88" axis="root ch" ptType="all node" func="cnt" op="equ" val="6">
+                <dgm:presOf axis="root ch desOrSelf" ptType="all node node" st="1 5 1" cnt="1 1 0"/>
+              </dgm:if>
+              <dgm:else name="Name89">
+                <dgm:presOf axis="root ch desOrSelf" ptType="all node node" st="1 6 1" cnt="1 1 0"/>
+              </dgm:else>
+            </dgm:choose>
+          </dgm:else>
+        </dgm:choose>
+        <dgm:constrLst>
+          <dgm:constr type="tMarg"/>
+          <dgm:constr type="bMarg"/>
+          <dgm:constr type="lMarg"/>
+          <dgm:constr type="rMarg"/>
+          <dgm:constr type="primFontSz" val="65"/>
+        </dgm:constrLst>
+        <dgm:ruleLst>
+          <dgm:rule type="primFontSz" val="5" fact="NaN" max="NaN"/>
+        </dgm:ruleLst>
+      </dgm:layoutNode>
+    </dgm:forEach>
+    <dgm:forEach name="Name90" axis="ch" ptType="node" st="4" cnt="1">
+      <dgm:layoutNode name="circ4" styleLbl="vennNode1">
+        <dgm:alg type="sp"/>
+        <dgm:shape xmlns:r="http://schemas.openxmlformats.org/officeDocument/2006/relationships" type="ellipse" r:blip="">
+          <dgm:adjLst/>
+        </dgm:shape>
+        <dgm:choose name="Name91">
+          <dgm:if name="Name92" func="var" arg="dir" op="equ" val="norm">
+            <dgm:choose name="Name93">
+              <dgm:if name="Name94" axis="root ch" ptType="all node" func="cnt" op="lte" val="4">
+                <dgm:presOf axis="desOrSelf" ptType="node"/>
+              </dgm:if>
+              <dgm:else name="Name95">
+                <dgm:presOf/>
+              </dgm:else>
+            </dgm:choose>
+          </dgm:if>
+          <dgm:else name="Name96">
+            <dgm:choose name="Name97">
+              <dgm:if name="Name98" axis="root ch" ptType="all node" func="cnt" op="equ" val="4">
+                <dgm:presOf axis="root ch desOrSelf" ptType="all node node" st="1 2 1" cnt="1 1 0"/>
+              </dgm:if>
+              <dgm:else name="Name99">
+                <dgm:presOf/>
+              </dgm:else>
+            </dgm:choose>
+          </dgm:else>
+        </dgm:choose>
+        <dgm:constrLst/>
+        <dgm:ruleLst/>
+      </dgm:layoutNode>
+      <dgm:layoutNode name="circ4Tx" styleLbl="revTx">
+        <dgm:varLst>
+          <dgm:chMax val="0"/>
+          <dgm:chPref val="0"/>
+          <dgm:bulletEnabled val="1"/>
+        </dgm:varLst>
+        <dgm:alg type="tx">
+          <dgm:param type="txAnchorHorzCh" val="ctr"/>
+          <dgm:param type="txAnchorVertCh" val="mid"/>
+        </dgm:alg>
+        <dgm:shape xmlns:r="http://schemas.openxmlformats.org/officeDocument/2006/relationships" type="rect" r:blip="" hideGeom="1">
+          <dgm:adjLst/>
+        </dgm:shape>
+        <dgm:choose name="Name100">
+          <dgm:if name="Name101" func="var" arg="dir" op="equ" val="norm">
+            <dgm:presOf axis="desOrSelf" ptType="node"/>
+          </dgm:if>
+          <dgm:else name="Name102">
+            <dgm:choose name="Name103">
+              <dgm:if name="Name104" axis="root ch" ptType="all node" func="cnt" op="equ" val="4">
+                <dgm:presOf axis="root ch desOrSelf" ptType="all node node" st="1 2 1" cnt="1 1 0"/>
+              </dgm:if>
+              <dgm:if name="Name105" axis="root ch" ptType="all node" func="cnt" op="equ" val="5">
+                <dgm:presOf axis="root ch desOrSelf" ptType="all node node" st="1 3 1" cnt="1 1 0"/>
+              </dgm:if>
+              <dgm:if name="Name106" axis="root ch" ptType="all node" func="cnt" op="equ" val="6">
+                <dgm:presOf axis="root ch desOrSelf" ptType="all node node" st="1 4 1" cnt="1 1 0"/>
+              </dgm:if>
+              <dgm:else name="Name107">
+                <dgm:presOf axis="root ch desOrSelf" ptType="all node node" st="1 5 1" cnt="1 1 0"/>
+              </dgm:else>
+            </dgm:choose>
+          </dgm:else>
+        </dgm:choose>
+        <dgm:constrLst>
+          <dgm:constr type="tMarg"/>
+          <dgm:constr type="bMarg"/>
+          <dgm:constr type="lMarg"/>
+          <dgm:constr type="rMarg"/>
+          <dgm:constr type="primFontSz" val="65"/>
+        </dgm:constrLst>
+        <dgm:ruleLst>
+          <dgm:rule type="primFontSz" val="5" fact="NaN" max="NaN"/>
+        </dgm:ruleLst>
+      </dgm:layoutNode>
+    </dgm:forEach>
+    <dgm:forEach name="Name108" axis="ch" ptType="node" st="5" cnt="1">
+      <dgm:layoutNode name="circ5" styleLbl="vennNode1">
+        <dgm:alg type="sp"/>
+        <dgm:shape xmlns:r="http://schemas.openxmlformats.org/officeDocument/2006/relationships" type="ellipse" r:blip="">
+          <dgm:adjLst/>
+        </dgm:shape>
+        <dgm:presOf/>
+        <dgm:constrLst/>
+        <dgm:ruleLst/>
+      </dgm:layoutNode>
+      <dgm:layoutNode name="circ5Tx" styleLbl="revTx">
+        <dgm:varLst>
+          <dgm:chMax val="0"/>
+          <dgm:chPref val="0"/>
+          <dgm:bulletEnabled val="1"/>
+        </dgm:varLst>
+        <dgm:alg type="tx">
+          <dgm:param type="txAnchorHorzCh" val="ctr"/>
+          <dgm:param type="txAnchorVertCh" val="mid"/>
+        </dgm:alg>
+        <dgm:shape xmlns:r="http://schemas.openxmlformats.org/officeDocument/2006/relationships" type="rect" r:blip="" hideGeom="1">
+          <dgm:adjLst/>
+        </dgm:shape>
+        <dgm:choose name="Name109">
+          <dgm:if name="Name110" func="var" arg="dir" op="equ" val="norm">
+            <dgm:presOf axis="desOrSelf" ptType="node"/>
+          </dgm:if>
+          <dgm:else name="Name111">
+            <dgm:choose name="Name112">
+              <dgm:if name="Name113" axis="root ch" ptType="all node" func="cnt" op="equ" val="5">
+                <dgm:presOf axis="root ch desOrSelf" ptType="all node node" st="1 2 1" cnt="1 1 0"/>
+              </dgm:if>
+              <dgm:if name="Name114" axis="root ch" ptType="all node" func="cnt" op="equ" val="6">
+                <dgm:presOf axis="root ch desOrSelf" ptType="all node node" st="1 3 1" cnt="1 1 0"/>
+              </dgm:if>
+              <dgm:else name="Name115">
+                <dgm:presOf axis="root ch desOrSelf" ptType="all node node" st="1 4 1" cnt="1 1 0"/>
+              </dgm:else>
+            </dgm:choose>
+          </dgm:else>
+        </dgm:choose>
+        <dgm:constrLst>
+          <dgm:constr type="tMarg"/>
+          <dgm:constr type="bMarg"/>
+          <dgm:constr type="lMarg"/>
+          <dgm:constr type="rMarg"/>
+          <dgm:constr type="primFontSz" val="65"/>
+        </dgm:constrLst>
+        <dgm:ruleLst>
+          <dgm:rule type="primFontSz" val="5" fact="NaN" max="NaN"/>
+        </dgm:ruleLst>
+      </dgm:layoutNode>
+    </dgm:forEach>
+    <dgm:forEach name="Name116" axis="ch" ptType="node" st="6" cnt="1">
+      <dgm:layoutNode name="circ6" styleLbl="vennNode1">
+        <dgm:alg type="sp"/>
+        <dgm:shape xmlns:r="http://schemas.openxmlformats.org/officeDocument/2006/relationships" type="ellipse" r:blip="">
+          <dgm:adjLst/>
+        </dgm:shape>
+        <dgm:presOf/>
+        <dgm:constrLst/>
+        <dgm:ruleLst/>
+      </dgm:layoutNode>
+      <dgm:layoutNode name="circ6Tx" styleLbl="revTx">
+        <dgm:varLst>
+          <dgm:chMax val="0"/>
+          <dgm:chPref val="0"/>
+          <dgm:bulletEnabled val="1"/>
+        </dgm:varLst>
+        <dgm:alg type="tx">
+          <dgm:param type="txAnchorHorzCh" val="ctr"/>
+          <dgm:param type="txAnchorVertCh" val="mid"/>
+        </dgm:alg>
+        <dgm:shape xmlns:r="http://schemas.openxmlformats.org/officeDocument/2006/relationships" type="rect" r:blip="" hideGeom="1">
+          <dgm:adjLst/>
+        </dgm:shape>
+        <dgm:choose name="Name117">
+          <dgm:if name="Name118" func="var" arg="dir" op="equ" val="norm">
+            <dgm:presOf axis="desOrSelf" ptType="node"/>
+          </dgm:if>
+          <dgm:else name="Name119">
+            <dgm:choose name="Name120">
+              <dgm:if name="Name121" axis="root ch" ptType="all node" func="cnt" op="equ" val="6">
+                <dgm:presOf axis="root ch desOrSelf" ptType="all node node" st="1 2 1" cnt="1 1 0"/>
+              </dgm:if>
+              <dgm:else name="Name122">
+                <dgm:presOf axis="root ch desOrSelf" ptType="all node node" st="1 3 1" cnt="1 1 0"/>
+              </dgm:else>
+            </dgm:choose>
+          </dgm:else>
+        </dgm:choose>
+        <dgm:constrLst>
+          <dgm:constr type="tMarg"/>
+          <dgm:constr type="bMarg"/>
+          <dgm:constr type="lMarg"/>
+          <dgm:constr type="rMarg"/>
+          <dgm:constr type="primFontSz" val="65"/>
+        </dgm:constrLst>
+        <dgm:ruleLst>
+          <dgm:rule type="primFontSz" val="5" fact="NaN" max="NaN"/>
+        </dgm:ruleLst>
+      </dgm:layoutNode>
+    </dgm:forEach>
+    <dgm:forEach name="Name123" axis="ch" ptType="node" st="7" cnt="1">
+      <dgm:layoutNode name="circ7" styleLbl="vennNode1">
+        <dgm:alg type="sp"/>
+        <dgm:shape xmlns:r="http://schemas.openxmlformats.org/officeDocument/2006/relationships" type="ellipse" r:blip="">
+          <dgm:adjLst/>
+        </dgm:shape>
+        <dgm:presOf/>
+        <dgm:constrLst/>
+        <dgm:ruleLst/>
+      </dgm:layoutNode>
+      <dgm:layoutNode name="circ7Tx" styleLbl="revTx">
+        <dgm:varLst>
+          <dgm:chMax val="0"/>
+          <dgm:chPref val="0"/>
+          <dgm:bulletEnabled val="1"/>
+        </dgm:varLst>
+        <dgm:alg type="tx">
+          <dgm:param type="txAnchorHorzCh" val="ctr"/>
+          <dgm:param type="txAnchorVertCh" val="mid"/>
+        </dgm:alg>
+        <dgm:shape xmlns:r="http://schemas.openxmlformats.org/officeDocument/2006/relationships" type="rect" r:blip="" hideGeom="1">
+          <dgm:adjLst/>
+        </dgm:shape>
+        <dgm:choose name="Name124">
+          <dgm:if name="Name125" func="var" arg="dir" op="equ" val="norm">
+            <dgm:presOf axis="desOrSelf" ptType="node"/>
+          </dgm:if>
+          <dgm:else name="Name126">
+            <dgm:presOf axis="root ch desOrSelf" ptType="all node node" st="1 2 1" cnt="1 1 0"/>
+          </dgm:else>
+        </dgm:choose>
+        <dgm:constrLst>
+          <dgm:constr type="tMarg"/>
+          <dgm:constr type="bMarg"/>
+          <dgm:constr type="lMarg"/>
+          <dgm:constr type="rMarg"/>
+          <dgm:constr type="primFontSz" val="65"/>
+        </dgm:constrLst>
+        <dgm:ruleLst>
+          <dgm:rule type="primFontSz" val="5" fact="NaN" max="NaN"/>
+        </dgm:ruleLst>
+      </dgm:layoutNode>
+    </dgm:forEach>
+  </dgm:layoutNode>
+</dgm:layoutDef>
+</file>
+
+<file path=ppt/diagrams/quickStyle1.xml><?xml version="1.0" encoding="utf-8"?>
+<dgm:styleDef xmlns:dgm="http://schemas.openxmlformats.org/drawingml/2006/diagram" xmlns:a="http://schemas.openxmlformats.org/drawingml/2006/main" uniqueId="urn:microsoft.com/office/officeart/2005/8/quickstyle/simple4">
+  <dgm:title val=""/>
+  <dgm:desc val=""/>
+  <dgm:catLst>
+    <dgm:cat type="simple" pri="10400"/>
+  </dgm:catLst>
+  <dgm:scene3d>
+    <a:camera prst="orthographicFront"/>
+    <a:lightRig rig="threePt" dir="t"/>
+  </dgm:scene3d>
+  <dgm:styleLbl name="node0">
+    <dgm:scene3d>
+      <a:camera prst="orthographicFront"/>
+      <a:lightRig rig="threePt" dir="t"/>
+    </dgm:scene3d>
+    <dgm:sp3d/>
+    <dgm:txPr/>
+    <dgm:style>
+      <a:lnRef idx="0">
+        <a:scrgbClr r="0" g="0" b="0"/>
+      </a:lnRef>
+      <a:fillRef idx="3">
+        <a:scrgbClr r="0" g="0" b="0"/>
+      </a:fillRef>
+      <a:effectRef idx="2">
+        <a:scrgbClr r="0" g="0" b="0"/>
+      </a:effectRef>
+      <a:fontRef idx="minor">
+        <a:schemeClr val="lt1"/>
+      </a:fontRef>
+    </dgm:style>
+  </dgm:styleLbl>
+  <dgm:styleLbl name="lnNode1">
+    <dgm:scene3d>
+      <a:camera prst="orthographicFront"/>
+      <a:lightRig rig="threePt" dir="t"/>
+    </dgm:scene3d>
+    <dgm:sp3d/>
+    <dgm:txPr/>
+    <dgm:style>
+      <a:lnRef idx="1">
+        <a:scrgbClr r="0" g="0" b="0"/>
+      </a:lnRef>
+      <a:fillRef idx="3">
+        <a:scrgbClr r="0" g="0" b="0"/>
+      </a:fillRef>
+      <a:effectRef idx="2">
+        <a:scrgbClr r="0" g="0" b="0"/>
+      </a:effectRef>
+      <a:fontRef idx="minor">
+        <a:schemeClr val="lt1"/>
+      </a:fontRef>
+    </dgm:style>
+  </dgm:styleLbl>
+  <dgm:styleLbl name="vennNode1">
+    <dgm:scene3d>
+      <a:camera prst="orthographicFront"/>
+      <a:lightRig rig="threePt" dir="t"/>
+    </dgm:scene3d>
+    <dgm:sp3d/>
+    <dgm:txPr/>
+    <dgm:style>
+      <a:lnRef idx="0">
+        <a:scrgbClr r="0" g="0" b="0"/>
+      </a:lnRef>
+      <a:fillRef idx="3">
+        <a:scrgbClr r="0" g="0" b="0"/>
+      </a:fillRef>
+      <a:effectRef idx="0">
+        <a:scrgbClr r="0" g="0" b="0"/>
+      </a:effectRef>
+      <a:fontRef idx="minor">
+        <a:schemeClr val="tx1"/>
+      </a:fontRef>
+    </dgm:style>
+  </dgm:styleLbl>
+  <dgm:styleLbl name="alignNode1">
+    <dgm:scene3d>
+      <a:camera prst="orthographicFront"/>
+      <a:lightRig rig="threePt" dir="t"/>
+    </dgm:scene3d>
+    <dgm:sp3d/>
+    <dgm:txPr/>
+    <dgm:style>
+      <a:lnRef idx="1">
+        <a:scrgbClr r="0" g="0" b="0"/>
+      </a:lnRef>
+      <a:fillRef idx="3">
+        <a:scrgbClr r="0" g="0" b="0"/>
+      </a:fillRef>
+      <a:effectRef idx="2">
+        <a:scrgbClr r="0" g="0" b="0"/>
+      </a:effectRef>
+      <a:fontRef idx="minor">
+        <a:schemeClr val="lt1"/>
+      </a:fontRef>
+    </dgm:style>
+  </dgm:styleLbl>
+  <dgm:styleLbl name="node1">
+    <dgm:scene3d>
+      <a:camera prst="orthographicFront"/>
+      <a:lightRig rig="threePt" dir="t"/>
+    </dgm:scene3d>
+    <dgm:sp3d/>
+    <dgm:txPr/>
+    <dgm:style>
+      <a:lnRef idx="0">
+        <a:scrgbClr r="0" g="0" b="0"/>
+      </a:lnRef>
+      <a:fillRef idx="3">
+        <a:scrgbClr r="0" g="0" b="0"/>
+      </a:fillRef>
+      <a:effectRef idx="2">
+        <a:scrgbClr r="0" g="0" b="0"/>
+      </a:effectRef>
+      <a:fontRef idx="minor">
+        <a:schemeClr val="lt1"/>
+      </a:fontRef>
+    </dgm:style>
+  </dgm:styleLbl>
+  <dgm:styleLbl name="node2">
+    <dgm:scene3d>
+      <a:camera prst="orthographicFront"/>
+      <a:lightRig rig="threePt" dir="t"/>
+    </dgm:scene3d>
+    <dgm:sp3d/>
+    <dgm:txPr/>
+    <dgm:style>
+      <a:lnRef idx="0">
+        <a:scrgbClr r="0" g="0" b="0"/>
+      </a:lnRef>
+      <a:fillRef idx="3">
+        <a:scrgbClr r="0" g="0" b="0"/>
+      </a:fillRef>
+      <a:effectRef idx="2">
+        <a:scrgbClr r="0" g="0" b="0"/>
+      </a:effectRef>
+      <a:fontRef idx="minor">
+        <a:schemeClr val="lt1"/>
+      </a:fontRef>
+    </dgm:style>
+  </dgm:styleLbl>
+  <dgm:styleLbl name="node3">
+    <dgm:scene3d>
+      <a:camera prst="orthographicFront"/>
+      <a:lightRig rig="threePt" dir="t"/>
+    </dgm:scene3d>
+    <dgm:sp3d/>
+    <dgm:txPr/>
+    <dgm:style>
+      <a:lnRef idx="0">
+        <a:scrgbClr r="0" g="0" b="0"/>
+      </a:lnRef>
+      <a:fillRef idx="3">
+        <a:scrgbClr r="0" g="0" b="0"/>
+      </a:fillRef>
+      <a:effectRef idx="2">
+        <a:scrgbClr r="0" g="0" b="0"/>
+      </a:effectRef>
+      <a:fontRef idx="minor">
+        <a:schemeClr val="lt1"/>
+      </a:fontRef>
+    </dgm:style>
+  </dgm:styleLbl>
+  <dgm:styleLbl name="node4">
+    <dgm:scene3d>
+      <a:camera prst="orthographicFront"/>
+      <a:lightRig rig="threePt" dir="t"/>
+    </dgm:scene3d>
+    <dgm:sp3d/>
+    <dgm:txPr/>
+    <dgm:style>
+      <a:lnRef idx="0">
+        <a:scrgbClr r="0" g="0" b="0"/>
+      </a:lnRef>
+      <a:fillRef idx="3">
+        <a:scrgbClr r="0" g="0" b="0"/>
+      </a:fillRef>
+      <a:effectRef idx="2">
+        <a:scrgbClr r="0" g="0" b="0"/>
+      </a:effectRef>
+      <a:fontRef idx="minor">
+        <a:schemeClr val="lt1"/>
+      </a:fontRef>
+    </dgm:style>
+  </dgm:styleLbl>
+  <dgm:styleLbl name="fgImgPlace1">
+    <dgm:scene3d>
+      <a:camera prst="orthographicFront"/>
+      <a:lightRig rig="threePt" dir="t"/>
+    </dgm:scene3d>
+    <dgm:sp3d/>
+    <dgm:txPr/>
+    <dgm:style>
+      <a:lnRef idx="0">
+        <a:scrgbClr r="0" g="0" b="0"/>
+      </a:lnRef>
+      <a:fillRef idx="1">
+        <a:scrgbClr r="0" g="0" b="0"/>
+      </a:fillRef>
+      <a:effectRef idx="2">
+        <a:scrgbClr r="0" g="0" b="0"/>
+      </a:effectRef>
+      <a:fontRef idx="minor"/>
+    </dgm:style>
+  </dgm:styleLbl>
+  <dgm:styleLbl name="alignImgPlace1">
+    <dgm:scene3d>
+      <a:camera prst="orthographicFront"/>
+      <a:lightRig rig="threePt" dir="t"/>
+    </dgm:scene3d>
+    <dgm:sp3d/>
+    <dgm:txPr/>
+    <dgm:style>
+      <a:lnRef idx="0">
+        <a:scrgbClr r="0" g="0" b="0"/>
+      </a:lnRef>
+      <a:fillRef idx="1">
+        <a:scrgbClr r="0" g="0" b="0"/>
+      </a:fillRef>
+      <a:effectRef idx="2">
+        <a:scrgbClr r="0" g="0" b="0"/>
+      </a:effectRef>
+      <a:fontRef idx="minor"/>
+    </dgm:style>
+  </dgm:styleLbl>
+  <dgm:styleLbl name="bgImgPlace1">
+    <dgm:scene3d>
+      <a:camera prst="orthographicFront"/>
+      <a:lightRig rig="threePt" dir="t"/>
+    </dgm:scene3d>
+    <dgm:sp3d/>
+    <dgm:txPr/>
+    <dgm:style>
+      <a:lnRef idx="0">
+        <a:scrgbClr r="0" g="0" b="0"/>
+      </a:lnRef>
+      <a:fillRef idx="1">
+        <a:scrgbClr r="0" g="0" b="0"/>
+      </a:fillRef>
+      <a:effectRef idx="2">
+        <a:scrgbClr r="0" g="0" b="0"/>
+      </a:effectRef>
+      <a:fontRef idx="minor"/>
+    </dgm:style>
+  </dgm:styleLbl>
+  <dgm:styleLbl name="sibTrans2D1">
+    <dgm:scene3d>
+      <a:camera prst="orthographicFront"/>
+      <a:lightRig rig="threePt" dir="t"/>
+    </dgm:scene3d>
+    <dgm:sp3d/>
+    <dgm:txPr/>
+    <dgm:style>
+      <a:lnRef idx="0">
+        <a:scrgbClr r="0" g="0" b="0"/>
+      </a:lnRef>
+      <a:fillRef idx="3">
+        <a:scrgbClr r="0" g="0" b="0"/>
+      </a:fillRef>
+      <a:effectRef idx="2">
+        <a:scrgbClr r="0" g="0" b="0"/>
+      </a:effectRef>
+      <a:fontRef idx="minor">
+        <a:schemeClr val="lt1"/>
+      </a:fontRef>
+    </dgm:style>
+  </dgm:styleLbl>
+  <dgm:styleLbl name="fgSibTrans2D1">
+    <dgm:scene3d>
+      <a:camera prst="orthographicFront"/>
+      <a:lightRig rig="threePt" dir="t"/>
+    </dgm:scene3d>
+    <dgm:sp3d/>
+    <dgm:txPr/>
+    <dgm:style>
+      <a:lnRef idx="0">
+        <a:scrgbClr r="0" g="0" b="0"/>
+      </a:lnRef>
+      <a:fillRef idx="3">
+        <a:scrgbClr r="0" g="0" b="0"/>
+      </a:fillRef>
+      <a:effectRef idx="2">
+        <a:scrgbClr r="0" g="0" b="0"/>
+      </a:effectRef>
+      <a:fontRef idx="minor">
+        <a:schemeClr val="lt1"/>
+      </a:fontRef>
+    </dgm:style>
+  </dgm:styleLbl>
+  <dgm:styleLbl name="bgSibTrans2D1">
+    <dgm:scene3d>
+      <a:camera prst="orthographicFront"/>
+      <a:lightRig rig="threePt" dir="t"/>
+    </dgm:scene3d>
+    <dgm:sp3d/>
+    <dgm:txPr/>
+    <dgm:style>
+      <a:lnRef idx="0">
+        <a:scrgbClr r="0" g="0" b="0"/>
+      </a:lnRef>
+      <a:fillRef idx="3">
+        <a:scrgbClr r="0" g="0" b="0"/>
+      </a:fillRef>
+      <a:effectRef idx="2">
+        <a:scrgbClr r="0" g="0" b="0"/>
+      </a:effectRef>
+      <a:fontRef idx="minor">
+        <a:schemeClr val="lt1"/>
+      </a:fontRef>
+    </dgm:style>
+  </dgm:styleLbl>
+  <dgm:styleLbl name="sibTrans1D1">
+    <dgm:scene3d>
+      <a:camera prst="orthographicFront"/>
+      <a:lightRig rig="threePt" dir="t"/>
+    </dgm:scene3d>
+    <dgm:sp3d/>
+    <dgm:txPr/>
+    <dgm:style>
+      <a:lnRef idx="1">
+        <a:scrgbClr r="0" g="0" b="0"/>
+      </a:lnRef>
+      <a:fillRef idx="0">
+        <a:scrgbClr r="0" g="0" b="0"/>
+      </a:fillRef>
+      <a:effectRef idx="0">
+        <a:scrgbClr r="0" g="0" b="0"/>
+      </a:effectRef>
+      <a:fontRef idx="minor"/>
+    </dgm:style>
+  </dgm:styleLbl>
+  <dgm:styleLbl name="callout">
+    <dgm:scene3d>
+      <a:camera prst="orthographicFront"/>
+      <a:lightRig rig="threePt" dir="t"/>
+    </dgm:scene3d>
+    <dgm:sp3d/>
+    <dgm:txPr/>
+    <dgm:style>
+      <a:lnRef idx="2">
+        <a:scrgbClr r="0" g="0" b="0"/>
+      </a:lnRef>
+      <a:fillRef idx="1">
+        <a:scrgbClr r="0" g="0" b="0"/>
+      </a:fillRef>
+      <a:effectRef idx="1">
+        <a:scrgbClr r="0" g="0" b="0"/>
+      </a:effectRef>
+      <a:fontRef idx="minor"/>
+    </dgm:style>
+  </dgm:styleLbl>
+  <dgm:styleLbl name="asst0">
+    <dgm:scene3d>
+      <a:camera prst="orthographicFront"/>
+      <a:lightRig rig="threePt" dir="t"/>
+    </dgm:scene3d>
+    <dgm:sp3d/>
+    <dgm:txPr/>
+    <dgm:style>
+      <a:lnRef idx="0">
+        <a:scrgbClr r="0" g="0" b="0"/>
+      </a:lnRef>
+      <a:fillRef idx="3">
+        <a:scrgbClr r="0" g="0" b="0"/>
+      </a:fillRef>
+      <a:effectRef idx="2">
+        <a:scrgbClr r="0" g="0" b="0"/>
+      </a:effectRef>
+      <a:fontRef idx="minor">
+        <a:schemeClr val="lt1"/>
+      </a:fontRef>
+    </dgm:style>
+  </dgm:styleLbl>
+  <dgm:styleLbl name="asst1">
+    <dgm:scene3d>
+      <a:camera prst="orthographicFront"/>
+      <a:lightRig rig="threePt" dir="t"/>
+    </dgm:scene3d>
+    <dgm:sp3d/>
+    <dgm:txPr/>
+    <dgm:style>
+      <a:lnRef idx="0">
+        <a:scrgbClr r="0" g="0" b="0"/>
+      </a:lnRef>
+      <a:fillRef idx="3">
+        <a:scrgbClr r="0" g="0" b="0"/>
+      </a:fillRef>
+      <a:effectRef idx="2">
+        <a:scrgbClr r="0" g="0" b="0"/>
+      </a:effectRef>
+      <a:fontRef idx="minor">
+        <a:schemeClr val="lt1"/>
+      </a:fontRef>
+    </dgm:style>
+  </dgm:styleLbl>
+  <dgm:styleLbl name="asst2">
+    <dgm:scene3d>
+      <a:camera prst="orthographicFront"/>
+      <a:lightRig rig="threePt" dir="t"/>
+    </dgm:scene3d>
+    <dgm:sp3d/>
+    <dgm:txPr/>
+    <dgm:style>
+      <a:lnRef idx="0">
+        <a:scrgbClr r="0" g="0" b="0"/>
+      </a:lnRef>
+      <a:fillRef idx="3">
+        <a:scrgbClr r="0" g="0" b="0"/>
+      </a:fillRef>
+      <a:effectRef idx="2">
+        <a:scrgbClr r="0" g="0" b="0"/>
+      </a:effectRef>
+      <a:fontRef idx="minor">
+        <a:schemeClr val="lt1"/>
+      </a:fontRef>
+    </dgm:style>
+  </dgm:styleLbl>
+  <dgm:styleLbl name="asst3">
+    <dgm:scene3d>
+      <a:camera prst="orthographicFront"/>
+      <a:lightRig rig="threePt" dir="t"/>
+    </dgm:scene3d>
+    <dgm:sp3d/>
+    <dgm:txPr/>
+    <dgm:style>
+      <a:lnRef idx="0">
+        <a:scrgbClr r="0" g="0" b="0"/>
+      </a:lnRef>
+      <a:fillRef idx="3">
+        <a:scrgbClr r="0" g="0" b="0"/>
+      </a:fillRef>
+      <a:effectRef idx="2">
+        <a:scrgbClr r="0" g="0" b="0"/>
+      </a:effectRef>
+      <a:fontRef idx="minor">
+        <a:schemeClr val="lt1"/>
+      </a:fontRef>
+    </dgm:style>
+  </dgm:styleLbl>
+  <dgm:styleLbl name="asst4">
+    <dgm:scene3d>
+      <a:camera prst="orthographicFront"/>
+      <a:lightRig rig="threePt" dir="t"/>
+    </dgm:scene3d>
+    <dgm:sp3d/>
+    <dgm:txPr/>
+    <dgm:style>
+      <a:lnRef idx="0">
+        <a:scrgbClr r="0" g="0" b="0"/>
+      </a:lnRef>
+      <a:fillRef idx="3">
+        <a:scrgbClr r="0" g="0" b="0"/>
+      </a:fillRef>
+      <a:effectRef idx="2">
+        <a:scrgbClr r="0" g="0" b="0"/>
+      </a:effectRef>
+      <a:fontRef idx="minor">
+        <a:schemeClr val="lt1"/>
+      </a:fontRef>
+    </dgm:style>
+  </dgm:styleLbl>
+  <dgm:styleLbl name="parChTrans2D1">
+    <dgm:scene3d>
+      <a:camera prst="orthographicFront"/>
+      <a:lightRig rig="threePt" dir="t"/>
+    </dgm:scene3d>
+    <dgm:sp3d/>
+    <dgm:txPr/>
+    <dgm:style>
+      <a:lnRef idx="0">
+        <a:scrgbClr r="0" g="0" b="0"/>
+      </a:lnRef>
+      <a:fillRef idx="3">
+        <a:scrgbClr r="0" g="0" b="0"/>
+      </a:fillRef>
+      <a:effectRef idx="2">
+        <a:scrgbClr r="0" g="0" b="0"/>
+      </a:effectRef>
+      <a:fontRef idx="minor">
+        <a:schemeClr val="lt1"/>
+      </a:fontRef>
+    </dgm:style>
+  </dgm:styleLbl>
+  <dgm:styleLbl name="parChTrans2D2">
+    <dgm:scene3d>
+      <a:camera prst="orthographicFront"/>
+      <a:lightRig rig="threePt" dir="t"/>
+    </dgm:scene3d>
+    <dgm:sp3d/>
+    <dgm:txPr/>
+    <dgm:style>
+      <a:lnRef idx="0">
+        <a:scrgbClr r="0" g="0" b="0"/>
+      </a:lnRef>
+      <a:fillRef idx="3">
+        <a:scrgbClr r="0" g="0" b="0"/>
+      </a:fillRef>
+      <a:effectRef idx="2">
+        <a:scrgbClr r="0" g="0" b="0"/>
+      </a:effectRef>
+      <a:fontRef idx="minor">
+        <a:schemeClr val="lt1"/>
+      </a:fontRef>
+    </dgm:style>
+  </dgm:styleLbl>
+  <dgm:styleLbl name="parChTrans2D3">
+    <dgm:scene3d>
+      <a:camera prst="orthographicFront"/>
+      <a:lightRig rig="threePt" dir="t"/>
+    </dgm:scene3d>
+    <dgm:sp3d/>
+    <dgm:txPr/>
+    <dgm:style>
+      <a:lnRef idx="1">
+        <a:scrgbClr r="0" g="0" b="0"/>
+      </a:lnRef>
+      <a:fillRef idx="3">
+        <a:scrgbClr r="0" g="0" b="0"/>
+      </a:fillRef>
+      <a:effectRef idx="2">
+        <a:scrgbClr r="0" g="0" b="0"/>
+      </a:effectRef>
+      <a:fontRef idx="minor">
+        <a:schemeClr val="lt1"/>
+      </a:fontRef>
+    </dgm:style>
+  </dgm:styleLbl>
+  <dgm:styleLbl name="parChTrans2D4">
+    <dgm:scene3d>
+      <a:camera prst="orthographicFront"/>
+      <a:lightRig rig="threePt" dir="t"/>
+    </dgm:scene3d>
+    <dgm:sp3d/>
+    <dgm:txPr/>
+    <dgm:style>
+      <a:lnRef idx="1">
+        <a:scrgbClr r="0" g="0" b="0"/>
+      </a:lnRef>
+      <a:fillRef idx="3">
+        <a:scrgbClr r="0" g="0" b="0"/>
+      </a:fillRef>
+      <a:effectRef idx="2">
+        <a:scrgbClr r="0" g="0" b="0"/>
+      </a:effectRef>
+      <a:fontRef idx="minor">
+        <a:schemeClr val="lt1"/>
+      </a:fontRef>
+    </dgm:style>
+  </dgm:styleLbl>
+  <dgm:styleLbl name="parChTrans1D1">
+    <dgm:scene3d>
+      <a:camera prst="orthographicFront"/>
+      <a:lightRig rig="threePt" dir="t"/>
+    </dgm:scene3d>
+    <dgm:sp3d/>
+    <dgm:txPr/>
+    <dgm:style>
+      <a:lnRef idx="1">
+        <a:scrgbClr r="0" g="0" b="0"/>
+      </a:lnRef>
+      <a:fillRef idx="0">
+        <a:scrgbClr r="0" g="0" b="0"/>
+      </a:fillRef>
+      <a:effectRef idx="0">
+        <a:scrgbClr r="0" g="0" b="0"/>
+      </a:effectRef>
+      <a:fontRef idx="minor"/>
+    </dgm:style>
+  </dgm:styleLbl>
+  <dgm:styleLbl name="parChTrans1D2">
+    <dgm:scene3d>
+      <a:camera prst="orthographicFront"/>
+      <a:lightRig rig="threePt" dir="t"/>
+    </dgm:scene3d>
+    <dgm:sp3d/>
+    <dgm:txPr/>
+    <dgm:style>
+      <a:lnRef idx="1">
+        <a:scrgbClr r="0" g="0" b="0"/>
+      </a:lnRef>
+      <a:fillRef idx="0">
+        <a:scrgbClr r="0" g="0" b="0"/>
+      </a:fillRef>
+      <a:effectRef idx="0">
+        <a:scrgbClr r="0" g="0" b="0"/>
+      </a:effectRef>
+      <a:fontRef idx="minor"/>
+    </dgm:style>
+  </dgm:styleLbl>
+  <dgm:styleLbl name="parChTrans1D3">
+    <dgm:scene3d>
+      <a:camera prst="orthographicFront"/>
+      <a:lightRig rig="threePt" dir="t"/>
+    </dgm:scene3d>
+    <dgm:sp3d/>
+    <dgm:txPr/>
+    <dgm:style>
+      <a:lnRef idx="1">
+        <a:scrgbClr r="0" g="0" b="0"/>
+      </a:lnRef>
+      <a:fillRef idx="0">
+        <a:scrgbClr r="0" g="0" b="0"/>
+      </a:fillRef>
+      <a:effectRef idx="0">
+        <a:scrgbClr r="0" g="0" b="0"/>
+      </a:effectRef>
+      <a:fontRef idx="minor"/>
+    </dgm:style>
+  </dgm:styleLbl>
+  <dgm:styleLbl name="parChTrans1D4">
+    <dgm:scene3d>
+      <a:camera prst="orthographicFront"/>
+      <a:lightRig rig="threePt" dir="t"/>
+    </dgm:scene3d>
+    <dgm:sp3d/>
+    <dgm:txPr/>
+    <dgm:style>
+      <a:lnRef idx="1">
+        <a:scrgbClr r="0" g="0" b="0"/>
+      </a:lnRef>
+      <a:fillRef idx="0">
+        <a:scrgbClr r="0" g="0" b="0"/>
+      </a:fillRef>
+      <a:effectRef idx="0">
+        <a:scrgbClr r="0" g="0" b="0"/>
+      </a:effectRef>
+      <a:fontRef idx="minor"/>
+    </dgm:style>
+  </dgm:styleLbl>
+  <dgm:styleLbl name="fgAcc1">
+    <dgm:scene3d>
+      <a:camera prst="orthographicFront"/>
+      <a:lightRig rig="threePt" dir="t"/>
+    </dgm:scene3d>
+    <dgm:sp3d/>
+    <dgm:txPr/>
+    <dgm:style>
+      <a:lnRef idx="1">
+        <a:scrgbClr r="0" g="0" b="0"/>
+      </a:lnRef>
+      <a:fillRef idx="1">
+        <a:scrgbClr r="0" g="0" b="0"/>
+      </a:fillRef>
+      <a:effectRef idx="0">
+        <a:scrgbClr r="0" g="0" b="0"/>
+      </a:effectRef>
+      <a:fontRef idx="minor"/>
+    </dgm:style>
+  </dgm:styleLbl>
+  <dgm:styleLbl name="conFgAcc1">
+    <dgm:scene3d>
+      <a:camera prst="orthographicFront"/>
+      <a:lightRig rig="threePt" dir="t"/>
+    </dgm:scene3d>
+    <dgm:sp3d/>
+    <dgm:txPr/>
+    <dgm:style>
+      <a:lnRef idx="1">
+        <a:scrgbClr r="0" g="0" b="0"/>
+      </a:lnRef>
+      <a:fillRef idx="1">
+        <a:scrgbClr r="0" g="0" b="0"/>
+      </a:fillRef>
+      <a:effectRef idx="0">
+        <a:scrgbClr r="0" g="0" b="0"/>
+      </a:effectRef>
+      <a:fontRef idx="minor"/>
+    </dgm:style>
+  </dgm:styleLbl>
+  <dgm:styleLbl name="alignAcc1">
+    <dgm:scene3d>
+      <a:camera prst="orthographicFront"/>
+      <a:lightRig rig="threePt" dir="t"/>
+    </dgm:scene3d>
+    <dgm:sp3d/>
+    <dgm:txPr/>
+    <dgm:style>
+      <a:lnRef idx="1">
+        <a:scrgbClr r="0" g="0" b="0"/>
+      </a:lnRef>
+      <a:fillRef idx="1">
+        <a:scrgbClr r="0" g="0" b="0"/>
+      </a:fillRef>
+      <a:effectRef idx="0">
+        <a:scrgbClr r="0" g="0" b="0"/>
+      </a:effectRef>
+      <a:fontRef idx="minor"/>
+    </dgm:style>
+  </dgm:styleLbl>
+  <dgm:styleLbl name="trAlignAcc1">
+    <dgm:scene3d>
+      <a:camera prst="orthographicFront"/>
+      <a:lightRig rig="threePt" dir="t"/>
+    </dgm:scene3d>
+    <dgm:sp3d/>
+    <dgm:txPr/>
+    <dgm:style>
+      <a:lnRef idx="1">
+        <a:scrgbClr r="0" g="0" b="0"/>
+      </a:lnRef>
+      <a:fillRef idx="1">
+        <a:scrgbClr r="0" g="0" b="0"/>
+      </a:fillRef>
+      <a:effectRef idx="0">
+        <a:scrgbClr r="0" g="0" b="0"/>
+      </a:effectRef>
+      <a:fontRef idx="minor"/>
+    </dgm:style>
+  </dgm:styleLbl>
+  <dgm:styleLbl name="bgAcc1">
+    <dgm:scene3d>
+      <a:camera prst="orthographicFront"/>
+      <a:lightRig rig="threePt" dir="t"/>
+    </dgm:scene3d>
+    <dgm:sp3d/>
+    <dgm:txPr/>
+    <dgm:style>
+      <a:lnRef idx="1">
+        <a:scrgbClr r="0" g="0" b="0"/>
+      </a:lnRef>
+      <a:fillRef idx="1">
+        <a:scrgbClr r="0" g="0" b="0"/>
+      </a:fillRef>
+      <a:effectRef idx="0">
+        <a:scrgbClr r="0" g="0" b="0"/>
+      </a:effectRef>
+      <a:fontRef idx="minor"/>
+    </dgm:style>
+  </dgm:styleLbl>
+  <dgm:styleLbl name="solidFgAcc1">
+    <dgm:scene3d>
+      <a:camera prst="orthographicFront"/>
+      <a:lightRig rig="threePt" dir="t"/>
+    </dgm:scene3d>
+    <dgm:sp3d/>
+    <dgm:txPr/>
+    <dgm:style>
+      <a:lnRef idx="1">
+        <a:scrgbClr r="0" g="0" b="0"/>
+      </a:lnRef>
+      <a:fillRef idx="1">
+        <a:scrgbClr r="0" g="0" b="0"/>
+      </a:fillRef>
+      <a:effectRef idx="0">
+        <a:scrgbClr r="0" g="0" b="0"/>
+      </a:effectRef>
+      <a:fontRef idx="minor"/>
+    </dgm:style>
+  </dgm:styleLbl>
+  <dgm:styleLbl name="solidAlignAcc1">
+    <dgm:scene3d>
+      <a:camera prst="orthographicFront"/>
+      <a:lightRig rig="threePt" dir="t"/>
+    </dgm:scene3d>
+    <dgm:sp3d/>
+    <dgm:txPr/>
+    <dgm:style>
+      <a:lnRef idx="1">
+        <a:scrgbClr r="0" g="0" b="0"/>
+      </a:lnRef>
+      <a:fillRef idx="1">
+        <a:scrgbClr r="0" g="0" b="0"/>
+      </a:fillRef>
+      <a:effectRef idx="0">
+        <a:scrgbClr r="0" g="0" b="0"/>
+      </a:effectRef>
+      <a:fontRef idx="minor"/>
+    </dgm:style>
+  </dgm:styleLbl>
+  <dgm:styleLbl name="solidBgAcc1">
+    <dgm:scene3d>
+      <a:camera prst="orthographicFront"/>
+      <a:lightRig rig="threePt" dir="t"/>
+    </dgm:scene3d>
+    <dgm:sp3d/>
+    <dgm:txPr/>
+    <dgm:style>
+      <a:lnRef idx="1">
+        <a:scrgbClr r="0" g="0" b="0"/>
+      </a:lnRef>
+      <a:fillRef idx="1">
+        <a:scrgbClr r="0" g="0" b="0"/>
+      </a:fillRef>
+      <a:effectRef idx="0">
+        <a:scrgbClr r="0" g="0" b="0"/>
+      </a:effectRef>
+      <a:fontRef idx="minor"/>
+    </dgm:style>
+  </dgm:styleLbl>
+  <dgm:styleLbl name="fgAccFollowNode1">
+    <dgm:scene3d>
+      <a:camera prst="orthographicFront"/>
+      <a:lightRig rig="threePt" dir="t"/>
+    </dgm:scene3d>
+    <dgm:sp3d/>
+    <dgm:txPr/>
+    <dgm:style>
+      <a:lnRef idx="1">
+        <a:scrgbClr r="0" g="0" b="0"/>
+      </a:lnRef>
+      <a:fillRef idx="1">
+        <a:scrgbClr r="0" g="0" b="0"/>
+      </a:fillRef>
+      <a:effectRef idx="0">
+        <a:scrgbClr r="0" g="0" b="0"/>
+      </a:effectRef>
+      <a:fontRef idx="minor"/>
+    </dgm:style>
+  </dgm:styleLbl>
+  <dgm:styleLbl name="alignAccFollowNode1">
+    <dgm:scene3d>
+      <a:camera prst="orthographicFront"/>
+      <a:lightRig rig="threePt" dir="t"/>
+    </dgm:scene3d>
+    <dgm:sp3d/>
+    <dgm:txPr/>
+    <dgm:style>
+      <a:lnRef idx="1">
+        <a:scrgbClr r="0" g="0" b="0"/>
+      </a:lnRef>
+      <a:fillRef idx="1">
+        <a:scrgbClr r="0" g="0" b="0"/>
+      </a:fillRef>
+      <a:effectRef idx="0">
+        <a:scrgbClr r="0" g="0" b="0"/>
+      </a:effectRef>
+      <a:fontRef idx="minor"/>
+    </dgm:style>
+  </dgm:styleLbl>
+  <dgm:styleLbl name="bgAccFollowNode1">
+    <dgm:scene3d>
+      <a:camera prst="orthographicFront"/>
+      <a:lightRig rig="threePt" dir="t"/>
+    </dgm:scene3d>
+    <dgm:sp3d/>
+    <dgm:txPr/>
+    <dgm:style>
+      <a:lnRef idx="1">
+        <a:scrgbClr r="0" g="0" b="0"/>
+      </a:lnRef>
+      <a:fillRef idx="1">
+        <a:scrgbClr r="0" g="0" b="0"/>
+      </a:fillRef>
+      <a:effectRef idx="0">
+        <a:scrgbClr r="0" g="0" b="0"/>
+      </a:effectRef>
+      <a:fontRef idx="minor"/>
+    </dgm:style>
+  </dgm:styleLbl>
+  <dgm:styleLbl name="fgAcc0">
+    <dgm:scene3d>
+      <a:camera prst="orthographicFront"/>
+      <a:lightRig rig="threePt" dir="t"/>
+    </dgm:scene3d>
+    <dgm:sp3d/>
+    <dgm:txPr/>
+    <dgm:style>
+      <a:lnRef idx="1">
+        <a:scrgbClr r="0" g="0" b="0"/>
+      </a:lnRef>
+      <a:fillRef idx="1">
+        <a:scrgbClr r="0" g="0" b="0"/>
+      </a:fillRef>
+      <a:effectRef idx="0">
+        <a:scrgbClr r="0" g="0" b="0"/>
+      </a:effectRef>
+      <a:fontRef idx="minor"/>
+    </dgm:style>
+  </dgm:styleLbl>
+  <dgm:styleLbl name="fgAcc2">
+    <dgm:scene3d>
+      <a:camera prst="orthographicFront"/>
+      <a:lightRig rig="threePt" dir="t"/>
+    </dgm:scene3d>
+    <dgm:sp3d/>
+    <dgm:txPr/>
+    <dgm:style>
+      <a:lnRef idx="1">
+        <a:scrgbClr r="0" g="0" b="0"/>
+      </a:lnRef>
+      <a:fillRef idx="1">
+        <a:scrgbClr r="0" g="0" b="0"/>
+      </a:fillRef>
+      <a:effectRef idx="0">
+        <a:scrgbClr r="0" g="0" b="0"/>
+      </a:effectRef>
+      <a:fontRef idx="minor"/>
+    </dgm:style>
+  </dgm:styleLbl>
+  <dgm:styleLbl name="fgAcc3">
+    <dgm:scene3d>
+      <a:camera prst="orthographicFront"/>
+      <a:lightRig rig="threePt" dir="t"/>
+    </dgm:scene3d>
+    <dgm:sp3d/>
+    <dgm:txPr/>
+    <dgm:style>
+      <a:lnRef idx="1">
+        <a:scrgbClr r="0" g="0" b="0"/>
+      </a:lnRef>
+      <a:fillRef idx="1">
+        <a:scrgbClr r="0" g="0" b="0"/>
+      </a:fillRef>
+      <a:effectRef idx="0">
+        <a:scrgbClr r="0" g="0" b="0"/>
+      </a:effectRef>
+      <a:fontRef idx="minor"/>
+    </dgm:style>
+  </dgm:styleLbl>
+  <dgm:styleLbl name="fgAcc4">
+    <dgm:scene3d>
+      <a:camera prst="orthographicFront"/>
+      <a:lightRig rig="threePt" dir="t"/>
+    </dgm:scene3d>
+    <dgm:sp3d/>
+    <dgm:txPr/>
+    <dgm:style>
+      <a:lnRef idx="1">
+        <a:scrgbClr r="0" g="0" b="0"/>
+      </a:lnRef>
+      <a:fillRef idx="1">
+        <a:scrgbClr r="0" g="0" b="0"/>
+      </a:fillRef>
+      <a:effectRef idx="0">
+        <a:scrgbClr r="0" g="0" b="0"/>
+      </a:effectRef>
+      <a:fontRef idx="minor"/>
+    </dgm:style>
+  </dgm:styleLbl>
+  <dgm:styleLbl name="bgShp">
+    <dgm:scene3d>
+      <a:camera prst="orthographicFront"/>
+      <a:lightRig rig="threePt" dir="t"/>
+    </dgm:scene3d>
+    <dgm:sp3d/>
+    <dgm:txPr/>
+    <dgm:style>
+      <a:lnRef idx="0">
+        <a:scrgbClr r="0" g="0" b="0"/>
+      </a:lnRef>
+      <a:fillRef idx="1">
+        <a:scrgbClr r="0" g="0" b="0"/>
+      </a:fillRef>
+      <a:effectRef idx="2">
+        <a:scrgbClr r="0" g="0" b="0"/>
+      </a:effectRef>
+      <a:fontRef idx="minor"/>
+    </dgm:style>
+  </dgm:styleLbl>
+  <dgm:styleLbl name="dkBgShp">
+    <dgm:scene3d>
+      <a:camera prst="orthographicFront"/>
+      <a:lightRig rig="threePt" dir="t"/>
+    </dgm:scene3d>
+    <dgm:sp3d/>
+    <dgm:txPr/>
+    <dgm:style>
+      <a:lnRef idx="0">
+        <a:scrgbClr r="0" g="0" b="0"/>
+      </a:lnRef>
+      <a:fillRef idx="1">
+        <a:scrgbClr r="0" g="0" b="0"/>
+      </a:fillRef>
+      <a:effectRef idx="2">
+        <a:scrgbClr r="0" g="0" b="0"/>
+      </a:effectRef>
+      <a:fontRef idx="minor"/>
+    </dgm:style>
+  </dgm:styleLbl>
+  <dgm:styleLbl name="trBgShp">
+    <dgm:scene3d>
+      <a:camera prst="orthographicFront"/>
+      <a:lightRig rig="threePt" dir="t"/>
+    </dgm:scene3d>
+    <dgm:sp3d/>
+    <dgm:txPr/>
+    <dgm:style>
+      <a:lnRef idx="0">
+        <a:scrgbClr r="0" g="0" b="0"/>
+      </a:lnRef>
+      <a:fillRef idx="1">
+        <a:scrgbClr r="0" g="0" b="0"/>
+      </a:fillRef>
+      <a:effectRef idx="0">
+        <a:scrgbClr r="0" g="0" b="0"/>
+      </a:effectRef>
+      <a:fontRef idx="minor"/>
+    </dgm:style>
+  </dgm:styleLbl>
+  <dgm:styleLbl name="fgShp">
+    <dgm:scene3d>
+      <a:camera prst="orthographicFront"/>
+      <a:lightRig rig="threePt" dir="t"/>
+    </dgm:scene3d>
+    <dgm:sp3d/>
+    <dgm:txPr/>
+    <dgm:style>
+      <a:lnRef idx="0">
+        <a:scrgbClr r="0" g="0" b="0"/>
+      </a:lnRef>
+      <a:fillRef idx="3">
+        <a:scrgbClr r="0" g="0" b="0"/>
+      </a:fillRef>
+      <a:effectRef idx="2">
+        <a:scrgbClr r="0" g="0" b="0"/>
+      </a:effectRef>
+      <a:fontRef idx="minor"/>
+    </dgm:style>
+  </dgm:styleLbl>
+  <dgm:styleLbl name="revTx">
+    <dgm:scene3d>
+      <a:camera prst="orthographicFront"/>
+      <a:lightRig rig="threePt" dir="t"/>
+    </dgm:scene3d>
+    <dgm:sp3d/>
+    <dgm:txPr/>
+    <dgm:style>
+      <a:lnRef idx="0">
+        <a:scrgbClr r="0" g="0" b="0"/>
+      </a:lnRef>
+      <a:fillRef idx="0">
+        <a:scrgbClr r="0" g="0" b="0"/>
+      </a:fillRef>
+      <a:effectRef idx="0">
+        <a:scrgbClr r="0" g="0" b="0"/>
+      </a:effectRef>
+      <a:fontRef idx="minor"/>
+    </dgm:style>
+  </dgm:styleLbl>
+</dgm:styleDef>
+</file>
+
+<file path=ppt/diagrams/quickStyle2.xml><?xml version="1.0" encoding="utf-8"?>
+<dgm:styleDef xmlns:dgm="http://schemas.openxmlformats.org/drawingml/2006/diagram" xmlns:a="http://schemas.openxmlformats.org/drawingml/2006/main" uniqueId="urn:microsoft.com/office/officeart/2005/8/quickstyle/simple4">
+  <dgm:title val=""/>
+  <dgm:desc val=""/>
+  <dgm:catLst>
+    <dgm:cat type="simple" pri="10400"/>
+  </dgm:catLst>
+  <dgm:scene3d>
+    <a:camera prst="orthographicFront"/>
+    <a:lightRig rig="threePt" dir="t"/>
+  </dgm:scene3d>
+  <dgm:styleLbl name="node0">
+    <dgm:scene3d>
+      <a:camera prst="orthographicFront"/>
+      <a:lightRig rig="threePt" dir="t"/>
+    </dgm:scene3d>
+    <dgm:sp3d/>
+    <dgm:txPr/>
+    <dgm:style>
+      <a:lnRef idx="0">
+        <a:scrgbClr r="0" g="0" b="0"/>
+      </a:lnRef>
+      <a:fillRef idx="3">
+        <a:scrgbClr r="0" g="0" b="0"/>
+      </a:fillRef>
+      <a:effectRef idx="2">
+        <a:scrgbClr r="0" g="0" b="0"/>
+      </a:effectRef>
+      <a:fontRef idx="minor">
+        <a:schemeClr val="lt1"/>
+      </a:fontRef>
+    </dgm:style>
+  </dgm:styleLbl>
+  <dgm:styleLbl name="lnNode1">
+    <dgm:scene3d>
+      <a:camera prst="orthographicFront"/>
+      <a:lightRig rig="threePt" dir="t"/>
+    </dgm:scene3d>
+    <dgm:sp3d/>
+    <dgm:txPr/>
+    <dgm:style>
+      <a:lnRef idx="1">
+        <a:scrgbClr r="0" g="0" b="0"/>
+      </a:lnRef>
+      <a:fillRef idx="3">
+        <a:scrgbClr r="0" g="0" b="0"/>
+      </a:fillRef>
+      <a:effectRef idx="2">
+        <a:scrgbClr r="0" g="0" b="0"/>
+      </a:effectRef>
+      <a:fontRef idx="minor">
+        <a:schemeClr val="lt1"/>
+      </a:fontRef>
+    </dgm:style>
+  </dgm:styleLbl>
+  <dgm:styleLbl name="vennNode1">
+    <dgm:scene3d>
+      <a:camera prst="orthographicFront"/>
+      <a:lightRig rig="threePt" dir="t"/>
+    </dgm:scene3d>
+    <dgm:sp3d/>
+    <dgm:txPr/>
+    <dgm:style>
+      <a:lnRef idx="0">
+        <a:scrgbClr r="0" g="0" b="0"/>
+      </a:lnRef>
+      <a:fillRef idx="3">
+        <a:scrgbClr r="0" g="0" b="0"/>
+      </a:fillRef>
+      <a:effectRef idx="0">
+        <a:scrgbClr r="0" g="0" b="0"/>
+      </a:effectRef>
+      <a:fontRef idx="minor">
+        <a:schemeClr val="tx1"/>
+      </a:fontRef>
+    </dgm:style>
+  </dgm:styleLbl>
+  <dgm:styleLbl name="alignNode1">
+    <dgm:scene3d>
+      <a:camera prst="orthographicFront"/>
+      <a:lightRig rig="threePt" dir="t"/>
+    </dgm:scene3d>
+    <dgm:sp3d/>
+    <dgm:txPr/>
+    <dgm:style>
+      <a:lnRef idx="1">
+        <a:scrgbClr r="0" g="0" b="0"/>
+      </a:lnRef>
+      <a:fillRef idx="3">
+        <a:scrgbClr r="0" g="0" b="0"/>
+      </a:fillRef>
+      <a:effectRef idx="2">
+        <a:scrgbClr r="0" g="0" b="0"/>
+      </a:effectRef>
+      <a:fontRef idx="minor">
+        <a:schemeClr val="lt1"/>
+      </a:fontRef>
+    </dgm:style>
+  </dgm:styleLbl>
+  <dgm:styleLbl name="node1">
+    <dgm:scene3d>
+      <a:camera prst="orthographicFront"/>
+      <a:lightRig rig="threePt" dir="t"/>
+    </dgm:scene3d>
+    <dgm:sp3d/>
+    <dgm:txPr/>
+    <dgm:style>
+      <a:lnRef idx="0">
+        <a:scrgbClr r="0" g="0" b="0"/>
+      </a:lnRef>
+      <a:fillRef idx="3">
+        <a:scrgbClr r="0" g="0" b="0"/>
+      </a:fillRef>
+      <a:effectRef idx="2">
+        <a:scrgbClr r="0" g="0" b="0"/>
+      </a:effectRef>
+      <a:fontRef idx="minor">
+        <a:schemeClr val="lt1"/>
+      </a:fontRef>
+    </dgm:style>
+  </dgm:styleLbl>
+  <dgm:styleLbl name="node2">
+    <dgm:scene3d>
+      <a:camera prst="orthographicFront"/>
+      <a:lightRig rig="threePt" dir="t"/>
+    </dgm:scene3d>
+    <dgm:sp3d/>
+    <dgm:txPr/>
+    <dgm:style>
+      <a:lnRef idx="0">
+        <a:scrgbClr r="0" g="0" b="0"/>
+      </a:lnRef>
+      <a:fillRef idx="3">
+        <a:scrgbClr r="0" g="0" b="0"/>
+      </a:fillRef>
+      <a:effectRef idx="2">
+        <a:scrgbClr r="0" g="0" b="0"/>
+      </a:effectRef>
+      <a:fontRef idx="minor">
+        <a:schemeClr val="lt1"/>
+      </a:fontRef>
+    </dgm:style>
+  </dgm:styleLbl>
+  <dgm:styleLbl name="node3">
+    <dgm:scene3d>
+      <a:camera prst="orthographicFront"/>
+      <a:lightRig rig="threePt" dir="t"/>
+    </dgm:scene3d>
+    <dgm:sp3d/>
+    <dgm:txPr/>
+    <dgm:style>
+      <a:lnRef idx="0">
+        <a:scrgbClr r="0" g="0" b="0"/>
+      </a:lnRef>
+      <a:fillRef idx="3">
+        <a:scrgbClr r="0" g="0" b="0"/>
+      </a:fillRef>
+      <a:effectRef idx="2">
+        <a:scrgbClr r="0" g="0" b="0"/>
+      </a:effectRef>
+      <a:fontRef idx="minor">
+        <a:schemeClr val="lt1"/>
+      </a:fontRef>
+    </dgm:style>
+  </dgm:styleLbl>
+  <dgm:styleLbl name="node4">
+    <dgm:scene3d>
+      <a:camera prst="orthographicFront"/>
+      <a:lightRig rig="threePt" dir="t"/>
+    </dgm:scene3d>
+    <dgm:sp3d/>
+    <dgm:txPr/>
+    <dgm:style>
+      <a:lnRef idx="0">
+        <a:scrgbClr r="0" g="0" b="0"/>
+      </a:lnRef>
+      <a:fillRef idx="3">
+        <a:scrgbClr r="0" g="0" b="0"/>
+      </a:fillRef>
+      <a:effectRef idx="2">
+        <a:scrgbClr r="0" g="0" b="0"/>
+      </a:effectRef>
+      <a:fontRef idx="minor">
+        <a:schemeClr val="lt1"/>
+      </a:fontRef>
+    </dgm:style>
+  </dgm:styleLbl>
+  <dgm:styleLbl name="fgImgPlace1">
+    <dgm:scene3d>
+      <a:camera prst="orthographicFront"/>
+      <a:lightRig rig="threePt" dir="t"/>
+    </dgm:scene3d>
+    <dgm:sp3d/>
+    <dgm:txPr/>
+    <dgm:style>
+      <a:lnRef idx="0">
+        <a:scrgbClr r="0" g="0" b="0"/>
+      </a:lnRef>
+      <a:fillRef idx="1">
+        <a:scrgbClr r="0" g="0" b="0"/>
+      </a:fillRef>
+      <a:effectRef idx="2">
+        <a:scrgbClr r="0" g="0" b="0"/>
+      </a:effectRef>
+      <a:fontRef idx="minor"/>
+    </dgm:style>
+  </dgm:styleLbl>
+  <dgm:styleLbl name="alignImgPlace1">
+    <dgm:scene3d>
+      <a:camera prst="orthographicFront"/>
+      <a:lightRig rig="threePt" dir="t"/>
+    </dgm:scene3d>
+    <dgm:sp3d/>
+    <dgm:txPr/>
+    <dgm:style>
+      <a:lnRef idx="0">
+        <a:scrgbClr r="0" g="0" b="0"/>
+      </a:lnRef>
+      <a:fillRef idx="1">
+        <a:scrgbClr r="0" g="0" b="0"/>
+      </a:fillRef>
+      <a:effectRef idx="2">
+        <a:scrgbClr r="0" g="0" b="0"/>
+      </a:effectRef>
+      <a:fontRef idx="minor"/>
+    </dgm:style>
+  </dgm:styleLbl>
+  <dgm:styleLbl name="bgImgPlace1">
+    <dgm:scene3d>
+      <a:camera prst="orthographicFront"/>
+      <a:lightRig rig="threePt" dir="t"/>
+    </dgm:scene3d>
+    <dgm:sp3d/>
+    <dgm:txPr/>
+    <dgm:style>
+      <a:lnRef idx="0">
+        <a:scrgbClr r="0" g="0" b="0"/>
+      </a:lnRef>
+      <a:fillRef idx="1">
+        <a:scrgbClr r="0" g="0" b="0"/>
+      </a:fillRef>
+      <a:effectRef idx="2">
+        <a:scrgbClr r="0" g="0" b="0"/>
+      </a:effectRef>
+      <a:fontRef idx="minor"/>
+    </dgm:style>
+  </dgm:styleLbl>
+  <dgm:styleLbl name="sibTrans2D1">
+    <dgm:scene3d>
+      <a:camera prst="orthographicFront"/>
+      <a:lightRig rig="threePt" dir="t"/>
+    </dgm:scene3d>
+    <dgm:sp3d/>
+    <dgm:txPr/>
+    <dgm:style>
+      <a:lnRef idx="0">
+        <a:scrgbClr r="0" g="0" b="0"/>
+      </a:lnRef>
+      <a:fillRef idx="3">
+        <a:scrgbClr r="0" g="0" b="0"/>
+      </a:fillRef>
+      <a:effectRef idx="2">
+        <a:scrgbClr r="0" g="0" b="0"/>
+      </a:effectRef>
+      <a:fontRef idx="minor">
+        <a:schemeClr val="lt1"/>
+      </a:fontRef>
+    </dgm:style>
+  </dgm:styleLbl>
+  <dgm:styleLbl name="fgSibTrans2D1">
+    <dgm:scene3d>
+      <a:camera prst="orthographicFront"/>
+      <a:lightRig rig="threePt" dir="t"/>
+    </dgm:scene3d>
+    <dgm:sp3d/>
+    <dgm:txPr/>
+    <dgm:style>
+      <a:lnRef idx="0">
+        <a:scrgbClr r="0" g="0" b="0"/>
+      </a:lnRef>
+      <a:fillRef idx="3">
+        <a:scrgbClr r="0" g="0" b="0"/>
+      </a:fillRef>
+      <a:effectRef idx="2">
+        <a:scrgbClr r="0" g="0" b="0"/>
+      </a:effectRef>
+      <a:fontRef idx="minor">
+        <a:schemeClr val="lt1"/>
+      </a:fontRef>
+    </dgm:style>
+  </dgm:styleLbl>
+  <dgm:styleLbl name="bgSibTrans2D1">
+    <dgm:scene3d>
+      <a:camera prst="orthographicFront"/>
+      <a:lightRig rig="threePt" dir="t"/>
+    </dgm:scene3d>
+    <dgm:sp3d/>
+    <dgm:txPr/>
+    <dgm:style>
+      <a:lnRef idx="0">
+        <a:scrgbClr r="0" g="0" b="0"/>
+      </a:lnRef>
+      <a:fillRef idx="3">
+        <a:scrgbClr r="0" g="0" b="0"/>
+      </a:fillRef>
+      <a:effectRef idx="2">
+        <a:scrgbClr r="0" g="0" b="0"/>
+      </a:effectRef>
+      <a:fontRef idx="minor">
+        <a:schemeClr val="lt1"/>
+      </a:fontRef>
+    </dgm:style>
+  </dgm:styleLbl>
+  <dgm:styleLbl name="sibTrans1D1">
+    <dgm:scene3d>
+      <a:camera prst="orthographicFront"/>
+      <a:lightRig rig="threePt" dir="t"/>
+    </dgm:scene3d>
+    <dgm:sp3d/>
+    <dgm:txPr/>
+    <dgm:style>
+      <a:lnRef idx="1">
+        <a:scrgbClr r="0" g="0" b="0"/>
+      </a:lnRef>
+      <a:fillRef idx="0">
+        <a:scrgbClr r="0" g="0" b="0"/>
+      </a:fillRef>
+      <a:effectRef idx="0">
+        <a:scrgbClr r="0" g="0" b="0"/>
+      </a:effectRef>
+      <a:fontRef idx="minor"/>
+    </dgm:style>
+  </dgm:styleLbl>
+  <dgm:styleLbl name="callout">
+    <dgm:scene3d>
+      <a:camera prst="orthographicFront"/>
+      <a:lightRig rig="threePt" dir="t"/>
+    </dgm:scene3d>
+    <dgm:sp3d/>
+    <dgm:txPr/>
+    <dgm:style>
+      <a:lnRef idx="2">
+        <a:scrgbClr r="0" g="0" b="0"/>
+      </a:lnRef>
+      <a:fillRef idx="1">
+        <a:scrgbClr r="0" g="0" b="0"/>
+      </a:fillRef>
+      <a:effectRef idx="1">
+        <a:scrgbClr r="0" g="0" b="0"/>
+      </a:effectRef>
+      <a:fontRef idx="minor"/>
+    </dgm:style>
+  </dgm:styleLbl>
+  <dgm:styleLbl name="asst0">
+    <dgm:scene3d>
+      <a:camera prst="orthographicFront"/>
+      <a:lightRig rig="threePt" dir="t"/>
+    </dgm:scene3d>
+    <dgm:sp3d/>
+    <dgm:txPr/>
+    <dgm:style>
+      <a:lnRef idx="0">
+        <a:scrgbClr r="0" g="0" b="0"/>
+      </a:lnRef>
+      <a:fillRef idx="3">
+        <a:scrgbClr r="0" g="0" b="0"/>
+      </a:fillRef>
+      <a:effectRef idx="2">
+        <a:scrgbClr r="0" g="0" b="0"/>
+      </a:effectRef>
+      <a:fontRef idx="minor">
+        <a:schemeClr val="lt1"/>
+      </a:fontRef>
+    </dgm:style>
+  </dgm:styleLbl>
+  <dgm:styleLbl name="asst1">
+    <dgm:scene3d>
+      <a:camera prst="orthographicFront"/>
+      <a:lightRig rig="threePt" dir="t"/>
+    </dgm:scene3d>
+    <dgm:sp3d/>
+    <dgm:txPr/>
+    <dgm:style>
+      <a:lnRef idx="0">
+        <a:scrgbClr r="0" g="0" b="0"/>
+      </a:lnRef>
+      <a:fillRef idx="3">
+        <a:scrgbClr r="0" g="0" b="0"/>
+      </a:fillRef>
+      <a:effectRef idx="2">
+        <a:scrgbClr r="0" g="0" b="0"/>
+      </a:effectRef>
+      <a:fontRef idx="minor">
+        <a:schemeClr val="lt1"/>
+      </a:fontRef>
+    </dgm:style>
+  </dgm:styleLbl>
+  <dgm:styleLbl name="asst2">
+    <dgm:scene3d>
+      <a:camera prst="orthographicFront"/>
+      <a:lightRig rig="threePt" dir="t"/>
+    </dgm:scene3d>
+    <dgm:sp3d/>
+    <dgm:txPr/>
+    <dgm:style>
+      <a:lnRef idx="0">
+        <a:scrgbClr r="0" g="0" b="0"/>
+      </a:lnRef>
+      <a:fillRef idx="3">
+        <a:scrgbClr r="0" g="0" b="0"/>
+      </a:fillRef>
+      <a:effectRef idx="2">
+        <a:scrgbClr r="0" g="0" b="0"/>
+      </a:effectRef>
+      <a:fontRef idx="minor">
+        <a:schemeClr val="lt1"/>
+      </a:fontRef>
+    </dgm:style>
+  </dgm:styleLbl>
+  <dgm:styleLbl name="asst3">
+    <dgm:scene3d>
+      <a:camera prst="orthographicFront"/>
+      <a:lightRig rig="threePt" dir="t"/>
+    </dgm:scene3d>
+    <dgm:sp3d/>
+    <dgm:txPr/>
+    <dgm:style>
+      <a:lnRef idx="0">
+        <a:scrgbClr r="0" g="0" b="0"/>
+      </a:lnRef>
+      <a:fillRef idx="3">
+        <a:scrgbClr r="0" g="0" b="0"/>
+      </a:fillRef>
+      <a:effectRef idx="2">
+        <a:scrgbClr r="0" g="0" b="0"/>
+      </a:effectRef>
+      <a:fontRef idx="minor">
+        <a:schemeClr val="lt1"/>
+      </a:fontRef>
+    </dgm:style>
+  </dgm:styleLbl>
+  <dgm:styleLbl name="asst4">
+    <dgm:scene3d>
+      <a:camera prst="orthographicFront"/>
+      <a:lightRig rig="threePt" dir="t"/>
+    </dgm:scene3d>
+    <dgm:sp3d/>
+    <dgm:txPr/>
+    <dgm:style>
+      <a:lnRef idx="0">
+        <a:scrgbClr r="0" g="0" b="0"/>
+      </a:lnRef>
+      <a:fillRef idx="3">
+        <a:scrgbClr r="0" g="0" b="0"/>
+      </a:fillRef>
+      <a:effectRef idx="2">
+        <a:scrgbClr r="0" g="0" b="0"/>
+      </a:effectRef>
+      <a:fontRef idx="minor">
+        <a:schemeClr val="lt1"/>
+      </a:fontRef>
+    </dgm:style>
+  </dgm:styleLbl>
+  <dgm:styleLbl name="parChTrans2D1">
+    <dgm:scene3d>
+      <a:camera prst="orthographicFront"/>
+      <a:lightRig rig="threePt" dir="t"/>
+    </dgm:scene3d>
+    <dgm:sp3d/>
+    <dgm:txPr/>
+    <dgm:style>
+      <a:lnRef idx="0">
+        <a:scrgbClr r="0" g="0" b="0"/>
+      </a:lnRef>
+      <a:fillRef idx="3">
+        <a:scrgbClr r="0" g="0" b="0"/>
+      </a:fillRef>
+      <a:effectRef idx="2">
+        <a:scrgbClr r="0" g="0" b="0"/>
+      </a:effectRef>
+      <a:fontRef idx="minor">
+        <a:schemeClr val="lt1"/>
+      </a:fontRef>
+    </dgm:style>
+  </dgm:styleLbl>
+  <dgm:styleLbl name="parChTrans2D2">
+    <dgm:scene3d>
+      <a:camera prst="orthographicFront"/>
+      <a:lightRig rig="threePt" dir="t"/>
+    </dgm:scene3d>
+    <dgm:sp3d/>
+    <dgm:txPr/>
+    <dgm:style>
+      <a:lnRef idx="0">
+        <a:scrgbClr r="0" g="0" b="0"/>
+      </a:lnRef>
+      <a:fillRef idx="3">
+        <a:scrgbClr r="0" g="0" b="0"/>
+      </a:fillRef>
+      <a:effectRef idx="2">
+        <a:scrgbClr r="0" g="0" b="0"/>
+      </a:effectRef>
+      <a:fontRef idx="minor">
+        <a:schemeClr val="lt1"/>
+      </a:fontRef>
+    </dgm:style>
+  </dgm:styleLbl>
+  <dgm:styleLbl name="parChTrans2D3">
+    <dgm:scene3d>
+      <a:camera prst="orthographicFront"/>
+      <a:lightRig rig="threePt" dir="t"/>
+    </dgm:scene3d>
+    <dgm:sp3d/>
+    <dgm:txPr/>
+    <dgm:style>
+      <a:lnRef idx="1">
+        <a:scrgbClr r="0" g="0" b="0"/>
+      </a:lnRef>
+      <a:fillRef idx="3">
+        <a:scrgbClr r="0" g="0" b="0"/>
+      </a:fillRef>
+      <a:effectRef idx="2">
+        <a:scrgbClr r="0" g="0" b="0"/>
+      </a:effectRef>
+      <a:fontRef idx="minor">
+        <a:schemeClr val="lt1"/>
+      </a:fontRef>
+    </dgm:style>
+  </dgm:styleLbl>
+  <dgm:styleLbl name="parChTrans2D4">
+    <dgm:scene3d>
+      <a:camera prst="orthographicFront"/>
+      <a:lightRig rig="threePt" dir="t"/>
+    </dgm:scene3d>
+    <dgm:sp3d/>
+    <dgm:txPr/>
+    <dgm:style>
+      <a:lnRef idx="1">
+        <a:scrgbClr r="0" g="0" b="0"/>
+      </a:lnRef>
+      <a:fillRef idx="3">
+        <a:scrgbClr r="0" g="0" b="0"/>
+      </a:fillRef>
+      <a:effectRef idx="2">
+        <a:scrgbClr r="0" g="0" b="0"/>
+      </a:effectRef>
+      <a:fontRef idx="minor">
+        <a:schemeClr val="lt1"/>
+      </a:fontRef>
+    </dgm:style>
+  </dgm:styleLbl>
+  <dgm:styleLbl name="parChTrans1D1">
+    <dgm:scene3d>
+      <a:camera prst="orthographicFront"/>
+      <a:lightRig rig="threePt" dir="t"/>
+    </dgm:scene3d>
+    <dgm:sp3d/>
+    <dgm:txPr/>
+    <dgm:style>
+      <a:lnRef idx="1">
+        <a:scrgbClr r="0" g="0" b="0"/>
+      </a:lnRef>
+      <a:fillRef idx="0">
+        <a:scrgbClr r="0" g="0" b="0"/>
+      </a:fillRef>
+      <a:effectRef idx="0">
+        <a:scrgbClr r="0" g="0" b="0"/>
+      </a:effectRef>
+      <a:fontRef idx="minor"/>
+    </dgm:style>
+  </dgm:styleLbl>
+  <dgm:styleLbl name="parChTrans1D2">
+    <dgm:scene3d>
+      <a:camera prst="orthographicFront"/>
+      <a:lightRig rig="threePt" dir="t"/>
+    </dgm:scene3d>
+    <dgm:sp3d/>
+    <dgm:txPr/>
+    <dgm:style>
+      <a:lnRef idx="1">
+        <a:scrgbClr r="0" g="0" b="0"/>
+      </a:lnRef>
+      <a:fillRef idx="0">
+        <a:scrgbClr r="0" g="0" b="0"/>
+      </a:fillRef>
+      <a:effectRef idx="0">
+        <a:scrgbClr r="0" g="0" b="0"/>
+      </a:effectRef>
+      <a:fontRef idx="minor"/>
+    </dgm:style>
+  </dgm:styleLbl>
+  <dgm:styleLbl name="parChTrans1D3">
+    <dgm:scene3d>
+      <a:camera prst="orthographicFront"/>
+      <a:lightRig rig="threePt" dir="t"/>
+    </dgm:scene3d>
+    <dgm:sp3d/>
+    <dgm:txPr/>
+    <dgm:style>
+      <a:lnRef idx="1">
+        <a:scrgbClr r="0" g="0" b="0"/>
+      </a:lnRef>
+      <a:fillRef idx="0">
+        <a:scrgbClr r="0" g="0" b="0"/>
+      </a:fillRef>
+      <a:effectRef idx="0">
+        <a:scrgbClr r="0" g="0" b="0"/>
+      </a:effectRef>
+      <a:fontRef idx="minor"/>
+    </dgm:style>
+  </dgm:styleLbl>
+  <dgm:styleLbl name="parChTrans1D4">
+    <dgm:scene3d>
+      <a:camera prst="orthographicFront"/>
+      <a:lightRig rig="threePt" dir="t"/>
+    </dgm:scene3d>
+    <dgm:sp3d/>
+    <dgm:txPr/>
+    <dgm:style>
+      <a:lnRef idx="1">
+        <a:scrgbClr r="0" g="0" b="0"/>
+      </a:lnRef>
+      <a:fillRef idx="0">
+        <a:scrgbClr r="0" g="0" b="0"/>
+      </a:fillRef>
+      <a:effectRef idx="0">
+        <a:scrgbClr r="0" g="0" b="0"/>
+      </a:effectRef>
+      <a:fontRef idx="minor"/>
+    </dgm:style>
+  </dgm:styleLbl>
+  <dgm:styleLbl name="fgAcc1">
+    <dgm:scene3d>
+      <a:camera prst="orthographicFront"/>
+      <a:lightRig rig="threePt" dir="t"/>
+    </dgm:scene3d>
+    <dgm:sp3d/>
+    <dgm:txPr/>
+    <dgm:style>
+      <a:lnRef idx="1">
+        <a:scrgbClr r="0" g="0" b="0"/>
+      </a:lnRef>
+      <a:fillRef idx="1">
+        <a:scrgbClr r="0" g="0" b="0"/>
+      </a:fillRef>
+      <a:effectRef idx="0">
+        <a:scrgbClr r="0" g="0" b="0"/>
+      </a:effectRef>
+      <a:fontRef idx="minor"/>
+    </dgm:style>
+  </dgm:styleLbl>
+  <dgm:styleLbl name="conFgAcc1">
+    <dgm:scene3d>
+      <a:camera prst="orthographicFront"/>
+      <a:lightRig rig="threePt" dir="t"/>
+    </dgm:scene3d>
+    <dgm:sp3d/>
+    <dgm:txPr/>
+    <dgm:style>
+      <a:lnRef idx="1">
+        <a:scrgbClr r="0" g="0" b="0"/>
+      </a:lnRef>
+      <a:fillRef idx="1">
+        <a:scrgbClr r="0" g="0" b="0"/>
+      </a:fillRef>
+      <a:effectRef idx="0">
+        <a:scrgbClr r="0" g="0" b="0"/>
+      </a:effectRef>
+      <a:fontRef idx="minor"/>
+    </dgm:style>
+  </dgm:styleLbl>
+  <dgm:styleLbl name="alignAcc1">
+    <dgm:scene3d>
+      <a:camera prst="orthographicFront"/>
+      <a:lightRig rig="threePt" dir="t"/>
+    </dgm:scene3d>
+    <dgm:sp3d/>
+    <dgm:txPr/>
+    <dgm:style>
+      <a:lnRef idx="1">
+        <a:scrgbClr r="0" g="0" b="0"/>
+      </a:lnRef>
+      <a:fillRef idx="1">
+        <a:scrgbClr r="0" g="0" b="0"/>
+      </a:fillRef>
+      <a:effectRef idx="0">
+        <a:scrgbClr r="0" g="0" b="0"/>
+      </a:effectRef>
+      <a:fontRef idx="minor"/>
+    </dgm:style>
+  </dgm:styleLbl>
+  <dgm:styleLbl name="trAlignAcc1">
+    <dgm:scene3d>
+      <a:camera prst="orthographicFront"/>
+      <a:lightRig rig="threePt" dir="t"/>
+    </dgm:scene3d>
+    <dgm:sp3d/>
+    <dgm:txPr/>
+    <dgm:style>
+      <a:lnRef idx="1">
+        <a:scrgbClr r="0" g="0" b="0"/>
+      </a:lnRef>
+      <a:fillRef idx="1">
+        <a:scrgbClr r="0" g="0" b="0"/>
+      </a:fillRef>
+      <a:effectRef idx="0">
+        <a:scrgbClr r="0" g="0" b="0"/>
+      </a:effectRef>
+      <a:fontRef idx="minor"/>
+    </dgm:style>
+  </dgm:styleLbl>
+  <dgm:styleLbl name="bgAcc1">
+    <dgm:scene3d>
+      <a:camera prst="orthographicFront"/>
+      <a:lightRig rig="threePt" dir="t"/>
+    </dgm:scene3d>
+    <dgm:sp3d/>
+    <dgm:txPr/>
+    <dgm:style>
+      <a:lnRef idx="1">
+        <a:scrgbClr r="0" g="0" b="0"/>
+      </a:lnRef>
+      <a:fillRef idx="1">
+        <a:scrgbClr r="0" g="0" b="0"/>
+      </a:fillRef>
+      <a:effectRef idx="0">
+        <a:scrgbClr r="0" g="0" b="0"/>
+      </a:effectRef>
+      <a:fontRef idx="minor"/>
+    </dgm:style>
+  </dgm:styleLbl>
+  <dgm:styleLbl name="solidFgAcc1">
+    <dgm:scene3d>
+      <a:camera prst="orthographicFront"/>
+      <a:lightRig rig="threePt" dir="t"/>
+    </dgm:scene3d>
+    <dgm:sp3d/>
+    <dgm:txPr/>
+    <dgm:style>
+      <a:lnRef idx="1">
+        <a:scrgbClr r="0" g="0" b="0"/>
+      </a:lnRef>
+      <a:fillRef idx="1">
+        <a:scrgbClr r="0" g="0" b="0"/>
+      </a:fillRef>
+      <a:effectRef idx="0">
+        <a:scrgbClr r="0" g="0" b="0"/>
+      </a:effectRef>
+      <a:fontRef idx="minor"/>
+    </dgm:style>
+  </dgm:styleLbl>
+  <dgm:styleLbl name="solidAlignAcc1">
+    <dgm:scene3d>
+      <a:camera prst="orthographicFront"/>
+      <a:lightRig rig="threePt" dir="t"/>
+    </dgm:scene3d>
+    <dgm:sp3d/>
+    <dgm:txPr/>
+    <dgm:style>
+      <a:lnRef idx="1">
+        <a:scrgbClr r="0" g="0" b="0"/>
+      </a:lnRef>
+      <a:fillRef idx="1">
+        <a:scrgbClr r="0" g="0" b="0"/>
+      </a:fillRef>
+      <a:effectRef idx="0">
+        <a:scrgbClr r="0" g="0" b="0"/>
+      </a:effectRef>
+      <a:fontRef idx="minor"/>
+    </dgm:style>
+  </dgm:styleLbl>
+  <dgm:styleLbl name="solidBgAcc1">
+    <dgm:scene3d>
+      <a:camera prst="orthographicFront"/>
+      <a:lightRig rig="threePt" dir="t"/>
+    </dgm:scene3d>
+    <dgm:sp3d/>
+    <dgm:txPr/>
+    <dgm:style>
+      <a:lnRef idx="1">
+        <a:scrgbClr r="0" g="0" b="0"/>
+      </a:lnRef>
+      <a:fillRef idx="1">
+        <a:scrgbClr r="0" g="0" b="0"/>
+      </a:fillRef>
+      <a:effectRef idx="0">
+        <a:scrgbClr r="0" g="0" b="0"/>
+      </a:effectRef>
+      <a:fontRef idx="minor"/>
+    </dgm:style>
+  </dgm:styleLbl>
+  <dgm:styleLbl name="fgAccFollowNode1">
+    <dgm:scene3d>
+      <a:camera prst="orthographicFront"/>
+      <a:lightRig rig="threePt" dir="t"/>
+    </dgm:scene3d>
+    <dgm:sp3d/>
+    <dgm:txPr/>
+    <dgm:style>
+      <a:lnRef idx="1">
+        <a:scrgbClr r="0" g="0" b="0"/>
+      </a:lnRef>
+      <a:fillRef idx="1">
+        <a:scrgbClr r="0" g="0" b="0"/>
+      </a:fillRef>
+      <a:effectRef idx="0">
+        <a:scrgbClr r="0" g="0" b="0"/>
+      </a:effectRef>
+      <a:fontRef idx="minor"/>
+    </dgm:style>
+  </dgm:styleLbl>
+  <dgm:styleLbl name="alignAccFollowNode1">
+    <dgm:scene3d>
+      <a:camera prst="orthographicFront"/>
+      <a:lightRig rig="threePt" dir="t"/>
+    </dgm:scene3d>
+    <dgm:sp3d/>
+    <dgm:txPr/>
+    <dgm:style>
+      <a:lnRef idx="1">
+        <a:scrgbClr r="0" g="0" b="0"/>
+      </a:lnRef>
+      <a:fillRef idx="1">
+        <a:scrgbClr r="0" g="0" b="0"/>
+      </a:fillRef>
+      <a:effectRef idx="0">
+        <a:scrgbClr r="0" g="0" b="0"/>
+      </a:effectRef>
+      <a:fontRef idx="minor"/>
+    </dgm:style>
+  </dgm:styleLbl>
+  <dgm:styleLbl name="bgAccFollowNode1">
+    <dgm:scene3d>
+      <a:camera prst="orthographicFront"/>
+      <a:lightRig rig="threePt" dir="t"/>
+    </dgm:scene3d>
+    <dgm:sp3d/>
+    <dgm:txPr/>
+    <dgm:style>
+      <a:lnRef idx="1">
+        <a:scrgbClr r="0" g="0" b="0"/>
+      </a:lnRef>
+      <a:fillRef idx="1">
+        <a:scrgbClr r="0" g="0" b="0"/>
+      </a:fillRef>
+      <a:effectRef idx="0">
+        <a:scrgbClr r="0" g="0" b="0"/>
+      </a:effectRef>
+      <a:fontRef idx="minor"/>
+    </dgm:style>
+  </dgm:styleLbl>
+  <dgm:styleLbl name="fgAcc0">
+    <dgm:scene3d>
+      <a:camera prst="orthographicFront"/>
+      <a:lightRig rig="threePt" dir="t"/>
+    </dgm:scene3d>
+    <dgm:sp3d/>
+    <dgm:txPr/>
+    <dgm:style>
+      <a:lnRef idx="1">
+        <a:scrgbClr r="0" g="0" b="0"/>
+      </a:lnRef>
+      <a:fillRef idx="1">
+        <a:scrgbClr r="0" g="0" b="0"/>
+      </a:fillRef>
+      <a:effectRef idx="0">
+        <a:scrgbClr r="0" g="0" b="0"/>
+      </a:effectRef>
+      <a:fontRef idx="minor"/>
+    </dgm:style>
+  </dgm:styleLbl>
+  <dgm:styleLbl name="fgAcc2">
+    <dgm:scene3d>
+      <a:camera prst="orthographicFront"/>
+      <a:lightRig rig="threePt" dir="t"/>
+    </dgm:scene3d>
+    <dgm:sp3d/>
+    <dgm:txPr/>
+    <dgm:style>
+      <a:lnRef idx="1">
+        <a:scrgbClr r="0" g="0" b="0"/>
+      </a:lnRef>
+      <a:fillRef idx="1">
+        <a:scrgbClr r="0" g="0" b="0"/>
+      </a:fillRef>
+      <a:effectRef idx="0">
+        <a:scrgbClr r="0" g="0" b="0"/>
+      </a:effectRef>
+      <a:fontRef idx="minor"/>
+    </dgm:style>
+  </dgm:styleLbl>
+  <dgm:styleLbl name="fgAcc3">
+    <dgm:scene3d>
+      <a:camera prst="orthographicFront"/>
+      <a:lightRig rig="threePt" dir="t"/>
+    </dgm:scene3d>
+    <dgm:sp3d/>
+    <dgm:txPr/>
+    <dgm:style>
+      <a:lnRef idx="1">
+        <a:scrgbClr r="0" g="0" b="0"/>
+      </a:lnRef>
+      <a:fillRef idx="1">
+        <a:scrgbClr r="0" g="0" b="0"/>
+      </a:fillRef>
+      <a:effectRef idx="0">
+        <a:scrgbClr r="0" g="0" b="0"/>
+      </a:effectRef>
+      <a:fontRef idx="minor"/>
+    </dgm:style>
+  </dgm:styleLbl>
+  <dgm:styleLbl name="fgAcc4">
+    <dgm:scene3d>
+      <a:camera prst="orthographicFront"/>
+      <a:lightRig rig="threePt" dir="t"/>
+    </dgm:scene3d>
+    <dgm:sp3d/>
+    <dgm:txPr/>
+    <dgm:style>
+      <a:lnRef idx="1">
+        <a:scrgbClr r="0" g="0" b="0"/>
+      </a:lnRef>
+      <a:fillRef idx="1">
+        <a:scrgbClr r="0" g="0" b="0"/>
+      </a:fillRef>
+      <a:effectRef idx="0">
+        <a:scrgbClr r="0" g="0" b="0"/>
+      </a:effectRef>
+      <a:fontRef idx="minor"/>
+    </dgm:style>
+  </dgm:styleLbl>
+  <dgm:styleLbl name="bgShp">
+    <dgm:scene3d>
+      <a:camera prst="orthographicFront"/>
+      <a:lightRig rig="threePt" dir="t"/>
+    </dgm:scene3d>
+    <dgm:sp3d/>
+    <dgm:txPr/>
+    <dgm:style>
+      <a:lnRef idx="0">
+        <a:scrgbClr r="0" g="0" b="0"/>
+      </a:lnRef>
+      <a:fillRef idx="1">
+        <a:scrgbClr r="0" g="0" b="0"/>
+      </a:fillRef>
+      <a:effectRef idx="2">
+        <a:scrgbClr r="0" g="0" b="0"/>
+      </a:effectRef>
+      <a:fontRef idx="minor"/>
+    </dgm:style>
+  </dgm:styleLbl>
+  <dgm:styleLbl name="dkBgShp">
+    <dgm:scene3d>
+      <a:camera prst="orthographicFront"/>
+      <a:lightRig rig="threePt" dir="t"/>
+    </dgm:scene3d>
+    <dgm:sp3d/>
+    <dgm:txPr/>
+    <dgm:style>
+      <a:lnRef idx="0">
+        <a:scrgbClr r="0" g="0" b="0"/>
+      </a:lnRef>
+      <a:fillRef idx="1">
+        <a:scrgbClr r="0" g="0" b="0"/>
+      </a:fillRef>
+      <a:effectRef idx="2">
+        <a:scrgbClr r="0" g="0" b="0"/>
+      </a:effectRef>
+      <a:fontRef idx="minor"/>
+    </dgm:style>
+  </dgm:styleLbl>
+  <dgm:styleLbl name="trBgShp">
+    <dgm:scene3d>
+      <a:camera prst="orthographicFront"/>
+      <a:lightRig rig="threePt" dir="t"/>
+    </dgm:scene3d>
+    <dgm:sp3d/>
+    <dgm:txPr/>
+    <dgm:style>
+      <a:lnRef idx="0">
+        <a:scrgbClr r="0" g="0" b="0"/>
+      </a:lnRef>
+      <a:fillRef idx="1">
+        <a:scrgbClr r="0" g="0" b="0"/>
+      </a:fillRef>
+      <a:effectRef idx="0">
+        <a:scrgbClr r="0" g="0" b="0"/>
+      </a:effectRef>
+      <a:fontRef idx="minor"/>
+    </dgm:style>
+  </dgm:styleLbl>
+  <dgm:styleLbl name="fgShp">
+    <dgm:scene3d>
+      <a:camera prst="orthographicFront"/>
+      <a:lightRig rig="threePt" dir="t"/>
+    </dgm:scene3d>
+    <dgm:sp3d/>
+    <dgm:txPr/>
+    <dgm:style>
+      <a:lnRef idx="0">
+        <a:scrgbClr r="0" g="0" b="0"/>
+      </a:lnRef>
+      <a:fillRef idx="3">
+        <a:scrgbClr r="0" g="0" b="0"/>
+      </a:fillRef>
+      <a:effectRef idx="2">
+        <a:scrgbClr r="0" g="0" b="0"/>
+      </a:effectRef>
+      <a:fontRef idx="minor"/>
+    </dgm:style>
+  </dgm:styleLbl>
+  <dgm:styleLbl name="revTx">
+    <dgm:scene3d>
+      <a:camera prst="orthographicFront"/>
+      <a:lightRig rig="threePt" dir="t"/>
+    </dgm:scene3d>
+    <dgm:sp3d/>
+    <dgm:txPr/>
+    <dgm:style>
+      <a:lnRef idx="0">
+        <a:scrgbClr r="0" g="0" b="0"/>
+      </a:lnRef>
+      <a:fillRef idx="0">
+        <a:scrgbClr r="0" g="0" b="0"/>
+      </a:fillRef>
+      <a:effectRef idx="0">
+        <a:scrgbClr r="0" g="0" b="0"/>
+      </a:effectRef>
+      <a:fontRef idx="minor"/>
+    </dgm:style>
+  </dgm:styleLbl>
+</dgm:styleDef>
+</file>
+
 <file path=ppt/handoutMasters/handoutMaster1.xml><?xml version="1.0" encoding="utf-8"?>
 <p:handoutMaster xmlns:a="http://schemas.openxmlformats.org/drawingml/2006/main" xmlns:r="http://schemas.openxmlformats.org/officeDocument/2006/relationships" xmlns:p="http://schemas.openxmlformats.org/presentationml/2006/main">
   <p:cSld>
@@ -309,7 +6865,7 @@
             <a:fld id="{36830665-627D-8446-BB4C-F734FB643EF0}" type="datetime1">
               <a:rPr lang="en-US"/>
               <a:pPr/>
-              <a:t>17/04/16</a:t>
+              <a:t>18/04/16</a:t>
             </a:fld>
             <a:endParaRPr lang="en-US"/>
           </a:p>
@@ -2067,7 +8623,17 @@
             </a:r>
             <a:r>
               <a:rPr lang="en-GB" baseline="0" dirty="0" smtClean="0"/>
-              <a:t> is protected by a unique set of parity bits</a:t>
+              <a:t> is protected by a unique set of parity </a:t>
+            </a:r>
+            <a:r>
+              <a:rPr lang="en-GB" baseline="0" dirty="0" smtClean="0"/>
+              <a:t>bits</a:t>
+            </a:r>
+          </a:p>
+          <a:p>
+            <a:r>
+              <a:rPr lang="en-GB" baseline="0" dirty="0" smtClean="0"/>
+              <a:t>e.g. if bit 9 flipped, will show up in parity bits 1 and 4</a:t>
             </a:r>
             <a:endParaRPr lang="en-GB" dirty="0"/>
           </a:p>
@@ -2176,7 +8742,7 @@
             <a:fld id="{1C811BE7-51AF-BD41-88D3-08D74CFB37BF}" type="slidenum">
               <a:rPr lang="en-GB" smtClean="0"/>
               <a:pPr/>
-              <a:t>30</a:t>
+              <a:t>31</a:t>
             </a:fld>
             <a:endParaRPr lang="en-GB"/>
           </a:p>
@@ -2328,14 +8894,6 @@
           <a:bodyPr/>
           <a:lstStyle/>
           <a:p>
-            <a:r>
-              <a:rPr lang="en-GB" dirty="0" smtClean="0"/>
-              <a:t>TODO: Animate</a:t>
-            </a:r>
-            <a:r>
-              <a:rPr lang="en-GB" baseline="0" dirty="0" smtClean="0"/>
-              <a:t> – incremental reveal</a:t>
-            </a:r>
             <a:endParaRPr lang="en-GB" dirty="0"/>
           </a:p>
         </p:txBody>
@@ -2358,7 +8916,7 @@
             <a:fld id="{1C811BE7-51AF-BD41-88D3-08D74CFB37BF}" type="slidenum">
               <a:rPr lang="en-GB" smtClean="0"/>
               <a:pPr/>
-              <a:t>31</a:t>
+              <a:t>32</a:t>
             </a:fld>
             <a:endParaRPr lang="en-GB"/>
           </a:p>
@@ -2443,7 +9001,7 @@
             <a:fld id="{1C811BE7-51AF-BD41-88D3-08D74CFB37BF}" type="slidenum">
               <a:rPr lang="en-GB" smtClean="0"/>
               <a:pPr/>
-              <a:t>32</a:t>
+              <a:t>33</a:t>
             </a:fld>
             <a:endParaRPr lang="en-GB"/>
           </a:p>
@@ -2528,7 +9086,7 @@
             <a:fld id="{1C811BE7-51AF-BD41-88D3-08D74CFB37BF}" type="slidenum">
               <a:rPr lang="en-GB" smtClean="0"/>
               <a:pPr/>
-              <a:t>33</a:t>
+              <a:t>34</a:t>
             </a:fld>
             <a:endParaRPr lang="en-GB"/>
           </a:p>
@@ -2613,7 +9171,7 @@
             <a:fld id="{1C811BE7-51AF-BD41-88D3-08D74CFB37BF}" type="slidenum">
               <a:rPr lang="en-GB" smtClean="0"/>
               <a:pPr/>
-              <a:t>34</a:t>
+              <a:t>35</a:t>
             </a:fld>
             <a:endParaRPr lang="en-GB"/>
           </a:p>
@@ -2698,7 +9256,7 @@
             <a:fld id="{1C811BE7-51AF-BD41-88D3-08D74CFB37BF}" type="slidenum">
               <a:rPr lang="en-GB" smtClean="0"/>
               <a:pPr/>
-              <a:t>35</a:t>
+              <a:t>36</a:t>
             </a:fld>
             <a:endParaRPr lang="en-GB"/>
           </a:p>
@@ -2783,7 +9341,7 @@
             <a:fld id="{1C811BE7-51AF-BD41-88D3-08D74CFB37BF}" type="slidenum">
               <a:rPr lang="en-GB" smtClean="0"/>
               <a:pPr/>
-              <a:t>36</a:t>
+              <a:t>37</a:t>
             </a:fld>
             <a:endParaRPr lang="en-GB"/>
           </a:p>
@@ -2868,7 +9426,7 @@
             <a:fld id="{1C811BE7-51AF-BD41-88D3-08D74CFB37BF}" type="slidenum">
               <a:rPr lang="en-GB" smtClean="0"/>
               <a:pPr/>
-              <a:t>37</a:t>
+              <a:t>38</a:t>
             </a:fld>
             <a:endParaRPr lang="en-GB"/>
           </a:p>
@@ -2953,7 +9511,7 @@
             <a:fld id="{1C811BE7-51AF-BD41-88D3-08D74CFB37BF}" type="slidenum">
               <a:rPr lang="en-GB" smtClean="0"/>
               <a:pPr/>
-              <a:t>38</a:t>
+              <a:t>40</a:t>
             </a:fld>
             <a:endParaRPr lang="en-GB"/>
           </a:p>
@@ -3042,7 +9600,7 @@
             <a:fld id="{1C811BE7-51AF-BD41-88D3-08D74CFB37BF}" type="slidenum">
               <a:rPr lang="en-GB" smtClean="0"/>
               <a:pPr/>
-              <a:t>41</a:t>
+              <a:t>43</a:t>
             </a:fld>
             <a:endParaRPr lang="en-GB"/>
           </a:p>
@@ -3135,7 +9693,7 @@
             <a:fld id="{1C811BE7-51AF-BD41-88D3-08D74CFB37BF}" type="slidenum">
               <a:rPr lang="en-GB" smtClean="0"/>
               <a:pPr/>
-              <a:t>43</a:t>
+              <a:t>45</a:t>
             </a:fld>
             <a:endParaRPr lang="en-GB"/>
           </a:p>
@@ -3310,7 +9868,7 @@
             <a:fld id="{1C811BE7-51AF-BD41-88D3-08D74CFB37BF}" type="slidenum">
               <a:rPr lang="en-GB" smtClean="0"/>
               <a:pPr/>
-              <a:t>44</a:t>
+              <a:t>46</a:t>
             </a:fld>
             <a:endParaRPr lang="en-GB"/>
           </a:p>
@@ -3395,7 +9953,7 @@
             <a:fld id="{1C811BE7-51AF-BD41-88D3-08D74CFB37BF}" type="slidenum">
               <a:rPr lang="en-GB" smtClean="0"/>
               <a:pPr/>
-              <a:t>46</a:t>
+              <a:t>48</a:t>
             </a:fld>
             <a:endParaRPr lang="en-GB"/>
           </a:p>
@@ -3480,7 +10038,7 @@
             <a:fld id="{1C811BE7-51AF-BD41-88D3-08D74CFB37BF}" type="slidenum">
               <a:rPr lang="en-GB" smtClean="0"/>
               <a:pPr/>
-              <a:t>47</a:t>
+              <a:t>49</a:t>
             </a:fld>
             <a:endParaRPr lang="en-GB"/>
           </a:p>
@@ -3565,7 +10123,7 @@
             <a:fld id="{1C811BE7-51AF-BD41-88D3-08D74CFB37BF}" type="slidenum">
               <a:rPr lang="en-GB" smtClean="0"/>
               <a:pPr/>
-              <a:t>49</a:t>
+              <a:t>51</a:t>
             </a:fld>
             <a:endParaRPr lang="en-GB"/>
           </a:p>
@@ -10750,7 +17308,7 @@
           <p:nvPr/>
         </p:nvPicPr>
         <p:blipFill>
-          <a:blip r:embed="rId4">
+          <a:blip>
             <a:extLst>
               <a:ext uri="{28A0092B-C50C-407E-A947-70E740481C1C}">
                 <a14:useLocalDpi xmlns:a14="http://schemas.microsoft.com/office/drawing/2010/main" val="0"/>
@@ -11969,13 +18527,8 @@
             <a:pPr lvl="1"/>
             <a:r>
               <a:rPr lang="en-GB" dirty="0" smtClean="0"/>
-              <a:t>Opportunity to perform constraint checks in parallel with long latency DRAM </a:t>
-            </a:r>
-            <a:r>
-              <a:rPr lang="en-GB" dirty="0" smtClean="0"/>
-              <a:t>accesses</a:t>
-            </a:r>
-            <a:endParaRPr lang="en-GB" dirty="0" smtClean="0"/>
+              <a:t>Opportunity to perform constraint checks in parallel with long latency DRAM accesses</a:t>
+            </a:r>
           </a:p>
         </p:txBody>
       </p:sp>
@@ -24438,12 +30991,37 @@
           <a:p>
             <a:r>
               <a:rPr lang="en-GB" dirty="0" smtClean="0"/>
-              <a:t>Hamming codes - example</a:t>
+              <a:t>Hamming codes</a:t>
             </a:r>
             <a:endParaRPr lang="en-GB" dirty="0"/>
           </a:p>
         </p:txBody>
       </p:sp>
+      <p:graphicFrame>
+        <p:nvGraphicFramePr>
+          <p:cNvPr id="6" name="Content Placeholder 5"/>
+          <p:cNvGraphicFramePr>
+            <a:graphicFrameLocks noGrp="1"/>
+          </p:cNvGraphicFramePr>
+          <p:nvPr>
+            <p:ph idx="1"/>
+            <p:extLst>
+              <p:ext uri="{D42A27DB-BD31-4B8C-83A1-F6EECF244321}">
+                <p14:modId xmlns:p14="http://schemas.microsoft.com/office/powerpoint/2010/main" val="343369491"/>
+              </p:ext>
+            </p:extLst>
+          </p:nvPr>
+        </p:nvGraphicFramePr>
+        <p:xfrm>
+          <a:off x="444500" y="1231900"/>
+          <a:ext cx="8229600" cy="4686300"/>
+        </p:xfrm>
+        <a:graphic>
+          <a:graphicData uri="http://schemas.openxmlformats.org/drawingml/2006/diagram">
+            <dgm:relIds xmlns:dgm="http://schemas.openxmlformats.org/drawingml/2006/diagram" xmlns:r="http://schemas.openxmlformats.org/officeDocument/2006/relationships" r:dm="rId2" r:lo="rId3" r:qs="rId4" r:cs="rId5"/>
+          </a:graphicData>
+        </a:graphic>
+      </p:graphicFrame>
       <p:sp>
         <p:nvSpPr>
           <p:cNvPr id="4" name="Slide Number Placeholder 3"/>
@@ -24463,6 +31041,541 @@
               <a:rPr lang="en-GB" smtClean="0"/>
               <a:pPr/>
               <a:t>30</a:t>
+            </a:fld>
+            <a:endParaRPr lang="en-GB"/>
+          </a:p>
+        </p:txBody>
+      </p:sp>
+      <p:sp>
+        <p:nvSpPr>
+          <p:cNvPr id="7" name="TextBox 6"/>
+          <p:cNvSpPr txBox="1"/>
+          <p:nvPr/>
+        </p:nvSpPr>
+        <p:spPr>
+          <a:xfrm>
+            <a:off x="4102100" y="1816100"/>
+            <a:ext cx="774700" cy="369332"/>
+          </a:xfrm>
+          <a:prstGeom prst="rect">
+            <a:avLst/>
+          </a:prstGeom>
+          <a:noFill/>
+        </p:spPr>
+        <p:txBody>
+          <a:bodyPr wrap="square" rtlCol="0">
+            <a:spAutoFit/>
+          </a:bodyPr>
+          <a:lstStyle/>
+          <a:p>
+            <a:r>
+              <a:rPr lang="en-GB" dirty="0" smtClean="0"/>
+              <a:t>bit 1</a:t>
+            </a:r>
+            <a:endParaRPr lang="en-GB" dirty="0"/>
+          </a:p>
+        </p:txBody>
+      </p:sp>
+      <p:sp>
+        <p:nvSpPr>
+          <p:cNvPr id="8" name="TextBox 7"/>
+          <p:cNvSpPr txBox="1"/>
+          <p:nvPr/>
+        </p:nvSpPr>
+        <p:spPr>
+          <a:xfrm>
+            <a:off x="6667500" y="4038600"/>
+            <a:ext cx="774700" cy="369332"/>
+          </a:xfrm>
+          <a:prstGeom prst="rect">
+            <a:avLst/>
+          </a:prstGeom>
+          <a:noFill/>
+        </p:spPr>
+        <p:txBody>
+          <a:bodyPr wrap="square" rtlCol="0">
+            <a:spAutoFit/>
+          </a:bodyPr>
+          <a:lstStyle/>
+          <a:p>
+            <a:r>
+              <a:rPr lang="en-GB" dirty="0" smtClean="0"/>
+              <a:t>bit 4</a:t>
+            </a:r>
+            <a:endParaRPr lang="en-GB" dirty="0"/>
+          </a:p>
+        </p:txBody>
+      </p:sp>
+      <p:sp>
+        <p:nvSpPr>
+          <p:cNvPr id="10" name="TextBox 9"/>
+          <p:cNvSpPr txBox="1"/>
+          <p:nvPr/>
+        </p:nvSpPr>
+        <p:spPr>
+          <a:xfrm>
+            <a:off x="3860800" y="4787900"/>
+            <a:ext cx="774700" cy="369332"/>
+          </a:xfrm>
+          <a:prstGeom prst="rect">
+            <a:avLst/>
+          </a:prstGeom>
+          <a:noFill/>
+        </p:spPr>
+        <p:txBody>
+          <a:bodyPr wrap="square" rtlCol="0">
+            <a:spAutoFit/>
+          </a:bodyPr>
+          <a:lstStyle/>
+          <a:p>
+            <a:r>
+              <a:rPr lang="en-GB" dirty="0" smtClean="0"/>
+              <a:t>bit 2</a:t>
+            </a:r>
+            <a:endParaRPr lang="en-GB" dirty="0"/>
+          </a:p>
+        </p:txBody>
+      </p:sp>
+      <p:sp>
+        <p:nvSpPr>
+          <p:cNvPr id="12" name="TextBox 11"/>
+          <p:cNvSpPr txBox="1"/>
+          <p:nvPr/>
+        </p:nvSpPr>
+        <p:spPr>
+          <a:xfrm>
+            <a:off x="4025900" y="3200400"/>
+            <a:ext cx="774700" cy="369332"/>
+          </a:xfrm>
+          <a:prstGeom prst="rect">
+            <a:avLst/>
+          </a:prstGeom>
+          <a:noFill/>
+        </p:spPr>
+        <p:txBody>
+          <a:bodyPr wrap="square" rtlCol="0">
+            <a:spAutoFit/>
+          </a:bodyPr>
+          <a:lstStyle/>
+          <a:p>
+            <a:r>
+              <a:rPr lang="en-GB" dirty="0" smtClean="0"/>
+              <a:t>bit 3</a:t>
+            </a:r>
+            <a:endParaRPr lang="en-GB" dirty="0"/>
+          </a:p>
+        </p:txBody>
+      </p:sp>
+      <p:sp>
+        <p:nvSpPr>
+          <p:cNvPr id="13" name="TextBox 12"/>
+          <p:cNvSpPr txBox="1"/>
+          <p:nvPr/>
+        </p:nvSpPr>
+        <p:spPr>
+          <a:xfrm>
+            <a:off x="5930900" y="3009900"/>
+            <a:ext cx="774700" cy="369332"/>
+          </a:xfrm>
+          <a:prstGeom prst="rect">
+            <a:avLst/>
+          </a:prstGeom>
+          <a:noFill/>
+        </p:spPr>
+        <p:txBody>
+          <a:bodyPr wrap="square" rtlCol="0">
+            <a:spAutoFit/>
+          </a:bodyPr>
+          <a:lstStyle/>
+          <a:p>
+            <a:r>
+              <a:rPr lang="en-GB" dirty="0" smtClean="0"/>
+              <a:t>bit 5</a:t>
+            </a:r>
+            <a:endParaRPr lang="en-GB" dirty="0"/>
+          </a:p>
+        </p:txBody>
+      </p:sp>
+      <p:sp>
+        <p:nvSpPr>
+          <p:cNvPr id="14" name="TextBox 13"/>
+          <p:cNvSpPr txBox="1"/>
+          <p:nvPr/>
+        </p:nvSpPr>
+        <p:spPr>
+          <a:xfrm>
+            <a:off x="5016500" y="4127500"/>
+            <a:ext cx="774700" cy="369332"/>
+          </a:xfrm>
+          <a:prstGeom prst="rect">
+            <a:avLst/>
+          </a:prstGeom>
+          <a:noFill/>
+        </p:spPr>
+        <p:txBody>
+          <a:bodyPr wrap="square" rtlCol="0">
+            <a:spAutoFit/>
+          </a:bodyPr>
+          <a:lstStyle/>
+          <a:p>
+            <a:r>
+              <a:rPr lang="en-GB" dirty="0" smtClean="0"/>
+              <a:t>bit 6</a:t>
+            </a:r>
+            <a:endParaRPr lang="en-GB" dirty="0"/>
+          </a:p>
+        </p:txBody>
+      </p:sp>
+      <p:sp>
+        <p:nvSpPr>
+          <p:cNvPr id="15" name="TextBox 14"/>
+          <p:cNvSpPr txBox="1"/>
+          <p:nvPr/>
+        </p:nvSpPr>
+        <p:spPr>
+          <a:xfrm>
+            <a:off x="4787900" y="3302000"/>
+            <a:ext cx="774700" cy="369332"/>
+          </a:xfrm>
+          <a:prstGeom prst="rect">
+            <a:avLst/>
+          </a:prstGeom>
+          <a:noFill/>
+        </p:spPr>
+        <p:txBody>
+          <a:bodyPr wrap="square" rtlCol="0">
+            <a:spAutoFit/>
+          </a:bodyPr>
+          <a:lstStyle/>
+          <a:p>
+            <a:r>
+              <a:rPr lang="en-GB" dirty="0" smtClean="0"/>
+              <a:t>bit 7</a:t>
+            </a:r>
+            <a:endParaRPr lang="en-GB" dirty="0"/>
+          </a:p>
+        </p:txBody>
+      </p:sp>
+      <p:sp>
+        <p:nvSpPr>
+          <p:cNvPr id="16" name="TextBox 15"/>
+          <p:cNvSpPr txBox="1"/>
+          <p:nvPr/>
+        </p:nvSpPr>
+        <p:spPr>
+          <a:xfrm>
+            <a:off x="1295400" y="3810000"/>
+            <a:ext cx="774700" cy="369332"/>
+          </a:xfrm>
+          <a:prstGeom prst="rect">
+            <a:avLst/>
+          </a:prstGeom>
+          <a:noFill/>
+        </p:spPr>
+        <p:txBody>
+          <a:bodyPr wrap="square" rtlCol="0">
+            <a:spAutoFit/>
+          </a:bodyPr>
+          <a:lstStyle/>
+          <a:p>
+            <a:r>
+              <a:rPr lang="en-GB" dirty="0" smtClean="0"/>
+              <a:t>bit 8</a:t>
+            </a:r>
+            <a:endParaRPr lang="en-GB" dirty="0"/>
+          </a:p>
+        </p:txBody>
+      </p:sp>
+      <p:sp>
+        <p:nvSpPr>
+          <p:cNvPr id="17" name="TextBox 16"/>
+          <p:cNvSpPr txBox="1"/>
+          <p:nvPr/>
+        </p:nvSpPr>
+        <p:spPr>
+          <a:xfrm>
+            <a:off x="2133600" y="2806700"/>
+            <a:ext cx="774700" cy="369332"/>
+          </a:xfrm>
+          <a:prstGeom prst="rect">
+            <a:avLst/>
+          </a:prstGeom>
+          <a:noFill/>
+        </p:spPr>
+        <p:txBody>
+          <a:bodyPr wrap="square" rtlCol="0">
+            <a:spAutoFit/>
+          </a:bodyPr>
+          <a:lstStyle/>
+          <a:p>
+            <a:r>
+              <a:rPr lang="en-GB" dirty="0" smtClean="0"/>
+              <a:t>bit 9</a:t>
+            </a:r>
+            <a:endParaRPr lang="en-GB" dirty="0"/>
+          </a:p>
+        </p:txBody>
+      </p:sp>
+      <p:sp>
+        <p:nvSpPr>
+          <p:cNvPr id="18" name="TextBox 17"/>
+          <p:cNvSpPr txBox="1"/>
+          <p:nvPr/>
+        </p:nvSpPr>
+        <p:spPr>
+          <a:xfrm>
+            <a:off x="2705100" y="4114800"/>
+            <a:ext cx="774700" cy="369332"/>
+          </a:xfrm>
+          <a:prstGeom prst="rect">
+            <a:avLst/>
+          </a:prstGeom>
+          <a:noFill/>
+        </p:spPr>
+        <p:txBody>
+          <a:bodyPr wrap="square" rtlCol="0">
+            <a:spAutoFit/>
+          </a:bodyPr>
+          <a:lstStyle/>
+          <a:p>
+            <a:r>
+              <a:rPr lang="en-GB" dirty="0" smtClean="0"/>
+              <a:t>bit 10</a:t>
+            </a:r>
+            <a:endParaRPr lang="en-GB" dirty="0"/>
+          </a:p>
+        </p:txBody>
+      </p:sp>
+      <p:sp>
+        <p:nvSpPr>
+          <p:cNvPr id="19" name="TextBox 18"/>
+          <p:cNvSpPr txBox="1"/>
+          <p:nvPr/>
+        </p:nvSpPr>
+        <p:spPr>
+          <a:xfrm>
+            <a:off x="3060700" y="3263900"/>
+            <a:ext cx="774700" cy="369332"/>
+          </a:xfrm>
+          <a:prstGeom prst="rect">
+            <a:avLst/>
+          </a:prstGeom>
+          <a:noFill/>
+        </p:spPr>
+        <p:txBody>
+          <a:bodyPr wrap="square" rtlCol="0">
+            <a:spAutoFit/>
+          </a:bodyPr>
+          <a:lstStyle/>
+          <a:p>
+            <a:r>
+              <a:rPr lang="en-GB" dirty="0" smtClean="0"/>
+              <a:t>bit 11</a:t>
+            </a:r>
+            <a:endParaRPr lang="en-GB" dirty="0"/>
+          </a:p>
+        </p:txBody>
+      </p:sp>
+      <p:sp>
+        <p:nvSpPr>
+          <p:cNvPr id="20" name="TextBox 19"/>
+          <p:cNvSpPr txBox="1"/>
+          <p:nvPr/>
+        </p:nvSpPr>
+        <p:spPr>
+          <a:xfrm>
+            <a:off x="5067300" y="876300"/>
+            <a:ext cx="1511300" cy="369332"/>
+          </a:xfrm>
+          <a:prstGeom prst="rect">
+            <a:avLst/>
+          </a:prstGeom>
+          <a:noFill/>
+        </p:spPr>
+        <p:txBody>
+          <a:bodyPr wrap="square" rtlCol="0">
+            <a:spAutoFit/>
+          </a:bodyPr>
+          <a:lstStyle/>
+          <a:p>
+            <a:r>
+              <a:rPr lang="en-GB" b="1" dirty="0" smtClean="0"/>
+              <a:t>parity bit 1</a:t>
+            </a:r>
+            <a:endParaRPr lang="en-GB" b="1" dirty="0"/>
+          </a:p>
+        </p:txBody>
+      </p:sp>
+      <p:sp>
+        <p:nvSpPr>
+          <p:cNvPr id="22" name="TextBox 21"/>
+          <p:cNvSpPr txBox="1"/>
+          <p:nvPr/>
+        </p:nvSpPr>
+        <p:spPr>
+          <a:xfrm>
+            <a:off x="6642100" y="5080000"/>
+            <a:ext cx="1511300" cy="369332"/>
+          </a:xfrm>
+          <a:prstGeom prst="rect">
+            <a:avLst/>
+          </a:prstGeom>
+          <a:noFill/>
+        </p:spPr>
+        <p:txBody>
+          <a:bodyPr wrap="square" rtlCol="0">
+            <a:spAutoFit/>
+          </a:bodyPr>
+          <a:lstStyle/>
+          <a:p>
+            <a:r>
+              <a:rPr lang="en-GB" b="1" dirty="0" smtClean="0"/>
+              <a:t>parity bit 3</a:t>
+            </a:r>
+            <a:endParaRPr lang="en-GB" b="1" dirty="0"/>
+          </a:p>
+        </p:txBody>
+      </p:sp>
+      <p:sp>
+        <p:nvSpPr>
+          <p:cNvPr id="23" name="TextBox 22"/>
+          <p:cNvSpPr txBox="1"/>
+          <p:nvPr/>
+        </p:nvSpPr>
+        <p:spPr>
+          <a:xfrm>
+            <a:off x="3505200" y="5549900"/>
+            <a:ext cx="1511300" cy="369332"/>
+          </a:xfrm>
+          <a:prstGeom prst="rect">
+            <a:avLst/>
+          </a:prstGeom>
+          <a:noFill/>
+        </p:spPr>
+        <p:txBody>
+          <a:bodyPr wrap="square" rtlCol="0">
+            <a:spAutoFit/>
+          </a:bodyPr>
+          <a:lstStyle/>
+          <a:p>
+            <a:r>
+              <a:rPr lang="en-GB" b="1" dirty="0" smtClean="0"/>
+              <a:t>parity bit 2</a:t>
+            </a:r>
+            <a:endParaRPr lang="en-GB" b="1" dirty="0"/>
+          </a:p>
+        </p:txBody>
+      </p:sp>
+      <p:sp>
+        <p:nvSpPr>
+          <p:cNvPr id="24" name="TextBox 23"/>
+          <p:cNvSpPr txBox="1"/>
+          <p:nvPr/>
+        </p:nvSpPr>
+        <p:spPr>
+          <a:xfrm>
+            <a:off x="482600" y="4838700"/>
+            <a:ext cx="1511300" cy="369332"/>
+          </a:xfrm>
+          <a:prstGeom prst="rect">
+            <a:avLst/>
+          </a:prstGeom>
+          <a:noFill/>
+        </p:spPr>
+        <p:txBody>
+          <a:bodyPr wrap="square" rtlCol="0">
+            <a:spAutoFit/>
+          </a:bodyPr>
+          <a:lstStyle/>
+          <a:p>
+            <a:r>
+              <a:rPr lang="en-GB" b="1" dirty="0" smtClean="0"/>
+              <a:t>parity bit 4</a:t>
+            </a:r>
+            <a:endParaRPr lang="en-GB" b="1" dirty="0"/>
+          </a:p>
+        </p:txBody>
+      </p:sp>
+    </p:spTree>
+    <p:extLst>
+      <p:ext uri="{BB962C8B-B14F-4D97-AF65-F5344CB8AC3E}">
+        <p14:creationId xmlns:p14="http://schemas.microsoft.com/office/powerpoint/2010/main" val="4001542760"/>
+      </p:ext>
+    </p:extLst>
+  </p:cSld>
+  <p:clrMapOvr>
+    <a:masterClrMapping/>
+  </p:clrMapOvr>
+  <mc:AlternateContent xmlns:mc="http://schemas.openxmlformats.org/markup-compatibility/2006" xmlns:p14="http://schemas.microsoft.com/office/powerpoint/2010/main">
+    <mc:Choice Requires="p14">
+      <p:transition spd="slow" p14:dur="2000"/>
+    </mc:Choice>
+    <mc:Fallback xmlns="">
+      <p:transition xmlns:p14="http://schemas.microsoft.com/office/powerpoint/2010/main" spd="slow"/>
+    </mc:Fallback>
+  </mc:AlternateContent>
+</p:sld>
+</file>
+
+<file path=ppt/slides/slide31.xml><?xml version="1.0" encoding="utf-8"?>
+<p:sld xmlns:a="http://schemas.openxmlformats.org/drawingml/2006/main" xmlns:r="http://schemas.openxmlformats.org/officeDocument/2006/relationships" xmlns:p="http://schemas.openxmlformats.org/presentationml/2006/main">
+  <p:cSld>
+    <p:spTree>
+      <p:nvGrpSpPr>
+        <p:cNvPr id="1" name=""/>
+        <p:cNvGrpSpPr/>
+        <p:nvPr/>
+      </p:nvGrpSpPr>
+      <p:grpSpPr>
+        <a:xfrm>
+          <a:off x="0" y="0"/>
+          <a:ext cx="0" cy="0"/>
+          <a:chOff x="0" y="0"/>
+          <a:chExt cx="0" cy="0"/>
+        </a:xfrm>
+      </p:grpSpPr>
+      <p:sp>
+        <p:nvSpPr>
+          <p:cNvPr id="2" name="Title 1"/>
+          <p:cNvSpPr>
+            <a:spLocks noGrp="1"/>
+          </p:cNvSpPr>
+          <p:nvPr>
+            <p:ph type="title"/>
+          </p:nvPr>
+        </p:nvSpPr>
+        <p:spPr/>
+        <p:txBody>
+          <a:bodyPr/>
+          <a:lstStyle/>
+          <a:p>
+            <a:r>
+              <a:rPr lang="en-GB" dirty="0" smtClean="0"/>
+              <a:t>Hamming codes - example</a:t>
+            </a:r>
+            <a:endParaRPr lang="en-GB" dirty="0"/>
+          </a:p>
+        </p:txBody>
+      </p:sp>
+      <p:sp>
+        <p:nvSpPr>
+          <p:cNvPr id="4" name="Slide Number Placeholder 3"/>
+          <p:cNvSpPr>
+            <a:spLocks noGrp="1"/>
+          </p:cNvSpPr>
+          <p:nvPr>
+            <p:ph type="sldNum" sz="quarter" idx="10"/>
+          </p:nvPr>
+        </p:nvSpPr>
+        <p:spPr/>
+        <p:txBody>
+          <a:bodyPr/>
+          <a:lstStyle/>
+          <a:p>
+            <a:fld id="{D9B8CB04-7B95-2844-BD15-B133C35E4786}" type="slidenum">
+              <a:rPr lang="en-GB" smtClean="0"/>
+              <a:pPr/>
+              <a:t>31</a:t>
             </a:fld>
             <a:endParaRPr lang="en-GB"/>
           </a:p>
@@ -24870,7 +31983,7 @@
 </p:sld>
 </file>
 
-<file path=ppt/slides/slide31.xml><?xml version="1.0" encoding="utf-8"?>
+<file path=ppt/slides/slide32.xml><?xml version="1.0" encoding="utf-8"?>
 <p:sld xmlns:a="http://schemas.openxmlformats.org/drawingml/2006/main" xmlns:r="http://schemas.openxmlformats.org/officeDocument/2006/relationships" xmlns:p="http://schemas.openxmlformats.org/presentationml/2006/main">
   <p:cSld>
     <p:spTree>
@@ -24928,7 +32041,7 @@
             <a:fld id="{D9B8CB04-7B95-2844-BD15-B133C35E4786}" type="slidenum">
               <a:rPr lang="en-GB" smtClean="0"/>
               <a:pPr/>
-              <a:t>31</a:t>
+              <a:t>32</a:t>
             </a:fld>
             <a:endParaRPr lang="en-GB"/>
           </a:p>
@@ -26449,7 +33562,7 @@
 </p:sld>
 </file>
 
-<file path=ppt/slides/slide32.xml><?xml version="1.0" encoding="utf-8"?>
+<file path=ppt/slides/slide33.xml><?xml version="1.0" encoding="utf-8"?>
 <p:sld xmlns:a="http://schemas.openxmlformats.org/drawingml/2006/main" xmlns:r="http://schemas.openxmlformats.org/officeDocument/2006/relationships" xmlns:p="http://schemas.openxmlformats.org/presentationml/2006/main">
   <p:cSld>
     <p:spTree>
@@ -26507,7 +33620,7 @@
             <a:fld id="{D9B8CB04-7B95-2844-BD15-B133C35E4786}" type="slidenum">
               <a:rPr lang="en-GB" smtClean="0"/>
               <a:pPr/>
-              <a:t>32</a:t>
+              <a:t>33</a:t>
             </a:fld>
             <a:endParaRPr lang="en-GB"/>
           </a:p>
@@ -28254,7 +35367,7 @@
 </p:sld>
 </file>
 
-<file path=ppt/slides/slide33.xml><?xml version="1.0" encoding="utf-8"?>
+<file path=ppt/slides/slide34.xml><?xml version="1.0" encoding="utf-8"?>
 <p:sld xmlns:a="http://schemas.openxmlformats.org/drawingml/2006/main" xmlns:r="http://schemas.openxmlformats.org/officeDocument/2006/relationships" xmlns:p="http://schemas.openxmlformats.org/presentationml/2006/main">
   <p:cSld>
     <p:spTree>
@@ -28312,7 +35425,7 @@
             <a:fld id="{D9B8CB04-7B95-2844-BD15-B133C35E4786}" type="slidenum">
               <a:rPr lang="en-GB" smtClean="0"/>
               <a:pPr/>
-              <a:t>33</a:t>
+              <a:t>34</a:t>
             </a:fld>
             <a:endParaRPr lang="en-GB"/>
           </a:p>
@@ -30051,7 +37164,7 @@
 </p:sld>
 </file>
 
-<file path=ppt/slides/slide34.xml><?xml version="1.0" encoding="utf-8"?>
+<file path=ppt/slides/slide35.xml><?xml version="1.0" encoding="utf-8"?>
 <p:sld xmlns:a="http://schemas.openxmlformats.org/drawingml/2006/main" xmlns:r="http://schemas.openxmlformats.org/officeDocument/2006/relationships" xmlns:p="http://schemas.openxmlformats.org/presentationml/2006/main">
   <p:cSld>
     <p:spTree>
@@ -30109,7 +37222,7 @@
             <a:fld id="{D9B8CB04-7B95-2844-BD15-B133C35E4786}" type="slidenum">
               <a:rPr lang="en-GB" smtClean="0"/>
               <a:pPr/>
-              <a:t>34</a:t>
+              <a:t>35</a:t>
             </a:fld>
             <a:endParaRPr lang="en-GB"/>
           </a:p>
@@ -31849,7 +38962,7 @@
 </p:sld>
 </file>
 
-<file path=ppt/slides/slide35.xml><?xml version="1.0" encoding="utf-8"?>
+<file path=ppt/slides/slide36.xml><?xml version="1.0" encoding="utf-8"?>
 <p:sld xmlns:a="http://schemas.openxmlformats.org/drawingml/2006/main" xmlns:r="http://schemas.openxmlformats.org/officeDocument/2006/relationships" xmlns:p="http://schemas.openxmlformats.org/presentationml/2006/main">
   <p:cSld>
     <p:spTree>
@@ -31907,7 +39020,7 @@
             <a:fld id="{D9B8CB04-7B95-2844-BD15-B133C35E4786}" type="slidenum">
               <a:rPr lang="en-GB" smtClean="0"/>
               <a:pPr/>
-              <a:t>35</a:t>
+              <a:t>36</a:t>
             </a:fld>
             <a:endParaRPr lang="en-GB"/>
           </a:p>
@@ -33642,7 +40755,7 @@
 </p:sld>
 </file>
 
-<file path=ppt/slides/slide36.xml><?xml version="1.0" encoding="utf-8"?>
+<file path=ppt/slides/slide37.xml><?xml version="1.0" encoding="utf-8"?>
 <p:sld xmlns:a="http://schemas.openxmlformats.org/drawingml/2006/main" xmlns:r="http://schemas.openxmlformats.org/officeDocument/2006/relationships" xmlns:p="http://schemas.openxmlformats.org/presentationml/2006/main">
   <p:cSld>
     <p:spTree>
@@ -33700,7 +40813,7 @@
             <a:fld id="{D9B8CB04-7B95-2844-BD15-B133C35E4786}" type="slidenum">
               <a:rPr lang="en-GB" smtClean="0"/>
               <a:pPr/>
-              <a:t>36</a:t>
+              <a:t>37</a:t>
             </a:fld>
             <a:endParaRPr lang="en-GB"/>
           </a:p>
@@ -35238,7 +42351,7 @@
 </p:sld>
 </file>
 
-<file path=ppt/slides/slide37.xml><?xml version="1.0" encoding="utf-8"?>
+<file path=ppt/slides/slide38.xml><?xml version="1.0" encoding="utf-8"?>
 <p:sld xmlns:a="http://schemas.openxmlformats.org/drawingml/2006/main" xmlns:r="http://schemas.openxmlformats.org/officeDocument/2006/relationships" xmlns:p="http://schemas.openxmlformats.org/presentationml/2006/main">
   <p:cSld>
     <p:spTree>
@@ -35296,7 +42409,7 @@
             <a:fld id="{D9B8CB04-7B95-2844-BD15-B133C35E4786}" type="slidenum">
               <a:rPr lang="en-GB" smtClean="0"/>
               <a:pPr/>
-              <a:t>37</a:t>
+              <a:t>38</a:t>
             </a:fld>
             <a:endParaRPr lang="en-GB"/>
           </a:p>
@@ -40150,7 +47263,7 @@
 </p:sld>
 </file>
 
-<file path=ppt/slides/slide38.xml><?xml version="1.0" encoding="utf-8"?>
+<file path=ppt/slides/slide39.xml><?xml version="1.0" encoding="utf-8"?>
 <p:sld xmlns:a="http://schemas.openxmlformats.org/drawingml/2006/main" xmlns:r="http://schemas.openxmlformats.org/officeDocument/2006/relationships" xmlns:p="http://schemas.openxmlformats.org/presentationml/2006/main">
   <p:cSld>
     <p:spTree>
@@ -40184,12 +47297,37 @@
           <a:p>
             <a:r>
               <a:rPr lang="en-GB" dirty="0" smtClean="0"/>
-              <a:t>Hamming codes - example</a:t>
+              <a:t>Hamming codes</a:t>
             </a:r>
             <a:endParaRPr lang="en-GB" dirty="0"/>
           </a:p>
         </p:txBody>
       </p:sp>
+      <p:graphicFrame>
+        <p:nvGraphicFramePr>
+          <p:cNvPr id="6" name="Content Placeholder 5"/>
+          <p:cNvGraphicFramePr>
+            <a:graphicFrameLocks noGrp="1"/>
+          </p:cNvGraphicFramePr>
+          <p:nvPr>
+            <p:ph idx="1"/>
+            <p:extLst>
+              <p:ext uri="{D42A27DB-BD31-4B8C-83A1-F6EECF244321}">
+                <p14:modId xmlns:p14="http://schemas.microsoft.com/office/powerpoint/2010/main" val="1666504965"/>
+              </p:ext>
+            </p:extLst>
+          </p:nvPr>
+        </p:nvGraphicFramePr>
+        <p:xfrm>
+          <a:off x="444500" y="1231900"/>
+          <a:ext cx="8229600" cy="4686300"/>
+        </p:xfrm>
+        <a:graphic>
+          <a:graphicData uri="http://schemas.openxmlformats.org/drawingml/2006/diagram">
+            <dgm:relIds xmlns:dgm="http://schemas.openxmlformats.org/drawingml/2006/diagram" xmlns:r="http://schemas.openxmlformats.org/officeDocument/2006/relationships" r:dm="rId2" r:lo="rId3" r:qs="rId4" r:cs="rId5"/>
+          </a:graphicData>
+        </a:graphic>
+      </p:graphicFrame>
       <p:sp>
         <p:nvSpPr>
           <p:cNvPr id="4" name="Slide Number Placeholder 3"/>
@@ -40208,7 +47346,719 @@
             <a:fld id="{D9B8CB04-7B95-2844-BD15-B133C35E4786}" type="slidenum">
               <a:rPr lang="en-GB" smtClean="0"/>
               <a:pPr/>
-              <a:t>38</a:t>
+              <a:t>39</a:t>
+            </a:fld>
+            <a:endParaRPr lang="en-GB"/>
+          </a:p>
+        </p:txBody>
+      </p:sp>
+      <p:sp>
+        <p:nvSpPr>
+          <p:cNvPr id="7" name="TextBox 6"/>
+          <p:cNvSpPr txBox="1"/>
+          <p:nvPr/>
+        </p:nvSpPr>
+        <p:spPr>
+          <a:xfrm>
+            <a:off x="4102100" y="1816100"/>
+            <a:ext cx="774700" cy="369332"/>
+          </a:xfrm>
+          <a:prstGeom prst="rect">
+            <a:avLst/>
+          </a:prstGeom>
+          <a:noFill/>
+        </p:spPr>
+        <p:txBody>
+          <a:bodyPr wrap="square" rtlCol="0">
+            <a:spAutoFit/>
+          </a:bodyPr>
+          <a:lstStyle/>
+          <a:p>
+            <a:r>
+              <a:rPr lang="en-GB" dirty="0" smtClean="0"/>
+              <a:t>bit 1</a:t>
+            </a:r>
+            <a:endParaRPr lang="en-GB" dirty="0"/>
+          </a:p>
+        </p:txBody>
+      </p:sp>
+      <p:sp>
+        <p:nvSpPr>
+          <p:cNvPr id="8" name="TextBox 7"/>
+          <p:cNvSpPr txBox="1"/>
+          <p:nvPr/>
+        </p:nvSpPr>
+        <p:spPr>
+          <a:xfrm>
+            <a:off x="6667500" y="4038600"/>
+            <a:ext cx="774700" cy="369332"/>
+          </a:xfrm>
+          <a:prstGeom prst="rect">
+            <a:avLst/>
+          </a:prstGeom>
+          <a:noFill/>
+        </p:spPr>
+        <p:txBody>
+          <a:bodyPr wrap="square" rtlCol="0">
+            <a:spAutoFit/>
+          </a:bodyPr>
+          <a:lstStyle/>
+          <a:p>
+            <a:r>
+              <a:rPr lang="en-GB" dirty="0" smtClean="0"/>
+              <a:t>bit 4</a:t>
+            </a:r>
+            <a:endParaRPr lang="en-GB" dirty="0"/>
+          </a:p>
+        </p:txBody>
+      </p:sp>
+      <p:sp>
+        <p:nvSpPr>
+          <p:cNvPr id="10" name="TextBox 9"/>
+          <p:cNvSpPr txBox="1"/>
+          <p:nvPr/>
+        </p:nvSpPr>
+        <p:spPr>
+          <a:xfrm>
+            <a:off x="3860800" y="4787900"/>
+            <a:ext cx="774700" cy="369332"/>
+          </a:xfrm>
+          <a:prstGeom prst="rect">
+            <a:avLst/>
+          </a:prstGeom>
+          <a:noFill/>
+        </p:spPr>
+        <p:txBody>
+          <a:bodyPr wrap="square" rtlCol="0">
+            <a:spAutoFit/>
+          </a:bodyPr>
+          <a:lstStyle/>
+          <a:p>
+            <a:r>
+              <a:rPr lang="en-GB" dirty="0" smtClean="0"/>
+              <a:t>bit 2</a:t>
+            </a:r>
+            <a:endParaRPr lang="en-GB" dirty="0"/>
+          </a:p>
+        </p:txBody>
+      </p:sp>
+      <p:sp>
+        <p:nvSpPr>
+          <p:cNvPr id="12" name="TextBox 11"/>
+          <p:cNvSpPr txBox="1"/>
+          <p:nvPr/>
+        </p:nvSpPr>
+        <p:spPr>
+          <a:xfrm>
+            <a:off x="4025900" y="3200400"/>
+            <a:ext cx="774700" cy="369332"/>
+          </a:xfrm>
+          <a:prstGeom prst="rect">
+            <a:avLst/>
+          </a:prstGeom>
+          <a:noFill/>
+        </p:spPr>
+        <p:txBody>
+          <a:bodyPr wrap="square" rtlCol="0">
+            <a:spAutoFit/>
+          </a:bodyPr>
+          <a:lstStyle/>
+          <a:p>
+            <a:r>
+              <a:rPr lang="en-GB" dirty="0" smtClean="0"/>
+              <a:t>bit 3</a:t>
+            </a:r>
+            <a:endParaRPr lang="en-GB" dirty="0"/>
+          </a:p>
+        </p:txBody>
+      </p:sp>
+      <p:sp>
+        <p:nvSpPr>
+          <p:cNvPr id="13" name="TextBox 12"/>
+          <p:cNvSpPr txBox="1"/>
+          <p:nvPr/>
+        </p:nvSpPr>
+        <p:spPr>
+          <a:xfrm>
+            <a:off x="5930900" y="3009900"/>
+            <a:ext cx="774700" cy="369332"/>
+          </a:xfrm>
+          <a:prstGeom prst="rect">
+            <a:avLst/>
+          </a:prstGeom>
+          <a:noFill/>
+        </p:spPr>
+        <p:txBody>
+          <a:bodyPr wrap="square" rtlCol="0">
+            <a:spAutoFit/>
+          </a:bodyPr>
+          <a:lstStyle/>
+          <a:p>
+            <a:r>
+              <a:rPr lang="en-GB" dirty="0" smtClean="0"/>
+              <a:t>bit 5</a:t>
+            </a:r>
+            <a:endParaRPr lang="en-GB" dirty="0"/>
+          </a:p>
+        </p:txBody>
+      </p:sp>
+      <p:sp>
+        <p:nvSpPr>
+          <p:cNvPr id="14" name="TextBox 13"/>
+          <p:cNvSpPr txBox="1"/>
+          <p:nvPr/>
+        </p:nvSpPr>
+        <p:spPr>
+          <a:xfrm>
+            <a:off x="5016500" y="4127500"/>
+            <a:ext cx="774700" cy="369332"/>
+          </a:xfrm>
+          <a:prstGeom prst="rect">
+            <a:avLst/>
+          </a:prstGeom>
+          <a:noFill/>
+        </p:spPr>
+        <p:txBody>
+          <a:bodyPr wrap="square" rtlCol="0">
+            <a:spAutoFit/>
+          </a:bodyPr>
+          <a:lstStyle/>
+          <a:p>
+            <a:r>
+              <a:rPr lang="en-GB" b="1" dirty="0" smtClean="0">
+                <a:solidFill>
+                  <a:srgbClr val="660066"/>
+                </a:solidFill>
+              </a:rPr>
+              <a:t>bit 6</a:t>
+            </a:r>
+            <a:endParaRPr lang="en-GB" b="1" dirty="0">
+              <a:solidFill>
+                <a:srgbClr val="660066"/>
+              </a:solidFill>
+            </a:endParaRPr>
+          </a:p>
+        </p:txBody>
+      </p:sp>
+      <p:sp>
+        <p:nvSpPr>
+          <p:cNvPr id="15" name="TextBox 14"/>
+          <p:cNvSpPr txBox="1"/>
+          <p:nvPr/>
+        </p:nvSpPr>
+        <p:spPr>
+          <a:xfrm>
+            <a:off x="4787900" y="3302000"/>
+            <a:ext cx="774700" cy="369332"/>
+          </a:xfrm>
+          <a:prstGeom prst="rect">
+            <a:avLst/>
+          </a:prstGeom>
+          <a:noFill/>
+        </p:spPr>
+        <p:txBody>
+          <a:bodyPr wrap="square" rtlCol="0">
+            <a:spAutoFit/>
+          </a:bodyPr>
+          <a:lstStyle/>
+          <a:p>
+            <a:r>
+              <a:rPr lang="en-GB" dirty="0" smtClean="0"/>
+              <a:t>bit 7</a:t>
+            </a:r>
+            <a:endParaRPr lang="en-GB" dirty="0"/>
+          </a:p>
+        </p:txBody>
+      </p:sp>
+      <p:sp>
+        <p:nvSpPr>
+          <p:cNvPr id="16" name="TextBox 15"/>
+          <p:cNvSpPr txBox="1"/>
+          <p:nvPr/>
+        </p:nvSpPr>
+        <p:spPr>
+          <a:xfrm>
+            <a:off x="1295400" y="3810000"/>
+            <a:ext cx="774700" cy="369332"/>
+          </a:xfrm>
+          <a:prstGeom prst="rect">
+            <a:avLst/>
+          </a:prstGeom>
+          <a:noFill/>
+        </p:spPr>
+        <p:txBody>
+          <a:bodyPr wrap="square" rtlCol="0">
+            <a:spAutoFit/>
+          </a:bodyPr>
+          <a:lstStyle/>
+          <a:p>
+            <a:r>
+              <a:rPr lang="en-GB" dirty="0" smtClean="0"/>
+              <a:t>bit 8</a:t>
+            </a:r>
+            <a:endParaRPr lang="en-GB" dirty="0"/>
+          </a:p>
+        </p:txBody>
+      </p:sp>
+      <p:sp>
+        <p:nvSpPr>
+          <p:cNvPr id="17" name="TextBox 16"/>
+          <p:cNvSpPr txBox="1"/>
+          <p:nvPr/>
+        </p:nvSpPr>
+        <p:spPr>
+          <a:xfrm>
+            <a:off x="2133600" y="2806700"/>
+            <a:ext cx="774700" cy="369332"/>
+          </a:xfrm>
+          <a:prstGeom prst="rect">
+            <a:avLst/>
+          </a:prstGeom>
+          <a:noFill/>
+        </p:spPr>
+        <p:txBody>
+          <a:bodyPr wrap="square" rtlCol="0">
+            <a:spAutoFit/>
+          </a:bodyPr>
+          <a:lstStyle/>
+          <a:p>
+            <a:r>
+              <a:rPr lang="en-GB" dirty="0" smtClean="0"/>
+              <a:t>bit 9</a:t>
+            </a:r>
+            <a:endParaRPr lang="en-GB" dirty="0"/>
+          </a:p>
+        </p:txBody>
+      </p:sp>
+      <p:sp>
+        <p:nvSpPr>
+          <p:cNvPr id="18" name="TextBox 17"/>
+          <p:cNvSpPr txBox="1"/>
+          <p:nvPr/>
+        </p:nvSpPr>
+        <p:spPr>
+          <a:xfrm>
+            <a:off x="2705100" y="4114800"/>
+            <a:ext cx="774700" cy="369332"/>
+          </a:xfrm>
+          <a:prstGeom prst="rect">
+            <a:avLst/>
+          </a:prstGeom>
+          <a:noFill/>
+        </p:spPr>
+        <p:txBody>
+          <a:bodyPr wrap="square" rtlCol="0">
+            <a:spAutoFit/>
+          </a:bodyPr>
+          <a:lstStyle/>
+          <a:p>
+            <a:r>
+              <a:rPr lang="en-GB" dirty="0" smtClean="0"/>
+              <a:t>bit 10</a:t>
+            </a:r>
+            <a:endParaRPr lang="en-GB" dirty="0"/>
+          </a:p>
+        </p:txBody>
+      </p:sp>
+      <p:sp>
+        <p:nvSpPr>
+          <p:cNvPr id="19" name="TextBox 18"/>
+          <p:cNvSpPr txBox="1"/>
+          <p:nvPr/>
+        </p:nvSpPr>
+        <p:spPr>
+          <a:xfrm>
+            <a:off x="3060700" y="3263900"/>
+            <a:ext cx="774700" cy="369332"/>
+          </a:xfrm>
+          <a:prstGeom prst="rect">
+            <a:avLst/>
+          </a:prstGeom>
+          <a:noFill/>
+        </p:spPr>
+        <p:txBody>
+          <a:bodyPr wrap="square" rtlCol="0">
+            <a:spAutoFit/>
+          </a:bodyPr>
+          <a:lstStyle/>
+          <a:p>
+            <a:r>
+              <a:rPr lang="en-GB" dirty="0" smtClean="0"/>
+              <a:t>bit 11</a:t>
+            </a:r>
+            <a:endParaRPr lang="en-GB" dirty="0"/>
+          </a:p>
+        </p:txBody>
+      </p:sp>
+      <p:sp>
+        <p:nvSpPr>
+          <p:cNvPr id="20" name="TextBox 19"/>
+          <p:cNvSpPr txBox="1"/>
+          <p:nvPr/>
+        </p:nvSpPr>
+        <p:spPr>
+          <a:xfrm>
+            <a:off x="5067300" y="876300"/>
+            <a:ext cx="1511300" cy="369332"/>
+          </a:xfrm>
+          <a:prstGeom prst="rect">
+            <a:avLst/>
+          </a:prstGeom>
+          <a:noFill/>
+        </p:spPr>
+        <p:txBody>
+          <a:bodyPr wrap="square" rtlCol="0">
+            <a:spAutoFit/>
+          </a:bodyPr>
+          <a:lstStyle/>
+          <a:p>
+            <a:r>
+              <a:rPr lang="en-GB" b="1" dirty="0" smtClean="0"/>
+              <a:t>parity bit 1</a:t>
+            </a:r>
+            <a:endParaRPr lang="en-GB" b="1" dirty="0"/>
+          </a:p>
+        </p:txBody>
+      </p:sp>
+      <p:sp>
+        <p:nvSpPr>
+          <p:cNvPr id="22" name="TextBox 21"/>
+          <p:cNvSpPr txBox="1"/>
+          <p:nvPr/>
+        </p:nvSpPr>
+        <p:spPr>
+          <a:xfrm>
+            <a:off x="6642100" y="5080000"/>
+            <a:ext cx="1511300" cy="369332"/>
+          </a:xfrm>
+          <a:prstGeom prst="rect">
+            <a:avLst/>
+          </a:prstGeom>
+          <a:noFill/>
+        </p:spPr>
+        <p:txBody>
+          <a:bodyPr wrap="square" rtlCol="0">
+            <a:spAutoFit/>
+          </a:bodyPr>
+          <a:lstStyle/>
+          <a:p>
+            <a:r>
+              <a:rPr lang="en-GB" b="1" dirty="0" smtClean="0"/>
+              <a:t>parity bit 3</a:t>
+            </a:r>
+            <a:endParaRPr lang="en-GB" b="1" dirty="0"/>
+          </a:p>
+        </p:txBody>
+      </p:sp>
+      <p:sp>
+        <p:nvSpPr>
+          <p:cNvPr id="23" name="TextBox 22"/>
+          <p:cNvSpPr txBox="1"/>
+          <p:nvPr/>
+        </p:nvSpPr>
+        <p:spPr>
+          <a:xfrm>
+            <a:off x="3505200" y="5549900"/>
+            <a:ext cx="1511300" cy="369332"/>
+          </a:xfrm>
+          <a:prstGeom prst="rect">
+            <a:avLst/>
+          </a:prstGeom>
+          <a:noFill/>
+        </p:spPr>
+        <p:txBody>
+          <a:bodyPr wrap="square" rtlCol="0">
+            <a:spAutoFit/>
+          </a:bodyPr>
+          <a:lstStyle/>
+          <a:p>
+            <a:r>
+              <a:rPr lang="en-GB" b="1" dirty="0" smtClean="0"/>
+              <a:t>parity bit 2</a:t>
+            </a:r>
+            <a:endParaRPr lang="en-GB" b="1" dirty="0"/>
+          </a:p>
+        </p:txBody>
+      </p:sp>
+      <p:sp>
+        <p:nvSpPr>
+          <p:cNvPr id="24" name="TextBox 23"/>
+          <p:cNvSpPr txBox="1"/>
+          <p:nvPr/>
+        </p:nvSpPr>
+        <p:spPr>
+          <a:xfrm>
+            <a:off x="482600" y="4838700"/>
+            <a:ext cx="1511300" cy="369332"/>
+          </a:xfrm>
+          <a:prstGeom prst="rect">
+            <a:avLst/>
+          </a:prstGeom>
+          <a:noFill/>
+        </p:spPr>
+        <p:txBody>
+          <a:bodyPr wrap="square" rtlCol="0">
+            <a:spAutoFit/>
+          </a:bodyPr>
+          <a:lstStyle/>
+          <a:p>
+            <a:r>
+              <a:rPr lang="en-GB" b="1" dirty="0" smtClean="0"/>
+              <a:t>parity bit 4</a:t>
+            </a:r>
+            <a:endParaRPr lang="en-GB" b="1" dirty="0"/>
+          </a:p>
+        </p:txBody>
+      </p:sp>
+    </p:spTree>
+    <p:extLst>
+      <p:ext uri="{BB962C8B-B14F-4D97-AF65-F5344CB8AC3E}">
+        <p14:creationId xmlns:p14="http://schemas.microsoft.com/office/powerpoint/2010/main" val="453921982"/>
+      </p:ext>
+    </p:extLst>
+  </p:cSld>
+  <p:clrMapOvr>
+    <a:masterClrMapping/>
+  </p:clrMapOvr>
+  <mc:AlternateContent xmlns:mc="http://schemas.openxmlformats.org/markup-compatibility/2006" xmlns:p14="http://schemas.microsoft.com/office/powerpoint/2010/main">
+    <mc:Choice Requires="p14">
+      <p:transition spd="slow" p14:dur="2000"/>
+    </mc:Choice>
+    <mc:Fallback xmlns="">
+      <p:transition xmlns:p14="http://schemas.microsoft.com/office/powerpoint/2010/main" spd="slow"/>
+    </mc:Fallback>
+  </mc:AlternateContent>
+</p:sld>
+</file>
+
+<file path=ppt/slides/slide4.xml><?xml version="1.0" encoding="utf-8"?>
+<p:sld xmlns:a="http://schemas.openxmlformats.org/drawingml/2006/main" xmlns:r="http://schemas.openxmlformats.org/officeDocument/2006/relationships" xmlns:p="http://schemas.openxmlformats.org/presentationml/2006/main">
+  <p:cSld>
+    <p:spTree>
+      <p:nvGrpSpPr>
+        <p:cNvPr id="1" name=""/>
+        <p:cNvGrpSpPr/>
+        <p:nvPr/>
+      </p:nvGrpSpPr>
+      <p:grpSpPr>
+        <a:xfrm>
+          <a:off x="0" y="0"/>
+          <a:ext cx="0" cy="0"/>
+          <a:chOff x="0" y="0"/>
+          <a:chExt cx="0" cy="0"/>
+        </a:xfrm>
+      </p:grpSpPr>
+      <p:sp>
+        <p:nvSpPr>
+          <p:cNvPr id="2" name="Title 1"/>
+          <p:cNvSpPr>
+            <a:spLocks noGrp="1"/>
+          </p:cNvSpPr>
+          <p:nvPr>
+            <p:ph type="title"/>
+          </p:nvPr>
+        </p:nvSpPr>
+        <p:spPr/>
+        <p:txBody>
+          <a:bodyPr/>
+          <a:lstStyle/>
+          <a:p>
+            <a:r>
+              <a:rPr lang="en-GB" dirty="0" smtClean="0"/>
+              <a:t>Sparse linear solvers</a:t>
+            </a:r>
+            <a:endParaRPr lang="en-GB" dirty="0"/>
+          </a:p>
+        </p:txBody>
+      </p:sp>
+      <p:sp>
+        <p:nvSpPr>
+          <p:cNvPr id="3" name="Content Placeholder 2"/>
+          <p:cNvSpPr>
+            <a:spLocks noGrp="1"/>
+          </p:cNvSpPr>
+          <p:nvPr>
+            <p:ph idx="1"/>
+          </p:nvPr>
+        </p:nvSpPr>
+        <p:spPr/>
+        <p:txBody>
+          <a:bodyPr/>
+          <a:lstStyle/>
+          <a:p>
+            <a:r>
+              <a:rPr lang="en-GB" sz="2800" dirty="0" smtClean="0"/>
+              <a:t>Even for very sparse matrices, the majority of the application data will be in the matrix</a:t>
+            </a:r>
+          </a:p>
+          <a:p>
+            <a:pPr lvl="1"/>
+            <a:r>
+              <a:rPr lang="en-GB" sz="2400" dirty="0" smtClean="0"/>
+              <a:t>0.01% of a 10M x 10M matrix is three orders of magnitude larger than a 10M element vector</a:t>
+            </a:r>
+          </a:p>
+          <a:p>
+            <a:r>
+              <a:rPr lang="en-GB" dirty="0" smtClean="0"/>
+              <a:t>This means that:</a:t>
+            </a:r>
+          </a:p>
+          <a:p>
+            <a:pPr marL="914400" lvl="1" indent="-457200">
+              <a:buFont typeface="+mj-lt"/>
+              <a:buAutoNum type="arabicPeriod"/>
+            </a:pPr>
+            <a:r>
+              <a:rPr lang="en-GB" sz="2400" dirty="0" smtClean="0"/>
+              <a:t>Sparse matrix-vector products (</a:t>
+            </a:r>
+            <a:r>
+              <a:rPr lang="en-GB" sz="2400" dirty="0" err="1" smtClean="0"/>
+              <a:t>SpMV</a:t>
+            </a:r>
+            <a:r>
+              <a:rPr lang="en-GB" sz="2400" dirty="0" smtClean="0"/>
+              <a:t>) will account for the majority of the runtime in these iterative solvers</a:t>
+            </a:r>
+          </a:p>
+          <a:p>
+            <a:pPr marL="914400" lvl="1" indent="-457200">
+              <a:buFont typeface="+mj-lt"/>
+              <a:buAutoNum type="arabicPeriod"/>
+            </a:pPr>
+            <a:r>
+              <a:rPr lang="en-GB" sz="2400" dirty="0" smtClean="0"/>
+              <a:t>The sparse matrix data will be the most likely candidate for suffering a </a:t>
+            </a:r>
+            <a:r>
+              <a:rPr lang="en-GB" sz="2400" b="1" dirty="0" smtClean="0">
+                <a:solidFill>
+                  <a:srgbClr val="FF0000"/>
+                </a:solidFill>
+              </a:rPr>
+              <a:t>silent data corruption</a:t>
+            </a:r>
+            <a:r>
+              <a:rPr lang="en-GB" sz="2400" dirty="0" smtClean="0"/>
+              <a:t> (</a:t>
+            </a:r>
+            <a:r>
+              <a:rPr lang="en-GB" sz="2400" b="1" dirty="0" smtClean="0"/>
+              <a:t>SDC</a:t>
+            </a:r>
+            <a:r>
+              <a:rPr lang="en-GB" sz="2400" dirty="0" smtClean="0"/>
+              <a:t>)</a:t>
+            </a:r>
+            <a:endParaRPr lang="en-GB" sz="2400" dirty="0"/>
+          </a:p>
+        </p:txBody>
+      </p:sp>
+      <p:sp>
+        <p:nvSpPr>
+          <p:cNvPr id="4" name="Slide Number Placeholder 3"/>
+          <p:cNvSpPr>
+            <a:spLocks noGrp="1"/>
+          </p:cNvSpPr>
+          <p:nvPr>
+            <p:ph type="sldNum" sz="quarter" idx="10"/>
+          </p:nvPr>
+        </p:nvSpPr>
+        <p:spPr/>
+        <p:txBody>
+          <a:bodyPr/>
+          <a:lstStyle/>
+          <a:p>
+            <a:fld id="{D9B8CB04-7B95-2844-BD15-B133C35E4786}" type="slidenum">
+              <a:rPr lang="en-GB" smtClean="0"/>
+              <a:pPr/>
+              <a:t>4</a:t>
+            </a:fld>
+            <a:endParaRPr lang="en-GB"/>
+          </a:p>
+        </p:txBody>
+      </p:sp>
+    </p:spTree>
+    <p:extLst>
+      <p:ext uri="{BB962C8B-B14F-4D97-AF65-F5344CB8AC3E}">
+        <p14:creationId xmlns:p14="http://schemas.microsoft.com/office/powerpoint/2010/main" val="2132030885"/>
+      </p:ext>
+    </p:extLst>
+  </p:cSld>
+  <p:clrMapOvr>
+    <a:masterClrMapping/>
+  </p:clrMapOvr>
+  <mc:AlternateContent xmlns:mc="http://schemas.openxmlformats.org/markup-compatibility/2006" xmlns:p14="http://schemas.microsoft.com/office/powerpoint/2010/main">
+    <mc:Choice Requires="p14">
+      <p:transition spd="slow" p14:dur="2000"/>
+    </mc:Choice>
+    <mc:Fallback xmlns="">
+      <p:transition xmlns:p14="http://schemas.microsoft.com/office/powerpoint/2010/main" spd="slow"/>
+    </mc:Fallback>
+  </mc:AlternateContent>
+</p:sld>
+</file>
+
+<file path=ppt/slides/slide40.xml><?xml version="1.0" encoding="utf-8"?>
+<p:sld xmlns:a="http://schemas.openxmlformats.org/drawingml/2006/main" xmlns:r="http://schemas.openxmlformats.org/officeDocument/2006/relationships" xmlns:p="http://schemas.openxmlformats.org/presentationml/2006/main">
+  <p:cSld>
+    <p:spTree>
+      <p:nvGrpSpPr>
+        <p:cNvPr id="1" name=""/>
+        <p:cNvGrpSpPr/>
+        <p:nvPr/>
+      </p:nvGrpSpPr>
+      <p:grpSpPr>
+        <a:xfrm>
+          <a:off x="0" y="0"/>
+          <a:ext cx="0" cy="0"/>
+          <a:chOff x="0" y="0"/>
+          <a:chExt cx="0" cy="0"/>
+        </a:xfrm>
+      </p:grpSpPr>
+      <p:sp>
+        <p:nvSpPr>
+          <p:cNvPr id="2" name="Title 1"/>
+          <p:cNvSpPr>
+            <a:spLocks noGrp="1"/>
+          </p:cNvSpPr>
+          <p:nvPr>
+            <p:ph type="title"/>
+          </p:nvPr>
+        </p:nvSpPr>
+        <p:spPr/>
+        <p:txBody>
+          <a:bodyPr/>
+          <a:lstStyle/>
+          <a:p>
+            <a:r>
+              <a:rPr lang="en-GB" dirty="0" smtClean="0"/>
+              <a:t>Hamming codes - example</a:t>
+            </a:r>
+            <a:endParaRPr lang="en-GB" dirty="0"/>
+          </a:p>
+        </p:txBody>
+      </p:sp>
+      <p:sp>
+        <p:nvSpPr>
+          <p:cNvPr id="4" name="Slide Number Placeholder 3"/>
+          <p:cNvSpPr>
+            <a:spLocks noGrp="1"/>
+          </p:cNvSpPr>
+          <p:nvPr>
+            <p:ph type="sldNum" sz="quarter" idx="10"/>
+          </p:nvPr>
+        </p:nvSpPr>
+        <p:spPr/>
+        <p:txBody>
+          <a:bodyPr/>
+          <a:lstStyle/>
+          <a:p>
+            <a:fld id="{D9B8CB04-7B95-2844-BD15-B133C35E4786}" type="slidenum">
+              <a:rPr lang="en-GB" smtClean="0"/>
+              <a:pPr/>
+              <a:t>40</a:t>
             </a:fld>
             <a:endParaRPr lang="en-GB"/>
           </a:p>
@@ -42763,7 +50613,7 @@
 </p:sld>
 </file>
 
-<file path=ppt/slides/slide39.xml><?xml version="1.0" encoding="utf-8"?>
+<file path=ppt/slides/slide41.xml><?xml version="1.0" encoding="utf-8"?>
 <p:sld xmlns:a="http://schemas.openxmlformats.org/drawingml/2006/main" xmlns:r="http://schemas.openxmlformats.org/officeDocument/2006/relationships" xmlns:p="http://schemas.openxmlformats.org/presentationml/2006/main">
   <p:cSld>
     <p:spTree>
@@ -42879,7 +50729,7 @@
             <a:fld id="{D9B8CB04-7B95-2844-BD15-B133C35E4786}" type="slidenum">
               <a:rPr lang="en-GB" smtClean="0"/>
               <a:pPr/>
-              <a:t>39</a:t>
+              <a:t>41</a:t>
             </a:fld>
             <a:endParaRPr lang="en-GB"/>
           </a:p>
@@ -42913,7 +50763,7 @@
 </p:sld>
 </file>
 
-<file path=ppt/slides/slide4.xml><?xml version="1.0" encoding="utf-8"?>
+<file path=ppt/slides/slide42.xml><?xml version="1.0" encoding="utf-8"?>
 <p:sld xmlns:a="http://schemas.openxmlformats.org/drawingml/2006/main" xmlns:r="http://schemas.openxmlformats.org/officeDocument/2006/relationships" xmlns:p="http://schemas.openxmlformats.org/presentationml/2006/main">
   <p:cSld>
     <p:spTree>
@@ -42946,10 +50796,10 @@
           <a:lstStyle/>
           <a:p>
             <a:r>
-              <a:rPr lang="en-GB" dirty="0" smtClean="0"/>
-              <a:t>Sparse linear solvers</a:t>
-            </a:r>
-            <a:endParaRPr lang="en-GB" dirty="0"/>
+              <a:rPr lang="en-GB" sz="4000" dirty="0" smtClean="0"/>
+              <a:t>Hamming codes - implementation</a:t>
+            </a:r>
+            <a:endParaRPr lang="en-GB" sz="4000" dirty="0"/>
           </a:p>
         </p:txBody>
       </p:sp>
@@ -42969,71 +50819,82 @@
           <a:lstStyle/>
           <a:p>
             <a:r>
-              <a:rPr lang="en-GB" sz="2800" dirty="0" smtClean="0"/>
-              <a:t>Even for very sparse matrices, the majority of the application data will be in the matrix</a:t>
-            </a:r>
-          </a:p>
-          <a:p>
-            <a:pPr lvl="1"/>
-            <a:r>
-              <a:rPr lang="en-GB" sz="2400" dirty="0" smtClean="0"/>
-              <a:t>0.01% of a 10M x 10M matrix is three orders of magnitude larger than a 10M element vector</a:t>
-            </a:r>
-          </a:p>
-          <a:p>
-            <a:r>
-              <a:rPr lang="en-GB" dirty="0" smtClean="0"/>
-              <a:t>This means that:</a:t>
-            </a:r>
-          </a:p>
-          <a:p>
-            <a:pPr marL="914400" lvl="1" indent="-457200">
-              <a:buFont typeface="+mj-lt"/>
-              <a:buAutoNum type="arabicPeriod"/>
-            </a:pPr>
-            <a:r>
-              <a:rPr lang="en-GB" sz="2400" dirty="0" smtClean="0"/>
-              <a:t>Sparse matrix-vector products (</a:t>
-            </a:r>
-            <a:r>
-              <a:rPr lang="en-GB" sz="2400" dirty="0" err="1" smtClean="0"/>
-              <a:t>SpMV</a:t>
-            </a:r>
-            <a:r>
-              <a:rPr lang="en-GB" sz="2400" dirty="0" smtClean="0"/>
-              <a:t>) will account for the majority of the runtime in these iterative solvers</a:t>
-            </a:r>
-          </a:p>
-          <a:p>
-            <a:pPr marL="914400" lvl="1" indent="-457200">
-              <a:buFont typeface="+mj-lt"/>
-              <a:buAutoNum type="arabicPeriod"/>
-            </a:pPr>
-            <a:r>
-              <a:rPr lang="en-GB" sz="2400" dirty="0" smtClean="0"/>
-              <a:t>The sparse matrix data will be the most likely candidate for suffering a </a:t>
-            </a:r>
-            <a:r>
-              <a:rPr lang="en-GB" sz="2400" b="1" dirty="0" smtClean="0">
+              <a:rPr lang="en-GB" sz="2600" dirty="0" smtClean="0"/>
+              <a:t>Interleaving the parity bits with the data will be very expensive</a:t>
+            </a:r>
+          </a:p>
+          <a:p>
+            <a:r>
+              <a:rPr lang="en-GB" sz="2600" dirty="0" smtClean="0"/>
+              <a:t>Instead, we can store the parity bits somewhere else, and just perform the hamming code operations </a:t>
+            </a:r>
+            <a:r>
+              <a:rPr lang="en-GB" sz="2600" b="1" i="1" dirty="0" smtClean="0"/>
+              <a:t>as if</a:t>
+            </a:r>
+            <a:r>
+              <a:rPr lang="en-GB" sz="2600" dirty="0" smtClean="0"/>
+              <a:t> they were in the correct (power-of-two) positions</a:t>
+            </a:r>
+          </a:p>
+          <a:p>
+            <a:r>
+              <a:rPr lang="en-GB" sz="2600" dirty="0" smtClean="0"/>
+              <a:t>If we store the parity bits in the </a:t>
+            </a:r>
+            <a:r>
+              <a:rPr lang="en-GB" sz="2600" dirty="0"/>
+              <a:t>unused </a:t>
+            </a:r>
+            <a:r>
+              <a:rPr lang="en-GB" sz="2600" dirty="0" smtClean="0"/>
+              <a:t>high-order bits </a:t>
+            </a:r>
+            <a:r>
+              <a:rPr lang="en-GB" sz="2600" dirty="0"/>
+              <a:t>of the matrix </a:t>
+            </a:r>
+            <a:r>
+              <a:rPr lang="en-GB" sz="2600" dirty="0" smtClean="0"/>
+              <a:t>indices, masking them out becomes a simple bitwise </a:t>
+            </a:r>
+            <a:r>
+              <a:rPr lang="en-GB" sz="2600" b="1" dirty="0" smtClean="0">
                 <a:solidFill>
-                  <a:srgbClr val="FF0000"/>
+                  <a:srgbClr val="0000FF"/>
                 </a:solidFill>
               </a:rPr>
-              <a:t>silent data corruption</a:t>
-            </a:r>
-            <a:r>
-              <a:rPr lang="en-GB" sz="2400" dirty="0" smtClean="0"/>
-              <a:t> (</a:t>
-            </a:r>
-            <a:r>
-              <a:rPr lang="en-GB" sz="2400" b="1" dirty="0" smtClean="0"/>
-              <a:t>SDC</a:t>
-            </a:r>
-            <a:r>
-              <a:rPr lang="en-GB" sz="2400" dirty="0" smtClean="0"/>
-              <a:t>)</a:t>
-            </a:r>
-            <a:endParaRPr lang="en-GB" sz="2400" dirty="0"/>
+              <a:t>AND</a:t>
+            </a:r>
+            <a:r>
+              <a:rPr lang="en-GB" sz="2600" dirty="0" smtClean="0"/>
+              <a:t> operation</a:t>
+            </a:r>
+          </a:p>
+          <a:p>
+            <a:r>
+              <a:rPr lang="en-GB" sz="2600" dirty="0"/>
+              <a:t>We can </a:t>
+            </a:r>
+            <a:r>
+              <a:rPr lang="en-GB" sz="2600" dirty="0" err="1"/>
+              <a:t>precompute</a:t>
+            </a:r>
+            <a:r>
+              <a:rPr lang="en-GB" sz="2600" dirty="0"/>
+              <a:t> </a:t>
+            </a:r>
+            <a:r>
+              <a:rPr lang="en-GB" sz="2600" dirty="0" smtClean="0"/>
+              <a:t>some masks </a:t>
+            </a:r>
+            <a:r>
+              <a:rPr lang="en-GB" sz="2600" dirty="0"/>
+              <a:t>for efficient extraction of the correct bits</a:t>
+            </a:r>
+          </a:p>
+          <a:p>
+            <a:endParaRPr lang="en-GB" sz="2600" dirty="0" smtClean="0"/>
           </a:p>
         </p:txBody>
       </p:sp>
@@ -43055,191 +50916,7 @@
             <a:fld id="{D9B8CB04-7B95-2844-BD15-B133C35E4786}" type="slidenum">
               <a:rPr lang="en-GB" smtClean="0"/>
               <a:pPr/>
-              <a:t>4</a:t>
-            </a:fld>
-            <a:endParaRPr lang="en-GB"/>
-          </a:p>
-        </p:txBody>
-      </p:sp>
-    </p:spTree>
-    <p:extLst>
-      <p:ext uri="{BB962C8B-B14F-4D97-AF65-F5344CB8AC3E}">
-        <p14:creationId xmlns:p14="http://schemas.microsoft.com/office/powerpoint/2010/main" val="2132030885"/>
-      </p:ext>
-    </p:extLst>
-  </p:cSld>
-  <p:clrMapOvr>
-    <a:masterClrMapping/>
-  </p:clrMapOvr>
-  <mc:AlternateContent xmlns:mc="http://schemas.openxmlformats.org/markup-compatibility/2006" xmlns:p14="http://schemas.microsoft.com/office/powerpoint/2010/main">
-    <mc:Choice Requires="p14">
-      <p:transition spd="slow" p14:dur="2000"/>
-    </mc:Choice>
-    <mc:Fallback xmlns="">
-      <p:transition xmlns:p14="http://schemas.microsoft.com/office/powerpoint/2010/main" spd="slow"/>
-    </mc:Fallback>
-  </mc:AlternateContent>
-</p:sld>
-</file>
-
-<file path=ppt/slides/slide40.xml><?xml version="1.0" encoding="utf-8"?>
-<p:sld xmlns:a="http://schemas.openxmlformats.org/drawingml/2006/main" xmlns:r="http://schemas.openxmlformats.org/officeDocument/2006/relationships" xmlns:p="http://schemas.openxmlformats.org/presentationml/2006/main">
-  <p:cSld>
-    <p:spTree>
-      <p:nvGrpSpPr>
-        <p:cNvPr id="1" name=""/>
-        <p:cNvGrpSpPr/>
-        <p:nvPr/>
-      </p:nvGrpSpPr>
-      <p:grpSpPr>
-        <a:xfrm>
-          <a:off x="0" y="0"/>
-          <a:ext cx="0" cy="0"/>
-          <a:chOff x="0" y="0"/>
-          <a:chExt cx="0" cy="0"/>
-        </a:xfrm>
-      </p:grpSpPr>
-      <p:sp>
-        <p:nvSpPr>
-          <p:cNvPr id="2" name="Title 1"/>
-          <p:cNvSpPr>
-            <a:spLocks noGrp="1"/>
-          </p:cNvSpPr>
-          <p:nvPr>
-            <p:ph type="title"/>
-          </p:nvPr>
-        </p:nvSpPr>
-        <p:spPr/>
-        <p:txBody>
-          <a:bodyPr/>
-          <a:lstStyle/>
-          <a:p>
-            <a:r>
-              <a:rPr lang="en-GB" sz="4000" dirty="0" smtClean="0"/>
-              <a:t>Hamming codes - implementation</a:t>
-            </a:r>
-            <a:endParaRPr lang="en-GB" sz="4000" dirty="0"/>
-          </a:p>
-        </p:txBody>
-      </p:sp>
-      <p:sp>
-        <p:nvSpPr>
-          <p:cNvPr id="3" name="Content Placeholder 2"/>
-          <p:cNvSpPr>
-            <a:spLocks noGrp="1"/>
-          </p:cNvSpPr>
-          <p:nvPr>
-            <p:ph idx="1"/>
-          </p:nvPr>
-        </p:nvSpPr>
-        <p:spPr/>
-        <p:txBody>
-          <a:bodyPr/>
-          <a:lstStyle/>
-          <a:p>
-            <a:r>
-              <a:rPr lang="en-GB" sz="2600" dirty="0" smtClean="0"/>
-              <a:t>Interleaving the parity bits with the data will be very expensive</a:t>
-            </a:r>
-          </a:p>
-          <a:p>
-            <a:r>
-              <a:rPr lang="en-GB" sz="2600" dirty="0" smtClean="0"/>
-              <a:t>Instead, we can store the parity bits somewhere else, and just perform the hamming code operations </a:t>
-            </a:r>
-            <a:r>
-              <a:rPr lang="en-GB" sz="2600" b="1" i="1" dirty="0" smtClean="0"/>
-              <a:t>as if</a:t>
-            </a:r>
-            <a:r>
-              <a:rPr lang="en-GB" sz="2600" dirty="0" smtClean="0"/>
-              <a:t> they were in the correct (power-of-two) positions</a:t>
-            </a:r>
-          </a:p>
-          <a:p>
-            <a:r>
-              <a:rPr lang="en-GB" sz="2600" dirty="0" smtClean="0"/>
-              <a:t>If we store the parity bits in the </a:t>
-            </a:r>
-            <a:r>
-              <a:rPr lang="en-GB" sz="2600" dirty="0"/>
-              <a:t>unused </a:t>
-            </a:r>
-            <a:r>
-              <a:rPr lang="en-GB" sz="2600" dirty="0" smtClean="0"/>
-              <a:t>high-order bits </a:t>
-            </a:r>
-            <a:r>
-              <a:rPr lang="en-GB" sz="2600" dirty="0"/>
-              <a:t>of the matrix </a:t>
-            </a:r>
-            <a:r>
-              <a:rPr lang="en-GB" sz="2600" dirty="0" smtClean="0"/>
-              <a:t>indices, masking them out becomes a simple bitwise </a:t>
-            </a:r>
-            <a:r>
-              <a:rPr lang="en-GB" sz="2600" b="1" dirty="0" smtClean="0">
-                <a:solidFill>
-                  <a:srgbClr val="0000FF"/>
-                </a:solidFill>
-              </a:rPr>
-              <a:t>AND</a:t>
-            </a:r>
-            <a:r>
-              <a:rPr lang="en-GB" sz="2600" dirty="0" smtClean="0"/>
-              <a:t> </a:t>
-            </a:r>
-            <a:r>
-              <a:rPr lang="en-GB" sz="2600" dirty="0" smtClean="0"/>
-              <a:t>operation</a:t>
-            </a:r>
-          </a:p>
-          <a:p>
-            <a:r>
-              <a:rPr lang="en-GB" sz="2600" dirty="0"/>
-              <a:t>We can </a:t>
-            </a:r>
-            <a:r>
-              <a:rPr lang="en-GB" sz="2600" dirty="0" err="1"/>
-              <a:t>precompute</a:t>
-            </a:r>
-            <a:r>
-              <a:rPr lang="en-GB" sz="2600" dirty="0"/>
-              <a:t> </a:t>
-            </a:r>
-            <a:r>
-              <a:rPr lang="en-GB" sz="2600" dirty="0" smtClean="0"/>
-              <a:t>some masks </a:t>
-            </a:r>
-            <a:r>
-              <a:rPr lang="en-GB" sz="2600" dirty="0"/>
-              <a:t>for efficient extraction of the correct bits</a:t>
-            </a:r>
-          </a:p>
-          <a:p>
-            <a:endParaRPr lang="en-GB" sz="2600" dirty="0" smtClean="0"/>
-          </a:p>
-        </p:txBody>
-      </p:sp>
-      <p:sp>
-        <p:nvSpPr>
-          <p:cNvPr id="4" name="Slide Number Placeholder 3"/>
-          <p:cNvSpPr>
-            <a:spLocks noGrp="1"/>
-          </p:cNvSpPr>
-          <p:nvPr>
-            <p:ph type="sldNum" sz="quarter" idx="10"/>
-          </p:nvPr>
-        </p:nvSpPr>
-        <p:spPr/>
-        <p:txBody>
-          <a:bodyPr/>
-          <a:lstStyle/>
-          <a:p>
-            <a:fld id="{D9B8CB04-7B95-2844-BD15-B133C35E4786}" type="slidenum">
-              <a:rPr lang="en-GB" smtClean="0"/>
-              <a:pPr/>
-              <a:t>40</a:t>
+              <a:t>42</a:t>
             </a:fld>
             <a:endParaRPr lang="en-GB"/>
           </a:p>
@@ -43273,7 +50950,7 @@
 </p:sld>
 </file>
 
-<file path=ppt/slides/slide41.xml><?xml version="1.0" encoding="utf-8"?>
+<file path=ppt/slides/slide43.xml><?xml version="1.0" encoding="utf-8"?>
 <p:sld xmlns:a="http://schemas.openxmlformats.org/drawingml/2006/main" xmlns:r="http://schemas.openxmlformats.org/officeDocument/2006/relationships" xmlns:p="http://schemas.openxmlformats.org/presentationml/2006/main">
   <p:cSld>
     <p:spTree>
@@ -43331,7 +51008,7 @@
             <a:fld id="{D9B8CB04-7B95-2844-BD15-B133C35E4786}" type="slidenum">
               <a:rPr lang="en-GB" smtClean="0"/>
               <a:pPr/>
-              <a:t>41</a:t>
+              <a:t>43</a:t>
             </a:fld>
             <a:endParaRPr lang="en-GB"/>
           </a:p>
@@ -44043,7 +51720,7 @@
 </p:sld>
 </file>
 
-<file path=ppt/slides/slide42.xml><?xml version="1.0" encoding="utf-8"?>
+<file path=ppt/slides/slide44.xml><?xml version="1.0" encoding="utf-8"?>
 <p:sld xmlns:a="http://schemas.openxmlformats.org/drawingml/2006/main" xmlns:r="http://schemas.openxmlformats.org/officeDocument/2006/relationships" xmlns:p="http://schemas.openxmlformats.org/presentationml/2006/main">
   <p:cSld>
     <p:spTree>
@@ -44173,7 +51850,7 @@
             <a:fld id="{D9B8CB04-7B95-2844-BD15-B133C35E4786}" type="slidenum">
               <a:rPr lang="en-GB" smtClean="0"/>
               <a:pPr/>
-              <a:t>42</a:t>
+              <a:t>44</a:t>
             </a:fld>
             <a:endParaRPr lang="en-GB"/>
           </a:p>
@@ -44593,7 +52270,7 @@
 </p:sld>
 </file>
 
-<file path=ppt/slides/slide43.xml><?xml version="1.0" encoding="utf-8"?>
+<file path=ppt/slides/slide45.xml><?xml version="1.0" encoding="utf-8"?>
 <p:sld xmlns:a="http://schemas.openxmlformats.org/drawingml/2006/main" xmlns:r="http://schemas.openxmlformats.org/officeDocument/2006/relationships" xmlns:p="http://schemas.openxmlformats.org/presentationml/2006/main">
   <p:cSld>
     <p:spTree>
@@ -44627,11 +52304,7 @@
           <a:p>
             <a:r>
               <a:rPr lang="en-GB" sz="4000" dirty="0" smtClean="0"/>
-              <a:t>Hamming codes - </a:t>
-            </a:r>
-            <a:r>
-              <a:rPr lang="en-GB" sz="4000" dirty="0" smtClean="0"/>
-              <a:t>optimisation</a:t>
+              <a:t>Hamming codes - optimisation</a:t>
             </a:r>
             <a:endParaRPr lang="en-GB" sz="4000" dirty="0"/>
           </a:p>
@@ -44714,7 +52387,7 @@
             <a:fld id="{D9B8CB04-7B95-2844-BD15-B133C35E4786}" type="slidenum">
               <a:rPr lang="en-GB" smtClean="0"/>
               <a:pPr/>
-              <a:t>43</a:t>
+              <a:t>45</a:t>
             </a:fld>
             <a:endParaRPr lang="en-GB"/>
           </a:p>
@@ -44748,7 +52421,7 @@
 </p:sld>
 </file>
 
-<file path=ppt/slides/slide44.xml><?xml version="1.0" encoding="utf-8"?>
+<file path=ppt/slides/slide46.xml><?xml version="1.0" encoding="utf-8"?>
 <p:sld xmlns:a="http://schemas.openxmlformats.org/drawingml/2006/main" xmlns:r="http://schemas.openxmlformats.org/officeDocument/2006/relationships" xmlns:p="http://schemas.openxmlformats.org/presentationml/2006/main">
   <p:cSld>
     <p:spTree>
@@ -44788,7 +52461,6 @@
               <a:rPr lang="en-GB" sz="4000" dirty="0"/>
               <a:t>optimisation</a:t>
             </a:r>
-            <a:endParaRPr lang="en-GB" sz="4000" dirty="0"/>
           </a:p>
         </p:txBody>
       </p:sp>
@@ -44810,7 +52482,7 @@
             <a:fld id="{D9B8CB04-7B95-2844-BD15-B133C35E4786}" type="slidenum">
               <a:rPr lang="en-GB" smtClean="0"/>
               <a:pPr/>
-              <a:t>44</a:t>
+              <a:t>46</a:t>
             </a:fld>
             <a:endParaRPr lang="en-GB"/>
           </a:p>
@@ -45117,10 +52789,6 @@
               </a:rPr>
               <a:t>(data);</a:t>
             </a:r>
-            <a:endParaRPr lang="en-US" sz="1800" b="1" dirty="0" smtClean="0">
-              <a:latin typeface="Courier New"/>
-              <a:cs typeface="Courier New"/>
-            </a:endParaRPr>
           </a:p>
           <a:p>
             <a:pPr marL="0" indent="0">
@@ -45320,17 +52988,7 @@
                 <a:latin typeface="Courier New"/>
                 <a:cs typeface="Courier New"/>
               </a:rPr>
-              <a:t>// correct </a:t>
-            </a:r>
-            <a:r>
-              <a:rPr lang="en-US" sz="1800" b="1" dirty="0" smtClean="0">
-                <a:solidFill>
-                  <a:srgbClr val="008000"/>
-                </a:solidFill>
-                <a:latin typeface="Courier New"/>
-                <a:cs typeface="Courier New"/>
-              </a:rPr>
-              <a:t>flipped bit</a:t>
+              <a:t>// correct flipped bit</a:t>
             </a:r>
           </a:p>
           <a:p>
@@ -45350,14 +53008,7 @@
                 <a:latin typeface="Courier New"/>
                 <a:cs typeface="Courier New"/>
               </a:rPr>
-              <a:t> </a:t>
-            </a:r>
-            <a:r>
-              <a:rPr lang="en-US" sz="1800" b="1" dirty="0" smtClean="0">
-                <a:latin typeface="Courier New"/>
-                <a:cs typeface="Courier New"/>
-              </a:rPr>
-              <a:t>}</a:t>
+              <a:t> }</a:t>
             </a:r>
           </a:p>
           <a:p>
@@ -45432,13 +53083,6 @@
               </a:rPr>
               <a:t>// correct overall parity bit</a:t>
             </a:r>
-            <a:endParaRPr lang="en-US" sz="1800" b="1" dirty="0" smtClean="0">
-              <a:solidFill>
-                <a:srgbClr val="008000"/>
-              </a:solidFill>
-              <a:latin typeface="Courier New"/>
-              <a:cs typeface="Courier New"/>
-            </a:endParaRPr>
           </a:p>
           <a:p>
             <a:pPr marL="0" indent="0">
@@ -45452,10 +53096,6 @@
               </a:rPr>
               <a:t>  }</a:t>
             </a:r>
-            <a:endParaRPr lang="en-US" sz="1800" b="1" dirty="0" smtClean="0">
-              <a:latin typeface="Courier New"/>
-              <a:cs typeface="Courier New"/>
-            </a:endParaRPr>
           </a:p>
           <a:p>
             <a:pPr marL="0" indent="0">
@@ -45501,7 +53141,7 @@
 </p:sld>
 </file>
 
-<file path=ppt/slides/slide45.xml><?xml version="1.0" encoding="utf-8"?>
+<file path=ppt/slides/slide47.xml><?xml version="1.0" encoding="utf-8"?>
 <p:sld xmlns:a="http://schemas.openxmlformats.org/drawingml/2006/main" xmlns:r="http://schemas.openxmlformats.org/officeDocument/2006/relationships" xmlns:p="http://schemas.openxmlformats.org/presentationml/2006/main">
   <p:cSld>
     <p:spTree>
@@ -45631,7 +53271,7 @@
             <a:fld id="{D9B8CB04-7B95-2844-BD15-B133C35E4786}" type="slidenum">
               <a:rPr lang="en-GB" smtClean="0"/>
               <a:pPr/>
-              <a:t>45</a:t>
+              <a:t>47</a:t>
             </a:fld>
             <a:endParaRPr lang="en-GB"/>
           </a:p>
@@ -46143,7 +53783,7 @@
 </p:sld>
 </file>
 
-<file path=ppt/slides/slide46.xml><?xml version="1.0" encoding="utf-8"?>
+<file path=ppt/slides/slide48.xml><?xml version="1.0" encoding="utf-8"?>
 <p:sld xmlns:a="http://schemas.openxmlformats.org/drawingml/2006/main" xmlns:r="http://schemas.openxmlformats.org/officeDocument/2006/relationships" xmlns:p="http://schemas.openxmlformats.org/presentationml/2006/main">
   <p:cSld>
     <p:spTree>
@@ -46275,7 +53915,7 @@
             <a:fld id="{D9B8CB04-7B95-2844-BD15-B133C35E4786}" type="slidenum">
               <a:rPr lang="en-GB" smtClean="0"/>
               <a:pPr/>
-              <a:t>46</a:t>
+              <a:t>48</a:t>
             </a:fld>
             <a:endParaRPr lang="en-GB"/>
           </a:p>
@@ -46309,7 +53949,7 @@
 </p:sld>
 </file>
 
-<file path=ppt/slides/slide47.xml><?xml version="1.0" encoding="utf-8"?>
+<file path=ppt/slides/slide49.xml><?xml version="1.0" encoding="utf-8"?>
 <p:sld xmlns:a="http://schemas.openxmlformats.org/drawingml/2006/main" xmlns:r="http://schemas.openxmlformats.org/officeDocument/2006/relationships" xmlns:p="http://schemas.openxmlformats.org/presentationml/2006/main">
   <p:cSld>
     <p:spTree>
@@ -46343,11 +53983,7 @@
           <a:p>
             <a:r>
               <a:rPr lang="en-GB" sz="4000" dirty="0" smtClean="0"/>
-              <a:t>Hamming codes - </a:t>
-            </a:r>
-            <a:r>
-              <a:rPr lang="en-GB" sz="4000" dirty="0" smtClean="0"/>
-              <a:t>SECDED</a:t>
+              <a:t>Hamming codes - SECDED</a:t>
             </a:r>
             <a:endParaRPr lang="en-GB" sz="4000" dirty="0"/>
           </a:p>
@@ -46371,7 +54007,7 @@
             <a:fld id="{D9B8CB04-7B95-2844-BD15-B133C35E4786}" type="slidenum">
               <a:rPr lang="en-GB" smtClean="0"/>
               <a:pPr/>
-              <a:t>47</a:t>
+              <a:t>49</a:t>
             </a:fld>
             <a:endParaRPr lang="en-GB"/>
           </a:p>
@@ -46721,10 +54357,6 @@
               </a:rPr>
               <a:t>;</a:t>
             </a:r>
-            <a:endParaRPr lang="en-US" sz="1800" b="1" dirty="0" smtClean="0">
-              <a:latin typeface="Courier New"/>
-              <a:cs typeface="Courier New"/>
-            </a:endParaRPr>
           </a:p>
           <a:p>
             <a:pPr marL="0" indent="0">
@@ -46832,10 +54464,6 @@
               </a:rPr>
               <a:t>)</a:t>
             </a:r>
-            <a:endParaRPr lang="en-US" sz="1800" b="1" dirty="0" smtClean="0">
-              <a:latin typeface="Courier New"/>
-              <a:cs typeface="Courier New"/>
-            </a:endParaRPr>
           </a:p>
           <a:p>
             <a:pPr marL="0" indent="0">
@@ -46864,17 +54492,7 @@
                 <a:latin typeface="Courier New"/>
                 <a:cs typeface="Courier New"/>
               </a:rPr>
-              <a:t>// correct </a:t>
-            </a:r>
-            <a:r>
-              <a:rPr lang="en-US" sz="1800" b="1" dirty="0" smtClean="0">
-                <a:solidFill>
-                  <a:srgbClr val="008000"/>
-                </a:solidFill>
-                <a:latin typeface="Courier New"/>
-                <a:cs typeface="Courier New"/>
-              </a:rPr>
-              <a:t>flipped bit with hamming codes</a:t>
+              <a:t>// correct flipped bit with hamming codes</a:t>
             </a:r>
             <a:r>
               <a:rPr lang="en-US" sz="1800" b="1" dirty="0" smtClean="0">
@@ -47040,13 +54658,6 @@
               </a:rPr>
               <a:t>// report double-bit error</a:t>
             </a:r>
-            <a:endParaRPr lang="en-US" sz="1800" b="1" dirty="0" smtClean="0">
-              <a:solidFill>
-                <a:srgbClr val="008000"/>
-              </a:solidFill>
-              <a:latin typeface="Courier New"/>
-              <a:cs typeface="Courier New"/>
-            </a:endParaRPr>
           </a:p>
           <a:p>
             <a:pPr marL="0" indent="0">
@@ -47092,7 +54703,7 @@
 </p:sld>
 </file>
 
-<file path=ppt/slides/slide48.xml><?xml version="1.0" encoding="utf-8"?>
+<file path=ppt/slides/slide5.xml><?xml version="1.0" encoding="utf-8"?>
 <p:sld xmlns:a="http://schemas.openxmlformats.org/drawingml/2006/main" xmlns:r="http://schemas.openxmlformats.org/officeDocument/2006/relationships" xmlns:p="http://schemas.openxmlformats.org/presentationml/2006/main">
   <p:cSld>
     <p:spTree>
@@ -47111,6 +54722,207 @@
       </p:grpSpPr>
       <p:sp>
         <p:nvSpPr>
+          <p:cNvPr id="5" name="Title 4"/>
+          <p:cNvSpPr>
+            <a:spLocks noGrp="1"/>
+          </p:cNvSpPr>
+          <p:nvPr>
+            <p:ph type="title"/>
+          </p:nvPr>
+        </p:nvSpPr>
+        <p:spPr>
+          <a:xfrm>
+            <a:off x="0" y="7938"/>
+            <a:ext cx="9144000" cy="1143000"/>
+          </a:xfrm>
+        </p:spPr>
+        <p:txBody>
+          <a:bodyPr>
+            <a:normAutofit fontScale="90000"/>
+          </a:bodyPr>
+          <a:lstStyle/>
+          <a:p>
+            <a:r>
+              <a:rPr lang="en-GB" dirty="0" smtClean="0"/>
+              <a:t>ABFT for sparse matrix computations</a:t>
+            </a:r>
+            <a:endParaRPr lang="en-GB" dirty="0"/>
+          </a:p>
+        </p:txBody>
+      </p:sp>
+      <p:sp>
+        <p:nvSpPr>
+          <p:cNvPr id="6" name="Content Placeholder 5"/>
+          <p:cNvSpPr>
+            <a:spLocks noGrp="1"/>
+          </p:cNvSpPr>
+          <p:nvPr>
+            <p:ph idx="1"/>
+          </p:nvPr>
+        </p:nvSpPr>
+        <p:spPr>
+          <a:xfrm>
+            <a:off x="457200" y="1651000"/>
+            <a:ext cx="8229600" cy="4432300"/>
+          </a:xfrm>
+        </p:spPr>
+        <p:txBody>
+          <a:bodyPr>
+            <a:normAutofit lnSpcReduction="10000"/>
+          </a:bodyPr>
+          <a:lstStyle/>
+          <a:p>
+            <a:r>
+              <a:rPr lang="en-GB" dirty="0" smtClean="0"/>
+              <a:t>Since most of the matrix elements are zero, sparse matrices are </a:t>
+            </a:r>
+            <a:r>
+              <a:rPr lang="en-GB" dirty="0"/>
+              <a:t>s</a:t>
+            </a:r>
+            <a:r>
+              <a:rPr lang="en-GB" dirty="0" smtClean="0"/>
+              <a:t>tored in a compressed format</a:t>
+            </a:r>
+          </a:p>
+          <a:p>
+            <a:r>
+              <a:rPr lang="en-GB" dirty="0" smtClean="0"/>
+              <a:t>Which elements are non-zero may change over time</a:t>
+            </a:r>
+          </a:p>
+          <a:p>
+            <a:r>
+              <a:rPr lang="en-GB" dirty="0" smtClean="0"/>
+              <a:t>Can't use the same approach as dense LA</a:t>
+            </a:r>
+          </a:p>
+          <a:p>
+            <a:pPr lvl="4"/>
+            <a:endParaRPr lang="en-GB" dirty="0"/>
+          </a:p>
+          <a:p>
+            <a:pPr marL="0" indent="0">
+              <a:buNone/>
+            </a:pPr>
+            <a:r>
+              <a:rPr lang="en-GB" dirty="0" smtClean="0"/>
+              <a:t>So we need a different approach for sparse matrices to try and catch </a:t>
+            </a:r>
+            <a:r>
+              <a:rPr lang="en-GB" b="1" dirty="0" smtClean="0"/>
+              <a:t>SDCs</a:t>
+            </a:r>
+            <a:endParaRPr lang="en-GB" dirty="0" smtClean="0"/>
+          </a:p>
+        </p:txBody>
+      </p:sp>
+      <p:sp>
+        <p:nvSpPr>
+          <p:cNvPr id="4" name="Slide Number Placeholder 3"/>
+          <p:cNvSpPr>
+            <a:spLocks noGrp="1"/>
+          </p:cNvSpPr>
+          <p:nvPr>
+            <p:ph type="sldNum" sz="quarter" idx="10"/>
+          </p:nvPr>
+        </p:nvSpPr>
+        <p:spPr/>
+        <p:txBody>
+          <a:bodyPr/>
+          <a:lstStyle/>
+          <a:p>
+            <a:pPr>
+              <a:defRPr/>
+            </a:pPr>
+            <a:fld id="{F5CCE775-1CB5-9645-BC31-0C9A1338C32A}" type="slidenum">
+              <a:rPr lang="en-GB" smtClean="0"/>
+              <a:pPr>
+                <a:defRPr/>
+              </a:pPr>
+              <a:t>5</a:t>
+            </a:fld>
+            <a:endParaRPr lang="en-GB"/>
+          </a:p>
+        </p:txBody>
+      </p:sp>
+      <p:sp>
+        <p:nvSpPr>
+          <p:cNvPr id="2" name="TextBox 1"/>
+          <p:cNvSpPr txBox="1"/>
+          <p:nvPr/>
+        </p:nvSpPr>
+        <p:spPr>
+          <a:xfrm>
+            <a:off x="2241308" y="6284665"/>
+            <a:ext cx="6548788" cy="338554"/>
+          </a:xfrm>
+          <a:prstGeom prst="rect">
+            <a:avLst/>
+          </a:prstGeom>
+          <a:noFill/>
+        </p:spPr>
+        <p:txBody>
+          <a:bodyPr wrap="none" rtlCol="0">
+            <a:spAutoFit/>
+          </a:bodyPr>
+          <a:lstStyle/>
+          <a:p>
+            <a:r>
+              <a:rPr lang="en-GB" sz="1600" dirty="0" smtClean="0"/>
+              <a:t>This work has been undertaken as part of the FP7 Mont Blanc project </a:t>
+            </a:r>
+            <a:endParaRPr lang="en-GB" sz="1600" dirty="0"/>
+          </a:p>
+        </p:txBody>
+      </p:sp>
+    </p:spTree>
+    <p:extLst>
+      <p:ext uri="{BB962C8B-B14F-4D97-AF65-F5344CB8AC3E}">
+        <p14:creationId xmlns:p14="http://schemas.microsoft.com/office/powerpoint/2010/main" val="1538294852"/>
+      </p:ext>
+    </p:extLst>
+  </p:cSld>
+  <p:clrMapOvr>
+    <a:masterClrMapping/>
+  </p:clrMapOvr>
+  <mc:AlternateContent xmlns:mc="http://schemas.openxmlformats.org/markup-compatibility/2006" xmlns:p14="http://schemas.microsoft.com/office/powerpoint/2010/main">
+    <mc:Choice Requires="p14">
+      <p:transition spd="slow" p14:dur="2000"/>
+    </mc:Choice>
+    <mc:Fallback xmlns="">
+      <p:transition xmlns:p14="http://schemas.microsoft.com/office/powerpoint/2010/main" spd="slow"/>
+    </mc:Fallback>
+  </mc:AlternateContent>
+  <p:timing>
+    <p:tnLst>
+      <p:par>
+        <p:cTn xmlns:p14="http://schemas.microsoft.com/office/powerpoint/2010/main" id="1" dur="indefinite" restart="never" nodeType="tmRoot"/>
+      </p:par>
+    </p:tnLst>
+  </p:timing>
+</p:sld>
+</file>
+
+<file path=ppt/slides/slide50.xml><?xml version="1.0" encoding="utf-8"?>
+<p:sld xmlns:a="http://schemas.openxmlformats.org/drawingml/2006/main" xmlns:r="http://schemas.openxmlformats.org/officeDocument/2006/relationships" xmlns:p="http://schemas.openxmlformats.org/presentationml/2006/main">
+  <p:cSld>
+    <p:spTree>
+      <p:nvGrpSpPr>
+        <p:cNvPr id="1" name=""/>
+        <p:cNvGrpSpPr/>
+        <p:nvPr/>
+      </p:nvGrpSpPr>
+      <p:grpSpPr>
+        <a:xfrm>
+          <a:off x="0" y="0"/>
+          <a:ext cx="0" cy="0"/>
+          <a:chOff x="0" y="0"/>
+          <a:chExt cx="0" cy="0"/>
+        </a:xfrm>
+      </p:grpSpPr>
+      <p:sp>
+        <p:nvSpPr>
           <p:cNvPr id="2" name="Title 1"/>
           <p:cNvSpPr>
             <a:spLocks noGrp="1"/>
@@ -47222,7 +55034,7 @@
             <a:fld id="{D9B8CB04-7B95-2844-BD15-B133C35E4786}" type="slidenum">
               <a:rPr lang="en-GB" smtClean="0"/>
               <a:pPr/>
-              <a:t>48</a:t>
+              <a:t>50</a:t>
             </a:fld>
             <a:endParaRPr lang="en-GB"/>
           </a:p>
@@ -47812,7 +55624,7 @@
 </p:sld>
 </file>
 
-<file path=ppt/slides/slide49.xml><?xml version="1.0" encoding="utf-8"?>
+<file path=ppt/slides/slide51.xml><?xml version="1.0" encoding="utf-8"?>
 <p:sld xmlns:a="http://schemas.openxmlformats.org/drawingml/2006/main" xmlns:r="http://schemas.openxmlformats.org/officeDocument/2006/relationships" xmlns:p="http://schemas.openxmlformats.org/presentationml/2006/main">
   <p:cSld>
     <p:spTree>
@@ -47934,7 +55746,7 @@
             <a:fld id="{D9B8CB04-7B95-2844-BD15-B133C35E4786}" type="slidenum">
               <a:rPr lang="en-GB" smtClean="0"/>
               <a:pPr/>
-              <a:t>49</a:t>
+              <a:t>51</a:t>
             </a:fld>
             <a:endParaRPr lang="en-GB"/>
           </a:p>
@@ -47968,7 +55780,7 @@
 </p:sld>
 </file>
 
-<file path=ppt/slides/slide5.xml><?xml version="1.0" encoding="utf-8"?>
+<file path=ppt/slides/slide52.xml><?xml version="1.0" encoding="utf-8"?>
 <p:sld xmlns:a="http://schemas.openxmlformats.org/drawingml/2006/main" xmlns:r="http://schemas.openxmlformats.org/officeDocument/2006/relationships" xmlns:p="http://schemas.openxmlformats.org/presentationml/2006/main">
   <p:cSld>
     <p:spTree>
@@ -47987,207 +55799,6 @@
       </p:grpSpPr>
       <p:sp>
         <p:nvSpPr>
-          <p:cNvPr id="5" name="Title 4"/>
-          <p:cNvSpPr>
-            <a:spLocks noGrp="1"/>
-          </p:cNvSpPr>
-          <p:nvPr>
-            <p:ph type="title"/>
-          </p:nvPr>
-        </p:nvSpPr>
-        <p:spPr>
-          <a:xfrm>
-            <a:off x="0" y="7938"/>
-            <a:ext cx="9144000" cy="1143000"/>
-          </a:xfrm>
-        </p:spPr>
-        <p:txBody>
-          <a:bodyPr>
-            <a:normAutofit fontScale="90000"/>
-          </a:bodyPr>
-          <a:lstStyle/>
-          <a:p>
-            <a:r>
-              <a:rPr lang="en-GB" dirty="0" smtClean="0"/>
-              <a:t>ABFT for sparse matrix computations</a:t>
-            </a:r>
-            <a:endParaRPr lang="en-GB" dirty="0"/>
-          </a:p>
-        </p:txBody>
-      </p:sp>
-      <p:sp>
-        <p:nvSpPr>
-          <p:cNvPr id="6" name="Content Placeholder 5"/>
-          <p:cNvSpPr>
-            <a:spLocks noGrp="1"/>
-          </p:cNvSpPr>
-          <p:nvPr>
-            <p:ph idx="1"/>
-          </p:nvPr>
-        </p:nvSpPr>
-        <p:spPr>
-          <a:xfrm>
-            <a:off x="457200" y="1651000"/>
-            <a:ext cx="8229600" cy="4432300"/>
-          </a:xfrm>
-        </p:spPr>
-        <p:txBody>
-          <a:bodyPr>
-            <a:normAutofit lnSpcReduction="10000"/>
-          </a:bodyPr>
-          <a:lstStyle/>
-          <a:p>
-            <a:r>
-              <a:rPr lang="en-GB" dirty="0" smtClean="0"/>
-              <a:t>Since most of the matrix elements are zero, sparse matrices are </a:t>
-            </a:r>
-            <a:r>
-              <a:rPr lang="en-GB" dirty="0"/>
-              <a:t>s</a:t>
-            </a:r>
-            <a:r>
-              <a:rPr lang="en-GB" dirty="0" smtClean="0"/>
-              <a:t>tored in a compressed format</a:t>
-            </a:r>
-          </a:p>
-          <a:p>
-            <a:r>
-              <a:rPr lang="en-GB" dirty="0" smtClean="0"/>
-              <a:t>Which elements are non-zero may change over time</a:t>
-            </a:r>
-          </a:p>
-          <a:p>
-            <a:r>
-              <a:rPr lang="en-GB" dirty="0" smtClean="0"/>
-              <a:t>Can't use the same approach as dense LA</a:t>
-            </a:r>
-          </a:p>
-          <a:p>
-            <a:pPr lvl="4"/>
-            <a:endParaRPr lang="en-GB" dirty="0"/>
-          </a:p>
-          <a:p>
-            <a:pPr marL="0" indent="0">
-              <a:buNone/>
-            </a:pPr>
-            <a:r>
-              <a:rPr lang="en-GB" dirty="0" smtClean="0"/>
-              <a:t>So we need a different approach for sparse matrices to try and catch </a:t>
-            </a:r>
-            <a:r>
-              <a:rPr lang="en-GB" b="1" dirty="0" smtClean="0"/>
-              <a:t>SDCs</a:t>
-            </a:r>
-            <a:endParaRPr lang="en-GB" dirty="0" smtClean="0"/>
-          </a:p>
-        </p:txBody>
-      </p:sp>
-      <p:sp>
-        <p:nvSpPr>
-          <p:cNvPr id="4" name="Slide Number Placeholder 3"/>
-          <p:cNvSpPr>
-            <a:spLocks noGrp="1"/>
-          </p:cNvSpPr>
-          <p:nvPr>
-            <p:ph type="sldNum" sz="quarter" idx="10"/>
-          </p:nvPr>
-        </p:nvSpPr>
-        <p:spPr/>
-        <p:txBody>
-          <a:bodyPr/>
-          <a:lstStyle/>
-          <a:p>
-            <a:pPr>
-              <a:defRPr/>
-            </a:pPr>
-            <a:fld id="{F5CCE775-1CB5-9645-BC31-0C9A1338C32A}" type="slidenum">
-              <a:rPr lang="en-GB" smtClean="0"/>
-              <a:pPr>
-                <a:defRPr/>
-              </a:pPr>
-              <a:t>5</a:t>
-            </a:fld>
-            <a:endParaRPr lang="en-GB"/>
-          </a:p>
-        </p:txBody>
-      </p:sp>
-      <p:sp>
-        <p:nvSpPr>
-          <p:cNvPr id="2" name="TextBox 1"/>
-          <p:cNvSpPr txBox="1"/>
-          <p:nvPr/>
-        </p:nvSpPr>
-        <p:spPr>
-          <a:xfrm>
-            <a:off x="2241308" y="6284665"/>
-            <a:ext cx="6548788" cy="338554"/>
-          </a:xfrm>
-          <a:prstGeom prst="rect">
-            <a:avLst/>
-          </a:prstGeom>
-          <a:noFill/>
-        </p:spPr>
-        <p:txBody>
-          <a:bodyPr wrap="none" rtlCol="0">
-            <a:spAutoFit/>
-          </a:bodyPr>
-          <a:lstStyle/>
-          <a:p>
-            <a:r>
-              <a:rPr lang="en-GB" sz="1600" dirty="0" smtClean="0"/>
-              <a:t>This work has been undertaken as part of the FP7 Mont Blanc project </a:t>
-            </a:r>
-            <a:endParaRPr lang="en-GB" sz="1600" dirty="0"/>
-          </a:p>
-        </p:txBody>
-      </p:sp>
-    </p:spTree>
-    <p:extLst>
-      <p:ext uri="{BB962C8B-B14F-4D97-AF65-F5344CB8AC3E}">
-        <p14:creationId xmlns:p14="http://schemas.microsoft.com/office/powerpoint/2010/main" val="1538294852"/>
-      </p:ext>
-    </p:extLst>
-  </p:cSld>
-  <p:clrMapOvr>
-    <a:masterClrMapping/>
-  </p:clrMapOvr>
-  <mc:AlternateContent xmlns:mc="http://schemas.openxmlformats.org/markup-compatibility/2006" xmlns:p14="http://schemas.microsoft.com/office/powerpoint/2010/main">
-    <mc:Choice Requires="p14">
-      <p:transition spd="slow" p14:dur="2000"/>
-    </mc:Choice>
-    <mc:Fallback xmlns="">
-      <p:transition xmlns:p14="http://schemas.microsoft.com/office/powerpoint/2010/main" spd="slow"/>
-    </mc:Fallback>
-  </mc:AlternateContent>
-  <p:timing>
-    <p:tnLst>
-      <p:par>
-        <p:cTn xmlns:p14="http://schemas.microsoft.com/office/powerpoint/2010/main" id="1" dur="indefinite" restart="never" nodeType="tmRoot"/>
-      </p:par>
-    </p:tnLst>
-  </p:timing>
-</p:sld>
-</file>
-
-<file path=ppt/slides/slide50.xml><?xml version="1.0" encoding="utf-8"?>
-<p:sld xmlns:a="http://schemas.openxmlformats.org/drawingml/2006/main" xmlns:r="http://schemas.openxmlformats.org/officeDocument/2006/relationships" xmlns:p="http://schemas.openxmlformats.org/presentationml/2006/main">
-  <p:cSld>
-    <p:spTree>
-      <p:nvGrpSpPr>
-        <p:cNvPr id="1" name=""/>
-        <p:cNvGrpSpPr/>
-        <p:nvPr/>
-      </p:nvGrpSpPr>
-      <p:grpSpPr>
-        <a:xfrm>
-          <a:off x="0" y="0"/>
-          <a:ext cx="0" cy="0"/>
-          <a:chOff x="0" y="0"/>
-          <a:chExt cx="0" cy="0"/>
-        </a:xfrm>
-      </p:grpSpPr>
-      <p:sp>
-        <p:nvSpPr>
           <p:cNvPr id="2" name="Title 1"/>
           <p:cNvSpPr>
             <a:spLocks noGrp="1"/>
@@ -48349,7 +55960,7 @@
             <a:fld id="{D9B8CB04-7B95-2844-BD15-B133C35E4786}" type="slidenum">
               <a:rPr lang="en-GB" smtClean="0"/>
               <a:pPr/>
-              <a:t>50</a:t>
+              <a:t>52</a:t>
             </a:fld>
             <a:endParaRPr lang="en-GB"/>
           </a:p>
@@ -48383,7 +55994,7 @@
 </p:sld>
 </file>
 
-<file path=ppt/slides/slide51.xml><?xml version="1.0" encoding="utf-8"?>
+<file path=ppt/slides/slide53.xml><?xml version="1.0" encoding="utf-8"?>
 <p:sld xmlns:a="http://schemas.openxmlformats.org/drawingml/2006/main" xmlns:r="http://schemas.openxmlformats.org/officeDocument/2006/relationships" xmlns:p="http://schemas.openxmlformats.org/presentationml/2006/main">
   <p:cSld>
     <p:spTree>
@@ -48483,17 +56094,10 @@
             <a:pPr lvl="1"/>
             <a:r>
               <a:rPr lang="en-GB" sz="2400" dirty="0" smtClean="0"/>
-              <a:t>Or use the extra parity bit to implement a SECDED </a:t>
-            </a:r>
-            <a:r>
-              <a:rPr lang="en-GB" sz="2400" dirty="0" smtClean="0"/>
-              <a:t>scheme (use </a:t>
-            </a:r>
-            <a:r>
-              <a:rPr lang="en-GB" sz="2400" b="1" dirty="0" smtClean="0">
-                <a:solidFill>
-                  <a:srgbClr val="3366FF"/>
-                </a:solidFill>
+              <a:t>Or use the extra parity bit to implement a SECDED scheme (use ‘</a:t>
+            </a:r>
+            <a:r>
+              <a:rPr lang="en-GB" sz="2400" dirty="0" smtClean="0">
                 <a:latin typeface="Courier New"/>
                 <a:cs typeface="Courier New"/>
               </a:rPr>
@@ -48501,18 +56105,14 @@
             </a:r>
             <a:r>
               <a:rPr lang="en-GB" sz="2400" dirty="0" smtClean="0"/>
-              <a:t> to inject a double-bit flip)</a:t>
+              <a:t>’ flag to inject a double-bit flip)</a:t>
             </a:r>
           </a:p>
           <a:p>
             <a:pPr lvl="1"/>
             <a:r>
               <a:rPr lang="en-GB" sz="2400" dirty="0" smtClean="0"/>
-              <a:t>Try </a:t>
-            </a:r>
-            <a:r>
-              <a:rPr lang="en-GB" sz="2400" dirty="0" smtClean="0"/>
-              <a:t>other parity bit placement schemes (4 bits in row and 4 in column, or use the least significant bits of the value)</a:t>
+              <a:t>Try other parity bit placement schemes (4 bits in row and 4 in column, or use the least significant bits of the value)</a:t>
             </a:r>
             <a:r>
               <a:rPr lang="en-GB" sz="2400" b="1" dirty="0" smtClean="0">
@@ -48543,7 +56143,7 @@
             <a:fld id="{D9B8CB04-7B95-2844-BD15-B133C35E4786}" type="slidenum">
               <a:rPr lang="en-GB" smtClean="0"/>
               <a:pPr/>
-              <a:t>51</a:t>
+              <a:t>53</a:t>
             </a:fld>
             <a:endParaRPr lang="en-GB"/>
           </a:p>

--- a/sparse-abft.pptx
+++ b/sparse-abft.pptx
@@ -5,10 +5,10 @@
     <p:sldMasterId id="2147483649" r:id="rId3"/>
   </p:sldMasterIdLst>
   <p:notesMasterIdLst>
-    <p:notesMasterId r:id="rId57"/>
+    <p:notesMasterId r:id="rId58"/>
   </p:notesMasterIdLst>
   <p:handoutMasterIdLst>
-    <p:handoutMasterId r:id="rId58"/>
+    <p:handoutMasterId r:id="rId59"/>
   </p:handoutMasterIdLst>
   <p:sldIdLst>
     <p:sldId id="257" r:id="rId4"/>
@@ -61,9 +61,10 @@
     <p:sldId id="615" r:id="rId51"/>
     <p:sldId id="626" r:id="rId52"/>
     <p:sldId id="620" r:id="rId53"/>
-    <p:sldId id="618" r:id="rId54"/>
-    <p:sldId id="588" r:id="rId55"/>
-    <p:sldId id="619" r:id="rId56"/>
+    <p:sldId id="629" r:id="rId54"/>
+    <p:sldId id="618" r:id="rId55"/>
+    <p:sldId id="588" r:id="rId56"/>
+    <p:sldId id="619" r:id="rId57"/>
   </p:sldIdLst>
   <p:sldSz cx="9144000" cy="6858000" type="screen4x3"/>
   <p:notesSz cx="6858000" cy="9144000"/>
@@ -7732,12 +7733,16 @@
           <a:lstStyle/>
           <a:p>
             <a:r>
+              <a:rPr lang="en-GB" dirty="0" err="1" smtClean="0"/>
+              <a:t>nasarb</a:t>
+            </a:r>
+            <a:r>
               <a:rPr lang="en-GB" dirty="0" smtClean="0"/>
-              <a:t>circuit5M is one of the largest real matrices </a:t>
+              <a:t> is of</a:t>
             </a:r>
             <a:r>
               <a:rPr lang="en-GB" baseline="0" dirty="0" smtClean="0"/>
-              <a:t>in the collection – </a:t>
+              <a:t> average size in the collection – </a:t>
             </a:r>
           </a:p>
           <a:p>
@@ -7753,7 +7758,7 @@
                 <a:ea typeface="ＭＳ Ｐゴシック" charset="-128"/>
                 <a:cs typeface="ＭＳ Ｐゴシック" charset="-128"/>
               </a:rPr>
-              <a:t>---- 5,558,326 x 5,558,326 (~30,000,000,000,000 potential positions)</a:t>
+              <a:t>---- 54,870 x 54,870 (~3,000,000,000 potential positions)</a:t>
             </a:r>
           </a:p>
           <a:p>
@@ -7788,7 +7793,7 @@
                 <a:ea typeface="ＭＳ Ｐゴシック" charset="-128"/>
                 <a:cs typeface="ＭＳ Ｐゴシック" charset="-128"/>
               </a:rPr>
-              <a:t> = 59,524,291 (which is ~0.0002% fill)</a:t>
+              <a:t> = 2,677,324 (which is ~0.09% fill)</a:t>
             </a:r>
           </a:p>
           <a:p>
@@ -7813,7 +7818,7 @@
                 <a:cs typeface="ＭＳ Ｐゴシック" charset="-128"/>
                 <a:hlinkClick r:id="rId3"/>
               </a:rPr>
-              <a:t>https://www.cise.ufl.edu/research/sparse/matrices/Freescale/circuit5M.html</a:t>
+              <a:t>https://www.cise.ufl.edu/research/sparse/matrices/Nasa/nasasrb.html</a:t>
             </a:r>
           </a:p>
           <a:p>
@@ -7844,7 +7849,7 @@
               <a:pPr>
                 <a:defRPr/>
               </a:pPr>
-              <a:t>14</a:t>
+              <a:t>13</a:t>
             </a:fld>
             <a:endParaRPr lang="en-GB"/>
           </a:p>
@@ -7909,11 +7914,11 @@
           <a:p>
             <a:r>
               <a:rPr lang="en-GB" dirty="0" smtClean="0"/>
-              <a:t>Thus we believe we should be able to hide the cost of most of the constraint checking, making this a</a:t>
+              <a:t>circuit5M is one of the largest real matrices </a:t>
             </a:r>
             <a:r>
               <a:rPr lang="en-GB" baseline="0" dirty="0" smtClean="0"/>
-              <a:t> very low overhead approach</a:t>
+              <a:t>in the collection – </a:t>
             </a:r>
           </a:p>
           <a:p>
@@ -7921,9 +7926,78 @@
           </a:p>
           <a:p>
             <a:r>
-              <a:rPr lang="en-GB" baseline="0" dirty="0" smtClean="0"/>
-              <a:t>The overhead is all compute, there's no extra bandwidth required, and we think we can get this down lower.</a:t>
-            </a:r>
+              <a:rPr lang="en-US" sz="1200" kern="1200" dirty="0" smtClean="0">
+                <a:solidFill>
+                  <a:schemeClr val="tx1"/>
+                </a:solidFill>
+                <a:latin typeface="Arial" charset="0"/>
+                <a:ea typeface="ＭＳ Ｐゴシック" charset="-128"/>
+                <a:cs typeface="ＭＳ Ｐゴシック" charset="-128"/>
+              </a:rPr>
+              <a:t>---- 5,558,326 x 5,558,326 (~30,000,000,000,000 potential positions)</a:t>
+            </a:r>
+          </a:p>
+          <a:p>
+            <a:r>
+              <a:rPr lang="en-US" sz="1200" kern="1200" dirty="0" smtClean="0">
+                <a:solidFill>
+                  <a:schemeClr val="tx1"/>
+                </a:solidFill>
+                <a:latin typeface="Arial" charset="0"/>
+                <a:ea typeface="ＭＳ Ｐゴシック" charset="-128"/>
+                <a:cs typeface="ＭＳ Ｐゴシック" charset="-128"/>
+              </a:rPr>
+              <a:t>---- </a:t>
+            </a:r>
+            <a:r>
+              <a:rPr lang="en-US" sz="1200" kern="1200" dirty="0" err="1" smtClean="0">
+                <a:solidFill>
+                  <a:schemeClr val="tx1"/>
+                </a:solidFill>
+                <a:latin typeface="Arial" charset="0"/>
+                <a:ea typeface="ＭＳ Ｐゴシック" charset="-128"/>
+                <a:cs typeface="ＭＳ Ｐゴシック" charset="-128"/>
+              </a:rPr>
+              <a:t>nnz</a:t>
+            </a:r>
+            <a:r>
+              <a:rPr lang="en-US" sz="1200" kern="1200" dirty="0" smtClean="0">
+                <a:solidFill>
+                  <a:schemeClr val="tx1"/>
+                </a:solidFill>
+                <a:latin typeface="Arial" charset="0"/>
+                <a:ea typeface="ＭＳ Ｐゴシック" charset="-128"/>
+                <a:cs typeface="ＭＳ Ｐゴシック" charset="-128"/>
+              </a:rPr>
+              <a:t> = 59,524,291 (which is ~0.0002% fill)</a:t>
+            </a:r>
+          </a:p>
+          <a:p>
+            <a:r>
+              <a:rPr lang="en-US" sz="1200" kern="1200" dirty="0" smtClean="0">
+                <a:solidFill>
+                  <a:schemeClr val="tx1"/>
+                </a:solidFill>
+                <a:latin typeface="Arial" charset="0"/>
+                <a:ea typeface="ＭＳ Ｐゴシック" charset="-128"/>
+                <a:cs typeface="ＭＳ Ｐゴシック" charset="-128"/>
+              </a:rPr>
+              <a:t>---- any other data you may want: </a:t>
+            </a:r>
+            <a:r>
+              <a:rPr lang="en-US" sz="1200" u="sng" kern="1200" dirty="0" smtClean="0">
+                <a:solidFill>
+                  <a:schemeClr val="tx1"/>
+                </a:solidFill>
+                <a:latin typeface="Arial" charset="0"/>
+                <a:ea typeface="ＭＳ Ｐゴシック" charset="-128"/>
+                <a:cs typeface="ＭＳ Ｐゴシック" charset="-128"/>
+                <a:hlinkClick r:id="rId3"/>
+              </a:rPr>
+              <a:t>https://www.cise.ufl.edu/research/sparse/matrices/Freescale/circuit5M.html</a:t>
+            </a:r>
+          </a:p>
+          <a:p>
             <a:endParaRPr lang="en-GB" dirty="0"/>
           </a:p>
         </p:txBody>
@@ -7951,7 +8025,7 @@
               <a:pPr>
                 <a:defRPr/>
               </a:pPr>
-              <a:t>15</a:t>
+              <a:t>14</a:t>
             </a:fld>
             <a:endParaRPr lang="en-GB"/>
           </a:p>
@@ -7960,7 +8034,7 @@
     </p:spTree>
     <p:extLst>
       <p:ext uri="{BB962C8B-B14F-4D97-AF65-F5344CB8AC3E}">
-        <p14:creationId xmlns:p14="http://schemas.microsoft.com/office/powerpoint/2010/main" val="1747623644"/>
+        <p14:creationId xmlns:p14="http://schemas.microsoft.com/office/powerpoint/2010/main" val="4291184631"/>
       </p:ext>
     </p:extLst>
   </p:cSld>
@@ -8016,28 +8090,20 @@
           <a:p>
             <a:r>
               <a:rPr lang="en-GB" dirty="0" smtClean="0"/>
-              <a:t>At Exascale, 10-20% could represent</a:t>
+              <a:t>Thus we believe we should be able to hide the cost of most of the constraint checking, making this a</a:t>
             </a:r>
             <a:r>
               <a:rPr lang="en-GB" baseline="0" dirty="0" smtClean="0"/>
-              <a:t> a couple of </a:t>
-            </a:r>
-            <a:r>
-              <a:rPr lang="en-GB" baseline="0" dirty="0" err="1" smtClean="0"/>
-              <a:t>MegaWatts</a:t>
-            </a:r>
+              <a:t> very low overhead approach</a:t>
+            </a:r>
+          </a:p>
+          <a:p>
+            <a:endParaRPr lang="en-GB" baseline="0" dirty="0" smtClean="0"/>
+          </a:p>
+          <a:p>
             <a:r>
               <a:rPr lang="en-GB" baseline="0" dirty="0" smtClean="0"/>
-              <a:t> and millions of dollars per year.</a:t>
-            </a:r>
-          </a:p>
-          <a:p>
-            <a:endParaRPr lang="en-GB" baseline="0" dirty="0" smtClean="0"/>
-          </a:p>
-          <a:p>
-            <a:r>
-              <a:rPr lang="en-GB" baseline="0" dirty="0" smtClean="0"/>
-              <a:t>Architectures such as GPUs already have the ability to selectively turn off ECC on external memory to save energy and increase performance.</a:t>
+              <a:t>The overhead is all compute, there's no extra bandwidth required, and we think we can get this down lower.</a:t>
             </a:r>
             <a:endParaRPr lang="en-GB" dirty="0"/>
           </a:p>
@@ -8066,7 +8132,7 @@
               <a:pPr>
                 <a:defRPr/>
               </a:pPr>
-              <a:t>18</a:t>
+              <a:t>15</a:t>
             </a:fld>
             <a:endParaRPr lang="en-GB"/>
           </a:p>
@@ -8075,7 +8141,7 @@
     </p:spTree>
     <p:extLst>
       <p:ext uri="{BB962C8B-B14F-4D97-AF65-F5344CB8AC3E}">
-        <p14:creationId xmlns:p14="http://schemas.microsoft.com/office/powerpoint/2010/main" val="611868313"/>
+        <p14:creationId xmlns:p14="http://schemas.microsoft.com/office/powerpoint/2010/main" val="1747623644"/>
       </p:ext>
     </p:extLst>
   </p:cSld>
@@ -8131,45 +8197,28 @@
           <a:p>
             <a:r>
               <a:rPr lang="en-GB" dirty="0" smtClean="0"/>
-              <a:t>It's a bit more complicated</a:t>
+              <a:t>At Exascale, 10-20% could represent</a:t>
             </a:r>
             <a:r>
               <a:rPr lang="en-GB" baseline="0" dirty="0" smtClean="0"/>
-              <a:t> than this:</a:t>
-            </a:r>
-          </a:p>
-          <a:p>
-            <a:pPr marL="171450" indent="-171450">
-              <a:buFontTx/>
-              <a:buChar char="-"/>
-            </a:pPr>
+              <a:t> a couple of </a:t>
+            </a:r>
+            <a:r>
+              <a:rPr lang="en-GB" baseline="0" dirty="0" err="1" smtClean="0"/>
+              <a:t>MegaWatts</a:t>
+            </a:r>
             <a:r>
               <a:rPr lang="en-GB" baseline="0" dirty="0" smtClean="0"/>
-              <a:t>The bits can't be grouped as shown for a parity scheme to work </a:t>
-            </a:r>
-          </a:p>
-          <a:p>
-            <a:pPr marL="171450" indent="-171450">
-              <a:buFontTx/>
-              <a:buChar char="-"/>
-            </a:pPr>
+              <a:t> and millions of dollars per year.</a:t>
+            </a:r>
+          </a:p>
+          <a:p>
+            <a:endParaRPr lang="en-GB" baseline="0" dirty="0" smtClean="0"/>
+          </a:p>
+          <a:p>
             <a:r>
               <a:rPr lang="en-GB" baseline="0" dirty="0" smtClean="0"/>
-              <a:t>Instead have to be distributed through the fields that need protecting</a:t>
-            </a:r>
-          </a:p>
-          <a:p>
-            <a:pPr marL="171450" indent="-171450">
-              <a:buFontTx/>
-              <a:buChar char="-"/>
-            </a:pPr>
-            <a:r>
-              <a:rPr lang="en-GB" baseline="0" dirty="0" smtClean="0"/>
-              <a:t>Would require some construction/deconstruction as elements are accessed, but again just rudimentary instructions such as bit ops, shifts </a:t>
-            </a:r>
-            <a:r>
-              <a:rPr lang="en-GB" baseline="0" dirty="0" err="1" smtClean="0"/>
-              <a:t>etc</a:t>
+              <a:t>Architectures such as GPUs already have the ability to selectively turn off ECC on external memory to save energy and increase performance.</a:t>
             </a:r>
             <a:endParaRPr lang="en-GB" dirty="0"/>
           </a:p>
@@ -8198,7 +8247,7 @@
               <a:pPr>
                 <a:defRPr/>
               </a:pPr>
-              <a:t>19</a:t>
+              <a:t>18</a:t>
             </a:fld>
             <a:endParaRPr lang="en-GB"/>
           </a:p>
@@ -8207,7 +8256,7 @@
     </p:spTree>
     <p:extLst>
       <p:ext uri="{BB962C8B-B14F-4D97-AF65-F5344CB8AC3E}">
-        <p14:creationId xmlns:p14="http://schemas.microsoft.com/office/powerpoint/2010/main" val="2209820087"/>
+        <p14:creationId xmlns:p14="http://schemas.microsoft.com/office/powerpoint/2010/main" val="611868313"/>
       </p:ext>
     </p:extLst>
   </p:cSld>
@@ -8263,11 +8312,45 @@
           <a:p>
             <a:r>
               <a:rPr lang="en-GB" dirty="0" smtClean="0"/>
-              <a:t>Correction could be done with checkpoint</a:t>
+              <a:t>It's a bit more complicated</a:t>
             </a:r>
             <a:r>
               <a:rPr lang="en-GB" baseline="0" dirty="0" smtClean="0"/>
-              <a:t> restart, or reload from second copy of matrix</a:t>
+              <a:t> than this:</a:t>
+            </a:r>
+          </a:p>
+          <a:p>
+            <a:pPr marL="171450" indent="-171450">
+              <a:buFontTx/>
+              <a:buChar char="-"/>
+            </a:pPr>
+            <a:r>
+              <a:rPr lang="en-GB" baseline="0" dirty="0" smtClean="0"/>
+              <a:t>The bits can't be grouped as shown for a parity scheme to work </a:t>
+            </a:r>
+          </a:p>
+          <a:p>
+            <a:pPr marL="171450" indent="-171450">
+              <a:buFontTx/>
+              <a:buChar char="-"/>
+            </a:pPr>
+            <a:r>
+              <a:rPr lang="en-GB" baseline="0" dirty="0" smtClean="0"/>
+              <a:t>Instead have to be distributed through the fields that need protecting</a:t>
+            </a:r>
+          </a:p>
+          <a:p>
+            <a:pPr marL="171450" indent="-171450">
+              <a:buFontTx/>
+              <a:buChar char="-"/>
+            </a:pPr>
+            <a:r>
+              <a:rPr lang="en-GB" baseline="0" dirty="0" smtClean="0"/>
+              <a:t>Would require some construction/deconstruction as elements are accessed, but again just rudimentary instructions such as bit ops, shifts </a:t>
+            </a:r>
+            <a:r>
+              <a:rPr lang="en-GB" baseline="0" dirty="0" err="1" smtClean="0"/>
+              <a:t>etc</a:t>
             </a:r>
             <a:endParaRPr lang="en-GB" dirty="0"/>
           </a:p>
@@ -8288,10 +8371,15 @@
           <a:bodyPr/>
           <a:lstStyle/>
           <a:p>
-            <a:fld id="{1C811BE7-51AF-BD41-88D3-08D74CFB37BF}" type="slidenum">
+            <a:pPr>
+              <a:defRPr/>
+            </a:pPr>
+            <a:fld id="{4082635D-059A-CB44-9BFE-E5877B2A18E3}" type="slidenum">
               <a:rPr lang="en-GB" smtClean="0"/>
-              <a:pPr/>
-              <a:t>20</a:t>
+              <a:pPr>
+                <a:defRPr/>
+              </a:pPr>
+              <a:t>19</a:t>
             </a:fld>
             <a:endParaRPr lang="en-GB"/>
           </a:p>
@@ -8300,7 +8388,7 @@
     </p:spTree>
     <p:extLst>
       <p:ext uri="{BB962C8B-B14F-4D97-AF65-F5344CB8AC3E}">
-        <p14:creationId xmlns:p14="http://schemas.microsoft.com/office/powerpoint/2010/main" val="4264065732"/>
+        <p14:creationId xmlns:p14="http://schemas.microsoft.com/office/powerpoint/2010/main" val="2209820087"/>
       </p:ext>
     </p:extLst>
   </p:cSld>
@@ -8354,6 +8442,14 @@
           <a:bodyPr/>
           <a:lstStyle/>
           <a:p>
+            <a:r>
+              <a:rPr lang="en-GB" dirty="0" smtClean="0"/>
+              <a:t>Correction could be done with checkpoint</a:t>
+            </a:r>
+            <a:r>
+              <a:rPr lang="en-GB" baseline="0" dirty="0" smtClean="0"/>
+              <a:t> restart, or reload from second copy of matrix</a:t>
+            </a:r>
             <a:endParaRPr lang="en-GB" dirty="0"/>
           </a:p>
         </p:txBody>
@@ -8376,7 +8472,7 @@
             <a:fld id="{1C811BE7-51AF-BD41-88D3-08D74CFB37BF}" type="slidenum">
               <a:rPr lang="en-GB" smtClean="0"/>
               <a:pPr/>
-              <a:t>21</a:t>
+              <a:t>20</a:t>
             </a:fld>
             <a:endParaRPr lang="en-GB"/>
           </a:p>
@@ -8385,7 +8481,7 @@
     </p:spTree>
     <p:extLst>
       <p:ext uri="{BB962C8B-B14F-4D97-AF65-F5344CB8AC3E}">
-        <p14:creationId xmlns:p14="http://schemas.microsoft.com/office/powerpoint/2010/main" val="2442681378"/>
+        <p14:creationId xmlns:p14="http://schemas.microsoft.com/office/powerpoint/2010/main" val="4264065732"/>
       </p:ext>
     </p:extLst>
   </p:cSld>
@@ -8461,7 +8557,7 @@
             <a:fld id="{1C811BE7-51AF-BD41-88D3-08D74CFB37BF}" type="slidenum">
               <a:rPr lang="en-GB" smtClean="0"/>
               <a:pPr/>
-              <a:t>23</a:t>
+              <a:t>21</a:t>
             </a:fld>
             <a:endParaRPr lang="en-GB"/>
           </a:p>
@@ -8470,7 +8566,7 @@
     </p:spTree>
     <p:extLst>
       <p:ext uri="{BB962C8B-B14F-4D97-AF65-F5344CB8AC3E}">
-        <p14:creationId xmlns:p14="http://schemas.microsoft.com/office/powerpoint/2010/main" val="1269505060"/>
+        <p14:creationId xmlns:p14="http://schemas.microsoft.com/office/powerpoint/2010/main" val="2442681378"/>
       </p:ext>
     </p:extLst>
   </p:cSld>
@@ -8524,14 +8620,6 @@
           <a:bodyPr/>
           <a:lstStyle/>
           <a:p>
-            <a:r>
-              <a:rPr lang="en-GB" dirty="0" smtClean="0"/>
-              <a:t>Invented by</a:t>
-            </a:r>
-            <a:r>
-              <a:rPr lang="en-GB" baseline="0" dirty="0" smtClean="0"/>
-              <a:t> Richard Hamming (Bell labs) in 1950</a:t>
-            </a:r>
             <a:endParaRPr lang="en-GB" dirty="0"/>
           </a:p>
         </p:txBody>
@@ -8554,7 +8642,7 @@
             <a:fld id="{1C811BE7-51AF-BD41-88D3-08D74CFB37BF}" type="slidenum">
               <a:rPr lang="en-GB" smtClean="0"/>
               <a:pPr/>
-              <a:t>27</a:t>
+              <a:t>23</a:t>
             </a:fld>
             <a:endParaRPr lang="en-GB"/>
           </a:p>
@@ -8563,7 +8651,7 @@
     </p:spTree>
     <p:extLst>
       <p:ext uri="{BB962C8B-B14F-4D97-AF65-F5344CB8AC3E}">
-        <p14:creationId xmlns:p14="http://schemas.microsoft.com/office/powerpoint/2010/main" val="3271489321"/>
+        <p14:creationId xmlns:p14="http://schemas.microsoft.com/office/powerpoint/2010/main" val="1269505060"/>
       </p:ext>
     </p:extLst>
   </p:cSld>
@@ -8619,21 +8707,11 @@
           <a:p>
             <a:r>
               <a:rPr lang="en-GB" dirty="0" smtClean="0"/>
-              <a:t>This illustrates the way that each bit</a:t>
+              <a:t>Invented by</a:t>
             </a:r>
             <a:r>
               <a:rPr lang="en-GB" baseline="0" dirty="0" smtClean="0"/>
-              <a:t> is protected by a unique set of parity </a:t>
-            </a:r>
-            <a:r>
-              <a:rPr lang="en-GB" baseline="0" dirty="0" smtClean="0"/>
-              <a:t>bits</a:t>
-            </a:r>
-          </a:p>
-          <a:p>
-            <a:r>
-              <a:rPr lang="en-GB" baseline="0" dirty="0" smtClean="0"/>
-              <a:t>e.g. if bit 9 flipped, will show up in parity bits 1 and 4</a:t>
+              <a:t> Richard Hamming (Bell labs) in 1950</a:t>
             </a:r>
             <a:endParaRPr lang="en-GB" dirty="0"/>
           </a:p>
@@ -8657,7 +8735,7 @@
             <a:fld id="{1C811BE7-51AF-BD41-88D3-08D74CFB37BF}" type="slidenum">
               <a:rPr lang="en-GB" smtClean="0"/>
               <a:pPr/>
-              <a:t>29</a:t>
+              <a:t>27</a:t>
             </a:fld>
             <a:endParaRPr lang="en-GB"/>
           </a:p>
@@ -8666,7 +8744,7 @@
     </p:spTree>
     <p:extLst>
       <p:ext uri="{BB962C8B-B14F-4D97-AF65-F5344CB8AC3E}">
-        <p14:creationId xmlns:p14="http://schemas.microsoft.com/office/powerpoint/2010/main" val="2403286589"/>
+        <p14:creationId xmlns:p14="http://schemas.microsoft.com/office/powerpoint/2010/main" val="3271489321"/>
       </p:ext>
     </p:extLst>
   </p:cSld>
@@ -8720,6 +8798,24 @@
           <a:bodyPr/>
           <a:lstStyle/>
           <a:p>
+            <a:r>
+              <a:rPr lang="en-GB" dirty="0" smtClean="0"/>
+              <a:t>This illustrates the way that each bit</a:t>
+            </a:r>
+            <a:r>
+              <a:rPr lang="en-GB" baseline="0" dirty="0" smtClean="0"/>
+              <a:t> is protected by a unique set of parity </a:t>
+            </a:r>
+            <a:r>
+              <a:rPr lang="en-GB" baseline="0" dirty="0" smtClean="0"/>
+              <a:t>bits</a:t>
+            </a:r>
+          </a:p>
+          <a:p>
+            <a:r>
+              <a:rPr lang="en-GB" baseline="0" dirty="0" smtClean="0"/>
+              <a:t>e.g. if bit 9 flipped, will show up in parity bits 1 and 4</a:t>
+            </a:r>
             <a:endParaRPr lang="en-GB" dirty="0"/>
           </a:p>
         </p:txBody>
@@ -8742,7 +8838,7 @@
             <a:fld id="{1C811BE7-51AF-BD41-88D3-08D74CFB37BF}" type="slidenum">
               <a:rPr lang="en-GB" smtClean="0"/>
               <a:pPr/>
-              <a:t>31</a:t>
+              <a:t>29</a:t>
             </a:fld>
             <a:endParaRPr lang="en-GB"/>
           </a:p>
@@ -8751,7 +8847,7 @@
     </p:spTree>
     <p:extLst>
       <p:ext uri="{BB962C8B-B14F-4D97-AF65-F5344CB8AC3E}">
-        <p14:creationId xmlns:p14="http://schemas.microsoft.com/office/powerpoint/2010/main" val="2442681378"/>
+        <p14:creationId xmlns:p14="http://schemas.microsoft.com/office/powerpoint/2010/main" val="2403286589"/>
       </p:ext>
     </p:extLst>
   </p:cSld>
@@ -8807,7 +8903,7 @@
           <a:p>
             <a:r>
               <a:rPr lang="en-GB" dirty="0" smtClean="0"/>
-              <a:t>10B non-zeros in 0.01% of 10Mx10M matrix</a:t>
+              <a:t>We’ll use CG for the exercise</a:t>
             </a:r>
             <a:endParaRPr lang="en-GB" dirty="0"/>
           </a:p>
@@ -8831,7 +8927,7 @@
             <a:fld id="{1C811BE7-51AF-BD41-88D3-08D74CFB37BF}" type="slidenum">
               <a:rPr lang="en-GB" smtClean="0"/>
               <a:pPr/>
-              <a:t>4</a:t>
+              <a:t>3</a:t>
             </a:fld>
             <a:endParaRPr lang="en-GB"/>
           </a:p>
@@ -8840,7 +8936,7 @@
     </p:spTree>
     <p:extLst>
       <p:ext uri="{BB962C8B-B14F-4D97-AF65-F5344CB8AC3E}">
-        <p14:creationId xmlns:p14="http://schemas.microsoft.com/office/powerpoint/2010/main" val="2787948799"/>
+        <p14:creationId xmlns:p14="http://schemas.microsoft.com/office/powerpoint/2010/main" val="3612073772"/>
       </p:ext>
     </p:extLst>
   </p:cSld>
@@ -8916,7 +9012,7 @@
             <a:fld id="{1C811BE7-51AF-BD41-88D3-08D74CFB37BF}" type="slidenum">
               <a:rPr lang="en-GB" smtClean="0"/>
               <a:pPr/>
-              <a:t>32</a:t>
+              <a:t>31</a:t>
             </a:fld>
             <a:endParaRPr lang="en-GB"/>
           </a:p>
@@ -9001,7 +9097,7 @@
             <a:fld id="{1C811BE7-51AF-BD41-88D3-08D74CFB37BF}" type="slidenum">
               <a:rPr lang="en-GB" smtClean="0"/>
               <a:pPr/>
-              <a:t>33</a:t>
+              <a:t>32</a:t>
             </a:fld>
             <a:endParaRPr lang="en-GB"/>
           </a:p>
@@ -9086,7 +9182,7 @@
             <a:fld id="{1C811BE7-51AF-BD41-88D3-08D74CFB37BF}" type="slidenum">
               <a:rPr lang="en-GB" smtClean="0"/>
               <a:pPr/>
-              <a:t>34</a:t>
+              <a:t>33</a:t>
             </a:fld>
             <a:endParaRPr lang="en-GB"/>
           </a:p>
@@ -9171,7 +9267,7 @@
             <a:fld id="{1C811BE7-51AF-BD41-88D3-08D74CFB37BF}" type="slidenum">
               <a:rPr lang="en-GB" smtClean="0"/>
               <a:pPr/>
-              <a:t>35</a:t>
+              <a:t>34</a:t>
             </a:fld>
             <a:endParaRPr lang="en-GB"/>
           </a:p>
@@ -9256,7 +9352,7 @@
             <a:fld id="{1C811BE7-51AF-BD41-88D3-08D74CFB37BF}" type="slidenum">
               <a:rPr lang="en-GB" smtClean="0"/>
               <a:pPr/>
-              <a:t>36</a:t>
+              <a:t>35</a:t>
             </a:fld>
             <a:endParaRPr lang="en-GB"/>
           </a:p>
@@ -9341,7 +9437,7 @@
             <a:fld id="{1C811BE7-51AF-BD41-88D3-08D74CFB37BF}" type="slidenum">
               <a:rPr lang="en-GB" smtClean="0"/>
               <a:pPr/>
-              <a:t>37</a:t>
+              <a:t>36</a:t>
             </a:fld>
             <a:endParaRPr lang="en-GB"/>
           </a:p>
@@ -9426,7 +9522,7 @@
             <a:fld id="{1C811BE7-51AF-BD41-88D3-08D74CFB37BF}" type="slidenum">
               <a:rPr lang="en-GB" smtClean="0"/>
               <a:pPr/>
-              <a:t>38</a:t>
+              <a:t>37</a:t>
             </a:fld>
             <a:endParaRPr lang="en-GB"/>
           </a:p>
@@ -9511,7 +9607,7 @@
             <a:fld id="{1C811BE7-51AF-BD41-88D3-08D74CFB37BF}" type="slidenum">
               <a:rPr lang="en-GB" smtClean="0"/>
               <a:pPr/>
-              <a:t>40</a:t>
+              <a:t>38</a:t>
             </a:fld>
             <a:endParaRPr lang="en-GB"/>
           </a:p>
@@ -9574,10 +9670,6 @@
           <a:bodyPr/>
           <a:lstStyle/>
           <a:p>
-            <a:r>
-              <a:rPr lang="en-GB" dirty="0" smtClean="0"/>
-              <a:t>Masks will change if you change where you store the parity bits</a:t>
-            </a:r>
             <a:endParaRPr lang="en-GB" dirty="0"/>
           </a:p>
         </p:txBody>
@@ -9600,7 +9692,7 @@
             <a:fld id="{1C811BE7-51AF-BD41-88D3-08D74CFB37BF}" type="slidenum">
               <a:rPr lang="en-GB" smtClean="0"/>
               <a:pPr/>
-              <a:t>43</a:t>
+              <a:t>40</a:t>
             </a:fld>
             <a:endParaRPr lang="en-GB"/>
           </a:p>
@@ -9609,7 +9701,7 @@
     </p:spTree>
     <p:extLst>
       <p:ext uri="{BB962C8B-B14F-4D97-AF65-F5344CB8AC3E}">
-        <p14:creationId xmlns:p14="http://schemas.microsoft.com/office/powerpoint/2010/main" val="2174565375"/>
+        <p14:creationId xmlns:p14="http://schemas.microsoft.com/office/powerpoint/2010/main" val="2442681378"/>
       </p:ext>
     </p:extLst>
   </p:cSld>
@@ -9665,11 +9757,7 @@
           <a:p>
             <a:r>
               <a:rPr lang="en-GB" dirty="0" smtClean="0"/>
-              <a:t>Since data corruption should be very infrequent,</a:t>
-            </a:r>
-            <a:r>
-              <a:rPr lang="en-GB" baseline="0" dirty="0" smtClean="0"/>
-              <a:t> we will very rarely pay the full cost of checking all 7 parity bits</a:t>
+              <a:t>Masks will change if you change where you store the parity bits</a:t>
             </a:r>
             <a:endParaRPr lang="en-GB" dirty="0"/>
           </a:p>
@@ -9693,7 +9781,7 @@
             <a:fld id="{1C811BE7-51AF-BD41-88D3-08D74CFB37BF}" type="slidenum">
               <a:rPr lang="en-GB" smtClean="0"/>
               <a:pPr/>
-              <a:t>45</a:t>
+              <a:t>43</a:t>
             </a:fld>
             <a:endParaRPr lang="en-GB"/>
           </a:p>
@@ -9702,7 +9790,7 @@
     </p:spTree>
     <p:extLst>
       <p:ext uri="{BB962C8B-B14F-4D97-AF65-F5344CB8AC3E}">
-        <p14:creationId xmlns:p14="http://schemas.microsoft.com/office/powerpoint/2010/main" val="645188229"/>
+        <p14:creationId xmlns:p14="http://schemas.microsoft.com/office/powerpoint/2010/main" val="2174565375"/>
       </p:ext>
     </p:extLst>
   </p:cSld>
@@ -9756,6 +9844,10 @@
           <a:bodyPr/>
           <a:lstStyle/>
           <a:p>
+            <a:r>
+              <a:rPr lang="en-GB" dirty="0" smtClean="0"/>
+              <a:t>10B non-zeros in 0.01% of 10Mx10M matrix</a:t>
+            </a:r>
             <a:endParaRPr lang="en-GB" dirty="0"/>
           </a:p>
         </p:txBody>
@@ -9775,15 +9867,10 @@
           <a:bodyPr/>
           <a:lstStyle/>
           <a:p>
-            <a:pPr>
-              <a:defRPr/>
-            </a:pPr>
-            <a:fld id="{4082635D-059A-CB44-9BFE-E5877B2A18E3}" type="slidenum">
+            <a:fld id="{1C811BE7-51AF-BD41-88D3-08D74CFB37BF}" type="slidenum">
               <a:rPr lang="en-GB" smtClean="0"/>
-              <a:pPr>
-                <a:defRPr/>
-              </a:pPr>
-              <a:t>6</a:t>
+              <a:pPr/>
+              <a:t>4</a:t>
             </a:fld>
             <a:endParaRPr lang="en-GB"/>
           </a:p>
@@ -9792,7 +9879,7 @@
     </p:spTree>
     <p:extLst>
       <p:ext uri="{BB962C8B-B14F-4D97-AF65-F5344CB8AC3E}">
-        <p14:creationId xmlns:p14="http://schemas.microsoft.com/office/powerpoint/2010/main" val="4043691626"/>
+        <p14:creationId xmlns:p14="http://schemas.microsoft.com/office/powerpoint/2010/main" val="2787948799"/>
       </p:ext>
     </p:extLst>
   </p:cSld>
@@ -9846,6 +9933,14 @@
           <a:bodyPr/>
           <a:lstStyle/>
           <a:p>
+            <a:r>
+              <a:rPr lang="en-GB" dirty="0" smtClean="0"/>
+              <a:t>Since data corruption should be very infrequent,</a:t>
+            </a:r>
+            <a:r>
+              <a:rPr lang="en-GB" baseline="0" dirty="0" smtClean="0"/>
+              <a:t> we will very rarely pay the full cost of checking all 7 parity bits</a:t>
+            </a:r>
             <a:endParaRPr lang="en-GB" dirty="0"/>
           </a:p>
         </p:txBody>
@@ -9868,7 +9963,7 @@
             <a:fld id="{1C811BE7-51AF-BD41-88D3-08D74CFB37BF}" type="slidenum">
               <a:rPr lang="en-GB" smtClean="0"/>
               <a:pPr/>
-              <a:t>46</a:t>
+              <a:t>45</a:t>
             </a:fld>
             <a:endParaRPr lang="en-GB"/>
           </a:p>
@@ -9877,7 +9972,7 @@
     </p:spTree>
     <p:extLst>
       <p:ext uri="{BB962C8B-B14F-4D97-AF65-F5344CB8AC3E}">
-        <p14:creationId xmlns:p14="http://schemas.microsoft.com/office/powerpoint/2010/main" val="2174565375"/>
+        <p14:creationId xmlns:p14="http://schemas.microsoft.com/office/powerpoint/2010/main" val="645188229"/>
       </p:ext>
     </p:extLst>
   </p:cSld>
@@ -9953,7 +10048,7 @@
             <a:fld id="{1C811BE7-51AF-BD41-88D3-08D74CFB37BF}" type="slidenum">
               <a:rPr lang="en-GB" smtClean="0"/>
               <a:pPr/>
-              <a:t>48</a:t>
+              <a:t>46</a:t>
             </a:fld>
             <a:endParaRPr lang="en-GB"/>
           </a:p>
@@ -9962,7 +10057,7 @@
     </p:spTree>
     <p:extLst>
       <p:ext uri="{BB962C8B-B14F-4D97-AF65-F5344CB8AC3E}">
-        <p14:creationId xmlns:p14="http://schemas.microsoft.com/office/powerpoint/2010/main" val="645188229"/>
+        <p14:creationId xmlns:p14="http://schemas.microsoft.com/office/powerpoint/2010/main" val="2174565375"/>
       </p:ext>
     </p:extLst>
   </p:cSld>
@@ -10038,7 +10133,7 @@
             <a:fld id="{1C811BE7-51AF-BD41-88D3-08D74CFB37BF}" type="slidenum">
               <a:rPr lang="en-GB" smtClean="0"/>
               <a:pPr/>
-              <a:t>49</a:t>
+              <a:t>48</a:t>
             </a:fld>
             <a:endParaRPr lang="en-GB"/>
           </a:p>
@@ -10047,7 +10142,7 @@
     </p:spTree>
     <p:extLst>
       <p:ext uri="{BB962C8B-B14F-4D97-AF65-F5344CB8AC3E}">
-        <p14:creationId xmlns:p14="http://schemas.microsoft.com/office/powerpoint/2010/main" val="2174565375"/>
+        <p14:creationId xmlns:p14="http://schemas.microsoft.com/office/powerpoint/2010/main" val="645188229"/>
       </p:ext>
     </p:extLst>
   </p:cSld>
@@ -10123,7 +10218,278 @@
             <a:fld id="{1C811BE7-51AF-BD41-88D3-08D74CFB37BF}" type="slidenum">
               <a:rPr lang="en-GB" smtClean="0"/>
               <a:pPr/>
+              <a:t>49</a:t>
+            </a:fld>
+            <a:endParaRPr lang="en-GB"/>
+          </a:p>
+        </p:txBody>
+      </p:sp>
+    </p:spTree>
+    <p:extLst>
+      <p:ext uri="{BB962C8B-B14F-4D97-AF65-F5344CB8AC3E}">
+        <p14:creationId xmlns:p14="http://schemas.microsoft.com/office/powerpoint/2010/main" val="2174565375"/>
+      </p:ext>
+    </p:extLst>
+  </p:cSld>
+  <p:clrMapOvr>
+    <a:masterClrMapping/>
+  </p:clrMapOvr>
+</p:notes>
+</file>
+
+<file path=ppt/notesSlides/notesSlide34.xml><?xml version="1.0" encoding="utf-8"?>
+<p:notes xmlns:a="http://schemas.openxmlformats.org/drawingml/2006/main" xmlns:r="http://schemas.openxmlformats.org/officeDocument/2006/relationships" xmlns:p="http://schemas.openxmlformats.org/presentationml/2006/main">
+  <p:cSld>
+    <p:spTree>
+      <p:nvGrpSpPr>
+        <p:cNvPr id="1" name=""/>
+        <p:cNvGrpSpPr/>
+        <p:nvPr/>
+      </p:nvGrpSpPr>
+      <p:grpSpPr>
+        <a:xfrm>
+          <a:off x="0" y="0"/>
+          <a:ext cx="0" cy="0"/>
+          <a:chOff x="0" y="0"/>
+          <a:chExt cx="0" cy="0"/>
+        </a:xfrm>
+      </p:grpSpPr>
+      <p:sp>
+        <p:nvSpPr>
+          <p:cNvPr id="2" name="Slide Image Placeholder 1"/>
+          <p:cNvSpPr>
+            <a:spLocks noGrp="1" noRot="1" noChangeAspect="1"/>
+          </p:cNvSpPr>
+          <p:nvPr>
+            <p:ph type="sldImg"/>
+          </p:nvPr>
+        </p:nvSpPr>
+        <p:spPr/>
+      </p:sp>
+      <p:sp>
+        <p:nvSpPr>
+          <p:cNvPr id="3" name="Notes Placeholder 2"/>
+          <p:cNvSpPr>
+            <a:spLocks noGrp="1"/>
+          </p:cNvSpPr>
+          <p:nvPr>
+            <p:ph type="body" idx="1"/>
+          </p:nvPr>
+        </p:nvSpPr>
+        <p:spPr/>
+        <p:txBody>
+          <a:bodyPr/>
+          <a:lstStyle/>
+          <a:p>
+            <a:r>
+              <a:rPr lang="en-GB" dirty="0" smtClean="0"/>
+              <a:t>Could run expensive schemes only every</a:t>
+            </a:r>
+            <a:r>
+              <a:rPr lang="en-GB" baseline="0" dirty="0" smtClean="0"/>
+              <a:t> X iterations to reduce overheads (need checkpoint to </a:t>
+            </a:r>
+            <a:r>
+              <a:rPr lang="en-GB" baseline="0" dirty="0" err="1" smtClean="0"/>
+              <a:t>fallback</a:t>
+            </a:r>
+            <a:r>
+              <a:rPr lang="en-GB" baseline="0" dirty="0" smtClean="0"/>
+              <a:t> on)</a:t>
+            </a:r>
+            <a:endParaRPr lang="en-GB" dirty="0"/>
+          </a:p>
+        </p:txBody>
+      </p:sp>
+      <p:sp>
+        <p:nvSpPr>
+          <p:cNvPr id="4" name="Slide Number Placeholder 3"/>
+          <p:cNvSpPr>
+            <a:spLocks noGrp="1"/>
+          </p:cNvSpPr>
+          <p:nvPr>
+            <p:ph type="sldNum" sz="quarter" idx="10"/>
+          </p:nvPr>
+        </p:nvSpPr>
+        <p:spPr/>
+        <p:txBody>
+          <a:bodyPr/>
+          <a:lstStyle/>
+          <a:p>
+            <a:fld id="{1C811BE7-51AF-BD41-88D3-08D74CFB37BF}" type="slidenum">
+              <a:rPr lang="en-GB" smtClean="0"/>
+              <a:pPr/>
+              <a:t>50</a:t>
+            </a:fld>
+            <a:endParaRPr lang="en-GB"/>
+          </a:p>
+        </p:txBody>
+      </p:sp>
+    </p:spTree>
+    <p:extLst>
+      <p:ext uri="{BB962C8B-B14F-4D97-AF65-F5344CB8AC3E}">
+        <p14:creationId xmlns:p14="http://schemas.microsoft.com/office/powerpoint/2010/main" val="2761030481"/>
+      </p:ext>
+    </p:extLst>
+  </p:cSld>
+  <p:clrMapOvr>
+    <a:masterClrMapping/>
+  </p:clrMapOvr>
+</p:notes>
+</file>
+
+<file path=ppt/notesSlides/notesSlide35.xml><?xml version="1.0" encoding="utf-8"?>
+<p:notes xmlns:a="http://schemas.openxmlformats.org/drawingml/2006/main" xmlns:r="http://schemas.openxmlformats.org/officeDocument/2006/relationships" xmlns:p="http://schemas.openxmlformats.org/presentationml/2006/main">
+  <p:cSld>
+    <p:spTree>
+      <p:nvGrpSpPr>
+        <p:cNvPr id="1" name=""/>
+        <p:cNvGrpSpPr/>
+        <p:nvPr/>
+      </p:nvGrpSpPr>
+      <p:grpSpPr>
+        <a:xfrm>
+          <a:off x="0" y="0"/>
+          <a:ext cx="0" cy="0"/>
+          <a:chOff x="0" y="0"/>
+          <a:chExt cx="0" cy="0"/>
+        </a:xfrm>
+      </p:grpSpPr>
+      <p:sp>
+        <p:nvSpPr>
+          <p:cNvPr id="2" name="Slide Image Placeholder 1"/>
+          <p:cNvSpPr>
+            <a:spLocks noGrp="1" noRot="1" noChangeAspect="1"/>
+          </p:cNvSpPr>
+          <p:nvPr>
+            <p:ph type="sldImg"/>
+          </p:nvPr>
+        </p:nvSpPr>
+        <p:spPr/>
+      </p:sp>
+      <p:sp>
+        <p:nvSpPr>
+          <p:cNvPr id="3" name="Notes Placeholder 2"/>
+          <p:cNvSpPr>
+            <a:spLocks noGrp="1"/>
+          </p:cNvSpPr>
+          <p:nvPr>
+            <p:ph type="body" idx="1"/>
+          </p:nvPr>
+        </p:nvSpPr>
+        <p:spPr/>
+        <p:txBody>
+          <a:bodyPr/>
+          <a:lstStyle/>
+          <a:p>
+            <a:endParaRPr lang="en-GB" dirty="0"/>
+          </a:p>
+        </p:txBody>
+      </p:sp>
+      <p:sp>
+        <p:nvSpPr>
+          <p:cNvPr id="4" name="Slide Number Placeholder 3"/>
+          <p:cNvSpPr>
+            <a:spLocks noGrp="1"/>
+          </p:cNvSpPr>
+          <p:nvPr>
+            <p:ph type="sldNum" sz="quarter" idx="10"/>
+          </p:nvPr>
+        </p:nvSpPr>
+        <p:spPr/>
+        <p:txBody>
+          <a:bodyPr/>
+          <a:lstStyle/>
+          <a:p>
+            <a:fld id="{1C811BE7-51AF-BD41-88D3-08D74CFB37BF}" type="slidenum">
+              <a:rPr lang="en-GB" smtClean="0"/>
+              <a:pPr/>
               <a:t>51</a:t>
+            </a:fld>
+            <a:endParaRPr lang="en-GB"/>
+          </a:p>
+        </p:txBody>
+      </p:sp>
+    </p:spTree>
+    <p:extLst>
+      <p:ext uri="{BB962C8B-B14F-4D97-AF65-F5344CB8AC3E}">
+        <p14:creationId xmlns:p14="http://schemas.microsoft.com/office/powerpoint/2010/main" val="645188229"/>
+      </p:ext>
+    </p:extLst>
+  </p:cSld>
+  <p:clrMapOvr>
+    <a:masterClrMapping/>
+  </p:clrMapOvr>
+</p:notes>
+</file>
+
+<file path=ppt/notesSlides/notesSlide36.xml><?xml version="1.0" encoding="utf-8"?>
+<p:notes xmlns:a="http://schemas.openxmlformats.org/drawingml/2006/main" xmlns:r="http://schemas.openxmlformats.org/officeDocument/2006/relationships" xmlns:p="http://schemas.openxmlformats.org/presentationml/2006/main">
+  <p:cSld>
+    <p:spTree>
+      <p:nvGrpSpPr>
+        <p:cNvPr id="1" name=""/>
+        <p:cNvGrpSpPr/>
+        <p:nvPr/>
+      </p:nvGrpSpPr>
+      <p:grpSpPr>
+        <a:xfrm>
+          <a:off x="0" y="0"/>
+          <a:ext cx="0" cy="0"/>
+          <a:chOff x="0" y="0"/>
+          <a:chExt cx="0" cy="0"/>
+        </a:xfrm>
+      </p:grpSpPr>
+      <p:sp>
+        <p:nvSpPr>
+          <p:cNvPr id="2" name="Slide Image Placeholder 1"/>
+          <p:cNvSpPr>
+            <a:spLocks noGrp="1" noRot="1" noChangeAspect="1"/>
+          </p:cNvSpPr>
+          <p:nvPr>
+            <p:ph type="sldImg"/>
+          </p:nvPr>
+        </p:nvSpPr>
+        <p:spPr/>
+      </p:sp>
+      <p:sp>
+        <p:nvSpPr>
+          <p:cNvPr id="3" name="Notes Placeholder 2"/>
+          <p:cNvSpPr>
+            <a:spLocks noGrp="1"/>
+          </p:cNvSpPr>
+          <p:nvPr>
+            <p:ph type="body" idx="1"/>
+          </p:nvPr>
+        </p:nvSpPr>
+        <p:spPr/>
+        <p:txBody>
+          <a:bodyPr/>
+          <a:lstStyle/>
+          <a:p>
+            <a:endParaRPr lang="en-GB" dirty="0"/>
+          </a:p>
+        </p:txBody>
+      </p:sp>
+      <p:sp>
+        <p:nvSpPr>
+          <p:cNvPr id="4" name="Slide Number Placeholder 3"/>
+          <p:cNvSpPr>
+            <a:spLocks noGrp="1"/>
+          </p:cNvSpPr>
+          <p:nvPr>
+            <p:ph type="sldNum" sz="quarter" idx="10"/>
+          </p:nvPr>
+        </p:nvSpPr>
+        <p:spPr/>
+        <p:txBody>
+          <a:bodyPr/>
+          <a:lstStyle/>
+          <a:p>
+            <a:fld id="{1C811BE7-51AF-BD41-88D3-08D74CFB37BF}" type="slidenum">
+              <a:rPr lang="en-GB" smtClean="0"/>
+              <a:pPr/>
+              <a:t>52</a:t>
             </a:fld>
             <a:endParaRPr lang="en-GB"/>
           </a:p>
@@ -10186,10 +10552,6 @@
           <a:bodyPr/>
           <a:lstStyle/>
           <a:p>
-            <a:r>
-              <a:rPr lang="en-GB" dirty="0" smtClean="0"/>
-              <a:t>Not usually stored this way, but makes it easier to explain.</a:t>
-            </a:r>
             <a:endParaRPr lang="en-GB" dirty="0"/>
           </a:p>
         </p:txBody>
@@ -10217,7 +10579,7 @@
               <a:pPr>
                 <a:defRPr/>
               </a:pPr>
-              <a:t>7</a:t>
+              <a:t>6</a:t>
             </a:fld>
             <a:endParaRPr lang="en-GB"/>
           </a:p>
@@ -10226,7 +10588,7 @@
     </p:spTree>
     <p:extLst>
       <p:ext uri="{BB962C8B-B14F-4D97-AF65-F5344CB8AC3E}">
-        <p14:creationId xmlns:p14="http://schemas.microsoft.com/office/powerpoint/2010/main" val="3650784985"/>
+        <p14:creationId xmlns:p14="http://schemas.microsoft.com/office/powerpoint/2010/main" val="4043691626"/>
       </p:ext>
     </p:extLst>
   </p:cSld>
@@ -10282,35 +10644,8 @@
           <a:p>
             <a:r>
               <a:rPr lang="en-GB" dirty="0" smtClean="0"/>
-              <a:t>Note that an error in the top bits might have caused erroneous pointer access, causing an application crash.</a:t>
-            </a:r>
-          </a:p>
-          <a:p>
-            <a:endParaRPr lang="en-GB" dirty="0" smtClean="0"/>
-          </a:p>
-          <a:p>
-            <a:r>
-              <a:rPr lang="en-GB" dirty="0" smtClean="0"/>
-              <a:t>On average it's much better than this. Excluding</a:t>
-            </a:r>
-            <a:r>
-              <a:rPr lang="en-GB" baseline="0" dirty="0" smtClean="0"/>
-              <a:t> the largest 13 matrices from the collection, the rest are only up to 16Mx16M, needing just 24 bits, so we've already protected the top 8 bits of each index, or 25% of the index data (12.5% of an entire sparse matrix element).</a:t>
-            </a:r>
-          </a:p>
-          <a:p>
-            <a:endParaRPr lang="en-GB" baseline="0" dirty="0" smtClean="0"/>
-          </a:p>
-          <a:p>
-            <a:r>
-              <a:rPr lang="en-GB" baseline="0" dirty="0" smtClean="0"/>
-              <a:t>Moreover, these errors can be immediately corrected almost for free – just zero the top bits (could just always do this). Considerably cheaper than a checkpoint/restart.</a:t>
-            </a:r>
-          </a:p>
-          <a:p>
-            <a:endParaRPr lang="en-GB" baseline="0" dirty="0" smtClean="0"/>
-          </a:p>
-          <a:p>
+              <a:t>Not usually stored this way, but makes it easier to explain.</a:t>
+            </a:r>
             <a:endParaRPr lang="en-GB" dirty="0"/>
           </a:p>
         </p:txBody>
@@ -10338,7 +10673,7 @@
               <a:pPr>
                 <a:defRPr/>
               </a:pPr>
-              <a:t>9</a:t>
+              <a:t>7</a:t>
             </a:fld>
             <a:endParaRPr lang="en-GB"/>
           </a:p>
@@ -10347,7 +10682,7 @@
     </p:spTree>
     <p:extLst>
       <p:ext uri="{BB962C8B-B14F-4D97-AF65-F5344CB8AC3E}">
-        <p14:creationId xmlns:p14="http://schemas.microsoft.com/office/powerpoint/2010/main" val="1840722145"/>
+        <p14:creationId xmlns:p14="http://schemas.microsoft.com/office/powerpoint/2010/main" val="3650784985"/>
       </p:ext>
     </p:extLst>
   </p:cSld>
@@ -10403,11 +10738,20 @@
           <a:p>
             <a:r>
               <a:rPr lang="en-GB" dirty="0" smtClean="0"/>
-              <a:t>If we have CSR format instead of COO then we actually</a:t>
+              <a:t>Note that an error in the top bits might have caused erroneous pointer access, causing an application crash.</a:t>
+            </a:r>
+          </a:p>
+          <a:p>
+            <a:endParaRPr lang="en-GB" dirty="0" smtClean="0"/>
+          </a:p>
+          <a:p>
+            <a:r>
+              <a:rPr lang="en-GB" dirty="0" smtClean="0"/>
+              <a:t>On average it's much better than this. Excluding</a:t>
             </a:r>
             <a:r>
               <a:rPr lang="en-GB" baseline="0" dirty="0" smtClean="0"/>
-              <a:t> have a couple of slightly different constraints we can use instead.</a:t>
+              <a:t> the largest 13 matrices from the collection, the rest are only up to 16Mx16M, needing just 24 bits, so we've already protected the top 8 bits of each index, or 25% of the index data (12.5% of an entire sparse matrix element).</a:t>
             </a:r>
           </a:p>
           <a:p>
@@ -10416,8 +10760,13 @@
           <a:p>
             <a:r>
               <a:rPr lang="en-GB" baseline="0" dirty="0" smtClean="0"/>
-              <a:t>More constraints available when banded, symmetric etc.</a:t>
-            </a:r>
+              <a:t>Moreover, these errors can be immediately corrected almost for free – just zero the top bits (could just always do this). Considerably cheaper than a checkpoint/restart.</a:t>
+            </a:r>
+          </a:p>
+          <a:p>
+            <a:endParaRPr lang="en-GB" baseline="0" dirty="0" smtClean="0"/>
+          </a:p>
+          <a:p>
             <a:endParaRPr lang="en-GB" dirty="0"/>
           </a:p>
         </p:txBody>
@@ -10445,7 +10794,7 @@
               <a:pPr>
                 <a:defRPr/>
               </a:pPr>
-              <a:t>10</a:t>
+              <a:t>9</a:t>
             </a:fld>
             <a:endParaRPr lang="en-GB"/>
           </a:p>
@@ -10454,7 +10803,7 @@
     </p:spTree>
     <p:extLst>
       <p:ext uri="{BB962C8B-B14F-4D97-AF65-F5344CB8AC3E}">
-        <p14:creationId xmlns:p14="http://schemas.microsoft.com/office/powerpoint/2010/main" val="3411545255"/>
+        <p14:creationId xmlns:p14="http://schemas.microsoft.com/office/powerpoint/2010/main" val="1840722145"/>
       </p:ext>
     </p:extLst>
   </p:cSld>
@@ -10510,11 +10859,11 @@
           <a:p>
             <a:r>
               <a:rPr lang="en-GB" dirty="0" smtClean="0"/>
-              <a:t>In some cases when a bit has been flipped which</a:t>
+              <a:t>If we have CSR format instead of COO then we actually</a:t>
             </a:r>
             <a:r>
               <a:rPr lang="en-GB" baseline="0" dirty="0" smtClean="0"/>
-              <a:t> violates the ordering constraint, there is only one possibility for which bit has been flipped. In these cases the error can be trivially and cheaply corrected just by re-flipping the bit.</a:t>
+              <a:t> have a couple of slightly different constraints we can use instead.</a:t>
             </a:r>
           </a:p>
           <a:p>
@@ -10523,19 +10872,8 @@
           <a:p>
             <a:r>
               <a:rPr lang="en-GB" baseline="0" dirty="0" smtClean="0"/>
-              <a:t>For example, if non-zeros were on average about 512 elements apart, then there'd be about 10 bits that would be "susceptible" per index, as one or more of the bottom 10 bits could be flipped, and the index would still be within its original boundaries. The index could therefore be corrupted by [-512..+511] without changing the ordering of the indices.</a:t>
-            </a:r>
-          </a:p>
-          <a:p>
-            <a:endParaRPr lang="en-GB" baseline="0" dirty="0" smtClean="0"/>
-          </a:p>
-          <a:p>
-            <a:r>
-              <a:rPr lang="en-GB" baseline="0" dirty="0" smtClean="0"/>
-              <a:t>However, when the indices are close, say around 16 apart on average, then only the bottom 5 bits of the index are susceptible, and if any other bits are flipped then the ordering constraint would catch the error.</a:t>
-            </a:r>
-          </a:p>
-          <a:p>
+              <a:t>More constraints available when banded, symmetric etc.</a:t>
+            </a:r>
             <a:endParaRPr lang="en-GB" dirty="0"/>
           </a:p>
         </p:txBody>
@@ -10563,7 +10901,7 @@
               <a:pPr>
                 <a:defRPr/>
               </a:pPr>
-              <a:t>11</a:t>
+              <a:t>10</a:t>
             </a:fld>
             <a:endParaRPr lang="en-GB"/>
           </a:p>
@@ -10572,7 +10910,7 @@
     </p:spTree>
     <p:extLst>
       <p:ext uri="{BB962C8B-B14F-4D97-AF65-F5344CB8AC3E}">
-        <p14:creationId xmlns:p14="http://schemas.microsoft.com/office/powerpoint/2010/main" val="53758508"/>
+        <p14:creationId xmlns:p14="http://schemas.microsoft.com/office/powerpoint/2010/main" val="3411545255"/>
       </p:ext>
     </p:extLst>
   </p:cSld>
@@ -10628,21 +10966,29 @@
           <a:p>
             <a:r>
               <a:rPr lang="en-GB" dirty="0" smtClean="0"/>
-              <a:t>NSAS shuttle rocket booster</a:t>
-            </a:r>
-          </a:p>
-          <a:p>
-            <a:r>
-              <a:rPr lang="en-GB" dirty="0" err="1" smtClean="0"/>
-              <a:t>Freescale</a:t>
-            </a:r>
-            <a:r>
-              <a:rPr lang="en-GB" dirty="0" smtClean="0"/>
-              <a:t> semiconductor</a:t>
+              <a:t>In some cases when a bit has been flipped which</a:t>
             </a:r>
             <a:r>
               <a:rPr lang="en-GB" baseline="0" dirty="0" smtClean="0"/>
-              <a:t> circuit</a:t>
+              <a:t> violates the ordering constraint, there is only one possibility for which bit has been flipped. In these cases the error can be trivially and cheaply corrected just by re-flipping the bit.</a:t>
+            </a:r>
+          </a:p>
+          <a:p>
+            <a:endParaRPr lang="en-GB" baseline="0" dirty="0" smtClean="0"/>
+          </a:p>
+          <a:p>
+            <a:r>
+              <a:rPr lang="en-GB" baseline="0" dirty="0" smtClean="0"/>
+              <a:t>For example, if non-zeros were on average about 512 elements apart, then there'd be about 10 bits that would be "susceptible" per index, as one or more of the bottom 10 bits could be flipped, and the index would still be within its original boundaries. The index could therefore be corrupted by [-512..+511] without changing the ordering of the indices.</a:t>
+            </a:r>
+          </a:p>
+          <a:p>
+            <a:endParaRPr lang="en-GB" baseline="0" dirty="0" smtClean="0"/>
+          </a:p>
+          <a:p>
+            <a:r>
+              <a:rPr lang="en-GB" baseline="0" dirty="0" smtClean="0"/>
+              <a:t>However, when the indices are close, say around 16 apart on average, then only the bottom 5 bits of the index are susceptible, and if any other bits are flipped then the ordering constraint would catch the error.</a:t>
             </a:r>
           </a:p>
           <a:p>
@@ -10665,10 +11011,15 @@
           <a:bodyPr/>
           <a:lstStyle/>
           <a:p>
-            <a:fld id="{1C811BE7-51AF-BD41-88D3-08D74CFB37BF}" type="slidenum">
+            <a:pPr>
+              <a:defRPr/>
+            </a:pPr>
+            <a:fld id="{4082635D-059A-CB44-9BFE-E5877B2A18E3}" type="slidenum">
               <a:rPr lang="en-GB" smtClean="0"/>
-              <a:pPr/>
-              <a:t>12</a:t>
+              <a:pPr>
+                <a:defRPr/>
+              </a:pPr>
+              <a:t>11</a:t>
             </a:fld>
             <a:endParaRPr lang="en-GB"/>
           </a:p>
@@ -10677,7 +11028,7 @@
     </p:spTree>
     <p:extLst>
       <p:ext uri="{BB962C8B-B14F-4D97-AF65-F5344CB8AC3E}">
-        <p14:creationId xmlns:p14="http://schemas.microsoft.com/office/powerpoint/2010/main" val="1116332653"/>
+        <p14:creationId xmlns:p14="http://schemas.microsoft.com/office/powerpoint/2010/main" val="53758508"/>
       </p:ext>
     </p:extLst>
   </p:cSld>
@@ -10732,92 +11083,22 @@
           <a:lstStyle/>
           <a:p>
             <a:r>
+              <a:rPr lang="en-GB" dirty="0" smtClean="0"/>
+              <a:t>NSAS shuttle rocket booster</a:t>
+            </a:r>
+          </a:p>
+          <a:p>
+            <a:r>
               <a:rPr lang="en-GB" dirty="0" err="1" smtClean="0"/>
-              <a:t>nasarb</a:t>
+              <a:t>Freescale</a:t>
             </a:r>
             <a:r>
               <a:rPr lang="en-GB" dirty="0" smtClean="0"/>
-              <a:t> is of</a:t>
+              <a:t> semiconductor</a:t>
             </a:r>
             <a:r>
               <a:rPr lang="en-GB" baseline="0" dirty="0" smtClean="0"/>
-              <a:t> average size in the collection – </a:t>
-            </a:r>
-          </a:p>
-          <a:p>
-            <a:endParaRPr lang="en-GB" baseline="0" dirty="0" smtClean="0"/>
-          </a:p>
-          <a:p>
-            <a:r>
-              <a:rPr lang="en-US" sz="1200" kern="1200" dirty="0" smtClean="0">
-                <a:solidFill>
-                  <a:schemeClr val="tx1"/>
-                </a:solidFill>
-                <a:latin typeface="Arial" charset="0"/>
-                <a:ea typeface="ＭＳ Ｐゴシック" charset="-128"/>
-                <a:cs typeface="ＭＳ Ｐゴシック" charset="-128"/>
-              </a:rPr>
-              <a:t>---- 54,870 x 54,870 (~3,000,000,000 potential positions)</a:t>
-            </a:r>
-          </a:p>
-          <a:p>
-            <a:r>
-              <a:rPr lang="en-US" sz="1200" kern="1200" dirty="0" smtClean="0">
-                <a:solidFill>
-                  <a:schemeClr val="tx1"/>
-                </a:solidFill>
-                <a:latin typeface="Arial" charset="0"/>
-                <a:ea typeface="ＭＳ Ｐゴシック" charset="-128"/>
-                <a:cs typeface="ＭＳ Ｐゴシック" charset="-128"/>
-              </a:rPr>
-              <a:t>---- </a:t>
-            </a:r>
-            <a:r>
-              <a:rPr lang="en-US" sz="1200" kern="1200" dirty="0" err="1" smtClean="0">
-                <a:solidFill>
-                  <a:schemeClr val="tx1"/>
-                </a:solidFill>
-                <a:latin typeface="Arial" charset="0"/>
-                <a:ea typeface="ＭＳ Ｐゴシック" charset="-128"/>
-                <a:cs typeface="ＭＳ Ｐゴシック" charset="-128"/>
-              </a:rPr>
-              <a:t>nnz</a:t>
-            </a:r>
-            <a:r>
-              <a:rPr lang="en-US" sz="1200" kern="1200" dirty="0" smtClean="0">
-                <a:solidFill>
-                  <a:schemeClr val="tx1"/>
-                </a:solidFill>
-                <a:latin typeface="Arial" charset="0"/>
-                <a:ea typeface="ＭＳ Ｐゴシック" charset="-128"/>
-                <a:cs typeface="ＭＳ Ｐゴシック" charset="-128"/>
-              </a:rPr>
-              <a:t> = 2,677,324 (which is ~0.09% fill)</a:t>
-            </a:r>
-          </a:p>
-          <a:p>
-            <a:r>
-              <a:rPr lang="en-US" sz="1200" kern="1200" dirty="0" smtClean="0">
-                <a:solidFill>
-                  <a:schemeClr val="tx1"/>
-                </a:solidFill>
-                <a:latin typeface="Arial" charset="0"/>
-                <a:ea typeface="ＭＳ Ｐゴシック" charset="-128"/>
-                <a:cs typeface="ＭＳ Ｐゴシック" charset="-128"/>
-              </a:rPr>
-              <a:t>---- any other data you may want: </a:t>
-            </a:r>
-            <a:r>
-              <a:rPr lang="en-US" sz="1200" u="sng" kern="1200" dirty="0" smtClean="0">
-                <a:solidFill>
-                  <a:schemeClr val="tx1"/>
-                </a:solidFill>
-                <a:latin typeface="Arial" charset="0"/>
-                <a:ea typeface="ＭＳ Ｐゴシック" charset="-128"/>
-                <a:cs typeface="ＭＳ Ｐゴシック" charset="-128"/>
-                <a:hlinkClick r:id="rId3"/>
-              </a:rPr>
-              <a:t>https://www.cise.ufl.edu/research/sparse/matrices/Nasa/nasasrb.html</a:t>
+              <a:t> circuit</a:t>
             </a:r>
           </a:p>
           <a:p>
@@ -10840,15 +11121,10 @@
           <a:bodyPr/>
           <a:lstStyle/>
           <a:p>
-            <a:pPr>
-              <a:defRPr/>
-            </a:pPr>
-            <a:fld id="{4082635D-059A-CB44-9BFE-E5877B2A18E3}" type="slidenum">
+            <a:fld id="{1C811BE7-51AF-BD41-88D3-08D74CFB37BF}" type="slidenum">
               <a:rPr lang="en-GB" smtClean="0"/>
-              <a:pPr>
-                <a:defRPr/>
-              </a:pPr>
-              <a:t>13</a:t>
+              <a:pPr/>
+              <a:t>12</a:t>
             </a:fld>
             <a:endParaRPr lang="en-GB"/>
           </a:p>
@@ -10857,7 +11133,7 @@
     </p:spTree>
     <p:extLst>
       <p:ext uri="{BB962C8B-B14F-4D97-AF65-F5344CB8AC3E}">
-        <p14:creationId xmlns:p14="http://schemas.microsoft.com/office/powerpoint/2010/main" val="4291184631"/>
+        <p14:creationId xmlns:p14="http://schemas.microsoft.com/office/powerpoint/2010/main" val="1116332653"/>
       </p:ext>
     </p:extLst>
   </p:cSld>
@@ -47743,10 +48019,18 @@
           <a:lstStyle/>
           <a:p>
             <a:r>
-              <a:rPr lang="en-GB" b="1" dirty="0" smtClean="0"/>
+              <a:rPr lang="en-GB" b="1" dirty="0" smtClean="0">
+                <a:solidFill>
+                  <a:srgbClr val="FF0000"/>
+                </a:solidFill>
+              </a:rPr>
               <a:t>parity bit 3</a:t>
             </a:r>
-            <a:endParaRPr lang="en-GB" b="1" dirty="0"/>
+            <a:endParaRPr lang="en-GB" b="1" dirty="0">
+              <a:solidFill>
+                <a:srgbClr val="FF0000"/>
+              </a:solidFill>
+            </a:endParaRPr>
           </a:p>
         </p:txBody>
       </p:sp>
@@ -47773,10 +48057,18 @@
           <a:lstStyle/>
           <a:p>
             <a:r>
-              <a:rPr lang="en-GB" b="1" dirty="0" smtClean="0"/>
+              <a:rPr lang="en-GB" b="1" dirty="0" smtClean="0">
+                <a:solidFill>
+                  <a:srgbClr val="FF0000"/>
+                </a:solidFill>
+              </a:rPr>
               <a:t>parity bit 2</a:t>
             </a:r>
-            <a:endParaRPr lang="en-GB" b="1" dirty="0"/>
+            <a:endParaRPr lang="en-GB" b="1" dirty="0">
+              <a:solidFill>
+                <a:srgbClr val="FF0000"/>
+              </a:solidFill>
+            </a:endParaRPr>
           </a:p>
         </p:txBody>
       </p:sp>
@@ -55658,7 +55950,7 @@
           <a:p>
             <a:r>
               <a:rPr lang="en-GB" dirty="0" smtClean="0"/>
-              <a:t>Software ECC exercise</a:t>
+              <a:t>Software ECC</a:t>
             </a:r>
             <a:endParaRPr lang="en-GB" dirty="0"/>
           </a:p>
@@ -55679,52 +55971,75 @@
           <a:bodyPr/>
           <a:lstStyle/>
           <a:p>
-            <a:r>
-              <a:rPr lang="en-GB" dirty="0" smtClean="0"/>
-              <a:t>Using the provided CG code as a starting point, add ECC to make the code more tolerant to silent data corruption</a:t>
-            </a:r>
-          </a:p>
-          <a:p>
-            <a:r>
-              <a:rPr lang="en-GB" dirty="0" smtClean="0"/>
-              <a:t>There </a:t>
-            </a:r>
-            <a:r>
-              <a:rPr lang="en-GB" dirty="0"/>
-              <a:t>are two changes to make:</a:t>
-            </a:r>
-          </a:p>
-          <a:p>
-            <a:pPr marL="971550" lvl="1" indent="-514350">
-              <a:buFont typeface="+mj-lt"/>
-              <a:buAutoNum type="arabicPeriod"/>
+            <a:pPr>
+              <a:spcBef>
+                <a:spcPts val="1176"/>
+              </a:spcBef>
             </a:pPr>
             <a:r>
-              <a:rPr lang="en-GB" dirty="0"/>
-              <a:t>Generate parity bits for each matrix element and store them in the high order bits of the column index</a:t>
-            </a:r>
-          </a:p>
-          <a:p>
-            <a:pPr marL="971550" lvl="1" indent="-514350">
-              <a:buFont typeface="+mj-lt"/>
-              <a:buAutoNum type="arabicPeriod"/>
+              <a:rPr lang="en-GB" sz="2400" dirty="0" smtClean="0"/>
+              <a:t>We cannot correct a double-bit error with the parity bits, but we could restore the matrix element from the original source (e.g. </a:t>
+            </a:r>
+            <a:r>
+              <a:rPr lang="en-GB" sz="2400" dirty="0" smtClean="0"/>
+              <a:t>a file on disk</a:t>
+            </a:r>
+            <a:r>
+              <a:rPr lang="en-GB" sz="2400" dirty="0" smtClean="0"/>
+              <a:t>)</a:t>
+            </a:r>
+            <a:endParaRPr lang="en-GB" sz="1600" dirty="0" smtClean="0"/>
+          </a:p>
+          <a:p>
+            <a:pPr>
+              <a:spcBef>
+                <a:spcPts val="1176"/>
+              </a:spcBef>
             </a:pPr>
             <a:r>
-              <a:rPr lang="en-GB" dirty="0"/>
-              <a:t>Modify the </a:t>
-            </a:r>
-            <a:r>
-              <a:rPr lang="en-GB" dirty="0" err="1"/>
-              <a:t>SpMV</a:t>
-            </a:r>
-            <a:r>
-              <a:rPr lang="en-GB" dirty="0"/>
-              <a:t> function to check the parity bits and then correct any errors that are </a:t>
-            </a:r>
-            <a:r>
-              <a:rPr lang="en-GB" dirty="0" smtClean="0"/>
-              <a:t>found</a:t>
-            </a:r>
+              <a:rPr lang="en-GB" sz="2400" dirty="0" smtClean="0"/>
+              <a:t>Alternatively, we could combine ECC with a checkpoint/restart scheme</a:t>
+            </a:r>
+          </a:p>
+          <a:p>
+            <a:pPr lvl="1">
+              <a:spcBef>
+                <a:spcPts val="1176"/>
+              </a:spcBef>
+            </a:pPr>
+            <a:r>
+              <a:rPr lang="en-GB" sz="2000" dirty="0" smtClean="0"/>
+              <a:t>Iterative solvers provide natural points at which to checkpoint (e.g. every </a:t>
+            </a:r>
+            <a:r>
+              <a:rPr lang="en-GB" sz="2000" i="1" dirty="0" smtClean="0"/>
+              <a:t>X </a:t>
+            </a:r>
+            <a:r>
+              <a:rPr lang="en-GB" sz="2000" dirty="0" smtClean="0"/>
+              <a:t>iterations)</a:t>
+            </a:r>
+            <a:endParaRPr lang="en-GB" sz="2000" dirty="0" smtClean="0"/>
+          </a:p>
+          <a:p>
+            <a:pPr>
+              <a:spcBef>
+                <a:spcPts val="1176"/>
+              </a:spcBef>
+            </a:pPr>
+            <a:r>
+              <a:rPr lang="en-GB" sz="2400" dirty="0" smtClean="0"/>
+              <a:t>To further reduce the overheads of ECC, we could also perform the checks only every </a:t>
+            </a:r>
+            <a:r>
+              <a:rPr lang="en-GB" sz="2400" i="1" dirty="0" smtClean="0"/>
+              <a:t>X</a:t>
+            </a:r>
+            <a:r>
+              <a:rPr lang="en-GB" sz="2400" dirty="0" smtClean="0"/>
+              <a:t> iterations</a:t>
+            </a:r>
+            <a:endParaRPr lang="en-GB" sz="2000" dirty="0"/>
           </a:p>
         </p:txBody>
       </p:sp>
@@ -55755,7 +56070,7 @@
     </p:spTree>
     <p:extLst>
       <p:ext uri="{BB962C8B-B14F-4D97-AF65-F5344CB8AC3E}">
-        <p14:creationId xmlns:p14="http://schemas.microsoft.com/office/powerpoint/2010/main" val="2089425383"/>
+        <p14:creationId xmlns:p14="http://schemas.microsoft.com/office/powerpoint/2010/main" val="3795016973"/>
       </p:ext>
     </p:extLst>
   </p:cSld>
@@ -55836,109 +56151,51 @@
           <a:lstStyle/>
           <a:p>
             <a:r>
-              <a:rPr lang="en-GB" sz="2800" dirty="0" smtClean="0"/>
-              <a:t>Comments in the code will guide you</a:t>
-            </a:r>
-          </a:p>
-          <a:p>
-            <a:pPr lvl="1"/>
-            <a:r>
-              <a:rPr lang="en-GB" sz="2400" dirty="0" smtClean="0"/>
-              <a:t>You just need to modify </a:t>
-            </a:r>
-            <a:r>
-              <a:rPr lang="en-GB" sz="2400" b="1" dirty="0" err="1" smtClean="0">
-                <a:solidFill>
-                  <a:srgbClr val="008000"/>
-                </a:solidFill>
-                <a:latin typeface="Courier New"/>
-                <a:cs typeface="Courier New"/>
-              </a:rPr>
-              <a:t>spmv.c</a:t>
-            </a:r>
-            <a:endParaRPr lang="en-GB" sz="2400" b="1" dirty="0" smtClean="0">
-              <a:solidFill>
-                <a:srgbClr val="008000"/>
-              </a:solidFill>
-              <a:latin typeface="Courier New"/>
-              <a:cs typeface="Courier New"/>
-            </a:endParaRPr>
-          </a:p>
-          <a:p>
-            <a:r>
-              <a:rPr lang="en-GB" sz="2800" dirty="0" smtClean="0"/>
-              <a:t>Two routines are provided to do the heavy lifting (see comments in </a:t>
-            </a:r>
-            <a:r>
-              <a:rPr lang="en-GB" sz="2800" b="1" dirty="0" err="1" smtClean="0">
-                <a:latin typeface="Courier New"/>
-                <a:cs typeface="Courier New"/>
-              </a:rPr>
-              <a:t>common.h</a:t>
-            </a:r>
-            <a:r>
-              <a:rPr lang="en-GB" sz="2800" dirty="0" smtClean="0"/>
-              <a:t> for descriptions):</a:t>
-            </a:r>
-          </a:p>
-          <a:p>
-            <a:pPr lvl="1"/>
-            <a:r>
-              <a:rPr lang="en-GB" sz="2400" b="1" dirty="0" smtClean="0">
-                <a:solidFill>
-                  <a:srgbClr val="3366FF"/>
-                </a:solidFill>
-                <a:latin typeface="Courier New"/>
-                <a:cs typeface="Courier New"/>
-              </a:rPr>
-              <a:t>ecc_compute_col8</a:t>
-            </a:r>
-          </a:p>
-          <a:p>
-            <a:pPr lvl="1"/>
-            <a:r>
-              <a:rPr lang="en-GB" sz="2400" b="1" dirty="0" smtClean="0">
-                <a:solidFill>
-                  <a:srgbClr val="3366FF"/>
-                </a:solidFill>
-                <a:latin typeface="Courier New"/>
-                <a:cs typeface="Courier New"/>
-              </a:rPr>
-              <a:t>ecc_correct_col8</a:t>
-            </a:r>
-          </a:p>
-          <a:p>
-            <a:r>
-              <a:rPr lang="en-GB" sz="2800" dirty="0"/>
-              <a:t>To test the code, pass the ‘</a:t>
-            </a:r>
-            <a:r>
-              <a:rPr lang="en-GB" sz="2800" dirty="0">
-                <a:latin typeface="Courier New"/>
-                <a:cs typeface="Courier New"/>
-              </a:rPr>
-              <a:t>-x</a:t>
-            </a:r>
-            <a:r>
-              <a:rPr lang="en-GB" sz="2800" dirty="0"/>
-              <a:t>’ parameter to the application to inject a random bit</a:t>
-            </a:r>
-            <a:r>
-              <a:rPr lang="en-GB" sz="2800"/>
-              <a:t>-</a:t>
-            </a:r>
-            <a:r>
-              <a:rPr lang="en-GB" sz="2800" smtClean="0"/>
-              <a:t>flip</a:t>
-            </a:r>
-            <a:endParaRPr lang="en-GB" sz="2800" dirty="0" smtClean="0"/>
-          </a:p>
-          <a:p>
-            <a:r>
-              <a:rPr lang="en-GB" sz="2800" dirty="0" smtClean="0"/>
-              <a:t>Example solutions are provided</a:t>
-            </a:r>
-            <a:endParaRPr lang="en-GB" sz="2800" dirty="0"/>
+              <a:rPr lang="en-GB" dirty="0" smtClean="0"/>
+              <a:t>Using the provided CG code as a starting point, add ECC to make the code more tolerant to silent data corruption</a:t>
+            </a:r>
+          </a:p>
+          <a:p>
+            <a:r>
+              <a:rPr lang="en-GB" dirty="0" smtClean="0"/>
+              <a:t>There </a:t>
+            </a:r>
+            <a:r>
+              <a:rPr lang="en-GB" dirty="0"/>
+              <a:t>are two changes to make:</a:t>
+            </a:r>
+          </a:p>
+          <a:p>
+            <a:pPr marL="971550" lvl="1" indent="-514350">
+              <a:buFont typeface="+mj-lt"/>
+              <a:buAutoNum type="arabicPeriod"/>
+            </a:pPr>
+            <a:r>
+              <a:rPr lang="en-GB" dirty="0"/>
+              <a:t>Generate parity bits for each matrix element and store them in the high order bits of the column index</a:t>
+            </a:r>
+          </a:p>
+          <a:p>
+            <a:pPr marL="971550" lvl="1" indent="-514350">
+              <a:buFont typeface="+mj-lt"/>
+              <a:buAutoNum type="arabicPeriod"/>
+            </a:pPr>
+            <a:r>
+              <a:rPr lang="en-GB" dirty="0"/>
+              <a:t>Modify the </a:t>
+            </a:r>
+            <a:r>
+              <a:rPr lang="en-GB" dirty="0" err="1"/>
+              <a:t>SpMV</a:t>
+            </a:r>
+            <a:r>
+              <a:rPr lang="en-GB" dirty="0"/>
+              <a:t> function to check the parity bits and then correct any errors that are </a:t>
+            </a:r>
+            <a:r>
+              <a:rPr lang="en-GB" dirty="0" smtClean="0"/>
+              <a:t>found</a:t>
+            </a:r>
           </a:p>
         </p:txBody>
       </p:sp>
@@ -55969,7 +56226,7 @@
     </p:spTree>
     <p:extLst>
       <p:ext uri="{BB962C8B-B14F-4D97-AF65-F5344CB8AC3E}">
-        <p14:creationId xmlns:p14="http://schemas.microsoft.com/office/powerpoint/2010/main" val="1795682848"/>
+        <p14:creationId xmlns:p14="http://schemas.microsoft.com/office/powerpoint/2010/main" val="2089425383"/>
       </p:ext>
     </p:extLst>
   </p:cSld>
@@ -56050,6 +56307,229 @@
           <a:lstStyle/>
           <a:p>
             <a:r>
+              <a:rPr lang="en-GB" sz="2800" dirty="0" smtClean="0"/>
+              <a:t>Comments in the code will guide you</a:t>
+            </a:r>
+          </a:p>
+          <a:p>
+            <a:pPr lvl="1"/>
+            <a:r>
+              <a:rPr lang="en-GB" sz="2400" dirty="0" smtClean="0"/>
+              <a:t>You just need to modify </a:t>
+            </a:r>
+            <a:r>
+              <a:rPr lang="en-GB" sz="2400" b="1" dirty="0" err="1" smtClean="0">
+                <a:solidFill>
+                  <a:srgbClr val="008000"/>
+                </a:solidFill>
+                <a:latin typeface="Courier New"/>
+                <a:cs typeface="Courier New"/>
+              </a:rPr>
+              <a:t>spmv.c</a:t>
+            </a:r>
+            <a:endParaRPr lang="en-GB" sz="2400" b="1" dirty="0" smtClean="0">
+              <a:solidFill>
+                <a:srgbClr val="008000"/>
+              </a:solidFill>
+              <a:latin typeface="Courier New"/>
+              <a:cs typeface="Courier New"/>
+            </a:endParaRPr>
+          </a:p>
+          <a:p>
+            <a:r>
+              <a:rPr lang="en-GB" sz="2800" dirty="0" smtClean="0"/>
+              <a:t>Two routines are provided to do the heavy lifting (see comments in </a:t>
+            </a:r>
+            <a:r>
+              <a:rPr lang="en-GB" sz="2800" b="1" dirty="0" err="1" smtClean="0">
+                <a:latin typeface="Courier New"/>
+                <a:cs typeface="Courier New"/>
+              </a:rPr>
+              <a:t>common.h</a:t>
+            </a:r>
+            <a:r>
+              <a:rPr lang="en-GB" sz="2800" dirty="0" smtClean="0"/>
+              <a:t> for descriptions):</a:t>
+            </a:r>
+          </a:p>
+          <a:p>
+            <a:pPr lvl="1"/>
+            <a:r>
+              <a:rPr lang="en-GB" sz="2400" b="1" dirty="0" smtClean="0">
+                <a:solidFill>
+                  <a:srgbClr val="3366FF"/>
+                </a:solidFill>
+                <a:latin typeface="Courier New"/>
+                <a:cs typeface="Courier New"/>
+              </a:rPr>
+              <a:t>ecc_compute_col8</a:t>
+            </a:r>
+          </a:p>
+          <a:p>
+            <a:pPr lvl="1"/>
+            <a:r>
+              <a:rPr lang="en-GB" sz="2400" b="1" dirty="0" smtClean="0">
+                <a:solidFill>
+                  <a:srgbClr val="3366FF"/>
+                </a:solidFill>
+                <a:latin typeface="Courier New"/>
+                <a:cs typeface="Courier New"/>
+              </a:rPr>
+              <a:t>ecc_correct_col8</a:t>
+            </a:r>
+          </a:p>
+          <a:p>
+            <a:r>
+              <a:rPr lang="en-GB" sz="2800" dirty="0"/>
+              <a:t>To test the code, pass the ‘</a:t>
+            </a:r>
+            <a:r>
+              <a:rPr lang="en-GB" sz="2800" dirty="0">
+                <a:latin typeface="Courier New"/>
+                <a:cs typeface="Courier New"/>
+              </a:rPr>
+              <a:t>-x</a:t>
+            </a:r>
+            <a:r>
+              <a:rPr lang="en-GB" sz="2800" dirty="0"/>
+              <a:t>’ parameter to the application to inject a random bit</a:t>
+            </a:r>
+            <a:r>
+              <a:rPr lang="en-GB" sz="2800"/>
+              <a:t>-</a:t>
+            </a:r>
+            <a:r>
+              <a:rPr lang="en-GB" sz="2800" smtClean="0"/>
+              <a:t>flip</a:t>
+            </a:r>
+            <a:endParaRPr lang="en-GB" sz="2800" dirty="0" smtClean="0"/>
+          </a:p>
+          <a:p>
+            <a:r>
+              <a:rPr lang="en-GB" sz="2800" dirty="0" smtClean="0"/>
+              <a:t>Example solutions are provided</a:t>
+            </a:r>
+            <a:endParaRPr lang="en-GB" sz="2800" dirty="0"/>
+          </a:p>
+        </p:txBody>
+      </p:sp>
+      <p:sp>
+        <p:nvSpPr>
+          <p:cNvPr id="4" name="Slide Number Placeholder 3"/>
+          <p:cNvSpPr>
+            <a:spLocks noGrp="1"/>
+          </p:cNvSpPr>
+          <p:nvPr>
+            <p:ph type="sldNum" sz="quarter" idx="10"/>
+          </p:nvPr>
+        </p:nvSpPr>
+        <p:spPr/>
+        <p:txBody>
+          <a:bodyPr/>
+          <a:lstStyle/>
+          <a:p>
+            <a:fld id="{D9B8CB04-7B95-2844-BD15-B133C35E4786}" type="slidenum">
+              <a:rPr lang="en-GB" smtClean="0"/>
+              <a:pPr/>
+              <a:t>53</a:t>
+            </a:fld>
+            <a:endParaRPr lang="en-GB"/>
+          </a:p>
+        </p:txBody>
+      </p:sp>
+    </p:spTree>
+    <p:extLst>
+      <p:ext uri="{BB962C8B-B14F-4D97-AF65-F5344CB8AC3E}">
+        <p14:creationId xmlns:p14="http://schemas.microsoft.com/office/powerpoint/2010/main" val="1795682848"/>
+      </p:ext>
+    </p:extLst>
+  </p:cSld>
+  <p:clrMapOvr>
+    <a:masterClrMapping/>
+  </p:clrMapOvr>
+  <mc:AlternateContent xmlns:mc="http://schemas.openxmlformats.org/markup-compatibility/2006" xmlns:p14="http://schemas.microsoft.com/office/powerpoint/2010/main">
+    <mc:Choice Requires="p14">
+      <p:transition spd="slow" p14:dur="2000"/>
+    </mc:Choice>
+    <mc:Fallback xmlns="">
+      <p:transition xmlns:p14="http://schemas.microsoft.com/office/powerpoint/2010/main" spd="slow"/>
+    </mc:Fallback>
+  </mc:AlternateContent>
+  <p:timing>
+    <p:tnLst>
+      <p:par>
+        <p:cTn xmlns:p14="http://schemas.microsoft.com/office/powerpoint/2010/main" id="1" dur="indefinite" restart="never" nodeType="tmRoot"/>
+      </p:par>
+    </p:tnLst>
+  </p:timing>
+</p:sld>
+</file>
+
+<file path=ppt/slides/slide54.xml><?xml version="1.0" encoding="utf-8"?>
+<p:sld xmlns:a="http://schemas.openxmlformats.org/drawingml/2006/main" xmlns:r="http://schemas.openxmlformats.org/officeDocument/2006/relationships" xmlns:p="http://schemas.openxmlformats.org/presentationml/2006/main">
+  <p:cSld>
+    <p:spTree>
+      <p:nvGrpSpPr>
+        <p:cNvPr id="1" name=""/>
+        <p:cNvGrpSpPr/>
+        <p:nvPr/>
+      </p:nvGrpSpPr>
+      <p:grpSpPr>
+        <a:xfrm>
+          <a:off x="0" y="0"/>
+          <a:ext cx="0" cy="0"/>
+          <a:chOff x="0" y="0"/>
+          <a:chExt cx="0" cy="0"/>
+        </a:xfrm>
+      </p:grpSpPr>
+      <p:sp>
+        <p:nvSpPr>
+          <p:cNvPr id="2" name="Title 1"/>
+          <p:cNvSpPr>
+            <a:spLocks noGrp="1"/>
+          </p:cNvSpPr>
+          <p:nvPr>
+            <p:ph type="title"/>
+          </p:nvPr>
+        </p:nvSpPr>
+        <p:spPr/>
+        <p:txBody>
+          <a:bodyPr/>
+          <a:lstStyle/>
+          <a:p>
+            <a:r>
+              <a:rPr lang="en-GB" dirty="0" smtClean="0"/>
+              <a:t>Software </a:t>
+            </a:r>
+            <a:r>
+              <a:rPr lang="en-GB" dirty="0" smtClean="0"/>
+              <a:t>ECC exercise</a:t>
+            </a:r>
+            <a:endParaRPr lang="en-GB" dirty="0"/>
+          </a:p>
+        </p:txBody>
+      </p:sp>
+      <p:sp>
+        <p:nvSpPr>
+          <p:cNvPr id="3" name="Content Placeholder 2"/>
+          <p:cNvSpPr>
+            <a:spLocks noGrp="1"/>
+          </p:cNvSpPr>
+          <p:nvPr>
+            <p:ph idx="1"/>
+          </p:nvPr>
+        </p:nvSpPr>
+        <p:spPr/>
+        <p:txBody>
+          <a:bodyPr/>
+          <a:lstStyle/>
+          <a:p>
+            <a:pPr>
+              <a:spcBef>
+                <a:spcPts val="1272"/>
+              </a:spcBef>
+            </a:pPr>
+            <a:r>
               <a:rPr lang="en-GB" sz="2800" b="1" dirty="0" smtClean="0">
                 <a:solidFill>
                   <a:srgbClr val="008000"/>
@@ -56063,14 +56543,22 @@
             </a:r>
           </a:p>
           <a:p>
-            <a:pPr lvl="1"/>
+            <a:pPr lvl="1">
+              <a:spcBef>
+                <a:spcPts val="1272"/>
+              </a:spcBef>
+            </a:pPr>
             <a:r>
               <a:rPr lang="en-GB" sz="2400" dirty="0" smtClean="0"/>
               <a:t>Add an additional overall parity bit to improve the performance of the error checking code</a:t>
             </a:r>
           </a:p>
           <a:p>
-            <a:pPr lvl="2"/>
+            <a:pPr lvl="2">
+              <a:spcBef>
+                <a:spcPts val="1272"/>
+              </a:spcBef>
+            </a:pPr>
             <a:r>
               <a:rPr lang="en-GB" sz="2000" dirty="0" smtClean="0"/>
               <a:t>Use the </a:t>
@@ -56091,7 +56579,11 @@
             </a:r>
           </a:p>
           <a:p>
-            <a:pPr lvl="1"/>
+            <a:pPr lvl="1">
+              <a:spcBef>
+                <a:spcPts val="1272"/>
+              </a:spcBef>
+            </a:pPr>
             <a:r>
               <a:rPr lang="en-GB" sz="2400" dirty="0" smtClean="0"/>
               <a:t>Or use the extra parity bit to implement a SECDED scheme (use ‘</a:t>
@@ -56109,19 +56601,20 @@
             </a:r>
           </a:p>
           <a:p>
-            <a:pPr lvl="1"/>
+            <a:pPr lvl="1">
+              <a:spcBef>
+                <a:spcPts val="1272"/>
+              </a:spcBef>
+            </a:pPr>
             <a:r>
               <a:rPr lang="en-GB" sz="2400" dirty="0" smtClean="0"/>
-              <a:t>Try other parity bit placement schemes (4 bits in row and 4 in column, or use the least significant bits of the value)</a:t>
-            </a:r>
-            <a:r>
-              <a:rPr lang="en-GB" sz="2400" b="1" dirty="0" smtClean="0">
-                <a:solidFill>
-                  <a:srgbClr val="FF0000"/>
-                </a:solidFill>
-              </a:rPr>
-              <a:t> (TODO: give them these ECC routines)</a:t>
-            </a:r>
+              <a:t>Try implementing the index constraints scheme discussed earlier instead of ECC</a:t>
+            </a:r>
+            <a:endParaRPr lang="en-GB" sz="2400" b="1" dirty="0" smtClean="0">
+              <a:solidFill>
+                <a:srgbClr val="FF0000"/>
+              </a:solidFill>
+            </a:endParaRPr>
           </a:p>
         </p:txBody>
       </p:sp>
@@ -56143,7 +56636,7 @@
             <a:fld id="{D9B8CB04-7B95-2844-BD15-B133C35E4786}" type="slidenum">
               <a:rPr lang="en-GB" smtClean="0"/>
               <a:pPr/>
-              <a:t>53</a:t>
+              <a:t>54</a:t>
             </a:fld>
             <a:endParaRPr lang="en-GB"/>
           </a:p>

--- a/sparse-abft.pptx
+++ b/sparse-abft.pptx
@@ -5,10 +5,10 @@
     <p:sldMasterId id="2147483649" r:id="rId3"/>
   </p:sldMasterIdLst>
   <p:notesMasterIdLst>
-    <p:notesMasterId r:id="rId58"/>
+    <p:notesMasterId r:id="rId60"/>
   </p:notesMasterIdLst>
   <p:handoutMasterIdLst>
-    <p:handoutMasterId r:id="rId59"/>
+    <p:handoutMasterId r:id="rId61"/>
   </p:handoutMasterIdLst>
   <p:sldIdLst>
     <p:sldId id="257" r:id="rId4"/>
@@ -27,44 +27,46 @@
     <p:sldId id="572" r:id="rId17"/>
     <p:sldId id="573" r:id="rId18"/>
     <p:sldId id="624" r:id="rId19"/>
-    <p:sldId id="574" r:id="rId20"/>
-    <p:sldId id="575" r:id="rId21"/>
-    <p:sldId id="576" r:id="rId22"/>
-    <p:sldId id="590" r:id="rId23"/>
-    <p:sldId id="591" r:id="rId24"/>
-    <p:sldId id="596" r:id="rId25"/>
-    <p:sldId id="595" r:id="rId26"/>
-    <p:sldId id="593" r:id="rId27"/>
-    <p:sldId id="594" r:id="rId28"/>
-    <p:sldId id="623" r:id="rId29"/>
-    <p:sldId id="597" r:id="rId30"/>
-    <p:sldId id="598" r:id="rId31"/>
-    <p:sldId id="599" r:id="rId32"/>
-    <p:sldId id="627" r:id="rId33"/>
-    <p:sldId id="600" r:id="rId34"/>
-    <p:sldId id="606" r:id="rId35"/>
-    <p:sldId id="601" r:id="rId36"/>
-    <p:sldId id="602" r:id="rId37"/>
-    <p:sldId id="603" r:id="rId38"/>
-    <p:sldId id="604" r:id="rId39"/>
-    <p:sldId id="605" r:id="rId40"/>
-    <p:sldId id="608" r:id="rId41"/>
-    <p:sldId id="628" r:id="rId42"/>
-    <p:sldId id="609" r:id="rId43"/>
-    <p:sldId id="610" r:id="rId44"/>
-    <p:sldId id="611" r:id="rId45"/>
-    <p:sldId id="612" r:id="rId46"/>
-    <p:sldId id="622" r:id="rId47"/>
-    <p:sldId id="613" r:id="rId48"/>
-    <p:sldId id="625" r:id="rId49"/>
-    <p:sldId id="621" r:id="rId50"/>
-    <p:sldId id="615" r:id="rId51"/>
-    <p:sldId id="626" r:id="rId52"/>
-    <p:sldId id="620" r:id="rId53"/>
-    <p:sldId id="629" r:id="rId54"/>
-    <p:sldId id="618" r:id="rId55"/>
-    <p:sldId id="588" r:id="rId56"/>
-    <p:sldId id="619" r:id="rId57"/>
+    <p:sldId id="630" r:id="rId20"/>
+    <p:sldId id="631" r:id="rId21"/>
+    <p:sldId id="574" r:id="rId22"/>
+    <p:sldId id="575" r:id="rId23"/>
+    <p:sldId id="576" r:id="rId24"/>
+    <p:sldId id="590" r:id="rId25"/>
+    <p:sldId id="591" r:id="rId26"/>
+    <p:sldId id="596" r:id="rId27"/>
+    <p:sldId id="595" r:id="rId28"/>
+    <p:sldId id="593" r:id="rId29"/>
+    <p:sldId id="594" r:id="rId30"/>
+    <p:sldId id="623" r:id="rId31"/>
+    <p:sldId id="597" r:id="rId32"/>
+    <p:sldId id="598" r:id="rId33"/>
+    <p:sldId id="599" r:id="rId34"/>
+    <p:sldId id="627" r:id="rId35"/>
+    <p:sldId id="600" r:id="rId36"/>
+    <p:sldId id="606" r:id="rId37"/>
+    <p:sldId id="601" r:id="rId38"/>
+    <p:sldId id="602" r:id="rId39"/>
+    <p:sldId id="603" r:id="rId40"/>
+    <p:sldId id="604" r:id="rId41"/>
+    <p:sldId id="605" r:id="rId42"/>
+    <p:sldId id="608" r:id="rId43"/>
+    <p:sldId id="628" r:id="rId44"/>
+    <p:sldId id="609" r:id="rId45"/>
+    <p:sldId id="610" r:id="rId46"/>
+    <p:sldId id="611" r:id="rId47"/>
+    <p:sldId id="612" r:id="rId48"/>
+    <p:sldId id="622" r:id="rId49"/>
+    <p:sldId id="613" r:id="rId50"/>
+    <p:sldId id="625" r:id="rId51"/>
+    <p:sldId id="621" r:id="rId52"/>
+    <p:sldId id="615" r:id="rId53"/>
+    <p:sldId id="626" r:id="rId54"/>
+    <p:sldId id="620" r:id="rId55"/>
+    <p:sldId id="629" r:id="rId56"/>
+    <p:sldId id="618" r:id="rId57"/>
+    <p:sldId id="588" r:id="rId58"/>
+    <p:sldId id="619" r:id="rId59"/>
   </p:sldIdLst>
   <p:sldSz cx="9144000" cy="6858000" type="screen4x3"/>
   <p:notesSz cx="6858000" cy="9144000"/>
@@ -2387,8 +2389,8 @@
     <dgm:cxn modelId="{2227D610-5FA1-964D-BF1A-B0E78E767070}" type="presOf" srcId="{F2D003C4-8281-B94D-B637-D043DE979DBF}" destId="{9E333027-8DF6-E04E-A8DF-7DE18D03EE88}" srcOrd="1" destOrd="0" presId="urn:microsoft.com/office/officeart/2005/8/layout/venn1"/>
     <dgm:cxn modelId="{42DE792D-AE62-0649-A5C0-4A5F1784B1D7}" srcId="{336AFDA9-4FB4-A349-8933-97D7945B7C09}" destId="{C8399AF5-63B0-0940-AE90-B2CFCBD2B4BF}" srcOrd="0" destOrd="0" parTransId="{1737C8D8-8862-9E41-B08A-C7D9F95A82C3}" sibTransId="{C4539BF3-8B60-C14B-8852-D1E61A8DE4E2}"/>
     <dgm:cxn modelId="{F8D1FFC1-309A-7E40-A924-4B3F34D4B17F}" srcId="{336AFDA9-4FB4-A349-8933-97D7945B7C09}" destId="{F2D003C4-8281-B94D-B637-D043DE979DBF}" srcOrd="2" destOrd="0" parTransId="{82B8A5CD-F45F-AA4C-B0C1-4FD866B4FC03}" sibTransId="{7FB8560E-611A-A445-BBC2-927ABCDC209B}"/>
+    <dgm:cxn modelId="{5A324E48-131A-3B4B-A0E9-8212A306703C}" type="presOf" srcId="{A937ED2E-7701-994D-B07E-41ECE7A412D4}" destId="{76220480-DD56-1E47-AFDA-C82139C60BFA}" srcOrd="1" destOrd="0" presId="urn:microsoft.com/office/officeart/2005/8/layout/venn1"/>
     <dgm:cxn modelId="{765906FE-2DBA-EA4C-B58E-592EBEAA7561}" type="presOf" srcId="{789AD9B4-E834-F444-A268-915E8A918F0D}" destId="{2DA0EACF-5F00-3D46-8335-6F979672C82A}" srcOrd="0" destOrd="0" presId="urn:microsoft.com/office/officeart/2005/8/layout/venn1"/>
-    <dgm:cxn modelId="{5A324E48-131A-3B4B-A0E9-8212A306703C}" type="presOf" srcId="{A937ED2E-7701-994D-B07E-41ECE7A412D4}" destId="{76220480-DD56-1E47-AFDA-C82139C60BFA}" srcOrd="1" destOrd="0" presId="urn:microsoft.com/office/officeart/2005/8/layout/venn1"/>
     <dgm:cxn modelId="{C96D0096-7190-6346-8470-B10C2E0870C8}" type="presParOf" srcId="{2E10639D-9AE5-4D41-B619-A11524611F8B}" destId="{73C04BAC-058E-3C4D-AFA4-F4C0EA7379BB}" srcOrd="0" destOrd="0" presId="urn:microsoft.com/office/officeart/2005/8/layout/venn1"/>
     <dgm:cxn modelId="{E99B5719-5E7D-F34D-89D9-EECAF9C0538B}" type="presParOf" srcId="{2E10639D-9AE5-4D41-B619-A11524611F8B}" destId="{82DC9DB2-FFFA-E044-977F-E146FD3E8008}" srcOrd="1" destOrd="0" presId="urn:microsoft.com/office/officeart/2005/8/layout/venn1"/>
     <dgm:cxn modelId="{A75116FA-3E2E-A64A-BFDC-475D1657D781}" type="presParOf" srcId="{2E10639D-9AE5-4D41-B619-A11524611F8B}" destId="{2DA0EACF-5F00-3D46-8335-6F979672C82A}" srcOrd="2" destOrd="0" presId="urn:microsoft.com/office/officeart/2005/8/layout/venn1"/>
@@ -6866,7 +6868,7 @@
             <a:fld id="{36830665-627D-8446-BB4C-F734FB643EF0}" type="datetime1">
               <a:rPr lang="en-US"/>
               <a:pPr/>
-              <a:t>18/04/16</a:t>
+              <a:t>20/04/16</a:t>
             </a:fld>
             <a:endParaRPr lang="en-US"/>
           </a:p>
@@ -8195,31 +8197,6 @@
           <a:bodyPr/>
           <a:lstStyle/>
           <a:p>
-            <a:r>
-              <a:rPr lang="en-GB" dirty="0" smtClean="0"/>
-              <a:t>At Exascale, 10-20% could represent</a:t>
-            </a:r>
-            <a:r>
-              <a:rPr lang="en-GB" baseline="0" dirty="0" smtClean="0"/>
-              <a:t> a couple of </a:t>
-            </a:r>
-            <a:r>
-              <a:rPr lang="en-GB" baseline="0" dirty="0" err="1" smtClean="0"/>
-              <a:t>MegaWatts</a:t>
-            </a:r>
-            <a:r>
-              <a:rPr lang="en-GB" baseline="0" dirty="0" smtClean="0"/>
-              <a:t> and millions of dollars per year.</a:t>
-            </a:r>
-          </a:p>
-          <a:p>
-            <a:endParaRPr lang="en-GB" baseline="0" dirty="0" smtClean="0"/>
-          </a:p>
-          <a:p>
-            <a:r>
-              <a:rPr lang="en-GB" baseline="0" dirty="0" smtClean="0"/>
-              <a:t>Architectures such as GPUs already have the ability to selectively turn off ECC on external memory to save energy and increase performance.</a:t>
-            </a:r>
             <a:endParaRPr lang="en-GB" dirty="0"/>
           </a:p>
         </p:txBody>
@@ -8239,15 +8216,10 @@
           <a:bodyPr/>
           <a:lstStyle/>
           <a:p>
-            <a:pPr>
-              <a:defRPr/>
-            </a:pPr>
-            <a:fld id="{4082635D-059A-CB44-9BFE-E5877B2A18E3}" type="slidenum">
+            <a:fld id="{1C811BE7-51AF-BD41-88D3-08D74CFB37BF}" type="slidenum">
               <a:rPr lang="en-GB" smtClean="0"/>
-              <a:pPr>
-                <a:defRPr/>
-              </a:pPr>
-              <a:t>18</a:t>
+              <a:pPr/>
+              <a:t>17</a:t>
             </a:fld>
             <a:endParaRPr lang="en-GB"/>
           </a:p>
@@ -8256,7 +8228,7 @@
     </p:spTree>
     <p:extLst>
       <p:ext uri="{BB962C8B-B14F-4D97-AF65-F5344CB8AC3E}">
-        <p14:creationId xmlns:p14="http://schemas.microsoft.com/office/powerpoint/2010/main" val="611868313"/>
+        <p14:creationId xmlns:p14="http://schemas.microsoft.com/office/powerpoint/2010/main" val="259544647"/>
       </p:ext>
     </p:extLst>
   </p:cSld>
@@ -8310,48 +8282,6 @@
           <a:bodyPr/>
           <a:lstStyle/>
           <a:p>
-            <a:r>
-              <a:rPr lang="en-GB" dirty="0" smtClean="0"/>
-              <a:t>It's a bit more complicated</a:t>
-            </a:r>
-            <a:r>
-              <a:rPr lang="en-GB" baseline="0" dirty="0" smtClean="0"/>
-              <a:t> than this:</a:t>
-            </a:r>
-          </a:p>
-          <a:p>
-            <a:pPr marL="171450" indent="-171450">
-              <a:buFontTx/>
-              <a:buChar char="-"/>
-            </a:pPr>
-            <a:r>
-              <a:rPr lang="en-GB" baseline="0" dirty="0" smtClean="0"/>
-              <a:t>The bits can't be grouped as shown for a parity scheme to work </a:t>
-            </a:r>
-          </a:p>
-          <a:p>
-            <a:pPr marL="171450" indent="-171450">
-              <a:buFontTx/>
-              <a:buChar char="-"/>
-            </a:pPr>
-            <a:r>
-              <a:rPr lang="en-GB" baseline="0" dirty="0" smtClean="0"/>
-              <a:t>Instead have to be distributed through the fields that need protecting</a:t>
-            </a:r>
-          </a:p>
-          <a:p>
-            <a:pPr marL="171450" indent="-171450">
-              <a:buFontTx/>
-              <a:buChar char="-"/>
-            </a:pPr>
-            <a:r>
-              <a:rPr lang="en-GB" baseline="0" dirty="0" smtClean="0"/>
-              <a:t>Would require some construction/deconstruction as elements are accessed, but again just rudimentary instructions such as bit ops, shifts </a:t>
-            </a:r>
-            <a:r>
-              <a:rPr lang="en-GB" baseline="0" dirty="0" err="1" smtClean="0"/>
-              <a:t>etc</a:t>
-            </a:r>
             <a:endParaRPr lang="en-GB" dirty="0"/>
           </a:p>
         </p:txBody>
@@ -8371,15 +8301,10 @@
           <a:bodyPr/>
           <a:lstStyle/>
           <a:p>
-            <a:pPr>
-              <a:defRPr/>
-            </a:pPr>
-            <a:fld id="{4082635D-059A-CB44-9BFE-E5877B2A18E3}" type="slidenum">
+            <a:fld id="{1C811BE7-51AF-BD41-88D3-08D74CFB37BF}" type="slidenum">
               <a:rPr lang="en-GB" smtClean="0"/>
-              <a:pPr>
-                <a:defRPr/>
-              </a:pPr>
-              <a:t>19</a:t>
+              <a:pPr/>
+              <a:t>18</a:t>
             </a:fld>
             <a:endParaRPr lang="en-GB"/>
           </a:p>
@@ -8388,7 +8313,7 @@
     </p:spTree>
     <p:extLst>
       <p:ext uri="{BB962C8B-B14F-4D97-AF65-F5344CB8AC3E}">
-        <p14:creationId xmlns:p14="http://schemas.microsoft.com/office/powerpoint/2010/main" val="2209820087"/>
+        <p14:creationId xmlns:p14="http://schemas.microsoft.com/office/powerpoint/2010/main" val="259544647"/>
       </p:ext>
     </p:extLst>
   </p:cSld>
@@ -8444,11 +8369,28 @@
           <a:p>
             <a:r>
               <a:rPr lang="en-GB" dirty="0" smtClean="0"/>
-              <a:t>Correction could be done with checkpoint</a:t>
+              <a:t>At Exascale, 10-20% could represent</a:t>
             </a:r>
             <a:r>
               <a:rPr lang="en-GB" baseline="0" dirty="0" smtClean="0"/>
-              <a:t> restart, or reload from second copy of matrix</a:t>
+              <a:t> a couple of </a:t>
+            </a:r>
+            <a:r>
+              <a:rPr lang="en-GB" baseline="0" dirty="0" err="1" smtClean="0"/>
+              <a:t>MegaWatts</a:t>
+            </a:r>
+            <a:r>
+              <a:rPr lang="en-GB" baseline="0" dirty="0" smtClean="0"/>
+              <a:t> and millions of dollars per year.</a:t>
+            </a:r>
+          </a:p>
+          <a:p>
+            <a:endParaRPr lang="en-GB" baseline="0" dirty="0" smtClean="0"/>
+          </a:p>
+          <a:p>
+            <a:r>
+              <a:rPr lang="en-GB" baseline="0" dirty="0" smtClean="0"/>
+              <a:t>Architectures such as GPUs already have the ability to selectively turn off ECC on external memory to save energy and increase performance.</a:t>
             </a:r>
             <a:endParaRPr lang="en-GB" dirty="0"/>
           </a:p>
@@ -8469,9 +8411,14 @@
           <a:bodyPr/>
           <a:lstStyle/>
           <a:p>
-            <a:fld id="{1C811BE7-51AF-BD41-88D3-08D74CFB37BF}" type="slidenum">
+            <a:pPr>
+              <a:defRPr/>
+            </a:pPr>
+            <a:fld id="{4082635D-059A-CB44-9BFE-E5877B2A18E3}" type="slidenum">
               <a:rPr lang="en-GB" smtClean="0"/>
-              <a:pPr/>
+              <a:pPr>
+                <a:defRPr/>
+              </a:pPr>
               <a:t>20</a:t>
             </a:fld>
             <a:endParaRPr lang="en-GB"/>
@@ -8481,7 +8428,7 @@
     </p:spTree>
     <p:extLst>
       <p:ext uri="{BB962C8B-B14F-4D97-AF65-F5344CB8AC3E}">
-        <p14:creationId xmlns:p14="http://schemas.microsoft.com/office/powerpoint/2010/main" val="4264065732"/>
+        <p14:creationId xmlns:p14="http://schemas.microsoft.com/office/powerpoint/2010/main" val="611868313"/>
       </p:ext>
     </p:extLst>
   </p:cSld>
@@ -8535,6 +8482,48 @@
           <a:bodyPr/>
           <a:lstStyle/>
           <a:p>
+            <a:r>
+              <a:rPr lang="en-GB" dirty="0" smtClean="0"/>
+              <a:t>It's a bit more complicated</a:t>
+            </a:r>
+            <a:r>
+              <a:rPr lang="en-GB" baseline="0" dirty="0" smtClean="0"/>
+              <a:t> than this:</a:t>
+            </a:r>
+          </a:p>
+          <a:p>
+            <a:pPr marL="171450" indent="-171450">
+              <a:buFontTx/>
+              <a:buChar char="-"/>
+            </a:pPr>
+            <a:r>
+              <a:rPr lang="en-GB" baseline="0" dirty="0" smtClean="0"/>
+              <a:t>The bits can't be grouped as shown for a parity scheme to work </a:t>
+            </a:r>
+          </a:p>
+          <a:p>
+            <a:pPr marL="171450" indent="-171450">
+              <a:buFontTx/>
+              <a:buChar char="-"/>
+            </a:pPr>
+            <a:r>
+              <a:rPr lang="en-GB" baseline="0" dirty="0" smtClean="0"/>
+              <a:t>Instead have to be distributed through the fields that need protecting</a:t>
+            </a:r>
+          </a:p>
+          <a:p>
+            <a:pPr marL="171450" indent="-171450">
+              <a:buFontTx/>
+              <a:buChar char="-"/>
+            </a:pPr>
+            <a:r>
+              <a:rPr lang="en-GB" baseline="0" dirty="0" smtClean="0"/>
+              <a:t>Would require some construction/deconstruction as elements are accessed, but again just rudimentary instructions such as bit ops, shifts </a:t>
+            </a:r>
+            <a:r>
+              <a:rPr lang="en-GB" baseline="0" dirty="0" err="1" smtClean="0"/>
+              <a:t>etc</a:t>
+            </a:r>
             <a:endParaRPr lang="en-GB" dirty="0"/>
           </a:p>
         </p:txBody>
@@ -8554,9 +8543,14 @@
           <a:bodyPr/>
           <a:lstStyle/>
           <a:p>
-            <a:fld id="{1C811BE7-51AF-BD41-88D3-08D74CFB37BF}" type="slidenum">
+            <a:pPr>
+              <a:defRPr/>
+            </a:pPr>
+            <a:fld id="{4082635D-059A-CB44-9BFE-E5877B2A18E3}" type="slidenum">
               <a:rPr lang="en-GB" smtClean="0"/>
-              <a:pPr/>
+              <a:pPr>
+                <a:defRPr/>
+              </a:pPr>
               <a:t>21</a:t>
             </a:fld>
             <a:endParaRPr lang="en-GB"/>
@@ -8566,7 +8560,7 @@
     </p:spTree>
     <p:extLst>
       <p:ext uri="{BB962C8B-B14F-4D97-AF65-F5344CB8AC3E}">
-        <p14:creationId xmlns:p14="http://schemas.microsoft.com/office/powerpoint/2010/main" val="2442681378"/>
+        <p14:creationId xmlns:p14="http://schemas.microsoft.com/office/powerpoint/2010/main" val="2209820087"/>
       </p:ext>
     </p:extLst>
   </p:cSld>
@@ -8620,6 +8614,14 @@
           <a:bodyPr/>
           <a:lstStyle/>
           <a:p>
+            <a:r>
+              <a:rPr lang="en-GB" dirty="0" smtClean="0"/>
+              <a:t>Correction could be done with checkpoint</a:t>
+            </a:r>
+            <a:r>
+              <a:rPr lang="en-GB" baseline="0" dirty="0" smtClean="0"/>
+              <a:t> restart, or reload from second copy of matrix</a:t>
+            </a:r>
             <a:endParaRPr lang="en-GB" dirty="0"/>
           </a:p>
         </p:txBody>
@@ -8642,7 +8644,7 @@
             <a:fld id="{1C811BE7-51AF-BD41-88D3-08D74CFB37BF}" type="slidenum">
               <a:rPr lang="en-GB" smtClean="0"/>
               <a:pPr/>
-              <a:t>23</a:t>
+              <a:t>22</a:t>
             </a:fld>
             <a:endParaRPr lang="en-GB"/>
           </a:p>
@@ -8651,7 +8653,7 @@
     </p:spTree>
     <p:extLst>
       <p:ext uri="{BB962C8B-B14F-4D97-AF65-F5344CB8AC3E}">
-        <p14:creationId xmlns:p14="http://schemas.microsoft.com/office/powerpoint/2010/main" val="1269505060"/>
+        <p14:creationId xmlns:p14="http://schemas.microsoft.com/office/powerpoint/2010/main" val="4264065732"/>
       </p:ext>
     </p:extLst>
   </p:cSld>
@@ -8705,14 +8707,6 @@
           <a:bodyPr/>
           <a:lstStyle/>
           <a:p>
-            <a:r>
-              <a:rPr lang="en-GB" dirty="0" smtClean="0"/>
-              <a:t>Invented by</a:t>
-            </a:r>
-            <a:r>
-              <a:rPr lang="en-GB" baseline="0" dirty="0" smtClean="0"/>
-              <a:t> Richard Hamming (Bell labs) in 1950</a:t>
-            </a:r>
             <a:endParaRPr lang="en-GB" dirty="0"/>
           </a:p>
         </p:txBody>
@@ -8735,7 +8729,7 @@
             <a:fld id="{1C811BE7-51AF-BD41-88D3-08D74CFB37BF}" type="slidenum">
               <a:rPr lang="en-GB" smtClean="0"/>
               <a:pPr/>
-              <a:t>27</a:t>
+              <a:t>23</a:t>
             </a:fld>
             <a:endParaRPr lang="en-GB"/>
           </a:p>
@@ -8744,7 +8738,7 @@
     </p:spTree>
     <p:extLst>
       <p:ext uri="{BB962C8B-B14F-4D97-AF65-F5344CB8AC3E}">
-        <p14:creationId xmlns:p14="http://schemas.microsoft.com/office/powerpoint/2010/main" val="3271489321"/>
+        <p14:creationId xmlns:p14="http://schemas.microsoft.com/office/powerpoint/2010/main" val="2442681378"/>
       </p:ext>
     </p:extLst>
   </p:cSld>
@@ -8798,24 +8792,6 @@
           <a:bodyPr/>
           <a:lstStyle/>
           <a:p>
-            <a:r>
-              <a:rPr lang="en-GB" dirty="0" smtClean="0"/>
-              <a:t>This illustrates the way that each bit</a:t>
-            </a:r>
-            <a:r>
-              <a:rPr lang="en-GB" baseline="0" dirty="0" smtClean="0"/>
-              <a:t> is protected by a unique set of parity </a:t>
-            </a:r>
-            <a:r>
-              <a:rPr lang="en-GB" baseline="0" dirty="0" smtClean="0"/>
-              <a:t>bits</a:t>
-            </a:r>
-          </a:p>
-          <a:p>
-            <a:r>
-              <a:rPr lang="en-GB" baseline="0" dirty="0" smtClean="0"/>
-              <a:t>e.g. if bit 9 flipped, will show up in parity bits 1 and 4</a:t>
-            </a:r>
             <a:endParaRPr lang="en-GB" dirty="0"/>
           </a:p>
         </p:txBody>
@@ -8838,7 +8814,7 @@
             <a:fld id="{1C811BE7-51AF-BD41-88D3-08D74CFB37BF}" type="slidenum">
               <a:rPr lang="en-GB" smtClean="0"/>
               <a:pPr/>
-              <a:t>29</a:t>
+              <a:t>25</a:t>
             </a:fld>
             <a:endParaRPr lang="en-GB"/>
           </a:p>
@@ -8847,7 +8823,7 @@
     </p:spTree>
     <p:extLst>
       <p:ext uri="{BB962C8B-B14F-4D97-AF65-F5344CB8AC3E}">
-        <p14:creationId xmlns:p14="http://schemas.microsoft.com/office/powerpoint/2010/main" val="2403286589"/>
+        <p14:creationId xmlns:p14="http://schemas.microsoft.com/office/powerpoint/2010/main" val="1269505060"/>
       </p:ext>
     </p:extLst>
   </p:cSld>
@@ -8990,6 +8966,14 @@
           <a:bodyPr/>
           <a:lstStyle/>
           <a:p>
+            <a:r>
+              <a:rPr lang="en-GB" dirty="0" smtClean="0"/>
+              <a:t>Invented by</a:t>
+            </a:r>
+            <a:r>
+              <a:rPr lang="en-GB" baseline="0" dirty="0" smtClean="0"/>
+              <a:t> Richard Hamming (Bell labs) in 1950</a:t>
+            </a:r>
             <a:endParaRPr lang="en-GB" dirty="0"/>
           </a:p>
         </p:txBody>
@@ -9012,7 +8996,7 @@
             <a:fld id="{1C811BE7-51AF-BD41-88D3-08D74CFB37BF}" type="slidenum">
               <a:rPr lang="en-GB" smtClean="0"/>
               <a:pPr/>
-              <a:t>31</a:t>
+              <a:t>29</a:t>
             </a:fld>
             <a:endParaRPr lang="en-GB"/>
           </a:p>
@@ -9021,7 +9005,7 @@
     </p:spTree>
     <p:extLst>
       <p:ext uri="{BB962C8B-B14F-4D97-AF65-F5344CB8AC3E}">
-        <p14:creationId xmlns:p14="http://schemas.microsoft.com/office/powerpoint/2010/main" val="2442681378"/>
+        <p14:creationId xmlns:p14="http://schemas.microsoft.com/office/powerpoint/2010/main" val="3271489321"/>
       </p:ext>
     </p:extLst>
   </p:cSld>
@@ -9075,6 +9059,20 @@
           <a:bodyPr/>
           <a:lstStyle/>
           <a:p>
+            <a:r>
+              <a:rPr lang="en-GB" dirty="0" smtClean="0"/>
+              <a:t>This illustrates the way that each bit</a:t>
+            </a:r>
+            <a:r>
+              <a:rPr lang="en-GB" baseline="0" dirty="0" smtClean="0"/>
+              <a:t> is protected by a unique set of parity bits</a:t>
+            </a:r>
+          </a:p>
+          <a:p>
+            <a:r>
+              <a:rPr lang="en-GB" baseline="0" dirty="0" smtClean="0"/>
+              <a:t>e.g. if bit 9 flipped, will show up in parity bits 1 and 4</a:t>
+            </a:r>
             <a:endParaRPr lang="en-GB" dirty="0"/>
           </a:p>
         </p:txBody>
@@ -9097,7 +9095,7 @@
             <a:fld id="{1C811BE7-51AF-BD41-88D3-08D74CFB37BF}" type="slidenum">
               <a:rPr lang="en-GB" smtClean="0"/>
               <a:pPr/>
-              <a:t>32</a:t>
+              <a:t>31</a:t>
             </a:fld>
             <a:endParaRPr lang="en-GB"/>
           </a:p>
@@ -9106,7 +9104,7 @@
     </p:spTree>
     <p:extLst>
       <p:ext uri="{BB962C8B-B14F-4D97-AF65-F5344CB8AC3E}">
-        <p14:creationId xmlns:p14="http://schemas.microsoft.com/office/powerpoint/2010/main" val="2442681378"/>
+        <p14:creationId xmlns:p14="http://schemas.microsoft.com/office/powerpoint/2010/main" val="2403286589"/>
       </p:ext>
     </p:extLst>
   </p:cSld>
@@ -9692,7 +9690,7 @@
             <a:fld id="{1C811BE7-51AF-BD41-88D3-08D74CFB37BF}" type="slidenum">
               <a:rPr lang="en-GB" smtClean="0"/>
               <a:pPr/>
-              <a:t>40</a:t>
+              <a:t>39</a:t>
             </a:fld>
             <a:endParaRPr lang="en-GB"/>
           </a:p>
@@ -9755,10 +9753,6 @@
           <a:bodyPr/>
           <a:lstStyle/>
           <a:p>
-            <a:r>
-              <a:rPr lang="en-GB" dirty="0" smtClean="0"/>
-              <a:t>Masks will change if you change where you store the parity bits</a:t>
-            </a:r>
             <a:endParaRPr lang="en-GB" dirty="0"/>
           </a:p>
         </p:txBody>
@@ -9781,7 +9775,7 @@
             <a:fld id="{1C811BE7-51AF-BD41-88D3-08D74CFB37BF}" type="slidenum">
               <a:rPr lang="en-GB" smtClean="0"/>
               <a:pPr/>
-              <a:t>43</a:t>
+              <a:t>40</a:t>
             </a:fld>
             <a:endParaRPr lang="en-GB"/>
           </a:p>
@@ -9790,7 +9784,7 @@
     </p:spTree>
     <p:extLst>
       <p:ext uri="{BB962C8B-B14F-4D97-AF65-F5344CB8AC3E}">
-        <p14:creationId xmlns:p14="http://schemas.microsoft.com/office/powerpoint/2010/main" val="2174565375"/>
+        <p14:creationId xmlns:p14="http://schemas.microsoft.com/office/powerpoint/2010/main" val="2442681378"/>
       </p:ext>
     </p:extLst>
   </p:cSld>
@@ -9933,14 +9927,6 @@
           <a:bodyPr/>
           <a:lstStyle/>
           <a:p>
-            <a:r>
-              <a:rPr lang="en-GB" dirty="0" smtClean="0"/>
-              <a:t>Since data corruption should be very infrequent,</a:t>
-            </a:r>
-            <a:r>
-              <a:rPr lang="en-GB" baseline="0" dirty="0" smtClean="0"/>
-              <a:t> we will very rarely pay the full cost of checking all 7 parity bits</a:t>
-            </a:r>
             <a:endParaRPr lang="en-GB" dirty="0"/>
           </a:p>
         </p:txBody>
@@ -9963,7 +9949,7 @@
             <a:fld id="{1C811BE7-51AF-BD41-88D3-08D74CFB37BF}" type="slidenum">
               <a:rPr lang="en-GB" smtClean="0"/>
               <a:pPr/>
-              <a:t>45</a:t>
+              <a:t>42</a:t>
             </a:fld>
             <a:endParaRPr lang="en-GB"/>
           </a:p>
@@ -9972,7 +9958,7 @@
     </p:spTree>
     <p:extLst>
       <p:ext uri="{BB962C8B-B14F-4D97-AF65-F5344CB8AC3E}">
-        <p14:creationId xmlns:p14="http://schemas.microsoft.com/office/powerpoint/2010/main" val="645188229"/>
+        <p14:creationId xmlns:p14="http://schemas.microsoft.com/office/powerpoint/2010/main" val="2442681378"/>
       </p:ext>
     </p:extLst>
   </p:cSld>
@@ -10026,6 +10012,10 @@
           <a:bodyPr/>
           <a:lstStyle/>
           <a:p>
+            <a:r>
+              <a:rPr lang="en-GB" dirty="0" smtClean="0"/>
+              <a:t>Masks will change if you change where you store the parity bits</a:t>
+            </a:r>
             <a:endParaRPr lang="en-GB" dirty="0"/>
           </a:p>
         </p:txBody>
@@ -10048,7 +10038,7 @@
             <a:fld id="{1C811BE7-51AF-BD41-88D3-08D74CFB37BF}" type="slidenum">
               <a:rPr lang="en-GB" smtClean="0"/>
               <a:pPr/>
-              <a:t>46</a:t>
+              <a:t>45</a:t>
             </a:fld>
             <a:endParaRPr lang="en-GB"/>
           </a:p>
@@ -10111,6 +10101,14 @@
           <a:bodyPr/>
           <a:lstStyle/>
           <a:p>
+            <a:r>
+              <a:rPr lang="en-GB" dirty="0" smtClean="0"/>
+              <a:t>Since data corruption should be very infrequent,</a:t>
+            </a:r>
+            <a:r>
+              <a:rPr lang="en-GB" baseline="0" dirty="0" smtClean="0"/>
+              <a:t> we will very rarely pay the full cost of checking all 7 parity bits</a:t>
+            </a:r>
             <a:endParaRPr lang="en-GB" dirty="0"/>
           </a:p>
         </p:txBody>
@@ -10133,7 +10131,7 @@
             <a:fld id="{1C811BE7-51AF-BD41-88D3-08D74CFB37BF}" type="slidenum">
               <a:rPr lang="en-GB" smtClean="0"/>
               <a:pPr/>
-              <a:t>48</a:t>
+              <a:t>47</a:t>
             </a:fld>
             <a:endParaRPr lang="en-GB"/>
           </a:p>
@@ -10218,7 +10216,7 @@
             <a:fld id="{1C811BE7-51AF-BD41-88D3-08D74CFB37BF}" type="slidenum">
               <a:rPr lang="en-GB" smtClean="0"/>
               <a:pPr/>
-              <a:t>49</a:t>
+              <a:t>48</a:t>
             </a:fld>
             <a:endParaRPr lang="en-GB"/>
           </a:p>
@@ -10281,22 +10279,6 @@
           <a:bodyPr/>
           <a:lstStyle/>
           <a:p>
-            <a:r>
-              <a:rPr lang="en-GB" dirty="0" smtClean="0"/>
-              <a:t>Could run expensive schemes only every</a:t>
-            </a:r>
-            <a:r>
-              <a:rPr lang="en-GB" baseline="0" dirty="0" smtClean="0"/>
-              <a:t> X iterations to reduce overheads (need checkpoint to </a:t>
-            </a:r>
-            <a:r>
-              <a:rPr lang="en-GB" baseline="0" dirty="0" err="1" smtClean="0"/>
-              <a:t>fallback</a:t>
-            </a:r>
-            <a:r>
-              <a:rPr lang="en-GB" baseline="0" dirty="0" smtClean="0"/>
-              <a:t> on)</a:t>
-            </a:r>
             <a:endParaRPr lang="en-GB" dirty="0"/>
           </a:p>
         </p:txBody>
@@ -10328,7 +10310,7 @@
     </p:spTree>
     <p:extLst>
       <p:ext uri="{BB962C8B-B14F-4D97-AF65-F5344CB8AC3E}">
-        <p14:creationId xmlns:p14="http://schemas.microsoft.com/office/powerpoint/2010/main" val="2761030481"/>
+        <p14:creationId xmlns:p14="http://schemas.microsoft.com/office/powerpoint/2010/main" val="645188229"/>
       </p:ext>
     </p:extLst>
   </p:cSld>
@@ -10413,7 +10395,7 @@
     </p:spTree>
     <p:extLst>
       <p:ext uri="{BB962C8B-B14F-4D97-AF65-F5344CB8AC3E}">
-        <p14:creationId xmlns:p14="http://schemas.microsoft.com/office/powerpoint/2010/main" val="645188229"/>
+        <p14:creationId xmlns:p14="http://schemas.microsoft.com/office/powerpoint/2010/main" val="2174565375"/>
       </p:ext>
     </p:extLst>
   </p:cSld>
@@ -10467,6 +10449,22 @@
           <a:bodyPr/>
           <a:lstStyle/>
           <a:p>
+            <a:r>
+              <a:rPr lang="en-GB" dirty="0" smtClean="0"/>
+              <a:t>Could run expensive schemes only every</a:t>
+            </a:r>
+            <a:r>
+              <a:rPr lang="en-GB" baseline="0" dirty="0" smtClean="0"/>
+              <a:t> X iterations to reduce overheads (need checkpoint to </a:t>
+            </a:r>
+            <a:r>
+              <a:rPr lang="en-GB" baseline="0" dirty="0" err="1" smtClean="0"/>
+              <a:t>fallback</a:t>
+            </a:r>
+            <a:r>
+              <a:rPr lang="en-GB" baseline="0" dirty="0" smtClean="0"/>
+              <a:t> on)</a:t>
+            </a:r>
             <a:endParaRPr lang="en-GB" dirty="0"/>
           </a:p>
         </p:txBody>
@@ -10490,6 +10488,176 @@
               <a:rPr lang="en-GB" smtClean="0"/>
               <a:pPr/>
               <a:t>52</a:t>
+            </a:fld>
+            <a:endParaRPr lang="en-GB"/>
+          </a:p>
+        </p:txBody>
+      </p:sp>
+    </p:spTree>
+    <p:extLst>
+      <p:ext uri="{BB962C8B-B14F-4D97-AF65-F5344CB8AC3E}">
+        <p14:creationId xmlns:p14="http://schemas.microsoft.com/office/powerpoint/2010/main" val="2761030481"/>
+      </p:ext>
+    </p:extLst>
+  </p:cSld>
+  <p:clrMapOvr>
+    <a:masterClrMapping/>
+  </p:clrMapOvr>
+</p:notes>
+</file>
+
+<file path=ppt/notesSlides/notesSlide37.xml><?xml version="1.0" encoding="utf-8"?>
+<p:notes xmlns:a="http://schemas.openxmlformats.org/drawingml/2006/main" xmlns:r="http://schemas.openxmlformats.org/officeDocument/2006/relationships" xmlns:p="http://schemas.openxmlformats.org/presentationml/2006/main">
+  <p:cSld>
+    <p:spTree>
+      <p:nvGrpSpPr>
+        <p:cNvPr id="1" name=""/>
+        <p:cNvGrpSpPr/>
+        <p:nvPr/>
+      </p:nvGrpSpPr>
+      <p:grpSpPr>
+        <a:xfrm>
+          <a:off x="0" y="0"/>
+          <a:ext cx="0" cy="0"/>
+          <a:chOff x="0" y="0"/>
+          <a:chExt cx="0" cy="0"/>
+        </a:xfrm>
+      </p:grpSpPr>
+      <p:sp>
+        <p:nvSpPr>
+          <p:cNvPr id="2" name="Slide Image Placeholder 1"/>
+          <p:cNvSpPr>
+            <a:spLocks noGrp="1" noRot="1" noChangeAspect="1"/>
+          </p:cNvSpPr>
+          <p:nvPr>
+            <p:ph type="sldImg"/>
+          </p:nvPr>
+        </p:nvSpPr>
+        <p:spPr/>
+      </p:sp>
+      <p:sp>
+        <p:nvSpPr>
+          <p:cNvPr id="3" name="Notes Placeholder 2"/>
+          <p:cNvSpPr>
+            <a:spLocks noGrp="1"/>
+          </p:cNvSpPr>
+          <p:nvPr>
+            <p:ph type="body" idx="1"/>
+          </p:nvPr>
+        </p:nvSpPr>
+        <p:spPr/>
+        <p:txBody>
+          <a:bodyPr/>
+          <a:lstStyle/>
+          <a:p>
+            <a:endParaRPr lang="en-GB" dirty="0"/>
+          </a:p>
+        </p:txBody>
+      </p:sp>
+      <p:sp>
+        <p:nvSpPr>
+          <p:cNvPr id="4" name="Slide Number Placeholder 3"/>
+          <p:cNvSpPr>
+            <a:spLocks noGrp="1"/>
+          </p:cNvSpPr>
+          <p:nvPr>
+            <p:ph type="sldNum" sz="quarter" idx="10"/>
+          </p:nvPr>
+        </p:nvSpPr>
+        <p:spPr/>
+        <p:txBody>
+          <a:bodyPr/>
+          <a:lstStyle/>
+          <a:p>
+            <a:fld id="{1C811BE7-51AF-BD41-88D3-08D74CFB37BF}" type="slidenum">
+              <a:rPr lang="en-GB" smtClean="0"/>
+              <a:pPr/>
+              <a:t>53</a:t>
+            </a:fld>
+            <a:endParaRPr lang="en-GB"/>
+          </a:p>
+        </p:txBody>
+      </p:sp>
+    </p:spTree>
+    <p:extLst>
+      <p:ext uri="{BB962C8B-B14F-4D97-AF65-F5344CB8AC3E}">
+        <p14:creationId xmlns:p14="http://schemas.microsoft.com/office/powerpoint/2010/main" val="645188229"/>
+      </p:ext>
+    </p:extLst>
+  </p:cSld>
+  <p:clrMapOvr>
+    <a:masterClrMapping/>
+  </p:clrMapOvr>
+</p:notes>
+</file>
+
+<file path=ppt/notesSlides/notesSlide38.xml><?xml version="1.0" encoding="utf-8"?>
+<p:notes xmlns:a="http://schemas.openxmlformats.org/drawingml/2006/main" xmlns:r="http://schemas.openxmlformats.org/officeDocument/2006/relationships" xmlns:p="http://schemas.openxmlformats.org/presentationml/2006/main">
+  <p:cSld>
+    <p:spTree>
+      <p:nvGrpSpPr>
+        <p:cNvPr id="1" name=""/>
+        <p:cNvGrpSpPr/>
+        <p:nvPr/>
+      </p:nvGrpSpPr>
+      <p:grpSpPr>
+        <a:xfrm>
+          <a:off x="0" y="0"/>
+          <a:ext cx="0" cy="0"/>
+          <a:chOff x="0" y="0"/>
+          <a:chExt cx="0" cy="0"/>
+        </a:xfrm>
+      </p:grpSpPr>
+      <p:sp>
+        <p:nvSpPr>
+          <p:cNvPr id="2" name="Slide Image Placeholder 1"/>
+          <p:cNvSpPr>
+            <a:spLocks noGrp="1" noRot="1" noChangeAspect="1"/>
+          </p:cNvSpPr>
+          <p:nvPr>
+            <p:ph type="sldImg"/>
+          </p:nvPr>
+        </p:nvSpPr>
+        <p:spPr/>
+      </p:sp>
+      <p:sp>
+        <p:nvSpPr>
+          <p:cNvPr id="3" name="Notes Placeholder 2"/>
+          <p:cNvSpPr>
+            <a:spLocks noGrp="1"/>
+          </p:cNvSpPr>
+          <p:nvPr>
+            <p:ph type="body" idx="1"/>
+          </p:nvPr>
+        </p:nvSpPr>
+        <p:spPr/>
+        <p:txBody>
+          <a:bodyPr/>
+          <a:lstStyle/>
+          <a:p>
+            <a:endParaRPr lang="en-GB" dirty="0"/>
+          </a:p>
+        </p:txBody>
+      </p:sp>
+      <p:sp>
+        <p:nvSpPr>
+          <p:cNvPr id="4" name="Slide Number Placeholder 3"/>
+          <p:cNvSpPr>
+            <a:spLocks noGrp="1"/>
+          </p:cNvSpPr>
+          <p:nvPr>
+            <p:ph type="sldNum" sz="quarter" idx="10"/>
+          </p:nvPr>
+        </p:nvSpPr>
+        <p:spPr/>
+        <p:txBody>
+          <a:bodyPr/>
+          <a:lstStyle/>
+          <a:p>
+            <a:fld id="{1C811BE7-51AF-BD41-88D3-08D74CFB37BF}" type="slidenum">
+              <a:rPr lang="en-GB" smtClean="0"/>
+              <a:pPr/>
+              <a:t>54</a:t>
             </a:fld>
             <a:endParaRPr lang="en-GB"/>
           </a:p>
@@ -19256,7 +19424,7 @@
       </p:grpSpPr>
       <p:sp>
         <p:nvSpPr>
-          <p:cNvPr id="5" name="Title 4"/>
+          <p:cNvPr id="2" name="Title 1"/>
           <p:cNvSpPr>
             <a:spLocks noGrp="1"/>
           </p:cNvSpPr>
@@ -19264,27 +19432,22 @@
             <p:ph type="title"/>
           </p:nvPr>
         </p:nvSpPr>
-        <p:spPr>
-          <a:xfrm>
-            <a:off x="0" y="7938"/>
-            <a:ext cx="9144000" cy="1143000"/>
-          </a:xfrm>
-        </p:spPr>
+        <p:spPr/>
         <p:txBody>
           <a:bodyPr/>
           <a:lstStyle/>
           <a:p>
             <a:r>
-              <a:rPr lang="en-GB" sz="3600" dirty="0" smtClean="0"/>
-              <a:t>Going beyond index constraint checking</a:t>
-            </a:r>
-            <a:endParaRPr lang="en-GB" sz="3600" dirty="0"/>
+              <a:rPr lang="en-GB" dirty="0" smtClean="0"/>
+              <a:t>CG ABFT exercise</a:t>
+            </a:r>
+            <a:endParaRPr lang="en-GB" dirty="0"/>
           </a:p>
         </p:txBody>
       </p:sp>
       <p:sp>
         <p:nvSpPr>
-          <p:cNvPr id="6" name="Content Placeholder 5"/>
+          <p:cNvPr id="3" name="Content Placeholder 2"/>
           <p:cNvSpPr>
             <a:spLocks noGrp="1"/>
           </p:cNvSpPr>
@@ -19297,69 +19460,102 @@
           <a:bodyPr/>
           <a:lstStyle/>
           <a:p>
-            <a:pPr marL="0" indent="0">
-              <a:buNone/>
-            </a:pPr>
-            <a:r>
-              <a:rPr lang="en-GB" b="1" dirty="0" smtClean="0"/>
-              <a:t>Advantages</a:t>
-            </a:r>
             <a:r>
               <a:rPr lang="en-GB" dirty="0" smtClean="0"/>
-              <a:t> of approach:</a:t>
+              <a:t>We provide a simple sparse CG solver</a:t>
             </a:r>
           </a:p>
           <a:p>
             <a:r>
               <a:rPr lang="en-GB" dirty="0" smtClean="0"/>
-              <a:t>Fast to test, enables some correction</a:t>
+              <a:t>Check that you can build and run the code</a:t>
+            </a:r>
+          </a:p>
+          <a:p>
+            <a:pPr lvl="1"/>
+            <a:r>
+              <a:rPr lang="en-GB" dirty="0" smtClean="0">
+                <a:latin typeface="Courier New"/>
+                <a:cs typeface="Courier New"/>
+              </a:rPr>
+              <a:t>cd CG</a:t>
+            </a:r>
+          </a:p>
+          <a:p>
+            <a:pPr lvl="1"/>
+            <a:r>
+              <a:rPr lang="en-GB" dirty="0" smtClean="0">
+                <a:latin typeface="Courier New"/>
+                <a:cs typeface="Courier New"/>
+              </a:rPr>
+              <a:t>make</a:t>
+            </a:r>
+            <a:r>
+              <a:rPr lang="en-GB" dirty="0" smtClean="0">
+                <a:cs typeface="Courier New"/>
+              </a:rPr>
+              <a:t> (first run will download a matrix file)</a:t>
+            </a:r>
+          </a:p>
+          <a:p>
+            <a:pPr lvl="1"/>
+            <a:r>
+              <a:rPr lang="en-GB" dirty="0" smtClean="0">
+                <a:latin typeface="Courier New"/>
+                <a:cs typeface="Courier New"/>
+              </a:rPr>
+              <a:t>./cg</a:t>
             </a:r>
           </a:p>
           <a:p>
             <a:r>
               <a:rPr lang="en-GB" dirty="0" smtClean="0"/>
-              <a:t>Software implementation</a:t>
-            </a:r>
-          </a:p>
-          <a:p>
+              <a:t>Try injecting a bit-flip with the ‘</a:t>
+            </a:r>
+            <a:r>
+              <a:rPr lang="en-GB" dirty="0" smtClean="0">
+                <a:latin typeface="Courier New"/>
+                <a:cs typeface="Courier New"/>
+              </a:rPr>
+              <a:t>–x</a:t>
+            </a:r>
             <a:r>
               <a:rPr lang="en-GB" dirty="0" smtClean="0"/>
-              <a:t>Catches majority of SDCs in index bits in a </a:t>
-            </a:r>
-            <a:r>
-              <a:rPr lang="en-GB" i="1" dirty="0" smtClean="0"/>
-              <a:t>fine-grained in time and space </a:t>
-            </a:r>
+              <a:t>’ flag</a:t>
+            </a:r>
+          </a:p>
+          <a:p>
+            <a:pPr lvl="1"/>
             <a:r>
               <a:rPr lang="en-GB" dirty="0" smtClean="0"/>
-              <a:t>manner</a:t>
-            </a:r>
-          </a:p>
-          <a:p>
-            <a:pPr marL="0" indent="0">
-              <a:buNone/>
-            </a:pPr>
-            <a:r>
-              <a:rPr lang="en-GB" b="1" dirty="0" smtClean="0"/>
-              <a:t>Disadvantages</a:t>
-            </a:r>
+              <a:t>How often does it affect the result?</a:t>
+            </a:r>
+          </a:p>
+          <a:p>
+            <a:pPr lvl="1"/>
             <a:r>
               <a:rPr lang="en-GB" dirty="0" smtClean="0"/>
-              <a:t>:</a:t>
-            </a:r>
-          </a:p>
-          <a:p>
+              <a:t>Does it ever crash?</a:t>
+            </a:r>
+          </a:p>
+          <a:p>
+            <a:pPr lvl="1"/>
             <a:r>
               <a:rPr lang="en-GB" dirty="0" smtClean="0"/>
-              <a:t>Doesn't catch all index bit errors</a:t>
-            </a:r>
-          </a:p>
-          <a:p>
+              <a:t>Add a number to flip multiple bits (e.g. ‘</a:t>
+            </a:r>
+            <a:r>
+              <a:rPr lang="en-GB" dirty="0" smtClean="0">
+                <a:latin typeface="Courier New"/>
+                <a:cs typeface="Courier New"/>
+              </a:rPr>
+              <a:t>-x 3</a:t>
+            </a:r>
             <a:r>
               <a:rPr lang="en-GB" dirty="0" smtClean="0"/>
-              <a:t>Only protects the indices, not the data</a:t>
-            </a:r>
-            <a:endParaRPr lang="en-GB" dirty="0"/>
+              <a:t>’)</a:t>
+            </a:r>
+            <a:endParaRPr lang="en-GB" dirty="0" smtClean="0"/>
           </a:p>
         </p:txBody>
       </p:sp>
@@ -19378,14 +19574,9 @@
           <a:bodyPr/>
           <a:lstStyle/>
           <a:p>
-            <a:pPr>
-              <a:defRPr/>
-            </a:pPr>
-            <a:fld id="{F5CCE775-1CB5-9645-BC31-0C9A1338C32A}" type="slidenum">
+            <a:fld id="{D9B8CB04-7B95-2844-BD15-B133C35E4786}" type="slidenum">
               <a:rPr lang="en-GB" smtClean="0"/>
-              <a:pPr>
-                <a:defRPr/>
-              </a:pPr>
+              <a:pPr/>
               <a:t>17</a:t>
             </a:fld>
             <a:endParaRPr lang="en-GB"/>
@@ -19395,7 +19586,7 @@
     </p:spTree>
     <p:extLst>
       <p:ext uri="{BB962C8B-B14F-4D97-AF65-F5344CB8AC3E}">
-        <p14:creationId xmlns:p14="http://schemas.microsoft.com/office/powerpoint/2010/main" val="1389268218"/>
+        <p14:creationId xmlns:p14="http://schemas.microsoft.com/office/powerpoint/2010/main" val="721593377"/>
       </p:ext>
     </p:extLst>
   </p:cSld>
@@ -19439,6 +19630,587 @@
       </p:grpSpPr>
       <p:sp>
         <p:nvSpPr>
+          <p:cNvPr id="2" name="Title 1"/>
+          <p:cNvSpPr>
+            <a:spLocks noGrp="1"/>
+          </p:cNvSpPr>
+          <p:nvPr>
+            <p:ph type="title"/>
+          </p:nvPr>
+        </p:nvSpPr>
+        <p:spPr/>
+        <p:txBody>
+          <a:bodyPr/>
+          <a:lstStyle/>
+          <a:p>
+            <a:r>
+              <a:rPr lang="en-GB" dirty="0" smtClean="0"/>
+              <a:t>CG ABFT exercise</a:t>
+            </a:r>
+            <a:endParaRPr lang="en-GB" dirty="0"/>
+          </a:p>
+        </p:txBody>
+      </p:sp>
+      <p:sp>
+        <p:nvSpPr>
+          <p:cNvPr id="3" name="Content Placeholder 2"/>
+          <p:cNvSpPr>
+            <a:spLocks noGrp="1"/>
+          </p:cNvSpPr>
+          <p:nvPr>
+            <p:ph idx="1"/>
+          </p:nvPr>
+        </p:nvSpPr>
+        <p:spPr>
+          <a:xfrm>
+            <a:off x="279400" y="1270000"/>
+            <a:ext cx="8648700" cy="4813300"/>
+          </a:xfrm>
+        </p:spPr>
+        <p:txBody>
+          <a:bodyPr/>
+          <a:lstStyle/>
+          <a:p>
+            <a:r>
+              <a:rPr lang="en-GB" dirty="0" smtClean="0"/>
+              <a:t>Try the solution that implements the index constraints checking scheme that we’ve described</a:t>
+            </a:r>
+          </a:p>
+          <a:p>
+            <a:pPr lvl="1"/>
+            <a:r>
+              <a:rPr lang="en-GB" dirty="0" smtClean="0">
+                <a:latin typeface="Courier New"/>
+                <a:cs typeface="Courier New"/>
+              </a:rPr>
+              <a:t>./cg-constraints</a:t>
+            </a:r>
+            <a:r>
+              <a:rPr lang="en-GB" dirty="0" smtClean="0"/>
+              <a:t> (</a:t>
+            </a:r>
+            <a:r>
+              <a:rPr lang="en-GB" dirty="0" err="1" smtClean="0">
+                <a:latin typeface="Courier New"/>
+                <a:cs typeface="Courier New"/>
+              </a:rPr>
+              <a:t>spmv-constraints.c</a:t>
+            </a:r>
+            <a:r>
+              <a:rPr lang="en-GB" dirty="0" smtClean="0"/>
+              <a:t>)</a:t>
+            </a:r>
+            <a:endParaRPr lang="en-GB" dirty="0" smtClean="0"/>
+          </a:p>
+          <a:p>
+            <a:pPr lvl="1"/>
+            <a:r>
+              <a:rPr lang="en-GB" dirty="0" smtClean="0"/>
+              <a:t>How often does this catch the error?</a:t>
+            </a:r>
+          </a:p>
+          <a:p>
+            <a:pPr lvl="1"/>
+            <a:r>
+              <a:rPr lang="en-GB" dirty="0" smtClean="0"/>
+              <a:t>You can restrict the bit-flip to the indices by using ‘</a:t>
+            </a:r>
+            <a:r>
+              <a:rPr lang="en-GB" dirty="0" smtClean="0">
+                <a:latin typeface="Courier New"/>
+                <a:cs typeface="Courier New"/>
+              </a:rPr>
+              <a:t>–x INDEX</a:t>
+            </a:r>
+            <a:r>
+              <a:rPr lang="en-GB" dirty="0" smtClean="0"/>
+              <a:t>’</a:t>
+            </a:r>
+          </a:p>
+          <a:p>
+            <a:r>
+              <a:rPr lang="en-GB" b="1" dirty="0" smtClean="0">
+                <a:solidFill>
+                  <a:srgbClr val="0000FF"/>
+                </a:solidFill>
+              </a:rPr>
+              <a:t>OR</a:t>
+            </a:r>
+            <a:r>
+              <a:rPr lang="en-GB" dirty="0" smtClean="0"/>
+              <a:t>, try implementing </a:t>
+            </a:r>
+            <a:r>
+              <a:rPr lang="en-GB" smtClean="0"/>
+              <a:t>the index constraints </a:t>
+            </a:r>
+            <a:r>
+              <a:rPr lang="en-GB" dirty="0" smtClean="0"/>
+              <a:t>scheme yourself!</a:t>
+            </a:r>
+            <a:endParaRPr lang="en-GB" dirty="0" smtClean="0"/>
+          </a:p>
+        </p:txBody>
+      </p:sp>
+      <p:sp>
+        <p:nvSpPr>
+          <p:cNvPr id="4" name="Slide Number Placeholder 3"/>
+          <p:cNvSpPr>
+            <a:spLocks noGrp="1"/>
+          </p:cNvSpPr>
+          <p:nvPr>
+            <p:ph type="sldNum" sz="quarter" idx="10"/>
+          </p:nvPr>
+        </p:nvSpPr>
+        <p:spPr/>
+        <p:txBody>
+          <a:bodyPr/>
+          <a:lstStyle/>
+          <a:p>
+            <a:fld id="{D9B8CB04-7B95-2844-BD15-B133C35E4786}" type="slidenum">
+              <a:rPr lang="en-GB" smtClean="0"/>
+              <a:pPr/>
+              <a:t>18</a:t>
+            </a:fld>
+            <a:endParaRPr lang="en-GB"/>
+          </a:p>
+        </p:txBody>
+      </p:sp>
+    </p:spTree>
+    <p:extLst>
+      <p:ext uri="{BB962C8B-B14F-4D97-AF65-F5344CB8AC3E}">
+        <p14:creationId xmlns:p14="http://schemas.microsoft.com/office/powerpoint/2010/main" val="1523689724"/>
+      </p:ext>
+    </p:extLst>
+  </p:cSld>
+  <p:clrMapOvr>
+    <a:masterClrMapping/>
+  </p:clrMapOvr>
+  <mc:AlternateContent xmlns:mc="http://schemas.openxmlformats.org/markup-compatibility/2006" xmlns:p14="http://schemas.microsoft.com/office/powerpoint/2010/main">
+    <mc:Choice Requires="p14">
+      <p:transition spd="slow" p14:dur="2000"/>
+    </mc:Choice>
+    <mc:Fallback xmlns="">
+      <p:transition xmlns:p14="http://schemas.microsoft.com/office/powerpoint/2010/main" spd="slow"/>
+    </mc:Fallback>
+  </mc:AlternateContent>
+  <p:timing>
+    <p:tnLst>
+      <p:par>
+        <p:cTn xmlns:p14="http://schemas.microsoft.com/office/powerpoint/2010/main" id="1" dur="indefinite" restart="never" nodeType="tmRoot"/>
+      </p:par>
+    </p:tnLst>
+  </p:timing>
+</p:sld>
+</file>
+
+<file path=ppt/slides/slide19.xml><?xml version="1.0" encoding="utf-8"?>
+<p:sld xmlns:a="http://schemas.openxmlformats.org/drawingml/2006/main" xmlns:r="http://schemas.openxmlformats.org/officeDocument/2006/relationships" xmlns:p="http://schemas.openxmlformats.org/presentationml/2006/main">
+  <p:cSld>
+    <p:spTree>
+      <p:nvGrpSpPr>
+        <p:cNvPr id="1" name=""/>
+        <p:cNvGrpSpPr/>
+        <p:nvPr/>
+      </p:nvGrpSpPr>
+      <p:grpSpPr>
+        <a:xfrm>
+          <a:off x="0" y="0"/>
+          <a:ext cx="0" cy="0"/>
+          <a:chOff x="0" y="0"/>
+          <a:chExt cx="0" cy="0"/>
+        </a:xfrm>
+      </p:grpSpPr>
+      <p:sp>
+        <p:nvSpPr>
+          <p:cNvPr id="5" name="Title 4"/>
+          <p:cNvSpPr>
+            <a:spLocks noGrp="1"/>
+          </p:cNvSpPr>
+          <p:nvPr>
+            <p:ph type="title"/>
+          </p:nvPr>
+        </p:nvSpPr>
+        <p:spPr>
+          <a:xfrm>
+            <a:off x="0" y="7938"/>
+            <a:ext cx="9144000" cy="1143000"/>
+          </a:xfrm>
+        </p:spPr>
+        <p:txBody>
+          <a:bodyPr/>
+          <a:lstStyle/>
+          <a:p>
+            <a:r>
+              <a:rPr lang="en-GB" sz="3600" dirty="0" smtClean="0"/>
+              <a:t>Going beyond index constraint checking</a:t>
+            </a:r>
+            <a:endParaRPr lang="en-GB" sz="3600" dirty="0"/>
+          </a:p>
+        </p:txBody>
+      </p:sp>
+      <p:sp>
+        <p:nvSpPr>
+          <p:cNvPr id="6" name="Content Placeholder 5"/>
+          <p:cNvSpPr>
+            <a:spLocks noGrp="1"/>
+          </p:cNvSpPr>
+          <p:nvPr>
+            <p:ph idx="1"/>
+          </p:nvPr>
+        </p:nvSpPr>
+        <p:spPr/>
+        <p:txBody>
+          <a:bodyPr/>
+          <a:lstStyle/>
+          <a:p>
+            <a:pPr marL="0" indent="0">
+              <a:buNone/>
+            </a:pPr>
+            <a:r>
+              <a:rPr lang="en-GB" b="1" dirty="0" smtClean="0"/>
+              <a:t>Advantages</a:t>
+            </a:r>
+            <a:r>
+              <a:rPr lang="en-GB" dirty="0" smtClean="0"/>
+              <a:t> of approach:</a:t>
+            </a:r>
+          </a:p>
+          <a:p>
+            <a:r>
+              <a:rPr lang="en-GB" dirty="0" smtClean="0"/>
+              <a:t>Fast to test, enables some correction</a:t>
+            </a:r>
+          </a:p>
+          <a:p>
+            <a:r>
+              <a:rPr lang="en-GB" dirty="0" smtClean="0"/>
+              <a:t>Software implementation</a:t>
+            </a:r>
+          </a:p>
+          <a:p>
+            <a:r>
+              <a:rPr lang="en-GB" dirty="0" smtClean="0"/>
+              <a:t>Catches majority of SDCs in index bits in a </a:t>
+            </a:r>
+            <a:r>
+              <a:rPr lang="en-GB" i="1" dirty="0" smtClean="0"/>
+              <a:t>fine-grained in time and space </a:t>
+            </a:r>
+            <a:r>
+              <a:rPr lang="en-GB" dirty="0" smtClean="0"/>
+              <a:t>manner</a:t>
+            </a:r>
+          </a:p>
+          <a:p>
+            <a:pPr marL="0" indent="0">
+              <a:buNone/>
+            </a:pPr>
+            <a:r>
+              <a:rPr lang="en-GB" b="1" dirty="0" smtClean="0"/>
+              <a:t>Disadvantages</a:t>
+            </a:r>
+            <a:r>
+              <a:rPr lang="en-GB" dirty="0" smtClean="0"/>
+              <a:t>:</a:t>
+            </a:r>
+          </a:p>
+          <a:p>
+            <a:r>
+              <a:rPr lang="en-GB" dirty="0" smtClean="0"/>
+              <a:t>Doesn't catch all index bit errors</a:t>
+            </a:r>
+          </a:p>
+          <a:p>
+            <a:r>
+              <a:rPr lang="en-GB" dirty="0" smtClean="0"/>
+              <a:t>Only protects the indices, not the data</a:t>
+            </a:r>
+            <a:endParaRPr lang="en-GB" dirty="0"/>
+          </a:p>
+        </p:txBody>
+      </p:sp>
+      <p:sp>
+        <p:nvSpPr>
+          <p:cNvPr id="4" name="Slide Number Placeholder 3"/>
+          <p:cNvSpPr>
+            <a:spLocks noGrp="1"/>
+          </p:cNvSpPr>
+          <p:nvPr>
+            <p:ph type="sldNum" sz="quarter" idx="10"/>
+          </p:nvPr>
+        </p:nvSpPr>
+        <p:spPr/>
+        <p:txBody>
+          <a:bodyPr/>
+          <a:lstStyle/>
+          <a:p>
+            <a:pPr>
+              <a:defRPr/>
+            </a:pPr>
+            <a:fld id="{F5CCE775-1CB5-9645-BC31-0C9A1338C32A}" type="slidenum">
+              <a:rPr lang="en-GB" smtClean="0"/>
+              <a:pPr>
+                <a:defRPr/>
+              </a:pPr>
+              <a:t>19</a:t>
+            </a:fld>
+            <a:endParaRPr lang="en-GB"/>
+          </a:p>
+        </p:txBody>
+      </p:sp>
+    </p:spTree>
+    <p:extLst>
+      <p:ext uri="{BB962C8B-B14F-4D97-AF65-F5344CB8AC3E}">
+        <p14:creationId xmlns:p14="http://schemas.microsoft.com/office/powerpoint/2010/main" val="1389268218"/>
+      </p:ext>
+    </p:extLst>
+  </p:cSld>
+  <p:clrMapOvr>
+    <a:masterClrMapping/>
+  </p:clrMapOvr>
+  <mc:AlternateContent xmlns:mc="http://schemas.openxmlformats.org/markup-compatibility/2006" xmlns:p14="http://schemas.microsoft.com/office/powerpoint/2010/main">
+    <mc:Choice Requires="p14">
+      <p:transition spd="slow" p14:dur="2000"/>
+    </mc:Choice>
+    <mc:Fallback xmlns="">
+      <p:transition xmlns:p14="http://schemas.microsoft.com/office/powerpoint/2010/main" spd="slow"/>
+    </mc:Fallback>
+  </mc:AlternateContent>
+  <p:timing>
+    <p:tnLst>
+      <p:par>
+        <p:cTn xmlns:p14="http://schemas.microsoft.com/office/powerpoint/2010/main" id="1" dur="indefinite" restart="never" nodeType="tmRoot"/>
+      </p:par>
+    </p:tnLst>
+  </p:timing>
+</p:sld>
+</file>
+
+<file path=ppt/slides/slide2.xml><?xml version="1.0" encoding="utf-8"?>
+<p:sld xmlns:a="http://schemas.openxmlformats.org/drawingml/2006/main" xmlns:r="http://schemas.openxmlformats.org/officeDocument/2006/relationships" xmlns:p="http://schemas.openxmlformats.org/presentationml/2006/main">
+  <p:cSld>
+    <p:spTree>
+      <p:nvGrpSpPr>
+        <p:cNvPr id="1" name=""/>
+        <p:cNvGrpSpPr/>
+        <p:nvPr/>
+      </p:nvGrpSpPr>
+      <p:grpSpPr>
+        <a:xfrm>
+          <a:off x="0" y="0"/>
+          <a:ext cx="0" cy="0"/>
+          <a:chOff x="0" y="0"/>
+          <a:chExt cx="0" cy="0"/>
+        </a:xfrm>
+      </p:grpSpPr>
+      <p:sp>
+        <p:nvSpPr>
+          <p:cNvPr id="2" name="Title 1"/>
+          <p:cNvSpPr>
+            <a:spLocks noGrp="1"/>
+          </p:cNvSpPr>
+          <p:nvPr>
+            <p:ph type="title"/>
+          </p:nvPr>
+        </p:nvSpPr>
+        <p:spPr/>
+        <p:txBody>
+          <a:bodyPr/>
+          <a:lstStyle/>
+          <a:p>
+            <a:r>
+              <a:rPr lang="en-GB" dirty="0" smtClean="0"/>
+              <a:t>Sparse linear solvers</a:t>
+            </a:r>
+            <a:endParaRPr lang="en-GB" dirty="0"/>
+          </a:p>
+        </p:txBody>
+      </p:sp>
+      <p:sp>
+        <p:nvSpPr>
+          <p:cNvPr id="3" name="Content Placeholder 2"/>
+          <p:cNvSpPr>
+            <a:spLocks noGrp="1"/>
+          </p:cNvSpPr>
+          <p:nvPr>
+            <p:ph idx="1"/>
+          </p:nvPr>
+        </p:nvSpPr>
+        <p:spPr/>
+        <p:txBody>
+          <a:bodyPr/>
+          <a:lstStyle/>
+          <a:p>
+            <a:r>
+              <a:rPr lang="en-GB" dirty="0" smtClean="0"/>
+              <a:t>Often need to solve large systems of linear equations</a:t>
+            </a:r>
+          </a:p>
+          <a:p>
+            <a:pPr lvl="1"/>
+            <a:r>
+              <a:rPr lang="en-GB" dirty="0" smtClean="0"/>
+              <a:t>Finite difference / finite element methods</a:t>
+            </a:r>
+          </a:p>
+          <a:p>
+            <a:pPr lvl="1"/>
+            <a:r>
+              <a:rPr lang="en-GB" dirty="0" smtClean="0"/>
+              <a:t>Structural analysis</a:t>
+            </a:r>
+          </a:p>
+          <a:p>
+            <a:pPr lvl="1"/>
+            <a:r>
+              <a:rPr lang="en-GB" dirty="0" smtClean="0"/>
+              <a:t>Circuit analysis</a:t>
+            </a:r>
+          </a:p>
+          <a:p>
+            <a:r>
+              <a:rPr lang="en-GB" dirty="0" smtClean="0"/>
+              <a:t>Typically solving systems of the form:</a:t>
+            </a:r>
+          </a:p>
+          <a:p>
+            <a:pPr marL="457200" lvl="1" indent="0">
+              <a:buNone/>
+            </a:pPr>
+            <a:r>
+              <a:rPr lang="en-GB" b="1" i="1" dirty="0" smtClean="0"/>
+              <a:t>      </a:t>
+            </a:r>
+            <a:r>
+              <a:rPr lang="en-GB" b="1" i="1" dirty="0" err="1" smtClean="0">
+                <a:solidFill>
+                  <a:srgbClr val="0000FF"/>
+                </a:solidFill>
+              </a:rPr>
+              <a:t>Ax</a:t>
+            </a:r>
+            <a:r>
+              <a:rPr lang="en-GB" b="1" i="1" dirty="0" smtClean="0">
+                <a:solidFill>
+                  <a:srgbClr val="0000FF"/>
+                </a:solidFill>
+              </a:rPr>
+              <a:t> = b</a:t>
+            </a:r>
+          </a:p>
+          <a:p>
+            <a:pPr marL="857250" lvl="2" indent="0">
+              <a:buNone/>
+            </a:pPr>
+            <a:r>
+              <a:rPr lang="en-GB" dirty="0" smtClean="0"/>
+              <a:t>Where </a:t>
+            </a:r>
+            <a:r>
+              <a:rPr lang="en-GB" b="1" i="1" dirty="0" smtClean="0">
+                <a:solidFill>
+                  <a:srgbClr val="0000FF"/>
+                </a:solidFill>
+              </a:rPr>
+              <a:t>A</a:t>
+            </a:r>
+            <a:r>
+              <a:rPr lang="en-GB" dirty="0" smtClean="0"/>
+              <a:t> is a known matrix, </a:t>
+            </a:r>
+            <a:r>
+              <a:rPr lang="en-GB" b="1" i="1" dirty="0" smtClean="0">
+                <a:solidFill>
+                  <a:srgbClr val="0000FF"/>
+                </a:solidFill>
+              </a:rPr>
+              <a:t>b</a:t>
+            </a:r>
+            <a:r>
+              <a:rPr lang="en-GB" dirty="0" smtClean="0"/>
+              <a:t> is a known vector, and </a:t>
+            </a:r>
+            <a:r>
+              <a:rPr lang="en-GB" b="1" i="1" dirty="0" smtClean="0">
+                <a:solidFill>
+                  <a:srgbClr val="0000FF"/>
+                </a:solidFill>
+              </a:rPr>
+              <a:t>x</a:t>
+            </a:r>
+            <a:r>
+              <a:rPr lang="en-GB" dirty="0" smtClean="0"/>
+              <a:t> is the unknown vector that we wish to compute</a:t>
+            </a:r>
+            <a:endParaRPr lang="en-GB" dirty="0"/>
+          </a:p>
+        </p:txBody>
+      </p:sp>
+      <p:sp>
+        <p:nvSpPr>
+          <p:cNvPr id="4" name="Slide Number Placeholder 3"/>
+          <p:cNvSpPr>
+            <a:spLocks noGrp="1"/>
+          </p:cNvSpPr>
+          <p:nvPr>
+            <p:ph type="sldNum" sz="quarter" idx="10"/>
+          </p:nvPr>
+        </p:nvSpPr>
+        <p:spPr/>
+        <p:txBody>
+          <a:bodyPr/>
+          <a:lstStyle/>
+          <a:p>
+            <a:fld id="{D9B8CB04-7B95-2844-BD15-B133C35E4786}" type="slidenum">
+              <a:rPr lang="en-GB" smtClean="0"/>
+              <a:pPr/>
+              <a:t>2</a:t>
+            </a:fld>
+            <a:endParaRPr lang="en-GB"/>
+          </a:p>
+        </p:txBody>
+      </p:sp>
+    </p:spTree>
+    <p:extLst>
+      <p:ext uri="{BB962C8B-B14F-4D97-AF65-F5344CB8AC3E}">
+        <p14:creationId xmlns:p14="http://schemas.microsoft.com/office/powerpoint/2010/main" val="1135038595"/>
+      </p:ext>
+    </p:extLst>
+  </p:cSld>
+  <p:clrMapOvr>
+    <a:masterClrMapping/>
+  </p:clrMapOvr>
+  <mc:AlternateContent xmlns:mc="http://schemas.openxmlformats.org/markup-compatibility/2006" xmlns:p14="http://schemas.microsoft.com/office/powerpoint/2010/main">
+    <mc:Choice Requires="p14">
+      <p:transition spd="slow" p14:dur="2000"/>
+    </mc:Choice>
+    <mc:Fallback xmlns="">
+      <p:transition xmlns:p14="http://schemas.microsoft.com/office/powerpoint/2010/main" spd="slow"/>
+    </mc:Fallback>
+  </mc:AlternateContent>
+</p:sld>
+</file>
+
+<file path=ppt/slides/slide20.xml><?xml version="1.0" encoding="utf-8"?>
+<p:sld xmlns:a="http://schemas.openxmlformats.org/drawingml/2006/main" xmlns:r="http://schemas.openxmlformats.org/officeDocument/2006/relationships" xmlns:p="http://schemas.openxmlformats.org/presentationml/2006/main">
+  <p:cSld>
+    <p:spTree>
+      <p:nvGrpSpPr>
+        <p:cNvPr id="1" name=""/>
+        <p:cNvGrpSpPr/>
+        <p:nvPr/>
+      </p:nvGrpSpPr>
+      <p:grpSpPr>
+        <a:xfrm>
+          <a:off x="0" y="0"/>
+          <a:ext cx="0" cy="0"/>
+          <a:chOff x="0" y="0"/>
+          <a:chExt cx="0" cy="0"/>
+        </a:xfrm>
+      </p:grpSpPr>
+      <p:sp>
+        <p:nvSpPr>
           <p:cNvPr id="5" name="Title 4"/>
           <p:cNvSpPr>
             <a:spLocks noGrp="1"/>
@@ -19553,7 +20325,7 @@
               <a:pPr>
                 <a:defRPr/>
               </a:pPr>
-              <a:t>18</a:t>
+              <a:t>20</a:t>
             </a:fld>
             <a:endParaRPr lang="en-GB"/>
           </a:p>
@@ -19735,7 +20507,7 @@
 </p:sld>
 </file>
 
-<file path=ppt/slides/slide19.xml><?xml version="1.0" encoding="utf-8"?>
+<file path=ppt/slides/slide21.xml><?xml version="1.0" encoding="utf-8"?>
 <p:sld xmlns:a="http://schemas.openxmlformats.org/drawingml/2006/main" xmlns:r="http://schemas.openxmlformats.org/officeDocument/2006/relationships" xmlns:p="http://schemas.openxmlformats.org/presentationml/2006/main">
   <p:cSld>
     <p:spTree>
@@ -19884,7 +20656,7 @@
               <a:pPr>
                 <a:defRPr/>
               </a:pPr>
-              <a:t>19</a:t>
+              <a:t>21</a:t>
             </a:fld>
             <a:endParaRPr lang="en-GB"/>
           </a:p>
@@ -20420,7 +21192,7 @@
 </p:sld>
 </file>
 
-<file path=ppt/slides/slide2.xml><?xml version="1.0" encoding="utf-8"?>
+<file path=ppt/slides/slide22.xml><?xml version="1.0" encoding="utf-8"?>
 <p:sld xmlns:a="http://schemas.openxmlformats.org/drawingml/2006/main" xmlns:r="http://schemas.openxmlformats.org/officeDocument/2006/relationships" xmlns:p="http://schemas.openxmlformats.org/presentationml/2006/main">
   <p:cSld>
     <p:spTree>
@@ -20454,7 +21226,7 @@
           <a:p>
             <a:r>
               <a:rPr lang="en-GB" dirty="0" smtClean="0"/>
-              <a:t>Sparse linear solvers</a:t>
+              <a:t>Parity bits</a:t>
             </a:r>
             <a:endParaRPr lang="en-GB" dirty="0"/>
           </a:p>
@@ -20476,107 +21248,100 @@
           <a:lstStyle/>
           <a:p>
             <a:r>
-              <a:rPr lang="en-GB" dirty="0" smtClean="0"/>
-              <a:t>Often need to solve large systems of linear equations</a:t>
+              <a:rPr lang="en-GB" sz="2600" dirty="0" smtClean="0"/>
+              <a:t>Add an extra bit to data (or repurpose an unused bit)</a:t>
+            </a:r>
+          </a:p>
+          <a:p>
+            <a:r>
+              <a:rPr lang="en-GB" sz="2600" dirty="0" smtClean="0"/>
+              <a:t>Count number of ‘1’ bits in data</a:t>
             </a:r>
           </a:p>
           <a:p>
             <a:pPr lvl="1"/>
             <a:r>
-              <a:rPr lang="en-GB" dirty="0" smtClean="0"/>
-              <a:t>Finite difference / finite element methods</a:t>
+              <a:rPr lang="en-GB" sz="2600" dirty="0" smtClean="0"/>
+              <a:t>If odd number, set parity bit to ‘1’</a:t>
             </a:r>
           </a:p>
           <a:p>
             <a:pPr lvl="1"/>
             <a:r>
-              <a:rPr lang="en-GB" dirty="0" smtClean="0"/>
-              <a:t>Structural analysis</a:t>
+              <a:rPr lang="en-GB" sz="2600" dirty="0" smtClean="0"/>
+              <a:t>If even number, set parity bit to ‘0’</a:t>
             </a:r>
           </a:p>
           <a:p>
             <a:pPr lvl="1"/>
             <a:r>
-              <a:rPr lang="en-GB" dirty="0" smtClean="0"/>
-              <a:t>Circuit analysis</a:t>
-            </a:r>
-          </a:p>
-          <a:p>
-            <a:r>
-              <a:rPr lang="en-GB" dirty="0" smtClean="0"/>
-              <a:t>Typically solving systems of the form:</a:t>
-            </a:r>
-          </a:p>
-          <a:p>
-            <a:pPr marL="457200" lvl="1" indent="0">
-              <a:buNone/>
-            </a:pPr>
-            <a:r>
-              <a:rPr lang="en-GB" b="1" i="1" dirty="0" smtClean="0"/>
-              <a:t>      </a:t>
-            </a:r>
-            <a:r>
-              <a:rPr lang="en-GB" b="1" i="1" dirty="0" err="1" smtClean="0">
+              <a:rPr lang="en-GB" sz="2600" dirty="0" smtClean="0"/>
+              <a:t>This is known as </a:t>
+            </a:r>
+            <a:r>
+              <a:rPr lang="en-GB" sz="2600" b="1" i="1" dirty="0" smtClean="0"/>
+              <a:t>even</a:t>
+            </a:r>
+            <a:r>
+              <a:rPr lang="en-GB" sz="2600" dirty="0" smtClean="0"/>
+              <a:t> parity</a:t>
+            </a:r>
+          </a:p>
+          <a:p>
+            <a:r>
+              <a:rPr lang="en-GB" sz="2600" dirty="0" smtClean="0"/>
+              <a:t>Can </a:t>
+            </a:r>
+            <a:r>
+              <a:rPr lang="en-GB" sz="2600" b="1" dirty="0" smtClean="0">
                 <a:solidFill>
                   <a:srgbClr val="0000FF"/>
                 </a:solidFill>
               </a:rPr>
-              <a:t>Ax</a:t>
-            </a:r>
-            <a:r>
-              <a:rPr lang="en-GB" b="1" i="1" dirty="0" smtClean="0">
+              <a:t>detect</a:t>
+            </a:r>
+            <a:r>
+              <a:rPr lang="en-GB" sz="2600" dirty="0" smtClean="0"/>
+              <a:t> any odd number of bit flips</a:t>
+            </a:r>
+          </a:p>
+          <a:p>
+            <a:r>
+              <a:rPr lang="en-GB" sz="2600" dirty="0" smtClean="0"/>
+              <a:t>Can protect any number of data bits</a:t>
+            </a:r>
+          </a:p>
+          <a:p>
+            <a:r>
+              <a:rPr lang="en-GB" sz="2600" b="1" dirty="0" smtClean="0">
+                <a:solidFill>
+                  <a:srgbClr val="FF0000"/>
+                </a:solidFill>
+              </a:rPr>
+              <a:t>Cannot</a:t>
+            </a:r>
+            <a:r>
+              <a:rPr lang="en-GB" sz="2600" dirty="0" smtClean="0"/>
+              <a:t> correct corrupted data</a:t>
+            </a:r>
+          </a:p>
+          <a:p>
+            <a:r>
+              <a:rPr lang="en-GB" sz="2600" dirty="0" smtClean="0"/>
+              <a:t>This is a </a:t>
+            </a:r>
+            <a:r>
+              <a:rPr lang="en-GB" sz="2600" b="1" dirty="0" smtClean="0">
                 <a:solidFill>
                   <a:srgbClr val="0000FF"/>
                 </a:solidFill>
               </a:rPr>
-              <a:t> = b</a:t>
-            </a:r>
-          </a:p>
-          <a:p>
-            <a:pPr marL="857250" lvl="2" indent="0">
-              <a:buNone/>
-            </a:pPr>
-            <a:r>
-              <a:rPr lang="en-GB" dirty="0" smtClean="0"/>
-              <a:t>Where </a:t>
-            </a:r>
-            <a:r>
-              <a:rPr lang="en-GB" b="1" i="1" dirty="0" smtClean="0">
-                <a:solidFill>
-                  <a:srgbClr val="0000FF"/>
-                </a:solidFill>
-              </a:rPr>
-              <a:t>A</a:t>
-            </a:r>
-            <a:r>
-              <a:rPr lang="en-GB" dirty="0" smtClean="0"/>
-              <a:t> is a known matrix, </a:t>
-            </a:r>
-            <a:r>
-              <a:rPr lang="en-GB" b="1" i="1" dirty="0" smtClean="0">
-                <a:solidFill>
-                  <a:srgbClr val="0000FF"/>
-                </a:solidFill>
-              </a:rPr>
-              <a:t>b</a:t>
-            </a:r>
-            <a:r>
-              <a:rPr lang="en-GB" dirty="0" smtClean="0"/>
-              <a:t> is a known vector, and </a:t>
-            </a:r>
-            <a:r>
-              <a:rPr lang="en-GB" b="1" i="1" dirty="0" smtClean="0">
-                <a:solidFill>
-                  <a:srgbClr val="0000FF"/>
-                </a:solidFill>
-              </a:rPr>
-              <a:t>x</a:t>
-            </a:r>
-            <a:r>
-              <a:rPr lang="en-GB" dirty="0" smtClean="0"/>
-              <a:t> is the unknown vector that we wish to compute</a:t>
-            </a:r>
-            <a:endParaRPr lang="en-GB" dirty="0"/>
+              <a:t>single-error-detect</a:t>
+            </a:r>
+            <a:r>
+              <a:rPr lang="en-GB" sz="2600" dirty="0" smtClean="0"/>
+              <a:t> scheme (SED)</a:t>
+            </a:r>
           </a:p>
         </p:txBody>
       </p:sp>
@@ -20598,205 +21363,7 @@
             <a:fld id="{D9B8CB04-7B95-2844-BD15-B133C35E4786}" type="slidenum">
               <a:rPr lang="en-GB" smtClean="0"/>
               <a:pPr/>
-              <a:t>2</a:t>
-            </a:fld>
-            <a:endParaRPr lang="en-GB"/>
-          </a:p>
-        </p:txBody>
-      </p:sp>
-    </p:spTree>
-    <p:extLst>
-      <p:ext uri="{BB962C8B-B14F-4D97-AF65-F5344CB8AC3E}">
-        <p14:creationId xmlns:p14="http://schemas.microsoft.com/office/powerpoint/2010/main" val="1135038595"/>
-      </p:ext>
-    </p:extLst>
-  </p:cSld>
-  <p:clrMapOvr>
-    <a:masterClrMapping/>
-  </p:clrMapOvr>
-  <mc:AlternateContent xmlns:mc="http://schemas.openxmlformats.org/markup-compatibility/2006" xmlns:p14="http://schemas.microsoft.com/office/powerpoint/2010/main">
-    <mc:Choice Requires="p14">
-      <p:transition spd="slow" p14:dur="2000"/>
-    </mc:Choice>
-    <mc:Fallback xmlns="">
-      <p:transition xmlns:p14="http://schemas.microsoft.com/office/powerpoint/2010/main" spd="slow"/>
-    </mc:Fallback>
-  </mc:AlternateContent>
-</p:sld>
-</file>
-
-<file path=ppt/slides/slide20.xml><?xml version="1.0" encoding="utf-8"?>
-<p:sld xmlns:a="http://schemas.openxmlformats.org/drawingml/2006/main" xmlns:r="http://schemas.openxmlformats.org/officeDocument/2006/relationships" xmlns:p="http://schemas.openxmlformats.org/presentationml/2006/main">
-  <p:cSld>
-    <p:spTree>
-      <p:nvGrpSpPr>
-        <p:cNvPr id="1" name=""/>
-        <p:cNvGrpSpPr/>
-        <p:nvPr/>
-      </p:nvGrpSpPr>
-      <p:grpSpPr>
-        <a:xfrm>
-          <a:off x="0" y="0"/>
-          <a:ext cx="0" cy="0"/>
-          <a:chOff x="0" y="0"/>
-          <a:chExt cx="0" cy="0"/>
-        </a:xfrm>
-      </p:grpSpPr>
-      <p:sp>
-        <p:nvSpPr>
-          <p:cNvPr id="2" name="Title 1"/>
-          <p:cNvSpPr>
-            <a:spLocks noGrp="1"/>
-          </p:cNvSpPr>
-          <p:nvPr>
-            <p:ph type="title"/>
-          </p:nvPr>
-        </p:nvSpPr>
-        <p:spPr/>
-        <p:txBody>
-          <a:bodyPr/>
-          <a:lstStyle/>
-          <a:p>
-            <a:r>
-              <a:rPr lang="en-GB" dirty="0" smtClean="0"/>
-              <a:t>Parity bits</a:t>
-            </a:r>
-            <a:endParaRPr lang="en-GB" dirty="0"/>
-          </a:p>
-        </p:txBody>
-      </p:sp>
-      <p:sp>
-        <p:nvSpPr>
-          <p:cNvPr id="3" name="Content Placeholder 2"/>
-          <p:cNvSpPr>
-            <a:spLocks noGrp="1"/>
-          </p:cNvSpPr>
-          <p:nvPr>
-            <p:ph idx="1"/>
-          </p:nvPr>
-        </p:nvSpPr>
-        <p:spPr/>
-        <p:txBody>
-          <a:bodyPr/>
-          <a:lstStyle/>
-          <a:p>
-            <a:r>
-              <a:rPr lang="en-GB" sz="2600" dirty="0" smtClean="0"/>
-              <a:t>Add an extra bit to data (or repurpose an unused bit)</a:t>
-            </a:r>
-          </a:p>
-          <a:p>
-            <a:r>
-              <a:rPr lang="en-GB" sz="2600" dirty="0" smtClean="0"/>
-              <a:t>Count number of ‘1’ bits in data</a:t>
-            </a:r>
-          </a:p>
-          <a:p>
-            <a:pPr lvl="1"/>
-            <a:r>
-              <a:rPr lang="en-GB" sz="2600" dirty="0" smtClean="0"/>
-              <a:t>If odd number, set parity bit to ‘1’</a:t>
-            </a:r>
-          </a:p>
-          <a:p>
-            <a:pPr lvl="1"/>
-            <a:r>
-              <a:rPr lang="en-GB" sz="2600" dirty="0" smtClean="0"/>
-              <a:t>If even number, set parity bit to ‘0’</a:t>
-            </a:r>
-          </a:p>
-          <a:p>
-            <a:pPr lvl="1"/>
-            <a:r>
-              <a:rPr lang="en-GB" sz="2600" dirty="0" smtClean="0"/>
-              <a:t>This is known as </a:t>
-            </a:r>
-            <a:r>
-              <a:rPr lang="en-GB" sz="2600" b="1" i="1" dirty="0" smtClean="0"/>
-              <a:t>even</a:t>
-            </a:r>
-            <a:r>
-              <a:rPr lang="en-GB" sz="2600" dirty="0" smtClean="0"/>
-              <a:t> parity</a:t>
-            </a:r>
-          </a:p>
-          <a:p>
-            <a:r>
-              <a:rPr lang="en-GB" sz="2600" dirty="0" smtClean="0"/>
-              <a:t>Can </a:t>
-            </a:r>
-            <a:r>
-              <a:rPr lang="en-GB" sz="2600" b="1" dirty="0" smtClean="0">
-                <a:solidFill>
-                  <a:srgbClr val="0000FF"/>
-                </a:solidFill>
-              </a:rPr>
-              <a:t>detect</a:t>
-            </a:r>
-            <a:r>
-              <a:rPr lang="en-GB" sz="2600" dirty="0" smtClean="0"/>
-              <a:t> any odd number of bit flips</a:t>
-            </a:r>
-          </a:p>
-          <a:p>
-            <a:r>
-              <a:rPr lang="en-GB" sz="2600" dirty="0" smtClean="0"/>
-              <a:t>Can protect any number of data bits</a:t>
-            </a:r>
-          </a:p>
-          <a:p>
-            <a:r>
-              <a:rPr lang="en-GB" sz="2600" b="1" dirty="0" smtClean="0">
-                <a:solidFill>
-                  <a:srgbClr val="FF0000"/>
-                </a:solidFill>
-              </a:rPr>
-              <a:t>Cannot</a:t>
-            </a:r>
-            <a:r>
-              <a:rPr lang="en-GB" sz="2600" dirty="0" smtClean="0"/>
-              <a:t> correct corrupted data</a:t>
-            </a:r>
-          </a:p>
-          <a:p>
-            <a:r>
-              <a:rPr lang="en-GB" sz="2600" dirty="0" smtClean="0"/>
-              <a:t>This is a </a:t>
-            </a:r>
-            <a:r>
-              <a:rPr lang="en-GB" sz="2600" b="1" dirty="0" smtClean="0">
-                <a:solidFill>
-                  <a:srgbClr val="0000FF"/>
-                </a:solidFill>
-              </a:rPr>
-              <a:t>single-error-detect</a:t>
-            </a:r>
-            <a:r>
-              <a:rPr lang="en-GB" sz="2600" dirty="0" smtClean="0"/>
-              <a:t> scheme (SED)</a:t>
-            </a:r>
-          </a:p>
-        </p:txBody>
-      </p:sp>
-      <p:sp>
-        <p:nvSpPr>
-          <p:cNvPr id="4" name="Slide Number Placeholder 3"/>
-          <p:cNvSpPr>
-            <a:spLocks noGrp="1"/>
-          </p:cNvSpPr>
-          <p:nvPr>
-            <p:ph type="sldNum" sz="quarter" idx="10"/>
-          </p:nvPr>
-        </p:nvSpPr>
-        <p:spPr/>
-        <p:txBody>
-          <a:bodyPr/>
-          <a:lstStyle/>
-          <a:p>
-            <a:fld id="{D9B8CB04-7B95-2844-BD15-B133C35E4786}" type="slidenum">
-              <a:rPr lang="en-GB" smtClean="0"/>
-              <a:pPr/>
-              <a:t>20</a:t>
+              <a:t>22</a:t>
             </a:fld>
             <a:endParaRPr lang="en-GB"/>
           </a:p>
@@ -20830,7 +21397,7 @@
 </p:sld>
 </file>
 
-<file path=ppt/slides/slide21.xml><?xml version="1.0" encoding="utf-8"?>
+<file path=ppt/slides/slide23.xml><?xml version="1.0" encoding="utf-8"?>
 <p:sld xmlns:a="http://schemas.openxmlformats.org/drawingml/2006/main" xmlns:r="http://schemas.openxmlformats.org/officeDocument/2006/relationships" xmlns:p="http://schemas.openxmlformats.org/presentationml/2006/main">
   <p:cSld>
     <p:spTree>
@@ -20888,7 +21455,7 @@
             <a:fld id="{D9B8CB04-7B95-2844-BD15-B133C35E4786}" type="slidenum">
               <a:rPr lang="en-GB" smtClean="0"/>
               <a:pPr/>
-              <a:t>21</a:t>
+              <a:t>23</a:t>
             </a:fld>
             <a:endParaRPr lang="en-GB"/>
           </a:p>
@@ -23338,929 +23905,6 @@
 </p:sld>
 </file>
 
-<file path=ppt/slides/slide22.xml><?xml version="1.0" encoding="utf-8"?>
-<p:sld xmlns:a="http://schemas.openxmlformats.org/drawingml/2006/main" xmlns:r="http://schemas.openxmlformats.org/officeDocument/2006/relationships" xmlns:p="http://schemas.openxmlformats.org/presentationml/2006/main">
-  <p:cSld>
-    <p:spTree>
-      <p:nvGrpSpPr>
-        <p:cNvPr id="1" name=""/>
-        <p:cNvGrpSpPr/>
-        <p:nvPr/>
-      </p:nvGrpSpPr>
-      <p:grpSpPr>
-        <a:xfrm>
-          <a:off x="0" y="0"/>
-          <a:ext cx="0" cy="0"/>
-          <a:chOff x="0" y="0"/>
-          <a:chExt cx="0" cy="0"/>
-        </a:xfrm>
-      </p:grpSpPr>
-      <p:sp>
-        <p:nvSpPr>
-          <p:cNvPr id="2" name="Title 1"/>
-          <p:cNvSpPr>
-            <a:spLocks noGrp="1"/>
-          </p:cNvSpPr>
-          <p:nvPr>
-            <p:ph type="title"/>
-          </p:nvPr>
-        </p:nvSpPr>
-        <p:spPr/>
-        <p:txBody>
-          <a:bodyPr/>
-          <a:lstStyle/>
-          <a:p>
-            <a:r>
-              <a:rPr lang="en-GB" dirty="0" smtClean="0"/>
-              <a:t>Parity bits - implementation</a:t>
-            </a:r>
-            <a:endParaRPr lang="en-GB" dirty="0"/>
-          </a:p>
-        </p:txBody>
-      </p:sp>
-      <p:sp>
-        <p:nvSpPr>
-          <p:cNvPr id="3" name="Content Placeholder 2"/>
-          <p:cNvSpPr>
-            <a:spLocks noGrp="1"/>
-          </p:cNvSpPr>
-          <p:nvPr>
-            <p:ph idx="1"/>
-          </p:nvPr>
-        </p:nvSpPr>
-        <p:spPr/>
-        <p:txBody>
-          <a:bodyPr/>
-          <a:lstStyle/>
-          <a:p>
-            <a:r>
-              <a:rPr lang="en-GB" dirty="0" smtClean="0"/>
-              <a:t>Simple to implement with bitwise operations</a:t>
-            </a:r>
-          </a:p>
-          <a:p>
-            <a:pPr lvl="1">
-              <a:spcBef>
-                <a:spcPts val="1872"/>
-              </a:spcBef>
-            </a:pPr>
-            <a:r>
-              <a:rPr lang="en-GB" dirty="0" smtClean="0"/>
-              <a:t>Mostly </a:t>
-            </a:r>
-            <a:r>
-              <a:rPr lang="en-GB" b="1" dirty="0" smtClean="0">
-                <a:solidFill>
-                  <a:srgbClr val="0000FF"/>
-                </a:solidFill>
-              </a:rPr>
-              <a:t>XOR</a:t>
-            </a:r>
-            <a:r>
-              <a:rPr lang="en-GB" dirty="0" smtClean="0"/>
-              <a:t> (</a:t>
-            </a:r>
-            <a:r>
-              <a:rPr lang="en-GB" dirty="0" smtClean="0">
-                <a:latin typeface="Courier New"/>
-                <a:cs typeface="Courier New"/>
-              </a:rPr>
-              <a:t>^</a:t>
-            </a:r>
-            <a:r>
-              <a:rPr lang="en-GB" dirty="0" smtClean="0"/>
-              <a:t> operator in C)</a:t>
-            </a:r>
-          </a:p>
-          <a:p>
-            <a:pPr>
-              <a:spcBef>
-                <a:spcPts val="1968"/>
-              </a:spcBef>
-            </a:pPr>
-            <a:r>
-              <a:rPr lang="en-GB" dirty="0" smtClean="0"/>
-              <a:t>Some processors may have native hardware support for computing parity efficiently</a:t>
-            </a:r>
-          </a:p>
-          <a:p>
-            <a:r>
-              <a:rPr lang="en-GB" dirty="0" smtClean="0"/>
-              <a:t>Several compilers (</a:t>
-            </a:r>
-            <a:r>
-              <a:rPr lang="en-GB" dirty="0" err="1" smtClean="0"/>
-              <a:t>gcc</a:t>
-            </a:r>
-            <a:r>
-              <a:rPr lang="en-GB" dirty="0" smtClean="0"/>
-              <a:t>, clang, </a:t>
-            </a:r>
-            <a:r>
-              <a:rPr lang="en-GB" dirty="0" err="1" smtClean="0"/>
-              <a:t>icc</a:t>
-            </a:r>
-            <a:r>
-              <a:rPr lang="en-GB" dirty="0" smtClean="0"/>
-              <a:t>) support </a:t>
-            </a:r>
-            <a:r>
-              <a:rPr lang="en-GB" dirty="0" err="1" smtClean="0"/>
-              <a:t>intrinsics</a:t>
-            </a:r>
-            <a:r>
-              <a:rPr lang="en-GB" dirty="0" smtClean="0"/>
-              <a:t> to handle this</a:t>
-            </a:r>
-          </a:p>
-        </p:txBody>
-      </p:sp>
-      <p:sp>
-        <p:nvSpPr>
-          <p:cNvPr id="4" name="Slide Number Placeholder 3"/>
-          <p:cNvSpPr>
-            <a:spLocks noGrp="1"/>
-          </p:cNvSpPr>
-          <p:nvPr>
-            <p:ph type="sldNum" sz="quarter" idx="10"/>
-          </p:nvPr>
-        </p:nvSpPr>
-        <p:spPr/>
-        <p:txBody>
-          <a:bodyPr/>
-          <a:lstStyle/>
-          <a:p>
-            <a:fld id="{D9B8CB04-7B95-2844-BD15-B133C35E4786}" type="slidenum">
-              <a:rPr lang="en-GB" smtClean="0"/>
-              <a:pPr/>
-              <a:t>22</a:t>
-            </a:fld>
-            <a:endParaRPr lang="en-GB"/>
-          </a:p>
-        </p:txBody>
-      </p:sp>
-    </p:spTree>
-    <p:extLst>
-      <p:ext uri="{BB962C8B-B14F-4D97-AF65-F5344CB8AC3E}">
-        <p14:creationId xmlns:p14="http://schemas.microsoft.com/office/powerpoint/2010/main" val="1739650430"/>
-      </p:ext>
-    </p:extLst>
-  </p:cSld>
-  <p:clrMapOvr>
-    <a:masterClrMapping/>
-  </p:clrMapOvr>
-  <mc:AlternateContent xmlns:mc="http://schemas.openxmlformats.org/markup-compatibility/2006" xmlns:p14="http://schemas.microsoft.com/office/powerpoint/2010/main">
-    <mc:Choice Requires="p14">
-      <p:transition spd="slow" p14:dur="2000"/>
-    </mc:Choice>
-    <mc:Fallback xmlns="">
-      <p:transition xmlns:p14="http://schemas.microsoft.com/office/powerpoint/2010/main" spd="slow"/>
-    </mc:Fallback>
-  </mc:AlternateContent>
-  <p:timing>
-    <p:tnLst>
-      <p:par>
-        <p:cTn xmlns:p14="http://schemas.microsoft.com/office/powerpoint/2010/main" id="1" dur="indefinite" restart="never" nodeType="tmRoot"/>
-      </p:par>
-    </p:tnLst>
-  </p:timing>
-</p:sld>
-</file>
-
-<file path=ppt/slides/slide23.xml><?xml version="1.0" encoding="utf-8"?>
-<p:sld xmlns:a="http://schemas.openxmlformats.org/drawingml/2006/main" xmlns:r="http://schemas.openxmlformats.org/officeDocument/2006/relationships" xmlns:p="http://schemas.openxmlformats.org/presentationml/2006/main">
-  <p:cSld>
-    <p:spTree>
-      <p:nvGrpSpPr>
-        <p:cNvPr id="1" name=""/>
-        <p:cNvGrpSpPr/>
-        <p:nvPr/>
-      </p:nvGrpSpPr>
-      <p:grpSpPr>
-        <a:xfrm>
-          <a:off x="0" y="0"/>
-          <a:ext cx="0" cy="0"/>
-          <a:chOff x="0" y="0"/>
-          <a:chExt cx="0" cy="0"/>
-        </a:xfrm>
-      </p:grpSpPr>
-      <p:sp>
-        <p:nvSpPr>
-          <p:cNvPr id="2" name="Title 1"/>
-          <p:cNvSpPr>
-            <a:spLocks noGrp="1"/>
-          </p:cNvSpPr>
-          <p:nvPr>
-            <p:ph type="title"/>
-          </p:nvPr>
-        </p:nvSpPr>
-        <p:spPr/>
-        <p:txBody>
-          <a:bodyPr/>
-          <a:lstStyle/>
-          <a:p>
-            <a:r>
-              <a:rPr lang="en-GB" dirty="0" smtClean="0"/>
-              <a:t>Parity bits - implementation</a:t>
-            </a:r>
-            <a:endParaRPr lang="en-GB" dirty="0"/>
-          </a:p>
-        </p:txBody>
-      </p:sp>
-      <p:sp>
-        <p:nvSpPr>
-          <p:cNvPr id="3" name="Content Placeholder 2"/>
-          <p:cNvSpPr>
-            <a:spLocks noGrp="1"/>
-          </p:cNvSpPr>
-          <p:nvPr>
-            <p:ph idx="1"/>
-          </p:nvPr>
-        </p:nvSpPr>
-        <p:spPr/>
-        <p:txBody>
-          <a:bodyPr/>
-          <a:lstStyle/>
-          <a:p>
-            <a:pPr marL="0" indent="0">
-              <a:buNone/>
-            </a:pPr>
-            <a:r>
-              <a:rPr lang="en-GB" sz="2000" b="1" i="1" dirty="0" smtClean="0">
-                <a:solidFill>
-                  <a:srgbClr val="3366FF"/>
-                </a:solidFill>
-                <a:latin typeface="Courier New"/>
-                <a:cs typeface="Courier New"/>
-              </a:rPr>
-              <a:t>uint32_t</a:t>
-            </a:r>
-            <a:r>
-              <a:rPr lang="en-GB" sz="2000" b="1" dirty="0" smtClean="0">
-                <a:latin typeface="Courier New"/>
-                <a:cs typeface="Courier New"/>
-              </a:rPr>
-              <a:t> data[</a:t>
-            </a:r>
-            <a:r>
-              <a:rPr lang="en-GB" sz="2000" b="1" dirty="0" smtClean="0">
-                <a:solidFill>
-                  <a:srgbClr val="6117C1"/>
-                </a:solidFill>
-                <a:latin typeface="Courier New"/>
-                <a:cs typeface="Courier New"/>
-              </a:rPr>
-              <a:t>4</a:t>
-            </a:r>
-            <a:r>
-              <a:rPr lang="en-GB" sz="2000" b="1" dirty="0" smtClean="0">
-                <a:latin typeface="Courier New"/>
-                <a:cs typeface="Courier New"/>
-              </a:rPr>
-              <a:t>]; </a:t>
-            </a:r>
-            <a:r>
-              <a:rPr lang="en-GB" sz="2000" b="1" dirty="0" smtClean="0">
-                <a:solidFill>
-                  <a:srgbClr val="008000"/>
-                </a:solidFill>
-                <a:latin typeface="Courier New"/>
-                <a:cs typeface="Courier New"/>
-              </a:rPr>
-              <a:t>// 128 bits of data</a:t>
-            </a:r>
-          </a:p>
-          <a:p>
-            <a:pPr marL="0" indent="0">
-              <a:buNone/>
-            </a:pPr>
-            <a:endParaRPr lang="en-GB" sz="2000" b="1" dirty="0">
-              <a:latin typeface="Courier New"/>
-              <a:cs typeface="Courier New"/>
-            </a:endParaRPr>
-          </a:p>
-          <a:p>
-            <a:pPr marL="0" indent="0">
-              <a:buNone/>
-            </a:pPr>
-            <a:r>
-              <a:rPr lang="en-GB" sz="2000" b="1" i="1" dirty="0" smtClean="0">
-                <a:solidFill>
-                  <a:srgbClr val="3366FF"/>
-                </a:solidFill>
-                <a:latin typeface="Courier New"/>
-                <a:cs typeface="Courier New"/>
-              </a:rPr>
-              <a:t>uint32_t</a:t>
-            </a:r>
-            <a:r>
-              <a:rPr lang="en-GB" sz="2000" b="1" dirty="0" smtClean="0">
-                <a:latin typeface="Courier New"/>
-                <a:cs typeface="Courier New"/>
-              </a:rPr>
-              <a:t> p = data[</a:t>
-            </a:r>
-            <a:r>
-              <a:rPr lang="en-GB" sz="2000" b="1" dirty="0" smtClean="0">
-                <a:solidFill>
-                  <a:srgbClr val="6117C1"/>
-                </a:solidFill>
-                <a:latin typeface="Courier New"/>
-                <a:cs typeface="Courier New"/>
-              </a:rPr>
-              <a:t>0</a:t>
-            </a:r>
-            <a:r>
-              <a:rPr lang="en-GB" sz="2000" b="1" dirty="0" smtClean="0">
-                <a:latin typeface="Courier New"/>
-                <a:cs typeface="Courier New"/>
-              </a:rPr>
-              <a:t>] ^ data[</a:t>
-            </a:r>
-            <a:r>
-              <a:rPr lang="en-GB" sz="2000" b="1" dirty="0" smtClean="0">
-                <a:solidFill>
-                  <a:srgbClr val="6117C1"/>
-                </a:solidFill>
-                <a:latin typeface="Courier New"/>
-                <a:cs typeface="Courier New"/>
-              </a:rPr>
-              <a:t>1</a:t>
-            </a:r>
-            <a:r>
-              <a:rPr lang="en-GB" sz="2000" b="1" dirty="0" smtClean="0">
-                <a:latin typeface="Courier New"/>
-                <a:cs typeface="Courier New"/>
-              </a:rPr>
-              <a:t>] ^ data[</a:t>
-            </a:r>
-            <a:r>
-              <a:rPr lang="en-GB" sz="2000" b="1" dirty="0" smtClean="0">
-                <a:solidFill>
-                  <a:srgbClr val="6117C1"/>
-                </a:solidFill>
-                <a:latin typeface="Courier New"/>
-                <a:cs typeface="Courier New"/>
-              </a:rPr>
-              <a:t>2</a:t>
-            </a:r>
-            <a:r>
-              <a:rPr lang="en-GB" sz="2000" b="1" dirty="0" smtClean="0">
-                <a:latin typeface="Courier New"/>
-                <a:cs typeface="Courier New"/>
-              </a:rPr>
-              <a:t>] ^ data[</a:t>
-            </a:r>
-            <a:r>
-              <a:rPr lang="en-GB" sz="2000" b="1" dirty="0" smtClean="0">
-                <a:solidFill>
-                  <a:srgbClr val="6117C1"/>
-                </a:solidFill>
-                <a:latin typeface="Courier New"/>
-                <a:cs typeface="Courier New"/>
-              </a:rPr>
-              <a:t>3</a:t>
-            </a:r>
-            <a:r>
-              <a:rPr lang="en-GB" sz="2000" b="1" dirty="0" smtClean="0">
-                <a:latin typeface="Courier New"/>
-                <a:cs typeface="Courier New"/>
-              </a:rPr>
-              <a:t>]</a:t>
-            </a:r>
-          </a:p>
-          <a:p>
-            <a:pPr marL="0" indent="0">
-              <a:buNone/>
-            </a:pPr>
-            <a:r>
-              <a:rPr lang="fr-FR" sz="2000" b="1" dirty="0">
-                <a:latin typeface="Courier New"/>
-                <a:cs typeface="Courier New"/>
-              </a:rPr>
-              <a:t>p</a:t>
-            </a:r>
-            <a:r>
-              <a:rPr lang="fr-FR" sz="2000" b="1" dirty="0" smtClean="0">
-                <a:latin typeface="Courier New"/>
-                <a:cs typeface="Courier New"/>
-              </a:rPr>
-              <a:t> </a:t>
-            </a:r>
-            <a:r>
-              <a:rPr lang="fr-FR" sz="2000" b="1" dirty="0">
-                <a:latin typeface="Courier New"/>
-                <a:cs typeface="Courier New"/>
-              </a:rPr>
-              <a:t>^= </a:t>
-            </a:r>
-            <a:r>
-              <a:rPr lang="fr-FR" sz="2000" b="1" dirty="0" smtClean="0">
-                <a:latin typeface="Courier New"/>
-                <a:cs typeface="Courier New"/>
-              </a:rPr>
-              <a:t>p </a:t>
-            </a:r>
-            <a:r>
-              <a:rPr lang="fr-FR" sz="2000" b="1" dirty="0">
-                <a:latin typeface="Courier New"/>
-                <a:cs typeface="Courier New"/>
-              </a:rPr>
-              <a:t>&gt;&gt; </a:t>
-            </a:r>
-            <a:r>
-              <a:rPr lang="fr-FR" sz="2000" b="1" dirty="0">
-                <a:solidFill>
-                  <a:srgbClr val="6117C1"/>
-                </a:solidFill>
-                <a:latin typeface="Courier New"/>
-                <a:cs typeface="Courier New"/>
-              </a:rPr>
-              <a:t>16</a:t>
-            </a:r>
-            <a:r>
-              <a:rPr lang="fr-FR" sz="2000" b="1" dirty="0">
-                <a:latin typeface="Courier New"/>
-                <a:cs typeface="Courier New"/>
-              </a:rPr>
-              <a:t>;</a:t>
-            </a:r>
-          </a:p>
-          <a:p>
-            <a:pPr marL="0" indent="0">
-              <a:buNone/>
-            </a:pPr>
-            <a:r>
-              <a:rPr lang="fr-FR" sz="2000" b="1" dirty="0">
-                <a:latin typeface="Courier New"/>
-                <a:cs typeface="Courier New"/>
-              </a:rPr>
-              <a:t>p</a:t>
-            </a:r>
-            <a:r>
-              <a:rPr lang="fr-FR" sz="2000" b="1" dirty="0" smtClean="0">
-                <a:latin typeface="Courier New"/>
-                <a:cs typeface="Courier New"/>
-              </a:rPr>
-              <a:t> </a:t>
-            </a:r>
-            <a:r>
-              <a:rPr lang="fr-FR" sz="2000" b="1" dirty="0">
-                <a:latin typeface="Courier New"/>
-                <a:cs typeface="Courier New"/>
-              </a:rPr>
-              <a:t>^= </a:t>
-            </a:r>
-            <a:r>
-              <a:rPr lang="fr-FR" sz="2000" b="1" dirty="0" smtClean="0">
-                <a:latin typeface="Courier New"/>
-                <a:cs typeface="Courier New"/>
-              </a:rPr>
-              <a:t>p </a:t>
-            </a:r>
-            <a:r>
-              <a:rPr lang="fr-FR" sz="2000" b="1" dirty="0">
-                <a:latin typeface="Courier New"/>
-                <a:cs typeface="Courier New"/>
-              </a:rPr>
-              <a:t>&gt;&gt; </a:t>
-            </a:r>
-            <a:r>
-              <a:rPr lang="fr-FR" sz="2000" b="1" dirty="0">
-                <a:solidFill>
-                  <a:srgbClr val="6117C1"/>
-                </a:solidFill>
-                <a:latin typeface="Courier New"/>
-                <a:cs typeface="Courier New"/>
-              </a:rPr>
-              <a:t>8</a:t>
-            </a:r>
-            <a:r>
-              <a:rPr lang="fr-FR" sz="2000" b="1" dirty="0">
-                <a:latin typeface="Courier New"/>
-                <a:cs typeface="Courier New"/>
-              </a:rPr>
-              <a:t>;</a:t>
-            </a:r>
-          </a:p>
-          <a:p>
-            <a:pPr marL="0" indent="0">
-              <a:buNone/>
-            </a:pPr>
-            <a:r>
-              <a:rPr lang="fr-FR" sz="2000" b="1" dirty="0">
-                <a:latin typeface="Courier New"/>
-                <a:cs typeface="Courier New"/>
-              </a:rPr>
-              <a:t>p</a:t>
-            </a:r>
-            <a:r>
-              <a:rPr lang="fr-FR" sz="2000" b="1" dirty="0" smtClean="0">
-                <a:latin typeface="Courier New"/>
-                <a:cs typeface="Courier New"/>
-              </a:rPr>
-              <a:t> </a:t>
-            </a:r>
-            <a:r>
-              <a:rPr lang="fr-FR" sz="2000" b="1" dirty="0">
-                <a:latin typeface="Courier New"/>
-                <a:cs typeface="Courier New"/>
-              </a:rPr>
-              <a:t>^= </a:t>
-            </a:r>
-            <a:r>
-              <a:rPr lang="fr-FR" sz="2000" b="1" dirty="0" smtClean="0">
-                <a:latin typeface="Courier New"/>
-                <a:cs typeface="Courier New"/>
-              </a:rPr>
-              <a:t>p </a:t>
-            </a:r>
-            <a:r>
-              <a:rPr lang="fr-FR" sz="2000" b="1" dirty="0">
-                <a:latin typeface="Courier New"/>
-                <a:cs typeface="Courier New"/>
-              </a:rPr>
-              <a:t>&gt;&gt; </a:t>
-            </a:r>
-            <a:r>
-              <a:rPr lang="fr-FR" sz="2000" b="1" dirty="0">
-                <a:solidFill>
-                  <a:srgbClr val="6117C1"/>
-                </a:solidFill>
-                <a:latin typeface="Courier New"/>
-                <a:cs typeface="Courier New"/>
-              </a:rPr>
-              <a:t>4</a:t>
-            </a:r>
-            <a:r>
-              <a:rPr lang="fr-FR" sz="2000" b="1" dirty="0">
-                <a:latin typeface="Courier New"/>
-                <a:cs typeface="Courier New"/>
-              </a:rPr>
-              <a:t>;</a:t>
-            </a:r>
-          </a:p>
-          <a:p>
-            <a:pPr marL="0" indent="0">
-              <a:buNone/>
-            </a:pPr>
-            <a:r>
-              <a:rPr lang="en-US" sz="2000" b="1" dirty="0">
-                <a:latin typeface="Courier New"/>
-                <a:cs typeface="Courier New"/>
-              </a:rPr>
-              <a:t>p</a:t>
-            </a:r>
-            <a:r>
-              <a:rPr lang="en-US" sz="2000" b="1" dirty="0" smtClean="0">
-                <a:latin typeface="Courier New"/>
-                <a:cs typeface="Courier New"/>
-              </a:rPr>
-              <a:t> </a:t>
-            </a:r>
-            <a:r>
-              <a:rPr lang="en-US" sz="2000" b="1" dirty="0">
-                <a:latin typeface="Courier New"/>
-                <a:cs typeface="Courier New"/>
-              </a:rPr>
-              <a:t>^= </a:t>
-            </a:r>
-            <a:r>
-              <a:rPr lang="en-US" sz="2000" b="1" dirty="0" smtClean="0">
-                <a:latin typeface="Courier New"/>
-                <a:cs typeface="Courier New"/>
-              </a:rPr>
-              <a:t>p </a:t>
-            </a:r>
-            <a:r>
-              <a:rPr lang="en-US" sz="2000" b="1" dirty="0">
-                <a:latin typeface="Courier New"/>
-                <a:cs typeface="Courier New"/>
-              </a:rPr>
-              <a:t>&gt;&gt; </a:t>
-            </a:r>
-            <a:r>
-              <a:rPr lang="en-US" sz="2000" b="1" dirty="0">
-                <a:solidFill>
-                  <a:srgbClr val="6117C1"/>
-                </a:solidFill>
-                <a:latin typeface="Courier New"/>
-                <a:cs typeface="Courier New"/>
-              </a:rPr>
-              <a:t>2</a:t>
-            </a:r>
-            <a:r>
-              <a:rPr lang="en-US" sz="2000" b="1" dirty="0">
-                <a:latin typeface="Courier New"/>
-                <a:cs typeface="Courier New"/>
-              </a:rPr>
-              <a:t>;</a:t>
-            </a:r>
-          </a:p>
-          <a:p>
-            <a:pPr marL="0" indent="0">
-              <a:buNone/>
-            </a:pPr>
-            <a:r>
-              <a:rPr lang="fr-FR" sz="2000" b="1" dirty="0">
-                <a:latin typeface="Courier New"/>
-                <a:cs typeface="Courier New"/>
-              </a:rPr>
-              <a:t>p</a:t>
-            </a:r>
-            <a:r>
-              <a:rPr lang="fr-FR" sz="2000" b="1" dirty="0" smtClean="0">
-                <a:latin typeface="Courier New"/>
-                <a:cs typeface="Courier New"/>
-              </a:rPr>
-              <a:t> </a:t>
-            </a:r>
-            <a:r>
-              <a:rPr lang="fr-FR" sz="2000" b="1" dirty="0">
-                <a:latin typeface="Courier New"/>
-                <a:cs typeface="Courier New"/>
-              </a:rPr>
-              <a:t>^= </a:t>
-            </a:r>
-            <a:r>
-              <a:rPr lang="fr-FR" sz="2000" b="1" dirty="0" smtClean="0">
-                <a:latin typeface="Courier New"/>
-                <a:cs typeface="Courier New"/>
-              </a:rPr>
-              <a:t>p </a:t>
-            </a:r>
-            <a:r>
-              <a:rPr lang="fr-FR" sz="2000" b="1" dirty="0">
-                <a:latin typeface="Courier New"/>
-                <a:cs typeface="Courier New"/>
-              </a:rPr>
-              <a:t>&gt;&gt; </a:t>
-            </a:r>
-            <a:r>
-              <a:rPr lang="fr-FR" sz="2000" b="1" dirty="0">
-                <a:solidFill>
-                  <a:srgbClr val="6117C1"/>
-                </a:solidFill>
-                <a:latin typeface="Courier New"/>
-                <a:cs typeface="Courier New"/>
-              </a:rPr>
-              <a:t>1</a:t>
-            </a:r>
-            <a:r>
-              <a:rPr lang="fr-FR" sz="2000" b="1" dirty="0" smtClean="0">
-                <a:latin typeface="Courier New"/>
-                <a:cs typeface="Courier New"/>
-              </a:rPr>
-              <a:t>;</a:t>
-            </a:r>
-            <a:endParaRPr lang="fr-FR" sz="2000" b="1" dirty="0">
-              <a:latin typeface="Courier New"/>
-              <a:cs typeface="Courier New"/>
-            </a:endParaRPr>
-          </a:p>
-          <a:p>
-            <a:pPr marL="0" indent="0">
-              <a:buNone/>
-            </a:pPr>
-            <a:endParaRPr lang="fr-FR" sz="2000" b="1" dirty="0" smtClean="0">
-              <a:latin typeface="Courier New"/>
-              <a:cs typeface="Courier New"/>
-            </a:endParaRPr>
-          </a:p>
-          <a:p>
-            <a:pPr marL="0" indent="0">
-              <a:buNone/>
-            </a:pPr>
-            <a:r>
-              <a:rPr lang="fr-FR" sz="2000" b="1" dirty="0" smtClean="0">
-                <a:solidFill>
-                  <a:srgbClr val="008000"/>
-                </a:solidFill>
-                <a:latin typeface="Courier New"/>
-                <a:cs typeface="Courier New"/>
-              </a:rPr>
-              <a:t>// p </a:t>
-            </a:r>
-            <a:r>
-              <a:rPr lang="fr-FR" sz="2000" b="1" dirty="0" err="1" smtClean="0">
-                <a:solidFill>
-                  <a:srgbClr val="008000"/>
-                </a:solidFill>
-                <a:latin typeface="Courier New"/>
-                <a:cs typeface="Courier New"/>
-              </a:rPr>
-              <a:t>is</a:t>
-            </a:r>
-            <a:r>
-              <a:rPr lang="fr-FR" sz="2000" b="1" dirty="0" smtClean="0">
-                <a:solidFill>
-                  <a:srgbClr val="008000"/>
-                </a:solidFill>
-                <a:latin typeface="Courier New"/>
-                <a:cs typeface="Courier New"/>
-              </a:rPr>
-              <a:t> </a:t>
-            </a:r>
-            <a:r>
-              <a:rPr lang="fr-FR" sz="2000" b="1" dirty="0" err="1" smtClean="0">
-                <a:solidFill>
-                  <a:srgbClr val="008000"/>
-                </a:solidFill>
-                <a:latin typeface="Courier New"/>
-                <a:cs typeface="Courier New"/>
-              </a:rPr>
-              <a:t>now</a:t>
-            </a:r>
-            <a:r>
-              <a:rPr lang="fr-FR" sz="2000" b="1" dirty="0" smtClean="0">
-                <a:solidFill>
-                  <a:srgbClr val="008000"/>
-                </a:solidFill>
-                <a:latin typeface="Courier New"/>
-                <a:cs typeface="Courier New"/>
-              </a:rPr>
-              <a:t> ‘1’ or ‘0’, </a:t>
-            </a:r>
-            <a:r>
-              <a:rPr lang="fr-FR" sz="2000" b="1" dirty="0" err="1" smtClean="0">
-                <a:solidFill>
-                  <a:srgbClr val="008000"/>
-                </a:solidFill>
-                <a:latin typeface="Courier New"/>
-                <a:cs typeface="Courier New"/>
-              </a:rPr>
-              <a:t>corresponding</a:t>
-            </a:r>
-            <a:r>
-              <a:rPr lang="fr-FR" sz="2000" b="1" dirty="0" smtClean="0">
-                <a:solidFill>
-                  <a:srgbClr val="008000"/>
-                </a:solidFill>
-                <a:latin typeface="Courier New"/>
-                <a:cs typeface="Courier New"/>
-              </a:rPr>
-              <a:t> to data </a:t>
-            </a:r>
-            <a:r>
-              <a:rPr lang="fr-FR" sz="2000" b="1" dirty="0" err="1" smtClean="0">
-                <a:solidFill>
-                  <a:srgbClr val="008000"/>
-                </a:solidFill>
-                <a:latin typeface="Courier New"/>
-                <a:cs typeface="Courier New"/>
-              </a:rPr>
-              <a:t>having</a:t>
-            </a:r>
-            <a:endParaRPr lang="fr-FR" sz="2000" b="1" dirty="0" smtClean="0">
-              <a:solidFill>
-                <a:srgbClr val="008000"/>
-              </a:solidFill>
-              <a:latin typeface="Courier New"/>
-              <a:cs typeface="Courier New"/>
-            </a:endParaRPr>
-          </a:p>
-          <a:p>
-            <a:pPr marL="0" indent="0">
-              <a:buNone/>
-            </a:pPr>
-            <a:r>
-              <a:rPr lang="fr-FR" sz="2000" b="1" dirty="0" smtClean="0">
-                <a:solidFill>
-                  <a:srgbClr val="008000"/>
-                </a:solidFill>
-                <a:latin typeface="Courier New"/>
-                <a:cs typeface="Courier New"/>
-              </a:rPr>
-              <a:t>// an </a:t>
-            </a:r>
-            <a:r>
-              <a:rPr lang="fr-FR" sz="2000" b="1" dirty="0" err="1" smtClean="0">
-                <a:solidFill>
-                  <a:srgbClr val="008000"/>
-                </a:solidFill>
-                <a:latin typeface="Courier New"/>
-                <a:cs typeface="Courier New"/>
-              </a:rPr>
-              <a:t>odd</a:t>
-            </a:r>
-            <a:r>
-              <a:rPr lang="fr-FR" sz="2000" b="1" dirty="0" smtClean="0">
-                <a:solidFill>
-                  <a:srgbClr val="008000"/>
-                </a:solidFill>
-                <a:latin typeface="Courier New"/>
-                <a:cs typeface="Courier New"/>
-              </a:rPr>
-              <a:t> or </a:t>
-            </a:r>
-            <a:r>
-              <a:rPr lang="fr-FR" sz="2000" b="1" dirty="0" err="1" smtClean="0">
-                <a:solidFill>
-                  <a:srgbClr val="008000"/>
-                </a:solidFill>
-                <a:latin typeface="Courier New"/>
-                <a:cs typeface="Courier New"/>
-              </a:rPr>
-              <a:t>even</a:t>
-            </a:r>
-            <a:r>
-              <a:rPr lang="fr-FR" sz="2000" b="1" dirty="0" smtClean="0">
-                <a:solidFill>
-                  <a:srgbClr val="008000"/>
-                </a:solidFill>
-                <a:latin typeface="Courier New"/>
-                <a:cs typeface="Courier New"/>
-              </a:rPr>
-              <a:t> </a:t>
-            </a:r>
-            <a:r>
-              <a:rPr lang="fr-FR" sz="2000" b="1" dirty="0" err="1" smtClean="0">
-                <a:solidFill>
-                  <a:srgbClr val="008000"/>
-                </a:solidFill>
-                <a:latin typeface="Courier New"/>
-                <a:cs typeface="Courier New"/>
-              </a:rPr>
-              <a:t>number</a:t>
-            </a:r>
-            <a:r>
-              <a:rPr lang="fr-FR" sz="2000" b="1" dirty="0" smtClean="0">
-                <a:solidFill>
-                  <a:srgbClr val="008000"/>
-                </a:solidFill>
-                <a:latin typeface="Courier New"/>
-                <a:cs typeface="Courier New"/>
-              </a:rPr>
-              <a:t> of ‘1’ bits</a:t>
-            </a:r>
-            <a:endParaRPr lang="en-GB" sz="2000" b="1" dirty="0" smtClean="0">
-              <a:solidFill>
-                <a:srgbClr val="008000"/>
-              </a:solidFill>
-              <a:latin typeface="Courier New"/>
-              <a:cs typeface="Courier New"/>
-            </a:endParaRPr>
-          </a:p>
-          <a:p>
-            <a:pPr marL="0" indent="0">
-              <a:buNone/>
-            </a:pPr>
-            <a:endParaRPr lang="en-GB" sz="2000" b="1" dirty="0"/>
-          </a:p>
-        </p:txBody>
-      </p:sp>
-      <p:sp>
-        <p:nvSpPr>
-          <p:cNvPr id="4" name="Slide Number Placeholder 3"/>
-          <p:cNvSpPr>
-            <a:spLocks noGrp="1"/>
-          </p:cNvSpPr>
-          <p:nvPr>
-            <p:ph type="sldNum" sz="quarter" idx="10"/>
-          </p:nvPr>
-        </p:nvSpPr>
-        <p:spPr/>
-        <p:txBody>
-          <a:bodyPr/>
-          <a:lstStyle/>
-          <a:p>
-            <a:fld id="{D9B8CB04-7B95-2844-BD15-B133C35E4786}" type="slidenum">
-              <a:rPr lang="en-GB" smtClean="0"/>
-              <a:pPr/>
-              <a:t>23</a:t>
-            </a:fld>
-            <a:endParaRPr lang="en-GB"/>
-          </a:p>
-        </p:txBody>
-      </p:sp>
-    </p:spTree>
-    <p:extLst>
-      <p:ext uri="{BB962C8B-B14F-4D97-AF65-F5344CB8AC3E}">
-        <p14:creationId xmlns:p14="http://schemas.microsoft.com/office/powerpoint/2010/main" val="2692605913"/>
-      </p:ext>
-    </p:extLst>
-  </p:cSld>
-  <p:clrMapOvr>
-    <a:masterClrMapping/>
-  </p:clrMapOvr>
-  <mc:AlternateContent xmlns:mc="http://schemas.openxmlformats.org/markup-compatibility/2006" xmlns:p14="http://schemas.microsoft.com/office/powerpoint/2010/main">
-    <mc:Choice Requires="p14">
-      <p:transition spd="slow" p14:dur="2000"/>
-    </mc:Choice>
-    <mc:Fallback xmlns="">
-      <p:transition xmlns:p14="http://schemas.microsoft.com/office/powerpoint/2010/main" spd="slow"/>
-    </mc:Fallback>
-  </mc:AlternateContent>
-  <p:timing>
-    <p:tnLst>
-      <p:par>
-        <p:cTn xmlns:p14="http://schemas.microsoft.com/office/powerpoint/2010/main" id="1" dur="indefinite" restart="never" nodeType="tmRoot"/>
-      </p:par>
-    </p:tnLst>
-  </p:timing>
-</p:sld>
-</file>
-
 <file path=ppt/slides/slide24.xml><?xml version="1.0" encoding="utf-8"?>
 <p:sld xmlns:a="http://schemas.openxmlformats.org/drawingml/2006/main" xmlns:r="http://schemas.openxmlformats.org/officeDocument/2006/relationships" xmlns:p="http://schemas.openxmlformats.org/presentationml/2006/main">
   <p:cSld>
@@ -24316,539 +23960,85 @@
           <a:bodyPr/>
           <a:lstStyle/>
           <a:p>
-            <a:pPr marL="0" indent="0">
-              <a:buNone/>
+            <a:r>
+              <a:rPr lang="en-GB" dirty="0" smtClean="0"/>
+              <a:t>Simple to implement with bitwise operations</a:t>
+            </a:r>
+          </a:p>
+          <a:p>
+            <a:pPr lvl="1">
+              <a:spcBef>
+                <a:spcPts val="1872"/>
+              </a:spcBef>
             </a:pPr>
             <a:r>
-              <a:rPr lang="en-GB" sz="2000" b="1" i="1" dirty="0" smtClean="0">
+              <a:rPr lang="en-GB" dirty="0" smtClean="0"/>
+              <a:t>Mostly </a:t>
+            </a:r>
+            <a:r>
+              <a:rPr lang="en-GB" b="1" dirty="0" smtClean="0">
                 <a:solidFill>
-                  <a:srgbClr val="3366FF"/>
+                  <a:srgbClr val="0000FF"/>
                 </a:solidFill>
+              </a:rPr>
+              <a:t>XOR</a:t>
+            </a:r>
+            <a:r>
+              <a:rPr lang="en-GB" dirty="0" smtClean="0"/>
+              <a:t> (</a:t>
+            </a:r>
+            <a:r>
+              <a:rPr lang="en-GB" dirty="0" smtClean="0">
                 <a:latin typeface="Courier New"/>
                 <a:cs typeface="Courier New"/>
               </a:rPr>
-              <a:t>uint32_t</a:t>
-            </a:r>
-            <a:r>
-              <a:rPr lang="en-GB" sz="2000" b="1" dirty="0" smtClean="0">
-                <a:latin typeface="Courier New"/>
-                <a:cs typeface="Courier New"/>
-              </a:rPr>
-              <a:t> data[</a:t>
-            </a:r>
-            <a:r>
-              <a:rPr lang="en-GB" sz="2000" b="1" dirty="0" smtClean="0">
-                <a:solidFill>
-                  <a:srgbClr val="6117C1"/>
-                </a:solidFill>
-                <a:latin typeface="Courier New"/>
-                <a:cs typeface="Courier New"/>
-              </a:rPr>
-              <a:t>4</a:t>
-            </a:r>
-            <a:r>
-              <a:rPr lang="en-GB" sz="2000" b="1" dirty="0" smtClean="0">
-                <a:latin typeface="Courier New"/>
-                <a:cs typeface="Courier New"/>
-              </a:rPr>
-              <a:t>]; </a:t>
-            </a:r>
-            <a:r>
-              <a:rPr lang="en-GB" sz="2000" b="1" dirty="0" smtClean="0">
-                <a:solidFill>
-                  <a:srgbClr val="008000"/>
-                </a:solidFill>
-                <a:latin typeface="Courier New"/>
-                <a:cs typeface="Courier New"/>
-              </a:rPr>
-              <a:t>// 128 bits of data</a:t>
-            </a:r>
-          </a:p>
-          <a:p>
-            <a:pPr marL="0" indent="0">
-              <a:buNone/>
+              <a:t>^</a:t>
+            </a:r>
+            <a:r>
+              <a:rPr lang="en-GB" dirty="0" smtClean="0"/>
+              <a:t> operator in C)</a:t>
+            </a:r>
+          </a:p>
+          <a:p>
+            <a:pPr>
+              <a:spcBef>
+                <a:spcPts val="1968"/>
+              </a:spcBef>
             </a:pPr>
-            <a:endParaRPr lang="en-GB" sz="2000" b="1" dirty="0">
-              <a:latin typeface="Courier New"/>
-              <a:cs typeface="Courier New"/>
-            </a:endParaRPr>
-          </a:p>
-          <a:p>
-            <a:pPr marL="0" indent="0">
-              <a:buNone/>
-            </a:pPr>
-            <a:r>
-              <a:rPr lang="en-GB" sz="2000" b="1" i="1" dirty="0" smtClean="0">
-                <a:solidFill>
-                  <a:srgbClr val="3366FF"/>
-                </a:solidFill>
-                <a:latin typeface="Courier New"/>
-                <a:cs typeface="Courier New"/>
-              </a:rPr>
-              <a:t>uint32_t</a:t>
-            </a:r>
-            <a:r>
-              <a:rPr lang="en-GB" sz="2000" b="1" dirty="0" smtClean="0">
-                <a:latin typeface="Courier New"/>
-                <a:cs typeface="Courier New"/>
-              </a:rPr>
-              <a:t> p = data[</a:t>
-            </a:r>
-            <a:r>
-              <a:rPr lang="en-GB" sz="2000" b="1" dirty="0" smtClean="0">
-                <a:solidFill>
-                  <a:srgbClr val="6117C1"/>
-                </a:solidFill>
-                <a:latin typeface="Courier New"/>
-                <a:cs typeface="Courier New"/>
-              </a:rPr>
-              <a:t>0</a:t>
-            </a:r>
-            <a:r>
-              <a:rPr lang="en-GB" sz="2000" b="1" dirty="0" smtClean="0">
-                <a:latin typeface="Courier New"/>
-                <a:cs typeface="Courier New"/>
-              </a:rPr>
-              <a:t>] ^ data[</a:t>
-            </a:r>
-            <a:r>
-              <a:rPr lang="en-GB" sz="2000" b="1" dirty="0" smtClean="0">
-                <a:solidFill>
-                  <a:srgbClr val="6117C1"/>
-                </a:solidFill>
-                <a:latin typeface="Courier New"/>
-                <a:cs typeface="Courier New"/>
-              </a:rPr>
-              <a:t>1</a:t>
-            </a:r>
-            <a:r>
-              <a:rPr lang="en-GB" sz="2000" b="1" dirty="0" smtClean="0">
-                <a:latin typeface="Courier New"/>
-                <a:cs typeface="Courier New"/>
-              </a:rPr>
-              <a:t>] ^ data[</a:t>
-            </a:r>
-            <a:r>
-              <a:rPr lang="en-GB" sz="2000" b="1" dirty="0" smtClean="0">
-                <a:solidFill>
-                  <a:srgbClr val="6117C1"/>
-                </a:solidFill>
-                <a:latin typeface="Courier New"/>
-                <a:cs typeface="Courier New"/>
-              </a:rPr>
-              <a:t>2</a:t>
-            </a:r>
-            <a:r>
-              <a:rPr lang="en-GB" sz="2000" b="1" dirty="0" smtClean="0">
-                <a:latin typeface="Courier New"/>
-                <a:cs typeface="Courier New"/>
-              </a:rPr>
-              <a:t>] ^ data[</a:t>
-            </a:r>
-            <a:r>
-              <a:rPr lang="en-GB" sz="2000" b="1" dirty="0" smtClean="0">
-                <a:solidFill>
-                  <a:srgbClr val="6117C1"/>
-                </a:solidFill>
-                <a:latin typeface="Courier New"/>
-                <a:cs typeface="Courier New"/>
-              </a:rPr>
-              <a:t>3</a:t>
-            </a:r>
-            <a:r>
-              <a:rPr lang="en-GB" sz="2000" b="1" dirty="0" smtClean="0">
-                <a:latin typeface="Courier New"/>
-                <a:cs typeface="Courier New"/>
-              </a:rPr>
-              <a:t>]</a:t>
-            </a:r>
-          </a:p>
-          <a:p>
-            <a:pPr marL="0" indent="0">
-              <a:buNone/>
-            </a:pPr>
-            <a:endParaRPr lang="en-GB" sz="2000" b="1" dirty="0" smtClean="0">
-              <a:latin typeface="Courier New"/>
-              <a:cs typeface="Courier New"/>
-            </a:endParaRPr>
-          </a:p>
-          <a:p>
-            <a:pPr marL="0" indent="0">
-              <a:buNone/>
-            </a:pPr>
-            <a:r>
-              <a:rPr lang="fr-FR" sz="2000" b="1" dirty="0">
-                <a:solidFill>
-                  <a:srgbClr val="008000"/>
-                </a:solidFill>
-                <a:latin typeface="Courier New"/>
-                <a:cs typeface="Courier New"/>
-              </a:rPr>
-              <a:t>/</a:t>
-            </a:r>
-            <a:r>
-              <a:rPr lang="fr-FR" sz="2000" b="1" dirty="0" smtClean="0">
-                <a:solidFill>
-                  <a:srgbClr val="008000"/>
-                </a:solidFill>
-                <a:latin typeface="Courier New"/>
-                <a:cs typeface="Courier New"/>
-              </a:rPr>
-              <a:t>/ This </a:t>
-            </a:r>
-            <a:r>
-              <a:rPr lang="fr-FR" sz="2000" b="1" dirty="0" err="1" smtClean="0">
-                <a:solidFill>
-                  <a:srgbClr val="008000"/>
-                </a:solidFill>
-                <a:latin typeface="Courier New"/>
-                <a:cs typeface="Courier New"/>
-              </a:rPr>
-              <a:t>intrinsic</a:t>
-            </a:r>
-            <a:r>
-              <a:rPr lang="fr-FR" sz="2000" b="1" dirty="0" smtClean="0">
-                <a:solidFill>
-                  <a:srgbClr val="008000"/>
-                </a:solidFill>
-                <a:latin typeface="Courier New"/>
-                <a:cs typeface="Courier New"/>
-              </a:rPr>
-              <a:t> </a:t>
-            </a:r>
-            <a:r>
-              <a:rPr lang="fr-FR" sz="2000" b="1" dirty="0" err="1" smtClean="0">
-                <a:solidFill>
-                  <a:srgbClr val="008000"/>
-                </a:solidFill>
-                <a:latin typeface="Courier New"/>
-                <a:cs typeface="Courier New"/>
-              </a:rPr>
-              <a:t>should</a:t>
-            </a:r>
-            <a:r>
-              <a:rPr lang="fr-FR" sz="2000" b="1" dirty="0" smtClean="0">
-                <a:solidFill>
-                  <a:srgbClr val="008000"/>
-                </a:solidFill>
-                <a:latin typeface="Courier New"/>
-                <a:cs typeface="Courier New"/>
-              </a:rPr>
-              <a:t> </a:t>
-            </a:r>
-            <a:r>
-              <a:rPr lang="fr-FR" sz="2000" b="1" dirty="0" err="1" smtClean="0">
-                <a:solidFill>
-                  <a:srgbClr val="008000"/>
-                </a:solidFill>
-                <a:latin typeface="Courier New"/>
-                <a:cs typeface="Courier New"/>
-              </a:rPr>
-              <a:t>map</a:t>
-            </a:r>
-            <a:r>
-              <a:rPr lang="fr-FR" sz="2000" b="1" dirty="0" smtClean="0">
-                <a:solidFill>
-                  <a:srgbClr val="008000"/>
-                </a:solidFill>
-                <a:latin typeface="Courier New"/>
-                <a:cs typeface="Courier New"/>
-              </a:rPr>
-              <a:t> to native hardware</a:t>
-            </a:r>
-          </a:p>
-          <a:p>
-            <a:pPr marL="0" indent="0">
-              <a:buNone/>
-            </a:pPr>
-            <a:r>
-              <a:rPr lang="fr-FR" sz="2000" b="1" dirty="0" smtClean="0">
-                <a:solidFill>
-                  <a:srgbClr val="008000"/>
-                </a:solidFill>
-                <a:latin typeface="Courier New"/>
-                <a:cs typeface="Courier New"/>
-              </a:rPr>
-              <a:t>// </a:t>
-            </a:r>
-            <a:r>
-              <a:rPr lang="fr-FR" sz="2000" b="1" dirty="0" err="1" smtClean="0">
-                <a:solidFill>
-                  <a:srgbClr val="008000"/>
-                </a:solidFill>
-                <a:latin typeface="Courier New"/>
-                <a:cs typeface="Courier New"/>
-              </a:rPr>
-              <a:t>implementation</a:t>
-            </a:r>
-            <a:r>
-              <a:rPr lang="fr-FR" sz="2000" b="1" dirty="0" smtClean="0">
-                <a:solidFill>
-                  <a:srgbClr val="008000"/>
-                </a:solidFill>
-                <a:latin typeface="Courier New"/>
-                <a:cs typeface="Courier New"/>
-              </a:rPr>
-              <a:t> if </a:t>
-            </a:r>
-            <a:r>
-              <a:rPr lang="fr-FR" sz="2000" b="1" dirty="0" err="1" smtClean="0">
-                <a:solidFill>
-                  <a:srgbClr val="008000"/>
-                </a:solidFill>
-                <a:latin typeface="Courier New"/>
-                <a:cs typeface="Courier New"/>
-              </a:rPr>
-              <a:t>available</a:t>
-            </a:r>
-            <a:endParaRPr lang="en-GB" sz="2000" b="1" dirty="0" smtClean="0">
-              <a:latin typeface="Courier New"/>
-              <a:cs typeface="Courier New"/>
-            </a:endParaRPr>
-          </a:p>
-          <a:p>
-            <a:pPr marL="0" indent="0">
-              <a:buNone/>
-            </a:pPr>
-            <a:r>
-              <a:rPr lang="en-GB" sz="2000" b="1" dirty="0">
-                <a:latin typeface="Courier New"/>
-                <a:cs typeface="Courier New"/>
-              </a:rPr>
-              <a:t>p</a:t>
-            </a:r>
-            <a:r>
-              <a:rPr lang="en-GB" sz="2000" b="1" dirty="0" smtClean="0">
-                <a:latin typeface="Courier New"/>
-                <a:cs typeface="Courier New"/>
-              </a:rPr>
-              <a:t> = </a:t>
-            </a:r>
-            <a:r>
-              <a:rPr lang="en-GB" sz="2000" b="1" dirty="0" smtClean="0">
-                <a:solidFill>
-                  <a:srgbClr val="3366FF"/>
-                </a:solidFill>
-                <a:latin typeface="Courier New"/>
-                <a:cs typeface="Courier New"/>
-              </a:rPr>
-              <a:t>__</a:t>
-            </a:r>
-            <a:r>
-              <a:rPr lang="en-GB" sz="2000" b="1" dirty="0" err="1" smtClean="0">
-                <a:solidFill>
-                  <a:srgbClr val="3366FF"/>
-                </a:solidFill>
-                <a:latin typeface="Courier New"/>
-                <a:cs typeface="Courier New"/>
-              </a:rPr>
-              <a:t>builtin_parity</a:t>
-            </a:r>
-            <a:r>
-              <a:rPr lang="en-GB" sz="2000" b="1" dirty="0" smtClean="0">
-                <a:latin typeface="Courier New"/>
-                <a:cs typeface="Courier New"/>
-              </a:rPr>
-              <a:t>(p);</a:t>
-            </a:r>
-          </a:p>
-          <a:p>
-            <a:pPr marL="0" indent="0">
-              <a:buNone/>
-            </a:pPr>
-            <a:endParaRPr lang="fr-FR" sz="2000" b="1" dirty="0">
-              <a:latin typeface="Courier New"/>
-              <a:cs typeface="Courier New"/>
-            </a:endParaRPr>
-          </a:p>
-          <a:p>
-            <a:pPr marL="0" indent="0">
-              <a:buNone/>
-            </a:pPr>
-            <a:endParaRPr lang="fr-FR" sz="2000" b="1" dirty="0" smtClean="0">
-              <a:latin typeface="Courier New"/>
-              <a:cs typeface="Courier New"/>
-            </a:endParaRPr>
-          </a:p>
-          <a:p>
-            <a:pPr marL="0" indent="0">
-              <a:buNone/>
-            </a:pPr>
-            <a:r>
-              <a:rPr lang="fr-FR" sz="2000" b="1" dirty="0" smtClean="0">
-                <a:solidFill>
-                  <a:srgbClr val="008000"/>
-                </a:solidFill>
-                <a:latin typeface="Courier New"/>
-                <a:cs typeface="Courier New"/>
-              </a:rPr>
-              <a:t>// p </a:t>
-            </a:r>
-            <a:r>
-              <a:rPr lang="fr-FR" sz="2000" b="1" dirty="0" err="1" smtClean="0">
-                <a:solidFill>
-                  <a:srgbClr val="008000"/>
-                </a:solidFill>
-                <a:latin typeface="Courier New"/>
-                <a:cs typeface="Courier New"/>
-              </a:rPr>
-              <a:t>is</a:t>
-            </a:r>
-            <a:r>
-              <a:rPr lang="fr-FR" sz="2000" b="1" dirty="0" smtClean="0">
-                <a:solidFill>
-                  <a:srgbClr val="008000"/>
-                </a:solidFill>
-                <a:latin typeface="Courier New"/>
-                <a:cs typeface="Courier New"/>
-              </a:rPr>
-              <a:t> </a:t>
-            </a:r>
-            <a:r>
-              <a:rPr lang="fr-FR" sz="2000" b="1" dirty="0" err="1" smtClean="0">
-                <a:solidFill>
-                  <a:srgbClr val="008000"/>
-                </a:solidFill>
-                <a:latin typeface="Courier New"/>
-                <a:cs typeface="Courier New"/>
-              </a:rPr>
-              <a:t>now</a:t>
-            </a:r>
-            <a:r>
-              <a:rPr lang="fr-FR" sz="2000" b="1" dirty="0" smtClean="0">
-                <a:solidFill>
-                  <a:srgbClr val="008000"/>
-                </a:solidFill>
-                <a:latin typeface="Courier New"/>
-                <a:cs typeface="Courier New"/>
-              </a:rPr>
-              <a:t> ‘1’ or ‘0’, </a:t>
-            </a:r>
-            <a:r>
-              <a:rPr lang="fr-FR" sz="2000" b="1" dirty="0" err="1" smtClean="0">
-                <a:solidFill>
-                  <a:srgbClr val="008000"/>
-                </a:solidFill>
-                <a:latin typeface="Courier New"/>
-                <a:cs typeface="Courier New"/>
-              </a:rPr>
-              <a:t>corresponding</a:t>
-            </a:r>
-            <a:r>
-              <a:rPr lang="fr-FR" sz="2000" b="1" dirty="0" smtClean="0">
-                <a:solidFill>
-                  <a:srgbClr val="008000"/>
-                </a:solidFill>
-                <a:latin typeface="Courier New"/>
-                <a:cs typeface="Courier New"/>
-              </a:rPr>
-              <a:t> to data </a:t>
-            </a:r>
-            <a:r>
-              <a:rPr lang="fr-FR" sz="2000" b="1" dirty="0" err="1" smtClean="0">
-                <a:solidFill>
-                  <a:srgbClr val="008000"/>
-                </a:solidFill>
-                <a:latin typeface="Courier New"/>
-                <a:cs typeface="Courier New"/>
-              </a:rPr>
-              <a:t>having</a:t>
-            </a:r>
-            <a:endParaRPr lang="fr-FR" sz="2000" b="1" dirty="0" smtClean="0">
-              <a:solidFill>
-                <a:srgbClr val="008000"/>
-              </a:solidFill>
-              <a:latin typeface="Courier New"/>
-              <a:cs typeface="Courier New"/>
-            </a:endParaRPr>
-          </a:p>
-          <a:p>
-            <a:pPr marL="0" indent="0">
-              <a:buNone/>
-            </a:pPr>
-            <a:r>
-              <a:rPr lang="fr-FR" sz="2000" b="1" dirty="0" smtClean="0">
-                <a:solidFill>
-                  <a:srgbClr val="008000"/>
-                </a:solidFill>
-                <a:latin typeface="Courier New"/>
-                <a:cs typeface="Courier New"/>
-              </a:rPr>
-              <a:t>// an </a:t>
-            </a:r>
-            <a:r>
-              <a:rPr lang="fr-FR" sz="2000" b="1" dirty="0" err="1" smtClean="0">
-                <a:solidFill>
-                  <a:srgbClr val="008000"/>
-                </a:solidFill>
-                <a:latin typeface="Courier New"/>
-                <a:cs typeface="Courier New"/>
-              </a:rPr>
-              <a:t>odd</a:t>
-            </a:r>
-            <a:r>
-              <a:rPr lang="fr-FR" sz="2000" b="1" dirty="0" smtClean="0">
-                <a:solidFill>
-                  <a:srgbClr val="008000"/>
-                </a:solidFill>
-                <a:latin typeface="Courier New"/>
-                <a:cs typeface="Courier New"/>
-              </a:rPr>
-              <a:t> or </a:t>
-            </a:r>
-            <a:r>
-              <a:rPr lang="fr-FR" sz="2000" b="1" dirty="0" err="1" smtClean="0">
-                <a:solidFill>
-                  <a:srgbClr val="008000"/>
-                </a:solidFill>
-                <a:latin typeface="Courier New"/>
-                <a:cs typeface="Courier New"/>
-              </a:rPr>
-              <a:t>even</a:t>
-            </a:r>
-            <a:r>
-              <a:rPr lang="fr-FR" sz="2000" b="1" dirty="0" smtClean="0">
-                <a:solidFill>
-                  <a:srgbClr val="008000"/>
-                </a:solidFill>
-                <a:latin typeface="Courier New"/>
-                <a:cs typeface="Courier New"/>
-              </a:rPr>
-              <a:t> </a:t>
-            </a:r>
-            <a:r>
-              <a:rPr lang="fr-FR" sz="2000" b="1" dirty="0" err="1" smtClean="0">
-                <a:solidFill>
-                  <a:srgbClr val="008000"/>
-                </a:solidFill>
-                <a:latin typeface="Courier New"/>
-                <a:cs typeface="Courier New"/>
-              </a:rPr>
-              <a:t>number</a:t>
-            </a:r>
-            <a:r>
-              <a:rPr lang="fr-FR" sz="2000" b="1" dirty="0" smtClean="0">
-                <a:solidFill>
-                  <a:srgbClr val="008000"/>
-                </a:solidFill>
-                <a:latin typeface="Courier New"/>
-                <a:cs typeface="Courier New"/>
-              </a:rPr>
-              <a:t> of ‘1’ bits</a:t>
-            </a:r>
-            <a:endParaRPr lang="en-GB" sz="2000" b="1" dirty="0" smtClean="0">
-              <a:solidFill>
-                <a:srgbClr val="008000"/>
-              </a:solidFill>
-              <a:latin typeface="Courier New"/>
-              <a:cs typeface="Courier New"/>
-            </a:endParaRPr>
-          </a:p>
-          <a:p>
-            <a:pPr marL="0" indent="0">
-              <a:buNone/>
-            </a:pPr>
-            <a:endParaRPr lang="en-GB" sz="2000" b="1" dirty="0"/>
+            <a:r>
+              <a:rPr lang="en-GB" dirty="0" smtClean="0"/>
+              <a:t>Some processors may have native hardware support for computing parity efficiently</a:t>
+            </a:r>
+          </a:p>
+          <a:p>
+            <a:r>
+              <a:rPr lang="en-GB" dirty="0" smtClean="0"/>
+              <a:t>Several compilers (</a:t>
+            </a:r>
+            <a:r>
+              <a:rPr lang="en-GB" dirty="0" err="1" smtClean="0"/>
+              <a:t>gcc</a:t>
+            </a:r>
+            <a:r>
+              <a:rPr lang="en-GB" dirty="0" smtClean="0"/>
+              <a:t>, clang, </a:t>
+            </a:r>
+            <a:r>
+              <a:rPr lang="en-GB" dirty="0" err="1" smtClean="0"/>
+              <a:t>icc</a:t>
+            </a:r>
+            <a:r>
+              <a:rPr lang="en-GB" dirty="0" smtClean="0"/>
+              <a:t>) support </a:t>
+            </a:r>
+            <a:r>
+              <a:rPr lang="en-GB" dirty="0" err="1" smtClean="0"/>
+              <a:t>intrinsics</a:t>
+            </a:r>
+            <a:r>
+              <a:rPr lang="en-GB" dirty="0" smtClean="0"/>
+              <a:t> to handle this</a:t>
+            </a:r>
           </a:p>
         </p:txBody>
       </p:sp>
@@ -24879,7 +24069,7 @@
     </p:spTree>
     <p:extLst>
       <p:ext uri="{BB962C8B-B14F-4D97-AF65-F5344CB8AC3E}">
-        <p14:creationId xmlns:p14="http://schemas.microsoft.com/office/powerpoint/2010/main" val="1368924357"/>
+        <p14:creationId xmlns:p14="http://schemas.microsoft.com/office/powerpoint/2010/main" val="1739650430"/>
       </p:ext>
     </p:extLst>
   </p:cSld>
@@ -24970,7 +24160,7 @@
                 <a:latin typeface="Courier New"/>
                 <a:cs typeface="Courier New"/>
               </a:rPr>
-              <a:t>uint64_t</a:t>
+              <a:t>uint32_t</a:t>
             </a:r>
             <a:r>
               <a:rPr lang="en-GB" sz="2000" b="1" dirty="0" smtClean="0">
@@ -24980,14 +24170,14 @@
               <a:t> data[</a:t>
             </a:r>
             <a:r>
-              <a:rPr lang="en-GB" sz="2000" b="1" dirty="0">
+              <a:rPr lang="en-GB" sz="2000" b="1" dirty="0" smtClean="0">
                 <a:solidFill>
                   <a:srgbClr val="6117C1"/>
                 </a:solidFill>
                 <a:latin typeface="Courier New"/>
                 <a:cs typeface="Courier New"/>
               </a:rPr>
-              <a:t>2</a:t>
+              <a:t>4</a:t>
             </a:r>
             <a:r>
               <a:rPr lang="en-GB" sz="2000" b="1" dirty="0" smtClean="0">
@@ -25028,7 +24218,7 @@
                 <a:latin typeface="Courier New"/>
                 <a:cs typeface="Courier New"/>
               </a:rPr>
-              <a:t>uint64_t</a:t>
+              <a:t>uint32_t</a:t>
             </a:r>
             <a:r>
               <a:rPr lang="en-GB" sz="2000" b="1" dirty="0" smtClean="0">
@@ -25062,32 +24252,352 @@
                 <a:latin typeface="Courier New"/>
                 <a:cs typeface="Courier New"/>
               </a:rPr>
-              <a:t>1];</a:t>
-            </a:r>
-          </a:p>
-          <a:p>
-            <a:pPr marL="0" indent="0">
-              <a:buNone/>
-            </a:pPr>
-            <a:endParaRPr lang="en-GB" sz="2000" b="1" dirty="0" smtClean="0">
-              <a:latin typeface="Courier New"/>
-              <a:cs typeface="Courier New"/>
-            </a:endParaRPr>
-          </a:p>
-          <a:p>
-            <a:pPr marL="0" indent="0">
-              <a:buNone/>
-            </a:pPr>
-            <a:r>
-              <a:rPr lang="fr-FR" sz="2000" b="1" dirty="0">
+              <a:t>1</a:t>
+            </a:r>
+            <a:r>
+              <a:rPr lang="en-GB" sz="2000" b="1" dirty="0" smtClean="0">
+                <a:latin typeface="Courier New"/>
+                <a:cs typeface="Courier New"/>
+              </a:rPr>
+              <a:t>] ^ data[</a:t>
+            </a:r>
+            <a:r>
+              <a:rPr lang="en-GB" sz="2000" b="1" dirty="0" smtClean="0">
                 <a:solidFill>
-                  <a:srgbClr val="008000"/>
+                  <a:srgbClr val="6117C1"/>
                 </a:solidFill>
                 <a:latin typeface="Courier New"/>
                 <a:cs typeface="Courier New"/>
               </a:rPr>
-              <a:t>/</a:t>
-            </a:r>
+              <a:t>2</a:t>
+            </a:r>
+            <a:r>
+              <a:rPr lang="en-GB" sz="2000" b="1" dirty="0" smtClean="0">
+                <a:latin typeface="Courier New"/>
+                <a:cs typeface="Courier New"/>
+              </a:rPr>
+              <a:t>] ^ data[</a:t>
+            </a:r>
+            <a:r>
+              <a:rPr lang="en-GB" sz="2000" b="1" dirty="0" smtClean="0">
+                <a:solidFill>
+                  <a:srgbClr val="6117C1"/>
+                </a:solidFill>
+                <a:latin typeface="Courier New"/>
+                <a:cs typeface="Courier New"/>
+              </a:rPr>
+              <a:t>3</a:t>
+            </a:r>
+            <a:r>
+              <a:rPr lang="en-GB" sz="2000" b="1" dirty="0" smtClean="0">
+                <a:latin typeface="Courier New"/>
+                <a:cs typeface="Courier New"/>
+              </a:rPr>
+              <a:t>]</a:t>
+            </a:r>
+          </a:p>
+          <a:p>
+            <a:pPr marL="0" indent="0">
+              <a:buNone/>
+            </a:pPr>
+            <a:r>
+              <a:rPr lang="fr-FR" sz="2000" b="1" dirty="0">
+                <a:latin typeface="Courier New"/>
+                <a:cs typeface="Courier New"/>
+              </a:rPr>
+              <a:t>p</a:t>
+            </a:r>
+            <a:r>
+              <a:rPr lang="fr-FR" sz="2000" b="1" dirty="0" smtClean="0">
+                <a:latin typeface="Courier New"/>
+                <a:cs typeface="Courier New"/>
+              </a:rPr>
+              <a:t> </a:t>
+            </a:r>
+            <a:r>
+              <a:rPr lang="fr-FR" sz="2000" b="1" dirty="0">
+                <a:latin typeface="Courier New"/>
+                <a:cs typeface="Courier New"/>
+              </a:rPr>
+              <a:t>^= </a:t>
+            </a:r>
+            <a:r>
+              <a:rPr lang="fr-FR" sz="2000" b="1" dirty="0" smtClean="0">
+                <a:latin typeface="Courier New"/>
+                <a:cs typeface="Courier New"/>
+              </a:rPr>
+              <a:t>p </a:t>
+            </a:r>
+            <a:r>
+              <a:rPr lang="fr-FR" sz="2000" b="1" dirty="0">
+                <a:latin typeface="Courier New"/>
+                <a:cs typeface="Courier New"/>
+              </a:rPr>
+              <a:t>&gt;&gt; </a:t>
+            </a:r>
+            <a:r>
+              <a:rPr lang="fr-FR" sz="2000" b="1" dirty="0">
+                <a:solidFill>
+                  <a:srgbClr val="6117C1"/>
+                </a:solidFill>
+                <a:latin typeface="Courier New"/>
+                <a:cs typeface="Courier New"/>
+              </a:rPr>
+              <a:t>16</a:t>
+            </a:r>
+            <a:r>
+              <a:rPr lang="fr-FR" sz="2000" b="1" dirty="0">
+                <a:latin typeface="Courier New"/>
+                <a:cs typeface="Courier New"/>
+              </a:rPr>
+              <a:t>;</a:t>
+            </a:r>
+          </a:p>
+          <a:p>
+            <a:pPr marL="0" indent="0">
+              <a:buNone/>
+            </a:pPr>
+            <a:r>
+              <a:rPr lang="fr-FR" sz="2000" b="1" dirty="0">
+                <a:latin typeface="Courier New"/>
+                <a:cs typeface="Courier New"/>
+              </a:rPr>
+              <a:t>p</a:t>
+            </a:r>
+            <a:r>
+              <a:rPr lang="fr-FR" sz="2000" b="1" dirty="0" smtClean="0">
+                <a:latin typeface="Courier New"/>
+                <a:cs typeface="Courier New"/>
+              </a:rPr>
+              <a:t> </a:t>
+            </a:r>
+            <a:r>
+              <a:rPr lang="fr-FR" sz="2000" b="1" dirty="0">
+                <a:latin typeface="Courier New"/>
+                <a:cs typeface="Courier New"/>
+              </a:rPr>
+              <a:t>^= </a:t>
+            </a:r>
+            <a:r>
+              <a:rPr lang="fr-FR" sz="2000" b="1" dirty="0" smtClean="0">
+                <a:latin typeface="Courier New"/>
+                <a:cs typeface="Courier New"/>
+              </a:rPr>
+              <a:t>p </a:t>
+            </a:r>
+            <a:r>
+              <a:rPr lang="fr-FR" sz="2000" b="1" dirty="0">
+                <a:latin typeface="Courier New"/>
+                <a:cs typeface="Courier New"/>
+              </a:rPr>
+              <a:t>&gt;&gt; </a:t>
+            </a:r>
+            <a:r>
+              <a:rPr lang="fr-FR" sz="2000" b="1" dirty="0">
+                <a:solidFill>
+                  <a:srgbClr val="6117C1"/>
+                </a:solidFill>
+                <a:latin typeface="Courier New"/>
+                <a:cs typeface="Courier New"/>
+              </a:rPr>
+              <a:t>8</a:t>
+            </a:r>
+            <a:r>
+              <a:rPr lang="fr-FR" sz="2000" b="1" dirty="0">
+                <a:latin typeface="Courier New"/>
+                <a:cs typeface="Courier New"/>
+              </a:rPr>
+              <a:t>;</a:t>
+            </a:r>
+          </a:p>
+          <a:p>
+            <a:pPr marL="0" indent="0">
+              <a:buNone/>
+            </a:pPr>
+            <a:r>
+              <a:rPr lang="fr-FR" sz="2000" b="1" dirty="0">
+                <a:latin typeface="Courier New"/>
+                <a:cs typeface="Courier New"/>
+              </a:rPr>
+              <a:t>p</a:t>
+            </a:r>
+            <a:r>
+              <a:rPr lang="fr-FR" sz="2000" b="1" dirty="0" smtClean="0">
+                <a:latin typeface="Courier New"/>
+                <a:cs typeface="Courier New"/>
+              </a:rPr>
+              <a:t> </a:t>
+            </a:r>
+            <a:r>
+              <a:rPr lang="fr-FR" sz="2000" b="1" dirty="0">
+                <a:latin typeface="Courier New"/>
+                <a:cs typeface="Courier New"/>
+              </a:rPr>
+              <a:t>^= </a:t>
+            </a:r>
+            <a:r>
+              <a:rPr lang="fr-FR" sz="2000" b="1" dirty="0" smtClean="0">
+                <a:latin typeface="Courier New"/>
+                <a:cs typeface="Courier New"/>
+              </a:rPr>
+              <a:t>p </a:t>
+            </a:r>
+            <a:r>
+              <a:rPr lang="fr-FR" sz="2000" b="1" dirty="0">
+                <a:latin typeface="Courier New"/>
+                <a:cs typeface="Courier New"/>
+              </a:rPr>
+              <a:t>&gt;&gt; </a:t>
+            </a:r>
+            <a:r>
+              <a:rPr lang="fr-FR" sz="2000" b="1" dirty="0">
+                <a:solidFill>
+                  <a:srgbClr val="6117C1"/>
+                </a:solidFill>
+                <a:latin typeface="Courier New"/>
+                <a:cs typeface="Courier New"/>
+              </a:rPr>
+              <a:t>4</a:t>
+            </a:r>
+            <a:r>
+              <a:rPr lang="fr-FR" sz="2000" b="1" dirty="0">
+                <a:latin typeface="Courier New"/>
+                <a:cs typeface="Courier New"/>
+              </a:rPr>
+              <a:t>;</a:t>
+            </a:r>
+          </a:p>
+          <a:p>
+            <a:pPr marL="0" indent="0">
+              <a:buNone/>
+            </a:pPr>
+            <a:r>
+              <a:rPr lang="en-US" sz="2000" b="1" dirty="0">
+                <a:latin typeface="Courier New"/>
+                <a:cs typeface="Courier New"/>
+              </a:rPr>
+              <a:t>p</a:t>
+            </a:r>
+            <a:r>
+              <a:rPr lang="en-US" sz="2000" b="1" dirty="0" smtClean="0">
+                <a:latin typeface="Courier New"/>
+                <a:cs typeface="Courier New"/>
+              </a:rPr>
+              <a:t> </a:t>
+            </a:r>
+            <a:r>
+              <a:rPr lang="en-US" sz="2000" b="1" dirty="0">
+                <a:latin typeface="Courier New"/>
+                <a:cs typeface="Courier New"/>
+              </a:rPr>
+              <a:t>^= </a:t>
+            </a:r>
+            <a:r>
+              <a:rPr lang="en-US" sz="2000" b="1" dirty="0" smtClean="0">
+                <a:latin typeface="Courier New"/>
+                <a:cs typeface="Courier New"/>
+              </a:rPr>
+              <a:t>p </a:t>
+            </a:r>
+            <a:r>
+              <a:rPr lang="en-US" sz="2000" b="1" dirty="0">
+                <a:latin typeface="Courier New"/>
+                <a:cs typeface="Courier New"/>
+              </a:rPr>
+              <a:t>&gt;&gt; </a:t>
+            </a:r>
+            <a:r>
+              <a:rPr lang="en-US" sz="2000" b="1" dirty="0">
+                <a:solidFill>
+                  <a:srgbClr val="6117C1"/>
+                </a:solidFill>
+                <a:latin typeface="Courier New"/>
+                <a:cs typeface="Courier New"/>
+              </a:rPr>
+              <a:t>2</a:t>
+            </a:r>
+            <a:r>
+              <a:rPr lang="en-US" sz="2000" b="1" dirty="0">
+                <a:latin typeface="Courier New"/>
+                <a:cs typeface="Courier New"/>
+              </a:rPr>
+              <a:t>;</a:t>
+            </a:r>
+          </a:p>
+          <a:p>
+            <a:pPr marL="0" indent="0">
+              <a:buNone/>
+            </a:pPr>
+            <a:r>
+              <a:rPr lang="fr-FR" sz="2000" b="1" dirty="0">
+                <a:latin typeface="Courier New"/>
+                <a:cs typeface="Courier New"/>
+              </a:rPr>
+              <a:t>p</a:t>
+            </a:r>
+            <a:r>
+              <a:rPr lang="fr-FR" sz="2000" b="1" dirty="0" smtClean="0">
+                <a:latin typeface="Courier New"/>
+                <a:cs typeface="Courier New"/>
+              </a:rPr>
+              <a:t> </a:t>
+            </a:r>
+            <a:r>
+              <a:rPr lang="fr-FR" sz="2000" b="1" dirty="0">
+                <a:latin typeface="Courier New"/>
+                <a:cs typeface="Courier New"/>
+              </a:rPr>
+              <a:t>^= </a:t>
+            </a:r>
+            <a:r>
+              <a:rPr lang="fr-FR" sz="2000" b="1" dirty="0" smtClean="0">
+                <a:latin typeface="Courier New"/>
+                <a:cs typeface="Courier New"/>
+              </a:rPr>
+              <a:t>p </a:t>
+            </a:r>
+            <a:r>
+              <a:rPr lang="fr-FR" sz="2000" b="1" dirty="0">
+                <a:latin typeface="Courier New"/>
+                <a:cs typeface="Courier New"/>
+              </a:rPr>
+              <a:t>&gt;&gt; </a:t>
+            </a:r>
+            <a:r>
+              <a:rPr lang="fr-FR" sz="2000" b="1" dirty="0">
+                <a:solidFill>
+                  <a:srgbClr val="6117C1"/>
+                </a:solidFill>
+                <a:latin typeface="Courier New"/>
+                <a:cs typeface="Courier New"/>
+              </a:rPr>
+              <a:t>1</a:t>
+            </a:r>
+            <a:r>
+              <a:rPr lang="fr-FR" sz="2000" b="1" dirty="0" smtClean="0">
+                <a:latin typeface="Courier New"/>
+                <a:cs typeface="Courier New"/>
+              </a:rPr>
+              <a:t>;</a:t>
+            </a:r>
+            <a:endParaRPr lang="fr-FR" sz="2000" b="1" dirty="0">
+              <a:latin typeface="Courier New"/>
+              <a:cs typeface="Courier New"/>
+            </a:endParaRPr>
+          </a:p>
+          <a:p>
+            <a:pPr marL="0" indent="0">
+              <a:buNone/>
+            </a:pPr>
+            <a:endParaRPr lang="fr-FR" sz="2000" b="1" dirty="0" smtClean="0">
+              <a:latin typeface="Courier New"/>
+              <a:cs typeface="Courier New"/>
+            </a:endParaRPr>
+          </a:p>
+          <a:p>
+            <a:pPr marL="0" indent="0">
+              <a:buNone/>
+            </a:pPr>
             <a:r>
               <a:rPr lang="fr-FR" sz="2000" b="1" dirty="0" smtClean="0">
                 <a:solidFill>
@@ -25096,7 +24606,7 @@
                 <a:latin typeface="Courier New"/>
                 <a:cs typeface="Courier New"/>
               </a:rPr>
-              <a:t>/ This </a:t>
+              <a:t>// p </a:t>
             </a:r>
             <a:r>
               <a:rPr lang="fr-FR" sz="2000" b="1" dirty="0" err="1" smtClean="0">
@@ -25106,7 +24616,7 @@
                 <a:latin typeface="Courier New"/>
                 <a:cs typeface="Courier New"/>
               </a:rPr>
-              <a:t>intrinsic</a:t>
+              <a:t>is</a:t>
             </a:r>
             <a:r>
               <a:rPr lang="fr-FR" sz="2000" b="1" dirty="0" smtClean="0">
@@ -25126,7 +24636,99 @@
                 <a:latin typeface="Courier New"/>
                 <a:cs typeface="Courier New"/>
               </a:rPr>
-              <a:t>should</a:t>
+              <a:t>now</a:t>
+            </a:r>
+            <a:r>
+              <a:rPr lang="fr-FR" sz="2000" b="1" dirty="0" smtClean="0">
+                <a:solidFill>
+                  <a:srgbClr val="008000"/>
+                </a:solidFill>
+                <a:latin typeface="Courier New"/>
+                <a:cs typeface="Courier New"/>
+              </a:rPr>
+              <a:t> ‘1’ or ‘0’, </a:t>
+            </a:r>
+            <a:r>
+              <a:rPr lang="fr-FR" sz="2000" b="1" dirty="0" err="1" smtClean="0">
+                <a:solidFill>
+                  <a:srgbClr val="008000"/>
+                </a:solidFill>
+                <a:latin typeface="Courier New"/>
+                <a:cs typeface="Courier New"/>
+              </a:rPr>
+              <a:t>corresponding</a:t>
+            </a:r>
+            <a:r>
+              <a:rPr lang="fr-FR" sz="2000" b="1" dirty="0" smtClean="0">
+                <a:solidFill>
+                  <a:srgbClr val="008000"/>
+                </a:solidFill>
+                <a:latin typeface="Courier New"/>
+                <a:cs typeface="Courier New"/>
+              </a:rPr>
+              <a:t> to data </a:t>
+            </a:r>
+            <a:r>
+              <a:rPr lang="fr-FR" sz="2000" b="1" dirty="0" err="1" smtClean="0">
+                <a:solidFill>
+                  <a:srgbClr val="008000"/>
+                </a:solidFill>
+                <a:latin typeface="Courier New"/>
+                <a:cs typeface="Courier New"/>
+              </a:rPr>
+              <a:t>having</a:t>
+            </a:r>
+            <a:endParaRPr lang="fr-FR" sz="2000" b="1" dirty="0" smtClean="0">
+              <a:solidFill>
+                <a:srgbClr val="008000"/>
+              </a:solidFill>
+              <a:latin typeface="Courier New"/>
+              <a:cs typeface="Courier New"/>
+            </a:endParaRPr>
+          </a:p>
+          <a:p>
+            <a:pPr marL="0" indent="0">
+              <a:buNone/>
+            </a:pPr>
+            <a:r>
+              <a:rPr lang="fr-FR" sz="2000" b="1" dirty="0" smtClean="0">
+                <a:solidFill>
+                  <a:srgbClr val="008000"/>
+                </a:solidFill>
+                <a:latin typeface="Courier New"/>
+                <a:cs typeface="Courier New"/>
+              </a:rPr>
+              <a:t>// an </a:t>
+            </a:r>
+            <a:r>
+              <a:rPr lang="fr-FR" sz="2000" b="1" dirty="0" err="1" smtClean="0">
+                <a:solidFill>
+                  <a:srgbClr val="008000"/>
+                </a:solidFill>
+                <a:latin typeface="Courier New"/>
+                <a:cs typeface="Courier New"/>
+              </a:rPr>
+              <a:t>odd</a:t>
+            </a:r>
+            <a:r>
+              <a:rPr lang="fr-FR" sz="2000" b="1" dirty="0" smtClean="0">
+                <a:solidFill>
+                  <a:srgbClr val="008000"/>
+                </a:solidFill>
+                <a:latin typeface="Courier New"/>
+                <a:cs typeface="Courier New"/>
+              </a:rPr>
+              <a:t> or </a:t>
+            </a:r>
+            <a:r>
+              <a:rPr lang="fr-FR" sz="2000" b="1" dirty="0" err="1" smtClean="0">
+                <a:solidFill>
+                  <a:srgbClr val="008000"/>
+                </a:solidFill>
+                <a:latin typeface="Courier New"/>
+                <a:cs typeface="Courier New"/>
+              </a:rPr>
+              <a:t>even</a:t>
             </a:r>
             <a:r>
               <a:rPr lang="fr-FR" sz="2000" b="1" dirty="0" smtClean="0">
@@ -25146,286 +24748,6 @@
                 <a:latin typeface="Courier New"/>
                 <a:cs typeface="Courier New"/>
               </a:rPr>
-              <a:t>map</a:t>
-            </a:r>
-            <a:r>
-              <a:rPr lang="fr-FR" sz="2000" b="1" dirty="0" smtClean="0">
-                <a:solidFill>
-                  <a:srgbClr val="008000"/>
-                </a:solidFill>
-                <a:latin typeface="Courier New"/>
-                <a:cs typeface="Courier New"/>
-              </a:rPr>
-              <a:t> to native hardware</a:t>
-            </a:r>
-          </a:p>
-          <a:p>
-            <a:pPr marL="0" indent="0">
-              <a:buNone/>
-            </a:pPr>
-            <a:r>
-              <a:rPr lang="fr-FR" sz="2000" b="1" dirty="0" smtClean="0">
-                <a:solidFill>
-                  <a:srgbClr val="008000"/>
-                </a:solidFill>
-                <a:latin typeface="Courier New"/>
-                <a:cs typeface="Courier New"/>
-              </a:rPr>
-              <a:t>// </a:t>
-            </a:r>
-            <a:r>
-              <a:rPr lang="fr-FR" sz="2000" b="1" dirty="0" err="1" smtClean="0">
-                <a:solidFill>
-                  <a:srgbClr val="008000"/>
-                </a:solidFill>
-                <a:latin typeface="Courier New"/>
-                <a:cs typeface="Courier New"/>
-              </a:rPr>
-              <a:t>implementation</a:t>
-            </a:r>
-            <a:r>
-              <a:rPr lang="fr-FR" sz="2000" b="1" dirty="0" smtClean="0">
-                <a:solidFill>
-                  <a:srgbClr val="008000"/>
-                </a:solidFill>
-                <a:latin typeface="Courier New"/>
-                <a:cs typeface="Courier New"/>
-              </a:rPr>
-              <a:t> if </a:t>
-            </a:r>
-            <a:r>
-              <a:rPr lang="fr-FR" sz="2000" b="1" dirty="0" err="1" smtClean="0">
-                <a:solidFill>
-                  <a:srgbClr val="008000"/>
-                </a:solidFill>
-                <a:latin typeface="Courier New"/>
-                <a:cs typeface="Courier New"/>
-              </a:rPr>
-              <a:t>available</a:t>
-            </a:r>
-            <a:endParaRPr lang="en-GB" sz="2000" b="1" dirty="0" smtClean="0">
-              <a:latin typeface="Courier New"/>
-              <a:cs typeface="Courier New"/>
-            </a:endParaRPr>
-          </a:p>
-          <a:p>
-            <a:pPr marL="0" indent="0">
-              <a:buNone/>
-            </a:pPr>
-            <a:r>
-              <a:rPr lang="en-GB" sz="2000" b="1" dirty="0">
-                <a:latin typeface="Courier New"/>
-                <a:cs typeface="Courier New"/>
-              </a:rPr>
-              <a:t>p</a:t>
-            </a:r>
-            <a:r>
-              <a:rPr lang="en-GB" sz="2000" b="1" dirty="0" smtClean="0">
-                <a:latin typeface="Courier New"/>
-                <a:cs typeface="Courier New"/>
-              </a:rPr>
-              <a:t> = </a:t>
-            </a:r>
-            <a:r>
-              <a:rPr lang="en-GB" sz="2000" b="1" dirty="0" smtClean="0">
-                <a:solidFill>
-                  <a:srgbClr val="3366FF"/>
-                </a:solidFill>
-                <a:latin typeface="Courier New"/>
-                <a:cs typeface="Courier New"/>
-              </a:rPr>
-              <a:t>__</a:t>
-            </a:r>
-            <a:r>
-              <a:rPr lang="en-GB" sz="2000" b="1" dirty="0" err="1" smtClean="0">
-                <a:solidFill>
-                  <a:srgbClr val="3366FF"/>
-                </a:solidFill>
-                <a:latin typeface="Courier New"/>
-                <a:cs typeface="Courier New"/>
-              </a:rPr>
-              <a:t>builtin_parityl</a:t>
-            </a:r>
-            <a:r>
-              <a:rPr lang="en-GB" sz="2000" b="1" dirty="0" smtClean="0">
-                <a:latin typeface="Courier New"/>
-                <a:cs typeface="Courier New"/>
-              </a:rPr>
-              <a:t>(p);</a:t>
-            </a:r>
-          </a:p>
-          <a:p>
-            <a:pPr marL="0" indent="0">
-              <a:buNone/>
-            </a:pPr>
-            <a:endParaRPr lang="fr-FR" sz="2000" b="1" dirty="0">
-              <a:latin typeface="Courier New"/>
-              <a:cs typeface="Courier New"/>
-            </a:endParaRPr>
-          </a:p>
-          <a:p>
-            <a:pPr marL="0" indent="0">
-              <a:buNone/>
-            </a:pPr>
-            <a:endParaRPr lang="fr-FR" sz="2000" b="1" dirty="0" smtClean="0">
-              <a:latin typeface="Courier New"/>
-              <a:cs typeface="Courier New"/>
-            </a:endParaRPr>
-          </a:p>
-          <a:p>
-            <a:pPr marL="0" indent="0">
-              <a:buNone/>
-            </a:pPr>
-            <a:r>
-              <a:rPr lang="fr-FR" sz="2000" b="1" dirty="0" smtClean="0">
-                <a:solidFill>
-                  <a:srgbClr val="008000"/>
-                </a:solidFill>
-                <a:latin typeface="Courier New"/>
-                <a:cs typeface="Courier New"/>
-              </a:rPr>
-              <a:t>// p </a:t>
-            </a:r>
-            <a:r>
-              <a:rPr lang="fr-FR" sz="2000" b="1" dirty="0" err="1" smtClean="0">
-                <a:solidFill>
-                  <a:srgbClr val="008000"/>
-                </a:solidFill>
-                <a:latin typeface="Courier New"/>
-                <a:cs typeface="Courier New"/>
-              </a:rPr>
-              <a:t>is</a:t>
-            </a:r>
-            <a:r>
-              <a:rPr lang="fr-FR" sz="2000" b="1" dirty="0" smtClean="0">
-                <a:solidFill>
-                  <a:srgbClr val="008000"/>
-                </a:solidFill>
-                <a:latin typeface="Courier New"/>
-                <a:cs typeface="Courier New"/>
-              </a:rPr>
-              <a:t> </a:t>
-            </a:r>
-            <a:r>
-              <a:rPr lang="fr-FR" sz="2000" b="1" dirty="0" err="1" smtClean="0">
-                <a:solidFill>
-                  <a:srgbClr val="008000"/>
-                </a:solidFill>
-                <a:latin typeface="Courier New"/>
-                <a:cs typeface="Courier New"/>
-              </a:rPr>
-              <a:t>now</a:t>
-            </a:r>
-            <a:r>
-              <a:rPr lang="fr-FR" sz="2000" b="1" dirty="0" smtClean="0">
-                <a:solidFill>
-                  <a:srgbClr val="008000"/>
-                </a:solidFill>
-                <a:latin typeface="Courier New"/>
-                <a:cs typeface="Courier New"/>
-              </a:rPr>
-              <a:t> ‘1’ or ‘0’, </a:t>
-            </a:r>
-            <a:r>
-              <a:rPr lang="fr-FR" sz="2000" b="1" dirty="0" err="1" smtClean="0">
-                <a:solidFill>
-                  <a:srgbClr val="008000"/>
-                </a:solidFill>
-                <a:latin typeface="Courier New"/>
-                <a:cs typeface="Courier New"/>
-              </a:rPr>
-              <a:t>corresponding</a:t>
-            </a:r>
-            <a:r>
-              <a:rPr lang="fr-FR" sz="2000" b="1" dirty="0" smtClean="0">
-                <a:solidFill>
-                  <a:srgbClr val="008000"/>
-                </a:solidFill>
-                <a:latin typeface="Courier New"/>
-                <a:cs typeface="Courier New"/>
-              </a:rPr>
-              <a:t> to data </a:t>
-            </a:r>
-            <a:r>
-              <a:rPr lang="fr-FR" sz="2000" b="1" dirty="0" err="1" smtClean="0">
-                <a:solidFill>
-                  <a:srgbClr val="008000"/>
-                </a:solidFill>
-                <a:latin typeface="Courier New"/>
-                <a:cs typeface="Courier New"/>
-              </a:rPr>
-              <a:t>having</a:t>
-            </a:r>
-            <a:endParaRPr lang="fr-FR" sz="2000" b="1" dirty="0" smtClean="0">
-              <a:solidFill>
-                <a:srgbClr val="008000"/>
-              </a:solidFill>
-              <a:latin typeface="Courier New"/>
-              <a:cs typeface="Courier New"/>
-            </a:endParaRPr>
-          </a:p>
-          <a:p>
-            <a:pPr marL="0" indent="0">
-              <a:buNone/>
-            </a:pPr>
-            <a:r>
-              <a:rPr lang="fr-FR" sz="2000" b="1" dirty="0" smtClean="0">
-                <a:solidFill>
-                  <a:srgbClr val="008000"/>
-                </a:solidFill>
-                <a:latin typeface="Courier New"/>
-                <a:cs typeface="Courier New"/>
-              </a:rPr>
-              <a:t>// an </a:t>
-            </a:r>
-            <a:r>
-              <a:rPr lang="fr-FR" sz="2000" b="1" dirty="0" err="1" smtClean="0">
-                <a:solidFill>
-                  <a:srgbClr val="008000"/>
-                </a:solidFill>
-                <a:latin typeface="Courier New"/>
-                <a:cs typeface="Courier New"/>
-              </a:rPr>
-              <a:t>odd</a:t>
-            </a:r>
-            <a:r>
-              <a:rPr lang="fr-FR" sz="2000" b="1" dirty="0" smtClean="0">
-                <a:solidFill>
-                  <a:srgbClr val="008000"/>
-                </a:solidFill>
-                <a:latin typeface="Courier New"/>
-                <a:cs typeface="Courier New"/>
-              </a:rPr>
-              <a:t> or </a:t>
-            </a:r>
-            <a:r>
-              <a:rPr lang="fr-FR" sz="2000" b="1" dirty="0" err="1" smtClean="0">
-                <a:solidFill>
-                  <a:srgbClr val="008000"/>
-                </a:solidFill>
-                <a:latin typeface="Courier New"/>
-                <a:cs typeface="Courier New"/>
-              </a:rPr>
-              <a:t>even</a:t>
-            </a:r>
-            <a:r>
-              <a:rPr lang="fr-FR" sz="2000" b="1" dirty="0" smtClean="0">
-                <a:solidFill>
-                  <a:srgbClr val="008000"/>
-                </a:solidFill>
-                <a:latin typeface="Courier New"/>
-                <a:cs typeface="Courier New"/>
-              </a:rPr>
-              <a:t> </a:t>
-            </a:r>
-            <a:r>
-              <a:rPr lang="fr-FR" sz="2000" b="1" dirty="0" err="1" smtClean="0">
-                <a:solidFill>
-                  <a:srgbClr val="008000"/>
-                </a:solidFill>
-                <a:latin typeface="Courier New"/>
-                <a:cs typeface="Courier New"/>
-              </a:rPr>
               <a:t>number</a:t>
             </a:r>
             <a:r>
@@ -25481,7 +24803,7 @@
     </p:spTree>
     <p:extLst>
       <p:ext uri="{BB962C8B-B14F-4D97-AF65-F5344CB8AC3E}">
-        <p14:creationId xmlns:p14="http://schemas.microsoft.com/office/powerpoint/2010/main" val="2605028781"/>
+        <p14:creationId xmlns:p14="http://schemas.microsoft.com/office/powerpoint/2010/main" val="2692605913"/>
       </p:ext>
     </p:extLst>
   </p:cSld>
@@ -25540,6 +24862,1251 @@
           <a:p>
             <a:r>
               <a:rPr lang="en-GB" dirty="0" smtClean="0"/>
+              <a:t>Parity bits - implementation</a:t>
+            </a:r>
+            <a:endParaRPr lang="en-GB" dirty="0"/>
+          </a:p>
+        </p:txBody>
+      </p:sp>
+      <p:sp>
+        <p:nvSpPr>
+          <p:cNvPr id="3" name="Content Placeholder 2"/>
+          <p:cNvSpPr>
+            <a:spLocks noGrp="1"/>
+          </p:cNvSpPr>
+          <p:nvPr>
+            <p:ph idx="1"/>
+          </p:nvPr>
+        </p:nvSpPr>
+        <p:spPr/>
+        <p:txBody>
+          <a:bodyPr/>
+          <a:lstStyle/>
+          <a:p>
+            <a:pPr marL="0" indent="0">
+              <a:buNone/>
+            </a:pPr>
+            <a:r>
+              <a:rPr lang="en-GB" sz="2000" b="1" i="1" dirty="0" smtClean="0">
+                <a:solidFill>
+                  <a:srgbClr val="3366FF"/>
+                </a:solidFill>
+                <a:latin typeface="Courier New"/>
+                <a:cs typeface="Courier New"/>
+              </a:rPr>
+              <a:t>uint32_t</a:t>
+            </a:r>
+            <a:r>
+              <a:rPr lang="en-GB" sz="2000" b="1" dirty="0" smtClean="0">
+                <a:latin typeface="Courier New"/>
+                <a:cs typeface="Courier New"/>
+              </a:rPr>
+              <a:t> data[</a:t>
+            </a:r>
+            <a:r>
+              <a:rPr lang="en-GB" sz="2000" b="1" dirty="0" smtClean="0">
+                <a:solidFill>
+                  <a:srgbClr val="6117C1"/>
+                </a:solidFill>
+                <a:latin typeface="Courier New"/>
+                <a:cs typeface="Courier New"/>
+              </a:rPr>
+              <a:t>4</a:t>
+            </a:r>
+            <a:r>
+              <a:rPr lang="en-GB" sz="2000" b="1" dirty="0" smtClean="0">
+                <a:latin typeface="Courier New"/>
+                <a:cs typeface="Courier New"/>
+              </a:rPr>
+              <a:t>]; </a:t>
+            </a:r>
+            <a:r>
+              <a:rPr lang="en-GB" sz="2000" b="1" dirty="0" smtClean="0">
+                <a:solidFill>
+                  <a:srgbClr val="008000"/>
+                </a:solidFill>
+                <a:latin typeface="Courier New"/>
+                <a:cs typeface="Courier New"/>
+              </a:rPr>
+              <a:t>// 128 bits of data</a:t>
+            </a:r>
+          </a:p>
+          <a:p>
+            <a:pPr marL="0" indent="0">
+              <a:buNone/>
+            </a:pPr>
+            <a:endParaRPr lang="en-GB" sz="2000" b="1" dirty="0">
+              <a:latin typeface="Courier New"/>
+              <a:cs typeface="Courier New"/>
+            </a:endParaRPr>
+          </a:p>
+          <a:p>
+            <a:pPr marL="0" indent="0">
+              <a:buNone/>
+            </a:pPr>
+            <a:r>
+              <a:rPr lang="en-GB" sz="2000" b="1" i="1" dirty="0" smtClean="0">
+                <a:solidFill>
+                  <a:srgbClr val="3366FF"/>
+                </a:solidFill>
+                <a:latin typeface="Courier New"/>
+                <a:cs typeface="Courier New"/>
+              </a:rPr>
+              <a:t>uint32_t</a:t>
+            </a:r>
+            <a:r>
+              <a:rPr lang="en-GB" sz="2000" b="1" dirty="0" smtClean="0">
+                <a:latin typeface="Courier New"/>
+                <a:cs typeface="Courier New"/>
+              </a:rPr>
+              <a:t> p = data[</a:t>
+            </a:r>
+            <a:r>
+              <a:rPr lang="en-GB" sz="2000" b="1" dirty="0" smtClean="0">
+                <a:solidFill>
+                  <a:srgbClr val="6117C1"/>
+                </a:solidFill>
+                <a:latin typeface="Courier New"/>
+                <a:cs typeface="Courier New"/>
+              </a:rPr>
+              <a:t>0</a:t>
+            </a:r>
+            <a:r>
+              <a:rPr lang="en-GB" sz="2000" b="1" dirty="0" smtClean="0">
+                <a:latin typeface="Courier New"/>
+                <a:cs typeface="Courier New"/>
+              </a:rPr>
+              <a:t>] ^ data[</a:t>
+            </a:r>
+            <a:r>
+              <a:rPr lang="en-GB" sz="2000" b="1" dirty="0" smtClean="0">
+                <a:solidFill>
+                  <a:srgbClr val="6117C1"/>
+                </a:solidFill>
+                <a:latin typeface="Courier New"/>
+                <a:cs typeface="Courier New"/>
+              </a:rPr>
+              <a:t>1</a:t>
+            </a:r>
+            <a:r>
+              <a:rPr lang="en-GB" sz="2000" b="1" dirty="0" smtClean="0">
+                <a:latin typeface="Courier New"/>
+                <a:cs typeface="Courier New"/>
+              </a:rPr>
+              <a:t>] ^ data[</a:t>
+            </a:r>
+            <a:r>
+              <a:rPr lang="en-GB" sz="2000" b="1" dirty="0" smtClean="0">
+                <a:solidFill>
+                  <a:srgbClr val="6117C1"/>
+                </a:solidFill>
+                <a:latin typeface="Courier New"/>
+                <a:cs typeface="Courier New"/>
+              </a:rPr>
+              <a:t>2</a:t>
+            </a:r>
+            <a:r>
+              <a:rPr lang="en-GB" sz="2000" b="1" dirty="0" smtClean="0">
+                <a:latin typeface="Courier New"/>
+                <a:cs typeface="Courier New"/>
+              </a:rPr>
+              <a:t>] ^ data[</a:t>
+            </a:r>
+            <a:r>
+              <a:rPr lang="en-GB" sz="2000" b="1" dirty="0" smtClean="0">
+                <a:solidFill>
+                  <a:srgbClr val="6117C1"/>
+                </a:solidFill>
+                <a:latin typeface="Courier New"/>
+                <a:cs typeface="Courier New"/>
+              </a:rPr>
+              <a:t>3</a:t>
+            </a:r>
+            <a:r>
+              <a:rPr lang="en-GB" sz="2000" b="1" dirty="0" smtClean="0">
+                <a:latin typeface="Courier New"/>
+                <a:cs typeface="Courier New"/>
+              </a:rPr>
+              <a:t>]</a:t>
+            </a:r>
+          </a:p>
+          <a:p>
+            <a:pPr marL="0" indent="0">
+              <a:buNone/>
+            </a:pPr>
+            <a:endParaRPr lang="en-GB" sz="2000" b="1" dirty="0" smtClean="0">
+              <a:latin typeface="Courier New"/>
+              <a:cs typeface="Courier New"/>
+            </a:endParaRPr>
+          </a:p>
+          <a:p>
+            <a:pPr marL="0" indent="0">
+              <a:buNone/>
+            </a:pPr>
+            <a:r>
+              <a:rPr lang="fr-FR" sz="2000" b="1" dirty="0">
+                <a:solidFill>
+                  <a:srgbClr val="008000"/>
+                </a:solidFill>
+                <a:latin typeface="Courier New"/>
+                <a:cs typeface="Courier New"/>
+              </a:rPr>
+              <a:t>/</a:t>
+            </a:r>
+            <a:r>
+              <a:rPr lang="fr-FR" sz="2000" b="1" dirty="0" smtClean="0">
+                <a:solidFill>
+                  <a:srgbClr val="008000"/>
+                </a:solidFill>
+                <a:latin typeface="Courier New"/>
+                <a:cs typeface="Courier New"/>
+              </a:rPr>
+              <a:t>/ This </a:t>
+            </a:r>
+            <a:r>
+              <a:rPr lang="fr-FR" sz="2000" b="1" dirty="0" err="1" smtClean="0">
+                <a:solidFill>
+                  <a:srgbClr val="008000"/>
+                </a:solidFill>
+                <a:latin typeface="Courier New"/>
+                <a:cs typeface="Courier New"/>
+              </a:rPr>
+              <a:t>intrinsic</a:t>
+            </a:r>
+            <a:r>
+              <a:rPr lang="fr-FR" sz="2000" b="1" dirty="0" smtClean="0">
+                <a:solidFill>
+                  <a:srgbClr val="008000"/>
+                </a:solidFill>
+                <a:latin typeface="Courier New"/>
+                <a:cs typeface="Courier New"/>
+              </a:rPr>
+              <a:t> </a:t>
+            </a:r>
+            <a:r>
+              <a:rPr lang="fr-FR" sz="2000" b="1" dirty="0" err="1" smtClean="0">
+                <a:solidFill>
+                  <a:srgbClr val="008000"/>
+                </a:solidFill>
+                <a:latin typeface="Courier New"/>
+                <a:cs typeface="Courier New"/>
+              </a:rPr>
+              <a:t>should</a:t>
+            </a:r>
+            <a:r>
+              <a:rPr lang="fr-FR" sz="2000" b="1" dirty="0" smtClean="0">
+                <a:solidFill>
+                  <a:srgbClr val="008000"/>
+                </a:solidFill>
+                <a:latin typeface="Courier New"/>
+                <a:cs typeface="Courier New"/>
+              </a:rPr>
+              <a:t> </a:t>
+            </a:r>
+            <a:r>
+              <a:rPr lang="fr-FR" sz="2000" b="1" dirty="0" err="1" smtClean="0">
+                <a:solidFill>
+                  <a:srgbClr val="008000"/>
+                </a:solidFill>
+                <a:latin typeface="Courier New"/>
+                <a:cs typeface="Courier New"/>
+              </a:rPr>
+              <a:t>map</a:t>
+            </a:r>
+            <a:r>
+              <a:rPr lang="fr-FR" sz="2000" b="1" dirty="0" smtClean="0">
+                <a:solidFill>
+                  <a:srgbClr val="008000"/>
+                </a:solidFill>
+                <a:latin typeface="Courier New"/>
+                <a:cs typeface="Courier New"/>
+              </a:rPr>
+              <a:t> to native hardware</a:t>
+            </a:r>
+          </a:p>
+          <a:p>
+            <a:pPr marL="0" indent="0">
+              <a:buNone/>
+            </a:pPr>
+            <a:r>
+              <a:rPr lang="fr-FR" sz="2000" b="1" dirty="0" smtClean="0">
+                <a:solidFill>
+                  <a:srgbClr val="008000"/>
+                </a:solidFill>
+                <a:latin typeface="Courier New"/>
+                <a:cs typeface="Courier New"/>
+              </a:rPr>
+              <a:t>// </a:t>
+            </a:r>
+            <a:r>
+              <a:rPr lang="fr-FR" sz="2000" b="1" dirty="0" err="1" smtClean="0">
+                <a:solidFill>
+                  <a:srgbClr val="008000"/>
+                </a:solidFill>
+                <a:latin typeface="Courier New"/>
+                <a:cs typeface="Courier New"/>
+              </a:rPr>
+              <a:t>implementation</a:t>
+            </a:r>
+            <a:r>
+              <a:rPr lang="fr-FR" sz="2000" b="1" dirty="0" smtClean="0">
+                <a:solidFill>
+                  <a:srgbClr val="008000"/>
+                </a:solidFill>
+                <a:latin typeface="Courier New"/>
+                <a:cs typeface="Courier New"/>
+              </a:rPr>
+              <a:t> if </a:t>
+            </a:r>
+            <a:r>
+              <a:rPr lang="fr-FR" sz="2000" b="1" dirty="0" err="1" smtClean="0">
+                <a:solidFill>
+                  <a:srgbClr val="008000"/>
+                </a:solidFill>
+                <a:latin typeface="Courier New"/>
+                <a:cs typeface="Courier New"/>
+              </a:rPr>
+              <a:t>available</a:t>
+            </a:r>
+            <a:endParaRPr lang="en-GB" sz="2000" b="1" dirty="0" smtClean="0">
+              <a:latin typeface="Courier New"/>
+              <a:cs typeface="Courier New"/>
+            </a:endParaRPr>
+          </a:p>
+          <a:p>
+            <a:pPr marL="0" indent="0">
+              <a:buNone/>
+            </a:pPr>
+            <a:r>
+              <a:rPr lang="en-GB" sz="2000" b="1" dirty="0">
+                <a:latin typeface="Courier New"/>
+                <a:cs typeface="Courier New"/>
+              </a:rPr>
+              <a:t>p</a:t>
+            </a:r>
+            <a:r>
+              <a:rPr lang="en-GB" sz="2000" b="1" dirty="0" smtClean="0">
+                <a:latin typeface="Courier New"/>
+                <a:cs typeface="Courier New"/>
+              </a:rPr>
+              <a:t> = </a:t>
+            </a:r>
+            <a:r>
+              <a:rPr lang="en-GB" sz="2000" b="1" dirty="0" smtClean="0">
+                <a:solidFill>
+                  <a:srgbClr val="3366FF"/>
+                </a:solidFill>
+                <a:latin typeface="Courier New"/>
+                <a:cs typeface="Courier New"/>
+              </a:rPr>
+              <a:t>__</a:t>
+            </a:r>
+            <a:r>
+              <a:rPr lang="en-GB" sz="2000" b="1" dirty="0" err="1" smtClean="0">
+                <a:solidFill>
+                  <a:srgbClr val="3366FF"/>
+                </a:solidFill>
+                <a:latin typeface="Courier New"/>
+                <a:cs typeface="Courier New"/>
+              </a:rPr>
+              <a:t>builtin_parity</a:t>
+            </a:r>
+            <a:r>
+              <a:rPr lang="en-GB" sz="2000" b="1" dirty="0" smtClean="0">
+                <a:latin typeface="Courier New"/>
+                <a:cs typeface="Courier New"/>
+              </a:rPr>
+              <a:t>(p);</a:t>
+            </a:r>
+          </a:p>
+          <a:p>
+            <a:pPr marL="0" indent="0">
+              <a:buNone/>
+            </a:pPr>
+            <a:endParaRPr lang="fr-FR" sz="2000" b="1" dirty="0">
+              <a:latin typeface="Courier New"/>
+              <a:cs typeface="Courier New"/>
+            </a:endParaRPr>
+          </a:p>
+          <a:p>
+            <a:pPr marL="0" indent="0">
+              <a:buNone/>
+            </a:pPr>
+            <a:endParaRPr lang="fr-FR" sz="2000" b="1" dirty="0" smtClean="0">
+              <a:latin typeface="Courier New"/>
+              <a:cs typeface="Courier New"/>
+            </a:endParaRPr>
+          </a:p>
+          <a:p>
+            <a:pPr marL="0" indent="0">
+              <a:buNone/>
+            </a:pPr>
+            <a:r>
+              <a:rPr lang="fr-FR" sz="2000" b="1" dirty="0" smtClean="0">
+                <a:solidFill>
+                  <a:srgbClr val="008000"/>
+                </a:solidFill>
+                <a:latin typeface="Courier New"/>
+                <a:cs typeface="Courier New"/>
+              </a:rPr>
+              <a:t>// p </a:t>
+            </a:r>
+            <a:r>
+              <a:rPr lang="fr-FR" sz="2000" b="1" dirty="0" err="1" smtClean="0">
+                <a:solidFill>
+                  <a:srgbClr val="008000"/>
+                </a:solidFill>
+                <a:latin typeface="Courier New"/>
+                <a:cs typeface="Courier New"/>
+              </a:rPr>
+              <a:t>is</a:t>
+            </a:r>
+            <a:r>
+              <a:rPr lang="fr-FR" sz="2000" b="1" dirty="0" smtClean="0">
+                <a:solidFill>
+                  <a:srgbClr val="008000"/>
+                </a:solidFill>
+                <a:latin typeface="Courier New"/>
+                <a:cs typeface="Courier New"/>
+              </a:rPr>
+              <a:t> </a:t>
+            </a:r>
+            <a:r>
+              <a:rPr lang="fr-FR" sz="2000" b="1" dirty="0" err="1" smtClean="0">
+                <a:solidFill>
+                  <a:srgbClr val="008000"/>
+                </a:solidFill>
+                <a:latin typeface="Courier New"/>
+                <a:cs typeface="Courier New"/>
+              </a:rPr>
+              <a:t>now</a:t>
+            </a:r>
+            <a:r>
+              <a:rPr lang="fr-FR" sz="2000" b="1" dirty="0" smtClean="0">
+                <a:solidFill>
+                  <a:srgbClr val="008000"/>
+                </a:solidFill>
+                <a:latin typeface="Courier New"/>
+                <a:cs typeface="Courier New"/>
+              </a:rPr>
+              <a:t> ‘1’ or ‘0’, </a:t>
+            </a:r>
+            <a:r>
+              <a:rPr lang="fr-FR" sz="2000" b="1" dirty="0" err="1" smtClean="0">
+                <a:solidFill>
+                  <a:srgbClr val="008000"/>
+                </a:solidFill>
+                <a:latin typeface="Courier New"/>
+                <a:cs typeface="Courier New"/>
+              </a:rPr>
+              <a:t>corresponding</a:t>
+            </a:r>
+            <a:r>
+              <a:rPr lang="fr-FR" sz="2000" b="1" dirty="0" smtClean="0">
+                <a:solidFill>
+                  <a:srgbClr val="008000"/>
+                </a:solidFill>
+                <a:latin typeface="Courier New"/>
+                <a:cs typeface="Courier New"/>
+              </a:rPr>
+              <a:t> to data </a:t>
+            </a:r>
+            <a:r>
+              <a:rPr lang="fr-FR" sz="2000" b="1" dirty="0" err="1" smtClean="0">
+                <a:solidFill>
+                  <a:srgbClr val="008000"/>
+                </a:solidFill>
+                <a:latin typeface="Courier New"/>
+                <a:cs typeface="Courier New"/>
+              </a:rPr>
+              <a:t>having</a:t>
+            </a:r>
+            <a:endParaRPr lang="fr-FR" sz="2000" b="1" dirty="0" smtClean="0">
+              <a:solidFill>
+                <a:srgbClr val="008000"/>
+              </a:solidFill>
+              <a:latin typeface="Courier New"/>
+              <a:cs typeface="Courier New"/>
+            </a:endParaRPr>
+          </a:p>
+          <a:p>
+            <a:pPr marL="0" indent="0">
+              <a:buNone/>
+            </a:pPr>
+            <a:r>
+              <a:rPr lang="fr-FR" sz="2000" b="1" dirty="0" smtClean="0">
+                <a:solidFill>
+                  <a:srgbClr val="008000"/>
+                </a:solidFill>
+                <a:latin typeface="Courier New"/>
+                <a:cs typeface="Courier New"/>
+              </a:rPr>
+              <a:t>// an </a:t>
+            </a:r>
+            <a:r>
+              <a:rPr lang="fr-FR" sz="2000" b="1" dirty="0" err="1" smtClean="0">
+                <a:solidFill>
+                  <a:srgbClr val="008000"/>
+                </a:solidFill>
+                <a:latin typeface="Courier New"/>
+                <a:cs typeface="Courier New"/>
+              </a:rPr>
+              <a:t>odd</a:t>
+            </a:r>
+            <a:r>
+              <a:rPr lang="fr-FR" sz="2000" b="1" dirty="0" smtClean="0">
+                <a:solidFill>
+                  <a:srgbClr val="008000"/>
+                </a:solidFill>
+                <a:latin typeface="Courier New"/>
+                <a:cs typeface="Courier New"/>
+              </a:rPr>
+              <a:t> or </a:t>
+            </a:r>
+            <a:r>
+              <a:rPr lang="fr-FR" sz="2000" b="1" dirty="0" err="1" smtClean="0">
+                <a:solidFill>
+                  <a:srgbClr val="008000"/>
+                </a:solidFill>
+                <a:latin typeface="Courier New"/>
+                <a:cs typeface="Courier New"/>
+              </a:rPr>
+              <a:t>even</a:t>
+            </a:r>
+            <a:r>
+              <a:rPr lang="fr-FR" sz="2000" b="1" dirty="0" smtClean="0">
+                <a:solidFill>
+                  <a:srgbClr val="008000"/>
+                </a:solidFill>
+                <a:latin typeface="Courier New"/>
+                <a:cs typeface="Courier New"/>
+              </a:rPr>
+              <a:t> </a:t>
+            </a:r>
+            <a:r>
+              <a:rPr lang="fr-FR" sz="2000" b="1" dirty="0" err="1" smtClean="0">
+                <a:solidFill>
+                  <a:srgbClr val="008000"/>
+                </a:solidFill>
+                <a:latin typeface="Courier New"/>
+                <a:cs typeface="Courier New"/>
+              </a:rPr>
+              <a:t>number</a:t>
+            </a:r>
+            <a:r>
+              <a:rPr lang="fr-FR" sz="2000" b="1" dirty="0" smtClean="0">
+                <a:solidFill>
+                  <a:srgbClr val="008000"/>
+                </a:solidFill>
+                <a:latin typeface="Courier New"/>
+                <a:cs typeface="Courier New"/>
+              </a:rPr>
+              <a:t> of ‘1’ bits</a:t>
+            </a:r>
+            <a:endParaRPr lang="en-GB" sz="2000" b="1" dirty="0" smtClean="0">
+              <a:solidFill>
+                <a:srgbClr val="008000"/>
+              </a:solidFill>
+              <a:latin typeface="Courier New"/>
+              <a:cs typeface="Courier New"/>
+            </a:endParaRPr>
+          </a:p>
+          <a:p>
+            <a:pPr marL="0" indent="0">
+              <a:buNone/>
+            </a:pPr>
+            <a:endParaRPr lang="en-GB" sz="2000" b="1" dirty="0"/>
+          </a:p>
+        </p:txBody>
+      </p:sp>
+      <p:sp>
+        <p:nvSpPr>
+          <p:cNvPr id="4" name="Slide Number Placeholder 3"/>
+          <p:cNvSpPr>
+            <a:spLocks noGrp="1"/>
+          </p:cNvSpPr>
+          <p:nvPr>
+            <p:ph type="sldNum" sz="quarter" idx="10"/>
+          </p:nvPr>
+        </p:nvSpPr>
+        <p:spPr/>
+        <p:txBody>
+          <a:bodyPr/>
+          <a:lstStyle/>
+          <a:p>
+            <a:fld id="{D9B8CB04-7B95-2844-BD15-B133C35E4786}" type="slidenum">
+              <a:rPr lang="en-GB" smtClean="0"/>
+              <a:pPr/>
+              <a:t>26</a:t>
+            </a:fld>
+            <a:endParaRPr lang="en-GB"/>
+          </a:p>
+        </p:txBody>
+      </p:sp>
+    </p:spTree>
+    <p:extLst>
+      <p:ext uri="{BB962C8B-B14F-4D97-AF65-F5344CB8AC3E}">
+        <p14:creationId xmlns:p14="http://schemas.microsoft.com/office/powerpoint/2010/main" val="1368924357"/>
+      </p:ext>
+    </p:extLst>
+  </p:cSld>
+  <p:clrMapOvr>
+    <a:masterClrMapping/>
+  </p:clrMapOvr>
+  <mc:AlternateContent xmlns:mc="http://schemas.openxmlformats.org/markup-compatibility/2006" xmlns:p14="http://schemas.microsoft.com/office/powerpoint/2010/main">
+    <mc:Choice Requires="p14">
+      <p:transition spd="slow" p14:dur="2000"/>
+    </mc:Choice>
+    <mc:Fallback xmlns="">
+      <p:transition xmlns:p14="http://schemas.microsoft.com/office/powerpoint/2010/main" spd="slow"/>
+    </mc:Fallback>
+  </mc:AlternateContent>
+  <p:timing>
+    <p:tnLst>
+      <p:par>
+        <p:cTn xmlns:p14="http://schemas.microsoft.com/office/powerpoint/2010/main" id="1" dur="indefinite" restart="never" nodeType="tmRoot"/>
+      </p:par>
+    </p:tnLst>
+  </p:timing>
+</p:sld>
+</file>
+
+<file path=ppt/slides/slide27.xml><?xml version="1.0" encoding="utf-8"?>
+<p:sld xmlns:a="http://schemas.openxmlformats.org/drawingml/2006/main" xmlns:r="http://schemas.openxmlformats.org/officeDocument/2006/relationships" xmlns:p="http://schemas.openxmlformats.org/presentationml/2006/main">
+  <p:cSld>
+    <p:spTree>
+      <p:nvGrpSpPr>
+        <p:cNvPr id="1" name=""/>
+        <p:cNvGrpSpPr/>
+        <p:nvPr/>
+      </p:nvGrpSpPr>
+      <p:grpSpPr>
+        <a:xfrm>
+          <a:off x="0" y="0"/>
+          <a:ext cx="0" cy="0"/>
+          <a:chOff x="0" y="0"/>
+          <a:chExt cx="0" cy="0"/>
+        </a:xfrm>
+      </p:grpSpPr>
+      <p:sp>
+        <p:nvSpPr>
+          <p:cNvPr id="2" name="Title 1"/>
+          <p:cNvSpPr>
+            <a:spLocks noGrp="1"/>
+          </p:cNvSpPr>
+          <p:nvPr>
+            <p:ph type="title"/>
+          </p:nvPr>
+        </p:nvSpPr>
+        <p:spPr/>
+        <p:txBody>
+          <a:bodyPr/>
+          <a:lstStyle/>
+          <a:p>
+            <a:r>
+              <a:rPr lang="en-GB" dirty="0" smtClean="0"/>
+              <a:t>Parity bits - implementation</a:t>
+            </a:r>
+            <a:endParaRPr lang="en-GB" dirty="0"/>
+          </a:p>
+        </p:txBody>
+      </p:sp>
+      <p:sp>
+        <p:nvSpPr>
+          <p:cNvPr id="3" name="Content Placeholder 2"/>
+          <p:cNvSpPr>
+            <a:spLocks noGrp="1"/>
+          </p:cNvSpPr>
+          <p:nvPr>
+            <p:ph idx="1"/>
+          </p:nvPr>
+        </p:nvSpPr>
+        <p:spPr/>
+        <p:txBody>
+          <a:bodyPr/>
+          <a:lstStyle/>
+          <a:p>
+            <a:pPr marL="0" indent="0">
+              <a:buNone/>
+            </a:pPr>
+            <a:r>
+              <a:rPr lang="en-GB" sz="2000" b="1" i="1" dirty="0" smtClean="0">
+                <a:solidFill>
+                  <a:srgbClr val="3366FF"/>
+                </a:solidFill>
+                <a:latin typeface="Courier New"/>
+                <a:cs typeface="Courier New"/>
+              </a:rPr>
+              <a:t>uint64_t</a:t>
+            </a:r>
+            <a:r>
+              <a:rPr lang="en-GB" sz="2000" b="1" dirty="0" smtClean="0">
+                <a:latin typeface="Courier New"/>
+                <a:cs typeface="Courier New"/>
+              </a:rPr>
+              <a:t> data[</a:t>
+            </a:r>
+            <a:r>
+              <a:rPr lang="en-GB" sz="2000" b="1" dirty="0">
+                <a:solidFill>
+                  <a:srgbClr val="6117C1"/>
+                </a:solidFill>
+                <a:latin typeface="Courier New"/>
+                <a:cs typeface="Courier New"/>
+              </a:rPr>
+              <a:t>2</a:t>
+            </a:r>
+            <a:r>
+              <a:rPr lang="en-GB" sz="2000" b="1" dirty="0" smtClean="0">
+                <a:latin typeface="Courier New"/>
+                <a:cs typeface="Courier New"/>
+              </a:rPr>
+              <a:t>]; </a:t>
+            </a:r>
+            <a:r>
+              <a:rPr lang="en-GB" sz="2000" b="1" dirty="0" smtClean="0">
+                <a:solidFill>
+                  <a:srgbClr val="008000"/>
+                </a:solidFill>
+                <a:latin typeface="Courier New"/>
+                <a:cs typeface="Courier New"/>
+              </a:rPr>
+              <a:t>// 128 bits of data</a:t>
+            </a:r>
+          </a:p>
+          <a:p>
+            <a:pPr marL="0" indent="0">
+              <a:buNone/>
+            </a:pPr>
+            <a:endParaRPr lang="en-GB" sz="2000" b="1" dirty="0">
+              <a:latin typeface="Courier New"/>
+              <a:cs typeface="Courier New"/>
+            </a:endParaRPr>
+          </a:p>
+          <a:p>
+            <a:pPr marL="0" indent="0">
+              <a:buNone/>
+            </a:pPr>
+            <a:r>
+              <a:rPr lang="en-GB" sz="2000" b="1" i="1" dirty="0" smtClean="0">
+                <a:solidFill>
+                  <a:srgbClr val="3366FF"/>
+                </a:solidFill>
+                <a:latin typeface="Courier New"/>
+                <a:cs typeface="Courier New"/>
+              </a:rPr>
+              <a:t>uint64_t</a:t>
+            </a:r>
+            <a:r>
+              <a:rPr lang="en-GB" sz="2000" b="1" dirty="0" smtClean="0">
+                <a:latin typeface="Courier New"/>
+                <a:cs typeface="Courier New"/>
+              </a:rPr>
+              <a:t> p = data[</a:t>
+            </a:r>
+            <a:r>
+              <a:rPr lang="en-GB" sz="2000" b="1" dirty="0" smtClean="0">
+                <a:solidFill>
+                  <a:srgbClr val="6117C1"/>
+                </a:solidFill>
+                <a:latin typeface="Courier New"/>
+                <a:cs typeface="Courier New"/>
+              </a:rPr>
+              <a:t>0</a:t>
+            </a:r>
+            <a:r>
+              <a:rPr lang="en-GB" sz="2000" b="1" dirty="0" smtClean="0">
+                <a:latin typeface="Courier New"/>
+                <a:cs typeface="Courier New"/>
+              </a:rPr>
+              <a:t>] ^ data[</a:t>
+            </a:r>
+            <a:r>
+              <a:rPr lang="en-GB" sz="2000" b="1" dirty="0" smtClean="0">
+                <a:solidFill>
+                  <a:srgbClr val="6117C1"/>
+                </a:solidFill>
+                <a:latin typeface="Courier New"/>
+                <a:cs typeface="Courier New"/>
+              </a:rPr>
+              <a:t>1];</a:t>
+            </a:r>
+          </a:p>
+          <a:p>
+            <a:pPr marL="0" indent="0">
+              <a:buNone/>
+            </a:pPr>
+            <a:endParaRPr lang="en-GB" sz="2000" b="1" dirty="0" smtClean="0">
+              <a:latin typeface="Courier New"/>
+              <a:cs typeface="Courier New"/>
+            </a:endParaRPr>
+          </a:p>
+          <a:p>
+            <a:pPr marL="0" indent="0">
+              <a:buNone/>
+            </a:pPr>
+            <a:r>
+              <a:rPr lang="fr-FR" sz="2000" b="1" dirty="0">
+                <a:solidFill>
+                  <a:srgbClr val="008000"/>
+                </a:solidFill>
+                <a:latin typeface="Courier New"/>
+                <a:cs typeface="Courier New"/>
+              </a:rPr>
+              <a:t>/</a:t>
+            </a:r>
+            <a:r>
+              <a:rPr lang="fr-FR" sz="2000" b="1" dirty="0" smtClean="0">
+                <a:solidFill>
+                  <a:srgbClr val="008000"/>
+                </a:solidFill>
+                <a:latin typeface="Courier New"/>
+                <a:cs typeface="Courier New"/>
+              </a:rPr>
+              <a:t>/ This </a:t>
+            </a:r>
+            <a:r>
+              <a:rPr lang="fr-FR" sz="2000" b="1" dirty="0" err="1" smtClean="0">
+                <a:solidFill>
+                  <a:srgbClr val="008000"/>
+                </a:solidFill>
+                <a:latin typeface="Courier New"/>
+                <a:cs typeface="Courier New"/>
+              </a:rPr>
+              <a:t>intrinsic</a:t>
+            </a:r>
+            <a:r>
+              <a:rPr lang="fr-FR" sz="2000" b="1" dirty="0" smtClean="0">
+                <a:solidFill>
+                  <a:srgbClr val="008000"/>
+                </a:solidFill>
+                <a:latin typeface="Courier New"/>
+                <a:cs typeface="Courier New"/>
+              </a:rPr>
+              <a:t> </a:t>
+            </a:r>
+            <a:r>
+              <a:rPr lang="fr-FR" sz="2000" b="1" dirty="0" err="1" smtClean="0">
+                <a:solidFill>
+                  <a:srgbClr val="008000"/>
+                </a:solidFill>
+                <a:latin typeface="Courier New"/>
+                <a:cs typeface="Courier New"/>
+              </a:rPr>
+              <a:t>should</a:t>
+            </a:r>
+            <a:r>
+              <a:rPr lang="fr-FR" sz="2000" b="1" dirty="0" smtClean="0">
+                <a:solidFill>
+                  <a:srgbClr val="008000"/>
+                </a:solidFill>
+                <a:latin typeface="Courier New"/>
+                <a:cs typeface="Courier New"/>
+              </a:rPr>
+              <a:t> </a:t>
+            </a:r>
+            <a:r>
+              <a:rPr lang="fr-FR" sz="2000" b="1" dirty="0" err="1" smtClean="0">
+                <a:solidFill>
+                  <a:srgbClr val="008000"/>
+                </a:solidFill>
+                <a:latin typeface="Courier New"/>
+                <a:cs typeface="Courier New"/>
+              </a:rPr>
+              <a:t>map</a:t>
+            </a:r>
+            <a:r>
+              <a:rPr lang="fr-FR" sz="2000" b="1" dirty="0" smtClean="0">
+                <a:solidFill>
+                  <a:srgbClr val="008000"/>
+                </a:solidFill>
+                <a:latin typeface="Courier New"/>
+                <a:cs typeface="Courier New"/>
+              </a:rPr>
+              <a:t> to native hardware</a:t>
+            </a:r>
+          </a:p>
+          <a:p>
+            <a:pPr marL="0" indent="0">
+              <a:buNone/>
+            </a:pPr>
+            <a:r>
+              <a:rPr lang="fr-FR" sz="2000" b="1" dirty="0" smtClean="0">
+                <a:solidFill>
+                  <a:srgbClr val="008000"/>
+                </a:solidFill>
+                <a:latin typeface="Courier New"/>
+                <a:cs typeface="Courier New"/>
+              </a:rPr>
+              <a:t>// </a:t>
+            </a:r>
+            <a:r>
+              <a:rPr lang="fr-FR" sz="2000" b="1" dirty="0" err="1" smtClean="0">
+                <a:solidFill>
+                  <a:srgbClr val="008000"/>
+                </a:solidFill>
+                <a:latin typeface="Courier New"/>
+                <a:cs typeface="Courier New"/>
+              </a:rPr>
+              <a:t>implementation</a:t>
+            </a:r>
+            <a:r>
+              <a:rPr lang="fr-FR" sz="2000" b="1" dirty="0" smtClean="0">
+                <a:solidFill>
+                  <a:srgbClr val="008000"/>
+                </a:solidFill>
+                <a:latin typeface="Courier New"/>
+                <a:cs typeface="Courier New"/>
+              </a:rPr>
+              <a:t> if </a:t>
+            </a:r>
+            <a:r>
+              <a:rPr lang="fr-FR" sz="2000" b="1" dirty="0" err="1" smtClean="0">
+                <a:solidFill>
+                  <a:srgbClr val="008000"/>
+                </a:solidFill>
+                <a:latin typeface="Courier New"/>
+                <a:cs typeface="Courier New"/>
+              </a:rPr>
+              <a:t>available</a:t>
+            </a:r>
+            <a:endParaRPr lang="en-GB" sz="2000" b="1" dirty="0" smtClean="0">
+              <a:latin typeface="Courier New"/>
+              <a:cs typeface="Courier New"/>
+            </a:endParaRPr>
+          </a:p>
+          <a:p>
+            <a:pPr marL="0" indent="0">
+              <a:buNone/>
+            </a:pPr>
+            <a:r>
+              <a:rPr lang="en-GB" sz="2000" b="1" dirty="0">
+                <a:latin typeface="Courier New"/>
+                <a:cs typeface="Courier New"/>
+              </a:rPr>
+              <a:t>p</a:t>
+            </a:r>
+            <a:r>
+              <a:rPr lang="en-GB" sz="2000" b="1" dirty="0" smtClean="0">
+                <a:latin typeface="Courier New"/>
+                <a:cs typeface="Courier New"/>
+              </a:rPr>
+              <a:t> = </a:t>
+            </a:r>
+            <a:r>
+              <a:rPr lang="en-GB" sz="2000" b="1" dirty="0" smtClean="0">
+                <a:solidFill>
+                  <a:srgbClr val="3366FF"/>
+                </a:solidFill>
+                <a:latin typeface="Courier New"/>
+                <a:cs typeface="Courier New"/>
+              </a:rPr>
+              <a:t>__</a:t>
+            </a:r>
+            <a:r>
+              <a:rPr lang="en-GB" sz="2000" b="1" dirty="0" err="1" smtClean="0">
+                <a:solidFill>
+                  <a:srgbClr val="3366FF"/>
+                </a:solidFill>
+                <a:latin typeface="Courier New"/>
+                <a:cs typeface="Courier New"/>
+              </a:rPr>
+              <a:t>builtin_parityl</a:t>
+            </a:r>
+            <a:r>
+              <a:rPr lang="en-GB" sz="2000" b="1" dirty="0" smtClean="0">
+                <a:latin typeface="Courier New"/>
+                <a:cs typeface="Courier New"/>
+              </a:rPr>
+              <a:t>(p);</a:t>
+            </a:r>
+          </a:p>
+          <a:p>
+            <a:pPr marL="0" indent="0">
+              <a:buNone/>
+            </a:pPr>
+            <a:endParaRPr lang="fr-FR" sz="2000" b="1" dirty="0">
+              <a:latin typeface="Courier New"/>
+              <a:cs typeface="Courier New"/>
+            </a:endParaRPr>
+          </a:p>
+          <a:p>
+            <a:pPr marL="0" indent="0">
+              <a:buNone/>
+            </a:pPr>
+            <a:endParaRPr lang="fr-FR" sz="2000" b="1" dirty="0" smtClean="0">
+              <a:latin typeface="Courier New"/>
+              <a:cs typeface="Courier New"/>
+            </a:endParaRPr>
+          </a:p>
+          <a:p>
+            <a:pPr marL="0" indent="0">
+              <a:buNone/>
+            </a:pPr>
+            <a:r>
+              <a:rPr lang="fr-FR" sz="2000" b="1" dirty="0" smtClean="0">
+                <a:solidFill>
+                  <a:srgbClr val="008000"/>
+                </a:solidFill>
+                <a:latin typeface="Courier New"/>
+                <a:cs typeface="Courier New"/>
+              </a:rPr>
+              <a:t>// p </a:t>
+            </a:r>
+            <a:r>
+              <a:rPr lang="fr-FR" sz="2000" b="1" dirty="0" err="1" smtClean="0">
+                <a:solidFill>
+                  <a:srgbClr val="008000"/>
+                </a:solidFill>
+                <a:latin typeface="Courier New"/>
+                <a:cs typeface="Courier New"/>
+              </a:rPr>
+              <a:t>is</a:t>
+            </a:r>
+            <a:r>
+              <a:rPr lang="fr-FR" sz="2000" b="1" dirty="0" smtClean="0">
+                <a:solidFill>
+                  <a:srgbClr val="008000"/>
+                </a:solidFill>
+                <a:latin typeface="Courier New"/>
+                <a:cs typeface="Courier New"/>
+              </a:rPr>
+              <a:t> </a:t>
+            </a:r>
+            <a:r>
+              <a:rPr lang="fr-FR" sz="2000" b="1" dirty="0" err="1" smtClean="0">
+                <a:solidFill>
+                  <a:srgbClr val="008000"/>
+                </a:solidFill>
+                <a:latin typeface="Courier New"/>
+                <a:cs typeface="Courier New"/>
+              </a:rPr>
+              <a:t>now</a:t>
+            </a:r>
+            <a:r>
+              <a:rPr lang="fr-FR" sz="2000" b="1" dirty="0" smtClean="0">
+                <a:solidFill>
+                  <a:srgbClr val="008000"/>
+                </a:solidFill>
+                <a:latin typeface="Courier New"/>
+                <a:cs typeface="Courier New"/>
+              </a:rPr>
+              <a:t> ‘1’ or ‘0’, </a:t>
+            </a:r>
+            <a:r>
+              <a:rPr lang="fr-FR" sz="2000" b="1" dirty="0" err="1" smtClean="0">
+                <a:solidFill>
+                  <a:srgbClr val="008000"/>
+                </a:solidFill>
+                <a:latin typeface="Courier New"/>
+                <a:cs typeface="Courier New"/>
+              </a:rPr>
+              <a:t>corresponding</a:t>
+            </a:r>
+            <a:r>
+              <a:rPr lang="fr-FR" sz="2000" b="1" dirty="0" smtClean="0">
+                <a:solidFill>
+                  <a:srgbClr val="008000"/>
+                </a:solidFill>
+                <a:latin typeface="Courier New"/>
+                <a:cs typeface="Courier New"/>
+              </a:rPr>
+              <a:t> to data </a:t>
+            </a:r>
+            <a:r>
+              <a:rPr lang="fr-FR" sz="2000" b="1" dirty="0" err="1" smtClean="0">
+                <a:solidFill>
+                  <a:srgbClr val="008000"/>
+                </a:solidFill>
+                <a:latin typeface="Courier New"/>
+                <a:cs typeface="Courier New"/>
+              </a:rPr>
+              <a:t>having</a:t>
+            </a:r>
+            <a:endParaRPr lang="fr-FR" sz="2000" b="1" dirty="0" smtClean="0">
+              <a:solidFill>
+                <a:srgbClr val="008000"/>
+              </a:solidFill>
+              <a:latin typeface="Courier New"/>
+              <a:cs typeface="Courier New"/>
+            </a:endParaRPr>
+          </a:p>
+          <a:p>
+            <a:pPr marL="0" indent="0">
+              <a:buNone/>
+            </a:pPr>
+            <a:r>
+              <a:rPr lang="fr-FR" sz="2000" b="1" dirty="0" smtClean="0">
+                <a:solidFill>
+                  <a:srgbClr val="008000"/>
+                </a:solidFill>
+                <a:latin typeface="Courier New"/>
+                <a:cs typeface="Courier New"/>
+              </a:rPr>
+              <a:t>// an </a:t>
+            </a:r>
+            <a:r>
+              <a:rPr lang="fr-FR" sz="2000" b="1" dirty="0" err="1" smtClean="0">
+                <a:solidFill>
+                  <a:srgbClr val="008000"/>
+                </a:solidFill>
+                <a:latin typeface="Courier New"/>
+                <a:cs typeface="Courier New"/>
+              </a:rPr>
+              <a:t>odd</a:t>
+            </a:r>
+            <a:r>
+              <a:rPr lang="fr-FR" sz="2000" b="1" dirty="0" smtClean="0">
+                <a:solidFill>
+                  <a:srgbClr val="008000"/>
+                </a:solidFill>
+                <a:latin typeface="Courier New"/>
+                <a:cs typeface="Courier New"/>
+              </a:rPr>
+              <a:t> or </a:t>
+            </a:r>
+            <a:r>
+              <a:rPr lang="fr-FR" sz="2000" b="1" dirty="0" err="1" smtClean="0">
+                <a:solidFill>
+                  <a:srgbClr val="008000"/>
+                </a:solidFill>
+                <a:latin typeface="Courier New"/>
+                <a:cs typeface="Courier New"/>
+              </a:rPr>
+              <a:t>even</a:t>
+            </a:r>
+            <a:r>
+              <a:rPr lang="fr-FR" sz="2000" b="1" dirty="0" smtClean="0">
+                <a:solidFill>
+                  <a:srgbClr val="008000"/>
+                </a:solidFill>
+                <a:latin typeface="Courier New"/>
+                <a:cs typeface="Courier New"/>
+              </a:rPr>
+              <a:t> </a:t>
+            </a:r>
+            <a:r>
+              <a:rPr lang="fr-FR" sz="2000" b="1" dirty="0" err="1" smtClean="0">
+                <a:solidFill>
+                  <a:srgbClr val="008000"/>
+                </a:solidFill>
+                <a:latin typeface="Courier New"/>
+                <a:cs typeface="Courier New"/>
+              </a:rPr>
+              <a:t>number</a:t>
+            </a:r>
+            <a:r>
+              <a:rPr lang="fr-FR" sz="2000" b="1" dirty="0" smtClean="0">
+                <a:solidFill>
+                  <a:srgbClr val="008000"/>
+                </a:solidFill>
+                <a:latin typeface="Courier New"/>
+                <a:cs typeface="Courier New"/>
+              </a:rPr>
+              <a:t> of ‘1’ bits</a:t>
+            </a:r>
+            <a:endParaRPr lang="en-GB" sz="2000" b="1" dirty="0" smtClean="0">
+              <a:solidFill>
+                <a:srgbClr val="008000"/>
+              </a:solidFill>
+              <a:latin typeface="Courier New"/>
+              <a:cs typeface="Courier New"/>
+            </a:endParaRPr>
+          </a:p>
+          <a:p>
+            <a:pPr marL="0" indent="0">
+              <a:buNone/>
+            </a:pPr>
+            <a:endParaRPr lang="en-GB" sz="2000" b="1" dirty="0"/>
+          </a:p>
+        </p:txBody>
+      </p:sp>
+      <p:sp>
+        <p:nvSpPr>
+          <p:cNvPr id="4" name="Slide Number Placeholder 3"/>
+          <p:cNvSpPr>
+            <a:spLocks noGrp="1"/>
+          </p:cNvSpPr>
+          <p:nvPr>
+            <p:ph type="sldNum" sz="quarter" idx="10"/>
+          </p:nvPr>
+        </p:nvSpPr>
+        <p:spPr/>
+        <p:txBody>
+          <a:bodyPr/>
+          <a:lstStyle/>
+          <a:p>
+            <a:fld id="{D9B8CB04-7B95-2844-BD15-B133C35E4786}" type="slidenum">
+              <a:rPr lang="en-GB" smtClean="0"/>
+              <a:pPr/>
+              <a:t>27</a:t>
+            </a:fld>
+            <a:endParaRPr lang="en-GB"/>
+          </a:p>
+        </p:txBody>
+      </p:sp>
+    </p:spTree>
+    <p:extLst>
+      <p:ext uri="{BB962C8B-B14F-4D97-AF65-F5344CB8AC3E}">
+        <p14:creationId xmlns:p14="http://schemas.microsoft.com/office/powerpoint/2010/main" val="2605028781"/>
+      </p:ext>
+    </p:extLst>
+  </p:cSld>
+  <p:clrMapOvr>
+    <a:masterClrMapping/>
+  </p:clrMapOvr>
+  <mc:AlternateContent xmlns:mc="http://schemas.openxmlformats.org/markup-compatibility/2006" xmlns:p14="http://schemas.microsoft.com/office/powerpoint/2010/main">
+    <mc:Choice Requires="p14">
+      <p:transition spd="slow" p14:dur="2000"/>
+    </mc:Choice>
+    <mc:Fallback xmlns="">
+      <p:transition xmlns:p14="http://schemas.microsoft.com/office/powerpoint/2010/main" spd="slow"/>
+    </mc:Fallback>
+  </mc:AlternateContent>
+  <p:timing>
+    <p:tnLst>
+      <p:par>
+        <p:cTn xmlns:p14="http://schemas.microsoft.com/office/powerpoint/2010/main" id="1" dur="indefinite" restart="never" nodeType="tmRoot"/>
+      </p:par>
+    </p:tnLst>
+  </p:timing>
+</p:sld>
+</file>
+
+<file path=ppt/slides/slide28.xml><?xml version="1.0" encoding="utf-8"?>
+<p:sld xmlns:a="http://schemas.openxmlformats.org/drawingml/2006/main" xmlns:r="http://schemas.openxmlformats.org/officeDocument/2006/relationships" xmlns:p="http://schemas.openxmlformats.org/presentationml/2006/main">
+  <p:cSld>
+    <p:spTree>
+      <p:nvGrpSpPr>
+        <p:cNvPr id="1" name=""/>
+        <p:cNvGrpSpPr/>
+        <p:nvPr/>
+      </p:nvGrpSpPr>
+      <p:grpSpPr>
+        <a:xfrm>
+          <a:off x="0" y="0"/>
+          <a:ext cx="0" cy="0"/>
+          <a:chOff x="0" y="0"/>
+          <a:chExt cx="0" cy="0"/>
+        </a:xfrm>
+      </p:grpSpPr>
+      <p:sp>
+        <p:nvSpPr>
+          <p:cNvPr id="2" name="Title 1"/>
+          <p:cNvSpPr>
+            <a:spLocks noGrp="1"/>
+          </p:cNvSpPr>
+          <p:nvPr>
+            <p:ph type="title"/>
+          </p:nvPr>
+        </p:nvSpPr>
+        <p:spPr/>
+        <p:txBody>
+          <a:bodyPr/>
+          <a:lstStyle/>
+          <a:p>
+            <a:r>
+              <a:rPr lang="en-GB" dirty="0" smtClean="0"/>
               <a:t>Sparse matrix ABFT Results</a:t>
             </a:r>
             <a:endParaRPr lang="en-GB" dirty="0"/>
@@ -25636,7 +26203,7 @@
             <a:fld id="{D9B8CB04-7B95-2844-BD15-B133C35E4786}" type="slidenum">
               <a:rPr lang="en-GB" smtClean="0"/>
               <a:pPr/>
-              <a:t>26</a:t>
+              <a:t>28</a:t>
             </a:fld>
             <a:endParaRPr lang="en-GB"/>
           </a:p>
@@ -25971,7 +26538,7 @@
 </p:sld>
 </file>
 
-<file path=ppt/slides/slide27.xml><?xml version="1.0" encoding="utf-8"?>
+<file path=ppt/slides/slide29.xml><?xml version="1.0" encoding="utf-8"?>
 <p:sld xmlns:a="http://schemas.openxmlformats.org/drawingml/2006/main" xmlns:r="http://schemas.openxmlformats.org/officeDocument/2006/relationships" xmlns:p="http://schemas.openxmlformats.org/presentationml/2006/main">
   <p:cSld>
     <p:spTree>
@@ -26100,7 +26667,7 @@
             <a:fld id="{D9B8CB04-7B95-2844-BD15-B133C35E4786}" type="slidenum">
               <a:rPr lang="en-GB" smtClean="0"/>
               <a:pPr/>
-              <a:t>27</a:t>
+              <a:t>29</a:t>
             </a:fld>
             <a:endParaRPr lang="en-GB"/>
           </a:p>
@@ -26134,7 +26701,7 @@
 </p:sld>
 </file>
 
-<file path=ppt/slides/slide28.xml><?xml version="1.0" encoding="utf-8"?>
+<file path=ppt/slides/slide3.xml><?xml version="1.0" encoding="utf-8"?>
 <p:sld xmlns:a="http://schemas.openxmlformats.org/drawingml/2006/main" xmlns:r="http://schemas.openxmlformats.org/officeDocument/2006/relationships" xmlns:p="http://schemas.openxmlformats.org/presentationml/2006/main">
   <p:cSld>
     <p:spTree>
@@ -26168,7 +26735,7 @@
           <a:p>
             <a:r>
               <a:rPr lang="en-GB" dirty="0" smtClean="0"/>
-              <a:t>Hamming codes</a:t>
+              <a:t>Sparse linear solvers</a:t>
             </a:r>
             <a:endParaRPr lang="en-GB" dirty="0"/>
           </a:p>
@@ -26191,61 +26758,37 @@
           <a:p>
             <a:r>
               <a:rPr lang="en-GB" dirty="0" smtClean="0"/>
-              <a:t>Uses multiple parity bits</a:t>
-            </a:r>
-          </a:p>
-          <a:p>
+              <a:t>These systems will often involve extremely large matrices, that contain mostly non-zero values</a:t>
+            </a:r>
+          </a:p>
+          <a:p>
+            <a:pPr lvl="1"/>
             <a:r>
               <a:rPr lang="en-GB" dirty="0" smtClean="0"/>
-              <a:t>Each data bit is protected by a unique set of parity bits</a:t>
-            </a:r>
-          </a:p>
-          <a:p>
+              <a:t>Generally </a:t>
+            </a:r>
+            <a:r>
+              <a:rPr lang="en-GB" b="1" dirty="0" smtClean="0"/>
+              <a:t>&lt;1%</a:t>
+            </a:r>
             <a:r>
               <a:rPr lang="en-GB" dirty="0" smtClean="0"/>
-              <a:t>The parity bits are also covered by this scheme</a:t>
+              <a:t> of elements are non-zero</a:t>
+            </a:r>
+          </a:p>
+          <a:p>
+            <a:r>
+              <a:rPr lang="en-GB" dirty="0" smtClean="0"/>
+              <a:t>Iterative solvers such as Jacobi or  Conjugate Gradient are suitable for solving these large, sparse systems</a:t>
             </a:r>
           </a:p>
           <a:p>
             <a:pPr lvl="1"/>
             <a:r>
               <a:rPr lang="en-GB" dirty="0" smtClean="0"/>
-              <a:t>This is achieved by placing the parity bits at ‘power-of-two’ positions in the data</a:t>
-            </a:r>
-          </a:p>
-          <a:p>
-            <a:r>
-              <a:rPr lang="en-GB" i="1" dirty="0" smtClean="0"/>
-              <a:t>k</a:t>
-            </a:r>
-            <a:r>
-              <a:rPr lang="en-GB" dirty="0" smtClean="0"/>
-              <a:t> parity bits can protect a binary string of length 2</a:t>
-            </a:r>
-            <a:r>
-              <a:rPr lang="en-GB" i="1" baseline="30000" dirty="0" smtClean="0"/>
-              <a:t>k</a:t>
-            </a:r>
-            <a:r>
-              <a:rPr lang="en-GB" dirty="0" smtClean="0"/>
-              <a:t> – 1 bits (or 2</a:t>
-            </a:r>
-            <a:r>
-              <a:rPr lang="en-GB" i="1" baseline="30000" dirty="0" smtClean="0"/>
-              <a:t>k</a:t>
-            </a:r>
-            <a:r>
-              <a:rPr lang="en-GB" dirty="0" smtClean="0"/>
-              <a:t> – </a:t>
-            </a:r>
-            <a:r>
-              <a:rPr lang="en-GB" i="1" dirty="0" smtClean="0"/>
-              <a:t>k</a:t>
-            </a:r>
-            <a:r>
-              <a:rPr lang="en-GB" dirty="0" smtClean="0"/>
-              <a:t> – 1 data bits)</a:t>
-            </a:r>
+              <a:t>Direct approaches are not feasible when the matrix dimensions are very large</a:t>
+            </a:r>
+            <a:endParaRPr lang="en-GB" dirty="0"/>
           </a:p>
         </p:txBody>
       </p:sp>
@@ -26267,7 +26810,167 @@
             <a:fld id="{D9B8CB04-7B95-2844-BD15-B133C35E4786}" type="slidenum">
               <a:rPr lang="en-GB" smtClean="0"/>
               <a:pPr/>
-              <a:t>28</a:t>
+              <a:t>3</a:t>
+            </a:fld>
+            <a:endParaRPr lang="en-GB"/>
+          </a:p>
+        </p:txBody>
+      </p:sp>
+    </p:spTree>
+    <p:extLst>
+      <p:ext uri="{BB962C8B-B14F-4D97-AF65-F5344CB8AC3E}">
+        <p14:creationId xmlns:p14="http://schemas.microsoft.com/office/powerpoint/2010/main" val="772319859"/>
+      </p:ext>
+    </p:extLst>
+  </p:cSld>
+  <p:clrMapOvr>
+    <a:masterClrMapping/>
+  </p:clrMapOvr>
+  <mc:AlternateContent xmlns:mc="http://schemas.openxmlformats.org/markup-compatibility/2006" xmlns:p14="http://schemas.microsoft.com/office/powerpoint/2010/main">
+    <mc:Choice Requires="p14">
+      <p:transition spd="slow" p14:dur="2000"/>
+    </mc:Choice>
+    <mc:Fallback xmlns="">
+      <p:transition xmlns:p14="http://schemas.microsoft.com/office/powerpoint/2010/main" spd="slow"/>
+    </mc:Fallback>
+  </mc:AlternateContent>
+</p:sld>
+</file>
+
+<file path=ppt/slides/slide30.xml><?xml version="1.0" encoding="utf-8"?>
+<p:sld xmlns:a="http://schemas.openxmlformats.org/drawingml/2006/main" xmlns:r="http://schemas.openxmlformats.org/officeDocument/2006/relationships" xmlns:p="http://schemas.openxmlformats.org/presentationml/2006/main">
+  <p:cSld>
+    <p:spTree>
+      <p:nvGrpSpPr>
+        <p:cNvPr id="1" name=""/>
+        <p:cNvGrpSpPr/>
+        <p:nvPr/>
+      </p:nvGrpSpPr>
+      <p:grpSpPr>
+        <a:xfrm>
+          <a:off x="0" y="0"/>
+          <a:ext cx="0" cy="0"/>
+          <a:chOff x="0" y="0"/>
+          <a:chExt cx="0" cy="0"/>
+        </a:xfrm>
+      </p:grpSpPr>
+      <p:sp>
+        <p:nvSpPr>
+          <p:cNvPr id="2" name="Title 1"/>
+          <p:cNvSpPr>
+            <a:spLocks noGrp="1"/>
+          </p:cNvSpPr>
+          <p:nvPr>
+            <p:ph type="title"/>
+          </p:nvPr>
+        </p:nvSpPr>
+        <p:spPr/>
+        <p:txBody>
+          <a:bodyPr/>
+          <a:lstStyle/>
+          <a:p>
+            <a:r>
+              <a:rPr lang="en-GB" dirty="0" smtClean="0"/>
+              <a:t>Hamming codes</a:t>
+            </a:r>
+            <a:endParaRPr lang="en-GB" dirty="0"/>
+          </a:p>
+        </p:txBody>
+      </p:sp>
+      <p:sp>
+        <p:nvSpPr>
+          <p:cNvPr id="3" name="Content Placeholder 2"/>
+          <p:cNvSpPr>
+            <a:spLocks noGrp="1"/>
+          </p:cNvSpPr>
+          <p:nvPr>
+            <p:ph idx="1"/>
+          </p:nvPr>
+        </p:nvSpPr>
+        <p:spPr/>
+        <p:txBody>
+          <a:bodyPr/>
+          <a:lstStyle/>
+          <a:p>
+            <a:r>
+              <a:rPr lang="en-GB" dirty="0" smtClean="0"/>
+              <a:t>Uses multiple parity bits</a:t>
+            </a:r>
+          </a:p>
+          <a:p>
+            <a:r>
+              <a:rPr lang="en-GB" dirty="0" smtClean="0"/>
+              <a:t>Each data bit is protected by a unique set of parity bits</a:t>
+            </a:r>
+          </a:p>
+          <a:p>
+            <a:r>
+              <a:rPr lang="en-GB" dirty="0" smtClean="0"/>
+              <a:t>The parity bits are also covered by this scheme</a:t>
+            </a:r>
+          </a:p>
+          <a:p>
+            <a:pPr lvl="1"/>
+            <a:r>
+              <a:rPr lang="en-GB" dirty="0" smtClean="0"/>
+              <a:t>This is achieved by placing the parity bits at ‘power-of-two’ positions in the data</a:t>
+            </a:r>
+          </a:p>
+          <a:p>
+            <a:r>
+              <a:rPr lang="en-GB" i="1" dirty="0" smtClean="0"/>
+              <a:t>k</a:t>
+            </a:r>
+            <a:r>
+              <a:rPr lang="en-GB" dirty="0" smtClean="0"/>
+              <a:t> parity bits can protect a binary string of length 2</a:t>
+            </a:r>
+            <a:r>
+              <a:rPr lang="en-GB" i="1" baseline="30000" dirty="0" smtClean="0"/>
+              <a:t>k</a:t>
+            </a:r>
+            <a:r>
+              <a:rPr lang="en-GB" dirty="0" smtClean="0"/>
+              <a:t> – 1 bits (or 2</a:t>
+            </a:r>
+            <a:r>
+              <a:rPr lang="en-GB" i="1" baseline="30000" dirty="0" smtClean="0"/>
+              <a:t>k</a:t>
+            </a:r>
+            <a:r>
+              <a:rPr lang="en-GB" dirty="0" smtClean="0"/>
+              <a:t> – </a:t>
+            </a:r>
+            <a:r>
+              <a:rPr lang="en-GB" i="1" dirty="0" smtClean="0"/>
+              <a:t>k</a:t>
+            </a:r>
+            <a:r>
+              <a:rPr lang="en-GB" dirty="0" smtClean="0"/>
+              <a:t> – 1 data bits)</a:t>
+            </a:r>
+          </a:p>
+        </p:txBody>
+      </p:sp>
+      <p:sp>
+        <p:nvSpPr>
+          <p:cNvPr id="4" name="Slide Number Placeholder 3"/>
+          <p:cNvSpPr>
+            <a:spLocks noGrp="1"/>
+          </p:cNvSpPr>
+          <p:nvPr>
+            <p:ph type="sldNum" sz="quarter" idx="10"/>
+          </p:nvPr>
+        </p:nvSpPr>
+        <p:spPr/>
+        <p:txBody>
+          <a:bodyPr/>
+          <a:lstStyle/>
+          <a:p>
+            <a:fld id="{D9B8CB04-7B95-2844-BD15-B133C35E4786}" type="slidenum">
+              <a:rPr lang="en-GB" smtClean="0"/>
+              <a:pPr/>
+              <a:t>30</a:t>
             </a:fld>
             <a:endParaRPr lang="en-GB"/>
           </a:p>
@@ -26301,7 +27004,7 @@
 </p:sld>
 </file>
 
-<file path=ppt/slides/slide29.xml><?xml version="1.0" encoding="utf-8"?>
+<file path=ppt/slides/slide31.xml><?xml version="1.0" encoding="utf-8"?>
 <p:sld xmlns:a="http://schemas.openxmlformats.org/drawingml/2006/main" xmlns:r="http://schemas.openxmlformats.org/officeDocument/2006/relationships" xmlns:p="http://schemas.openxmlformats.org/presentationml/2006/main">
   <p:cSld>
     <p:spTree>
@@ -26418,7 +27121,7 @@
             <a:fld id="{D9B8CB04-7B95-2844-BD15-B133C35E4786}" type="slidenum">
               <a:rPr lang="en-GB" smtClean="0"/>
               <a:pPr/>
-              <a:t>29</a:t>
+              <a:t>31</a:t>
             </a:fld>
             <a:endParaRPr lang="en-GB"/>
           </a:p>
@@ -31097,143 +31800,7 @@
 </p:sld>
 </file>
 
-<file path=ppt/slides/slide3.xml><?xml version="1.0" encoding="utf-8"?>
-<p:sld xmlns:a="http://schemas.openxmlformats.org/drawingml/2006/main" xmlns:r="http://schemas.openxmlformats.org/officeDocument/2006/relationships" xmlns:p="http://schemas.openxmlformats.org/presentationml/2006/main">
-  <p:cSld>
-    <p:spTree>
-      <p:nvGrpSpPr>
-        <p:cNvPr id="1" name=""/>
-        <p:cNvGrpSpPr/>
-        <p:nvPr/>
-      </p:nvGrpSpPr>
-      <p:grpSpPr>
-        <a:xfrm>
-          <a:off x="0" y="0"/>
-          <a:ext cx="0" cy="0"/>
-          <a:chOff x="0" y="0"/>
-          <a:chExt cx="0" cy="0"/>
-        </a:xfrm>
-      </p:grpSpPr>
-      <p:sp>
-        <p:nvSpPr>
-          <p:cNvPr id="2" name="Title 1"/>
-          <p:cNvSpPr>
-            <a:spLocks noGrp="1"/>
-          </p:cNvSpPr>
-          <p:nvPr>
-            <p:ph type="title"/>
-          </p:nvPr>
-        </p:nvSpPr>
-        <p:spPr/>
-        <p:txBody>
-          <a:bodyPr/>
-          <a:lstStyle/>
-          <a:p>
-            <a:r>
-              <a:rPr lang="en-GB" dirty="0" smtClean="0"/>
-              <a:t>Sparse linear solvers</a:t>
-            </a:r>
-            <a:endParaRPr lang="en-GB" dirty="0"/>
-          </a:p>
-        </p:txBody>
-      </p:sp>
-      <p:sp>
-        <p:nvSpPr>
-          <p:cNvPr id="3" name="Content Placeholder 2"/>
-          <p:cNvSpPr>
-            <a:spLocks noGrp="1"/>
-          </p:cNvSpPr>
-          <p:nvPr>
-            <p:ph idx="1"/>
-          </p:nvPr>
-        </p:nvSpPr>
-        <p:spPr/>
-        <p:txBody>
-          <a:bodyPr/>
-          <a:lstStyle/>
-          <a:p>
-            <a:r>
-              <a:rPr lang="en-GB" dirty="0" smtClean="0"/>
-              <a:t>These systems will often involve extremely large matrices, that contain mostly non-zero values</a:t>
-            </a:r>
-          </a:p>
-          <a:p>
-            <a:pPr lvl="1"/>
-            <a:r>
-              <a:rPr lang="en-GB" dirty="0" smtClean="0"/>
-              <a:t>Generally </a:t>
-            </a:r>
-            <a:r>
-              <a:rPr lang="en-GB" b="1" dirty="0" smtClean="0"/>
-              <a:t>&lt;1%</a:t>
-            </a:r>
-            <a:r>
-              <a:rPr lang="en-GB" dirty="0" smtClean="0"/>
-              <a:t> of elements are non-zero</a:t>
-            </a:r>
-          </a:p>
-          <a:p>
-            <a:r>
-              <a:rPr lang="en-GB" dirty="0" smtClean="0"/>
-              <a:t>Iterative solvers such as Jacobi or  Conjugate Gradient are suitable for solving these large, sparse systems</a:t>
-            </a:r>
-          </a:p>
-          <a:p>
-            <a:pPr lvl="1"/>
-            <a:r>
-              <a:rPr lang="en-GB" dirty="0" smtClean="0"/>
-              <a:t>Direct approaches are not feasible when the matrix dimensions are very large</a:t>
-            </a:r>
-            <a:endParaRPr lang="en-GB" dirty="0"/>
-          </a:p>
-        </p:txBody>
-      </p:sp>
-      <p:sp>
-        <p:nvSpPr>
-          <p:cNvPr id="4" name="Slide Number Placeholder 3"/>
-          <p:cNvSpPr>
-            <a:spLocks noGrp="1"/>
-          </p:cNvSpPr>
-          <p:nvPr>
-            <p:ph type="sldNum" sz="quarter" idx="10"/>
-          </p:nvPr>
-        </p:nvSpPr>
-        <p:spPr/>
-        <p:txBody>
-          <a:bodyPr/>
-          <a:lstStyle/>
-          <a:p>
-            <a:fld id="{D9B8CB04-7B95-2844-BD15-B133C35E4786}" type="slidenum">
-              <a:rPr lang="en-GB" smtClean="0"/>
-              <a:pPr/>
-              <a:t>3</a:t>
-            </a:fld>
-            <a:endParaRPr lang="en-GB"/>
-          </a:p>
-        </p:txBody>
-      </p:sp>
-    </p:spTree>
-    <p:extLst>
-      <p:ext uri="{BB962C8B-B14F-4D97-AF65-F5344CB8AC3E}">
-        <p14:creationId xmlns:p14="http://schemas.microsoft.com/office/powerpoint/2010/main" val="772319859"/>
-      </p:ext>
-    </p:extLst>
-  </p:cSld>
-  <p:clrMapOvr>
-    <a:masterClrMapping/>
-  </p:clrMapOvr>
-  <mc:AlternateContent xmlns:mc="http://schemas.openxmlformats.org/markup-compatibility/2006" xmlns:p14="http://schemas.microsoft.com/office/powerpoint/2010/main">
-    <mc:Choice Requires="p14">
-      <p:transition spd="slow" p14:dur="2000"/>
-    </mc:Choice>
-    <mc:Fallback xmlns="">
-      <p:transition xmlns:p14="http://schemas.microsoft.com/office/powerpoint/2010/main" spd="slow"/>
-    </mc:Fallback>
-  </mc:AlternateContent>
-</p:sld>
-</file>
-
-<file path=ppt/slides/slide30.xml><?xml version="1.0" encoding="utf-8"?>
+<file path=ppt/slides/slide32.xml><?xml version="1.0" encoding="utf-8"?>
 <p:sld xmlns:a="http://schemas.openxmlformats.org/drawingml/2006/main" xmlns:r="http://schemas.openxmlformats.org/officeDocument/2006/relationships" xmlns:p="http://schemas.openxmlformats.org/presentationml/2006/main">
   <p:cSld>
     <p:spTree>
@@ -31316,7 +31883,7 @@
             <a:fld id="{D9B8CB04-7B95-2844-BD15-B133C35E4786}" type="slidenum">
               <a:rPr lang="en-GB" smtClean="0"/>
               <a:pPr/>
-              <a:t>30</a:t>
+              <a:t>32</a:t>
             </a:fld>
             <a:endParaRPr lang="en-GB"/>
           </a:p>
@@ -31793,7 +32360,7 @@
 </p:sld>
 </file>
 
-<file path=ppt/slides/slide31.xml><?xml version="1.0" encoding="utf-8"?>
+<file path=ppt/slides/slide33.xml><?xml version="1.0" encoding="utf-8"?>
 <p:sld xmlns:a="http://schemas.openxmlformats.org/drawingml/2006/main" xmlns:r="http://schemas.openxmlformats.org/officeDocument/2006/relationships" xmlns:p="http://schemas.openxmlformats.org/presentationml/2006/main">
   <p:cSld>
     <p:spTree>
@@ -31851,7 +32418,7 @@
             <a:fld id="{D9B8CB04-7B95-2844-BD15-B133C35E4786}" type="slidenum">
               <a:rPr lang="en-GB" smtClean="0"/>
               <a:pPr/>
-              <a:t>31</a:t>
+              <a:t>33</a:t>
             </a:fld>
             <a:endParaRPr lang="en-GB"/>
           </a:p>
@@ -32259,7 +32826,7 @@
 </p:sld>
 </file>
 
-<file path=ppt/slides/slide32.xml><?xml version="1.0" encoding="utf-8"?>
+<file path=ppt/slides/slide34.xml><?xml version="1.0" encoding="utf-8"?>
 <p:sld xmlns:a="http://schemas.openxmlformats.org/drawingml/2006/main" xmlns:r="http://schemas.openxmlformats.org/officeDocument/2006/relationships" xmlns:p="http://schemas.openxmlformats.org/presentationml/2006/main">
   <p:cSld>
     <p:spTree>
@@ -32317,7 +32884,7 @@
             <a:fld id="{D9B8CB04-7B95-2844-BD15-B133C35E4786}" type="slidenum">
               <a:rPr lang="en-GB" smtClean="0"/>
               <a:pPr/>
-              <a:t>32</a:t>
+              <a:t>34</a:t>
             </a:fld>
             <a:endParaRPr lang="en-GB"/>
           </a:p>
@@ -33838,7 +34405,7 @@
 </p:sld>
 </file>
 
-<file path=ppt/slides/slide33.xml><?xml version="1.0" encoding="utf-8"?>
+<file path=ppt/slides/slide35.xml><?xml version="1.0" encoding="utf-8"?>
 <p:sld xmlns:a="http://schemas.openxmlformats.org/drawingml/2006/main" xmlns:r="http://schemas.openxmlformats.org/officeDocument/2006/relationships" xmlns:p="http://schemas.openxmlformats.org/presentationml/2006/main">
   <p:cSld>
     <p:spTree>
@@ -33896,7 +34463,7 @@
             <a:fld id="{D9B8CB04-7B95-2844-BD15-B133C35E4786}" type="slidenum">
               <a:rPr lang="en-GB" smtClean="0"/>
               <a:pPr/>
-              <a:t>33</a:t>
+              <a:t>35</a:t>
             </a:fld>
             <a:endParaRPr lang="en-GB"/>
           </a:p>
@@ -35643,7 +36210,7 @@
 </p:sld>
 </file>
 
-<file path=ppt/slides/slide34.xml><?xml version="1.0" encoding="utf-8"?>
+<file path=ppt/slides/slide36.xml><?xml version="1.0" encoding="utf-8"?>
 <p:sld xmlns:a="http://schemas.openxmlformats.org/drawingml/2006/main" xmlns:r="http://schemas.openxmlformats.org/officeDocument/2006/relationships" xmlns:p="http://schemas.openxmlformats.org/presentationml/2006/main">
   <p:cSld>
     <p:spTree>
@@ -35701,7 +36268,7 @@
             <a:fld id="{D9B8CB04-7B95-2844-BD15-B133C35E4786}" type="slidenum">
               <a:rPr lang="en-GB" smtClean="0"/>
               <a:pPr/>
-              <a:t>34</a:t>
+              <a:t>36</a:t>
             </a:fld>
             <a:endParaRPr lang="en-GB"/>
           </a:p>
@@ -37440,7 +38007,7 @@
 </p:sld>
 </file>
 
-<file path=ppt/slides/slide35.xml><?xml version="1.0" encoding="utf-8"?>
+<file path=ppt/slides/slide37.xml><?xml version="1.0" encoding="utf-8"?>
 <p:sld xmlns:a="http://schemas.openxmlformats.org/drawingml/2006/main" xmlns:r="http://schemas.openxmlformats.org/officeDocument/2006/relationships" xmlns:p="http://schemas.openxmlformats.org/presentationml/2006/main">
   <p:cSld>
     <p:spTree>
@@ -37498,7 +38065,7 @@
             <a:fld id="{D9B8CB04-7B95-2844-BD15-B133C35E4786}" type="slidenum">
               <a:rPr lang="en-GB" smtClean="0"/>
               <a:pPr/>
-              <a:t>35</a:t>
+              <a:t>37</a:t>
             </a:fld>
             <a:endParaRPr lang="en-GB"/>
           </a:p>
@@ -39238,7 +39805,7 @@
 </p:sld>
 </file>
 
-<file path=ppt/slides/slide36.xml><?xml version="1.0" encoding="utf-8"?>
+<file path=ppt/slides/slide38.xml><?xml version="1.0" encoding="utf-8"?>
 <p:sld xmlns:a="http://schemas.openxmlformats.org/drawingml/2006/main" xmlns:r="http://schemas.openxmlformats.org/officeDocument/2006/relationships" xmlns:p="http://schemas.openxmlformats.org/presentationml/2006/main">
   <p:cSld>
     <p:spTree>
@@ -39296,7 +39863,7 @@
             <a:fld id="{D9B8CB04-7B95-2844-BD15-B133C35E4786}" type="slidenum">
               <a:rPr lang="en-GB" smtClean="0"/>
               <a:pPr/>
-              <a:t>36</a:t>
+              <a:t>38</a:t>
             </a:fld>
             <a:endParaRPr lang="en-GB"/>
           </a:p>
@@ -41031,7 +41598,7 @@
 </p:sld>
 </file>
 
-<file path=ppt/slides/slide37.xml><?xml version="1.0" encoding="utf-8"?>
+<file path=ppt/slides/slide39.xml><?xml version="1.0" encoding="utf-8"?>
 <p:sld xmlns:a="http://schemas.openxmlformats.org/drawingml/2006/main" xmlns:r="http://schemas.openxmlformats.org/officeDocument/2006/relationships" xmlns:p="http://schemas.openxmlformats.org/presentationml/2006/main">
   <p:cSld>
     <p:spTree>
@@ -41089,7 +41656,7 @@
             <a:fld id="{D9B8CB04-7B95-2844-BD15-B133C35E4786}" type="slidenum">
               <a:rPr lang="en-GB" smtClean="0"/>
               <a:pPr/>
-              <a:t>37</a:t>
+              <a:t>39</a:t>
             </a:fld>
             <a:endParaRPr lang="en-GB"/>
           </a:p>
@@ -42627,7 +43194,7 @@
 </p:sld>
 </file>
 
-<file path=ppt/slides/slide38.xml><?xml version="1.0" encoding="utf-8"?>
+<file path=ppt/slides/slide4.xml><?xml version="1.0" encoding="utf-8"?>
 <p:sld xmlns:a="http://schemas.openxmlformats.org/drawingml/2006/main" xmlns:r="http://schemas.openxmlformats.org/officeDocument/2006/relationships" xmlns:p="http://schemas.openxmlformats.org/presentationml/2006/main">
   <p:cSld>
     <p:spTree>
@@ -42661,9 +43228,93 @@
           <a:p>
             <a:r>
               <a:rPr lang="en-GB" dirty="0" smtClean="0"/>
-              <a:t>Hamming codes - example</a:t>
+              <a:t>Sparse linear solvers</a:t>
             </a:r>
             <a:endParaRPr lang="en-GB" dirty="0"/>
+          </a:p>
+        </p:txBody>
+      </p:sp>
+      <p:sp>
+        <p:nvSpPr>
+          <p:cNvPr id="3" name="Content Placeholder 2"/>
+          <p:cNvSpPr>
+            <a:spLocks noGrp="1"/>
+          </p:cNvSpPr>
+          <p:nvPr>
+            <p:ph idx="1"/>
+          </p:nvPr>
+        </p:nvSpPr>
+        <p:spPr/>
+        <p:txBody>
+          <a:bodyPr/>
+          <a:lstStyle/>
+          <a:p>
+            <a:r>
+              <a:rPr lang="en-GB" sz="2800" dirty="0" smtClean="0"/>
+              <a:t>Even for very sparse matrices, the majority of the application data will be in the matrix</a:t>
+            </a:r>
+          </a:p>
+          <a:p>
+            <a:pPr lvl="1"/>
+            <a:r>
+              <a:rPr lang="en-GB" sz="2400" dirty="0" smtClean="0"/>
+              <a:t>0.01% of a 10M x 10M matrix is three orders of magnitude larger than a 10M element vector</a:t>
+            </a:r>
+          </a:p>
+          <a:p>
+            <a:r>
+              <a:rPr lang="en-GB" dirty="0" smtClean="0"/>
+              <a:t>This means that:</a:t>
+            </a:r>
+          </a:p>
+          <a:p>
+            <a:pPr marL="914400" lvl="1" indent="-457200">
+              <a:buFont typeface="+mj-lt"/>
+              <a:buAutoNum type="arabicPeriod"/>
+            </a:pPr>
+            <a:r>
+              <a:rPr lang="en-GB" sz="2400" dirty="0" smtClean="0"/>
+              <a:t>Sparse matrix-vector products (</a:t>
+            </a:r>
+            <a:r>
+              <a:rPr lang="en-GB" sz="2400" dirty="0" err="1" smtClean="0"/>
+              <a:t>SpMV</a:t>
+            </a:r>
+            <a:r>
+              <a:rPr lang="en-GB" sz="2400" dirty="0" smtClean="0"/>
+              <a:t>) will account for the majority of the runtime in these iterative solvers</a:t>
+            </a:r>
+          </a:p>
+          <a:p>
+            <a:pPr marL="914400" lvl="1" indent="-457200">
+              <a:buFont typeface="+mj-lt"/>
+              <a:buAutoNum type="arabicPeriod"/>
+            </a:pPr>
+            <a:r>
+              <a:rPr lang="en-GB" sz="2400" dirty="0" smtClean="0"/>
+              <a:t>The sparse matrix data will be the most likely candidate for suffering a </a:t>
+            </a:r>
+            <a:r>
+              <a:rPr lang="en-GB" sz="2400" b="1" dirty="0" smtClean="0">
+                <a:solidFill>
+                  <a:srgbClr val="FF0000"/>
+                </a:solidFill>
+              </a:rPr>
+              <a:t>silent data corruption</a:t>
+            </a:r>
+            <a:r>
+              <a:rPr lang="en-GB" sz="2400" dirty="0" smtClean="0"/>
+              <a:t> (</a:t>
+            </a:r>
+            <a:r>
+              <a:rPr lang="en-GB" sz="2400" b="1" dirty="0" smtClean="0"/>
+              <a:t>SDC</a:t>
+            </a:r>
+            <a:r>
+              <a:rPr lang="en-GB" sz="2400" dirty="0" smtClean="0"/>
+              <a:t>)</a:t>
+            </a:r>
+            <a:endParaRPr lang="en-GB" sz="2400" dirty="0"/>
           </a:p>
         </p:txBody>
       </p:sp>
@@ -42685,7 +43336,92 @@
             <a:fld id="{D9B8CB04-7B95-2844-BD15-B133C35E4786}" type="slidenum">
               <a:rPr lang="en-GB" smtClean="0"/>
               <a:pPr/>
-              <a:t>38</a:t>
+              <a:t>4</a:t>
+            </a:fld>
+            <a:endParaRPr lang="en-GB"/>
+          </a:p>
+        </p:txBody>
+      </p:sp>
+    </p:spTree>
+    <p:extLst>
+      <p:ext uri="{BB962C8B-B14F-4D97-AF65-F5344CB8AC3E}">
+        <p14:creationId xmlns:p14="http://schemas.microsoft.com/office/powerpoint/2010/main" val="2132030885"/>
+      </p:ext>
+    </p:extLst>
+  </p:cSld>
+  <p:clrMapOvr>
+    <a:masterClrMapping/>
+  </p:clrMapOvr>
+  <mc:AlternateContent xmlns:mc="http://schemas.openxmlformats.org/markup-compatibility/2006" xmlns:p14="http://schemas.microsoft.com/office/powerpoint/2010/main">
+    <mc:Choice Requires="p14">
+      <p:transition spd="slow" p14:dur="2000"/>
+    </mc:Choice>
+    <mc:Fallback xmlns="">
+      <p:transition xmlns:p14="http://schemas.microsoft.com/office/powerpoint/2010/main" spd="slow"/>
+    </mc:Fallback>
+  </mc:AlternateContent>
+</p:sld>
+</file>
+
+<file path=ppt/slides/slide40.xml><?xml version="1.0" encoding="utf-8"?>
+<p:sld xmlns:a="http://schemas.openxmlformats.org/drawingml/2006/main" xmlns:r="http://schemas.openxmlformats.org/officeDocument/2006/relationships" xmlns:p="http://schemas.openxmlformats.org/presentationml/2006/main">
+  <p:cSld>
+    <p:spTree>
+      <p:nvGrpSpPr>
+        <p:cNvPr id="1" name=""/>
+        <p:cNvGrpSpPr/>
+        <p:nvPr/>
+      </p:nvGrpSpPr>
+      <p:grpSpPr>
+        <a:xfrm>
+          <a:off x="0" y="0"/>
+          <a:ext cx="0" cy="0"/>
+          <a:chOff x="0" y="0"/>
+          <a:chExt cx="0" cy="0"/>
+        </a:xfrm>
+      </p:grpSpPr>
+      <p:sp>
+        <p:nvSpPr>
+          <p:cNvPr id="2" name="Title 1"/>
+          <p:cNvSpPr>
+            <a:spLocks noGrp="1"/>
+          </p:cNvSpPr>
+          <p:nvPr>
+            <p:ph type="title"/>
+          </p:nvPr>
+        </p:nvSpPr>
+        <p:spPr/>
+        <p:txBody>
+          <a:bodyPr/>
+          <a:lstStyle/>
+          <a:p>
+            <a:r>
+              <a:rPr lang="en-GB" dirty="0" smtClean="0"/>
+              <a:t>Hamming codes - example</a:t>
+            </a:r>
+            <a:endParaRPr lang="en-GB" dirty="0"/>
+          </a:p>
+        </p:txBody>
+      </p:sp>
+      <p:sp>
+        <p:nvSpPr>
+          <p:cNvPr id="4" name="Slide Number Placeholder 3"/>
+          <p:cNvSpPr>
+            <a:spLocks noGrp="1"/>
+          </p:cNvSpPr>
+          <p:nvPr>
+            <p:ph type="sldNum" sz="quarter" idx="10"/>
+          </p:nvPr>
+        </p:nvSpPr>
+        <p:spPr/>
+        <p:txBody>
+          <a:bodyPr/>
+          <a:lstStyle/>
+          <a:p>
+            <a:fld id="{D9B8CB04-7B95-2844-BD15-B133C35E4786}" type="slidenum">
+              <a:rPr lang="en-GB" smtClean="0"/>
+              <a:pPr/>
+              <a:t>40</a:t>
             </a:fld>
             <a:endParaRPr lang="en-GB"/>
           </a:p>
@@ -47539,7 +48275,7 @@
 </p:sld>
 </file>
 
-<file path=ppt/slides/slide39.xml><?xml version="1.0" encoding="utf-8"?>
+<file path=ppt/slides/slide41.xml><?xml version="1.0" encoding="utf-8"?>
 <p:sld xmlns:a="http://schemas.openxmlformats.org/drawingml/2006/main" xmlns:r="http://schemas.openxmlformats.org/officeDocument/2006/relationships" xmlns:p="http://schemas.openxmlformats.org/presentationml/2006/main">
   <p:cSld>
     <p:spTree>
@@ -47622,7 +48358,7 @@
             <a:fld id="{D9B8CB04-7B95-2844-BD15-B133C35E4786}" type="slidenum">
               <a:rPr lang="en-GB" smtClean="0"/>
               <a:pPr/>
-              <a:t>39</a:t>
+              <a:t>41</a:t>
             </a:fld>
             <a:endParaRPr lang="en-GB"/>
           </a:p>
@@ -48123,7 +48859,7 @@
 </p:sld>
 </file>
 
-<file path=ppt/slides/slide4.xml><?xml version="1.0" encoding="utf-8"?>
+<file path=ppt/slides/slide42.xml><?xml version="1.0" encoding="utf-8"?>
 <p:sld xmlns:a="http://schemas.openxmlformats.org/drawingml/2006/main" xmlns:r="http://schemas.openxmlformats.org/officeDocument/2006/relationships" xmlns:p="http://schemas.openxmlformats.org/presentationml/2006/main">
   <p:cSld>
     <p:spTree>
@@ -48157,93 +48893,9 @@
           <a:p>
             <a:r>
               <a:rPr lang="en-GB" dirty="0" smtClean="0"/>
-              <a:t>Sparse linear solvers</a:t>
+              <a:t>Hamming codes - example</a:t>
             </a:r>
             <a:endParaRPr lang="en-GB" dirty="0"/>
-          </a:p>
-        </p:txBody>
-      </p:sp>
-      <p:sp>
-        <p:nvSpPr>
-          <p:cNvPr id="3" name="Content Placeholder 2"/>
-          <p:cNvSpPr>
-            <a:spLocks noGrp="1"/>
-          </p:cNvSpPr>
-          <p:nvPr>
-            <p:ph idx="1"/>
-          </p:nvPr>
-        </p:nvSpPr>
-        <p:spPr/>
-        <p:txBody>
-          <a:bodyPr/>
-          <a:lstStyle/>
-          <a:p>
-            <a:r>
-              <a:rPr lang="en-GB" sz="2800" dirty="0" smtClean="0"/>
-              <a:t>Even for very sparse matrices, the majority of the application data will be in the matrix</a:t>
-            </a:r>
-          </a:p>
-          <a:p>
-            <a:pPr lvl="1"/>
-            <a:r>
-              <a:rPr lang="en-GB" sz="2400" dirty="0" smtClean="0"/>
-              <a:t>0.01% of a 10M x 10M matrix is three orders of magnitude larger than a 10M element vector</a:t>
-            </a:r>
-          </a:p>
-          <a:p>
-            <a:r>
-              <a:rPr lang="en-GB" dirty="0" smtClean="0"/>
-              <a:t>This means that:</a:t>
-            </a:r>
-          </a:p>
-          <a:p>
-            <a:pPr marL="914400" lvl="1" indent="-457200">
-              <a:buFont typeface="+mj-lt"/>
-              <a:buAutoNum type="arabicPeriod"/>
-            </a:pPr>
-            <a:r>
-              <a:rPr lang="en-GB" sz="2400" dirty="0" smtClean="0"/>
-              <a:t>Sparse matrix-vector products (</a:t>
-            </a:r>
-            <a:r>
-              <a:rPr lang="en-GB" sz="2400" dirty="0" err="1" smtClean="0"/>
-              <a:t>SpMV</a:t>
-            </a:r>
-            <a:r>
-              <a:rPr lang="en-GB" sz="2400" dirty="0" smtClean="0"/>
-              <a:t>) will account for the majority of the runtime in these iterative solvers</a:t>
-            </a:r>
-          </a:p>
-          <a:p>
-            <a:pPr marL="914400" lvl="1" indent="-457200">
-              <a:buFont typeface="+mj-lt"/>
-              <a:buAutoNum type="arabicPeriod"/>
-            </a:pPr>
-            <a:r>
-              <a:rPr lang="en-GB" sz="2400" dirty="0" smtClean="0"/>
-              <a:t>The sparse matrix data will be the most likely candidate for suffering a </a:t>
-            </a:r>
-            <a:r>
-              <a:rPr lang="en-GB" sz="2400" b="1" dirty="0" smtClean="0">
-                <a:solidFill>
-                  <a:srgbClr val="FF0000"/>
-                </a:solidFill>
-              </a:rPr>
-              <a:t>silent data corruption</a:t>
-            </a:r>
-            <a:r>
-              <a:rPr lang="en-GB" sz="2400" dirty="0" smtClean="0"/>
-              <a:t> (</a:t>
-            </a:r>
-            <a:r>
-              <a:rPr lang="en-GB" sz="2400" b="1" dirty="0" smtClean="0"/>
-              <a:t>SDC</a:t>
-            </a:r>
-            <a:r>
-              <a:rPr lang="en-GB" sz="2400" dirty="0" smtClean="0"/>
-              <a:t>)</a:t>
-            </a:r>
-            <a:endParaRPr lang="en-GB" sz="2400" dirty="0"/>
           </a:p>
         </p:txBody>
       </p:sp>
@@ -48265,92 +48917,7 @@
             <a:fld id="{D9B8CB04-7B95-2844-BD15-B133C35E4786}" type="slidenum">
               <a:rPr lang="en-GB" smtClean="0"/>
               <a:pPr/>
-              <a:t>4</a:t>
-            </a:fld>
-            <a:endParaRPr lang="en-GB"/>
-          </a:p>
-        </p:txBody>
-      </p:sp>
-    </p:spTree>
-    <p:extLst>
-      <p:ext uri="{BB962C8B-B14F-4D97-AF65-F5344CB8AC3E}">
-        <p14:creationId xmlns:p14="http://schemas.microsoft.com/office/powerpoint/2010/main" val="2132030885"/>
-      </p:ext>
-    </p:extLst>
-  </p:cSld>
-  <p:clrMapOvr>
-    <a:masterClrMapping/>
-  </p:clrMapOvr>
-  <mc:AlternateContent xmlns:mc="http://schemas.openxmlformats.org/markup-compatibility/2006" xmlns:p14="http://schemas.microsoft.com/office/powerpoint/2010/main">
-    <mc:Choice Requires="p14">
-      <p:transition spd="slow" p14:dur="2000"/>
-    </mc:Choice>
-    <mc:Fallback xmlns="">
-      <p:transition xmlns:p14="http://schemas.microsoft.com/office/powerpoint/2010/main" spd="slow"/>
-    </mc:Fallback>
-  </mc:AlternateContent>
-</p:sld>
-</file>
-
-<file path=ppt/slides/slide40.xml><?xml version="1.0" encoding="utf-8"?>
-<p:sld xmlns:a="http://schemas.openxmlformats.org/drawingml/2006/main" xmlns:r="http://schemas.openxmlformats.org/officeDocument/2006/relationships" xmlns:p="http://schemas.openxmlformats.org/presentationml/2006/main">
-  <p:cSld>
-    <p:spTree>
-      <p:nvGrpSpPr>
-        <p:cNvPr id="1" name=""/>
-        <p:cNvGrpSpPr/>
-        <p:nvPr/>
-      </p:nvGrpSpPr>
-      <p:grpSpPr>
-        <a:xfrm>
-          <a:off x="0" y="0"/>
-          <a:ext cx="0" cy="0"/>
-          <a:chOff x="0" y="0"/>
-          <a:chExt cx="0" cy="0"/>
-        </a:xfrm>
-      </p:grpSpPr>
-      <p:sp>
-        <p:nvSpPr>
-          <p:cNvPr id="2" name="Title 1"/>
-          <p:cNvSpPr>
-            <a:spLocks noGrp="1"/>
-          </p:cNvSpPr>
-          <p:nvPr>
-            <p:ph type="title"/>
-          </p:nvPr>
-        </p:nvSpPr>
-        <p:spPr/>
-        <p:txBody>
-          <a:bodyPr/>
-          <a:lstStyle/>
-          <a:p>
-            <a:r>
-              <a:rPr lang="en-GB" dirty="0" smtClean="0"/>
-              <a:t>Hamming codes - example</a:t>
-            </a:r>
-            <a:endParaRPr lang="en-GB" dirty="0"/>
-          </a:p>
-        </p:txBody>
-      </p:sp>
-      <p:sp>
-        <p:nvSpPr>
-          <p:cNvPr id="4" name="Slide Number Placeholder 3"/>
-          <p:cNvSpPr>
-            <a:spLocks noGrp="1"/>
-          </p:cNvSpPr>
-          <p:nvPr>
-            <p:ph type="sldNum" sz="quarter" idx="10"/>
-          </p:nvPr>
-        </p:nvSpPr>
-        <p:spPr/>
-        <p:txBody>
-          <a:bodyPr/>
-          <a:lstStyle/>
-          <a:p>
-            <a:fld id="{D9B8CB04-7B95-2844-BD15-B133C35E4786}" type="slidenum">
-              <a:rPr lang="en-GB" smtClean="0"/>
-              <a:pPr/>
-              <a:t>40</a:t>
+              <a:t>42</a:t>
             </a:fld>
             <a:endParaRPr lang="en-GB"/>
           </a:p>
@@ -50905,7 +51472,7 @@
 </p:sld>
 </file>
 
-<file path=ppt/slides/slide41.xml><?xml version="1.0" encoding="utf-8"?>
+<file path=ppt/slides/slide43.xml><?xml version="1.0" encoding="utf-8"?>
 <p:sld xmlns:a="http://schemas.openxmlformats.org/drawingml/2006/main" xmlns:r="http://schemas.openxmlformats.org/officeDocument/2006/relationships" xmlns:p="http://schemas.openxmlformats.org/presentationml/2006/main">
   <p:cSld>
     <p:spTree>
@@ -51021,7 +51588,7 @@
             <a:fld id="{D9B8CB04-7B95-2844-BD15-B133C35E4786}" type="slidenum">
               <a:rPr lang="en-GB" smtClean="0"/>
               <a:pPr/>
-              <a:t>41</a:t>
+              <a:t>43</a:t>
             </a:fld>
             <a:endParaRPr lang="en-GB"/>
           </a:p>
@@ -51055,7 +51622,7 @@
 </p:sld>
 </file>
 
-<file path=ppt/slides/slide42.xml><?xml version="1.0" encoding="utf-8"?>
+<file path=ppt/slides/slide44.xml><?xml version="1.0" encoding="utf-8"?>
 <p:sld xmlns:a="http://schemas.openxmlformats.org/drawingml/2006/main" xmlns:r="http://schemas.openxmlformats.org/officeDocument/2006/relationships" xmlns:p="http://schemas.openxmlformats.org/presentationml/2006/main">
   <p:cSld>
     <p:spTree>
@@ -51208,7 +51775,7 @@
             <a:fld id="{D9B8CB04-7B95-2844-BD15-B133C35E4786}" type="slidenum">
               <a:rPr lang="en-GB" smtClean="0"/>
               <a:pPr/>
-              <a:t>42</a:t>
+              <a:t>44</a:t>
             </a:fld>
             <a:endParaRPr lang="en-GB"/>
           </a:p>
@@ -51242,7 +51809,7 @@
 </p:sld>
 </file>
 
-<file path=ppt/slides/slide43.xml><?xml version="1.0" encoding="utf-8"?>
+<file path=ppt/slides/slide45.xml><?xml version="1.0" encoding="utf-8"?>
 <p:sld xmlns:a="http://schemas.openxmlformats.org/drawingml/2006/main" xmlns:r="http://schemas.openxmlformats.org/officeDocument/2006/relationships" xmlns:p="http://schemas.openxmlformats.org/presentationml/2006/main">
   <p:cSld>
     <p:spTree>
@@ -51300,7 +51867,7 @@
             <a:fld id="{D9B8CB04-7B95-2844-BD15-B133C35E4786}" type="slidenum">
               <a:rPr lang="en-GB" smtClean="0"/>
               <a:pPr/>
-              <a:t>43</a:t>
+              <a:t>45</a:t>
             </a:fld>
             <a:endParaRPr lang="en-GB"/>
           </a:p>
@@ -52012,7 +52579,7 @@
 </p:sld>
 </file>
 
-<file path=ppt/slides/slide44.xml><?xml version="1.0" encoding="utf-8"?>
+<file path=ppt/slides/slide46.xml><?xml version="1.0" encoding="utf-8"?>
 <p:sld xmlns:a="http://schemas.openxmlformats.org/drawingml/2006/main" xmlns:r="http://schemas.openxmlformats.org/officeDocument/2006/relationships" xmlns:p="http://schemas.openxmlformats.org/presentationml/2006/main">
   <p:cSld>
     <p:spTree>
@@ -52142,7 +52709,7 @@
             <a:fld id="{D9B8CB04-7B95-2844-BD15-B133C35E4786}" type="slidenum">
               <a:rPr lang="en-GB" smtClean="0"/>
               <a:pPr/>
-              <a:t>44</a:t>
+              <a:t>46</a:t>
             </a:fld>
             <a:endParaRPr lang="en-GB"/>
           </a:p>
@@ -52562,7 +53129,7 @@
 </p:sld>
 </file>
 
-<file path=ppt/slides/slide45.xml><?xml version="1.0" encoding="utf-8"?>
+<file path=ppt/slides/slide47.xml><?xml version="1.0" encoding="utf-8"?>
 <p:sld xmlns:a="http://schemas.openxmlformats.org/drawingml/2006/main" xmlns:r="http://schemas.openxmlformats.org/officeDocument/2006/relationships" xmlns:p="http://schemas.openxmlformats.org/presentationml/2006/main">
   <p:cSld>
     <p:spTree>
@@ -52679,7 +53246,7 @@
             <a:fld id="{D9B8CB04-7B95-2844-BD15-B133C35E4786}" type="slidenum">
               <a:rPr lang="en-GB" smtClean="0"/>
               <a:pPr/>
-              <a:t>45</a:t>
+              <a:t>47</a:t>
             </a:fld>
             <a:endParaRPr lang="en-GB"/>
           </a:p>
@@ -52713,7 +53280,7 @@
 </p:sld>
 </file>
 
-<file path=ppt/slides/slide46.xml><?xml version="1.0" encoding="utf-8"?>
+<file path=ppt/slides/slide48.xml><?xml version="1.0" encoding="utf-8"?>
 <p:sld xmlns:a="http://schemas.openxmlformats.org/drawingml/2006/main" xmlns:r="http://schemas.openxmlformats.org/officeDocument/2006/relationships" xmlns:p="http://schemas.openxmlformats.org/presentationml/2006/main">
   <p:cSld>
     <p:spTree>
@@ -52774,7 +53341,7 @@
             <a:fld id="{D9B8CB04-7B95-2844-BD15-B133C35E4786}" type="slidenum">
               <a:rPr lang="en-GB" smtClean="0"/>
               <a:pPr/>
-              <a:t>46</a:t>
+              <a:t>48</a:t>
             </a:fld>
             <a:endParaRPr lang="en-GB"/>
           </a:p>
@@ -53433,7 +54000,7 @@
 </p:sld>
 </file>
 
-<file path=ppt/slides/slide47.xml><?xml version="1.0" encoding="utf-8"?>
+<file path=ppt/slides/slide49.xml><?xml version="1.0" encoding="utf-8"?>
 <p:sld xmlns:a="http://schemas.openxmlformats.org/drawingml/2006/main" xmlns:r="http://schemas.openxmlformats.org/officeDocument/2006/relationships" xmlns:p="http://schemas.openxmlformats.org/presentationml/2006/main">
   <p:cSld>
     <p:spTree>
@@ -53563,7 +54130,7 @@
             <a:fld id="{D9B8CB04-7B95-2844-BD15-B133C35E4786}" type="slidenum">
               <a:rPr lang="en-GB" smtClean="0"/>
               <a:pPr/>
-              <a:t>47</a:t>
+              <a:t>49</a:t>
             </a:fld>
             <a:endParaRPr lang="en-GB"/>
           </a:p>
@@ -54075,7 +54642,7 @@
 </p:sld>
 </file>
 
-<file path=ppt/slides/slide48.xml><?xml version="1.0" encoding="utf-8"?>
+<file path=ppt/slides/slide5.xml><?xml version="1.0" encoding="utf-8"?>
 <p:sld xmlns:a="http://schemas.openxmlformats.org/drawingml/2006/main" xmlns:r="http://schemas.openxmlformats.org/officeDocument/2006/relationships" xmlns:p="http://schemas.openxmlformats.org/presentationml/2006/main">
   <p:cSld>
     <p:spTree>
@@ -54094,6 +54661,207 @@
       </p:grpSpPr>
       <p:sp>
         <p:nvSpPr>
+          <p:cNvPr id="5" name="Title 4"/>
+          <p:cNvSpPr>
+            <a:spLocks noGrp="1"/>
+          </p:cNvSpPr>
+          <p:nvPr>
+            <p:ph type="title"/>
+          </p:nvPr>
+        </p:nvSpPr>
+        <p:spPr>
+          <a:xfrm>
+            <a:off x="0" y="7938"/>
+            <a:ext cx="9144000" cy="1143000"/>
+          </a:xfrm>
+        </p:spPr>
+        <p:txBody>
+          <a:bodyPr>
+            <a:normAutofit fontScale="90000"/>
+          </a:bodyPr>
+          <a:lstStyle/>
+          <a:p>
+            <a:r>
+              <a:rPr lang="en-GB" dirty="0" smtClean="0"/>
+              <a:t>ABFT for sparse matrix computations</a:t>
+            </a:r>
+            <a:endParaRPr lang="en-GB" dirty="0"/>
+          </a:p>
+        </p:txBody>
+      </p:sp>
+      <p:sp>
+        <p:nvSpPr>
+          <p:cNvPr id="6" name="Content Placeholder 5"/>
+          <p:cNvSpPr>
+            <a:spLocks noGrp="1"/>
+          </p:cNvSpPr>
+          <p:nvPr>
+            <p:ph idx="1"/>
+          </p:nvPr>
+        </p:nvSpPr>
+        <p:spPr>
+          <a:xfrm>
+            <a:off x="457200" y="1651000"/>
+            <a:ext cx="8229600" cy="4432300"/>
+          </a:xfrm>
+        </p:spPr>
+        <p:txBody>
+          <a:bodyPr>
+            <a:normAutofit lnSpcReduction="10000"/>
+          </a:bodyPr>
+          <a:lstStyle/>
+          <a:p>
+            <a:r>
+              <a:rPr lang="en-GB" dirty="0" smtClean="0"/>
+              <a:t>Since most of the matrix elements are zero, sparse matrices are </a:t>
+            </a:r>
+            <a:r>
+              <a:rPr lang="en-GB" dirty="0"/>
+              <a:t>s</a:t>
+            </a:r>
+            <a:r>
+              <a:rPr lang="en-GB" dirty="0" smtClean="0"/>
+              <a:t>tored in a compressed format</a:t>
+            </a:r>
+          </a:p>
+          <a:p>
+            <a:r>
+              <a:rPr lang="en-GB" dirty="0" smtClean="0"/>
+              <a:t>Which elements are non-zero may change over time</a:t>
+            </a:r>
+          </a:p>
+          <a:p>
+            <a:r>
+              <a:rPr lang="en-GB" dirty="0" smtClean="0"/>
+              <a:t>Can't use the same approach as dense LA</a:t>
+            </a:r>
+          </a:p>
+          <a:p>
+            <a:pPr lvl="4"/>
+            <a:endParaRPr lang="en-GB" dirty="0"/>
+          </a:p>
+          <a:p>
+            <a:pPr marL="0" indent="0">
+              <a:buNone/>
+            </a:pPr>
+            <a:r>
+              <a:rPr lang="en-GB" dirty="0" smtClean="0"/>
+              <a:t>So we need a different approach for sparse matrices to try and catch </a:t>
+            </a:r>
+            <a:r>
+              <a:rPr lang="en-GB" b="1" dirty="0" smtClean="0"/>
+              <a:t>SDCs</a:t>
+            </a:r>
+            <a:endParaRPr lang="en-GB" dirty="0" smtClean="0"/>
+          </a:p>
+        </p:txBody>
+      </p:sp>
+      <p:sp>
+        <p:nvSpPr>
+          <p:cNvPr id="4" name="Slide Number Placeholder 3"/>
+          <p:cNvSpPr>
+            <a:spLocks noGrp="1"/>
+          </p:cNvSpPr>
+          <p:nvPr>
+            <p:ph type="sldNum" sz="quarter" idx="10"/>
+          </p:nvPr>
+        </p:nvSpPr>
+        <p:spPr/>
+        <p:txBody>
+          <a:bodyPr/>
+          <a:lstStyle/>
+          <a:p>
+            <a:pPr>
+              <a:defRPr/>
+            </a:pPr>
+            <a:fld id="{F5CCE775-1CB5-9645-BC31-0C9A1338C32A}" type="slidenum">
+              <a:rPr lang="en-GB" smtClean="0"/>
+              <a:pPr>
+                <a:defRPr/>
+              </a:pPr>
+              <a:t>5</a:t>
+            </a:fld>
+            <a:endParaRPr lang="en-GB"/>
+          </a:p>
+        </p:txBody>
+      </p:sp>
+      <p:sp>
+        <p:nvSpPr>
+          <p:cNvPr id="2" name="TextBox 1"/>
+          <p:cNvSpPr txBox="1"/>
+          <p:nvPr/>
+        </p:nvSpPr>
+        <p:spPr>
+          <a:xfrm>
+            <a:off x="2241308" y="6284665"/>
+            <a:ext cx="6548788" cy="338554"/>
+          </a:xfrm>
+          <a:prstGeom prst="rect">
+            <a:avLst/>
+          </a:prstGeom>
+          <a:noFill/>
+        </p:spPr>
+        <p:txBody>
+          <a:bodyPr wrap="none" rtlCol="0">
+            <a:spAutoFit/>
+          </a:bodyPr>
+          <a:lstStyle/>
+          <a:p>
+            <a:r>
+              <a:rPr lang="en-GB" sz="1600" dirty="0" smtClean="0"/>
+              <a:t>This work has been undertaken as part of the FP7 Mont Blanc project </a:t>
+            </a:r>
+            <a:endParaRPr lang="en-GB" sz="1600" dirty="0"/>
+          </a:p>
+        </p:txBody>
+      </p:sp>
+    </p:spTree>
+    <p:extLst>
+      <p:ext uri="{BB962C8B-B14F-4D97-AF65-F5344CB8AC3E}">
+        <p14:creationId xmlns:p14="http://schemas.microsoft.com/office/powerpoint/2010/main" val="1538294852"/>
+      </p:ext>
+    </p:extLst>
+  </p:cSld>
+  <p:clrMapOvr>
+    <a:masterClrMapping/>
+  </p:clrMapOvr>
+  <mc:AlternateContent xmlns:mc="http://schemas.openxmlformats.org/markup-compatibility/2006" xmlns:p14="http://schemas.microsoft.com/office/powerpoint/2010/main">
+    <mc:Choice Requires="p14">
+      <p:transition spd="slow" p14:dur="2000"/>
+    </mc:Choice>
+    <mc:Fallback xmlns="">
+      <p:transition xmlns:p14="http://schemas.microsoft.com/office/powerpoint/2010/main" spd="slow"/>
+    </mc:Fallback>
+  </mc:AlternateContent>
+  <p:timing>
+    <p:tnLst>
+      <p:par>
+        <p:cTn xmlns:p14="http://schemas.microsoft.com/office/powerpoint/2010/main" id="1" dur="indefinite" restart="never" nodeType="tmRoot"/>
+      </p:par>
+    </p:tnLst>
+  </p:timing>
+</p:sld>
+</file>
+
+<file path=ppt/slides/slide50.xml><?xml version="1.0" encoding="utf-8"?>
+<p:sld xmlns:a="http://schemas.openxmlformats.org/drawingml/2006/main" xmlns:r="http://schemas.openxmlformats.org/officeDocument/2006/relationships" xmlns:p="http://schemas.openxmlformats.org/presentationml/2006/main">
+  <p:cSld>
+    <p:spTree>
+      <p:nvGrpSpPr>
+        <p:cNvPr id="1" name=""/>
+        <p:cNvGrpSpPr/>
+        <p:nvPr/>
+      </p:nvGrpSpPr>
+      <p:grpSpPr>
+        <a:xfrm>
+          <a:off x="0" y="0"/>
+          <a:ext cx="0" cy="0"/>
+          <a:chOff x="0" y="0"/>
+          <a:chExt cx="0" cy="0"/>
+        </a:xfrm>
+      </p:grpSpPr>
+      <p:sp>
+        <p:nvSpPr>
           <p:cNvPr id="2" name="Title 1"/>
           <p:cNvSpPr>
             <a:spLocks noGrp="1"/>
@@ -54207,7 +54975,7 @@
             <a:fld id="{D9B8CB04-7B95-2844-BD15-B133C35E4786}" type="slidenum">
               <a:rPr lang="en-GB" smtClean="0"/>
               <a:pPr/>
-              <a:t>48</a:t>
+              <a:t>50</a:t>
             </a:fld>
             <a:endParaRPr lang="en-GB"/>
           </a:p>
@@ -54241,7 +55009,7 @@
 </p:sld>
 </file>
 
-<file path=ppt/slides/slide49.xml><?xml version="1.0" encoding="utf-8"?>
+<file path=ppt/slides/slide51.xml><?xml version="1.0" encoding="utf-8"?>
 <p:sld xmlns:a="http://schemas.openxmlformats.org/drawingml/2006/main" xmlns:r="http://schemas.openxmlformats.org/officeDocument/2006/relationships" xmlns:p="http://schemas.openxmlformats.org/presentationml/2006/main">
   <p:cSld>
     <p:spTree>
@@ -54299,7 +55067,7 @@
             <a:fld id="{D9B8CB04-7B95-2844-BD15-B133C35E4786}" type="slidenum">
               <a:rPr lang="en-GB" smtClean="0"/>
               <a:pPr/>
-              <a:t>49</a:t>
+              <a:t>51</a:t>
             </a:fld>
             <a:endParaRPr lang="en-GB"/>
           </a:p>
@@ -54995,7 +55763,7 @@
 </p:sld>
 </file>
 
-<file path=ppt/slides/slide5.xml><?xml version="1.0" encoding="utf-8"?>
+<file path=ppt/slides/slide52.xml><?xml version="1.0" encoding="utf-8"?>
 <p:sld xmlns:a="http://schemas.openxmlformats.org/drawingml/2006/main" xmlns:r="http://schemas.openxmlformats.org/officeDocument/2006/relationships" xmlns:p="http://schemas.openxmlformats.org/presentationml/2006/main">
   <p:cSld>
     <p:spTree>
@@ -55014,207 +55782,6 @@
       </p:grpSpPr>
       <p:sp>
         <p:nvSpPr>
-          <p:cNvPr id="5" name="Title 4"/>
-          <p:cNvSpPr>
-            <a:spLocks noGrp="1"/>
-          </p:cNvSpPr>
-          <p:nvPr>
-            <p:ph type="title"/>
-          </p:nvPr>
-        </p:nvSpPr>
-        <p:spPr>
-          <a:xfrm>
-            <a:off x="0" y="7938"/>
-            <a:ext cx="9144000" cy="1143000"/>
-          </a:xfrm>
-        </p:spPr>
-        <p:txBody>
-          <a:bodyPr>
-            <a:normAutofit fontScale="90000"/>
-          </a:bodyPr>
-          <a:lstStyle/>
-          <a:p>
-            <a:r>
-              <a:rPr lang="en-GB" dirty="0" smtClean="0"/>
-              <a:t>ABFT for sparse matrix computations</a:t>
-            </a:r>
-            <a:endParaRPr lang="en-GB" dirty="0"/>
-          </a:p>
-        </p:txBody>
-      </p:sp>
-      <p:sp>
-        <p:nvSpPr>
-          <p:cNvPr id="6" name="Content Placeholder 5"/>
-          <p:cNvSpPr>
-            <a:spLocks noGrp="1"/>
-          </p:cNvSpPr>
-          <p:nvPr>
-            <p:ph idx="1"/>
-          </p:nvPr>
-        </p:nvSpPr>
-        <p:spPr>
-          <a:xfrm>
-            <a:off x="457200" y="1651000"/>
-            <a:ext cx="8229600" cy="4432300"/>
-          </a:xfrm>
-        </p:spPr>
-        <p:txBody>
-          <a:bodyPr>
-            <a:normAutofit lnSpcReduction="10000"/>
-          </a:bodyPr>
-          <a:lstStyle/>
-          <a:p>
-            <a:r>
-              <a:rPr lang="en-GB" dirty="0" smtClean="0"/>
-              <a:t>Since most of the matrix elements are zero, sparse matrices are </a:t>
-            </a:r>
-            <a:r>
-              <a:rPr lang="en-GB" dirty="0"/>
-              <a:t>s</a:t>
-            </a:r>
-            <a:r>
-              <a:rPr lang="en-GB" dirty="0" smtClean="0"/>
-              <a:t>tored in a compressed format</a:t>
-            </a:r>
-          </a:p>
-          <a:p>
-            <a:r>
-              <a:rPr lang="en-GB" dirty="0" smtClean="0"/>
-              <a:t>Which elements are non-zero may change over time</a:t>
-            </a:r>
-          </a:p>
-          <a:p>
-            <a:r>
-              <a:rPr lang="en-GB" dirty="0" smtClean="0"/>
-              <a:t>Can't use the same approach as dense LA</a:t>
-            </a:r>
-          </a:p>
-          <a:p>
-            <a:pPr lvl="4"/>
-            <a:endParaRPr lang="en-GB" dirty="0"/>
-          </a:p>
-          <a:p>
-            <a:pPr marL="0" indent="0">
-              <a:buNone/>
-            </a:pPr>
-            <a:r>
-              <a:rPr lang="en-GB" dirty="0" smtClean="0"/>
-              <a:t>So we need a different approach for sparse matrices to try and catch </a:t>
-            </a:r>
-            <a:r>
-              <a:rPr lang="en-GB" b="1" dirty="0" smtClean="0"/>
-              <a:t>SDCs</a:t>
-            </a:r>
-            <a:endParaRPr lang="en-GB" dirty="0" smtClean="0"/>
-          </a:p>
-        </p:txBody>
-      </p:sp>
-      <p:sp>
-        <p:nvSpPr>
-          <p:cNvPr id="4" name="Slide Number Placeholder 3"/>
-          <p:cNvSpPr>
-            <a:spLocks noGrp="1"/>
-          </p:cNvSpPr>
-          <p:nvPr>
-            <p:ph type="sldNum" sz="quarter" idx="10"/>
-          </p:nvPr>
-        </p:nvSpPr>
-        <p:spPr/>
-        <p:txBody>
-          <a:bodyPr/>
-          <a:lstStyle/>
-          <a:p>
-            <a:pPr>
-              <a:defRPr/>
-            </a:pPr>
-            <a:fld id="{F5CCE775-1CB5-9645-BC31-0C9A1338C32A}" type="slidenum">
-              <a:rPr lang="en-GB" smtClean="0"/>
-              <a:pPr>
-                <a:defRPr/>
-              </a:pPr>
-              <a:t>5</a:t>
-            </a:fld>
-            <a:endParaRPr lang="en-GB"/>
-          </a:p>
-        </p:txBody>
-      </p:sp>
-      <p:sp>
-        <p:nvSpPr>
-          <p:cNvPr id="2" name="TextBox 1"/>
-          <p:cNvSpPr txBox="1"/>
-          <p:nvPr/>
-        </p:nvSpPr>
-        <p:spPr>
-          <a:xfrm>
-            <a:off x="2241308" y="6284665"/>
-            <a:ext cx="6548788" cy="338554"/>
-          </a:xfrm>
-          <a:prstGeom prst="rect">
-            <a:avLst/>
-          </a:prstGeom>
-          <a:noFill/>
-        </p:spPr>
-        <p:txBody>
-          <a:bodyPr wrap="none" rtlCol="0">
-            <a:spAutoFit/>
-          </a:bodyPr>
-          <a:lstStyle/>
-          <a:p>
-            <a:r>
-              <a:rPr lang="en-GB" sz="1600" dirty="0" smtClean="0"/>
-              <a:t>This work has been undertaken as part of the FP7 Mont Blanc project </a:t>
-            </a:r>
-            <a:endParaRPr lang="en-GB" sz="1600" dirty="0"/>
-          </a:p>
-        </p:txBody>
-      </p:sp>
-    </p:spTree>
-    <p:extLst>
-      <p:ext uri="{BB962C8B-B14F-4D97-AF65-F5344CB8AC3E}">
-        <p14:creationId xmlns:p14="http://schemas.microsoft.com/office/powerpoint/2010/main" val="1538294852"/>
-      </p:ext>
-    </p:extLst>
-  </p:cSld>
-  <p:clrMapOvr>
-    <a:masterClrMapping/>
-  </p:clrMapOvr>
-  <mc:AlternateContent xmlns:mc="http://schemas.openxmlformats.org/markup-compatibility/2006" xmlns:p14="http://schemas.microsoft.com/office/powerpoint/2010/main">
-    <mc:Choice Requires="p14">
-      <p:transition spd="slow" p14:dur="2000"/>
-    </mc:Choice>
-    <mc:Fallback xmlns="">
-      <p:transition xmlns:p14="http://schemas.microsoft.com/office/powerpoint/2010/main" spd="slow"/>
-    </mc:Fallback>
-  </mc:AlternateContent>
-  <p:timing>
-    <p:tnLst>
-      <p:par>
-        <p:cTn xmlns:p14="http://schemas.microsoft.com/office/powerpoint/2010/main" id="1" dur="indefinite" restart="never" nodeType="tmRoot"/>
-      </p:par>
-    </p:tnLst>
-  </p:timing>
-</p:sld>
-</file>
-
-<file path=ppt/slides/slide50.xml><?xml version="1.0" encoding="utf-8"?>
-<p:sld xmlns:a="http://schemas.openxmlformats.org/drawingml/2006/main" xmlns:r="http://schemas.openxmlformats.org/officeDocument/2006/relationships" xmlns:p="http://schemas.openxmlformats.org/presentationml/2006/main">
-  <p:cSld>
-    <p:spTree>
-      <p:nvGrpSpPr>
-        <p:cNvPr id="1" name=""/>
-        <p:cNvGrpSpPr/>
-        <p:nvPr/>
-      </p:nvGrpSpPr>
-      <p:grpSpPr>
-        <a:xfrm>
-          <a:off x="0" y="0"/>
-          <a:ext cx="0" cy="0"/>
-          <a:chOff x="0" y="0"/>
-          <a:chExt cx="0" cy="0"/>
-        </a:xfrm>
-      </p:grpSpPr>
-      <p:sp>
-        <p:nvSpPr>
           <p:cNvPr id="2" name="Title 1"/>
           <p:cNvSpPr>
             <a:spLocks noGrp="1"/>
@@ -55326,7 +55893,7 @@
             <a:fld id="{D9B8CB04-7B95-2844-BD15-B133C35E4786}" type="slidenum">
               <a:rPr lang="en-GB" smtClean="0"/>
               <a:pPr/>
-              <a:t>50</a:t>
+              <a:t>52</a:t>
             </a:fld>
             <a:endParaRPr lang="en-GB"/>
           </a:p>
@@ -55916,341 +56483,6 @@
 </p:sld>
 </file>
 
-<file path=ppt/slides/slide51.xml><?xml version="1.0" encoding="utf-8"?>
-<p:sld xmlns:a="http://schemas.openxmlformats.org/drawingml/2006/main" xmlns:r="http://schemas.openxmlformats.org/officeDocument/2006/relationships" xmlns:p="http://schemas.openxmlformats.org/presentationml/2006/main">
-  <p:cSld>
-    <p:spTree>
-      <p:nvGrpSpPr>
-        <p:cNvPr id="1" name=""/>
-        <p:cNvGrpSpPr/>
-        <p:nvPr/>
-      </p:nvGrpSpPr>
-      <p:grpSpPr>
-        <a:xfrm>
-          <a:off x="0" y="0"/>
-          <a:ext cx="0" cy="0"/>
-          <a:chOff x="0" y="0"/>
-          <a:chExt cx="0" cy="0"/>
-        </a:xfrm>
-      </p:grpSpPr>
-      <p:sp>
-        <p:nvSpPr>
-          <p:cNvPr id="2" name="Title 1"/>
-          <p:cNvSpPr>
-            <a:spLocks noGrp="1"/>
-          </p:cNvSpPr>
-          <p:nvPr>
-            <p:ph type="title"/>
-          </p:nvPr>
-        </p:nvSpPr>
-        <p:spPr/>
-        <p:txBody>
-          <a:bodyPr/>
-          <a:lstStyle/>
-          <a:p>
-            <a:r>
-              <a:rPr lang="en-GB" dirty="0" smtClean="0"/>
-              <a:t>Software ECC</a:t>
-            </a:r>
-            <a:endParaRPr lang="en-GB" dirty="0"/>
-          </a:p>
-        </p:txBody>
-      </p:sp>
-      <p:sp>
-        <p:nvSpPr>
-          <p:cNvPr id="3" name="Content Placeholder 2"/>
-          <p:cNvSpPr>
-            <a:spLocks noGrp="1"/>
-          </p:cNvSpPr>
-          <p:nvPr>
-            <p:ph idx="1"/>
-          </p:nvPr>
-        </p:nvSpPr>
-        <p:spPr/>
-        <p:txBody>
-          <a:bodyPr/>
-          <a:lstStyle/>
-          <a:p>
-            <a:pPr>
-              <a:spcBef>
-                <a:spcPts val="1176"/>
-              </a:spcBef>
-            </a:pPr>
-            <a:r>
-              <a:rPr lang="en-GB" sz="2400" dirty="0" smtClean="0"/>
-              <a:t>We cannot correct a double-bit error with the parity bits, but we could restore the matrix element from the original source (e.g. </a:t>
-            </a:r>
-            <a:r>
-              <a:rPr lang="en-GB" sz="2400" dirty="0" smtClean="0"/>
-              <a:t>a file on disk</a:t>
-            </a:r>
-            <a:r>
-              <a:rPr lang="en-GB" sz="2400" dirty="0" smtClean="0"/>
-              <a:t>)</a:t>
-            </a:r>
-            <a:endParaRPr lang="en-GB" sz="1600" dirty="0" smtClean="0"/>
-          </a:p>
-          <a:p>
-            <a:pPr>
-              <a:spcBef>
-                <a:spcPts val="1176"/>
-              </a:spcBef>
-            </a:pPr>
-            <a:r>
-              <a:rPr lang="en-GB" sz="2400" dirty="0" smtClean="0"/>
-              <a:t>Alternatively, we could combine ECC with a checkpoint/restart scheme</a:t>
-            </a:r>
-          </a:p>
-          <a:p>
-            <a:pPr lvl="1">
-              <a:spcBef>
-                <a:spcPts val="1176"/>
-              </a:spcBef>
-            </a:pPr>
-            <a:r>
-              <a:rPr lang="en-GB" sz="2000" dirty="0" smtClean="0"/>
-              <a:t>Iterative solvers provide natural points at which to checkpoint (e.g. every </a:t>
-            </a:r>
-            <a:r>
-              <a:rPr lang="en-GB" sz="2000" i="1" dirty="0" smtClean="0"/>
-              <a:t>X </a:t>
-            </a:r>
-            <a:r>
-              <a:rPr lang="en-GB" sz="2000" dirty="0" smtClean="0"/>
-              <a:t>iterations)</a:t>
-            </a:r>
-            <a:endParaRPr lang="en-GB" sz="2000" dirty="0" smtClean="0"/>
-          </a:p>
-          <a:p>
-            <a:pPr>
-              <a:spcBef>
-                <a:spcPts val="1176"/>
-              </a:spcBef>
-            </a:pPr>
-            <a:r>
-              <a:rPr lang="en-GB" sz="2400" dirty="0" smtClean="0"/>
-              <a:t>To further reduce the overheads of ECC, we could also perform the checks only every </a:t>
-            </a:r>
-            <a:r>
-              <a:rPr lang="en-GB" sz="2400" i="1" dirty="0" smtClean="0"/>
-              <a:t>X</a:t>
-            </a:r>
-            <a:r>
-              <a:rPr lang="en-GB" sz="2400" dirty="0" smtClean="0"/>
-              <a:t> iterations</a:t>
-            </a:r>
-            <a:endParaRPr lang="en-GB" sz="2000" dirty="0"/>
-          </a:p>
-        </p:txBody>
-      </p:sp>
-      <p:sp>
-        <p:nvSpPr>
-          <p:cNvPr id="4" name="Slide Number Placeholder 3"/>
-          <p:cNvSpPr>
-            <a:spLocks noGrp="1"/>
-          </p:cNvSpPr>
-          <p:nvPr>
-            <p:ph type="sldNum" sz="quarter" idx="10"/>
-          </p:nvPr>
-        </p:nvSpPr>
-        <p:spPr/>
-        <p:txBody>
-          <a:bodyPr/>
-          <a:lstStyle/>
-          <a:p>
-            <a:fld id="{D9B8CB04-7B95-2844-BD15-B133C35E4786}" type="slidenum">
-              <a:rPr lang="en-GB" smtClean="0"/>
-              <a:pPr/>
-              <a:t>51</a:t>
-            </a:fld>
-            <a:endParaRPr lang="en-GB"/>
-          </a:p>
-        </p:txBody>
-      </p:sp>
-    </p:spTree>
-    <p:extLst>
-      <p:ext uri="{BB962C8B-B14F-4D97-AF65-F5344CB8AC3E}">
-        <p14:creationId xmlns:p14="http://schemas.microsoft.com/office/powerpoint/2010/main" val="3795016973"/>
-      </p:ext>
-    </p:extLst>
-  </p:cSld>
-  <p:clrMapOvr>
-    <a:masterClrMapping/>
-  </p:clrMapOvr>
-  <mc:AlternateContent xmlns:mc="http://schemas.openxmlformats.org/markup-compatibility/2006" xmlns:p14="http://schemas.microsoft.com/office/powerpoint/2010/main">
-    <mc:Choice Requires="p14">
-      <p:transition spd="slow" p14:dur="2000"/>
-    </mc:Choice>
-    <mc:Fallback xmlns="">
-      <p:transition xmlns:p14="http://schemas.microsoft.com/office/powerpoint/2010/main" spd="slow"/>
-    </mc:Fallback>
-  </mc:AlternateContent>
-  <p:timing>
-    <p:tnLst>
-      <p:par>
-        <p:cTn xmlns:p14="http://schemas.microsoft.com/office/powerpoint/2010/main" id="1" dur="indefinite" restart="never" nodeType="tmRoot"/>
-      </p:par>
-    </p:tnLst>
-  </p:timing>
-</p:sld>
-</file>
-
-<file path=ppt/slides/slide52.xml><?xml version="1.0" encoding="utf-8"?>
-<p:sld xmlns:a="http://schemas.openxmlformats.org/drawingml/2006/main" xmlns:r="http://schemas.openxmlformats.org/officeDocument/2006/relationships" xmlns:p="http://schemas.openxmlformats.org/presentationml/2006/main">
-  <p:cSld>
-    <p:spTree>
-      <p:nvGrpSpPr>
-        <p:cNvPr id="1" name=""/>
-        <p:cNvGrpSpPr/>
-        <p:nvPr/>
-      </p:nvGrpSpPr>
-      <p:grpSpPr>
-        <a:xfrm>
-          <a:off x="0" y="0"/>
-          <a:ext cx="0" cy="0"/>
-          <a:chOff x="0" y="0"/>
-          <a:chExt cx="0" cy="0"/>
-        </a:xfrm>
-      </p:grpSpPr>
-      <p:sp>
-        <p:nvSpPr>
-          <p:cNvPr id="2" name="Title 1"/>
-          <p:cNvSpPr>
-            <a:spLocks noGrp="1"/>
-          </p:cNvSpPr>
-          <p:nvPr>
-            <p:ph type="title"/>
-          </p:nvPr>
-        </p:nvSpPr>
-        <p:spPr/>
-        <p:txBody>
-          <a:bodyPr/>
-          <a:lstStyle/>
-          <a:p>
-            <a:r>
-              <a:rPr lang="en-GB" dirty="0" smtClean="0"/>
-              <a:t>Software ECC exercise</a:t>
-            </a:r>
-            <a:endParaRPr lang="en-GB" dirty="0"/>
-          </a:p>
-        </p:txBody>
-      </p:sp>
-      <p:sp>
-        <p:nvSpPr>
-          <p:cNvPr id="3" name="Content Placeholder 2"/>
-          <p:cNvSpPr>
-            <a:spLocks noGrp="1"/>
-          </p:cNvSpPr>
-          <p:nvPr>
-            <p:ph idx="1"/>
-          </p:nvPr>
-        </p:nvSpPr>
-        <p:spPr/>
-        <p:txBody>
-          <a:bodyPr/>
-          <a:lstStyle/>
-          <a:p>
-            <a:r>
-              <a:rPr lang="en-GB" dirty="0" smtClean="0"/>
-              <a:t>Using the provided CG code as a starting point, add ECC to make the code more tolerant to silent data corruption</a:t>
-            </a:r>
-          </a:p>
-          <a:p>
-            <a:r>
-              <a:rPr lang="en-GB" dirty="0" smtClean="0"/>
-              <a:t>There </a:t>
-            </a:r>
-            <a:r>
-              <a:rPr lang="en-GB" dirty="0"/>
-              <a:t>are two changes to make:</a:t>
-            </a:r>
-          </a:p>
-          <a:p>
-            <a:pPr marL="971550" lvl="1" indent="-514350">
-              <a:buFont typeface="+mj-lt"/>
-              <a:buAutoNum type="arabicPeriod"/>
-            </a:pPr>
-            <a:r>
-              <a:rPr lang="en-GB" dirty="0"/>
-              <a:t>Generate parity bits for each matrix element and store them in the high order bits of the column index</a:t>
-            </a:r>
-          </a:p>
-          <a:p>
-            <a:pPr marL="971550" lvl="1" indent="-514350">
-              <a:buFont typeface="+mj-lt"/>
-              <a:buAutoNum type="arabicPeriod"/>
-            </a:pPr>
-            <a:r>
-              <a:rPr lang="en-GB" dirty="0"/>
-              <a:t>Modify the </a:t>
-            </a:r>
-            <a:r>
-              <a:rPr lang="en-GB" dirty="0" err="1"/>
-              <a:t>SpMV</a:t>
-            </a:r>
-            <a:r>
-              <a:rPr lang="en-GB" dirty="0"/>
-              <a:t> function to check the parity bits and then correct any errors that are </a:t>
-            </a:r>
-            <a:r>
-              <a:rPr lang="en-GB" dirty="0" smtClean="0"/>
-              <a:t>found</a:t>
-            </a:r>
-          </a:p>
-        </p:txBody>
-      </p:sp>
-      <p:sp>
-        <p:nvSpPr>
-          <p:cNvPr id="4" name="Slide Number Placeholder 3"/>
-          <p:cNvSpPr>
-            <a:spLocks noGrp="1"/>
-          </p:cNvSpPr>
-          <p:nvPr>
-            <p:ph type="sldNum" sz="quarter" idx="10"/>
-          </p:nvPr>
-        </p:nvSpPr>
-        <p:spPr/>
-        <p:txBody>
-          <a:bodyPr/>
-          <a:lstStyle/>
-          <a:p>
-            <a:fld id="{D9B8CB04-7B95-2844-BD15-B133C35E4786}" type="slidenum">
-              <a:rPr lang="en-GB" smtClean="0"/>
-              <a:pPr/>
-              <a:t>52</a:t>
-            </a:fld>
-            <a:endParaRPr lang="en-GB"/>
-          </a:p>
-        </p:txBody>
-      </p:sp>
-    </p:spTree>
-    <p:extLst>
-      <p:ext uri="{BB962C8B-B14F-4D97-AF65-F5344CB8AC3E}">
-        <p14:creationId xmlns:p14="http://schemas.microsoft.com/office/powerpoint/2010/main" val="2089425383"/>
-      </p:ext>
-    </p:extLst>
-  </p:cSld>
-  <p:clrMapOvr>
-    <a:masterClrMapping/>
-  </p:clrMapOvr>
-  <mc:AlternateContent xmlns:mc="http://schemas.openxmlformats.org/markup-compatibility/2006" xmlns:p14="http://schemas.microsoft.com/office/powerpoint/2010/main">
-    <mc:Choice Requires="p14">
-      <p:transition spd="slow" p14:dur="2000"/>
-    </mc:Choice>
-    <mc:Fallback xmlns="">
-      <p:transition xmlns:p14="http://schemas.microsoft.com/office/powerpoint/2010/main" spd="slow"/>
-    </mc:Fallback>
-  </mc:AlternateContent>
-  <p:timing>
-    <p:tnLst>
-      <p:par>
-        <p:cTn xmlns:p14="http://schemas.microsoft.com/office/powerpoint/2010/main" id="1" dur="indefinite" restart="never" nodeType="tmRoot"/>
-      </p:par>
-    </p:tnLst>
-  </p:timing>
-</p:sld>
-</file>
-
 <file path=ppt/slides/slide53.xml><?xml version="1.0" encoding="utf-8"?>
 <p:sld xmlns:a="http://schemas.openxmlformats.org/drawingml/2006/main" xmlns:r="http://schemas.openxmlformats.org/officeDocument/2006/relationships" xmlns:p="http://schemas.openxmlformats.org/presentationml/2006/main">
   <p:cSld>
@@ -56285,7 +56517,7 @@
           <a:p>
             <a:r>
               <a:rPr lang="en-GB" dirty="0" smtClean="0"/>
-              <a:t>Software ECC exercise</a:t>
+              <a:t>Software ECC</a:t>
             </a:r>
             <a:endParaRPr lang="en-GB" dirty="0"/>
           </a:p>
@@ -56306,110 +56538,66 @@
           <a:bodyPr/>
           <a:lstStyle/>
           <a:p>
-            <a:r>
-              <a:rPr lang="en-GB" sz="2800" dirty="0" smtClean="0"/>
-              <a:t>Comments in the code will guide you</a:t>
-            </a:r>
-          </a:p>
-          <a:p>
-            <a:pPr lvl="1"/>
+            <a:pPr>
+              <a:spcBef>
+                <a:spcPts val="1176"/>
+              </a:spcBef>
+            </a:pPr>
             <a:r>
               <a:rPr lang="en-GB" sz="2400" dirty="0" smtClean="0"/>
-              <a:t>You just need to modify </a:t>
-            </a:r>
-            <a:r>
-              <a:rPr lang="en-GB" sz="2400" b="1" dirty="0" err="1" smtClean="0">
-                <a:solidFill>
-                  <a:srgbClr val="008000"/>
-                </a:solidFill>
-                <a:latin typeface="Courier New"/>
-                <a:cs typeface="Courier New"/>
-              </a:rPr>
-              <a:t>spmv.c</a:t>
-            </a:r>
-            <a:endParaRPr lang="en-GB" sz="2400" b="1" dirty="0" smtClean="0">
-              <a:solidFill>
-                <a:srgbClr val="008000"/>
-              </a:solidFill>
-              <a:latin typeface="Courier New"/>
-              <a:cs typeface="Courier New"/>
-            </a:endParaRPr>
-          </a:p>
-          <a:p>
-            <a:r>
-              <a:rPr lang="en-GB" sz="2800" dirty="0" smtClean="0"/>
-              <a:t>Two routines are provided to do the heavy lifting (see comments in </a:t>
-            </a:r>
-            <a:r>
-              <a:rPr lang="en-GB" sz="2800" b="1" dirty="0" err="1" smtClean="0">
-                <a:latin typeface="Courier New"/>
-                <a:cs typeface="Courier New"/>
-              </a:rPr>
-              <a:t>common.h</a:t>
-            </a:r>
-            <a:r>
-              <a:rPr lang="en-GB" sz="2800" dirty="0" smtClean="0"/>
-              <a:t> for descriptions):</a:t>
-            </a:r>
-          </a:p>
-          <a:p>
-            <a:pPr lvl="1"/>
-            <a:r>
-              <a:rPr lang="en-GB" sz="2400" b="1" dirty="0" smtClean="0">
-                <a:solidFill>
-                  <a:srgbClr val="3366FF"/>
-                </a:solidFill>
-                <a:latin typeface="Courier New"/>
-                <a:cs typeface="Courier New"/>
-              </a:rPr>
-              <a:t>ecc_compute_col8</a:t>
-            </a:r>
-          </a:p>
-          <a:p>
-            <a:pPr lvl="1"/>
-            <a:r>
-              <a:rPr lang="en-GB" sz="2400" b="1" dirty="0" smtClean="0">
-                <a:solidFill>
-                  <a:srgbClr val="3366FF"/>
-                </a:solidFill>
-                <a:latin typeface="Courier New"/>
-                <a:cs typeface="Courier New"/>
-              </a:rPr>
-              <a:t>ecc_correct_col8</a:t>
-            </a:r>
-          </a:p>
-          <a:p>
-            <a:r>
-              <a:rPr lang="en-GB" sz="2800" dirty="0"/>
-              <a:t>To test the code, pass the ‘</a:t>
-            </a:r>
-            <a:r>
-              <a:rPr lang="en-GB" sz="2800" dirty="0">
-                <a:latin typeface="Courier New"/>
-                <a:cs typeface="Courier New"/>
-              </a:rPr>
-              <a:t>-x</a:t>
-            </a:r>
-            <a:r>
-              <a:rPr lang="en-GB" sz="2800" dirty="0"/>
-              <a:t>’ parameter to the application to inject a random bit</a:t>
-            </a:r>
-            <a:r>
-              <a:rPr lang="en-GB" sz="2800"/>
-              <a:t>-</a:t>
-            </a:r>
-            <a:r>
-              <a:rPr lang="en-GB" sz="2800" smtClean="0"/>
-              <a:t>flip</a:t>
-            </a:r>
-            <a:endParaRPr lang="en-GB" sz="2800" dirty="0" smtClean="0"/>
-          </a:p>
-          <a:p>
-            <a:r>
-              <a:rPr lang="en-GB" sz="2800" dirty="0" smtClean="0"/>
-              <a:t>Example solutions are provided</a:t>
-            </a:r>
-            <a:endParaRPr lang="en-GB" sz="2800" dirty="0"/>
+              <a:t>We cannot correct a double-bit error with the parity bits, but we could restore the matrix element from the original source (e.g. a file on disk)</a:t>
+            </a:r>
+            <a:endParaRPr lang="en-GB" sz="1600" dirty="0" smtClean="0"/>
+          </a:p>
+          <a:p>
+            <a:pPr>
+              <a:spcBef>
+                <a:spcPts val="1176"/>
+              </a:spcBef>
+            </a:pPr>
+            <a:r>
+              <a:rPr lang="en-GB" sz="2400" dirty="0" smtClean="0"/>
+              <a:t>Alternatively, we could combine ECC with a checkpoint/restart scheme</a:t>
+            </a:r>
+          </a:p>
+          <a:p>
+            <a:pPr lvl="1">
+              <a:spcBef>
+                <a:spcPts val="1176"/>
+              </a:spcBef>
+            </a:pPr>
+            <a:r>
+              <a:rPr lang="en-GB" sz="2000" dirty="0" smtClean="0"/>
+              <a:t>Iterative solvers provide natural points at which to checkpoint (e.g. every </a:t>
+            </a:r>
+            <a:r>
+              <a:rPr lang="en-GB" sz="2000" i="1" dirty="0" smtClean="0"/>
+              <a:t>X </a:t>
+            </a:r>
+            <a:r>
+              <a:rPr lang="en-GB" sz="2000" dirty="0" smtClean="0"/>
+              <a:t>iterations)</a:t>
+            </a:r>
+          </a:p>
+          <a:p>
+            <a:pPr>
+              <a:spcBef>
+                <a:spcPts val="1176"/>
+              </a:spcBef>
+            </a:pPr>
+            <a:r>
+              <a:rPr lang="en-GB" sz="2400" dirty="0" smtClean="0"/>
+              <a:t>To further reduce the overheads of ECC, we could also perform the checks only every </a:t>
+            </a:r>
+            <a:r>
+              <a:rPr lang="en-GB" sz="2400" i="1" dirty="0" smtClean="0"/>
+              <a:t>X</a:t>
+            </a:r>
+            <a:r>
+              <a:rPr lang="en-GB" sz="2400" dirty="0" smtClean="0"/>
+              <a:t> iterations</a:t>
+            </a:r>
+            <a:endParaRPr lang="en-GB" sz="2000" dirty="0"/>
           </a:p>
         </p:txBody>
       </p:sp>
@@ -56440,7 +56628,7 @@
     </p:spTree>
     <p:extLst>
       <p:ext uri="{BB962C8B-B14F-4D97-AF65-F5344CB8AC3E}">
-        <p14:creationId xmlns:p14="http://schemas.microsoft.com/office/powerpoint/2010/main" val="1795682848"/>
+        <p14:creationId xmlns:p14="http://schemas.microsoft.com/office/powerpoint/2010/main" val="3795016973"/>
       </p:ext>
     </p:extLst>
   </p:cSld>
@@ -56499,11 +56687,406 @@
           <a:p>
             <a:r>
               <a:rPr lang="en-GB" dirty="0" smtClean="0"/>
-              <a:t>Software </a:t>
-            </a:r>
+              <a:t>Software ECC exercise</a:t>
+            </a:r>
+            <a:endParaRPr lang="en-GB" dirty="0"/>
+          </a:p>
+        </p:txBody>
+      </p:sp>
+      <p:sp>
+        <p:nvSpPr>
+          <p:cNvPr id="3" name="Content Placeholder 2"/>
+          <p:cNvSpPr>
+            <a:spLocks noGrp="1"/>
+          </p:cNvSpPr>
+          <p:nvPr>
+            <p:ph idx="1"/>
+          </p:nvPr>
+        </p:nvSpPr>
+        <p:spPr/>
+        <p:txBody>
+          <a:bodyPr/>
+          <a:lstStyle/>
+          <a:p>
             <a:r>
               <a:rPr lang="en-GB" dirty="0" smtClean="0"/>
-              <a:t>ECC exercise</a:t>
+              <a:t>Using the provided CG code as a starting point, add ECC to make the code more tolerant to silent data corruption</a:t>
+            </a:r>
+          </a:p>
+          <a:p>
+            <a:r>
+              <a:rPr lang="en-GB" dirty="0" smtClean="0"/>
+              <a:t>There </a:t>
+            </a:r>
+            <a:r>
+              <a:rPr lang="en-GB" dirty="0"/>
+              <a:t>are two changes to make:</a:t>
+            </a:r>
+          </a:p>
+          <a:p>
+            <a:pPr marL="971550" lvl="1" indent="-514350">
+              <a:buFont typeface="+mj-lt"/>
+              <a:buAutoNum type="arabicPeriod"/>
+            </a:pPr>
+            <a:r>
+              <a:rPr lang="en-GB" dirty="0"/>
+              <a:t>Generate parity bits for each matrix element and store them in the high order bits of the column index</a:t>
+            </a:r>
+          </a:p>
+          <a:p>
+            <a:pPr marL="971550" lvl="1" indent="-514350">
+              <a:buFont typeface="+mj-lt"/>
+              <a:buAutoNum type="arabicPeriod"/>
+            </a:pPr>
+            <a:r>
+              <a:rPr lang="en-GB" dirty="0"/>
+              <a:t>Modify the </a:t>
+            </a:r>
+            <a:r>
+              <a:rPr lang="en-GB" dirty="0" err="1"/>
+              <a:t>SpMV</a:t>
+            </a:r>
+            <a:r>
+              <a:rPr lang="en-GB" dirty="0"/>
+              <a:t> function to check the parity bits and then correct any errors that are </a:t>
+            </a:r>
+            <a:r>
+              <a:rPr lang="en-GB" dirty="0" smtClean="0"/>
+              <a:t>found</a:t>
+            </a:r>
+          </a:p>
+        </p:txBody>
+      </p:sp>
+      <p:sp>
+        <p:nvSpPr>
+          <p:cNvPr id="4" name="Slide Number Placeholder 3"/>
+          <p:cNvSpPr>
+            <a:spLocks noGrp="1"/>
+          </p:cNvSpPr>
+          <p:nvPr>
+            <p:ph type="sldNum" sz="quarter" idx="10"/>
+          </p:nvPr>
+        </p:nvSpPr>
+        <p:spPr/>
+        <p:txBody>
+          <a:bodyPr/>
+          <a:lstStyle/>
+          <a:p>
+            <a:fld id="{D9B8CB04-7B95-2844-BD15-B133C35E4786}" type="slidenum">
+              <a:rPr lang="en-GB" smtClean="0"/>
+              <a:pPr/>
+              <a:t>54</a:t>
+            </a:fld>
+            <a:endParaRPr lang="en-GB"/>
+          </a:p>
+        </p:txBody>
+      </p:sp>
+    </p:spTree>
+    <p:extLst>
+      <p:ext uri="{BB962C8B-B14F-4D97-AF65-F5344CB8AC3E}">
+        <p14:creationId xmlns:p14="http://schemas.microsoft.com/office/powerpoint/2010/main" val="2089425383"/>
+      </p:ext>
+    </p:extLst>
+  </p:cSld>
+  <p:clrMapOvr>
+    <a:masterClrMapping/>
+  </p:clrMapOvr>
+  <mc:AlternateContent xmlns:mc="http://schemas.openxmlformats.org/markup-compatibility/2006" xmlns:p14="http://schemas.microsoft.com/office/powerpoint/2010/main">
+    <mc:Choice Requires="p14">
+      <p:transition spd="slow" p14:dur="2000"/>
+    </mc:Choice>
+    <mc:Fallback xmlns="">
+      <p:transition xmlns:p14="http://schemas.microsoft.com/office/powerpoint/2010/main" spd="slow"/>
+    </mc:Fallback>
+  </mc:AlternateContent>
+  <p:timing>
+    <p:tnLst>
+      <p:par>
+        <p:cTn xmlns:p14="http://schemas.microsoft.com/office/powerpoint/2010/main" id="1" dur="indefinite" restart="never" nodeType="tmRoot"/>
+      </p:par>
+    </p:tnLst>
+  </p:timing>
+</p:sld>
+</file>
+
+<file path=ppt/slides/slide55.xml><?xml version="1.0" encoding="utf-8"?>
+<p:sld xmlns:a="http://schemas.openxmlformats.org/drawingml/2006/main" xmlns:r="http://schemas.openxmlformats.org/officeDocument/2006/relationships" xmlns:p="http://schemas.openxmlformats.org/presentationml/2006/main">
+  <p:cSld>
+    <p:spTree>
+      <p:nvGrpSpPr>
+        <p:cNvPr id="1" name=""/>
+        <p:cNvGrpSpPr/>
+        <p:nvPr/>
+      </p:nvGrpSpPr>
+      <p:grpSpPr>
+        <a:xfrm>
+          <a:off x="0" y="0"/>
+          <a:ext cx="0" cy="0"/>
+          <a:chOff x="0" y="0"/>
+          <a:chExt cx="0" cy="0"/>
+        </a:xfrm>
+      </p:grpSpPr>
+      <p:sp>
+        <p:nvSpPr>
+          <p:cNvPr id="2" name="Title 1"/>
+          <p:cNvSpPr>
+            <a:spLocks noGrp="1"/>
+          </p:cNvSpPr>
+          <p:nvPr>
+            <p:ph type="title"/>
+          </p:nvPr>
+        </p:nvSpPr>
+        <p:spPr/>
+        <p:txBody>
+          <a:bodyPr/>
+          <a:lstStyle/>
+          <a:p>
+            <a:r>
+              <a:rPr lang="en-GB" dirty="0" smtClean="0"/>
+              <a:t>Software ECC exercise</a:t>
+            </a:r>
+            <a:endParaRPr lang="en-GB" dirty="0"/>
+          </a:p>
+        </p:txBody>
+      </p:sp>
+      <p:sp>
+        <p:nvSpPr>
+          <p:cNvPr id="3" name="Content Placeholder 2"/>
+          <p:cNvSpPr>
+            <a:spLocks noGrp="1"/>
+          </p:cNvSpPr>
+          <p:nvPr>
+            <p:ph idx="1"/>
+          </p:nvPr>
+        </p:nvSpPr>
+        <p:spPr/>
+        <p:txBody>
+          <a:bodyPr/>
+          <a:lstStyle/>
+          <a:p>
+            <a:r>
+              <a:rPr lang="en-GB" sz="2800" dirty="0" smtClean="0"/>
+              <a:t>Comments in the code will guide you</a:t>
+            </a:r>
+          </a:p>
+          <a:p>
+            <a:pPr lvl="1"/>
+            <a:r>
+              <a:rPr lang="en-GB" sz="2400" dirty="0" smtClean="0"/>
+              <a:t>You just need to modify </a:t>
+            </a:r>
+            <a:r>
+              <a:rPr lang="en-GB" sz="2400" b="1" dirty="0" err="1" smtClean="0">
+                <a:solidFill>
+                  <a:srgbClr val="008000"/>
+                </a:solidFill>
+                <a:latin typeface="Courier New"/>
+                <a:cs typeface="Courier New"/>
+              </a:rPr>
+              <a:t>spmv.c</a:t>
+            </a:r>
+            <a:endParaRPr lang="en-GB" sz="2400" b="1" dirty="0" smtClean="0">
+              <a:solidFill>
+                <a:srgbClr val="008000"/>
+              </a:solidFill>
+              <a:latin typeface="Courier New"/>
+              <a:cs typeface="Courier New"/>
+            </a:endParaRPr>
+          </a:p>
+          <a:p>
+            <a:r>
+              <a:rPr lang="en-GB" sz="2800" dirty="0" smtClean="0"/>
+              <a:t>Two routines are provided to do the heavy lifting (see comments in </a:t>
+            </a:r>
+            <a:r>
+              <a:rPr lang="en-GB" sz="2800" b="1" dirty="0" err="1" smtClean="0">
+                <a:latin typeface="Courier New"/>
+                <a:cs typeface="Courier New"/>
+              </a:rPr>
+              <a:t>common.h</a:t>
+            </a:r>
+            <a:r>
+              <a:rPr lang="en-GB" sz="2800" dirty="0" smtClean="0"/>
+              <a:t> for descriptions):</a:t>
+            </a:r>
+          </a:p>
+          <a:p>
+            <a:pPr lvl="1"/>
+            <a:r>
+              <a:rPr lang="en-GB" sz="2400" b="1" dirty="0" smtClean="0">
+                <a:solidFill>
+                  <a:srgbClr val="3366FF"/>
+                </a:solidFill>
+                <a:latin typeface="Courier New"/>
+                <a:cs typeface="Courier New"/>
+              </a:rPr>
+              <a:t>ecc_compute_col8</a:t>
+            </a:r>
+          </a:p>
+          <a:p>
+            <a:pPr lvl="1"/>
+            <a:r>
+              <a:rPr lang="en-GB" sz="2400" b="1" dirty="0" smtClean="0">
+                <a:solidFill>
+                  <a:srgbClr val="3366FF"/>
+                </a:solidFill>
+                <a:latin typeface="Courier New"/>
+                <a:cs typeface="Courier New"/>
+              </a:rPr>
+              <a:t>ecc_correct_col8</a:t>
+            </a:r>
+          </a:p>
+          <a:p>
+            <a:r>
+              <a:rPr lang="en-GB" sz="2800" dirty="0"/>
+              <a:t>To test the code, pass the ‘</a:t>
+            </a:r>
+            <a:r>
+              <a:rPr lang="en-GB" sz="2800" dirty="0">
+                <a:latin typeface="Courier New"/>
+                <a:cs typeface="Courier New"/>
+              </a:rPr>
+              <a:t>-</a:t>
+            </a:r>
+            <a:r>
+              <a:rPr lang="en-GB" sz="2800" dirty="0" smtClean="0">
+                <a:latin typeface="Courier New"/>
+                <a:cs typeface="Courier New"/>
+              </a:rPr>
+              <a:t>x</a:t>
+            </a:r>
+            <a:r>
+              <a:rPr lang="en-GB" sz="2800" dirty="0" smtClean="0"/>
+              <a:t>’ </a:t>
+            </a:r>
+            <a:r>
+              <a:rPr lang="en-GB" sz="2800" dirty="0"/>
+              <a:t>parameter to the application to inject a random bit-</a:t>
+            </a:r>
+            <a:r>
+              <a:rPr lang="en-GB" sz="2800" dirty="0" smtClean="0"/>
+              <a:t>flip (add </a:t>
+            </a:r>
+            <a:r>
+              <a:rPr lang="en-GB" sz="2800" dirty="0" smtClean="0">
+                <a:latin typeface="Courier New"/>
+                <a:cs typeface="Courier New"/>
+              </a:rPr>
+              <a:t>INDEX</a:t>
+            </a:r>
+            <a:r>
+              <a:rPr lang="en-GB" sz="2800" dirty="0" smtClean="0"/>
+              <a:t> or </a:t>
+            </a:r>
+            <a:r>
+              <a:rPr lang="en-GB" sz="2800" dirty="0" smtClean="0">
+                <a:latin typeface="Courier New"/>
+                <a:cs typeface="Courier New"/>
+              </a:rPr>
+              <a:t>VALUE</a:t>
+            </a:r>
+            <a:r>
+              <a:rPr lang="en-GB" sz="2800" dirty="0" smtClean="0"/>
+              <a:t> to control where to flip the bits)</a:t>
+            </a:r>
+            <a:endParaRPr lang="en-GB" sz="2800" dirty="0" smtClean="0"/>
+          </a:p>
+          <a:p>
+            <a:r>
+              <a:rPr lang="en-GB" sz="2800" dirty="0" smtClean="0"/>
+              <a:t>Example solutions are provided</a:t>
+            </a:r>
+            <a:endParaRPr lang="en-GB" sz="2800" dirty="0"/>
+          </a:p>
+        </p:txBody>
+      </p:sp>
+      <p:sp>
+        <p:nvSpPr>
+          <p:cNvPr id="4" name="Slide Number Placeholder 3"/>
+          <p:cNvSpPr>
+            <a:spLocks noGrp="1"/>
+          </p:cNvSpPr>
+          <p:nvPr>
+            <p:ph type="sldNum" sz="quarter" idx="10"/>
+          </p:nvPr>
+        </p:nvSpPr>
+        <p:spPr/>
+        <p:txBody>
+          <a:bodyPr/>
+          <a:lstStyle/>
+          <a:p>
+            <a:fld id="{D9B8CB04-7B95-2844-BD15-B133C35E4786}" type="slidenum">
+              <a:rPr lang="en-GB" smtClean="0"/>
+              <a:pPr/>
+              <a:t>55</a:t>
+            </a:fld>
+            <a:endParaRPr lang="en-GB"/>
+          </a:p>
+        </p:txBody>
+      </p:sp>
+    </p:spTree>
+    <p:extLst>
+      <p:ext uri="{BB962C8B-B14F-4D97-AF65-F5344CB8AC3E}">
+        <p14:creationId xmlns:p14="http://schemas.microsoft.com/office/powerpoint/2010/main" val="1795682848"/>
+      </p:ext>
+    </p:extLst>
+  </p:cSld>
+  <p:clrMapOvr>
+    <a:masterClrMapping/>
+  </p:clrMapOvr>
+  <mc:AlternateContent xmlns:mc="http://schemas.openxmlformats.org/markup-compatibility/2006" xmlns:p14="http://schemas.microsoft.com/office/powerpoint/2010/main">
+    <mc:Choice Requires="p14">
+      <p:transition spd="slow" p14:dur="2000"/>
+    </mc:Choice>
+    <mc:Fallback xmlns="">
+      <p:transition xmlns:p14="http://schemas.microsoft.com/office/powerpoint/2010/main" spd="slow"/>
+    </mc:Fallback>
+  </mc:AlternateContent>
+  <p:timing>
+    <p:tnLst>
+      <p:par>
+        <p:cTn xmlns:p14="http://schemas.microsoft.com/office/powerpoint/2010/main" id="1" dur="indefinite" restart="never" nodeType="tmRoot"/>
+      </p:par>
+    </p:tnLst>
+  </p:timing>
+</p:sld>
+</file>
+
+<file path=ppt/slides/slide56.xml><?xml version="1.0" encoding="utf-8"?>
+<p:sld xmlns:a="http://schemas.openxmlformats.org/drawingml/2006/main" xmlns:r="http://schemas.openxmlformats.org/officeDocument/2006/relationships" xmlns:p="http://schemas.openxmlformats.org/presentationml/2006/main">
+  <p:cSld>
+    <p:spTree>
+      <p:nvGrpSpPr>
+        <p:cNvPr id="1" name=""/>
+        <p:cNvGrpSpPr/>
+        <p:nvPr/>
+      </p:nvGrpSpPr>
+      <p:grpSpPr>
+        <a:xfrm>
+          <a:off x="0" y="0"/>
+          <a:ext cx="0" cy="0"/>
+          <a:chOff x="0" y="0"/>
+          <a:chExt cx="0" cy="0"/>
+        </a:xfrm>
+      </p:grpSpPr>
+      <p:sp>
+        <p:nvSpPr>
+          <p:cNvPr id="2" name="Title 1"/>
+          <p:cNvSpPr>
+            <a:spLocks noGrp="1"/>
+          </p:cNvSpPr>
+          <p:nvPr>
+            <p:ph type="title"/>
+          </p:nvPr>
+        </p:nvSpPr>
+        <p:spPr/>
+        <p:txBody>
+          <a:bodyPr/>
+          <a:lstStyle/>
+          <a:p>
+            <a:r>
+              <a:rPr lang="en-GB" dirty="0" smtClean="0"/>
+              <a:t>Software ECC exercise</a:t>
             </a:r>
             <a:endParaRPr lang="en-GB" dirty="0"/>
           </a:p>
@@ -56593,11 +57176,22 @@
                 <a:latin typeface="Courier New"/>
                 <a:cs typeface="Courier New"/>
               </a:rPr>
-              <a:t>–xx</a:t>
+              <a:t>–</a:t>
+            </a:r>
+            <a:r>
+              <a:rPr lang="en-GB" sz="2400" dirty="0" smtClean="0">
+                <a:latin typeface="Courier New"/>
+                <a:cs typeface="Courier New"/>
+              </a:rPr>
+              <a:t>x 2</a:t>
             </a:r>
             <a:r>
               <a:rPr lang="en-GB" sz="2400" dirty="0" smtClean="0"/>
-              <a:t>’ flag to inject a double-bit flip)</a:t>
+              <a:t>’ option to </a:t>
+            </a:r>
+            <a:r>
+              <a:rPr lang="en-GB" sz="2400" dirty="0" smtClean="0"/>
+              <a:t>inject a double-bit flip)</a:t>
             </a:r>
           </a:p>
           <a:p>
@@ -56636,7 +57230,7 @@
             <a:fld id="{D9B8CB04-7B95-2844-BD15-B133C35E4786}" type="slidenum">
               <a:rPr lang="en-GB" smtClean="0"/>
               <a:pPr/>
-              <a:t>54</a:t>
+              <a:t>56</a:t>
             </a:fld>
             <a:endParaRPr lang="en-GB"/>
           </a:p>

--- a/sparse-abft.pptx
+++ b/sparse-abft.pptx
@@ -2678,258 +2678,6 @@
       <dsp:cNvGrpSpPr/>
     </dsp:nvGrpSpPr>
     <dsp:grpSpPr/>
-    <dsp:sp modelId="{73C04BAC-058E-3C4D-AFA4-F4C0EA7379BB}">
-      <dsp:nvSpPr>
-        <dsp:cNvPr id="0" name=""/>
-        <dsp:cNvSpPr/>
-      </dsp:nvSpPr>
-      <dsp:spPr>
-        <a:xfrm>
-          <a:off x="977894" y="1"/>
-          <a:ext cx="6273810" cy="2530598"/>
-        </a:xfrm>
-        <a:prstGeom prst="ellipse">
-          <a:avLst/>
-        </a:prstGeom>
-        <a:solidFill>
-          <a:srgbClr val="FF0000">
-            <a:alpha val="50000"/>
-          </a:srgbClr>
-        </a:solidFill>
-        <a:ln>
-          <a:noFill/>
-        </a:ln>
-        <a:effectLst/>
-      </dsp:spPr>
-      <dsp:style>
-        <a:lnRef idx="0">
-          <a:scrgbClr r="0" g="0" b="0"/>
-        </a:lnRef>
-        <a:fillRef idx="3">
-          <a:scrgbClr r="0" g="0" b="0"/>
-        </a:fillRef>
-        <a:effectRef idx="0">
-          <a:scrgbClr r="0" g="0" b="0"/>
-        </a:effectRef>
-        <a:fontRef idx="minor">
-          <a:schemeClr val="tx1"/>
-        </a:fontRef>
-      </dsp:style>
-      <dsp:txBody>
-        <a:bodyPr spcFirstLastPara="0" vert="horz" wrap="square" lIns="0" tIns="0" rIns="0" bIns="0" numCol="1" spcCol="1270" anchor="ctr" anchorCtr="0">
-          <a:noAutofit/>
-        </a:bodyPr>
-        <a:lstStyle/>
-        <a:p>
-          <a:pPr lvl="0" algn="ctr" defTabSz="2533650">
-            <a:lnSpc>
-              <a:spcPct val="90000"/>
-            </a:lnSpc>
-            <a:spcBef>
-              <a:spcPct val="0"/>
-            </a:spcBef>
-            <a:spcAft>
-              <a:spcPct val="35000"/>
-            </a:spcAft>
-          </a:pPr>
-          <a:endParaRPr lang="en-GB" sz="5700" kern="1200" dirty="0"/>
-        </a:p>
-      </dsp:txBody>
-      <dsp:txXfrm>
-        <a:off x="1701796" y="340659"/>
-        <a:ext cx="4826007" cy="802978"/>
-      </dsp:txXfrm>
-    </dsp:sp>
-    <dsp:sp modelId="{2DA0EACF-5F00-3D46-8335-6F979672C82A}">
-      <dsp:nvSpPr>
-        <dsp:cNvPr id="0" name=""/>
-        <dsp:cNvSpPr/>
-      </dsp:nvSpPr>
-      <dsp:spPr>
-        <a:xfrm>
-          <a:off x="4124188" y="1493021"/>
-          <a:ext cx="3610109" cy="2436876"/>
-        </a:xfrm>
-        <a:prstGeom prst="ellipse">
-          <a:avLst/>
-        </a:prstGeom>
-        <a:solidFill>
-          <a:srgbClr val="008000">
-            <a:alpha val="50000"/>
-          </a:srgbClr>
-        </a:solidFill>
-        <a:ln w="50800">
-          <a:solidFill>
-            <a:schemeClr val="tx1"/>
-          </a:solidFill>
-        </a:ln>
-        <a:effectLst/>
-      </dsp:spPr>
-      <dsp:style>
-        <a:lnRef idx="0">
-          <a:scrgbClr r="0" g="0" b="0"/>
-        </a:lnRef>
-        <a:fillRef idx="3">
-          <a:scrgbClr r="0" g="0" b="0"/>
-        </a:fillRef>
-        <a:effectRef idx="0">
-          <a:scrgbClr r="0" g="0" b="0"/>
-        </a:effectRef>
-        <a:fontRef idx="minor">
-          <a:schemeClr val="tx1"/>
-        </a:fontRef>
-      </dsp:style>
-      <dsp:txBody>
-        <a:bodyPr spcFirstLastPara="0" vert="horz" wrap="square" lIns="0" tIns="0" rIns="0" bIns="0" numCol="1" spcCol="1270" anchor="ctr" anchorCtr="0">
-          <a:noAutofit/>
-        </a:bodyPr>
-        <a:lstStyle/>
-        <a:p>
-          <a:pPr lvl="0" algn="ctr" defTabSz="2889250">
-            <a:lnSpc>
-              <a:spcPct val="90000"/>
-            </a:lnSpc>
-            <a:spcBef>
-              <a:spcPct val="0"/>
-            </a:spcBef>
-            <a:spcAft>
-              <a:spcPct val="35000"/>
-            </a:spcAft>
-          </a:pPr>
-          <a:endParaRPr lang="en-GB" sz="6500" kern="1200" dirty="0"/>
-        </a:p>
-      </dsp:txBody>
-      <dsp:txXfrm>
-        <a:off x="6068093" y="1774199"/>
-        <a:ext cx="1388503" cy="1874520"/>
-      </dsp:txXfrm>
-    </dsp:sp>
-    <dsp:sp modelId="{7B9AF114-74BA-3744-805D-62A5188BCFCB}">
-      <dsp:nvSpPr>
-        <dsp:cNvPr id="0" name=""/>
-        <dsp:cNvSpPr/>
-      </dsp:nvSpPr>
-      <dsp:spPr>
-        <a:xfrm>
-          <a:off x="2006609" y="1774694"/>
-          <a:ext cx="3682996" cy="2530598"/>
-        </a:xfrm>
-        <a:prstGeom prst="ellipse">
-          <a:avLst/>
-        </a:prstGeom>
-        <a:solidFill>
-          <a:srgbClr val="3366FF">
-            <a:alpha val="50000"/>
-          </a:srgbClr>
-        </a:solidFill>
-        <a:ln w="50800">
-          <a:solidFill>
-            <a:schemeClr val="tx1"/>
-          </a:solidFill>
-        </a:ln>
-        <a:effectLst/>
-      </dsp:spPr>
-      <dsp:style>
-        <a:lnRef idx="0">
-          <a:scrgbClr r="0" g="0" b="0"/>
-        </a:lnRef>
-        <a:fillRef idx="3">
-          <a:scrgbClr r="0" g="0" b="0"/>
-        </a:fillRef>
-        <a:effectRef idx="0">
-          <a:scrgbClr r="0" g="0" b="0"/>
-        </a:effectRef>
-        <a:fontRef idx="minor">
-          <a:schemeClr val="tx1"/>
-        </a:fontRef>
-      </dsp:style>
-      <dsp:txBody>
-        <a:bodyPr spcFirstLastPara="0" vert="horz" wrap="square" lIns="0" tIns="0" rIns="0" bIns="0" numCol="1" spcCol="1270" anchor="ctr" anchorCtr="0">
-          <a:noAutofit/>
-        </a:bodyPr>
-        <a:lstStyle/>
-        <a:p>
-          <a:pPr lvl="0" algn="ctr" defTabSz="2533650">
-            <a:lnSpc>
-              <a:spcPct val="90000"/>
-            </a:lnSpc>
-            <a:spcBef>
-              <a:spcPct val="0"/>
-            </a:spcBef>
-            <a:spcAft>
-              <a:spcPct val="35000"/>
-            </a:spcAft>
-          </a:pPr>
-          <a:endParaRPr lang="en-GB" sz="5700" kern="1200" dirty="0"/>
-        </a:p>
-      </dsp:txBody>
-      <dsp:txXfrm>
-        <a:off x="2431571" y="3161656"/>
-        <a:ext cx="2833074" cy="802978"/>
-      </dsp:txXfrm>
-    </dsp:sp>
-    <dsp:sp modelId="{2BD88F83-3538-3045-A6C0-E832D22C5ED1}">
-      <dsp:nvSpPr>
-        <dsp:cNvPr id="0" name=""/>
-        <dsp:cNvSpPr/>
-      </dsp:nvSpPr>
-      <dsp:spPr>
-        <a:xfrm>
-          <a:off x="139688" y="1289834"/>
-          <a:ext cx="3400294" cy="2436876"/>
-        </a:xfrm>
-        <a:prstGeom prst="ellipse">
-          <a:avLst/>
-        </a:prstGeom>
-        <a:solidFill>
-          <a:srgbClr val="FFFF00">
-            <a:alpha val="50000"/>
-          </a:srgbClr>
-        </a:solidFill>
-        <a:ln>
-          <a:noFill/>
-        </a:ln>
-        <a:effectLst/>
-      </dsp:spPr>
-      <dsp:style>
-        <a:lnRef idx="0">
-          <a:scrgbClr r="0" g="0" b="0"/>
-        </a:lnRef>
-        <a:fillRef idx="3">
-          <a:scrgbClr r="0" g="0" b="0"/>
-        </a:fillRef>
-        <a:effectRef idx="0">
-          <a:scrgbClr r="0" g="0" b="0"/>
-        </a:effectRef>
-        <a:fontRef idx="minor">
-          <a:schemeClr val="tx1"/>
-        </a:fontRef>
-      </dsp:style>
-      <dsp:txBody>
-        <a:bodyPr spcFirstLastPara="0" vert="horz" wrap="square" lIns="0" tIns="0" rIns="0" bIns="0" numCol="1" spcCol="1270" anchor="ctr" anchorCtr="0">
-          <a:noAutofit/>
-        </a:bodyPr>
-        <a:lstStyle/>
-        <a:p>
-          <a:pPr lvl="0" algn="ctr" defTabSz="2889250">
-            <a:lnSpc>
-              <a:spcPct val="90000"/>
-            </a:lnSpc>
-            <a:spcBef>
-              <a:spcPct val="0"/>
-            </a:spcBef>
-            <a:spcAft>
-              <a:spcPct val="35000"/>
-            </a:spcAft>
-          </a:pPr>
-          <a:endParaRPr lang="en-GB" sz="6500" kern="1200" dirty="0"/>
-        </a:p>
-      </dsp:txBody>
-      <dsp:txXfrm>
-        <a:off x="401249" y="1571012"/>
-        <a:ext cx="1307805" cy="1874520"/>
-      </dsp:txXfrm>
-    </dsp:sp>
   </dsp:spTree>
 </dsp:drawing>
 </file>
@@ -6868,7 +6616,7 @@
             <a:fld id="{36830665-627D-8446-BB4C-F734FB643EF0}" type="datetime1">
               <a:rPr lang="en-US"/>
               <a:pPr/>
-              <a:t>20/04/16</a:t>
+              <a:t>21/04/16</a:t>
             </a:fld>
             <a:endParaRPr lang="en-US"/>
           </a:p>
@@ -8197,7 +7945,35 @@
           <a:bodyPr/>
           <a:lstStyle/>
           <a:p>
-            <a:endParaRPr lang="en-GB" dirty="0"/>
+            <a:r>
+              <a:rPr lang="en-GB" dirty="0" err="1" smtClean="0"/>
+              <a:t>TeaLeaf</a:t>
+            </a:r>
+            <a:r>
+              <a:rPr lang="en-GB" dirty="0" smtClean="0"/>
+              <a:t> uses CSR – </a:t>
+            </a:r>
+            <a:r>
+              <a:rPr lang="en-GB" dirty="0" err="1" smtClean="0"/>
+              <a:t>silghtly</a:t>
+            </a:r>
+            <a:r>
+              <a:rPr lang="en-GB" dirty="0" smtClean="0"/>
+              <a:t> </a:t>
+            </a:r>
+            <a:r>
+              <a:rPr lang="en-GB" smtClean="0"/>
+              <a:t>different</a:t>
+            </a:r>
+            <a:r>
+              <a:rPr lang="en-GB" baseline="0" smtClean="0"/>
+              <a:t> index</a:t>
+            </a:r>
+            <a:r>
+              <a:rPr lang="en-GB" smtClean="0"/>
+              <a:t> constraints</a:t>
+            </a:r>
+            <a:endParaRPr lang="en-GB"/>
           </a:p>
         </p:txBody>
       </p:sp>
@@ -8219,7 +7995,7 @@
             <a:fld id="{1C811BE7-51AF-BD41-88D3-08D74CFB37BF}" type="slidenum">
               <a:rPr lang="en-GB" smtClean="0"/>
               <a:pPr/>
-              <a:t>17</a:t>
+              <a:t>16</a:t>
             </a:fld>
             <a:endParaRPr lang="en-GB"/>
           </a:p>
@@ -8228,7 +8004,7 @@
     </p:spTree>
     <p:extLst>
       <p:ext uri="{BB962C8B-B14F-4D97-AF65-F5344CB8AC3E}">
-        <p14:creationId xmlns:p14="http://schemas.microsoft.com/office/powerpoint/2010/main" val="259544647"/>
+        <p14:creationId xmlns:p14="http://schemas.microsoft.com/office/powerpoint/2010/main" val="4051046800"/>
       </p:ext>
     </p:extLst>
   </p:cSld>
@@ -8304,7 +8080,7 @@
             <a:fld id="{1C811BE7-51AF-BD41-88D3-08D74CFB37BF}" type="slidenum">
               <a:rPr lang="en-GB" smtClean="0"/>
               <a:pPr/>
-              <a:t>18</a:t>
+              <a:t>17</a:t>
             </a:fld>
             <a:endParaRPr lang="en-GB"/>
           </a:p>
@@ -8367,31 +8143,6 @@
           <a:bodyPr/>
           <a:lstStyle/>
           <a:p>
-            <a:r>
-              <a:rPr lang="en-GB" dirty="0" smtClean="0"/>
-              <a:t>At Exascale, 10-20% could represent</a:t>
-            </a:r>
-            <a:r>
-              <a:rPr lang="en-GB" baseline="0" dirty="0" smtClean="0"/>
-              <a:t> a couple of </a:t>
-            </a:r>
-            <a:r>
-              <a:rPr lang="en-GB" baseline="0" dirty="0" err="1" smtClean="0"/>
-              <a:t>MegaWatts</a:t>
-            </a:r>
-            <a:r>
-              <a:rPr lang="en-GB" baseline="0" dirty="0" smtClean="0"/>
-              <a:t> and millions of dollars per year.</a:t>
-            </a:r>
-          </a:p>
-          <a:p>
-            <a:endParaRPr lang="en-GB" baseline="0" dirty="0" smtClean="0"/>
-          </a:p>
-          <a:p>
-            <a:r>
-              <a:rPr lang="en-GB" baseline="0" dirty="0" smtClean="0"/>
-              <a:t>Architectures such as GPUs already have the ability to selectively turn off ECC on external memory to save energy and increase performance.</a:t>
-            </a:r>
             <a:endParaRPr lang="en-GB" dirty="0"/>
           </a:p>
         </p:txBody>
@@ -8411,15 +8162,10 @@
           <a:bodyPr/>
           <a:lstStyle/>
           <a:p>
-            <a:pPr>
-              <a:defRPr/>
-            </a:pPr>
-            <a:fld id="{4082635D-059A-CB44-9BFE-E5877B2A18E3}" type="slidenum">
+            <a:fld id="{1C811BE7-51AF-BD41-88D3-08D74CFB37BF}" type="slidenum">
               <a:rPr lang="en-GB" smtClean="0"/>
-              <a:pPr>
-                <a:defRPr/>
-              </a:pPr>
-              <a:t>20</a:t>
+              <a:pPr/>
+              <a:t>18</a:t>
             </a:fld>
             <a:endParaRPr lang="en-GB"/>
           </a:p>
@@ -8428,7 +8174,7 @@
     </p:spTree>
     <p:extLst>
       <p:ext uri="{BB962C8B-B14F-4D97-AF65-F5344CB8AC3E}">
-        <p14:creationId xmlns:p14="http://schemas.microsoft.com/office/powerpoint/2010/main" val="611868313"/>
+        <p14:creationId xmlns:p14="http://schemas.microsoft.com/office/powerpoint/2010/main" val="259544647"/>
       </p:ext>
     </p:extLst>
   </p:cSld>
@@ -8484,45 +8230,28 @@
           <a:p>
             <a:r>
               <a:rPr lang="en-GB" dirty="0" smtClean="0"/>
-              <a:t>It's a bit more complicated</a:t>
+              <a:t>At Exascale, 10-20% could represent</a:t>
             </a:r>
             <a:r>
               <a:rPr lang="en-GB" baseline="0" dirty="0" smtClean="0"/>
-              <a:t> than this:</a:t>
-            </a:r>
-          </a:p>
-          <a:p>
-            <a:pPr marL="171450" indent="-171450">
-              <a:buFontTx/>
-              <a:buChar char="-"/>
-            </a:pPr>
+              <a:t> a couple of </a:t>
+            </a:r>
+            <a:r>
+              <a:rPr lang="en-GB" baseline="0" dirty="0" err="1" smtClean="0"/>
+              <a:t>MegaWatts</a:t>
+            </a:r>
             <a:r>
               <a:rPr lang="en-GB" baseline="0" dirty="0" smtClean="0"/>
-              <a:t>The bits can't be grouped as shown for a parity scheme to work </a:t>
-            </a:r>
-          </a:p>
-          <a:p>
-            <a:pPr marL="171450" indent="-171450">
-              <a:buFontTx/>
-              <a:buChar char="-"/>
-            </a:pPr>
+              <a:t> and millions of dollars per year.</a:t>
+            </a:r>
+          </a:p>
+          <a:p>
+            <a:endParaRPr lang="en-GB" baseline="0" dirty="0" smtClean="0"/>
+          </a:p>
+          <a:p>
             <a:r>
               <a:rPr lang="en-GB" baseline="0" dirty="0" smtClean="0"/>
-              <a:t>Instead have to be distributed through the fields that need protecting</a:t>
-            </a:r>
-          </a:p>
-          <a:p>
-            <a:pPr marL="171450" indent="-171450">
-              <a:buFontTx/>
-              <a:buChar char="-"/>
-            </a:pPr>
-            <a:r>
-              <a:rPr lang="en-GB" baseline="0" dirty="0" smtClean="0"/>
-              <a:t>Would require some construction/deconstruction as elements are accessed, but again just rudimentary instructions such as bit ops, shifts </a:t>
-            </a:r>
-            <a:r>
-              <a:rPr lang="en-GB" baseline="0" dirty="0" err="1" smtClean="0"/>
-              <a:t>etc</a:t>
+              <a:t>Architectures such as GPUs already have the ability to selectively turn off ECC on external memory to save energy and increase performance.</a:t>
             </a:r>
             <a:endParaRPr lang="en-GB" dirty="0"/>
           </a:p>
@@ -8551,7 +8280,7 @@
               <a:pPr>
                 <a:defRPr/>
               </a:pPr>
-              <a:t>21</a:t>
+              <a:t>20</a:t>
             </a:fld>
             <a:endParaRPr lang="en-GB"/>
           </a:p>
@@ -8560,7 +8289,7 @@
     </p:spTree>
     <p:extLst>
       <p:ext uri="{BB962C8B-B14F-4D97-AF65-F5344CB8AC3E}">
-        <p14:creationId xmlns:p14="http://schemas.microsoft.com/office/powerpoint/2010/main" val="2209820087"/>
+        <p14:creationId xmlns:p14="http://schemas.microsoft.com/office/powerpoint/2010/main" val="611868313"/>
       </p:ext>
     </p:extLst>
   </p:cSld>
@@ -8616,11 +8345,45 @@
           <a:p>
             <a:r>
               <a:rPr lang="en-GB" dirty="0" smtClean="0"/>
-              <a:t>Correction could be done with checkpoint</a:t>
+              <a:t>It's a bit more complicated</a:t>
             </a:r>
             <a:r>
               <a:rPr lang="en-GB" baseline="0" dirty="0" smtClean="0"/>
-              <a:t> restart, or reload from second copy of matrix</a:t>
+              <a:t> than this:</a:t>
+            </a:r>
+          </a:p>
+          <a:p>
+            <a:pPr marL="171450" indent="-171450">
+              <a:buFontTx/>
+              <a:buChar char="-"/>
+            </a:pPr>
+            <a:r>
+              <a:rPr lang="en-GB" baseline="0" dirty="0" smtClean="0"/>
+              <a:t>The bits can't be grouped as shown for a parity scheme to work </a:t>
+            </a:r>
+          </a:p>
+          <a:p>
+            <a:pPr marL="171450" indent="-171450">
+              <a:buFontTx/>
+              <a:buChar char="-"/>
+            </a:pPr>
+            <a:r>
+              <a:rPr lang="en-GB" baseline="0" dirty="0" smtClean="0"/>
+              <a:t>Instead have to be distributed through the fields that need protecting</a:t>
+            </a:r>
+          </a:p>
+          <a:p>
+            <a:pPr marL="171450" indent="-171450">
+              <a:buFontTx/>
+              <a:buChar char="-"/>
+            </a:pPr>
+            <a:r>
+              <a:rPr lang="en-GB" baseline="0" dirty="0" smtClean="0"/>
+              <a:t>Would require some construction/deconstruction as elements are accessed, but again just rudimentary instructions such as bit ops, shifts </a:t>
+            </a:r>
+            <a:r>
+              <a:rPr lang="en-GB" baseline="0" dirty="0" err="1" smtClean="0"/>
+              <a:t>etc</a:t>
             </a:r>
             <a:endParaRPr lang="en-GB" dirty="0"/>
           </a:p>
@@ -8641,10 +8404,15 @@
           <a:bodyPr/>
           <a:lstStyle/>
           <a:p>
-            <a:fld id="{1C811BE7-51AF-BD41-88D3-08D74CFB37BF}" type="slidenum">
+            <a:pPr>
+              <a:defRPr/>
+            </a:pPr>
+            <a:fld id="{4082635D-059A-CB44-9BFE-E5877B2A18E3}" type="slidenum">
               <a:rPr lang="en-GB" smtClean="0"/>
-              <a:pPr/>
-              <a:t>22</a:t>
+              <a:pPr>
+                <a:defRPr/>
+              </a:pPr>
+              <a:t>21</a:t>
             </a:fld>
             <a:endParaRPr lang="en-GB"/>
           </a:p>
@@ -8653,7 +8421,7 @@
     </p:spTree>
     <p:extLst>
       <p:ext uri="{BB962C8B-B14F-4D97-AF65-F5344CB8AC3E}">
-        <p14:creationId xmlns:p14="http://schemas.microsoft.com/office/powerpoint/2010/main" val="4264065732"/>
+        <p14:creationId xmlns:p14="http://schemas.microsoft.com/office/powerpoint/2010/main" val="2209820087"/>
       </p:ext>
     </p:extLst>
   </p:cSld>
@@ -8707,6 +8475,14 @@
           <a:bodyPr/>
           <a:lstStyle/>
           <a:p>
+            <a:r>
+              <a:rPr lang="en-GB" dirty="0" smtClean="0"/>
+              <a:t>Correction could be done with checkpoint</a:t>
+            </a:r>
+            <a:r>
+              <a:rPr lang="en-GB" baseline="0" dirty="0" smtClean="0"/>
+              <a:t> restart, or reload from second copy of matrix</a:t>
+            </a:r>
             <a:endParaRPr lang="en-GB" dirty="0"/>
           </a:p>
         </p:txBody>
@@ -8729,7 +8505,7 @@
             <a:fld id="{1C811BE7-51AF-BD41-88D3-08D74CFB37BF}" type="slidenum">
               <a:rPr lang="en-GB" smtClean="0"/>
               <a:pPr/>
-              <a:t>23</a:t>
+              <a:t>22</a:t>
             </a:fld>
             <a:endParaRPr lang="en-GB"/>
           </a:p>
@@ -8738,7 +8514,7 @@
     </p:spTree>
     <p:extLst>
       <p:ext uri="{BB962C8B-B14F-4D97-AF65-F5344CB8AC3E}">
-        <p14:creationId xmlns:p14="http://schemas.microsoft.com/office/powerpoint/2010/main" val="2442681378"/>
+        <p14:creationId xmlns:p14="http://schemas.microsoft.com/office/powerpoint/2010/main" val="4264065732"/>
       </p:ext>
     </p:extLst>
   </p:cSld>
@@ -8814,7 +8590,7 @@
             <a:fld id="{1C811BE7-51AF-BD41-88D3-08D74CFB37BF}" type="slidenum">
               <a:rPr lang="en-GB" smtClean="0"/>
               <a:pPr/>
-              <a:t>25</a:t>
+              <a:t>23</a:t>
             </a:fld>
             <a:endParaRPr lang="en-GB"/>
           </a:p>
@@ -8823,7 +8599,7 @@
     </p:spTree>
     <p:extLst>
       <p:ext uri="{BB962C8B-B14F-4D97-AF65-F5344CB8AC3E}">
-        <p14:creationId xmlns:p14="http://schemas.microsoft.com/office/powerpoint/2010/main" val="1269505060"/>
+        <p14:creationId xmlns:p14="http://schemas.microsoft.com/office/powerpoint/2010/main" val="2442681378"/>
       </p:ext>
     </p:extLst>
   </p:cSld>
@@ -8966,14 +8742,6 @@
           <a:bodyPr/>
           <a:lstStyle/>
           <a:p>
-            <a:r>
-              <a:rPr lang="en-GB" dirty="0" smtClean="0"/>
-              <a:t>Invented by</a:t>
-            </a:r>
-            <a:r>
-              <a:rPr lang="en-GB" baseline="0" dirty="0" smtClean="0"/>
-              <a:t> Richard Hamming (Bell labs) in 1950</a:t>
-            </a:r>
             <a:endParaRPr lang="en-GB" dirty="0"/>
           </a:p>
         </p:txBody>
@@ -8996,7 +8764,7 @@
             <a:fld id="{1C811BE7-51AF-BD41-88D3-08D74CFB37BF}" type="slidenum">
               <a:rPr lang="en-GB" smtClean="0"/>
               <a:pPr/>
-              <a:t>29</a:t>
+              <a:t>25</a:t>
             </a:fld>
             <a:endParaRPr lang="en-GB"/>
           </a:p>
@@ -9005,7 +8773,7 @@
     </p:spTree>
     <p:extLst>
       <p:ext uri="{BB962C8B-B14F-4D97-AF65-F5344CB8AC3E}">
-        <p14:creationId xmlns:p14="http://schemas.microsoft.com/office/powerpoint/2010/main" val="3271489321"/>
+        <p14:creationId xmlns:p14="http://schemas.microsoft.com/office/powerpoint/2010/main" val="1269505060"/>
       </p:ext>
     </p:extLst>
   </p:cSld>
@@ -9061,17 +8829,11 @@
           <a:p>
             <a:r>
               <a:rPr lang="en-GB" dirty="0" smtClean="0"/>
-              <a:t>This illustrates the way that each bit</a:t>
+              <a:t>Invented by</a:t>
             </a:r>
             <a:r>
               <a:rPr lang="en-GB" baseline="0" dirty="0" smtClean="0"/>
-              <a:t> is protected by a unique set of parity bits</a:t>
-            </a:r>
-          </a:p>
-          <a:p>
-            <a:r>
-              <a:rPr lang="en-GB" baseline="0" dirty="0" smtClean="0"/>
-              <a:t>e.g. if bit 9 flipped, will show up in parity bits 1 and 4</a:t>
+              <a:t> Richard Hamming (Bell labs) in 1950</a:t>
             </a:r>
             <a:endParaRPr lang="en-GB" dirty="0"/>
           </a:p>
@@ -9095,7 +8857,7 @@
             <a:fld id="{1C811BE7-51AF-BD41-88D3-08D74CFB37BF}" type="slidenum">
               <a:rPr lang="en-GB" smtClean="0"/>
               <a:pPr/>
-              <a:t>31</a:t>
+              <a:t>29</a:t>
             </a:fld>
             <a:endParaRPr lang="en-GB"/>
           </a:p>
@@ -9104,7 +8866,7 @@
     </p:spTree>
     <p:extLst>
       <p:ext uri="{BB962C8B-B14F-4D97-AF65-F5344CB8AC3E}">
-        <p14:creationId xmlns:p14="http://schemas.microsoft.com/office/powerpoint/2010/main" val="2403286589"/>
+        <p14:creationId xmlns:p14="http://schemas.microsoft.com/office/powerpoint/2010/main" val="3271489321"/>
       </p:ext>
     </p:extLst>
   </p:cSld>
@@ -9158,6 +8920,20 @@
           <a:bodyPr/>
           <a:lstStyle/>
           <a:p>
+            <a:r>
+              <a:rPr lang="en-GB" dirty="0" smtClean="0"/>
+              <a:t>This illustrates the way that each bit</a:t>
+            </a:r>
+            <a:r>
+              <a:rPr lang="en-GB" baseline="0" dirty="0" smtClean="0"/>
+              <a:t> is protected by a unique set of parity bits</a:t>
+            </a:r>
+          </a:p>
+          <a:p>
+            <a:r>
+              <a:rPr lang="en-GB" baseline="0" dirty="0" smtClean="0"/>
+              <a:t>e.g. if bit 9 flipped, will show up in parity bits 1 and 4</a:t>
+            </a:r>
             <a:endParaRPr lang="en-GB" dirty="0"/>
           </a:p>
         </p:txBody>
@@ -9180,7 +8956,7 @@
             <a:fld id="{1C811BE7-51AF-BD41-88D3-08D74CFB37BF}" type="slidenum">
               <a:rPr lang="en-GB" smtClean="0"/>
               <a:pPr/>
-              <a:t>33</a:t>
+              <a:t>31</a:t>
             </a:fld>
             <a:endParaRPr lang="en-GB"/>
           </a:p>
@@ -9189,7 +8965,7 @@
     </p:spTree>
     <p:extLst>
       <p:ext uri="{BB962C8B-B14F-4D97-AF65-F5344CB8AC3E}">
-        <p14:creationId xmlns:p14="http://schemas.microsoft.com/office/powerpoint/2010/main" val="2442681378"/>
+        <p14:creationId xmlns:p14="http://schemas.microsoft.com/office/powerpoint/2010/main" val="2403286589"/>
       </p:ext>
     </p:extLst>
   </p:cSld>
@@ -9265,7 +9041,7 @@
             <a:fld id="{1C811BE7-51AF-BD41-88D3-08D74CFB37BF}" type="slidenum">
               <a:rPr lang="en-GB" smtClean="0"/>
               <a:pPr/>
-              <a:t>34</a:t>
+              <a:t>33</a:t>
             </a:fld>
             <a:endParaRPr lang="en-GB"/>
           </a:p>
@@ -9350,7 +9126,7 @@
             <a:fld id="{1C811BE7-51AF-BD41-88D3-08D74CFB37BF}" type="slidenum">
               <a:rPr lang="en-GB" smtClean="0"/>
               <a:pPr/>
-              <a:t>35</a:t>
+              <a:t>34</a:t>
             </a:fld>
             <a:endParaRPr lang="en-GB"/>
           </a:p>
@@ -9435,7 +9211,7 @@
             <a:fld id="{1C811BE7-51AF-BD41-88D3-08D74CFB37BF}" type="slidenum">
               <a:rPr lang="en-GB" smtClean="0"/>
               <a:pPr/>
-              <a:t>36</a:t>
+              <a:t>35</a:t>
             </a:fld>
             <a:endParaRPr lang="en-GB"/>
           </a:p>
@@ -9520,7 +9296,7 @@
             <a:fld id="{1C811BE7-51AF-BD41-88D3-08D74CFB37BF}" type="slidenum">
               <a:rPr lang="en-GB" smtClean="0"/>
               <a:pPr/>
-              <a:t>37</a:t>
+              <a:t>36</a:t>
             </a:fld>
             <a:endParaRPr lang="en-GB"/>
           </a:p>
@@ -9605,7 +9381,7 @@
             <a:fld id="{1C811BE7-51AF-BD41-88D3-08D74CFB37BF}" type="slidenum">
               <a:rPr lang="en-GB" smtClean="0"/>
               <a:pPr/>
-              <a:t>38</a:t>
+              <a:t>37</a:t>
             </a:fld>
             <a:endParaRPr lang="en-GB"/>
           </a:p>
@@ -9690,7 +9466,7 @@
             <a:fld id="{1C811BE7-51AF-BD41-88D3-08D74CFB37BF}" type="slidenum">
               <a:rPr lang="en-GB" smtClean="0"/>
               <a:pPr/>
-              <a:t>39</a:t>
+              <a:t>38</a:t>
             </a:fld>
             <a:endParaRPr lang="en-GB"/>
           </a:p>
@@ -9775,7 +9551,7 @@
             <a:fld id="{1C811BE7-51AF-BD41-88D3-08D74CFB37BF}" type="slidenum">
               <a:rPr lang="en-GB" smtClean="0"/>
               <a:pPr/>
-              <a:t>40</a:t>
+              <a:t>39</a:t>
             </a:fld>
             <a:endParaRPr lang="en-GB"/>
           </a:p>
@@ -9949,7 +9725,7 @@
             <a:fld id="{1C811BE7-51AF-BD41-88D3-08D74CFB37BF}" type="slidenum">
               <a:rPr lang="en-GB" smtClean="0"/>
               <a:pPr/>
-              <a:t>42</a:t>
+              <a:t>40</a:t>
             </a:fld>
             <a:endParaRPr lang="en-GB"/>
           </a:p>
@@ -10012,10 +9788,6 @@
           <a:bodyPr/>
           <a:lstStyle/>
           <a:p>
-            <a:r>
-              <a:rPr lang="en-GB" dirty="0" smtClean="0"/>
-              <a:t>Masks will change if you change where you store the parity bits</a:t>
-            </a:r>
             <a:endParaRPr lang="en-GB" dirty="0"/>
           </a:p>
         </p:txBody>
@@ -10038,7 +9810,7 @@
             <a:fld id="{1C811BE7-51AF-BD41-88D3-08D74CFB37BF}" type="slidenum">
               <a:rPr lang="en-GB" smtClean="0"/>
               <a:pPr/>
-              <a:t>45</a:t>
+              <a:t>42</a:t>
             </a:fld>
             <a:endParaRPr lang="en-GB"/>
           </a:p>
@@ -10047,7 +9819,7 @@
     </p:spTree>
     <p:extLst>
       <p:ext uri="{BB962C8B-B14F-4D97-AF65-F5344CB8AC3E}">
-        <p14:creationId xmlns:p14="http://schemas.microsoft.com/office/powerpoint/2010/main" val="2174565375"/>
+        <p14:creationId xmlns:p14="http://schemas.microsoft.com/office/powerpoint/2010/main" val="2442681378"/>
       </p:ext>
     </p:extLst>
   </p:cSld>
@@ -10103,11 +9875,7 @@
           <a:p>
             <a:r>
               <a:rPr lang="en-GB" dirty="0" smtClean="0"/>
-              <a:t>Since data corruption should be very infrequent,</a:t>
-            </a:r>
-            <a:r>
-              <a:rPr lang="en-GB" baseline="0" dirty="0" smtClean="0"/>
-              <a:t> we will very rarely pay the full cost of checking all 7 parity bits</a:t>
+              <a:t>Masks will change if you change where you store the parity bits</a:t>
             </a:r>
             <a:endParaRPr lang="en-GB" dirty="0"/>
           </a:p>
@@ -10131,7 +9899,7 @@
             <a:fld id="{1C811BE7-51AF-BD41-88D3-08D74CFB37BF}" type="slidenum">
               <a:rPr lang="en-GB" smtClean="0"/>
               <a:pPr/>
-              <a:t>47</a:t>
+              <a:t>45</a:t>
             </a:fld>
             <a:endParaRPr lang="en-GB"/>
           </a:p>
@@ -10140,7 +9908,7 @@
     </p:spTree>
     <p:extLst>
       <p:ext uri="{BB962C8B-B14F-4D97-AF65-F5344CB8AC3E}">
-        <p14:creationId xmlns:p14="http://schemas.microsoft.com/office/powerpoint/2010/main" val="645188229"/>
+        <p14:creationId xmlns:p14="http://schemas.microsoft.com/office/powerpoint/2010/main" val="2174565375"/>
       </p:ext>
     </p:extLst>
   </p:cSld>
@@ -10194,6 +9962,14 @@
           <a:bodyPr/>
           <a:lstStyle/>
           <a:p>
+            <a:r>
+              <a:rPr lang="en-GB" dirty="0" smtClean="0"/>
+              <a:t>Since data corruption should be very infrequent,</a:t>
+            </a:r>
+            <a:r>
+              <a:rPr lang="en-GB" baseline="0" dirty="0" smtClean="0"/>
+              <a:t> we will very rarely pay the full cost of checking all 7 parity bits</a:t>
+            </a:r>
             <a:endParaRPr lang="en-GB" dirty="0"/>
           </a:p>
         </p:txBody>
@@ -10216,7 +9992,7 @@
             <a:fld id="{1C811BE7-51AF-BD41-88D3-08D74CFB37BF}" type="slidenum">
               <a:rPr lang="en-GB" smtClean="0"/>
               <a:pPr/>
-              <a:t>48</a:t>
+              <a:t>47</a:t>
             </a:fld>
             <a:endParaRPr lang="en-GB"/>
           </a:p>
@@ -10225,7 +10001,7 @@
     </p:spTree>
     <p:extLst>
       <p:ext uri="{BB962C8B-B14F-4D97-AF65-F5344CB8AC3E}">
-        <p14:creationId xmlns:p14="http://schemas.microsoft.com/office/powerpoint/2010/main" val="2174565375"/>
+        <p14:creationId xmlns:p14="http://schemas.microsoft.com/office/powerpoint/2010/main" val="645188229"/>
       </p:ext>
     </p:extLst>
   </p:cSld>
@@ -10301,7 +10077,7 @@
             <a:fld id="{1C811BE7-51AF-BD41-88D3-08D74CFB37BF}" type="slidenum">
               <a:rPr lang="en-GB" smtClean="0"/>
               <a:pPr/>
-              <a:t>50</a:t>
+              <a:t>48</a:t>
             </a:fld>
             <a:endParaRPr lang="en-GB"/>
           </a:p>
@@ -10310,7 +10086,7 @@
     </p:spTree>
     <p:extLst>
       <p:ext uri="{BB962C8B-B14F-4D97-AF65-F5344CB8AC3E}">
-        <p14:creationId xmlns:p14="http://schemas.microsoft.com/office/powerpoint/2010/main" val="645188229"/>
+        <p14:creationId xmlns:p14="http://schemas.microsoft.com/office/powerpoint/2010/main" val="2174565375"/>
       </p:ext>
     </p:extLst>
   </p:cSld>
@@ -10386,7 +10162,7 @@
             <a:fld id="{1C811BE7-51AF-BD41-88D3-08D74CFB37BF}" type="slidenum">
               <a:rPr lang="en-GB" smtClean="0"/>
               <a:pPr/>
-              <a:t>51</a:t>
+              <a:t>50</a:t>
             </a:fld>
             <a:endParaRPr lang="en-GB"/>
           </a:p>
@@ -10395,7 +10171,7 @@
     </p:spTree>
     <p:extLst>
       <p:ext uri="{BB962C8B-B14F-4D97-AF65-F5344CB8AC3E}">
-        <p14:creationId xmlns:p14="http://schemas.microsoft.com/office/powerpoint/2010/main" val="2174565375"/>
+        <p14:creationId xmlns:p14="http://schemas.microsoft.com/office/powerpoint/2010/main" val="645188229"/>
       </p:ext>
     </p:extLst>
   </p:cSld>
@@ -10449,22 +10225,6 @@
           <a:bodyPr/>
           <a:lstStyle/>
           <a:p>
-            <a:r>
-              <a:rPr lang="en-GB" dirty="0" smtClean="0"/>
-              <a:t>Could run expensive schemes only every</a:t>
-            </a:r>
-            <a:r>
-              <a:rPr lang="en-GB" baseline="0" dirty="0" smtClean="0"/>
-              <a:t> X iterations to reduce overheads (need checkpoint to </a:t>
-            </a:r>
-            <a:r>
-              <a:rPr lang="en-GB" baseline="0" dirty="0" err="1" smtClean="0"/>
-              <a:t>fallback</a:t>
-            </a:r>
-            <a:r>
-              <a:rPr lang="en-GB" baseline="0" dirty="0" smtClean="0"/>
-              <a:t> on)</a:t>
-            </a:r>
             <a:endParaRPr lang="en-GB" dirty="0"/>
           </a:p>
         </p:txBody>
@@ -10487,7 +10247,7 @@
             <a:fld id="{1C811BE7-51AF-BD41-88D3-08D74CFB37BF}" type="slidenum">
               <a:rPr lang="en-GB" smtClean="0"/>
               <a:pPr/>
-              <a:t>52</a:t>
+              <a:t>51</a:t>
             </a:fld>
             <a:endParaRPr lang="en-GB"/>
           </a:p>
@@ -10496,7 +10256,7 @@
     </p:spTree>
     <p:extLst>
       <p:ext uri="{BB962C8B-B14F-4D97-AF65-F5344CB8AC3E}">
-        <p14:creationId xmlns:p14="http://schemas.microsoft.com/office/powerpoint/2010/main" val="2761030481"/>
+        <p14:creationId xmlns:p14="http://schemas.microsoft.com/office/powerpoint/2010/main" val="2174565375"/>
       </p:ext>
     </p:extLst>
   </p:cSld>
@@ -10550,6 +10310,107 @@
           <a:bodyPr/>
           <a:lstStyle/>
           <a:p>
+            <a:r>
+              <a:rPr lang="en-GB" dirty="0" smtClean="0"/>
+              <a:t>Could run expensive schemes only every</a:t>
+            </a:r>
+            <a:r>
+              <a:rPr lang="en-GB" baseline="0" dirty="0" smtClean="0"/>
+              <a:t> X iterations to reduce overheads (need checkpoint to </a:t>
+            </a:r>
+            <a:r>
+              <a:rPr lang="en-GB" baseline="0" dirty="0" err="1" smtClean="0"/>
+              <a:t>fallback</a:t>
+            </a:r>
+            <a:r>
+              <a:rPr lang="en-GB" baseline="0" dirty="0" smtClean="0"/>
+              <a:t> on)</a:t>
+            </a:r>
+            <a:endParaRPr lang="en-GB" dirty="0"/>
+          </a:p>
+        </p:txBody>
+      </p:sp>
+      <p:sp>
+        <p:nvSpPr>
+          <p:cNvPr id="4" name="Slide Number Placeholder 3"/>
+          <p:cNvSpPr>
+            <a:spLocks noGrp="1"/>
+          </p:cNvSpPr>
+          <p:nvPr>
+            <p:ph type="sldNum" sz="quarter" idx="10"/>
+          </p:nvPr>
+        </p:nvSpPr>
+        <p:spPr/>
+        <p:txBody>
+          <a:bodyPr/>
+          <a:lstStyle/>
+          <a:p>
+            <a:fld id="{1C811BE7-51AF-BD41-88D3-08D74CFB37BF}" type="slidenum">
+              <a:rPr lang="en-GB" smtClean="0"/>
+              <a:pPr/>
+              <a:t>52</a:t>
+            </a:fld>
+            <a:endParaRPr lang="en-GB"/>
+          </a:p>
+        </p:txBody>
+      </p:sp>
+    </p:spTree>
+    <p:extLst>
+      <p:ext uri="{BB962C8B-B14F-4D97-AF65-F5344CB8AC3E}">
+        <p14:creationId xmlns:p14="http://schemas.microsoft.com/office/powerpoint/2010/main" val="2761030481"/>
+      </p:ext>
+    </p:extLst>
+  </p:cSld>
+  <p:clrMapOvr>
+    <a:masterClrMapping/>
+  </p:clrMapOvr>
+</p:notes>
+</file>
+
+<file path=ppt/notesSlides/notesSlide38.xml><?xml version="1.0" encoding="utf-8"?>
+<p:notes xmlns:a="http://schemas.openxmlformats.org/drawingml/2006/main" xmlns:r="http://schemas.openxmlformats.org/officeDocument/2006/relationships" xmlns:p="http://schemas.openxmlformats.org/presentationml/2006/main">
+  <p:cSld>
+    <p:spTree>
+      <p:nvGrpSpPr>
+        <p:cNvPr id="1" name=""/>
+        <p:cNvGrpSpPr/>
+        <p:nvPr/>
+      </p:nvGrpSpPr>
+      <p:grpSpPr>
+        <a:xfrm>
+          <a:off x="0" y="0"/>
+          <a:ext cx="0" cy="0"/>
+          <a:chOff x="0" y="0"/>
+          <a:chExt cx="0" cy="0"/>
+        </a:xfrm>
+      </p:grpSpPr>
+      <p:sp>
+        <p:nvSpPr>
+          <p:cNvPr id="2" name="Slide Image Placeholder 1"/>
+          <p:cNvSpPr>
+            <a:spLocks noGrp="1" noRot="1" noChangeAspect="1"/>
+          </p:cNvSpPr>
+          <p:nvPr>
+            <p:ph type="sldImg"/>
+          </p:nvPr>
+        </p:nvSpPr>
+        <p:spPr/>
+      </p:sp>
+      <p:sp>
+        <p:nvSpPr>
+          <p:cNvPr id="3" name="Notes Placeholder 2"/>
+          <p:cNvSpPr>
+            <a:spLocks noGrp="1"/>
+          </p:cNvSpPr>
+          <p:nvPr>
+            <p:ph type="body" idx="1"/>
+          </p:nvPr>
+        </p:nvSpPr>
+        <p:spPr/>
+        <p:txBody>
+          <a:bodyPr/>
+          <a:lstStyle/>
+          <a:p>
             <a:endParaRPr lang="en-GB" dirty="0"/>
           </a:p>
         </p:txBody>
@@ -10591,7 +10452,7 @@
 </p:notes>
 </file>
 
-<file path=ppt/notesSlides/notesSlide38.xml><?xml version="1.0" encoding="utf-8"?>
+<file path=ppt/notesSlides/notesSlide39.xml><?xml version="1.0" encoding="utf-8"?>
 <p:notes xmlns:a="http://schemas.openxmlformats.org/drawingml/2006/main" xmlns:r="http://schemas.openxmlformats.org/officeDocument/2006/relationships" xmlns:p="http://schemas.openxmlformats.org/presentationml/2006/main">
   <p:cSld>
     <p:spTree>
@@ -11251,8 +11112,12 @@
           <a:lstStyle/>
           <a:p>
             <a:r>
+              <a:rPr lang="en-GB" smtClean="0"/>
+              <a:t>NASA </a:t>
+            </a:r>
+            <a:r>
               <a:rPr lang="en-GB" dirty="0" smtClean="0"/>
-              <a:t>NSAS shuttle rocket booster</a:t>
+              <a:t>shuttle rocket booster</a:t>
             </a:r>
           </a:p>
           <a:p>
@@ -17715,7 +17580,7 @@
       </p:grpSpPr>
       <p:pic>
         <p:nvPicPr>
-          <p:cNvPr id="25" name="Picture 24" descr="nasasrb.png"/>
+          <p:cNvPr id="18" name="Picture 17" descr="nasasrb.pdf"/>
           <p:cNvPicPr>
             <a:picLocks noChangeAspect="1"/>
           </p:cNvPicPr>
@@ -17734,9 +17599,9 @@
           </a:stretch>
         </p:blipFill>
         <p:spPr>
-          <a:xfrm>
-            <a:off x="7278479" y="107835"/>
-            <a:ext cx="1533652" cy="1150239"/>
+          <a:xfrm rot="5400000">
+            <a:off x="1328677" y="-297543"/>
+            <a:ext cx="6100528" cy="7894800"/>
           </a:xfrm>
           <a:prstGeom prst="rect">
             <a:avLst/>
@@ -17745,14 +17610,14 @@
       </p:pic>
       <p:pic>
         <p:nvPicPr>
-          <p:cNvPr id="26" name="Picture 25" descr="nasasrb.pdf"/>
+          <p:cNvPr id="25" name="Picture 24" descr="nasasrb.png"/>
           <p:cNvPicPr>
             <a:picLocks noChangeAspect="1"/>
           </p:cNvPicPr>
           <p:nvPr/>
         </p:nvPicPr>
         <p:blipFill>
-          <a:blip>
+          <a:blip r:embed="rId4">
             <a:extLst>
               <a:ext uri="{28A0092B-C50C-407E-A947-70E740481C1C}">
                 <a14:useLocalDpi xmlns:a14="http://schemas.microsoft.com/office/drawing/2010/main" val="0"/>
@@ -17764,9 +17629,9 @@
           </a:stretch>
         </p:blipFill>
         <p:spPr>
-          <a:xfrm rot="5400000">
-            <a:off x="1328677" y="-297543"/>
-            <a:ext cx="6100528" cy="7894800"/>
+          <a:xfrm>
+            <a:off x="7278479" y="107835"/>
+            <a:ext cx="1533652" cy="1150239"/>
           </a:xfrm>
           <a:prstGeom prst="rect">
             <a:avLst/>
@@ -19402,6 +19267,13 @@
       <p:transition xmlns:p14="http://schemas.microsoft.com/office/powerpoint/2010/main" spd="slow"/>
     </mc:Fallback>
   </mc:AlternateContent>
+  <p:timing>
+    <p:tnLst>
+      <p:par>
+        <p:cTn xmlns:p14="http://schemas.microsoft.com/office/powerpoint/2010/main" id="1" dur="indefinite" restart="never" nodeType="tmRoot"/>
+      </p:par>
+    </p:tnLst>
+  </p:timing>
 </p:sld>
 </file>
 
@@ -19555,7 +19427,6 @@
               <a:rPr lang="en-GB" dirty="0" smtClean="0"/>
               <a:t>’)</a:t>
             </a:r>
-            <a:endParaRPr lang="en-GB" dirty="0" smtClean="0"/>
           </a:p>
         </p:txBody>
       </p:sp>
@@ -19700,7 +19571,6 @@
               <a:rPr lang="en-GB" dirty="0" smtClean="0"/>
               <a:t>)</a:t>
             </a:r>
-            <a:endParaRPr lang="en-GB" dirty="0" smtClean="0"/>
           </a:p>
           <a:p>
             <a:pPr lvl="1"/>
@@ -19748,7 +19618,6 @@
               <a:rPr lang="en-GB" dirty="0" smtClean="0"/>
               <a:t>scheme yourself!</a:t>
             </a:r>
-            <a:endParaRPr lang="en-GB" dirty="0" smtClean="0"/>
           </a:p>
         </p:txBody>
       </p:sp>
@@ -56989,7 +56858,6 @@
               <a:rPr lang="en-GB" sz="2800" dirty="0" smtClean="0"/>
               <a:t> to control where to flip the bits)</a:t>
             </a:r>
-            <a:endParaRPr lang="en-GB" sz="2800" dirty="0" smtClean="0"/>
           </a:p>
           <a:p>
             <a:r>
@@ -57176,22 +57044,11 @@
                 <a:latin typeface="Courier New"/>
                 <a:cs typeface="Courier New"/>
               </a:rPr>
-              <a:t>–</a:t>
-            </a:r>
-            <a:r>
-              <a:rPr lang="en-GB" sz="2400" dirty="0" smtClean="0">
-                <a:latin typeface="Courier New"/>
-                <a:cs typeface="Courier New"/>
-              </a:rPr>
-              <a:t>x 2</a:t>
+              <a:t>–x 2</a:t>
             </a:r>
             <a:r>
               <a:rPr lang="en-GB" sz="2400" dirty="0" smtClean="0"/>
-              <a:t>’ option to </a:t>
-            </a:r>
-            <a:r>
-              <a:rPr lang="en-GB" sz="2400" dirty="0" smtClean="0"/>
-              <a:t>inject a double-bit flip)</a:t>
+              <a:t>’ option to inject a double-bit flip)</a:t>
             </a:r>
           </a:p>
           <a:p>
